--- a/DATN_Presentation.pptx
+++ b/DATN_Presentation.pptx
@@ -10,16 +10,16 @@
   <p:sldIdLst>
     <p:sldId id="256" r:id="rId2"/>
     <p:sldId id="257" r:id="rId3"/>
-    <p:sldId id="259" r:id="rId4"/>
-    <p:sldId id="281" r:id="rId5"/>
-    <p:sldId id="260" r:id="rId6"/>
-    <p:sldId id="261" r:id="rId7"/>
-    <p:sldId id="264" r:id="rId8"/>
-    <p:sldId id="284" r:id="rId9"/>
-    <p:sldId id="285" r:id="rId10"/>
-    <p:sldId id="286" r:id="rId11"/>
-    <p:sldId id="287" r:id="rId12"/>
-    <p:sldId id="288" r:id="rId13"/>
+    <p:sldId id="281" r:id="rId4"/>
+    <p:sldId id="260" r:id="rId5"/>
+    <p:sldId id="261" r:id="rId6"/>
+    <p:sldId id="264" r:id="rId7"/>
+    <p:sldId id="284" r:id="rId8"/>
+    <p:sldId id="285" r:id="rId9"/>
+    <p:sldId id="286" r:id="rId10"/>
+    <p:sldId id="287" r:id="rId11"/>
+    <p:sldId id="288" r:id="rId12"/>
+    <p:sldId id="289" r:id="rId13"/>
     <p:sldId id="278" r:id="rId14"/>
     <p:sldId id="282" r:id="rId15"/>
     <p:sldId id="283" r:id="rId16"/>
@@ -1863,10 +1863,514 @@
         <a:lstStyle/>
         <a:p>
           <a:r>
-            <a:rPr lang="en-US" smtClean="0"/>
-            <a:t>Android là hệ điều hành điện thoại di động mã nguồn mở miễn phí do Google phát triển dựa trên nền tảng của Linux. Bất kỳ một hãng sản xuất phần cứng nào cũng đều có thể tự do sử dụng hệ điều hành Android cho thiết bị của mình, miễn là các thiết bị ấy đáp ứng được các tiêu chuẩn cơ bản do Google đặt ra (có cảm ứng chạm, GPS, 3G,...).</a:t>
+            <a:rPr lang="en-US" dirty="0" smtClean="0"/>
+            <a:t>Android </a:t>
           </a:r>
-          <a:endParaRPr lang="en-US"/>
+          <a:r>
+            <a:rPr lang="en-US" dirty="0" err="1" smtClean="0"/>
+            <a:t>là</a:t>
+          </a:r>
+          <a:r>
+            <a:rPr lang="en-US" dirty="0" smtClean="0"/>
+            <a:t> </a:t>
+          </a:r>
+          <a:r>
+            <a:rPr lang="en-US" dirty="0" err="1" smtClean="0"/>
+            <a:t>hệ</a:t>
+          </a:r>
+          <a:r>
+            <a:rPr lang="en-US" dirty="0" smtClean="0"/>
+            <a:t> </a:t>
+          </a:r>
+          <a:r>
+            <a:rPr lang="en-US" dirty="0" err="1" smtClean="0"/>
+            <a:t>điều</a:t>
+          </a:r>
+          <a:r>
+            <a:rPr lang="en-US" dirty="0" smtClean="0"/>
+            <a:t> </a:t>
+          </a:r>
+          <a:r>
+            <a:rPr lang="en-US" dirty="0" err="1" smtClean="0"/>
+            <a:t>hành</a:t>
+          </a:r>
+          <a:r>
+            <a:rPr lang="en-US" dirty="0" smtClean="0"/>
+            <a:t> </a:t>
+          </a:r>
+          <a:r>
+            <a:rPr lang="en-US" dirty="0" err="1" smtClean="0"/>
+            <a:t>điện</a:t>
+          </a:r>
+          <a:r>
+            <a:rPr lang="en-US" dirty="0" smtClean="0"/>
+            <a:t> </a:t>
+          </a:r>
+          <a:r>
+            <a:rPr lang="en-US" dirty="0" err="1" smtClean="0"/>
+            <a:t>thoại</a:t>
+          </a:r>
+          <a:r>
+            <a:rPr lang="en-US" dirty="0" smtClean="0"/>
+            <a:t> di </a:t>
+          </a:r>
+          <a:r>
+            <a:rPr lang="en-US" dirty="0" err="1" smtClean="0"/>
+            <a:t>động</a:t>
+          </a:r>
+          <a:r>
+            <a:rPr lang="en-US" dirty="0" smtClean="0"/>
+            <a:t> </a:t>
+          </a:r>
+          <a:r>
+            <a:rPr lang="en-US" dirty="0" err="1" smtClean="0"/>
+            <a:t>mã</a:t>
+          </a:r>
+          <a:r>
+            <a:rPr lang="en-US" dirty="0" smtClean="0"/>
+            <a:t> </a:t>
+          </a:r>
+          <a:r>
+            <a:rPr lang="en-US" dirty="0" err="1" smtClean="0"/>
+            <a:t>nguồn</a:t>
+          </a:r>
+          <a:r>
+            <a:rPr lang="en-US" dirty="0" smtClean="0"/>
+            <a:t> </a:t>
+          </a:r>
+          <a:r>
+            <a:rPr lang="en-US" dirty="0" err="1" smtClean="0"/>
+            <a:t>mở</a:t>
+          </a:r>
+          <a:r>
+            <a:rPr lang="en-US" dirty="0" smtClean="0"/>
+            <a:t> </a:t>
+          </a:r>
+          <a:r>
+            <a:rPr lang="en-US" dirty="0" err="1" smtClean="0"/>
+            <a:t>miễn</a:t>
+          </a:r>
+          <a:r>
+            <a:rPr lang="en-US" dirty="0" smtClean="0"/>
+            <a:t> </a:t>
+          </a:r>
+          <a:r>
+            <a:rPr lang="en-US" dirty="0" err="1" smtClean="0"/>
+            <a:t>phí</a:t>
+          </a:r>
+          <a:r>
+            <a:rPr lang="en-US" dirty="0" smtClean="0"/>
+            <a:t> do Google </a:t>
+          </a:r>
+          <a:r>
+            <a:rPr lang="en-US" dirty="0" err="1" smtClean="0"/>
+            <a:t>phát</a:t>
+          </a:r>
+          <a:r>
+            <a:rPr lang="en-US" dirty="0" smtClean="0"/>
+            <a:t> </a:t>
+          </a:r>
+          <a:r>
+            <a:rPr lang="en-US" dirty="0" err="1" smtClean="0"/>
+            <a:t>triển</a:t>
+          </a:r>
+          <a:r>
+            <a:rPr lang="en-US" dirty="0" smtClean="0"/>
+            <a:t> </a:t>
+          </a:r>
+          <a:r>
+            <a:rPr lang="en-US" dirty="0" err="1" smtClean="0"/>
+            <a:t>dựa</a:t>
+          </a:r>
+          <a:r>
+            <a:rPr lang="en-US" dirty="0" smtClean="0"/>
+            <a:t> </a:t>
+          </a:r>
+          <a:r>
+            <a:rPr lang="en-US" dirty="0" err="1" smtClean="0"/>
+            <a:t>trên</a:t>
+          </a:r>
+          <a:r>
+            <a:rPr lang="en-US" dirty="0" smtClean="0"/>
+            <a:t> </a:t>
+          </a:r>
+          <a:r>
+            <a:rPr lang="en-US" dirty="0" err="1" smtClean="0"/>
+            <a:t>nền</a:t>
+          </a:r>
+          <a:r>
+            <a:rPr lang="en-US" dirty="0" smtClean="0"/>
+            <a:t> </a:t>
+          </a:r>
+          <a:r>
+            <a:rPr lang="en-US" dirty="0" err="1" smtClean="0"/>
+            <a:t>tảng</a:t>
+          </a:r>
+          <a:r>
+            <a:rPr lang="en-US" dirty="0" smtClean="0"/>
+            <a:t> </a:t>
+          </a:r>
+          <a:r>
+            <a:rPr lang="en-US" dirty="0" err="1" smtClean="0"/>
+            <a:t>của</a:t>
+          </a:r>
+          <a:r>
+            <a:rPr lang="en-US" dirty="0" smtClean="0"/>
+            <a:t> Linux. </a:t>
+          </a:r>
+          <a:r>
+            <a:rPr lang="en-US" dirty="0" err="1" smtClean="0"/>
+            <a:t>Bất</a:t>
+          </a:r>
+          <a:r>
+            <a:rPr lang="en-US" dirty="0" smtClean="0"/>
+            <a:t> </a:t>
+          </a:r>
+          <a:r>
+            <a:rPr lang="en-US" dirty="0" err="1" smtClean="0"/>
+            <a:t>kỳ</a:t>
+          </a:r>
+          <a:r>
+            <a:rPr lang="en-US" dirty="0" smtClean="0"/>
+            <a:t> </a:t>
+          </a:r>
+          <a:r>
+            <a:rPr lang="en-US" dirty="0" err="1" smtClean="0"/>
+            <a:t>một</a:t>
+          </a:r>
+          <a:r>
+            <a:rPr lang="en-US" dirty="0" smtClean="0"/>
+            <a:t> </a:t>
+          </a:r>
+          <a:r>
+            <a:rPr lang="en-US" dirty="0" err="1" smtClean="0"/>
+            <a:t>hãng</a:t>
+          </a:r>
+          <a:r>
+            <a:rPr lang="en-US" dirty="0" smtClean="0"/>
+            <a:t> </a:t>
+          </a:r>
+          <a:r>
+            <a:rPr lang="en-US" dirty="0" err="1" smtClean="0"/>
+            <a:t>sản</a:t>
+          </a:r>
+          <a:r>
+            <a:rPr lang="en-US" dirty="0" smtClean="0"/>
+            <a:t> </a:t>
+          </a:r>
+          <a:r>
+            <a:rPr lang="en-US" dirty="0" err="1" smtClean="0"/>
+            <a:t>xuất</a:t>
+          </a:r>
+          <a:r>
+            <a:rPr lang="en-US" dirty="0" smtClean="0"/>
+            <a:t> </a:t>
+          </a:r>
+          <a:r>
+            <a:rPr lang="en-US" dirty="0" err="1" smtClean="0"/>
+            <a:t>phần</a:t>
+          </a:r>
+          <a:r>
+            <a:rPr lang="en-US" dirty="0" smtClean="0"/>
+            <a:t> </a:t>
+          </a:r>
+          <a:r>
+            <a:rPr lang="en-US" dirty="0" err="1" smtClean="0"/>
+            <a:t>cứng</a:t>
+          </a:r>
+          <a:r>
+            <a:rPr lang="en-US" dirty="0" smtClean="0"/>
+            <a:t> </a:t>
+          </a:r>
+          <a:r>
+            <a:rPr lang="en-US" dirty="0" err="1" smtClean="0"/>
+            <a:t>nào</a:t>
+          </a:r>
+          <a:r>
+            <a:rPr lang="en-US" dirty="0" smtClean="0"/>
+            <a:t> </a:t>
+          </a:r>
+          <a:r>
+            <a:rPr lang="en-US" dirty="0" err="1" smtClean="0"/>
+            <a:t>cũng</a:t>
+          </a:r>
+          <a:r>
+            <a:rPr lang="en-US" dirty="0" smtClean="0"/>
+            <a:t> </a:t>
+          </a:r>
+          <a:r>
+            <a:rPr lang="en-US" dirty="0" err="1" smtClean="0"/>
+            <a:t>đều</a:t>
+          </a:r>
+          <a:r>
+            <a:rPr lang="en-US" dirty="0" smtClean="0"/>
+            <a:t> </a:t>
+          </a:r>
+          <a:r>
+            <a:rPr lang="en-US" dirty="0" err="1" smtClean="0"/>
+            <a:t>có</a:t>
+          </a:r>
+          <a:r>
+            <a:rPr lang="en-US" dirty="0" smtClean="0"/>
+            <a:t> </a:t>
+          </a:r>
+          <a:r>
+            <a:rPr lang="en-US" dirty="0" err="1" smtClean="0"/>
+            <a:t>thể</a:t>
+          </a:r>
+          <a:r>
+            <a:rPr lang="en-US" dirty="0" smtClean="0"/>
+            <a:t> </a:t>
+          </a:r>
+          <a:r>
+            <a:rPr lang="en-US" dirty="0" err="1" smtClean="0"/>
+            <a:t>tự</a:t>
+          </a:r>
+          <a:r>
+            <a:rPr lang="en-US" dirty="0" smtClean="0"/>
+            <a:t> do </a:t>
+          </a:r>
+          <a:r>
+            <a:rPr lang="en-US" dirty="0" err="1" smtClean="0"/>
+            <a:t>sử</a:t>
+          </a:r>
+          <a:r>
+            <a:rPr lang="en-US" dirty="0" smtClean="0"/>
+            <a:t> </a:t>
+          </a:r>
+          <a:r>
+            <a:rPr lang="en-US" dirty="0" err="1" smtClean="0"/>
+            <a:t>dụng</a:t>
+          </a:r>
+          <a:r>
+            <a:rPr lang="en-US" dirty="0" smtClean="0"/>
+            <a:t> </a:t>
+          </a:r>
+          <a:r>
+            <a:rPr lang="en-US" dirty="0" err="1" smtClean="0"/>
+            <a:t>hệ</a:t>
+          </a:r>
+          <a:r>
+            <a:rPr lang="en-US" dirty="0" smtClean="0"/>
+            <a:t> </a:t>
+          </a:r>
+          <a:r>
+            <a:rPr lang="en-US" dirty="0" err="1" smtClean="0"/>
+            <a:t>điều</a:t>
+          </a:r>
+          <a:r>
+            <a:rPr lang="en-US" dirty="0" smtClean="0"/>
+            <a:t> </a:t>
+          </a:r>
+          <a:r>
+            <a:rPr lang="en-US" dirty="0" err="1" smtClean="0"/>
+            <a:t>hành</a:t>
+          </a:r>
+          <a:r>
+            <a:rPr lang="en-US" dirty="0" smtClean="0"/>
+            <a:t> Android </a:t>
+          </a:r>
+          <a:r>
+            <a:rPr lang="en-US" dirty="0" err="1" smtClean="0"/>
+            <a:t>cho</a:t>
+          </a:r>
+          <a:r>
+            <a:rPr lang="en-US" dirty="0" smtClean="0"/>
+            <a:t> </a:t>
+          </a:r>
+          <a:r>
+            <a:rPr lang="en-US" dirty="0" err="1" smtClean="0"/>
+            <a:t>thiết</a:t>
+          </a:r>
+          <a:r>
+            <a:rPr lang="en-US" dirty="0" smtClean="0"/>
+            <a:t> </a:t>
+          </a:r>
+          <a:r>
+            <a:rPr lang="en-US" dirty="0" err="1" smtClean="0"/>
+            <a:t>bị</a:t>
+          </a:r>
+          <a:r>
+            <a:rPr lang="en-US" dirty="0" smtClean="0"/>
+            <a:t> </a:t>
+          </a:r>
+          <a:r>
+            <a:rPr lang="en-US" dirty="0" err="1" smtClean="0"/>
+            <a:t>của</a:t>
+          </a:r>
+          <a:r>
+            <a:rPr lang="en-US" dirty="0" smtClean="0"/>
+            <a:t> </a:t>
+          </a:r>
+          <a:r>
+            <a:rPr lang="en-US" dirty="0" err="1" smtClean="0"/>
+            <a:t>mình</a:t>
+          </a:r>
+          <a:r>
+            <a:rPr lang="en-US" dirty="0" smtClean="0"/>
+            <a:t>, </a:t>
+          </a:r>
+          <a:r>
+            <a:rPr lang="en-US" dirty="0" err="1" smtClean="0"/>
+            <a:t>miễn</a:t>
+          </a:r>
+          <a:r>
+            <a:rPr lang="en-US" dirty="0" smtClean="0"/>
+            <a:t> </a:t>
+          </a:r>
+          <a:r>
+            <a:rPr lang="en-US" dirty="0" err="1" smtClean="0"/>
+            <a:t>là</a:t>
+          </a:r>
+          <a:r>
+            <a:rPr lang="en-US" dirty="0" smtClean="0"/>
+            <a:t> </a:t>
+          </a:r>
+          <a:r>
+            <a:rPr lang="en-US" dirty="0" err="1" smtClean="0"/>
+            <a:t>các</a:t>
+          </a:r>
+          <a:r>
+            <a:rPr lang="en-US" dirty="0" smtClean="0"/>
+            <a:t> </a:t>
+          </a:r>
+          <a:r>
+            <a:rPr lang="en-US" dirty="0" err="1" smtClean="0"/>
+            <a:t>thiết</a:t>
+          </a:r>
+          <a:r>
+            <a:rPr lang="en-US" dirty="0" smtClean="0"/>
+            <a:t> </a:t>
+          </a:r>
+          <a:r>
+            <a:rPr lang="en-US" dirty="0" err="1" smtClean="0"/>
+            <a:t>bị</a:t>
+          </a:r>
+          <a:r>
+            <a:rPr lang="en-US" dirty="0" smtClean="0"/>
+            <a:t> </a:t>
+          </a:r>
+          <a:r>
+            <a:rPr lang="en-US" dirty="0" err="1" smtClean="0"/>
+            <a:t>ấy</a:t>
+          </a:r>
+          <a:r>
+            <a:rPr lang="en-US" dirty="0" smtClean="0"/>
+            <a:t> </a:t>
+          </a:r>
+          <a:r>
+            <a:rPr lang="en-US" dirty="0" err="1" smtClean="0"/>
+            <a:t>đáp</a:t>
+          </a:r>
+          <a:r>
+            <a:rPr lang="en-US" dirty="0" smtClean="0"/>
+            <a:t> </a:t>
+          </a:r>
+          <a:r>
+            <a:rPr lang="en-US" dirty="0" err="1" smtClean="0"/>
+            <a:t>ứng</a:t>
+          </a:r>
+          <a:r>
+            <a:rPr lang="en-US" dirty="0" smtClean="0"/>
+            <a:t> </a:t>
+          </a:r>
+          <a:r>
+            <a:rPr lang="en-US" dirty="0" err="1" smtClean="0"/>
+            <a:t>được</a:t>
+          </a:r>
+          <a:r>
+            <a:rPr lang="en-US" dirty="0" smtClean="0"/>
+            <a:t> </a:t>
+          </a:r>
+          <a:r>
+            <a:rPr lang="en-US" dirty="0" err="1" smtClean="0"/>
+            <a:t>các</a:t>
+          </a:r>
+          <a:r>
+            <a:rPr lang="en-US" dirty="0" smtClean="0"/>
+            <a:t> </a:t>
+          </a:r>
+          <a:r>
+            <a:rPr lang="en-US" dirty="0" err="1" smtClean="0"/>
+            <a:t>tiêu</a:t>
+          </a:r>
+          <a:r>
+            <a:rPr lang="en-US" dirty="0" smtClean="0"/>
+            <a:t> </a:t>
+          </a:r>
+          <a:r>
+            <a:rPr lang="en-US" dirty="0" err="1" smtClean="0"/>
+            <a:t>chuẩn</a:t>
+          </a:r>
+          <a:r>
+            <a:rPr lang="en-US" dirty="0" smtClean="0"/>
+            <a:t> </a:t>
+          </a:r>
+          <a:r>
+            <a:rPr lang="en-US" dirty="0" err="1" smtClean="0"/>
+            <a:t>cơ</a:t>
+          </a:r>
+          <a:r>
+            <a:rPr lang="en-US" dirty="0" smtClean="0"/>
+            <a:t> </a:t>
+          </a:r>
+          <a:r>
+            <a:rPr lang="en-US" dirty="0" err="1" smtClean="0"/>
+            <a:t>bản</a:t>
+          </a:r>
+          <a:r>
+            <a:rPr lang="en-US" dirty="0" smtClean="0"/>
+            <a:t> do Google </a:t>
+          </a:r>
+          <a:r>
+            <a:rPr lang="en-US" dirty="0" err="1" smtClean="0"/>
+            <a:t>đặt</a:t>
+          </a:r>
+          <a:r>
+            <a:rPr lang="en-US" dirty="0" smtClean="0"/>
+            <a:t> </a:t>
+          </a:r>
+          <a:r>
+            <a:rPr lang="en-US" dirty="0" err="1" smtClean="0"/>
+            <a:t>ra</a:t>
+          </a:r>
+          <a:r>
+            <a:rPr lang="en-US" dirty="0" smtClean="0"/>
+            <a:t> (</a:t>
+          </a:r>
+          <a:r>
+            <a:rPr lang="en-US" dirty="0" err="1" smtClean="0"/>
+            <a:t>có</a:t>
+          </a:r>
+          <a:r>
+            <a:rPr lang="en-US" dirty="0" smtClean="0"/>
+            <a:t> </a:t>
+          </a:r>
+          <a:r>
+            <a:rPr lang="en-US" dirty="0" err="1" smtClean="0"/>
+            <a:t>cảm</a:t>
+          </a:r>
+          <a:r>
+            <a:rPr lang="en-US" dirty="0" smtClean="0"/>
+            <a:t> </a:t>
+          </a:r>
+          <a:r>
+            <a:rPr lang="en-US" dirty="0" err="1" smtClean="0"/>
+            <a:t>ứng</a:t>
+          </a:r>
+          <a:r>
+            <a:rPr lang="en-US" dirty="0" smtClean="0"/>
+            <a:t> </a:t>
+          </a:r>
+          <a:r>
+            <a:rPr lang="en-US" dirty="0" err="1" smtClean="0"/>
+            <a:t>chạm</a:t>
+          </a:r>
+          <a:r>
+            <a:rPr lang="en-US" dirty="0" smtClean="0"/>
+            <a:t>, GPS, 3G,...).</a:t>
+          </a:r>
+          <a:endParaRPr lang="en-US" dirty="0"/>
         </a:p>
       </dgm:t>
     </dgm:pt>
@@ -2173,7 +2677,14 @@
               <a:latin typeface="Times New Roman" panose="02020603050405020304" pitchFamily="18" charset="0"/>
               <a:cs typeface="Times New Roman" panose="02020603050405020304" pitchFamily="18" charset="0"/>
             </a:rPr>
-            <a:t>Android Studio 3.2</a:t>
+            <a:t>Android Studio </a:t>
+          </a:r>
+          <a:r>
+            <a:rPr lang="en-US" dirty="0" smtClean="0">
+              <a:latin typeface="Times New Roman" panose="02020603050405020304" pitchFamily="18" charset="0"/>
+              <a:cs typeface="Times New Roman" panose="02020603050405020304" pitchFamily="18" charset="0"/>
+            </a:rPr>
+            <a:t>3.2</a:t>
           </a:r>
           <a:endParaRPr lang="en-US" dirty="0">
             <a:latin typeface="Times New Roman" panose="02020603050405020304" pitchFamily="18" charset="0"/>
@@ -2194,123 +2705,6 @@
       </dgm:t>
     </dgm:pt>
     <dgm:pt modelId="{46DC4FD1-328E-4D35-9144-DB8B8B164171}" type="sibTrans" cxnId="{AD42DBE1-1760-488C-B977-60E1B33E5AF7}">
-      <dgm:prSet/>
-      <dgm:spPr/>
-      <dgm:t>
-        <a:bodyPr/>
-        <a:lstStyle/>
-        <a:p>
-          <a:endParaRPr lang="en-US"/>
-        </a:p>
-      </dgm:t>
-    </dgm:pt>
-    <dgm:pt modelId="{638F546D-F5B6-4ECC-88B9-7169DAE4BB61}">
-      <dgm:prSet/>
-      <dgm:spPr/>
-      <dgm:t>
-        <a:bodyPr/>
-        <a:lstStyle/>
-        <a:p>
-          <a:r>
-            <a:rPr lang="en-US" dirty="0">
-              <a:latin typeface="Times New Roman" panose="02020603050405020304" pitchFamily="18" charset="0"/>
-              <a:cs typeface="Times New Roman" panose="02020603050405020304" pitchFamily="18" charset="0"/>
-            </a:rPr>
-            <a:t>XAMPP</a:t>
-          </a:r>
-        </a:p>
-      </dgm:t>
-    </dgm:pt>
-    <dgm:pt modelId="{2AA17B0B-6F54-4AF4-B65B-C46D7F0F5BEC}" type="parTrans" cxnId="{5061BECC-DF05-4291-A580-CF9DD10FB70A}">
-      <dgm:prSet/>
-      <dgm:spPr/>
-      <dgm:t>
-        <a:bodyPr/>
-        <a:lstStyle/>
-        <a:p>
-          <a:endParaRPr lang="en-US"/>
-        </a:p>
-      </dgm:t>
-    </dgm:pt>
-    <dgm:pt modelId="{48D360A4-0DEA-4374-A2E9-0FE1EFCF31BB}" type="sibTrans" cxnId="{5061BECC-DF05-4291-A580-CF9DD10FB70A}">
-      <dgm:prSet/>
-      <dgm:spPr/>
-      <dgm:t>
-        <a:bodyPr/>
-        <a:lstStyle/>
-        <a:p>
-          <a:endParaRPr lang="en-US"/>
-        </a:p>
-      </dgm:t>
-    </dgm:pt>
-    <dgm:pt modelId="{9CD12077-BCC6-4E2E-B4BC-16A454F2A832}">
-      <dgm:prSet/>
-      <dgm:spPr/>
-      <dgm:t>
-        <a:bodyPr/>
-        <a:lstStyle/>
-        <a:p>
-          <a:r>
-            <a:rPr lang="en-US" dirty="0">
-              <a:latin typeface="Times New Roman" panose="02020603050405020304" pitchFamily="18" charset="0"/>
-              <a:cs typeface="Times New Roman" panose="02020603050405020304" pitchFamily="18" charset="0"/>
-            </a:rPr>
-            <a:t>PHP</a:t>
-          </a:r>
-        </a:p>
-      </dgm:t>
-    </dgm:pt>
-    <dgm:pt modelId="{DAD807BB-0242-40BF-B757-E91F6EA6CDE9}" type="parTrans" cxnId="{496ADF70-D5DB-460A-AA97-1C1B094BE709}">
-      <dgm:prSet/>
-      <dgm:spPr/>
-      <dgm:t>
-        <a:bodyPr/>
-        <a:lstStyle/>
-        <a:p>
-          <a:endParaRPr lang="en-US"/>
-        </a:p>
-      </dgm:t>
-    </dgm:pt>
-    <dgm:pt modelId="{91DC1A7A-23AB-4D93-84B3-D212F9F7306B}" type="sibTrans" cxnId="{496ADF70-D5DB-460A-AA97-1C1B094BE709}">
-      <dgm:prSet/>
-      <dgm:spPr/>
-      <dgm:t>
-        <a:bodyPr/>
-        <a:lstStyle/>
-        <a:p>
-          <a:endParaRPr lang="en-US"/>
-        </a:p>
-      </dgm:t>
-    </dgm:pt>
-    <dgm:pt modelId="{84657F34-2DD9-4101-91D8-88CB19945FF3}">
-      <dgm:prSet/>
-      <dgm:spPr/>
-      <dgm:t>
-        <a:bodyPr/>
-        <a:lstStyle/>
-        <a:p>
-          <a:r>
-            <a:rPr lang="en-US" dirty="0">
-              <a:latin typeface="Times New Roman" panose="02020603050405020304" pitchFamily="18" charset="0"/>
-              <a:cs typeface="Times New Roman" panose="02020603050405020304" pitchFamily="18" charset="0"/>
-            </a:rPr>
-            <a:t>Built-in MySQL</a:t>
-          </a:r>
-        </a:p>
-      </dgm:t>
-    </dgm:pt>
-    <dgm:pt modelId="{81C98F79-00E5-4478-BFD8-CC303B90646E}" type="parTrans" cxnId="{32630CAA-4082-4D26-AE2F-03F92B5A5D92}">
-      <dgm:prSet/>
-      <dgm:spPr/>
-      <dgm:t>
-        <a:bodyPr/>
-        <a:lstStyle/>
-        <a:p>
-          <a:endParaRPr lang="en-US"/>
-        </a:p>
-      </dgm:t>
-    </dgm:pt>
-    <dgm:pt modelId="{DCCF8D48-24A1-4BC8-AF59-738198DD60BB}" type="sibTrans" cxnId="{32630CAA-4082-4D26-AE2F-03F92B5A5D92}">
       <dgm:prSet/>
       <dgm:spPr/>
       <dgm:t>
@@ -2391,7 +2785,7 @@
         </a:p>
       </dgm:t>
     </dgm:pt>
-    <dgm:pt modelId="{143252D4-EDC6-436E-B112-3B84C84D0C8F}" type="parTrans" cxnId="{773C4D7A-BA6A-4C45-A3D8-E87446D9C528}">
+    <dgm:pt modelId="{74558B52-0DA6-4C9F-BBAF-AB3F14F8DDBE}" type="sibTrans" cxnId="{773C4D7A-BA6A-4C45-A3D8-E87446D9C528}">
       <dgm:prSet/>
       <dgm:spPr/>
       <dgm:t>
@@ -2402,7 +2796,7 @@
         </a:p>
       </dgm:t>
     </dgm:pt>
-    <dgm:pt modelId="{74558B52-0DA6-4C9F-BBAF-AB3F14F8DDBE}" type="sibTrans" cxnId="{773C4D7A-BA6A-4C45-A3D8-E87446D9C528}">
+    <dgm:pt modelId="{143252D4-EDC6-436E-B112-3B84C84D0C8F}" type="parTrans" cxnId="{773C4D7A-BA6A-4C45-A3D8-E87446D9C528}">
       <dgm:prSet/>
       <dgm:spPr/>
       <dgm:t>
@@ -2434,11 +2828,11 @@
       <dgm:spPr/>
     </dgm:pt>
     <dgm:pt modelId="{7DA62569-0EAE-4DD3-8C4B-4B9359653624}" type="pres">
-      <dgm:prSet presAssocID="{6538A382-DDE5-4531-A775-8417A690FED9}" presName="bgRect" presStyleLbl="bgShp" presStyleIdx="0" presStyleCnt="4"/>
+      <dgm:prSet presAssocID="{6538A382-DDE5-4531-A775-8417A690FED9}" presName="bgRect" presStyleLbl="bgShp" presStyleIdx="0" presStyleCnt="3"/>
       <dgm:spPr/>
     </dgm:pt>
     <dgm:pt modelId="{36AB97AB-695C-426B-B87E-F563105BA596}" type="pres">
-      <dgm:prSet presAssocID="{6538A382-DDE5-4531-A775-8417A690FED9}" presName="iconRect" presStyleLbl="node1" presStyleIdx="0" presStyleCnt="4"/>
+      <dgm:prSet presAssocID="{6538A382-DDE5-4531-A775-8417A690FED9}" presName="iconRect" presStyleLbl="node1" presStyleIdx="0" presStyleCnt="3"/>
       <dgm:spPr>
         <a:blipFill>
           <a:blip xmlns:r="http://schemas.openxmlformats.org/officeDocument/2006/relationships" r:embed="rId1">
@@ -2459,6 +2853,13 @@
           <a:noFill/>
         </a:ln>
       </dgm:spPr>
+      <dgm:t>
+        <a:bodyPr/>
+        <a:lstStyle/>
+        <a:p>
+          <a:endParaRPr lang="en-US"/>
+        </a:p>
+      </dgm:t>
       <dgm:extLst>
         <a:ext uri="{E40237B7-FDA0-4F09-8148-C483321AD2D9}">
           <dgm14:cNvPr xmlns:dgm14="http://schemas.microsoft.com/office/drawing/2010/diagram" id="0" name="" descr="House"/>
@@ -2470,7 +2871,7 @@
       <dgm:spPr/>
     </dgm:pt>
     <dgm:pt modelId="{285C99CD-77C4-4CD4-ACB1-FF0446D89D3C}" type="pres">
-      <dgm:prSet presAssocID="{6538A382-DDE5-4531-A775-8417A690FED9}" presName="parTx" presStyleLbl="revTx" presStyleIdx="0" presStyleCnt="5">
+      <dgm:prSet presAssocID="{6538A382-DDE5-4531-A775-8417A690FED9}" presName="parTx" presStyleLbl="revTx" presStyleIdx="0" presStyleCnt="3">
         <dgm:presLayoutVars>
           <dgm:chMax val="0"/>
           <dgm:chPref val="0"/>
@@ -2494,11 +2895,11 @@
       <dgm:spPr/>
     </dgm:pt>
     <dgm:pt modelId="{529EF6B6-A797-43BC-85A9-EDC00263510F}" type="pres">
-      <dgm:prSet presAssocID="{22DA9894-B58D-4E96-B48F-E05E71022021}" presName="bgRect" presStyleLbl="bgShp" presStyleIdx="1" presStyleCnt="4"/>
+      <dgm:prSet presAssocID="{22DA9894-B58D-4E96-B48F-E05E71022021}" presName="bgRect" presStyleLbl="bgShp" presStyleIdx="1" presStyleCnt="3"/>
       <dgm:spPr/>
     </dgm:pt>
     <dgm:pt modelId="{A54F2FC9-CCDD-47D4-8C60-7B09A37CF54C}" type="pres">
-      <dgm:prSet presAssocID="{22DA9894-B58D-4E96-B48F-E05E71022021}" presName="iconRect" presStyleLbl="node1" presStyleIdx="1" presStyleCnt="4"/>
+      <dgm:prSet presAssocID="{22DA9894-B58D-4E96-B48F-E05E71022021}" presName="iconRect" presStyleLbl="node1" presStyleIdx="1" presStyleCnt="3"/>
       <dgm:spPr>
         <a:blipFill>
           <a:blip xmlns:r="http://schemas.openxmlformats.org/officeDocument/2006/relationships" r:embed="rId3">
@@ -2519,6 +2920,13 @@
           <a:noFill/>
         </a:ln>
       </dgm:spPr>
+      <dgm:t>
+        <a:bodyPr/>
+        <a:lstStyle/>
+        <a:p>
+          <a:endParaRPr lang="en-US"/>
+        </a:p>
+      </dgm:t>
       <dgm:extLst>
         <a:ext uri="{E40237B7-FDA0-4F09-8148-C483321AD2D9}">
           <dgm14:cNvPr xmlns:dgm14="http://schemas.microsoft.com/office/drawing/2010/diagram" id="0" name="" descr="Coffee"/>
@@ -2530,7 +2938,7 @@
       <dgm:spPr/>
     </dgm:pt>
     <dgm:pt modelId="{F165FFDE-2708-48C0-B71B-F27FA7B62223}" type="pres">
-      <dgm:prSet presAssocID="{22DA9894-B58D-4E96-B48F-E05E71022021}" presName="parTx" presStyleLbl="revTx" presStyleIdx="1" presStyleCnt="5">
+      <dgm:prSet presAssocID="{22DA9894-B58D-4E96-B48F-E05E71022021}" presName="parTx" presStyleLbl="revTx" presStyleIdx="1" presStyleCnt="3">
         <dgm:presLayoutVars>
           <dgm:chMax val="0"/>
           <dgm:chPref val="0"/>
@@ -2549,92 +2957,19 @@
       <dgm:prSet presAssocID="{46DC4FD1-328E-4D35-9144-DB8B8B164171}" presName="sibTrans" presStyleCnt="0"/>
       <dgm:spPr/>
     </dgm:pt>
-    <dgm:pt modelId="{43E86A42-3E53-4EDB-94A7-4887C882A506}" type="pres">
-      <dgm:prSet presAssocID="{638F546D-F5B6-4ECC-88B9-7169DAE4BB61}" presName="compNode" presStyleCnt="0"/>
-      <dgm:spPr/>
-    </dgm:pt>
-    <dgm:pt modelId="{8A1E791A-BA0A-41A5-A89D-F79442E4EA7C}" type="pres">
-      <dgm:prSet presAssocID="{638F546D-F5B6-4ECC-88B9-7169DAE4BB61}" presName="bgRect" presStyleLbl="bgShp" presStyleIdx="2" presStyleCnt="4"/>
-      <dgm:spPr/>
-    </dgm:pt>
-    <dgm:pt modelId="{E43CEA6C-2979-4A3B-8746-81FFDAEA98A5}" type="pres">
-      <dgm:prSet presAssocID="{638F546D-F5B6-4ECC-88B9-7169DAE4BB61}" presName="iconRect" presStyleLbl="node1" presStyleIdx="2" presStyleCnt="4"/>
-      <dgm:spPr>
-        <a:blipFill>
-          <a:blip xmlns:r="http://schemas.openxmlformats.org/officeDocument/2006/relationships" r:embed="rId5">
-            <a:extLst>
-              <a:ext uri="{28A0092B-C50C-407E-A947-70E740481C1C}">
-                <a14:useLocalDpi xmlns:a14="http://schemas.microsoft.com/office/drawing/2010/main" val="0"/>
-              </a:ext>
-              <a:ext uri="{96DAC541-7B7A-43D3-8B79-37D633B846F1}">
-                <asvg:svgBlip xmlns="" xmlns:asvg="http://schemas.microsoft.com/office/drawing/2016/SVG/main" r:embed="rId6"/>
-              </a:ext>
-            </a:extLst>
-          </a:blip>
-          <a:stretch>
-            <a:fillRect/>
-          </a:stretch>
-        </a:blipFill>
-        <a:ln>
-          <a:noFill/>
-        </a:ln>
-      </dgm:spPr>
-      <dgm:extLst>
-        <a:ext uri="{E40237B7-FDA0-4F09-8148-C483321AD2D9}">
-          <dgm14:cNvPr xmlns:dgm14="http://schemas.microsoft.com/office/drawing/2010/diagram" id="0" name="" descr="Database"/>
-        </a:ext>
-      </dgm:extLst>
-    </dgm:pt>
-    <dgm:pt modelId="{EB10E07B-F08E-4775-B370-BDD95466DD54}" type="pres">
-      <dgm:prSet presAssocID="{638F546D-F5B6-4ECC-88B9-7169DAE4BB61}" presName="spaceRect" presStyleCnt="0"/>
-      <dgm:spPr/>
-    </dgm:pt>
-    <dgm:pt modelId="{8362D776-FCBA-47E4-950D-D6A851A40284}" type="pres">
-      <dgm:prSet presAssocID="{638F546D-F5B6-4ECC-88B9-7169DAE4BB61}" presName="parTx" presStyleLbl="revTx" presStyleIdx="2" presStyleCnt="5">
-        <dgm:presLayoutVars>
-          <dgm:chMax val="0"/>
-          <dgm:chPref val="0"/>
-        </dgm:presLayoutVars>
-      </dgm:prSet>
-      <dgm:spPr/>
-      <dgm:t>
-        <a:bodyPr/>
-        <a:lstStyle/>
-        <a:p>
-          <a:endParaRPr lang="en-US"/>
-        </a:p>
-      </dgm:t>
-    </dgm:pt>
-    <dgm:pt modelId="{91FFC06C-5F87-4504-A0E6-36323F47E5B4}" type="pres">
-      <dgm:prSet presAssocID="{638F546D-F5B6-4ECC-88B9-7169DAE4BB61}" presName="desTx" presStyleLbl="revTx" presStyleIdx="3" presStyleCnt="5" custScaleX="117563">
-        <dgm:presLayoutVars/>
-      </dgm:prSet>
-      <dgm:spPr/>
-      <dgm:t>
-        <a:bodyPr/>
-        <a:lstStyle/>
-        <a:p>
-          <a:endParaRPr lang="en-US"/>
-        </a:p>
-      </dgm:t>
-    </dgm:pt>
-    <dgm:pt modelId="{7A8C8661-C3AA-48C3-911A-F7DA0B9F42A4}" type="pres">
-      <dgm:prSet presAssocID="{48D360A4-0DEA-4374-A2E9-0FE1EFCF31BB}" presName="sibTrans" presStyleCnt="0"/>
-      <dgm:spPr/>
-    </dgm:pt>
     <dgm:pt modelId="{D21F382F-C32C-4B10-ACC2-F664E900FEC5}" type="pres">
       <dgm:prSet presAssocID="{7C3B582E-3597-4D38-AAD8-39FE3FB25601}" presName="compNode" presStyleCnt="0"/>
       <dgm:spPr/>
     </dgm:pt>
     <dgm:pt modelId="{174946D0-7E7F-4A81-BD75-BF303F3678F8}" type="pres">
-      <dgm:prSet presAssocID="{7C3B582E-3597-4D38-AAD8-39FE3FB25601}" presName="bgRect" presStyleLbl="bgShp" presStyleIdx="3" presStyleCnt="4"/>
+      <dgm:prSet presAssocID="{7C3B582E-3597-4D38-AAD8-39FE3FB25601}" presName="bgRect" presStyleLbl="bgShp" presStyleIdx="2" presStyleCnt="3"/>
       <dgm:spPr/>
     </dgm:pt>
     <dgm:pt modelId="{F36B0198-47AA-418B-A603-79E562097155}" type="pres">
-      <dgm:prSet presAssocID="{7C3B582E-3597-4D38-AAD8-39FE3FB25601}" presName="iconRect" presStyleLbl="node1" presStyleIdx="3" presStyleCnt="4"/>
+      <dgm:prSet presAssocID="{7C3B582E-3597-4D38-AAD8-39FE3FB25601}" presName="iconRect" presStyleLbl="node1" presStyleIdx="2" presStyleCnt="3"/>
       <dgm:spPr>
         <a:blipFill>
-          <a:blip xmlns:r="http://schemas.openxmlformats.org/officeDocument/2006/relationships" r:embed="rId7">
+          <a:blip xmlns:r="http://schemas.openxmlformats.org/officeDocument/2006/relationships" r:embed="rId5">
             <a:extLst>
               <a:ext uri="{28A0092B-C50C-407E-A947-70E740481C1C}">
                 <a14:useLocalDpi xmlns:a14="http://schemas.microsoft.com/office/drawing/2010/main" val="0"/>
@@ -2652,6 +2987,13 @@
           <a:noFill/>
         </a:ln>
       </dgm:spPr>
+      <dgm:t>
+        <a:bodyPr/>
+        <a:lstStyle/>
+        <a:p>
+          <a:endParaRPr lang="en-US"/>
+        </a:p>
+      </dgm:t>
       <dgm:extLst>
         <a:ext uri="{E40237B7-FDA0-4F09-8148-C483321AD2D9}">
           <dgm14:cNvPr xmlns:dgm14="http://schemas.microsoft.com/office/drawing/2010/diagram" id="0" name="" descr="Laptop"/>
@@ -2663,7 +3005,7 @@
       <dgm:spPr/>
     </dgm:pt>
     <dgm:pt modelId="{045AD5A4-00EE-4E0C-9B56-49B5B027A7D7}" type="pres">
-      <dgm:prSet presAssocID="{7C3B582E-3597-4D38-AAD8-39FE3FB25601}" presName="parTx" presStyleLbl="revTx" presStyleIdx="4" presStyleCnt="5">
+      <dgm:prSet presAssocID="{7C3B582E-3597-4D38-AAD8-39FE3FB25601}" presName="parTx" presStyleLbl="revTx" presStyleIdx="2" presStyleCnt="3">
         <dgm:presLayoutVars>
           <dgm:chMax val="0"/>
           <dgm:chPref val="0"/>
@@ -2681,17 +3023,11 @@
   </dgm:ptLst>
   <dgm:cxnLst>
     <dgm:cxn modelId="{AD42DBE1-1760-488C-B977-60E1B33E5AF7}" srcId="{2787391C-6CD9-4AEB-83CF-BC33FACF1B41}" destId="{22DA9894-B58D-4E96-B48F-E05E71022021}" srcOrd="1" destOrd="0" parTransId="{A66E435B-0934-4C06-8B6F-8E1CEBFE2894}" sibTransId="{46DC4FD1-328E-4D35-9144-DB8B8B164171}"/>
-    <dgm:cxn modelId="{5061BECC-DF05-4291-A580-CF9DD10FB70A}" srcId="{2787391C-6CD9-4AEB-83CF-BC33FACF1B41}" destId="{638F546D-F5B6-4ECC-88B9-7169DAE4BB61}" srcOrd="2" destOrd="0" parTransId="{2AA17B0B-6F54-4AF4-B65B-C46D7F0F5BEC}" sibTransId="{48D360A4-0DEA-4374-A2E9-0FE1EFCF31BB}"/>
     <dgm:cxn modelId="{3ED64CBA-D7B7-4823-A888-302DE6A9F7E2}" type="presOf" srcId="{22DA9894-B58D-4E96-B48F-E05E71022021}" destId="{F165FFDE-2708-48C0-B71B-F27FA7B62223}" srcOrd="0" destOrd="0" presId="urn:microsoft.com/office/officeart/2018/2/layout/IconVerticalSolidList"/>
-    <dgm:cxn modelId="{32630CAA-4082-4D26-AE2F-03F92B5A5D92}" srcId="{638F546D-F5B6-4ECC-88B9-7169DAE4BB61}" destId="{84657F34-2DD9-4101-91D8-88CB19945FF3}" srcOrd="1" destOrd="0" parTransId="{81C98F79-00E5-4478-BFD8-CC303B90646E}" sibTransId="{DCCF8D48-24A1-4BC8-AF59-738198DD60BB}"/>
     <dgm:cxn modelId="{82CFD892-83B1-479A-9289-4B8AD472BAA0}" srcId="{2787391C-6CD9-4AEB-83CF-BC33FACF1B41}" destId="{6538A382-DDE5-4531-A775-8417A690FED9}" srcOrd="0" destOrd="0" parTransId="{1FE5EC56-3618-4A37-8514-2429985CAE4D}" sibTransId="{EC46CD55-5E6C-45ED-A884-D7CECDFB3168}"/>
-    <dgm:cxn modelId="{EFA12345-D984-4CCA-AC08-3DAE2B8D878A}" type="presOf" srcId="{638F546D-F5B6-4ECC-88B9-7169DAE4BB61}" destId="{8362D776-FCBA-47E4-950D-D6A851A40284}" srcOrd="0" destOrd="0" presId="urn:microsoft.com/office/officeart/2018/2/layout/IconVerticalSolidList"/>
-    <dgm:cxn modelId="{496ADF70-D5DB-460A-AA97-1C1B094BE709}" srcId="{638F546D-F5B6-4ECC-88B9-7169DAE4BB61}" destId="{9CD12077-BCC6-4E2E-B4BC-16A454F2A832}" srcOrd="0" destOrd="0" parTransId="{DAD807BB-0242-40BF-B757-E91F6EA6CDE9}" sibTransId="{91DC1A7A-23AB-4D93-84B3-D212F9F7306B}"/>
-    <dgm:cxn modelId="{1C764A36-043F-41E1-AB8E-9A27E0B9DEA3}" type="presOf" srcId="{9CD12077-BCC6-4E2E-B4BC-16A454F2A832}" destId="{91FFC06C-5F87-4504-A0E6-36323F47E5B4}" srcOrd="0" destOrd="0" presId="urn:microsoft.com/office/officeart/2018/2/layout/IconVerticalSolidList"/>
     <dgm:cxn modelId="{C150B91E-20D6-4357-B0F8-8DD65043AE7E}" type="presOf" srcId="{6538A382-DDE5-4531-A775-8417A690FED9}" destId="{285C99CD-77C4-4CD4-ACB1-FF0446D89D3C}" srcOrd="0" destOrd="0" presId="urn:microsoft.com/office/officeart/2018/2/layout/IconVerticalSolidList"/>
     <dgm:cxn modelId="{3E7C2E4D-6EB3-48CF-AE6D-154757542B14}" type="presOf" srcId="{2787391C-6CD9-4AEB-83CF-BC33FACF1B41}" destId="{79DDFA1E-BEAA-4504-8A14-346C6E567042}" srcOrd="0" destOrd="0" presId="urn:microsoft.com/office/officeart/2018/2/layout/IconVerticalSolidList"/>
-    <dgm:cxn modelId="{773C4D7A-BA6A-4C45-A3D8-E87446D9C528}" srcId="{2787391C-6CD9-4AEB-83CF-BC33FACF1B41}" destId="{7C3B582E-3597-4D38-AAD8-39FE3FB25601}" srcOrd="3" destOrd="0" parTransId="{143252D4-EDC6-436E-B112-3B84C84D0C8F}" sibTransId="{74558B52-0DA6-4C9F-BBAF-AB3F14F8DDBE}"/>
-    <dgm:cxn modelId="{1DD0A9F9-003A-4F13-AFF9-C27C64ADD5FD}" type="presOf" srcId="{84657F34-2DD9-4101-91D8-88CB19945FF3}" destId="{91FFC06C-5F87-4504-A0E6-36323F47E5B4}" srcOrd="0" destOrd="1" presId="urn:microsoft.com/office/officeart/2018/2/layout/IconVerticalSolidList"/>
+    <dgm:cxn modelId="{773C4D7A-BA6A-4C45-A3D8-E87446D9C528}" srcId="{2787391C-6CD9-4AEB-83CF-BC33FACF1B41}" destId="{7C3B582E-3597-4D38-AAD8-39FE3FB25601}" srcOrd="2" destOrd="0" parTransId="{143252D4-EDC6-436E-B112-3B84C84D0C8F}" sibTransId="{74558B52-0DA6-4C9F-BBAF-AB3F14F8DDBE}"/>
     <dgm:cxn modelId="{3B59B52F-4E55-4C38-864A-7CB7C04F406F}" type="presOf" srcId="{7C3B582E-3597-4D38-AAD8-39FE3FB25601}" destId="{045AD5A4-00EE-4E0C-9B56-49B5B027A7D7}" srcOrd="0" destOrd="0" presId="urn:microsoft.com/office/officeart/2018/2/layout/IconVerticalSolidList"/>
     <dgm:cxn modelId="{99D83229-E974-4BDF-A2C5-9080264D448A}" type="presParOf" srcId="{79DDFA1E-BEAA-4504-8A14-346C6E567042}" destId="{B25A6A0D-F035-4072-95BE-8B9C721773B7}" srcOrd="0" destOrd="0" presId="urn:microsoft.com/office/officeart/2018/2/layout/IconVerticalSolidList"/>
     <dgm:cxn modelId="{468078C4-222F-4DBA-A817-0754A9647250}" type="presParOf" srcId="{B25A6A0D-F035-4072-95BE-8B9C721773B7}" destId="{7DA62569-0EAE-4DD3-8C4B-4B9359653624}" srcOrd="0" destOrd="0" presId="urn:microsoft.com/office/officeart/2018/2/layout/IconVerticalSolidList"/>
@@ -2705,14 +3041,7 @@
     <dgm:cxn modelId="{8894F5F9-3D1F-4CE2-9075-A1DBDCE82A97}" type="presParOf" srcId="{5189CC1A-80E0-4163-BCD9-1E7EC29409C8}" destId="{12DA6C46-DED2-4E70-A786-005CDDC0D99E}" srcOrd="2" destOrd="0" presId="urn:microsoft.com/office/officeart/2018/2/layout/IconVerticalSolidList"/>
     <dgm:cxn modelId="{B323D6BE-C170-4BE1-A38B-34C169EC486A}" type="presParOf" srcId="{5189CC1A-80E0-4163-BCD9-1E7EC29409C8}" destId="{F165FFDE-2708-48C0-B71B-F27FA7B62223}" srcOrd="3" destOrd="0" presId="urn:microsoft.com/office/officeart/2018/2/layout/IconVerticalSolidList"/>
     <dgm:cxn modelId="{59D7021C-55E5-4FBC-BDA8-DA165D1F203D}" type="presParOf" srcId="{79DDFA1E-BEAA-4504-8A14-346C6E567042}" destId="{428DC468-319F-4B27-B595-A0ECD1B4F89D}" srcOrd="3" destOrd="0" presId="urn:microsoft.com/office/officeart/2018/2/layout/IconVerticalSolidList"/>
-    <dgm:cxn modelId="{736CB282-9CA2-4B35-9A20-312FA9243E6C}" type="presParOf" srcId="{79DDFA1E-BEAA-4504-8A14-346C6E567042}" destId="{43E86A42-3E53-4EDB-94A7-4887C882A506}" srcOrd="4" destOrd="0" presId="urn:microsoft.com/office/officeart/2018/2/layout/IconVerticalSolidList"/>
-    <dgm:cxn modelId="{FE0CF1A6-E9F5-4CD6-89BA-A94C17B8D53C}" type="presParOf" srcId="{43E86A42-3E53-4EDB-94A7-4887C882A506}" destId="{8A1E791A-BA0A-41A5-A89D-F79442E4EA7C}" srcOrd="0" destOrd="0" presId="urn:microsoft.com/office/officeart/2018/2/layout/IconVerticalSolidList"/>
-    <dgm:cxn modelId="{FEE2E2A4-C838-49EF-9CBC-B763C31DD692}" type="presParOf" srcId="{43E86A42-3E53-4EDB-94A7-4887C882A506}" destId="{E43CEA6C-2979-4A3B-8746-81FFDAEA98A5}" srcOrd="1" destOrd="0" presId="urn:microsoft.com/office/officeart/2018/2/layout/IconVerticalSolidList"/>
-    <dgm:cxn modelId="{8AF7F3FE-B098-4EDD-BBA3-D7F0634BE3B2}" type="presParOf" srcId="{43E86A42-3E53-4EDB-94A7-4887C882A506}" destId="{EB10E07B-F08E-4775-B370-BDD95466DD54}" srcOrd="2" destOrd="0" presId="urn:microsoft.com/office/officeart/2018/2/layout/IconVerticalSolidList"/>
-    <dgm:cxn modelId="{81575CBD-71E1-44D8-965F-FF0E479FD70D}" type="presParOf" srcId="{43E86A42-3E53-4EDB-94A7-4887C882A506}" destId="{8362D776-FCBA-47E4-950D-D6A851A40284}" srcOrd="3" destOrd="0" presId="urn:microsoft.com/office/officeart/2018/2/layout/IconVerticalSolidList"/>
-    <dgm:cxn modelId="{74AA23BE-EB4D-461E-A142-69EE186391A0}" type="presParOf" srcId="{43E86A42-3E53-4EDB-94A7-4887C882A506}" destId="{91FFC06C-5F87-4504-A0E6-36323F47E5B4}" srcOrd="4" destOrd="0" presId="urn:microsoft.com/office/officeart/2018/2/layout/IconVerticalSolidList"/>
-    <dgm:cxn modelId="{465203AC-B788-4531-A96D-0C0ED7DF9164}" type="presParOf" srcId="{79DDFA1E-BEAA-4504-8A14-346C6E567042}" destId="{7A8C8661-C3AA-48C3-911A-F7DA0B9F42A4}" srcOrd="5" destOrd="0" presId="urn:microsoft.com/office/officeart/2018/2/layout/IconVerticalSolidList"/>
-    <dgm:cxn modelId="{9270588C-DCF0-4396-ABAA-35F5D3EA5DBF}" type="presParOf" srcId="{79DDFA1E-BEAA-4504-8A14-346C6E567042}" destId="{D21F382F-C32C-4B10-ACC2-F664E900FEC5}" srcOrd="6" destOrd="0" presId="urn:microsoft.com/office/officeart/2018/2/layout/IconVerticalSolidList"/>
+    <dgm:cxn modelId="{9270588C-DCF0-4396-ABAA-35F5D3EA5DBF}" type="presParOf" srcId="{79DDFA1E-BEAA-4504-8A14-346C6E567042}" destId="{D21F382F-C32C-4B10-ACC2-F664E900FEC5}" srcOrd="4" destOrd="0" presId="urn:microsoft.com/office/officeart/2018/2/layout/IconVerticalSolidList"/>
     <dgm:cxn modelId="{53D04315-6259-4F91-835D-422A6B8A0138}" type="presParOf" srcId="{D21F382F-C32C-4B10-ACC2-F664E900FEC5}" destId="{174946D0-7E7F-4A81-BD75-BF303F3678F8}" srcOrd="0" destOrd="0" presId="urn:microsoft.com/office/officeart/2018/2/layout/IconVerticalSolidList"/>
     <dgm:cxn modelId="{85EB155A-B19C-449E-AF43-A9BBAA76A1A0}" type="presParOf" srcId="{D21F382F-C32C-4B10-ACC2-F664E900FEC5}" destId="{F36B0198-47AA-418B-A603-79E562097155}" srcOrd="1" destOrd="0" presId="urn:microsoft.com/office/officeart/2018/2/layout/IconVerticalSolidList"/>
     <dgm:cxn modelId="{BE90435D-DC5B-4DBC-913A-D262F8E6A2C0}" type="presParOf" srcId="{D21F382F-C32C-4B10-ACC2-F664E900FEC5}" destId="{21CB0A5A-865F-43E2-88B1-BF047D5E751F}" srcOrd="2" destOrd="0" presId="urn:microsoft.com/office/officeart/2018/2/layout/IconVerticalSolidList"/>
@@ -2802,10 +3131,514 @@
             </a:spcAft>
           </a:pPr>
           <a:r>
-            <a:rPr lang="en-US" sz="1400" kern="1200" smtClean="0"/>
-            <a:t>Android là hệ điều hành điện thoại di động mã nguồn mở miễn phí do Google phát triển dựa trên nền tảng của Linux. Bất kỳ một hãng sản xuất phần cứng nào cũng đều có thể tự do sử dụng hệ điều hành Android cho thiết bị của mình, miễn là các thiết bị ấy đáp ứng được các tiêu chuẩn cơ bản do Google đặt ra (có cảm ứng chạm, GPS, 3G,...).</a:t>
+            <a:rPr lang="en-US" sz="1400" kern="1200" dirty="0" smtClean="0"/>
+            <a:t>Android </a:t>
           </a:r>
-          <a:endParaRPr lang="en-US" sz="1400" kern="1200"/>
+          <a:r>
+            <a:rPr lang="en-US" sz="1400" kern="1200" dirty="0" err="1" smtClean="0"/>
+            <a:t>là</a:t>
+          </a:r>
+          <a:r>
+            <a:rPr lang="en-US" sz="1400" kern="1200" dirty="0" smtClean="0"/>
+            <a:t> </a:t>
+          </a:r>
+          <a:r>
+            <a:rPr lang="en-US" sz="1400" kern="1200" dirty="0" err="1" smtClean="0"/>
+            <a:t>hệ</a:t>
+          </a:r>
+          <a:r>
+            <a:rPr lang="en-US" sz="1400" kern="1200" dirty="0" smtClean="0"/>
+            <a:t> </a:t>
+          </a:r>
+          <a:r>
+            <a:rPr lang="en-US" sz="1400" kern="1200" dirty="0" err="1" smtClean="0"/>
+            <a:t>điều</a:t>
+          </a:r>
+          <a:r>
+            <a:rPr lang="en-US" sz="1400" kern="1200" dirty="0" smtClean="0"/>
+            <a:t> </a:t>
+          </a:r>
+          <a:r>
+            <a:rPr lang="en-US" sz="1400" kern="1200" dirty="0" err="1" smtClean="0"/>
+            <a:t>hành</a:t>
+          </a:r>
+          <a:r>
+            <a:rPr lang="en-US" sz="1400" kern="1200" dirty="0" smtClean="0"/>
+            <a:t> </a:t>
+          </a:r>
+          <a:r>
+            <a:rPr lang="en-US" sz="1400" kern="1200" dirty="0" err="1" smtClean="0"/>
+            <a:t>điện</a:t>
+          </a:r>
+          <a:r>
+            <a:rPr lang="en-US" sz="1400" kern="1200" dirty="0" smtClean="0"/>
+            <a:t> </a:t>
+          </a:r>
+          <a:r>
+            <a:rPr lang="en-US" sz="1400" kern="1200" dirty="0" err="1" smtClean="0"/>
+            <a:t>thoại</a:t>
+          </a:r>
+          <a:r>
+            <a:rPr lang="en-US" sz="1400" kern="1200" dirty="0" smtClean="0"/>
+            <a:t> di </a:t>
+          </a:r>
+          <a:r>
+            <a:rPr lang="en-US" sz="1400" kern="1200" dirty="0" err="1" smtClean="0"/>
+            <a:t>động</a:t>
+          </a:r>
+          <a:r>
+            <a:rPr lang="en-US" sz="1400" kern="1200" dirty="0" smtClean="0"/>
+            <a:t> </a:t>
+          </a:r>
+          <a:r>
+            <a:rPr lang="en-US" sz="1400" kern="1200" dirty="0" err="1" smtClean="0"/>
+            <a:t>mã</a:t>
+          </a:r>
+          <a:r>
+            <a:rPr lang="en-US" sz="1400" kern="1200" dirty="0" smtClean="0"/>
+            <a:t> </a:t>
+          </a:r>
+          <a:r>
+            <a:rPr lang="en-US" sz="1400" kern="1200" dirty="0" err="1" smtClean="0"/>
+            <a:t>nguồn</a:t>
+          </a:r>
+          <a:r>
+            <a:rPr lang="en-US" sz="1400" kern="1200" dirty="0" smtClean="0"/>
+            <a:t> </a:t>
+          </a:r>
+          <a:r>
+            <a:rPr lang="en-US" sz="1400" kern="1200" dirty="0" err="1" smtClean="0"/>
+            <a:t>mở</a:t>
+          </a:r>
+          <a:r>
+            <a:rPr lang="en-US" sz="1400" kern="1200" dirty="0" smtClean="0"/>
+            <a:t> </a:t>
+          </a:r>
+          <a:r>
+            <a:rPr lang="en-US" sz="1400" kern="1200" dirty="0" err="1" smtClean="0"/>
+            <a:t>miễn</a:t>
+          </a:r>
+          <a:r>
+            <a:rPr lang="en-US" sz="1400" kern="1200" dirty="0" smtClean="0"/>
+            <a:t> </a:t>
+          </a:r>
+          <a:r>
+            <a:rPr lang="en-US" sz="1400" kern="1200" dirty="0" err="1" smtClean="0"/>
+            <a:t>phí</a:t>
+          </a:r>
+          <a:r>
+            <a:rPr lang="en-US" sz="1400" kern="1200" dirty="0" smtClean="0"/>
+            <a:t> do Google </a:t>
+          </a:r>
+          <a:r>
+            <a:rPr lang="en-US" sz="1400" kern="1200" dirty="0" err="1" smtClean="0"/>
+            <a:t>phát</a:t>
+          </a:r>
+          <a:r>
+            <a:rPr lang="en-US" sz="1400" kern="1200" dirty="0" smtClean="0"/>
+            <a:t> </a:t>
+          </a:r>
+          <a:r>
+            <a:rPr lang="en-US" sz="1400" kern="1200" dirty="0" err="1" smtClean="0"/>
+            <a:t>triển</a:t>
+          </a:r>
+          <a:r>
+            <a:rPr lang="en-US" sz="1400" kern="1200" dirty="0" smtClean="0"/>
+            <a:t> </a:t>
+          </a:r>
+          <a:r>
+            <a:rPr lang="en-US" sz="1400" kern="1200" dirty="0" err="1" smtClean="0"/>
+            <a:t>dựa</a:t>
+          </a:r>
+          <a:r>
+            <a:rPr lang="en-US" sz="1400" kern="1200" dirty="0" smtClean="0"/>
+            <a:t> </a:t>
+          </a:r>
+          <a:r>
+            <a:rPr lang="en-US" sz="1400" kern="1200" dirty="0" err="1" smtClean="0"/>
+            <a:t>trên</a:t>
+          </a:r>
+          <a:r>
+            <a:rPr lang="en-US" sz="1400" kern="1200" dirty="0" smtClean="0"/>
+            <a:t> </a:t>
+          </a:r>
+          <a:r>
+            <a:rPr lang="en-US" sz="1400" kern="1200" dirty="0" err="1" smtClean="0"/>
+            <a:t>nền</a:t>
+          </a:r>
+          <a:r>
+            <a:rPr lang="en-US" sz="1400" kern="1200" dirty="0" smtClean="0"/>
+            <a:t> </a:t>
+          </a:r>
+          <a:r>
+            <a:rPr lang="en-US" sz="1400" kern="1200" dirty="0" err="1" smtClean="0"/>
+            <a:t>tảng</a:t>
+          </a:r>
+          <a:r>
+            <a:rPr lang="en-US" sz="1400" kern="1200" dirty="0" smtClean="0"/>
+            <a:t> </a:t>
+          </a:r>
+          <a:r>
+            <a:rPr lang="en-US" sz="1400" kern="1200" dirty="0" err="1" smtClean="0"/>
+            <a:t>của</a:t>
+          </a:r>
+          <a:r>
+            <a:rPr lang="en-US" sz="1400" kern="1200" dirty="0" smtClean="0"/>
+            <a:t> Linux. </a:t>
+          </a:r>
+          <a:r>
+            <a:rPr lang="en-US" sz="1400" kern="1200" dirty="0" err="1" smtClean="0"/>
+            <a:t>Bất</a:t>
+          </a:r>
+          <a:r>
+            <a:rPr lang="en-US" sz="1400" kern="1200" dirty="0" smtClean="0"/>
+            <a:t> </a:t>
+          </a:r>
+          <a:r>
+            <a:rPr lang="en-US" sz="1400" kern="1200" dirty="0" err="1" smtClean="0"/>
+            <a:t>kỳ</a:t>
+          </a:r>
+          <a:r>
+            <a:rPr lang="en-US" sz="1400" kern="1200" dirty="0" smtClean="0"/>
+            <a:t> </a:t>
+          </a:r>
+          <a:r>
+            <a:rPr lang="en-US" sz="1400" kern="1200" dirty="0" err="1" smtClean="0"/>
+            <a:t>một</a:t>
+          </a:r>
+          <a:r>
+            <a:rPr lang="en-US" sz="1400" kern="1200" dirty="0" smtClean="0"/>
+            <a:t> </a:t>
+          </a:r>
+          <a:r>
+            <a:rPr lang="en-US" sz="1400" kern="1200" dirty="0" err="1" smtClean="0"/>
+            <a:t>hãng</a:t>
+          </a:r>
+          <a:r>
+            <a:rPr lang="en-US" sz="1400" kern="1200" dirty="0" smtClean="0"/>
+            <a:t> </a:t>
+          </a:r>
+          <a:r>
+            <a:rPr lang="en-US" sz="1400" kern="1200" dirty="0" err="1" smtClean="0"/>
+            <a:t>sản</a:t>
+          </a:r>
+          <a:r>
+            <a:rPr lang="en-US" sz="1400" kern="1200" dirty="0" smtClean="0"/>
+            <a:t> </a:t>
+          </a:r>
+          <a:r>
+            <a:rPr lang="en-US" sz="1400" kern="1200" dirty="0" err="1" smtClean="0"/>
+            <a:t>xuất</a:t>
+          </a:r>
+          <a:r>
+            <a:rPr lang="en-US" sz="1400" kern="1200" dirty="0" smtClean="0"/>
+            <a:t> </a:t>
+          </a:r>
+          <a:r>
+            <a:rPr lang="en-US" sz="1400" kern="1200" dirty="0" err="1" smtClean="0"/>
+            <a:t>phần</a:t>
+          </a:r>
+          <a:r>
+            <a:rPr lang="en-US" sz="1400" kern="1200" dirty="0" smtClean="0"/>
+            <a:t> </a:t>
+          </a:r>
+          <a:r>
+            <a:rPr lang="en-US" sz="1400" kern="1200" dirty="0" err="1" smtClean="0"/>
+            <a:t>cứng</a:t>
+          </a:r>
+          <a:r>
+            <a:rPr lang="en-US" sz="1400" kern="1200" dirty="0" smtClean="0"/>
+            <a:t> </a:t>
+          </a:r>
+          <a:r>
+            <a:rPr lang="en-US" sz="1400" kern="1200" dirty="0" err="1" smtClean="0"/>
+            <a:t>nào</a:t>
+          </a:r>
+          <a:r>
+            <a:rPr lang="en-US" sz="1400" kern="1200" dirty="0" smtClean="0"/>
+            <a:t> </a:t>
+          </a:r>
+          <a:r>
+            <a:rPr lang="en-US" sz="1400" kern="1200" dirty="0" err="1" smtClean="0"/>
+            <a:t>cũng</a:t>
+          </a:r>
+          <a:r>
+            <a:rPr lang="en-US" sz="1400" kern="1200" dirty="0" smtClean="0"/>
+            <a:t> </a:t>
+          </a:r>
+          <a:r>
+            <a:rPr lang="en-US" sz="1400" kern="1200" dirty="0" err="1" smtClean="0"/>
+            <a:t>đều</a:t>
+          </a:r>
+          <a:r>
+            <a:rPr lang="en-US" sz="1400" kern="1200" dirty="0" smtClean="0"/>
+            <a:t> </a:t>
+          </a:r>
+          <a:r>
+            <a:rPr lang="en-US" sz="1400" kern="1200" dirty="0" err="1" smtClean="0"/>
+            <a:t>có</a:t>
+          </a:r>
+          <a:r>
+            <a:rPr lang="en-US" sz="1400" kern="1200" dirty="0" smtClean="0"/>
+            <a:t> </a:t>
+          </a:r>
+          <a:r>
+            <a:rPr lang="en-US" sz="1400" kern="1200" dirty="0" err="1" smtClean="0"/>
+            <a:t>thể</a:t>
+          </a:r>
+          <a:r>
+            <a:rPr lang="en-US" sz="1400" kern="1200" dirty="0" smtClean="0"/>
+            <a:t> </a:t>
+          </a:r>
+          <a:r>
+            <a:rPr lang="en-US" sz="1400" kern="1200" dirty="0" err="1" smtClean="0"/>
+            <a:t>tự</a:t>
+          </a:r>
+          <a:r>
+            <a:rPr lang="en-US" sz="1400" kern="1200" dirty="0" smtClean="0"/>
+            <a:t> do </a:t>
+          </a:r>
+          <a:r>
+            <a:rPr lang="en-US" sz="1400" kern="1200" dirty="0" err="1" smtClean="0"/>
+            <a:t>sử</a:t>
+          </a:r>
+          <a:r>
+            <a:rPr lang="en-US" sz="1400" kern="1200" dirty="0" smtClean="0"/>
+            <a:t> </a:t>
+          </a:r>
+          <a:r>
+            <a:rPr lang="en-US" sz="1400" kern="1200" dirty="0" err="1" smtClean="0"/>
+            <a:t>dụng</a:t>
+          </a:r>
+          <a:r>
+            <a:rPr lang="en-US" sz="1400" kern="1200" dirty="0" smtClean="0"/>
+            <a:t> </a:t>
+          </a:r>
+          <a:r>
+            <a:rPr lang="en-US" sz="1400" kern="1200" dirty="0" err="1" smtClean="0"/>
+            <a:t>hệ</a:t>
+          </a:r>
+          <a:r>
+            <a:rPr lang="en-US" sz="1400" kern="1200" dirty="0" smtClean="0"/>
+            <a:t> </a:t>
+          </a:r>
+          <a:r>
+            <a:rPr lang="en-US" sz="1400" kern="1200" dirty="0" err="1" smtClean="0"/>
+            <a:t>điều</a:t>
+          </a:r>
+          <a:r>
+            <a:rPr lang="en-US" sz="1400" kern="1200" dirty="0" smtClean="0"/>
+            <a:t> </a:t>
+          </a:r>
+          <a:r>
+            <a:rPr lang="en-US" sz="1400" kern="1200" dirty="0" err="1" smtClean="0"/>
+            <a:t>hành</a:t>
+          </a:r>
+          <a:r>
+            <a:rPr lang="en-US" sz="1400" kern="1200" dirty="0" smtClean="0"/>
+            <a:t> Android </a:t>
+          </a:r>
+          <a:r>
+            <a:rPr lang="en-US" sz="1400" kern="1200" dirty="0" err="1" smtClean="0"/>
+            <a:t>cho</a:t>
+          </a:r>
+          <a:r>
+            <a:rPr lang="en-US" sz="1400" kern="1200" dirty="0" smtClean="0"/>
+            <a:t> </a:t>
+          </a:r>
+          <a:r>
+            <a:rPr lang="en-US" sz="1400" kern="1200" dirty="0" err="1" smtClean="0"/>
+            <a:t>thiết</a:t>
+          </a:r>
+          <a:r>
+            <a:rPr lang="en-US" sz="1400" kern="1200" dirty="0" smtClean="0"/>
+            <a:t> </a:t>
+          </a:r>
+          <a:r>
+            <a:rPr lang="en-US" sz="1400" kern="1200" dirty="0" err="1" smtClean="0"/>
+            <a:t>bị</a:t>
+          </a:r>
+          <a:r>
+            <a:rPr lang="en-US" sz="1400" kern="1200" dirty="0" smtClean="0"/>
+            <a:t> </a:t>
+          </a:r>
+          <a:r>
+            <a:rPr lang="en-US" sz="1400" kern="1200" dirty="0" err="1" smtClean="0"/>
+            <a:t>của</a:t>
+          </a:r>
+          <a:r>
+            <a:rPr lang="en-US" sz="1400" kern="1200" dirty="0" smtClean="0"/>
+            <a:t> </a:t>
+          </a:r>
+          <a:r>
+            <a:rPr lang="en-US" sz="1400" kern="1200" dirty="0" err="1" smtClean="0"/>
+            <a:t>mình</a:t>
+          </a:r>
+          <a:r>
+            <a:rPr lang="en-US" sz="1400" kern="1200" dirty="0" smtClean="0"/>
+            <a:t>, </a:t>
+          </a:r>
+          <a:r>
+            <a:rPr lang="en-US" sz="1400" kern="1200" dirty="0" err="1" smtClean="0"/>
+            <a:t>miễn</a:t>
+          </a:r>
+          <a:r>
+            <a:rPr lang="en-US" sz="1400" kern="1200" dirty="0" smtClean="0"/>
+            <a:t> </a:t>
+          </a:r>
+          <a:r>
+            <a:rPr lang="en-US" sz="1400" kern="1200" dirty="0" err="1" smtClean="0"/>
+            <a:t>là</a:t>
+          </a:r>
+          <a:r>
+            <a:rPr lang="en-US" sz="1400" kern="1200" dirty="0" smtClean="0"/>
+            <a:t> </a:t>
+          </a:r>
+          <a:r>
+            <a:rPr lang="en-US" sz="1400" kern="1200" dirty="0" err="1" smtClean="0"/>
+            <a:t>các</a:t>
+          </a:r>
+          <a:r>
+            <a:rPr lang="en-US" sz="1400" kern="1200" dirty="0" smtClean="0"/>
+            <a:t> </a:t>
+          </a:r>
+          <a:r>
+            <a:rPr lang="en-US" sz="1400" kern="1200" dirty="0" err="1" smtClean="0"/>
+            <a:t>thiết</a:t>
+          </a:r>
+          <a:r>
+            <a:rPr lang="en-US" sz="1400" kern="1200" dirty="0" smtClean="0"/>
+            <a:t> </a:t>
+          </a:r>
+          <a:r>
+            <a:rPr lang="en-US" sz="1400" kern="1200" dirty="0" err="1" smtClean="0"/>
+            <a:t>bị</a:t>
+          </a:r>
+          <a:r>
+            <a:rPr lang="en-US" sz="1400" kern="1200" dirty="0" smtClean="0"/>
+            <a:t> </a:t>
+          </a:r>
+          <a:r>
+            <a:rPr lang="en-US" sz="1400" kern="1200" dirty="0" err="1" smtClean="0"/>
+            <a:t>ấy</a:t>
+          </a:r>
+          <a:r>
+            <a:rPr lang="en-US" sz="1400" kern="1200" dirty="0" smtClean="0"/>
+            <a:t> </a:t>
+          </a:r>
+          <a:r>
+            <a:rPr lang="en-US" sz="1400" kern="1200" dirty="0" err="1" smtClean="0"/>
+            <a:t>đáp</a:t>
+          </a:r>
+          <a:r>
+            <a:rPr lang="en-US" sz="1400" kern="1200" dirty="0" smtClean="0"/>
+            <a:t> </a:t>
+          </a:r>
+          <a:r>
+            <a:rPr lang="en-US" sz="1400" kern="1200" dirty="0" err="1" smtClean="0"/>
+            <a:t>ứng</a:t>
+          </a:r>
+          <a:r>
+            <a:rPr lang="en-US" sz="1400" kern="1200" dirty="0" smtClean="0"/>
+            <a:t> </a:t>
+          </a:r>
+          <a:r>
+            <a:rPr lang="en-US" sz="1400" kern="1200" dirty="0" err="1" smtClean="0"/>
+            <a:t>được</a:t>
+          </a:r>
+          <a:r>
+            <a:rPr lang="en-US" sz="1400" kern="1200" dirty="0" smtClean="0"/>
+            <a:t> </a:t>
+          </a:r>
+          <a:r>
+            <a:rPr lang="en-US" sz="1400" kern="1200" dirty="0" err="1" smtClean="0"/>
+            <a:t>các</a:t>
+          </a:r>
+          <a:r>
+            <a:rPr lang="en-US" sz="1400" kern="1200" dirty="0" smtClean="0"/>
+            <a:t> </a:t>
+          </a:r>
+          <a:r>
+            <a:rPr lang="en-US" sz="1400" kern="1200" dirty="0" err="1" smtClean="0"/>
+            <a:t>tiêu</a:t>
+          </a:r>
+          <a:r>
+            <a:rPr lang="en-US" sz="1400" kern="1200" dirty="0" smtClean="0"/>
+            <a:t> </a:t>
+          </a:r>
+          <a:r>
+            <a:rPr lang="en-US" sz="1400" kern="1200" dirty="0" err="1" smtClean="0"/>
+            <a:t>chuẩn</a:t>
+          </a:r>
+          <a:r>
+            <a:rPr lang="en-US" sz="1400" kern="1200" dirty="0" smtClean="0"/>
+            <a:t> </a:t>
+          </a:r>
+          <a:r>
+            <a:rPr lang="en-US" sz="1400" kern="1200" dirty="0" err="1" smtClean="0"/>
+            <a:t>cơ</a:t>
+          </a:r>
+          <a:r>
+            <a:rPr lang="en-US" sz="1400" kern="1200" dirty="0" smtClean="0"/>
+            <a:t> </a:t>
+          </a:r>
+          <a:r>
+            <a:rPr lang="en-US" sz="1400" kern="1200" dirty="0" err="1" smtClean="0"/>
+            <a:t>bản</a:t>
+          </a:r>
+          <a:r>
+            <a:rPr lang="en-US" sz="1400" kern="1200" dirty="0" smtClean="0"/>
+            <a:t> do Google </a:t>
+          </a:r>
+          <a:r>
+            <a:rPr lang="en-US" sz="1400" kern="1200" dirty="0" err="1" smtClean="0"/>
+            <a:t>đặt</a:t>
+          </a:r>
+          <a:r>
+            <a:rPr lang="en-US" sz="1400" kern="1200" dirty="0" smtClean="0"/>
+            <a:t> </a:t>
+          </a:r>
+          <a:r>
+            <a:rPr lang="en-US" sz="1400" kern="1200" dirty="0" err="1" smtClean="0"/>
+            <a:t>ra</a:t>
+          </a:r>
+          <a:r>
+            <a:rPr lang="en-US" sz="1400" kern="1200" dirty="0" smtClean="0"/>
+            <a:t> (</a:t>
+          </a:r>
+          <a:r>
+            <a:rPr lang="en-US" sz="1400" kern="1200" dirty="0" err="1" smtClean="0"/>
+            <a:t>có</a:t>
+          </a:r>
+          <a:r>
+            <a:rPr lang="en-US" sz="1400" kern="1200" dirty="0" smtClean="0"/>
+            <a:t> </a:t>
+          </a:r>
+          <a:r>
+            <a:rPr lang="en-US" sz="1400" kern="1200" dirty="0" err="1" smtClean="0"/>
+            <a:t>cảm</a:t>
+          </a:r>
+          <a:r>
+            <a:rPr lang="en-US" sz="1400" kern="1200" dirty="0" smtClean="0"/>
+            <a:t> </a:t>
+          </a:r>
+          <a:r>
+            <a:rPr lang="en-US" sz="1400" kern="1200" dirty="0" err="1" smtClean="0"/>
+            <a:t>ứng</a:t>
+          </a:r>
+          <a:r>
+            <a:rPr lang="en-US" sz="1400" kern="1200" dirty="0" smtClean="0"/>
+            <a:t> </a:t>
+          </a:r>
+          <a:r>
+            <a:rPr lang="en-US" sz="1400" kern="1200" dirty="0" err="1" smtClean="0"/>
+            <a:t>chạm</a:t>
+          </a:r>
+          <a:r>
+            <a:rPr lang="en-US" sz="1400" kern="1200" dirty="0" smtClean="0"/>
+            <a:t>, GPS, 3G,...).</a:t>
+          </a:r>
+          <a:endParaRPr lang="en-US" sz="1400" kern="1200" dirty="0"/>
         </a:p>
       </dsp:txBody>
       <dsp:txXfrm>
@@ -3029,8 +3862,8 @@
       </dsp:nvSpPr>
       <dsp:spPr>
         <a:xfrm>
-          <a:off x="-65811" y="9347"/>
-          <a:ext cx="4971603" cy="1044396"/>
+          <a:off x="0" y="607"/>
+          <a:ext cx="4971603" cy="1422390"/>
         </a:xfrm>
         <a:prstGeom prst="roundRect">
           <a:avLst>
@@ -3077,8 +3910,8 @@
       </dsp:nvSpPr>
       <dsp:spPr>
         <a:xfrm>
-          <a:off x="250118" y="244337"/>
-          <a:ext cx="574418" cy="574418"/>
+          <a:off x="430272" y="320645"/>
+          <a:ext cx="782314" cy="782314"/>
         </a:xfrm>
         <a:prstGeom prst="rect">
           <a:avLst/>
@@ -3131,8 +3964,8 @@
       </dsp:nvSpPr>
       <dsp:spPr>
         <a:xfrm>
-          <a:off x="1140466" y="9347"/>
-          <a:ext cx="3762965" cy="1044396"/>
+          <a:off x="1642860" y="607"/>
+          <a:ext cx="3328742" cy="1422390"/>
         </a:xfrm>
         <a:prstGeom prst="rect">
           <a:avLst/>
@@ -3156,12 +3989,12 @@
         <a:fontRef idx="minor"/>
       </dsp:style>
       <dsp:txBody>
-        <a:bodyPr spcFirstLastPara="0" vert="horz" wrap="square" lIns="110532" tIns="110532" rIns="110532" bIns="110532" numCol="1" spcCol="1270" anchor="ctr" anchorCtr="0">
+        <a:bodyPr spcFirstLastPara="0" vert="horz" wrap="square" lIns="150536" tIns="150536" rIns="150536" bIns="150536" numCol="1" spcCol="1270" anchor="ctr" anchorCtr="0">
           <a:noAutofit/>
         </a:bodyPr>
         <a:lstStyle/>
         <a:p>
-          <a:pPr lvl="0" algn="l" defTabSz="977900">
+          <a:pPr lvl="0" algn="l" defTabSz="1111250">
             <a:lnSpc>
               <a:spcPct val="90000"/>
             </a:lnSpc>
@@ -3173,7 +4006,7 @@
             </a:spcAft>
           </a:pPr>
           <a:r>
-            <a:rPr lang="en-US" sz="2200" kern="1200" dirty="0">
+            <a:rPr lang="en-US" sz="2500" kern="1200" dirty="0">
               <a:latin typeface="Times New Roman" panose="02020603050405020304" pitchFamily="18" charset="0"/>
               <a:cs typeface="Times New Roman" panose="02020603050405020304" pitchFamily="18" charset="0"/>
             </a:rPr>
@@ -3182,8 +4015,8 @@
         </a:p>
       </dsp:txBody>
       <dsp:txXfrm>
-        <a:off x="1140466" y="9347"/>
-        <a:ext cx="3762965" cy="1044396"/>
+        <a:off x="1642860" y="607"/>
+        <a:ext cx="3328742" cy="1422390"/>
       </dsp:txXfrm>
     </dsp:sp>
     <dsp:sp modelId="{529EF6B6-A797-43BC-85A9-EDC00263510F}">
@@ -3193,8 +4026,8 @@
       </dsp:nvSpPr>
       <dsp:spPr>
         <a:xfrm>
-          <a:off x="-65811" y="1314843"/>
-          <a:ext cx="4971603" cy="1044396"/>
+          <a:off x="0" y="1778595"/>
+          <a:ext cx="4971603" cy="1422390"/>
         </a:xfrm>
         <a:prstGeom prst="roundRect">
           <a:avLst>
@@ -3241,8 +4074,8 @@
       </dsp:nvSpPr>
       <dsp:spPr>
         <a:xfrm>
-          <a:off x="250118" y="1549833"/>
-          <a:ext cx="574418" cy="574418"/>
+          <a:off x="430272" y="2098633"/>
+          <a:ext cx="782314" cy="782314"/>
         </a:xfrm>
         <a:prstGeom prst="rect">
           <a:avLst/>
@@ -3295,8 +4128,8 @@
       </dsp:nvSpPr>
       <dsp:spPr>
         <a:xfrm>
-          <a:off x="1140466" y="1314843"/>
-          <a:ext cx="3762965" cy="1044396"/>
+          <a:off x="1642860" y="1778595"/>
+          <a:ext cx="3328742" cy="1422390"/>
         </a:xfrm>
         <a:prstGeom prst="rect">
           <a:avLst/>
@@ -3320,12 +4153,12 @@
         <a:fontRef idx="minor"/>
       </dsp:style>
       <dsp:txBody>
-        <a:bodyPr spcFirstLastPara="0" vert="horz" wrap="square" lIns="110532" tIns="110532" rIns="110532" bIns="110532" numCol="1" spcCol="1270" anchor="ctr" anchorCtr="0">
+        <a:bodyPr spcFirstLastPara="0" vert="horz" wrap="square" lIns="150536" tIns="150536" rIns="150536" bIns="150536" numCol="1" spcCol="1270" anchor="ctr" anchorCtr="0">
           <a:noAutofit/>
         </a:bodyPr>
         <a:lstStyle/>
         <a:p>
-          <a:pPr lvl="0" algn="l" defTabSz="977900">
+          <a:pPr lvl="0" algn="l" defTabSz="1111250">
             <a:lnSpc>
               <a:spcPct val="90000"/>
             </a:lnSpc>
@@ -3337,295 +4170,56 @@
             </a:spcAft>
           </a:pPr>
           <a:r>
-            <a:rPr lang="en-US" sz="2200" kern="1200" dirty="0" err="1">
+            <a:rPr lang="en-US" sz="2500" kern="1200" dirty="0" err="1">
               <a:latin typeface="Times New Roman" panose="02020603050405020304" pitchFamily="18" charset="0"/>
               <a:cs typeface="Times New Roman" panose="02020603050405020304" pitchFamily="18" charset="0"/>
             </a:rPr>
             <a:t>Sử</a:t>
           </a:r>
           <a:r>
-            <a:rPr lang="en-US" sz="2200" kern="1200" dirty="0">
+            <a:rPr lang="en-US" sz="2500" kern="1200" dirty="0">
               <a:latin typeface="Times New Roman" panose="02020603050405020304" pitchFamily="18" charset="0"/>
               <a:cs typeface="Times New Roman" panose="02020603050405020304" pitchFamily="18" charset="0"/>
             </a:rPr>
             <a:t> </a:t>
           </a:r>
           <a:r>
-            <a:rPr lang="en-US" sz="2200" kern="1200" dirty="0" err="1">
+            <a:rPr lang="en-US" sz="2500" kern="1200" dirty="0" err="1">
               <a:latin typeface="Times New Roman" panose="02020603050405020304" pitchFamily="18" charset="0"/>
               <a:cs typeface="Times New Roman" panose="02020603050405020304" pitchFamily="18" charset="0"/>
             </a:rPr>
             <a:t>dụng</a:t>
           </a:r>
           <a:r>
-            <a:rPr lang="en-US" sz="2200" kern="1200" dirty="0">
+            <a:rPr lang="en-US" sz="2500" kern="1200" dirty="0">
               <a:latin typeface="Times New Roman" panose="02020603050405020304" pitchFamily="18" charset="0"/>
               <a:cs typeface="Times New Roman" panose="02020603050405020304" pitchFamily="18" charset="0"/>
             </a:rPr>
             <a:t> </a:t>
           </a:r>
           <a:r>
-            <a:rPr lang="en-US" sz="2200" kern="1200" dirty="0" smtClean="0">
+            <a:rPr lang="en-US" sz="2500" kern="1200" dirty="0" smtClean="0">
               <a:latin typeface="Times New Roman" panose="02020603050405020304" pitchFamily="18" charset="0"/>
               <a:cs typeface="Times New Roman" panose="02020603050405020304" pitchFamily="18" charset="0"/>
             </a:rPr>
-            <a:t>Android Studio 3.2</a:t>
+            <a:t>Android Studio </a:t>
           </a:r>
-          <a:endParaRPr lang="en-US" sz="2200" kern="1200" dirty="0">
+          <a:r>
+            <a:rPr lang="en-US" sz="2500" kern="1200" dirty="0" smtClean="0">
+              <a:latin typeface="Times New Roman" panose="02020603050405020304" pitchFamily="18" charset="0"/>
+              <a:cs typeface="Times New Roman" panose="02020603050405020304" pitchFamily="18" charset="0"/>
+            </a:rPr>
+            <a:t>3.2</a:t>
+          </a:r>
+          <a:endParaRPr lang="en-US" sz="2500" kern="1200" dirty="0">
             <a:latin typeface="Times New Roman" panose="02020603050405020304" pitchFamily="18" charset="0"/>
             <a:cs typeface="Times New Roman" panose="02020603050405020304" pitchFamily="18" charset="0"/>
           </a:endParaRPr>
         </a:p>
       </dsp:txBody>
       <dsp:txXfrm>
-        <a:off x="1140466" y="1314843"/>
-        <a:ext cx="3762965" cy="1044396"/>
-      </dsp:txXfrm>
-    </dsp:sp>
-    <dsp:sp modelId="{8A1E791A-BA0A-41A5-A89D-F79442E4EA7C}">
-      <dsp:nvSpPr>
-        <dsp:cNvPr id="0" name=""/>
-        <dsp:cNvSpPr/>
-      </dsp:nvSpPr>
-      <dsp:spPr>
-        <a:xfrm>
-          <a:off x="-65811" y="2620340"/>
-          <a:ext cx="4971603" cy="1044396"/>
-        </a:xfrm>
-        <a:prstGeom prst="roundRect">
-          <a:avLst>
-            <a:gd name="adj" fmla="val 10000"/>
-          </a:avLst>
-        </a:prstGeom>
-        <a:solidFill>
-          <a:schemeClr val="bg1">
-            <a:lumMod val="95000"/>
-            <a:hueOff val="0"/>
-            <a:satOff val="0"/>
-            <a:lumOff val="0"/>
-            <a:alphaOff val="0"/>
-          </a:schemeClr>
-        </a:solidFill>
-        <a:ln>
-          <a:noFill/>
-        </a:ln>
-        <a:effectLst>
-          <a:outerShdw blurRad="38100" dist="25400" dir="5400000" rotWithShape="0">
-            <a:srgbClr val="000000">
-              <a:alpha val="35000"/>
-            </a:srgbClr>
-          </a:outerShdw>
-        </a:effectLst>
-      </dsp:spPr>
-      <dsp:style>
-        <a:lnRef idx="0">
-          <a:scrgbClr r="0" g="0" b="0"/>
-        </a:lnRef>
-        <a:fillRef idx="1">
-          <a:scrgbClr r="0" g="0" b="0"/>
-        </a:fillRef>
-        <a:effectRef idx="2">
-          <a:scrgbClr r="0" g="0" b="0"/>
-        </a:effectRef>
-        <a:fontRef idx="minor"/>
-      </dsp:style>
-    </dsp:sp>
-    <dsp:sp modelId="{E43CEA6C-2979-4A3B-8746-81FFDAEA98A5}">
-      <dsp:nvSpPr>
-        <dsp:cNvPr id="0" name=""/>
-        <dsp:cNvSpPr/>
-      </dsp:nvSpPr>
-      <dsp:spPr>
-        <a:xfrm>
-          <a:off x="250118" y="2855329"/>
-          <a:ext cx="574418" cy="574418"/>
-        </a:xfrm>
-        <a:prstGeom prst="rect">
-          <a:avLst/>
-        </a:prstGeom>
-        <a:blipFill>
-          <a:blip xmlns:r="http://schemas.openxmlformats.org/officeDocument/2006/relationships" r:embed="rId5">
-            <a:extLst>
-              <a:ext uri="{28A0092B-C50C-407E-A947-70E740481C1C}">
-                <a14:useLocalDpi xmlns:a14="http://schemas.microsoft.com/office/drawing/2010/main" val="0"/>
-              </a:ext>
-              <a:ext uri="{96DAC541-7B7A-43D3-8B79-37D633B846F1}">
-                <asvg:svgBlip xmlns="" xmlns:asvg="http://schemas.microsoft.com/office/drawing/2016/SVG/main" r:embed="rId6"/>
-              </a:ext>
-            </a:extLst>
-          </a:blip>
-          <a:stretch>
-            <a:fillRect/>
-          </a:stretch>
-        </a:blipFill>
-        <a:ln>
-          <a:noFill/>
-        </a:ln>
-        <a:effectLst>
-          <a:outerShdw blurRad="38100" dist="25400" dir="5400000" rotWithShape="0">
-            <a:srgbClr val="000000">
-              <a:alpha val="35000"/>
-            </a:srgbClr>
-          </a:outerShdw>
-        </a:effectLst>
-      </dsp:spPr>
-      <dsp:style>
-        <a:lnRef idx="0">
-          <a:scrgbClr r="0" g="0" b="0"/>
-        </a:lnRef>
-        <a:fillRef idx="3">
-          <a:scrgbClr r="0" g="0" b="0"/>
-        </a:fillRef>
-        <a:effectRef idx="2">
-          <a:scrgbClr r="0" g="0" b="0"/>
-        </a:effectRef>
-        <a:fontRef idx="minor">
-          <a:schemeClr val="lt1"/>
-        </a:fontRef>
-      </dsp:style>
-    </dsp:sp>
-    <dsp:sp modelId="{8362D776-FCBA-47E4-950D-D6A851A40284}">
-      <dsp:nvSpPr>
-        <dsp:cNvPr id="0" name=""/>
-        <dsp:cNvSpPr/>
-      </dsp:nvSpPr>
-      <dsp:spPr>
-        <a:xfrm>
-          <a:off x="1140466" y="2620340"/>
-          <a:ext cx="2237221" cy="1044396"/>
-        </a:xfrm>
-        <a:prstGeom prst="rect">
-          <a:avLst/>
-        </a:prstGeom>
-        <a:noFill/>
-        <a:ln>
-          <a:noFill/>
-        </a:ln>
-        <a:effectLst/>
-      </dsp:spPr>
-      <dsp:style>
-        <a:lnRef idx="0">
-          <a:scrgbClr r="0" g="0" b="0"/>
-        </a:lnRef>
-        <a:fillRef idx="0">
-          <a:scrgbClr r="0" g="0" b="0"/>
-        </a:fillRef>
-        <a:effectRef idx="0">
-          <a:scrgbClr r="0" g="0" b="0"/>
-        </a:effectRef>
-        <a:fontRef idx="minor"/>
-      </dsp:style>
-      <dsp:txBody>
-        <a:bodyPr spcFirstLastPara="0" vert="horz" wrap="square" lIns="110532" tIns="110532" rIns="110532" bIns="110532" numCol="1" spcCol="1270" anchor="ctr" anchorCtr="0">
-          <a:noAutofit/>
-        </a:bodyPr>
-        <a:lstStyle/>
-        <a:p>
-          <a:pPr lvl="0" algn="l" defTabSz="977900">
-            <a:lnSpc>
-              <a:spcPct val="90000"/>
-            </a:lnSpc>
-            <a:spcBef>
-              <a:spcPct val="0"/>
-            </a:spcBef>
-            <a:spcAft>
-              <a:spcPct val="35000"/>
-            </a:spcAft>
-          </a:pPr>
-          <a:r>
-            <a:rPr lang="en-US" sz="2200" kern="1200" dirty="0">
-              <a:latin typeface="Times New Roman" panose="02020603050405020304" pitchFamily="18" charset="0"/>
-              <a:cs typeface="Times New Roman" panose="02020603050405020304" pitchFamily="18" charset="0"/>
-            </a:rPr>
-            <a:t>XAMPP</a:t>
-          </a:r>
-        </a:p>
-      </dsp:txBody>
-      <dsp:txXfrm>
-        <a:off x="1140466" y="2620340"/>
-        <a:ext cx="2237221" cy="1044396"/>
-      </dsp:txXfrm>
-    </dsp:sp>
-    <dsp:sp modelId="{91FFC06C-5F87-4504-A0E6-36323F47E5B4}">
-      <dsp:nvSpPr>
-        <dsp:cNvPr id="0" name=""/>
-        <dsp:cNvSpPr/>
-      </dsp:nvSpPr>
-      <dsp:spPr>
-        <a:xfrm>
-          <a:off x="3243704" y="2620340"/>
-          <a:ext cx="1793710" cy="1044396"/>
-        </a:xfrm>
-        <a:prstGeom prst="rect">
-          <a:avLst/>
-        </a:prstGeom>
-        <a:noFill/>
-        <a:ln>
-          <a:noFill/>
-        </a:ln>
-        <a:effectLst/>
-      </dsp:spPr>
-      <dsp:style>
-        <a:lnRef idx="0">
-          <a:scrgbClr r="0" g="0" b="0"/>
-        </a:lnRef>
-        <a:fillRef idx="0">
-          <a:scrgbClr r="0" g="0" b="0"/>
-        </a:fillRef>
-        <a:effectRef idx="0">
-          <a:scrgbClr r="0" g="0" b="0"/>
-        </a:effectRef>
-        <a:fontRef idx="minor"/>
-      </dsp:style>
-      <dsp:txBody>
-        <a:bodyPr spcFirstLastPara="0" vert="horz" wrap="square" lIns="110532" tIns="110532" rIns="110532" bIns="110532" numCol="1" spcCol="1270" anchor="ctr" anchorCtr="0">
-          <a:noAutofit/>
-        </a:bodyPr>
-        <a:lstStyle/>
-        <a:p>
-          <a:pPr lvl="0" algn="l" defTabSz="755650">
-            <a:lnSpc>
-              <a:spcPct val="90000"/>
-            </a:lnSpc>
-            <a:spcBef>
-              <a:spcPct val="0"/>
-            </a:spcBef>
-            <a:spcAft>
-              <a:spcPct val="35000"/>
-            </a:spcAft>
-          </a:pPr>
-          <a:r>
-            <a:rPr lang="en-US" sz="1700" kern="1200" dirty="0">
-              <a:latin typeface="Times New Roman" panose="02020603050405020304" pitchFamily="18" charset="0"/>
-              <a:cs typeface="Times New Roman" panose="02020603050405020304" pitchFamily="18" charset="0"/>
-            </a:rPr>
-            <a:t>PHP</a:t>
-          </a:r>
-        </a:p>
-        <a:p>
-          <a:pPr lvl="0" algn="l" defTabSz="755650">
-            <a:lnSpc>
-              <a:spcPct val="90000"/>
-            </a:lnSpc>
-            <a:spcBef>
-              <a:spcPct val="0"/>
-            </a:spcBef>
-            <a:spcAft>
-              <a:spcPct val="35000"/>
-            </a:spcAft>
-          </a:pPr>
-          <a:r>
-            <a:rPr lang="en-US" sz="1700" kern="1200" dirty="0">
-              <a:latin typeface="Times New Roman" panose="02020603050405020304" pitchFamily="18" charset="0"/>
-              <a:cs typeface="Times New Roman" panose="02020603050405020304" pitchFamily="18" charset="0"/>
-            </a:rPr>
-            <a:t>Built-in MySQL</a:t>
-          </a:r>
-        </a:p>
-      </dsp:txBody>
-      <dsp:txXfrm>
-        <a:off x="3243704" y="2620340"/>
-        <a:ext cx="1793710" cy="1044396"/>
+        <a:off x="1642860" y="1778595"/>
+        <a:ext cx="3328742" cy="1422390"/>
       </dsp:txXfrm>
     </dsp:sp>
     <dsp:sp modelId="{174946D0-7E7F-4A81-BD75-BF303F3678F8}">
@@ -3635,8 +4229,8 @@
       </dsp:nvSpPr>
       <dsp:spPr>
         <a:xfrm>
-          <a:off x="-65811" y="3925836"/>
-          <a:ext cx="4971603" cy="1044396"/>
+          <a:off x="0" y="3556583"/>
+          <a:ext cx="4971603" cy="1422390"/>
         </a:xfrm>
         <a:prstGeom prst="roundRect">
           <a:avLst>
@@ -3683,14 +4277,14 @@
       </dsp:nvSpPr>
       <dsp:spPr>
         <a:xfrm>
-          <a:off x="250118" y="4160825"/>
-          <a:ext cx="574418" cy="574418"/>
+          <a:off x="430272" y="3876620"/>
+          <a:ext cx="782314" cy="782314"/>
         </a:xfrm>
         <a:prstGeom prst="rect">
           <a:avLst/>
         </a:prstGeom>
         <a:blipFill>
-          <a:blip xmlns:r="http://schemas.openxmlformats.org/officeDocument/2006/relationships" r:embed="rId7">
+          <a:blip xmlns:r="http://schemas.openxmlformats.org/officeDocument/2006/relationships" r:embed="rId5">
             <a:extLst>
               <a:ext uri="{28A0092B-C50C-407E-A947-70E740481C1C}">
                 <a14:useLocalDpi xmlns:a14="http://schemas.microsoft.com/office/drawing/2010/main" val="0"/>
@@ -3737,8 +4331,8 @@
       </dsp:nvSpPr>
       <dsp:spPr>
         <a:xfrm>
-          <a:off x="1140466" y="3925836"/>
-          <a:ext cx="3762965" cy="1044396"/>
+          <a:off x="1642860" y="3556583"/>
+          <a:ext cx="3328742" cy="1422390"/>
         </a:xfrm>
         <a:prstGeom prst="rect">
           <a:avLst/>
@@ -3762,12 +4356,12 @@
         <a:fontRef idx="minor"/>
       </dsp:style>
       <dsp:txBody>
-        <a:bodyPr spcFirstLastPara="0" vert="horz" wrap="square" lIns="110532" tIns="110532" rIns="110532" bIns="110532" numCol="1" spcCol="1270" anchor="ctr" anchorCtr="0">
+        <a:bodyPr spcFirstLastPara="0" vert="horz" wrap="square" lIns="150536" tIns="150536" rIns="150536" bIns="150536" numCol="1" spcCol="1270" anchor="ctr" anchorCtr="0">
           <a:noAutofit/>
         </a:bodyPr>
         <a:lstStyle/>
         <a:p>
-          <a:pPr lvl="0" algn="l" defTabSz="977900">
+          <a:pPr lvl="0" algn="l" defTabSz="1111250">
             <a:lnSpc>
               <a:spcPct val="90000"/>
             </a:lnSpc>
@@ -3779,70 +4373,70 @@
             </a:spcAft>
           </a:pPr>
           <a:r>
-            <a:rPr lang="en-US" sz="2200" kern="1200" dirty="0" err="1" smtClean="0">
+            <a:rPr lang="en-US" sz="2500" kern="1200" dirty="0" err="1" smtClean="0">
               <a:latin typeface="Times New Roman" panose="02020603050405020304" pitchFamily="18" charset="0"/>
               <a:cs typeface="Times New Roman" panose="02020603050405020304" pitchFamily="18" charset="0"/>
             </a:rPr>
             <a:t>Điện</a:t>
           </a:r>
           <a:r>
-            <a:rPr lang="en-US" sz="2200" kern="1200" dirty="0" smtClean="0">
+            <a:rPr lang="en-US" sz="2500" kern="1200" dirty="0" smtClean="0">
               <a:latin typeface="Times New Roman" panose="02020603050405020304" pitchFamily="18" charset="0"/>
               <a:cs typeface="Times New Roman" panose="02020603050405020304" pitchFamily="18" charset="0"/>
             </a:rPr>
             <a:t> </a:t>
           </a:r>
           <a:r>
-            <a:rPr lang="en-US" sz="2200" kern="1200" dirty="0" err="1" smtClean="0">
+            <a:rPr lang="en-US" sz="2500" kern="1200" dirty="0" err="1" smtClean="0">
               <a:latin typeface="Times New Roman" panose="02020603050405020304" pitchFamily="18" charset="0"/>
               <a:cs typeface="Times New Roman" panose="02020603050405020304" pitchFamily="18" charset="0"/>
             </a:rPr>
             <a:t>thoại</a:t>
           </a:r>
           <a:r>
-            <a:rPr lang="en-US" sz="2200" kern="1200" dirty="0" smtClean="0">
+            <a:rPr lang="en-US" sz="2500" kern="1200" dirty="0" smtClean="0">
               <a:latin typeface="Times New Roman" panose="02020603050405020304" pitchFamily="18" charset="0"/>
               <a:cs typeface="Times New Roman" panose="02020603050405020304" pitchFamily="18" charset="0"/>
             </a:rPr>
             <a:t> Android 6.0 </a:t>
           </a:r>
           <a:r>
-            <a:rPr lang="en-US" sz="2200" kern="1200" dirty="0" err="1" smtClean="0">
+            <a:rPr lang="en-US" sz="2500" kern="1200" dirty="0" err="1" smtClean="0">
               <a:latin typeface="Times New Roman" panose="02020603050405020304" pitchFamily="18" charset="0"/>
               <a:cs typeface="Times New Roman" panose="02020603050405020304" pitchFamily="18" charset="0"/>
             </a:rPr>
             <a:t>trở</a:t>
           </a:r>
           <a:r>
-            <a:rPr lang="en-US" sz="2200" kern="1200" dirty="0" smtClean="0">
+            <a:rPr lang="en-US" sz="2500" kern="1200" dirty="0" smtClean="0">
               <a:latin typeface="Times New Roman" panose="02020603050405020304" pitchFamily="18" charset="0"/>
               <a:cs typeface="Times New Roman" panose="02020603050405020304" pitchFamily="18" charset="0"/>
             </a:rPr>
             <a:t> </a:t>
           </a:r>
           <a:r>
-            <a:rPr lang="en-US" sz="2200" kern="1200" dirty="0" err="1" smtClean="0">
+            <a:rPr lang="en-US" sz="2500" kern="1200" dirty="0" err="1" smtClean="0">
               <a:latin typeface="Times New Roman" panose="02020603050405020304" pitchFamily="18" charset="0"/>
               <a:cs typeface="Times New Roman" panose="02020603050405020304" pitchFamily="18" charset="0"/>
             </a:rPr>
             <a:t>lên</a:t>
           </a:r>
           <a:r>
-            <a:rPr lang="en-US" sz="2200" kern="1200" dirty="0" smtClean="0">
+            <a:rPr lang="en-US" sz="2500" kern="1200" dirty="0" smtClean="0">
               <a:latin typeface="Times New Roman" panose="02020603050405020304" pitchFamily="18" charset="0"/>
               <a:cs typeface="Times New Roman" panose="02020603050405020304" pitchFamily="18" charset="0"/>
             </a:rPr>
             <a:t>.</a:t>
           </a:r>
-          <a:endParaRPr lang="en-US" sz="2200" kern="1200" dirty="0">
+          <a:endParaRPr lang="en-US" sz="2500" kern="1200" dirty="0">
             <a:latin typeface="Times New Roman" panose="02020603050405020304" pitchFamily="18" charset="0"/>
             <a:cs typeface="Times New Roman" panose="02020603050405020304" pitchFamily="18" charset="0"/>
           </a:endParaRPr>
         </a:p>
       </dsp:txBody>
       <dsp:txXfrm>
-        <a:off x="1140466" y="3925836"/>
-        <a:ext cx="3762965" cy="1044396"/>
+        <a:off x="1642860" y="3556583"/>
+        <a:ext cx="3328742" cy="1422390"/>
       </dsp:txXfrm>
     </dsp:sp>
   </dsp:spTree>
@@ -6559,7 +7153,7 @@
           <a:p>
             <a:fld id="{2A38E6A0-600F-4377-B0AF-63A1F94582BA}" type="datetimeFigureOut">
               <a:rPr lang="en-US" smtClean="0"/>
-              <a:t>12/21/19</a:t>
+              <a:t>12/23/19</a:t>
             </a:fld>
             <a:endParaRPr lang="en-US"/>
           </a:p>
@@ -7621,7 +8215,7 @@
           <a:p>
             <a:fld id="{1FA070AB-D849-4167-9E56-2ABFB619003D}" type="datetime4">
               <a:rPr lang="vi-VN" smtClean="0"/>
-              <a:t>December 21, 2019</a:t>
+              <a:t>December 23, 2019</a:t>
             </a:fld>
             <a:endParaRPr lang="en-US"/>
           </a:p>
@@ -7876,7 +8470,7 @@
           <a:p>
             <a:fld id="{90B7DCFD-EE78-41F4-BE52-B28FA4FEB0F4}" type="datetime4">
               <a:rPr lang="vi-VN" smtClean="0"/>
-              <a:t>December 21, 2019</a:t>
+              <a:t>December 23, 2019</a:t>
             </a:fld>
             <a:endParaRPr lang="en-US"/>
           </a:p>
@@ -8193,7 +8787,7 @@
           <a:p>
             <a:fld id="{5429B404-D920-4D14-A47B-82AD95590348}" type="datetime4">
               <a:rPr lang="vi-VN" smtClean="0"/>
-              <a:t>December 21, 2019</a:t>
+              <a:t>December 23, 2019</a:t>
             </a:fld>
             <a:endParaRPr lang="en-US"/>
           </a:p>
@@ -8529,7 +9123,7 @@
           <a:p>
             <a:fld id="{5B023AFF-2405-4901-A91C-F49A3D0A0D7B}" type="datetime4">
               <a:rPr lang="vi-VN" smtClean="0"/>
-              <a:t>December 21, 2019</a:t>
+              <a:t>December 23, 2019</a:t>
             </a:fld>
             <a:endParaRPr lang="en-US"/>
           </a:p>
@@ -8846,7 +9440,7 @@
           <a:p>
             <a:fld id="{4F46E3DE-3B30-4EC2-BEDE-8DC880862EE8}" type="datetime4">
               <a:rPr lang="vi-VN" smtClean="0"/>
-              <a:t>December 21, 2019</a:t>
+              <a:t>December 23, 2019</a:t>
             </a:fld>
             <a:endParaRPr lang="en-US"/>
           </a:p>
@@ -9242,7 +9836,7 @@
           <a:p>
             <a:fld id="{B879E3DA-BD45-4B6B-8FEA-7330C1952F06}" type="datetime4">
               <a:rPr lang="vi-VN" smtClean="0"/>
-              <a:t>December 21, 2019</a:t>
+              <a:t>December 23, 2019</a:t>
             </a:fld>
             <a:endParaRPr lang="en-US"/>
           </a:p>
@@ -9415,7 +10009,7 @@
           <a:p>
             <a:fld id="{04E4F89C-2BC8-48E1-B5A9-4581963BDD4F}" type="datetime4">
               <a:rPr lang="vi-VN" smtClean="0"/>
-              <a:t>December 21, 2019</a:t>
+              <a:t>December 23, 2019</a:t>
             </a:fld>
             <a:endParaRPr lang="en-US"/>
           </a:p>
@@ -9598,7 +10192,7 @@
           <a:p>
             <a:fld id="{405E0D61-31A9-4CE9-B46D-504FF2A17EFB}" type="datetime4">
               <a:rPr lang="vi-VN" smtClean="0"/>
-              <a:t>December 21, 2019</a:t>
+              <a:t>December 23, 2019</a:t>
             </a:fld>
             <a:endParaRPr lang="en-US"/>
           </a:p>
@@ -9821,7 +10415,7 @@
           <a:p>
             <a:fld id="{7E0CA924-5545-4597-BC03-94C0ED4F4AB2}" type="datetime4">
               <a:rPr lang="vi-VN" smtClean="0"/>
-              <a:t>December 21, 2019</a:t>
+              <a:t>December 23, 2019</a:t>
             </a:fld>
             <a:endParaRPr lang="en-US" dirty="0"/>
           </a:p>
@@ -10346,7 +10940,7 @@
           <a:p>
             <a:fld id="{61DB4C04-5D82-4FE2-93FB-3C92476FCB54}" type="datetime4">
               <a:rPr lang="vi-VN" smtClean="0"/>
-              <a:t>December 21, 2019</a:t>
+              <a:t>December 23, 2019</a:t>
             </a:fld>
             <a:endParaRPr lang="en-US"/>
           </a:p>
@@ -10728,7 +11322,7 @@
           <a:p>
             <a:fld id="{7F532B28-33A3-4837-85CB-44CB138142E2}" type="datetime4">
               <a:rPr lang="vi-VN" smtClean="0"/>
-              <a:t>December 21, 2019</a:t>
+              <a:t>December 23, 2019</a:t>
             </a:fld>
             <a:endParaRPr lang="en-US"/>
           </a:p>
@@ -10854,7 +11448,7 @@
           <a:p>
             <a:fld id="{9F55069C-D642-4584-83DA-3AC582790753}" type="datetime4">
               <a:rPr lang="vi-VN" smtClean="0"/>
-              <a:t>December 21, 2019</a:t>
+              <a:t>December 23, 2019</a:t>
             </a:fld>
             <a:endParaRPr lang="en-US"/>
           </a:p>
@@ -10952,7 +11546,7 @@
           <a:p>
             <a:fld id="{B9E435B7-9312-47FF-AD8D-DFCDD7E1F940}" type="datetime4">
               <a:rPr lang="vi-VN" smtClean="0"/>
-              <a:t>December 21, 2019</a:t>
+              <a:t>December 23, 2019</a:t>
             </a:fld>
             <a:endParaRPr lang="en-US"/>
           </a:p>
@@ -11210,7 +11804,7 @@
           <a:p>
             <a:fld id="{008AF0AD-BB3B-4266-B66A-767DF6981FC0}" type="datetime4">
               <a:rPr lang="vi-VN" smtClean="0"/>
-              <a:t>December 21, 2019</a:t>
+              <a:t>December 23, 2019</a:t>
             </a:fld>
             <a:endParaRPr lang="en-US"/>
           </a:p>
@@ -11476,7 +12070,7 @@
           <a:p>
             <a:fld id="{C7FC2743-511D-437A-B4BF-3826633EE8F0}" type="datetime4">
               <a:rPr lang="vi-VN" smtClean="0"/>
-              <a:t>December 21, 2019</a:t>
+              <a:t>December 23, 2019</a:t>
             </a:fld>
             <a:endParaRPr lang="en-US"/>
           </a:p>
@@ -12292,7 +12886,7 @@
             <a:fld id="{A95DFE89-0395-4E38-99D9-5EC17A6FA56A}" type="datetime4">
               <a:rPr lang="vi-VN" smtClean="0"/>
               <a:pPr/>
-              <a:t>December 21, 2019</a:t>
+              <a:t>December 23, 2019</a:t>
             </a:fld>
             <a:endParaRPr lang="en-US" dirty="0"/>
           </a:p>
@@ -13840,1059 +14434,6 @@
       </p:grpSpPr>
       <p:grpSp>
         <p:nvGrpSpPr>
-          <p:cNvPr id="452" name="Group 1"/>
-          <p:cNvGrpSpPr/>
-          <p:nvPr/>
-        </p:nvGrpSpPr>
-        <p:grpSpPr>
-          <a:xfrm>
-            <a:off x="0" y="-8640"/>
-            <a:ext cx="9143640" cy="6866640"/>
-            <a:chOff x="0" y="-8640"/>
-            <a:chExt cx="9143640" cy="6866640"/>
-          </a:xfrm>
-        </p:grpSpPr>
-        <p:sp>
-          <p:nvSpPr>
-            <p:cNvPr id="453" name="Line 2"/>
-            <p:cNvSpPr/>
-            <p:nvPr/>
-          </p:nvSpPr>
-          <p:spPr>
-            <a:xfrm>
-              <a:off x="7027920" y="0"/>
-              <a:ext cx="914400" cy="6857640"/>
-            </a:xfrm>
-            <a:prstGeom prst="line">
-              <a:avLst/>
-            </a:prstGeom>
-            <a:ln w="9360">
-              <a:solidFill>
-                <a:srgbClr val="BFBFBF"/>
-              </a:solidFill>
-              <a:round/>
-            </a:ln>
-          </p:spPr>
-          <p:style>
-            <a:lnRef idx="0">
-              <a:scrgbClr r="0" g="0" b="0"/>
-            </a:lnRef>
-            <a:fillRef idx="0">
-              <a:scrgbClr r="0" g="0" b="0"/>
-            </a:fillRef>
-            <a:effectRef idx="0">
-              <a:scrgbClr r="0" g="0" b="0"/>
-            </a:effectRef>
-            <a:fontRef idx="minor"/>
-          </p:style>
-        </p:sp>
-        <p:sp>
-          <p:nvSpPr>
-            <p:cNvPr id="454" name="Line 3"/>
-            <p:cNvSpPr/>
-            <p:nvPr/>
-          </p:nvSpPr>
-          <p:spPr>
-            <a:xfrm flipH="1">
-              <a:off x="5568840" y="3681360"/>
-              <a:ext cx="3572640" cy="3176640"/>
-            </a:xfrm>
-            <a:prstGeom prst="line">
-              <a:avLst/>
-            </a:prstGeom>
-            <a:ln w="9360">
-              <a:solidFill>
-                <a:srgbClr val="D9D9D9"/>
-              </a:solidFill>
-              <a:round/>
-            </a:ln>
-          </p:spPr>
-          <p:style>
-            <a:lnRef idx="0">
-              <a:scrgbClr r="0" g="0" b="0"/>
-            </a:lnRef>
-            <a:fillRef idx="0">
-              <a:scrgbClr r="0" g="0" b="0"/>
-            </a:fillRef>
-            <a:effectRef idx="0">
-              <a:scrgbClr r="0" g="0" b="0"/>
-            </a:effectRef>
-            <a:fontRef idx="minor"/>
-          </p:style>
-        </p:sp>
-        <p:sp>
-          <p:nvSpPr>
-            <p:cNvPr id="455" name="CustomShape 4"/>
-            <p:cNvSpPr/>
-            <p:nvPr/>
-          </p:nvSpPr>
-          <p:spPr>
-            <a:xfrm>
-              <a:off x="6886080" y="-8640"/>
-              <a:ext cx="2255040" cy="6866280"/>
-            </a:xfrm>
-            <a:custGeom>
-              <a:avLst/>
-              <a:gdLst/>
-              <a:ahLst/>
-              <a:cxnLst/>
-              <a:rect l="l" t="t" r="r" b="b"/>
-              <a:pathLst>
-                <a:path w="3007349" h="6866467">
-                  <a:moveTo>
-                    <a:pt x="2045532" y="0"/>
-                  </a:moveTo>
-                  <a:lnTo>
-                    <a:pt x="3007349" y="0"/>
-                  </a:lnTo>
-                  <a:lnTo>
-                    <a:pt x="3007349" y="6866467"/>
-                  </a:lnTo>
-                  <a:lnTo>
-                    <a:pt x="0" y="6866467"/>
-                  </a:lnTo>
-                  <a:lnTo>
-                    <a:pt x="2045532" y="0"/>
-                  </a:lnTo>
-                  <a:close/>
-                </a:path>
-              </a:pathLst>
-            </a:custGeom>
-            <a:solidFill>
-              <a:srgbClr val="90C226">
-                <a:alpha val="30000"/>
-              </a:srgbClr>
-            </a:solidFill>
-            <a:ln w="12600">
-              <a:noFill/>
-            </a:ln>
-            <a:effectLst>
-              <a:outerShdw dist="25560" dir="5400000">
-                <a:srgbClr val="000000">
-                  <a:alpha val="35000"/>
-                </a:srgbClr>
-              </a:outerShdw>
-            </a:effectLst>
-          </p:spPr>
-          <p:style>
-            <a:lnRef idx="0">
-              <a:scrgbClr r="0" g="0" b="0"/>
-            </a:lnRef>
-            <a:fillRef idx="0">
-              <a:scrgbClr r="0" g="0" b="0"/>
-            </a:fillRef>
-            <a:effectRef idx="0">
-              <a:scrgbClr r="0" g="0" b="0"/>
-            </a:effectRef>
-            <a:fontRef idx="minor"/>
-          </p:style>
-        </p:sp>
-        <p:sp>
-          <p:nvSpPr>
-            <p:cNvPr id="456" name="CustomShape 5"/>
-            <p:cNvSpPr/>
-            <p:nvPr/>
-          </p:nvSpPr>
-          <p:spPr>
-            <a:xfrm>
-              <a:off x="7202520" y="-8640"/>
-              <a:ext cx="1941120" cy="6866280"/>
-            </a:xfrm>
-            <a:custGeom>
-              <a:avLst/>
-              <a:gdLst/>
-              <a:ahLst/>
-              <a:cxnLst/>
-              <a:rect l="l" t="t" r="r" b="b"/>
-              <a:pathLst>
-                <a:path w="2573311" h="6866467">
-                  <a:moveTo>
-                    <a:pt x="0" y="0"/>
-                  </a:moveTo>
-                  <a:lnTo>
-                    <a:pt x="2573311" y="0"/>
-                  </a:lnTo>
-                  <a:lnTo>
-                    <a:pt x="2573311" y="6866467"/>
-                  </a:lnTo>
-                  <a:lnTo>
-                    <a:pt x="1202336" y="6866467"/>
-                  </a:lnTo>
-                  <a:lnTo>
-                    <a:pt x="0" y="0"/>
-                  </a:lnTo>
-                  <a:close/>
-                </a:path>
-              </a:pathLst>
-            </a:custGeom>
-            <a:solidFill>
-              <a:srgbClr val="90C226">
-                <a:alpha val="20000"/>
-              </a:srgbClr>
-            </a:solidFill>
-            <a:ln w="12600">
-              <a:noFill/>
-            </a:ln>
-            <a:effectLst>
-              <a:outerShdw dist="25560" dir="5400000">
-                <a:srgbClr val="000000">
-                  <a:alpha val="35000"/>
-                </a:srgbClr>
-              </a:outerShdw>
-            </a:effectLst>
-          </p:spPr>
-          <p:style>
-            <a:lnRef idx="0">
-              <a:scrgbClr r="0" g="0" b="0"/>
-            </a:lnRef>
-            <a:fillRef idx="0">
-              <a:scrgbClr r="0" g="0" b="0"/>
-            </a:fillRef>
-            <a:effectRef idx="0">
-              <a:scrgbClr r="0" g="0" b="0"/>
-            </a:effectRef>
-            <a:fontRef idx="minor"/>
-          </p:style>
-        </p:sp>
-        <p:sp>
-          <p:nvSpPr>
-            <p:cNvPr id="457" name="CustomShape 6"/>
-            <p:cNvSpPr/>
-            <p:nvPr/>
-          </p:nvSpPr>
-          <p:spPr>
-            <a:xfrm>
-              <a:off x="6699240" y="3048120"/>
-              <a:ext cx="2444400" cy="3809520"/>
-            </a:xfrm>
-            <a:prstGeom prst="triangle">
-              <a:avLst>
-                <a:gd name="adj" fmla="val 100000"/>
-              </a:avLst>
-            </a:prstGeom>
-            <a:solidFill>
-              <a:srgbClr val="54A021">
-                <a:alpha val="72000"/>
-              </a:srgbClr>
-            </a:solidFill>
-            <a:ln w="12600">
-              <a:noFill/>
-            </a:ln>
-            <a:effectLst>
-              <a:outerShdw dist="25560" dir="5400000">
-                <a:srgbClr val="000000">
-                  <a:alpha val="35000"/>
-                </a:srgbClr>
-              </a:outerShdw>
-            </a:effectLst>
-          </p:spPr>
-          <p:style>
-            <a:lnRef idx="0">
-              <a:scrgbClr r="0" g="0" b="0"/>
-            </a:lnRef>
-            <a:fillRef idx="0">
-              <a:scrgbClr r="0" g="0" b="0"/>
-            </a:fillRef>
-            <a:effectRef idx="0">
-              <a:scrgbClr r="0" g="0" b="0"/>
-            </a:effectRef>
-            <a:fontRef idx="minor"/>
-          </p:style>
-        </p:sp>
-        <p:sp>
-          <p:nvSpPr>
-            <p:cNvPr id="458" name="CustomShape 7"/>
-            <p:cNvSpPr/>
-            <p:nvPr/>
-          </p:nvSpPr>
-          <p:spPr>
-            <a:xfrm>
-              <a:off x="7000920" y="-8640"/>
-              <a:ext cx="2140560" cy="6866280"/>
-            </a:xfrm>
-            <a:custGeom>
-              <a:avLst/>
-              <a:gdLst/>
-              <a:ahLst/>
-              <a:cxnLst/>
-              <a:rect l="l" t="t" r="r" b="b"/>
-              <a:pathLst>
-                <a:path w="2858013" h="6866467">
-                  <a:moveTo>
-                    <a:pt x="0" y="0"/>
-                  </a:moveTo>
-                  <a:lnTo>
-                    <a:pt x="2858013" y="0"/>
-                  </a:lnTo>
-                  <a:lnTo>
-                    <a:pt x="2858013" y="6866467"/>
-                  </a:lnTo>
-                  <a:lnTo>
-                    <a:pt x="2473942" y="6866467"/>
-                  </a:lnTo>
-                  <a:lnTo>
-                    <a:pt x="0" y="0"/>
-                  </a:lnTo>
-                  <a:close/>
-                </a:path>
-              </a:pathLst>
-            </a:custGeom>
-            <a:solidFill>
-              <a:srgbClr val="3F7819">
-                <a:alpha val="70000"/>
-              </a:srgbClr>
-            </a:solidFill>
-            <a:ln w="12600">
-              <a:noFill/>
-            </a:ln>
-            <a:effectLst>
-              <a:outerShdw dist="25560" dir="5400000">
-                <a:srgbClr val="000000">
-                  <a:alpha val="35000"/>
-                </a:srgbClr>
-              </a:outerShdw>
-            </a:effectLst>
-          </p:spPr>
-          <p:style>
-            <a:lnRef idx="0">
-              <a:scrgbClr r="0" g="0" b="0"/>
-            </a:lnRef>
-            <a:fillRef idx="0">
-              <a:scrgbClr r="0" g="0" b="0"/>
-            </a:fillRef>
-            <a:effectRef idx="0">
-              <a:scrgbClr r="0" g="0" b="0"/>
-            </a:effectRef>
-            <a:fontRef idx="minor"/>
-          </p:style>
-        </p:sp>
-        <p:sp>
-          <p:nvSpPr>
-            <p:cNvPr id="459" name="CustomShape 8"/>
-            <p:cNvSpPr/>
-            <p:nvPr/>
-          </p:nvSpPr>
-          <p:spPr>
-            <a:xfrm>
-              <a:off x="8174160" y="-8640"/>
-              <a:ext cx="967320" cy="6866280"/>
-            </a:xfrm>
-            <a:custGeom>
-              <a:avLst/>
-              <a:gdLst/>
-              <a:ahLst/>
-              <a:cxnLst/>
-              <a:rect l="l" t="t" r="r" b="b"/>
-              <a:pathLst>
-                <a:path w="1290094" h="6858000">
-                  <a:moveTo>
-                    <a:pt x="1019735" y="0"/>
-                  </a:moveTo>
-                  <a:lnTo>
-                    <a:pt x="1290094" y="0"/>
-                  </a:lnTo>
-                  <a:lnTo>
-                    <a:pt x="1290094" y="6858000"/>
-                  </a:lnTo>
-                  <a:lnTo>
-                    <a:pt x="0" y="6858000"/>
-                  </a:lnTo>
-                  <a:lnTo>
-                    <a:pt x="1019735" y="0"/>
-                  </a:lnTo>
-                  <a:close/>
-                </a:path>
-              </a:pathLst>
-            </a:custGeom>
-            <a:solidFill>
-              <a:srgbClr val="C0E474">
-                <a:alpha val="70000"/>
-              </a:srgbClr>
-            </a:solidFill>
-            <a:ln w="12600">
-              <a:noFill/>
-            </a:ln>
-            <a:effectLst>
-              <a:outerShdw dist="25560" dir="5400000">
-                <a:srgbClr val="000000">
-                  <a:alpha val="35000"/>
-                </a:srgbClr>
-              </a:outerShdw>
-            </a:effectLst>
-          </p:spPr>
-          <p:style>
-            <a:lnRef idx="0">
-              <a:scrgbClr r="0" g="0" b="0"/>
-            </a:lnRef>
-            <a:fillRef idx="0">
-              <a:scrgbClr r="0" g="0" b="0"/>
-            </a:fillRef>
-            <a:effectRef idx="0">
-              <a:scrgbClr r="0" g="0" b="0"/>
-            </a:effectRef>
-            <a:fontRef idx="minor"/>
-          </p:style>
-        </p:sp>
-        <p:sp>
-          <p:nvSpPr>
-            <p:cNvPr id="460" name="CustomShape 9"/>
-            <p:cNvSpPr/>
-            <p:nvPr/>
-          </p:nvSpPr>
-          <p:spPr>
-            <a:xfrm>
-              <a:off x="8204400" y="-8640"/>
-              <a:ext cx="937080" cy="6866280"/>
-            </a:xfrm>
-            <a:custGeom>
-              <a:avLst/>
-              <a:gdLst/>
-              <a:ahLst/>
-              <a:cxnLst/>
-              <a:rect l="l" t="t" r="r" b="b"/>
-              <a:pathLst>
-                <a:path w="1249825" h="6858000">
-                  <a:moveTo>
-                    <a:pt x="0" y="0"/>
-                  </a:moveTo>
-                  <a:lnTo>
-                    <a:pt x="1249825" y="0"/>
-                  </a:lnTo>
-                  <a:lnTo>
-                    <a:pt x="1249825" y="6858000"/>
-                  </a:lnTo>
-                  <a:lnTo>
-                    <a:pt x="1109382" y="6858000"/>
-                  </a:lnTo>
-                  <a:lnTo>
-                    <a:pt x="0" y="0"/>
-                  </a:lnTo>
-                  <a:close/>
-                </a:path>
-              </a:pathLst>
-            </a:custGeom>
-            <a:solidFill>
-              <a:srgbClr val="90C226">
-                <a:alpha val="65000"/>
-              </a:srgbClr>
-            </a:solidFill>
-            <a:ln w="12600">
-              <a:noFill/>
-            </a:ln>
-            <a:effectLst>
-              <a:outerShdw dist="25560" dir="5400000">
-                <a:srgbClr val="000000">
-                  <a:alpha val="35000"/>
-                </a:srgbClr>
-              </a:outerShdw>
-            </a:effectLst>
-          </p:spPr>
-          <p:style>
-            <a:lnRef idx="0">
-              <a:scrgbClr r="0" g="0" b="0"/>
-            </a:lnRef>
-            <a:fillRef idx="0">
-              <a:scrgbClr r="0" g="0" b="0"/>
-            </a:fillRef>
-            <a:effectRef idx="0">
-              <a:scrgbClr r="0" g="0" b="0"/>
-            </a:effectRef>
-            <a:fontRef idx="minor"/>
-          </p:style>
-        </p:sp>
-        <p:sp>
-          <p:nvSpPr>
-            <p:cNvPr id="461" name="CustomShape 10"/>
-            <p:cNvSpPr/>
-            <p:nvPr/>
-          </p:nvSpPr>
-          <p:spPr>
-            <a:xfrm>
-              <a:off x="7778880" y="3589920"/>
-              <a:ext cx="1362600" cy="3267720"/>
-            </a:xfrm>
-            <a:prstGeom prst="triangle">
-              <a:avLst>
-                <a:gd name="adj" fmla="val 100000"/>
-              </a:avLst>
-            </a:prstGeom>
-            <a:solidFill>
-              <a:srgbClr val="90C226">
-                <a:alpha val="80000"/>
-              </a:srgbClr>
-            </a:solidFill>
-            <a:ln w="12600">
-              <a:noFill/>
-            </a:ln>
-            <a:effectLst>
-              <a:outerShdw dist="25560" dir="5400000">
-                <a:srgbClr val="000000">
-                  <a:alpha val="35000"/>
-                </a:srgbClr>
-              </a:outerShdw>
-            </a:effectLst>
-          </p:spPr>
-          <p:style>
-            <a:lnRef idx="0">
-              <a:scrgbClr r="0" g="0" b="0"/>
-            </a:lnRef>
-            <a:fillRef idx="0">
-              <a:scrgbClr r="0" g="0" b="0"/>
-            </a:fillRef>
-            <a:effectRef idx="0">
-              <a:scrgbClr r="0" g="0" b="0"/>
-            </a:effectRef>
-            <a:fontRef idx="minor"/>
-          </p:style>
-        </p:sp>
-        <p:sp>
-          <p:nvSpPr>
-            <p:cNvPr id="462" name="CustomShape 11"/>
-            <p:cNvSpPr/>
-            <p:nvPr/>
-          </p:nvSpPr>
-          <p:spPr>
-            <a:xfrm>
-              <a:off x="0" y="4013280"/>
-              <a:ext cx="336240" cy="2844360"/>
-            </a:xfrm>
-            <a:prstGeom prst="triangle">
-              <a:avLst>
-                <a:gd name="adj" fmla="val 0"/>
-              </a:avLst>
-            </a:prstGeom>
-            <a:solidFill>
-              <a:srgbClr val="90C226">
-                <a:alpha val="85000"/>
-              </a:srgbClr>
-            </a:solidFill>
-            <a:ln w="12600">
-              <a:noFill/>
-            </a:ln>
-            <a:effectLst>
-              <a:outerShdw dist="25560" dir="5400000">
-                <a:srgbClr val="000000">
-                  <a:alpha val="35000"/>
-                </a:srgbClr>
-              </a:outerShdw>
-            </a:effectLst>
-          </p:spPr>
-          <p:style>
-            <a:lnRef idx="0">
-              <a:scrgbClr r="0" g="0" b="0"/>
-            </a:lnRef>
-            <a:fillRef idx="0">
-              <a:scrgbClr r="0" g="0" b="0"/>
-            </a:fillRef>
-            <a:effectRef idx="0">
-              <a:scrgbClr r="0" g="0" b="0"/>
-            </a:effectRef>
-            <a:fontRef idx="minor"/>
-          </p:style>
-        </p:sp>
-      </p:grpSp>
-      <p:sp>
-        <p:nvSpPr>
-          <p:cNvPr id="463" name="TextShape 12"/>
-          <p:cNvSpPr txBox="1"/>
-          <p:nvPr/>
-        </p:nvSpPr>
-        <p:spPr>
-          <a:xfrm>
-            <a:off x="1000080" y="609480"/>
-            <a:ext cx="6447240" cy="1320480"/>
-          </a:xfrm>
-          <a:prstGeom prst="rect">
-            <a:avLst/>
-          </a:prstGeom>
-          <a:noFill/>
-          <a:ln>
-            <a:noFill/>
-          </a:ln>
-        </p:spPr>
-        <p:txBody>
-          <a:bodyPr>
-            <a:normAutofit/>
-          </a:bodyPr>
-          <a:lstStyle/>
-          <a:p>
-            <a:pPr>
-              <a:lnSpc>
-                <a:spcPct val="100000"/>
-              </a:lnSpc>
-            </a:pPr>
-            <a:r>
-              <a:rPr lang="en-US" sz="4000" b="1" strike="noStrike" spc="-1">
-                <a:solidFill>
-                  <a:srgbClr val="90C226"/>
-                </a:solidFill>
-                <a:latin typeface="Times New Roman"/>
-              </a:rPr>
-              <a:t>RPC?</a:t>
-            </a:r>
-            <a:endParaRPr lang="en-US" sz="4000" b="0" strike="noStrike" spc="-1">
-              <a:solidFill>
-                <a:srgbClr val="000000"/>
-              </a:solidFill>
-              <a:latin typeface="Trebuchet MS"/>
-            </a:endParaRPr>
-          </a:p>
-        </p:txBody>
-      </p:sp>
-      <p:sp>
-        <p:nvSpPr>
-          <p:cNvPr id="464" name="CustomShape 13"/>
-          <p:cNvSpPr/>
-          <p:nvPr/>
-        </p:nvSpPr>
-        <p:spPr>
-          <a:xfrm flipV="1">
-            <a:off x="0" y="-1440"/>
-            <a:ext cx="336240" cy="2844360"/>
-          </a:xfrm>
-          <a:prstGeom prst="triangle">
-            <a:avLst>
-              <a:gd name="adj" fmla="val 0"/>
-            </a:avLst>
-          </a:prstGeom>
-          <a:solidFill>
-            <a:srgbClr val="90C226">
-              <a:alpha val="85000"/>
-            </a:srgbClr>
-          </a:solidFill>
-          <a:ln w="12600">
-            <a:noFill/>
-          </a:ln>
-          <a:effectLst>
-            <a:outerShdw dist="25560" dir="5400000">
-              <a:srgbClr val="000000">
-                <a:alpha val="35000"/>
-              </a:srgbClr>
-            </a:outerShdw>
-          </a:effectLst>
-        </p:spPr>
-        <p:style>
-          <a:lnRef idx="0">
-            <a:scrgbClr r="0" g="0" b="0"/>
-          </a:lnRef>
-          <a:fillRef idx="0">
-            <a:scrgbClr r="0" g="0" b="0"/>
-          </a:fillRef>
-          <a:effectRef idx="0">
-            <a:scrgbClr r="0" g="0" b="0"/>
-          </a:effectRef>
-          <a:fontRef idx="minor"/>
-        </p:style>
-      </p:sp>
-      <p:sp>
-        <p:nvSpPr>
-          <p:cNvPr id="465" name="TextShape 14"/>
-          <p:cNvSpPr txBox="1"/>
-          <p:nvPr/>
-        </p:nvSpPr>
-        <p:spPr>
-          <a:xfrm>
-            <a:off x="155160" y="6041520"/>
-            <a:ext cx="5075640" cy="364680"/>
-          </a:xfrm>
-          <a:prstGeom prst="rect">
-            <a:avLst/>
-          </a:prstGeom>
-          <a:noFill/>
-          <a:ln>
-            <a:noFill/>
-          </a:ln>
-        </p:spPr>
-        <p:txBody>
-          <a:bodyPr anchor="ctr">
-            <a:normAutofit/>
-          </a:bodyPr>
-          <a:lstStyle/>
-          <a:p>
-            <a:pPr>
-              <a:lnSpc>
-                <a:spcPct val="100000"/>
-              </a:lnSpc>
-              <a:spcAft>
-                <a:spcPts val="601"/>
-              </a:spcAft>
-            </a:pPr>
-            <a:r>
-              <a:rPr lang="en-US" sz="1000" b="0" strike="noStrike" spc="-1">
-                <a:solidFill>
-                  <a:srgbClr val="8B8B8B"/>
-                </a:solidFill>
-                <a:latin typeface="Times New Roman"/>
-              </a:rPr>
-              <a:t>ĐỂ TÀI: </a:t>
-            </a:r>
-            <a:r>
-              <a:rPr lang="en-US" sz="1000" b="1" strike="noStrike" spc="-1">
-                <a:solidFill>
-                  <a:srgbClr val="8B8B8B"/>
-                </a:solidFill>
-                <a:latin typeface="Times New Roman"/>
-              </a:rPr>
-              <a:t>XÂY DỰNG WEBSITE BÁN HÀNG</a:t>
-            </a:r>
-            <a:endParaRPr lang="en-US" sz="1000" b="0" strike="noStrike" spc="-1">
-              <a:latin typeface="Times New Roman"/>
-            </a:endParaRPr>
-          </a:p>
-        </p:txBody>
-      </p:sp>
-      <p:sp>
-        <p:nvSpPr>
-          <p:cNvPr id="466" name="CustomShape 15"/>
-          <p:cNvSpPr/>
-          <p:nvPr/>
-        </p:nvSpPr>
-        <p:spPr>
-          <a:xfrm>
-            <a:off x="5803920" y="3818520"/>
-            <a:ext cx="3337200" cy="3039120"/>
-          </a:xfrm>
-          <a:prstGeom prst="triangle">
-            <a:avLst>
-              <a:gd name="adj" fmla="val 100000"/>
-            </a:avLst>
-          </a:prstGeom>
-          <a:solidFill>
-            <a:srgbClr val="E6B91E"/>
-          </a:solidFill>
-          <a:ln w="12600">
-            <a:noFill/>
-          </a:ln>
-          <a:effectLst>
-            <a:outerShdw dist="25560" dir="5400000">
-              <a:srgbClr val="000000">
-                <a:alpha val="35000"/>
-              </a:srgbClr>
-            </a:outerShdw>
-          </a:effectLst>
-        </p:spPr>
-        <p:style>
-          <a:lnRef idx="0">
-            <a:scrgbClr r="0" g="0" b="0"/>
-          </a:lnRef>
-          <a:fillRef idx="0">
-            <a:scrgbClr r="0" g="0" b="0"/>
-          </a:fillRef>
-          <a:effectRef idx="0">
-            <a:scrgbClr r="0" g="0" b="0"/>
-          </a:effectRef>
-          <a:fontRef idx="minor"/>
-        </p:style>
-      </p:sp>
-      <p:sp>
-        <p:nvSpPr>
-          <p:cNvPr id="467" name="Line 16"/>
-          <p:cNvSpPr/>
-          <p:nvPr/>
-        </p:nvSpPr>
-        <p:spPr>
-          <a:xfrm>
-            <a:off x="7600680" y="0"/>
-            <a:ext cx="1295640" cy="6858000"/>
-          </a:xfrm>
-          <a:prstGeom prst="line">
-            <a:avLst/>
-          </a:prstGeom>
-          <a:ln w="15840">
-            <a:solidFill>
-              <a:srgbClr val="54A021"/>
-            </a:solidFill>
-            <a:bevel/>
-          </a:ln>
-        </p:spPr>
-        <p:style>
-          <a:lnRef idx="0">
-            <a:scrgbClr r="0" g="0" b="0"/>
-          </a:lnRef>
-          <a:fillRef idx="0">
-            <a:scrgbClr r="0" g="0" b="0"/>
-          </a:fillRef>
-          <a:effectRef idx="0">
-            <a:scrgbClr r="0" g="0" b="0"/>
-          </a:effectRef>
-          <a:fontRef idx="minor"/>
-        </p:style>
-      </p:sp>
-      <p:sp>
-        <p:nvSpPr>
-          <p:cNvPr id="468" name="Line 17"/>
-          <p:cNvSpPr/>
-          <p:nvPr/>
-        </p:nvSpPr>
-        <p:spPr>
-          <a:xfrm flipH="1">
-            <a:off x="5568840" y="3681360"/>
-            <a:ext cx="3572640" cy="3176640"/>
-          </a:xfrm>
-          <a:prstGeom prst="line">
-            <a:avLst/>
-          </a:prstGeom>
-          <a:ln w="15840">
-            <a:solidFill>
-              <a:srgbClr val="90C226"/>
-            </a:solidFill>
-            <a:round/>
-          </a:ln>
-        </p:spPr>
-        <p:style>
-          <a:lnRef idx="0">
-            <a:scrgbClr r="0" g="0" b="0"/>
-          </a:lnRef>
-          <a:fillRef idx="0">
-            <a:scrgbClr r="0" g="0" b="0"/>
-          </a:fillRef>
-          <a:effectRef idx="0">
-            <a:scrgbClr r="0" g="0" b="0"/>
-          </a:effectRef>
-          <a:fontRef idx="minor"/>
-        </p:style>
-      </p:sp>
-      <p:sp>
-        <p:nvSpPr>
-          <p:cNvPr id="469" name="CustomShape 18"/>
-          <p:cNvSpPr/>
-          <p:nvPr/>
-        </p:nvSpPr>
-        <p:spPr>
-          <a:xfrm>
-            <a:off x="7819200" y="0"/>
-            <a:ext cx="1324440" cy="6857640"/>
-          </a:xfrm>
-          <a:custGeom>
-            <a:avLst/>
-            <a:gdLst/>
-            <a:ahLst/>
-            <a:cxnLst/>
-            <a:rect l="l" t="t" r="r" b="b"/>
-            <a:pathLst>
-              <a:path w="2858013" h="6866467">
-                <a:moveTo>
-                  <a:pt x="0" y="0"/>
-                </a:moveTo>
-                <a:lnTo>
-                  <a:pt x="2858013" y="0"/>
-                </a:lnTo>
-                <a:lnTo>
-                  <a:pt x="2858013" y="6866467"/>
-                </a:lnTo>
-                <a:lnTo>
-                  <a:pt x="2473942" y="6866467"/>
-                </a:lnTo>
-                <a:lnTo>
-                  <a:pt x="0" y="0"/>
-                </a:lnTo>
-                <a:close/>
-              </a:path>
-            </a:pathLst>
-          </a:custGeom>
-          <a:solidFill>
-            <a:srgbClr val="54A021"/>
-          </a:solidFill>
-          <a:ln w="12600">
-            <a:noFill/>
-          </a:ln>
-          <a:effectLst>
-            <a:outerShdw dist="25560" dir="5400000">
-              <a:srgbClr val="000000">
-                <a:alpha val="35000"/>
-              </a:srgbClr>
-            </a:outerShdw>
-          </a:effectLst>
-        </p:spPr>
-        <p:style>
-          <a:lnRef idx="0">
-            <a:scrgbClr r="0" g="0" b="0"/>
-          </a:lnRef>
-          <a:fillRef idx="0">
-            <a:scrgbClr r="0" g="0" b="0"/>
-          </a:fillRef>
-          <a:effectRef idx="0">
-            <a:scrgbClr r="0" g="0" b="0"/>
-          </a:effectRef>
-          <a:fontRef idx="minor"/>
-        </p:style>
-      </p:sp>
-      <p:sp>
-        <p:nvSpPr>
-          <p:cNvPr id="470" name="TextShape 19"/>
-          <p:cNvSpPr txBox="1"/>
-          <p:nvPr/>
-        </p:nvSpPr>
-        <p:spPr>
-          <a:xfrm>
-            <a:off x="6531480" y="6041520"/>
-            <a:ext cx="1530000" cy="364680"/>
-          </a:xfrm>
-          <a:prstGeom prst="rect">
-            <a:avLst/>
-          </a:prstGeom>
-          <a:noFill/>
-          <a:ln>
-            <a:noFill/>
-          </a:ln>
-        </p:spPr>
-        <p:txBody>
-          <a:bodyPr anchor="ctr"/>
-          <a:lstStyle/>
-          <a:p>
-            <a:pPr algn="r">
-              <a:lnSpc>
-                <a:spcPct val="100000"/>
-              </a:lnSpc>
-              <a:spcAft>
-                <a:spcPts val="601"/>
-              </a:spcAft>
-            </a:pPr>
-            <a:fld id="{197CDD17-2EDD-496D-ABC6-DAA3B142850E}" type="datetime">
-              <a:rPr lang="en-US" sz="1050" b="1" strike="noStrike" spc="-1">
-                <a:solidFill>
-                  <a:srgbClr val="FFFFFF"/>
-                </a:solidFill>
-                <a:latin typeface="Times New Roman"/>
-              </a:rPr>
-              <a:t>12/21/19</a:t>
-            </a:fld>
-            <a:endParaRPr lang="en-US" sz="1050" b="0" strike="noStrike" spc="-1">
-              <a:latin typeface="Times New Roman"/>
-            </a:endParaRPr>
-          </a:p>
-        </p:txBody>
-      </p:sp>
-      <p:sp>
-        <p:nvSpPr>
-          <p:cNvPr id="471" name="TextShape 20"/>
-          <p:cNvSpPr txBox="1"/>
-          <p:nvPr/>
-        </p:nvSpPr>
-        <p:spPr>
-          <a:xfrm>
-            <a:off x="7890120" y="6041520"/>
-            <a:ext cx="614520" cy="364680"/>
-          </a:xfrm>
-          <a:prstGeom prst="rect">
-            <a:avLst/>
-          </a:prstGeom>
-          <a:noFill/>
-          <a:ln>
-            <a:noFill/>
-          </a:ln>
-        </p:spPr>
-        <p:txBody>
-          <a:bodyPr anchor="ctr">
-            <a:normAutofit/>
-          </a:bodyPr>
-          <a:lstStyle/>
-          <a:p>
-            <a:pPr algn="r">
-              <a:lnSpc>
-                <a:spcPct val="100000"/>
-              </a:lnSpc>
-              <a:spcAft>
-                <a:spcPts val="601"/>
-              </a:spcAft>
-            </a:pPr>
-            <a:fld id="{7B9136C2-EEDB-4460-BFF1-96F62846AA5D}" type="slidenum">
-              <a:rPr lang="en-US" sz="1050" b="1" strike="noStrike" spc="-1">
-                <a:solidFill>
-                  <a:srgbClr val="FFFFFF"/>
-                </a:solidFill>
-                <a:latin typeface="Times New Roman"/>
-              </a:rPr>
-              <a:t>10</a:t>
-            </a:fld>
-            <a:endParaRPr lang="en-US" sz="1050" b="0" strike="noStrike" spc="-1">
-              <a:latin typeface="Times New Roman"/>
-            </a:endParaRPr>
-          </a:p>
-        </p:txBody>
-      </p:sp>
-      <p:pic>
-        <p:nvPicPr>
-          <p:cNvPr id="472" name="Picture 471"/>
-          <p:cNvPicPr/>
-          <p:nvPr/>
-        </p:nvPicPr>
-        <p:blipFill>
-          <a:blip r:embed="rId2"/>
-          <a:stretch/>
-        </p:blipFill>
-        <p:spPr>
-          <a:xfrm>
-            <a:off x="705240" y="1573920"/>
-            <a:ext cx="6609960" cy="4095360"/>
-          </a:xfrm>
-          <a:prstGeom prst="rect">
-            <a:avLst/>
-          </a:prstGeom>
-          <a:ln>
-            <a:noFill/>
-          </a:ln>
-        </p:spPr>
-      </p:pic>
-    </p:spTree>
-    <p:extLst>
-      <p:ext uri="{BB962C8B-B14F-4D97-AF65-F5344CB8AC3E}">
-        <p14:creationId xmlns:p14="http://schemas.microsoft.com/office/powerpoint/2010/main" val="3589386299"/>
-      </p:ext>
-    </p:extLst>
-  </p:cSld>
-  <p:clrMapOvr>
-    <a:masterClrMapping/>
-  </p:clrMapOvr>
-  <p:timing>
-    <p:tnLst>
-      <p:par>
-        <p:cTn xmlns:p14="http://schemas.microsoft.com/office/powerpoint/2010/main" id="1" dur="indefinite" restart="never" nodeType="tmRoot">
-          <p:childTnLst>
-            <p:seq>
-              <p:cTn id="2" dur="indefinite" nodeType="mainSeq"/>
-              <p:prevCondLst>
-                <p:cond evt="onPrev" delay="0">
-                  <p:tgtEl>
-                    <p:sldTgt/>
-                  </p:tgtEl>
-                </p:cond>
-              </p:prevCondLst>
-              <p:nextCondLst>
-                <p:cond evt="onNext" delay="0">
-                  <p:tgtEl>
-                    <p:sldTgt/>
-                  </p:tgtEl>
-                </p:cond>
-              </p:nextCondLst>
-            </p:seq>
-          </p:childTnLst>
-        </p:cTn>
-      </p:par>
-    </p:tnLst>
-  </p:timing>
-</p:sld>
-</file>
-
-<file path=ppt/slides/slide11.xml><?xml version="1.0" encoding="utf-8"?>
-<p:sld xmlns:a="http://schemas.openxmlformats.org/drawingml/2006/main" xmlns:r="http://schemas.openxmlformats.org/officeDocument/2006/relationships" xmlns:p="http://schemas.openxmlformats.org/presentationml/2006/main">
-  <p:cSld>
-    <p:spTree>
-      <p:nvGrpSpPr>
-        <p:cNvPr id="1" name=""/>
-        <p:cNvGrpSpPr/>
-        <p:nvPr/>
-      </p:nvGrpSpPr>
-      <p:grpSpPr>
-        <a:xfrm>
-          <a:off x="0" y="0"/>
-          <a:ext cx="0" cy="0"/>
-          <a:chOff x="0" y="0"/>
-          <a:chExt cx="0" cy="0"/>
-        </a:xfrm>
-      </p:grpSpPr>
-      <p:grpSp>
-        <p:nvGrpSpPr>
           <p:cNvPr id="341" name="Group 1"/>
           <p:cNvGrpSpPr/>
           <p:nvPr/>
@@ -15956,7 +15497,7 @@
                 </a:solidFill>
                 <a:latin typeface="Times New Roman"/>
               </a:rPr>
-              <a:t>12/21/19</a:t>
+              <a:t>12/23/19</a:t>
             </a:fld>
             <a:endParaRPr lang="en-US" sz="1050" b="0" strike="noStrike" spc="-1">
               <a:latin typeface="Times New Roman"/>
@@ -16004,7 +15545,7 @@
                 </a:solidFill>
                 <a:latin typeface="Times New Roman"/>
               </a:rPr>
-              <a:t>11</a:t>
+              <a:t>10</a:t>
             </a:fld>
             <a:endParaRPr lang="en-US" sz="1050" b="0" strike="noStrike" spc="-1">
               <a:latin typeface="Times New Roman"/>
@@ -16052,7 +15593,7 @@
 </p:sld>
 </file>
 
-<file path=ppt/slides/slide12.xml><?xml version="1.0" encoding="utf-8"?>
+<file path=ppt/slides/slide11.xml><?xml version="1.0" encoding="utf-8"?>
 <p:sld xmlns:a="http://schemas.openxmlformats.org/drawingml/2006/main" xmlns:r="http://schemas.openxmlformats.org/officeDocument/2006/relationships" xmlns:p="http://schemas.openxmlformats.org/presentationml/2006/main">
   <p:cSld>
     <p:spTree>
@@ -16664,8 +16205,8 @@
         </p:nvSpPr>
         <p:spPr>
           <a:xfrm>
-            <a:off x="1000080" y="609480"/>
-            <a:ext cx="6447240" cy="1320480"/>
+            <a:off x="3008442" y="473861"/>
+            <a:ext cx="2330502" cy="746709"/>
           </a:xfrm>
           <a:prstGeom prst="rect">
             <a:avLst/>
@@ -16687,15 +16228,33 @@
               </a:lnSpc>
             </a:pPr>
             <a:r>
-              <a:rPr lang="en-US" sz="4000" b="1" strike="noStrike" spc="-1">
+              <a:rPr lang="en-US" sz="2600" b="1" strike="noStrike" spc="-1" dirty="0" smtClean="0">
                 <a:solidFill>
                   <a:srgbClr val="6C911C"/>
                 </a:solidFill>
                 <a:latin typeface="Times New Roman"/>
               </a:rPr>
-              <a:t>http2?</a:t>
-            </a:r>
-            <a:endParaRPr lang="en-US" sz="4000" b="0" strike="noStrike" spc="-1">
+              <a:t>http2 </a:t>
+            </a:r>
+            <a:r>
+              <a:rPr lang="en-US" sz="2600" b="1" strike="noStrike" spc="-1" dirty="0" err="1" smtClean="0">
+                <a:solidFill>
+                  <a:srgbClr val="6C911C"/>
+                </a:solidFill>
+                <a:latin typeface="Times New Roman"/>
+              </a:rPr>
+              <a:t>vs</a:t>
+            </a:r>
+            <a:r>
+              <a:rPr lang="en-US" sz="2600" b="1" strike="noStrike" spc="-1" dirty="0" smtClean="0">
+                <a:solidFill>
+                  <a:srgbClr val="6C911C"/>
+                </a:solidFill>
+                <a:latin typeface="Times New Roman"/>
+              </a:rPr>
+              <a:t> http1</a:t>
+            </a:r>
+            <a:endParaRPr lang="en-US" sz="2600" b="0" strike="noStrike" spc="-1" dirty="0">
               <a:solidFill>
                 <a:srgbClr val="000000"/>
               </a:solidFill>
@@ -17054,7 +16613,7 @@
                 </a:solidFill>
                 <a:latin typeface="Times New Roman"/>
               </a:rPr>
-              <a:t>12/21/19</a:t>
+              <a:t>12/23/19</a:t>
             </a:fld>
             <a:endParaRPr lang="en-US" sz="1050" b="0" strike="noStrike" spc="-1">
               <a:latin typeface="Times New Roman"/>
@@ -17102,7 +16661,7 @@
                 </a:solidFill>
                 <a:latin typeface="Times New Roman"/>
               </a:rPr>
-              <a:t>12</a:t>
+              <a:t>11</a:t>
             </a:fld>
             <a:endParaRPr lang="en-US" sz="1050" b="0" strike="noStrike" spc="-1">
               <a:latin typeface="Times New Roman"/>
@@ -17122,8 +16681,8 @@
         </p:blipFill>
         <p:spPr>
           <a:xfrm>
-            <a:off x="914400" y="365760"/>
-            <a:ext cx="6657480" cy="5561280"/>
+            <a:off x="1208309" y="1158925"/>
+            <a:ext cx="5932031" cy="4706469"/>
           </a:xfrm>
           <a:prstGeom prst="rect">
             <a:avLst/>
@@ -17170,6 +16729,201 @@
       </p:par>
     </p:tnLst>
   </p:timing>
+</p:sld>
+</file>
+
+<file path=ppt/slides/slide12.xml><?xml version="1.0" encoding="utf-8"?>
+<p:sld xmlns:a="http://schemas.openxmlformats.org/drawingml/2006/main" xmlns:r="http://schemas.openxmlformats.org/officeDocument/2006/relationships" xmlns:p="http://schemas.openxmlformats.org/presentationml/2006/main">
+  <p:cSld>
+    <p:spTree>
+      <p:nvGrpSpPr>
+        <p:cNvPr id="1" name=""/>
+        <p:cNvGrpSpPr/>
+        <p:nvPr/>
+      </p:nvGrpSpPr>
+      <p:grpSpPr>
+        <a:xfrm>
+          <a:off x="0" y="0"/>
+          <a:ext cx="0" cy="0"/>
+          <a:chOff x="0" y="0"/>
+          <a:chExt cx="0" cy="0"/>
+        </a:xfrm>
+      </p:grpSpPr>
+      <p:sp>
+        <p:nvSpPr>
+          <p:cNvPr id="2" name="Date Placeholder 1"/>
+          <p:cNvSpPr>
+            <a:spLocks noGrp="1"/>
+          </p:cNvSpPr>
+          <p:nvPr>
+            <p:ph type="dt" sz="half" idx="10"/>
+          </p:nvPr>
+        </p:nvSpPr>
+        <p:spPr/>
+        <p:txBody>
+          <a:bodyPr/>
+          <a:lstStyle/>
+          <a:p>
+            <a:fld id="{B9E435B7-9312-47FF-AD8D-DFCDD7E1F940}" type="datetime4">
+              <a:rPr lang="vi-VN" smtClean="0"/>
+              <a:t>December 23, 2019</a:t>
+            </a:fld>
+            <a:endParaRPr lang="en-US"/>
+          </a:p>
+        </p:txBody>
+      </p:sp>
+      <p:sp>
+        <p:nvSpPr>
+          <p:cNvPr id="3" name="Footer Placeholder 2"/>
+          <p:cNvSpPr>
+            <a:spLocks noGrp="1"/>
+          </p:cNvSpPr>
+          <p:nvPr>
+            <p:ph type="ftr" sz="quarter" idx="11"/>
+          </p:nvPr>
+        </p:nvSpPr>
+        <p:spPr/>
+        <p:txBody>
+          <a:bodyPr/>
+          <a:lstStyle/>
+          <a:p>
+            <a:r>
+              <a:rPr lang="en-US" smtClean="0"/>
+              <a:t>ĐỂ TÀI: XÂY DỰNG WEBSITE BÁN HÀNG</a:t>
+            </a:r>
+            <a:endParaRPr lang="en-US"/>
+          </a:p>
+        </p:txBody>
+      </p:sp>
+      <p:sp>
+        <p:nvSpPr>
+          <p:cNvPr id="4" name="Slide Number Placeholder 3"/>
+          <p:cNvSpPr>
+            <a:spLocks noGrp="1"/>
+          </p:cNvSpPr>
+          <p:nvPr>
+            <p:ph type="sldNum" sz="quarter" idx="12"/>
+          </p:nvPr>
+        </p:nvSpPr>
+        <p:spPr/>
+        <p:txBody>
+          <a:bodyPr/>
+          <a:lstStyle/>
+          <a:p>
+            <a:fld id="{4B6EF7A6-4C4D-4D54-9ABD-B54F92A217EE}" type="slidenum">
+              <a:rPr lang="en-US" smtClean="0"/>
+              <a:t>12</a:t>
+            </a:fld>
+            <a:endParaRPr lang="en-US"/>
+          </a:p>
+        </p:txBody>
+      </p:sp>
+      <p:pic>
+        <p:nvPicPr>
+          <p:cNvPr id="6" name="Picture 5" descr="HTTP2-Multiplexing-1024x1015.png"/>
+          <p:cNvPicPr>
+            <a:picLocks noChangeAspect="1"/>
+          </p:cNvPicPr>
+          <p:nvPr/>
+        </p:nvPicPr>
+        <p:blipFill>
+          <a:blip r:embed="rId2">
+            <a:extLst>
+              <a:ext uri="{28A0092B-C50C-407E-A947-70E740481C1C}">
+                <a14:useLocalDpi xmlns:a14="http://schemas.microsoft.com/office/drawing/2010/main" val="0"/>
+              </a:ext>
+            </a:extLst>
+          </a:blip>
+          <a:stretch>
+            <a:fillRect/>
+          </a:stretch>
+        </p:blipFill>
+        <p:spPr>
+          <a:xfrm>
+            <a:off x="1011035" y="953120"/>
+            <a:ext cx="5198502" cy="5152812"/>
+          </a:xfrm>
+          <a:prstGeom prst="rect">
+            <a:avLst/>
+          </a:prstGeom>
+        </p:spPr>
+      </p:pic>
+      <p:sp>
+        <p:nvSpPr>
+          <p:cNvPr id="7" name="TextShape 13"/>
+          <p:cNvSpPr txBox="1"/>
+          <p:nvPr/>
+        </p:nvSpPr>
+        <p:spPr>
+          <a:xfrm>
+            <a:off x="2613892" y="190294"/>
+            <a:ext cx="2330502" cy="746709"/>
+          </a:xfrm>
+          <a:prstGeom prst="rect">
+            <a:avLst/>
+          </a:prstGeom>
+          <a:noFill/>
+          <a:ln>
+            <a:noFill/>
+          </a:ln>
+        </p:spPr>
+        <p:txBody>
+          <a:bodyPr>
+            <a:normAutofit/>
+          </a:bodyPr>
+          <a:lstStyle/>
+          <a:p>
+            <a:pPr>
+              <a:lnSpc>
+                <a:spcPct val="100000"/>
+              </a:lnSpc>
+            </a:pPr>
+            <a:r>
+              <a:rPr lang="en-US" sz="2600" b="1" strike="noStrike" spc="-1" dirty="0" smtClean="0">
+                <a:solidFill>
+                  <a:srgbClr val="6C911C"/>
+                </a:solidFill>
+                <a:latin typeface="Times New Roman"/>
+              </a:rPr>
+              <a:t>http2 </a:t>
+            </a:r>
+            <a:r>
+              <a:rPr lang="en-US" sz="2600" b="1" strike="noStrike" spc="-1" dirty="0" err="1" smtClean="0">
+                <a:solidFill>
+                  <a:srgbClr val="6C911C"/>
+                </a:solidFill>
+                <a:latin typeface="Times New Roman"/>
+              </a:rPr>
+              <a:t>vs</a:t>
+            </a:r>
+            <a:r>
+              <a:rPr lang="en-US" sz="2600" b="1" strike="noStrike" spc="-1" dirty="0" smtClean="0">
+                <a:solidFill>
+                  <a:srgbClr val="6C911C"/>
+                </a:solidFill>
+                <a:latin typeface="Times New Roman"/>
+              </a:rPr>
+              <a:t> http1</a:t>
+            </a:r>
+            <a:endParaRPr lang="en-US" sz="2600" b="0" strike="noStrike" spc="-1" dirty="0">
+              <a:solidFill>
+                <a:srgbClr val="000000"/>
+              </a:solidFill>
+              <a:latin typeface="Trebuchet MS"/>
+            </a:endParaRPr>
+          </a:p>
+        </p:txBody>
+      </p:sp>
+    </p:spTree>
+    <p:extLst>
+      <p:ext uri="{BB962C8B-B14F-4D97-AF65-F5344CB8AC3E}">
+        <p14:creationId xmlns:p14="http://schemas.microsoft.com/office/powerpoint/2010/main" val="3291494337"/>
+      </p:ext>
+    </p:extLst>
+  </p:cSld>
+  <p:clrMapOvr>
+    <a:masterClrMapping/>
+  </p:clrMapOvr>
 </p:sld>
 </file>
 
@@ -18574,7 +18328,7 @@
                   <a:spcPts val="600"/>
                 </a:spcAft>
               </a:pPr>
-              <a:t>December 21, 2019</a:t>
+              <a:t>December 23, 2019</a:t>
             </a:fld>
             <a:endParaRPr lang="en-US" sz="1050" kern="1200" dirty="0">
               <a:solidFill>
@@ -19980,7 +19734,7 @@
                   <a:spcPts val="600"/>
                 </a:spcAft>
               </a:pPr>
-              <a:t>December 21, 2019</a:t>
+              <a:t>December 23, 2019</a:t>
             </a:fld>
             <a:endParaRPr lang="en-US" sz="1050" kern="1200" dirty="0">
               <a:solidFill>
@@ -21422,7 +21176,7 @@
                   <a:spcPts val="600"/>
                 </a:spcAft>
               </a:pPr>
-              <a:t>December 21, 2019</a:t>
+              <a:t>December 23, 2019</a:t>
             </a:fld>
             <a:endParaRPr lang="en-US" sz="1050" kern="1200" dirty="0">
               <a:solidFill>
@@ -23077,7 +22831,7 @@
                   <a:spcPts val="600"/>
                 </a:spcAft>
               </a:pPr>
-              <a:t>December 21, 2019</a:t>
+              <a:t>December 23, 2019</a:t>
             </a:fld>
             <a:endParaRPr lang="en-US" sz="1050" kern="1200" dirty="0">
               <a:solidFill>
@@ -24703,7 +24457,7 @@
                   <a:spcPts val="600"/>
                 </a:spcAft>
               </a:pPr>
-              <a:t>December 21, 2019</a:t>
+              <a:t>December 23, 2019</a:t>
             </a:fld>
             <a:endParaRPr lang="en-US" sz="1050" kern="1200" dirty="0">
               <a:solidFill>
@@ -26211,7 +25965,7 @@
                   <a:spcPts val="600"/>
                 </a:spcAft>
               </a:pPr>
-              <a:t>December 21, 2019</a:t>
+              <a:t>December 23, 2019</a:t>
             </a:fld>
             <a:endParaRPr lang="en-US" kern="1200">
               <a:solidFill>
@@ -27853,7 +27607,7 @@
             <p:ph idx="1"/>
             <p:extLst>
               <p:ext uri="{D42A27DB-BD31-4B8C-83A1-F6EECF244321}">
-                <p14:modId xmlns:p14="http://schemas.microsoft.com/office/powerpoint/2010/main" val="1494752664"/>
+                <p14:modId xmlns:p14="http://schemas.microsoft.com/office/powerpoint/2010/main" val="4081852708"/>
               </p:ext>
             </p:extLst>
           </p:nvPr>
@@ -27972,7 +27726,7 @@
                 <a:latin typeface="Times New Roman" panose="02020603050405020304" pitchFamily="18" charset="0"/>
                 <a:cs typeface="Times New Roman" panose="02020603050405020304" pitchFamily="18" charset="0"/>
               </a:rPr>
-              <a:t>December 21, 2019</a:t>
+              <a:t>December 23, 2019</a:t>
             </a:fld>
             <a:endParaRPr lang="en-US" sz="1100" dirty="0">
               <a:latin typeface="Times New Roman" panose="02020603050405020304" pitchFamily="18" charset="0"/>
@@ -30037,7 +29791,7 @@
                   <a:spcPts val="600"/>
                 </a:spcAft>
               </a:pPr>
-              <a:t>December 21, 2019</a:t>
+              <a:t>December 23, 2019</a:t>
             </a:fld>
             <a:endParaRPr lang="en-US" sz="900" kern="1200" dirty="0">
               <a:solidFill>
@@ -31092,7 +30846,7 @@
             </a:pPr>
             <a:r>
               <a:rPr lang="en-US" sz="2000" dirty="0" err="1" smtClean="0"/>
-              <a:t>Hiểu</a:t>
+              <a:t>Ứng</a:t>
             </a:r>
             <a:r>
               <a:rPr lang="en-US" sz="2000" dirty="0" smtClean="0"/>
@@ -31100,7 +30854,7 @@
             </a:r>
             <a:r>
               <a:rPr lang="en-US" sz="2000" dirty="0" err="1" smtClean="0"/>
-              <a:t>về</a:t>
+              <a:t>dụng</a:t>
             </a:r>
             <a:r>
               <a:rPr lang="en-US" sz="2000" dirty="0" smtClean="0"/>
@@ -31108,7 +30862,7 @@
             </a:r>
             <a:r>
               <a:rPr lang="en-US" sz="2000" dirty="0" err="1" smtClean="0"/>
-              <a:t>quy</a:t>
+              <a:t>giọng</a:t>
             </a:r>
             <a:r>
               <a:rPr lang="en-US" sz="2000" dirty="0" smtClean="0"/>
@@ -31116,7 +30870,7 @@
             </a:r>
             <a:r>
               <a:rPr lang="en-US" sz="2000" dirty="0" err="1" smtClean="0"/>
-              <a:t>trình</a:t>
+              <a:t>nói</a:t>
             </a:r>
             <a:r>
               <a:rPr lang="en-US" sz="2000" dirty="0" smtClean="0"/>
@@ -31124,7 +30878,7 @@
             </a:r>
             <a:r>
               <a:rPr lang="en-US" sz="2000" dirty="0" err="1" smtClean="0"/>
-              <a:t>xây</a:t>
+              <a:t>vào</a:t>
             </a:r>
             <a:r>
               <a:rPr lang="en-US" sz="2000" dirty="0" smtClean="0"/>
@@ -31132,15 +30886,7 @@
             </a:r>
             <a:r>
               <a:rPr lang="en-US" sz="2000" dirty="0" err="1" smtClean="0"/>
-              <a:t>dựng</a:t>
-            </a:r>
-            <a:r>
-              <a:rPr lang="en-US" sz="2000" dirty="0" smtClean="0"/>
-              <a:t> 1 </a:t>
-            </a:r>
-            <a:r>
-              <a:rPr lang="en-US" sz="2000" dirty="0" err="1" smtClean="0"/>
-              <a:t>ứng</a:t>
+              <a:t>việc</a:t>
             </a:r>
             <a:r>
               <a:rPr lang="en-US" sz="2000" dirty="0" smtClean="0"/>
@@ -31148,112 +30894,33 @@
             </a:r>
             <a:r>
               <a:rPr lang="en-US" sz="2000" dirty="0" err="1" smtClean="0"/>
+              <a:t>sử</a:t>
+            </a:r>
+            <a:r>
+              <a:rPr lang="en-US" sz="2000" dirty="0" smtClean="0"/>
+              <a:t> </a:t>
+            </a:r>
+            <a:r>
+              <a:rPr lang="en-US" sz="2000" dirty="0" err="1" smtClean="0"/>
               <a:t>dụng</a:t>
             </a:r>
             <a:r>
               <a:rPr lang="en-US" sz="2000" dirty="0" smtClean="0"/>
-              <a:t> web</a:t>
+              <a:t> </a:t>
+            </a:r>
+            <a:r>
+              <a:rPr lang="en-US" sz="2000" dirty="0" err="1" smtClean="0"/>
+              <a:t>điện</a:t>
+            </a:r>
+            <a:r>
+              <a:rPr lang="en-US" sz="2000" dirty="0" smtClean="0"/>
+              <a:t> </a:t>
+            </a:r>
+            <a:r>
+              <a:rPr lang="en-US" sz="2000" dirty="0" err="1" smtClean="0"/>
+              <a:t>thoại</a:t>
             </a:r>
             <a:endParaRPr lang="en-US" sz="2000" dirty="0"/>
-          </a:p>
-          <a:p>
-            <a:pPr>
-              <a:buClr>
-                <a:schemeClr val="accent1">
-                  <a:lumMod val="75000"/>
-                </a:schemeClr>
-              </a:buClr>
-              <a:buFont typeface="Wingdings 2" panose="05020102010507070707" pitchFamily="18" charset="2"/>
-              <a:buChar char=""/>
-            </a:pPr>
-            <a:r>
-              <a:rPr lang="en-US" sz="2000" dirty="0" err="1"/>
-              <a:t>Hiểu</a:t>
-            </a:r>
-            <a:r>
-              <a:rPr lang="en-US" sz="2000" dirty="0"/>
-              <a:t> </a:t>
-            </a:r>
-            <a:r>
-              <a:rPr lang="en-US" sz="2000" dirty="0" err="1"/>
-              <a:t>về</a:t>
-            </a:r>
-            <a:r>
-              <a:rPr lang="en-US" sz="2000" dirty="0"/>
-              <a:t> </a:t>
-            </a:r>
-            <a:r>
-              <a:rPr lang="en-US" sz="2000" dirty="0" err="1"/>
-              <a:t>mô</a:t>
-            </a:r>
-            <a:r>
-              <a:rPr lang="en-US" sz="2000" dirty="0"/>
-              <a:t> </a:t>
-            </a:r>
-            <a:r>
-              <a:rPr lang="en-US" sz="2000" dirty="0" err="1"/>
-              <a:t>hình</a:t>
-            </a:r>
-            <a:r>
-              <a:rPr lang="en-US" sz="2000" dirty="0"/>
-              <a:t> </a:t>
-            </a:r>
-            <a:r>
-              <a:rPr lang="en-US" sz="2000" dirty="0" err="1"/>
-              <a:t>hoạt</a:t>
-            </a:r>
-            <a:r>
-              <a:rPr lang="en-US" sz="2000" dirty="0"/>
-              <a:t> </a:t>
-            </a:r>
-            <a:r>
-              <a:rPr lang="en-US" sz="2000" dirty="0" err="1"/>
-              <a:t>động</a:t>
-            </a:r>
-            <a:r>
-              <a:rPr lang="en-US" sz="2000" dirty="0"/>
-              <a:t> </a:t>
-            </a:r>
-            <a:r>
-              <a:rPr lang="en-US" sz="2000" dirty="0" err="1"/>
-              <a:t>th</a:t>
-            </a:r>
-            <a:r>
-              <a:rPr lang="vi-VN" sz="2000" dirty="0"/>
-              <a:t>ư</a:t>
-            </a:r>
-            <a:r>
-              <a:rPr lang="en-US" sz="2000" dirty="0" err="1"/>
-              <a:t>ơng</a:t>
-            </a:r>
-            <a:r>
-              <a:rPr lang="en-US" sz="2000" dirty="0"/>
-              <a:t> </a:t>
-            </a:r>
-            <a:r>
-              <a:rPr lang="en-US" sz="2000" dirty="0" err="1"/>
-              <a:t>mại</a:t>
-            </a:r>
-            <a:r>
-              <a:rPr lang="en-US" sz="2000" dirty="0"/>
-              <a:t> </a:t>
-            </a:r>
-            <a:r>
-              <a:rPr lang="en-US" sz="2000" dirty="0" err="1"/>
-              <a:t>điện</a:t>
-            </a:r>
-            <a:r>
-              <a:rPr lang="en-US" sz="2000" dirty="0"/>
-              <a:t> </a:t>
-            </a:r>
-            <a:r>
-              <a:rPr lang="en-US" sz="2000" dirty="0" err="1"/>
-              <a:t>tử</a:t>
-            </a:r>
-            <a:r>
-              <a:rPr lang="en-US" sz="2000" dirty="0"/>
-              <a:t>.</a:t>
-            </a:r>
           </a:p>
         </p:txBody>
       </p:sp>
@@ -31361,7 +31028,7 @@
                   <a:spcPts val="600"/>
                 </a:spcAft>
               </a:pPr>
-              <a:t>December 21, 2019</a:t>
+              <a:t>December 23, 2019</a:t>
             </a:fld>
             <a:endParaRPr lang="en-US" kern="1200" dirty="0">
               <a:solidFill>
@@ -32696,7 +32363,7 @@
                   <a:spcPts val="600"/>
                 </a:spcAft>
               </a:pPr>
-              <a:t>December 21, 2019</a:t>
+              <a:t>December 23, 2019</a:t>
             </a:fld>
             <a:endParaRPr lang="en-US" kern="1200" dirty="0">
               <a:solidFill>
@@ -34141,7 +33808,7 @@
                   <a:spcPts val="600"/>
                 </a:spcAft>
               </a:pPr>
-              <a:t>December 21, 2019</a:t>
+              <a:t>December 23, 2019</a:t>
             </a:fld>
             <a:endParaRPr lang="en-US" kern="1200" dirty="0">
               <a:solidFill>
@@ -35546,24 +35213,33 @@
           <a:lstStyle/>
           <a:p>
             <a:r>
-              <a:rPr lang="en-US" dirty="0" err="1"/>
-              <a:t>Giải</a:t>
+              <a:rPr lang="en-US" dirty="0" err="1" smtClean="0"/>
+              <a:t>Mô</a:t>
+            </a:r>
+            <a:r>
+              <a:rPr lang="en-US" dirty="0" smtClean="0"/>
+              <a:t> </a:t>
+            </a:r>
+            <a:r>
+              <a:rPr lang="en-US" dirty="0" err="1" smtClean="0"/>
+              <a:t>hình</a:t>
             </a:r>
             <a:r>
               <a:rPr lang="en-US" dirty="0"/>
               <a:t> </a:t>
             </a:r>
             <a:r>
-              <a:rPr lang="en-US" dirty="0" err="1"/>
-              <a:t>pháp</a:t>
-            </a:r>
-            <a:r>
-              <a:rPr lang="en-US" dirty="0"/>
-              <a:t/>
-            </a:r>
-            <a:br>
-              <a:rPr lang="en-US" dirty="0"/>
-            </a:br>
+              <a:rPr lang="en-US" dirty="0" err="1" smtClean="0"/>
+              <a:t>hệ</a:t>
+            </a:r>
+            <a:r>
+              <a:rPr lang="en-US" dirty="0" smtClean="0"/>
+              <a:t> </a:t>
+            </a:r>
+            <a:r>
+              <a:rPr lang="en-US" dirty="0" err="1" smtClean="0"/>
+              <a:t>thống</a:t>
+            </a:r>
             <a:endParaRPr lang="en-US" dirty="0"/>
           </a:p>
         </p:txBody>
@@ -35593,7 +35269,7 @@
               <a:rPr lang="vi-VN" sz="1050" smtClean="0">
                 <a:latin typeface="Times New Roman" panose="02020603050405020304" pitchFamily="18" charset="0"/>
               </a:rPr>
-              <a:t>December 21, 2019</a:t>
+              <a:t>December 23, 2019</a:t>
             </a:fld>
             <a:endParaRPr lang="en-US" sz="1050" dirty="0">
               <a:latin typeface="Times New Roman" panose="02020603050405020304" pitchFamily="18" charset="0"/>
@@ -35660,218 +35336,6 @@
               </a:rPr>
               <a:pPr/>
               <a:t>3</a:t>
-            </a:fld>
-            <a:endParaRPr lang="en-US" sz="1200" dirty="0">
-              <a:latin typeface="Times New Roman" panose="02020603050405020304" pitchFamily="18" charset="0"/>
-            </a:endParaRPr>
-          </a:p>
-        </p:txBody>
-      </p:sp>
-      <p:pic>
-        <p:nvPicPr>
-          <p:cNvPr id="7" name="Picture 6">
-            <a:extLst>
-              <a:ext uri="{FF2B5EF4-FFF2-40B4-BE49-F238E27FC236}">
-                <a16:creationId xmlns="" xmlns:a16="http://schemas.microsoft.com/office/drawing/2014/main" id="{C87A3842-6A0F-472A-9333-288E828CA059}"/>
-              </a:ext>
-            </a:extLst>
-          </p:cNvPr>
-          <p:cNvPicPr>
-            <a:picLocks noChangeAspect="1"/>
-          </p:cNvPicPr>
-          <p:nvPr/>
-        </p:nvPicPr>
-        <p:blipFill>
-          <a:blip r:embed="rId2"/>
-          <a:stretch>
-            <a:fillRect/>
-          </a:stretch>
-        </p:blipFill>
-        <p:spPr>
-          <a:xfrm>
-            <a:off x="698047" y="1367160"/>
-            <a:ext cx="5783296" cy="4444707"/>
-          </a:xfrm>
-          <a:prstGeom prst="rect">
-            <a:avLst/>
-          </a:prstGeom>
-        </p:spPr>
-      </p:pic>
-    </p:spTree>
-    <p:extLst>
-      <p:ext uri="{BB962C8B-B14F-4D97-AF65-F5344CB8AC3E}">
-        <p14:creationId xmlns:p14="http://schemas.microsoft.com/office/powerpoint/2010/main" val="331143048"/>
-      </p:ext>
-    </p:extLst>
-  </p:cSld>
-  <p:clrMapOvr>
-    <a:masterClrMapping/>
-  </p:clrMapOvr>
-</p:sld>
-</file>
-
-<file path=ppt/slides/slide4.xml><?xml version="1.0" encoding="utf-8"?>
-<p:sld xmlns:a="http://schemas.openxmlformats.org/drawingml/2006/main" xmlns:r="http://schemas.openxmlformats.org/officeDocument/2006/relationships" xmlns:p="http://schemas.openxmlformats.org/presentationml/2006/main">
-  <p:cSld>
-    <p:spTree>
-      <p:nvGrpSpPr>
-        <p:cNvPr id="1" name=""/>
-        <p:cNvGrpSpPr/>
-        <p:nvPr/>
-      </p:nvGrpSpPr>
-      <p:grpSpPr>
-        <a:xfrm>
-          <a:off x="0" y="0"/>
-          <a:ext cx="0" cy="0"/>
-          <a:chOff x="0" y="0"/>
-          <a:chExt cx="0" cy="0"/>
-        </a:xfrm>
-      </p:grpSpPr>
-      <p:sp>
-        <p:nvSpPr>
-          <p:cNvPr id="3" name="Title 2">
-            <a:extLst>
-              <a:ext uri="{FF2B5EF4-FFF2-40B4-BE49-F238E27FC236}">
-                <a16:creationId xmlns="" xmlns:a16="http://schemas.microsoft.com/office/drawing/2014/main" id="{E80AD922-7393-4865-ACE7-93B7D87B3B37}"/>
-              </a:ext>
-            </a:extLst>
-          </p:cNvPr>
-          <p:cNvSpPr>
-            <a:spLocks noGrp="1"/>
-          </p:cNvSpPr>
-          <p:nvPr>
-            <p:ph type="title"/>
-          </p:nvPr>
-        </p:nvSpPr>
-        <p:spPr/>
-        <p:txBody>
-          <a:bodyPr/>
-          <a:lstStyle/>
-          <a:p>
-            <a:r>
-              <a:rPr lang="en-US" dirty="0" err="1" smtClean="0"/>
-              <a:t>Mô</a:t>
-            </a:r>
-            <a:r>
-              <a:rPr lang="en-US" dirty="0" smtClean="0"/>
-              <a:t> </a:t>
-            </a:r>
-            <a:r>
-              <a:rPr lang="en-US" dirty="0" err="1" smtClean="0"/>
-              <a:t>hình</a:t>
-            </a:r>
-            <a:r>
-              <a:rPr lang="en-US" dirty="0"/>
-              <a:t> </a:t>
-            </a:r>
-            <a:r>
-              <a:rPr lang="en-US" dirty="0" err="1" smtClean="0"/>
-              <a:t>hệ</a:t>
-            </a:r>
-            <a:r>
-              <a:rPr lang="en-US" dirty="0" smtClean="0"/>
-              <a:t> </a:t>
-            </a:r>
-            <a:r>
-              <a:rPr lang="en-US" dirty="0" err="1" smtClean="0"/>
-              <a:t>thống</a:t>
-            </a:r>
-            <a:endParaRPr lang="en-US" dirty="0"/>
-          </a:p>
-        </p:txBody>
-      </p:sp>
-      <p:sp>
-        <p:nvSpPr>
-          <p:cNvPr id="4" name="Date Placeholder 3">
-            <a:extLst>
-              <a:ext uri="{FF2B5EF4-FFF2-40B4-BE49-F238E27FC236}">
-                <a16:creationId xmlns="" xmlns:a16="http://schemas.microsoft.com/office/drawing/2014/main" id="{C0CC6311-472D-4855-AE68-910D7140AD6F}"/>
-              </a:ext>
-            </a:extLst>
-          </p:cNvPr>
-          <p:cNvSpPr>
-            <a:spLocks noGrp="1"/>
-          </p:cNvSpPr>
-          <p:nvPr>
-            <p:ph type="dt" sz="half" idx="10"/>
-          </p:nvPr>
-        </p:nvSpPr>
-        <p:spPr/>
-        <p:txBody>
-          <a:bodyPr/>
-          <a:lstStyle/>
-          <a:p>
-            <a:fld id="{7E0CA924-5545-4597-BC03-94C0ED4F4AB2}" type="datetime4">
-              <a:rPr lang="vi-VN" sz="1050" smtClean="0">
-                <a:latin typeface="Times New Roman" panose="02020603050405020304" pitchFamily="18" charset="0"/>
-              </a:rPr>
-              <a:t>December 21, 2019</a:t>
-            </a:fld>
-            <a:endParaRPr lang="en-US" sz="1050" dirty="0">
-              <a:latin typeface="Times New Roman" panose="02020603050405020304" pitchFamily="18" charset="0"/>
-            </a:endParaRPr>
-          </a:p>
-        </p:txBody>
-      </p:sp>
-      <p:sp>
-        <p:nvSpPr>
-          <p:cNvPr id="5" name="Footer Placeholder 4">
-            <a:extLst>
-              <a:ext uri="{FF2B5EF4-FFF2-40B4-BE49-F238E27FC236}">
-                <a16:creationId xmlns="" xmlns:a16="http://schemas.microsoft.com/office/drawing/2014/main" id="{74662725-5431-4BBD-921A-92EFF311A745}"/>
-              </a:ext>
-            </a:extLst>
-          </p:cNvPr>
-          <p:cNvSpPr>
-            <a:spLocks noGrp="1"/>
-          </p:cNvSpPr>
-          <p:nvPr>
-            <p:ph type="ftr" sz="quarter" idx="11"/>
-          </p:nvPr>
-        </p:nvSpPr>
-        <p:spPr/>
-        <p:txBody>
-          <a:bodyPr/>
-          <a:lstStyle/>
-          <a:p>
-            <a:r>
-              <a:rPr lang="en-US" dirty="0"/>
-              <a:t>ĐỂ TÀI: </a:t>
-            </a:r>
-            <a:r>
-              <a:rPr lang="en-US" b="1" dirty="0"/>
-              <a:t>XÂY DỰNG WEBSITE BÁN HÀNG</a:t>
-            </a:r>
-          </a:p>
-        </p:txBody>
-      </p:sp>
-      <p:sp>
-        <p:nvSpPr>
-          <p:cNvPr id="6" name="Slide Number Placeholder 5">
-            <a:extLst>
-              <a:ext uri="{FF2B5EF4-FFF2-40B4-BE49-F238E27FC236}">
-                <a16:creationId xmlns="" xmlns:a16="http://schemas.microsoft.com/office/drawing/2014/main" id="{E9D5496C-6ADB-432B-819A-5589F2581497}"/>
-              </a:ext>
-            </a:extLst>
-          </p:cNvPr>
-          <p:cNvSpPr>
-            <a:spLocks noGrp="1"/>
-          </p:cNvSpPr>
-          <p:nvPr>
-            <p:ph type="sldNum" sz="quarter" idx="12"/>
-          </p:nvPr>
-        </p:nvSpPr>
-        <p:spPr/>
-        <p:txBody>
-          <a:bodyPr/>
-          <a:lstStyle/>
-          <a:p>
-            <a:fld id="{4B6EF7A6-4C4D-4D54-9ABD-B54F92A217EE}" type="slidenum">
-              <a:rPr lang="en-US" sz="1200" smtClean="0">
-                <a:latin typeface="Times New Roman" panose="02020603050405020304" pitchFamily="18" charset="0"/>
-              </a:rPr>
-              <a:pPr/>
-              <a:t>4</a:t>
             </a:fld>
             <a:endParaRPr lang="en-US" sz="1200" dirty="0">
               <a:latin typeface="Times New Roman" panose="02020603050405020304" pitchFamily="18" charset="0"/>
@@ -35925,7 +35389,7 @@
 </p:sld>
 </file>
 
-<file path=ppt/slides/slide5.xml><?xml version="1.0" encoding="utf-8"?>
+<file path=ppt/slides/slide4.xml><?xml version="1.0" encoding="utf-8"?>
 <p:sld xmlns:a="http://schemas.openxmlformats.org/drawingml/2006/main" xmlns:r="http://schemas.openxmlformats.org/officeDocument/2006/relationships" xmlns:p="http://schemas.openxmlformats.org/presentationml/2006/main">
   <p:cSld>
     <p:bg>
@@ -37389,7 +36853,7 @@
                   <a:spcPts val="600"/>
                 </a:spcAft>
               </a:pPr>
-              <a:t>December 21, 2019</a:t>
+              <a:t>December 23, 2019</a:t>
             </a:fld>
             <a:endParaRPr lang="en-US" sz="1050" kern="1200" dirty="0">
               <a:solidFill>
@@ -37447,7 +36911,7 @@
                   <a:spcPts val="600"/>
                 </a:spcAft>
               </a:pPr>
-              <a:t>5</a:t>
+              <a:t>4</a:t>
             </a:fld>
             <a:endParaRPr lang="en-US" sz="1050" kern="1200" dirty="0">
               <a:solidFill>
@@ -37472,7 +36936,7 @@
 </p:sld>
 </file>
 
-<file path=ppt/slides/slide6.xml><?xml version="1.0" encoding="utf-8"?>
+<file path=ppt/slides/slide5.xml><?xml version="1.0" encoding="utf-8"?>
 <p:sld xmlns:a="http://schemas.openxmlformats.org/drawingml/2006/main" xmlns:r="http://schemas.openxmlformats.org/officeDocument/2006/relationships" xmlns:p="http://schemas.openxmlformats.org/presentationml/2006/main">
   <p:cSld>
     <p:bg>
@@ -38498,7 +37962,7 @@
 </p:sld>
 </file>
 
-<file path=ppt/slides/slide7.xml><?xml version="1.0" encoding="utf-8"?>
+<file path=ppt/slides/slide6.xml><?xml version="1.0" encoding="utf-8"?>
 <p:sld xmlns:a="http://schemas.openxmlformats.org/drawingml/2006/main" xmlns:r="http://schemas.openxmlformats.org/officeDocument/2006/relationships" xmlns:p="http://schemas.openxmlformats.org/presentationml/2006/main">
   <p:cSld>
     <p:bg>
@@ -39902,7 +39366,7 @@
                   <a:spcPts val="600"/>
                 </a:spcAft>
               </a:pPr>
-              <a:t>December 21, 2019</a:t>
+              <a:t>December 23, 2019</a:t>
             </a:fld>
             <a:endParaRPr lang="en-US" sz="1050" kern="1200" dirty="0">
               <a:solidFill>
@@ -39960,7 +39424,7 @@
                   <a:spcPts val="600"/>
                 </a:spcAft>
               </a:pPr>
-              <a:t>7</a:t>
+              <a:t>6</a:t>
             </a:fld>
             <a:endParaRPr lang="en-US" sz="1050" kern="1200">
               <a:solidFill>
@@ -39985,7 +39449,7 @@
 </p:sld>
 </file>
 
-<file path=ppt/slides/slide8.xml><?xml version="1.0" encoding="utf-8"?>
+<file path=ppt/slides/slide7.xml><?xml version="1.0" encoding="utf-8"?>
 <p:sld xmlns:a="http://schemas.openxmlformats.org/drawingml/2006/main" xmlns:r="http://schemas.openxmlformats.org/officeDocument/2006/relationships" xmlns:p="http://schemas.openxmlformats.org/presentationml/2006/main">
   <p:cSld>
     <p:spTree>
@@ -40890,16 +40354,70 @@
               <a:buChar char=""/>
             </a:pPr>
             <a:r>
-              <a:rPr lang="en-US" sz="2400" b="0" strike="noStrike" spc="-1">
+              <a:rPr lang="en-US" sz="2400" b="0" strike="noStrike" spc="-1" dirty="0">
                 <a:solidFill>
                   <a:srgbClr val="404040"/>
                 </a:solidFill>
                 <a:latin typeface="Times New Roman"/>
               </a:rPr>
-              <a:t>RPC- hay còn gọi là </a:t>
-            </a:r>
-            <a:r>
-              <a:rPr lang="en-US" sz="2400" b="1" strike="noStrike" spc="-1">
+              <a:t>RPC- hay </a:t>
+            </a:r>
+            <a:r>
+              <a:rPr lang="en-US" sz="2400" b="0" strike="noStrike" spc="-1" dirty="0" err="1">
+                <a:solidFill>
+                  <a:srgbClr val="404040"/>
+                </a:solidFill>
+                <a:latin typeface="Times New Roman"/>
+              </a:rPr>
+              <a:t>còn</a:t>
+            </a:r>
+            <a:r>
+              <a:rPr lang="en-US" sz="2400" b="0" strike="noStrike" spc="-1" dirty="0">
+                <a:solidFill>
+                  <a:srgbClr val="404040"/>
+                </a:solidFill>
+                <a:latin typeface="Times New Roman"/>
+              </a:rPr>
+              <a:t> </a:t>
+            </a:r>
+            <a:r>
+              <a:rPr lang="en-US" sz="2400" b="0" strike="noStrike" spc="-1" dirty="0" err="1">
+                <a:solidFill>
+                  <a:srgbClr val="404040"/>
+                </a:solidFill>
+                <a:latin typeface="Times New Roman"/>
+              </a:rPr>
+              <a:t>gọi</a:t>
+            </a:r>
+            <a:r>
+              <a:rPr lang="en-US" sz="2400" b="0" strike="noStrike" spc="-1" dirty="0">
+                <a:solidFill>
+                  <a:srgbClr val="404040"/>
+                </a:solidFill>
+                <a:latin typeface="Times New Roman"/>
+              </a:rPr>
+              <a:t> </a:t>
+            </a:r>
+            <a:r>
+              <a:rPr lang="en-US" sz="2400" b="0" strike="noStrike" spc="-1" dirty="0" err="1">
+                <a:solidFill>
+                  <a:srgbClr val="404040"/>
+                </a:solidFill>
+                <a:latin typeface="Times New Roman"/>
+              </a:rPr>
+              <a:t>là</a:t>
+            </a:r>
+            <a:r>
+              <a:rPr lang="en-US" sz="2400" b="0" strike="noStrike" spc="-1" dirty="0">
+                <a:solidFill>
+                  <a:srgbClr val="404040"/>
+                </a:solidFill>
+                <a:latin typeface="Times New Roman"/>
+              </a:rPr>
+              <a:t> </a:t>
+            </a:r>
+            <a:r>
+              <a:rPr lang="en-US" sz="2400" b="1" strike="noStrike" spc="-1" dirty="0">
                 <a:solidFill>
                   <a:srgbClr val="404040"/>
                 </a:solidFill>
@@ -40908,13 +40426,184 @@
               <a:t>Remote Procedure Call </a:t>
             </a:r>
             <a:r>
-              <a:rPr lang="en-US" sz="2400" b="0" strike="noStrike" spc="-1">
+              <a:rPr lang="en-US" sz="2400" b="0" strike="noStrike" spc="-1" dirty="0" err="1">
                 <a:solidFill>
                   <a:srgbClr val="404040"/>
                 </a:solidFill>
                 <a:latin typeface="Times New Roman"/>
               </a:rPr>
-              <a:t>là một phương pháp dùng để trao đổi dữ liệu.</a:t>
+              <a:t>là</a:t>
+            </a:r>
+            <a:r>
+              <a:rPr lang="en-US" sz="2400" b="0" strike="noStrike" spc="-1" dirty="0">
+                <a:solidFill>
+                  <a:srgbClr val="404040"/>
+                </a:solidFill>
+                <a:latin typeface="Times New Roman"/>
+              </a:rPr>
+              <a:t> </a:t>
+            </a:r>
+            <a:r>
+              <a:rPr lang="en-US" sz="2400" b="0" strike="noStrike" spc="-1" dirty="0" err="1">
+                <a:solidFill>
+                  <a:srgbClr val="404040"/>
+                </a:solidFill>
+                <a:latin typeface="Times New Roman"/>
+              </a:rPr>
+              <a:t>một</a:t>
+            </a:r>
+            <a:r>
+              <a:rPr lang="en-US" sz="2400" b="0" strike="noStrike" spc="-1" dirty="0">
+                <a:solidFill>
+                  <a:srgbClr val="404040"/>
+                </a:solidFill>
+                <a:latin typeface="Times New Roman"/>
+              </a:rPr>
+              <a:t> </a:t>
+            </a:r>
+            <a:r>
+              <a:rPr lang="en-US" sz="2400" b="0" strike="noStrike" spc="-1" dirty="0" err="1">
+                <a:solidFill>
+                  <a:srgbClr val="404040"/>
+                </a:solidFill>
+                <a:latin typeface="Times New Roman"/>
+              </a:rPr>
+              <a:t>phương</a:t>
+            </a:r>
+            <a:r>
+              <a:rPr lang="en-US" sz="2400" b="0" strike="noStrike" spc="-1" dirty="0">
+                <a:solidFill>
+                  <a:srgbClr val="404040"/>
+                </a:solidFill>
+                <a:latin typeface="Times New Roman"/>
+              </a:rPr>
+              <a:t> </a:t>
+            </a:r>
+            <a:r>
+              <a:rPr lang="en-US" sz="2400" b="0" strike="noStrike" spc="-1" dirty="0" err="1">
+                <a:solidFill>
+                  <a:srgbClr val="404040"/>
+                </a:solidFill>
+                <a:latin typeface="Times New Roman"/>
+              </a:rPr>
+              <a:t>pháp</a:t>
+            </a:r>
+            <a:r>
+              <a:rPr lang="en-US" sz="2400" b="0" strike="noStrike" spc="-1" dirty="0">
+                <a:solidFill>
+                  <a:srgbClr val="404040"/>
+                </a:solidFill>
+                <a:latin typeface="Times New Roman"/>
+              </a:rPr>
+              <a:t> </a:t>
+            </a:r>
+            <a:r>
+              <a:rPr lang="en-US" sz="2400" b="0" strike="noStrike" spc="-1" dirty="0" err="1">
+                <a:solidFill>
+                  <a:srgbClr val="404040"/>
+                </a:solidFill>
+                <a:latin typeface="Times New Roman"/>
+              </a:rPr>
+              <a:t>dùng</a:t>
+            </a:r>
+            <a:r>
+              <a:rPr lang="en-US" sz="2400" b="0" strike="noStrike" spc="-1" dirty="0">
+                <a:solidFill>
+                  <a:srgbClr val="404040"/>
+                </a:solidFill>
+                <a:latin typeface="Times New Roman"/>
+              </a:rPr>
+              <a:t> </a:t>
+            </a:r>
+            <a:r>
+              <a:rPr lang="en-US" sz="2400" b="0" strike="noStrike" spc="-1" dirty="0" err="1">
+                <a:solidFill>
+                  <a:srgbClr val="404040"/>
+                </a:solidFill>
+                <a:latin typeface="Times New Roman"/>
+              </a:rPr>
+              <a:t>để</a:t>
+            </a:r>
+            <a:r>
+              <a:rPr lang="en-US" sz="2400" b="0" strike="noStrike" spc="-1" dirty="0">
+                <a:solidFill>
+                  <a:srgbClr val="404040"/>
+                </a:solidFill>
+                <a:latin typeface="Times New Roman"/>
+              </a:rPr>
+              <a:t> </a:t>
+            </a:r>
+            <a:r>
+              <a:rPr lang="en-US" sz="2400" b="0" strike="noStrike" spc="-1" dirty="0" err="1">
+                <a:solidFill>
+                  <a:srgbClr val="404040"/>
+                </a:solidFill>
+                <a:latin typeface="Times New Roman"/>
+              </a:rPr>
+              <a:t>trao</a:t>
+            </a:r>
+            <a:r>
+              <a:rPr lang="en-US" sz="2400" b="0" strike="noStrike" spc="-1" dirty="0">
+                <a:solidFill>
+                  <a:srgbClr val="404040"/>
+                </a:solidFill>
+                <a:latin typeface="Times New Roman"/>
+              </a:rPr>
+              <a:t> </a:t>
+            </a:r>
+            <a:r>
+              <a:rPr lang="en-US" sz="2400" b="0" strike="noStrike" spc="-1" dirty="0" err="1">
+                <a:solidFill>
+                  <a:srgbClr val="404040"/>
+                </a:solidFill>
+                <a:latin typeface="Times New Roman"/>
+              </a:rPr>
+              <a:t>đổi</a:t>
+            </a:r>
+            <a:r>
+              <a:rPr lang="en-US" sz="2400" b="0" strike="noStrike" spc="-1" dirty="0">
+                <a:solidFill>
+                  <a:srgbClr val="404040"/>
+                </a:solidFill>
+                <a:latin typeface="Times New Roman"/>
+              </a:rPr>
+              <a:t> </a:t>
+            </a:r>
+            <a:r>
+              <a:rPr lang="en-US" sz="2400" b="0" strike="noStrike" spc="-1" dirty="0" err="1">
+                <a:solidFill>
+                  <a:srgbClr val="404040"/>
+                </a:solidFill>
+                <a:latin typeface="Times New Roman"/>
+              </a:rPr>
+              <a:t>dữ</a:t>
+            </a:r>
+            <a:r>
+              <a:rPr lang="en-US" sz="2400" b="0" strike="noStrike" spc="-1" dirty="0">
+                <a:solidFill>
+                  <a:srgbClr val="404040"/>
+                </a:solidFill>
+                <a:latin typeface="Times New Roman"/>
+              </a:rPr>
+              <a:t> </a:t>
+            </a:r>
+            <a:r>
+              <a:rPr lang="en-US" sz="2400" b="0" strike="noStrike" spc="-1" dirty="0" err="1">
+                <a:solidFill>
+                  <a:srgbClr val="404040"/>
+                </a:solidFill>
+                <a:latin typeface="Times New Roman"/>
+              </a:rPr>
+              <a:t>liệu</a:t>
+            </a:r>
+            <a:r>
+              <a:rPr lang="en-US" sz="2400" b="0" strike="noStrike" spc="-1" dirty="0">
+                <a:solidFill>
+                  <a:srgbClr val="404040"/>
+                </a:solidFill>
+                <a:latin typeface="Times New Roman"/>
+              </a:rPr>
+              <a:t>.</a:t>
             </a:r>
           </a:p>
           <a:p>
@@ -40933,14 +40622,101 @@
               <a:buChar char=""/>
             </a:pPr>
             <a:r>
-              <a:rPr lang="en-US" sz="2400" b="0" strike="noStrike" spc="-1">
+              <a:rPr lang="en-US" sz="2400" b="0" strike="noStrike" spc="-1" dirty="0" err="1" smtClean="0">
                 <a:solidFill>
                   <a:srgbClr val="404040"/>
                 </a:solidFill>
                 <a:latin typeface="Times New Roman"/>
               </a:rPr>
-              <a:t>Khái quát một lời gọi thủ tục thông thường trong trường hợp mà caller và receiver không cùng nằm trong một process - và được phân tán trên các máy riêng biệt.</a:t>
-            </a:r>
+              <a:t>Bản</a:t>
+            </a:r>
+            <a:r>
+              <a:rPr lang="en-US" sz="2400" b="0" strike="noStrike" spc="-1" dirty="0" smtClean="0">
+                <a:solidFill>
+                  <a:srgbClr val="404040"/>
+                </a:solidFill>
+                <a:latin typeface="Times New Roman"/>
+              </a:rPr>
+              <a:t> </a:t>
+            </a:r>
+            <a:r>
+              <a:rPr lang="en-US" sz="2400" b="0" strike="noStrike" spc="-1" dirty="0" err="1" smtClean="0">
+                <a:solidFill>
+                  <a:srgbClr val="404040"/>
+                </a:solidFill>
+                <a:latin typeface="Times New Roman"/>
+              </a:rPr>
+              <a:t>chất</a:t>
+            </a:r>
+            <a:r>
+              <a:rPr lang="en-US" sz="2400" b="0" strike="noStrike" spc="-1" dirty="0" smtClean="0">
+                <a:solidFill>
+                  <a:srgbClr val="404040"/>
+                </a:solidFill>
+                <a:latin typeface="Times New Roman"/>
+              </a:rPr>
+              <a:t> </a:t>
+            </a:r>
+            <a:r>
+              <a:rPr lang="en-US" sz="2400" b="0" strike="noStrike" spc="-1" dirty="0" err="1" smtClean="0">
+                <a:solidFill>
+                  <a:srgbClr val="404040"/>
+                </a:solidFill>
+                <a:latin typeface="Times New Roman"/>
+              </a:rPr>
+              <a:t>tương</a:t>
+            </a:r>
+            <a:r>
+              <a:rPr lang="en-US" sz="2400" b="0" strike="noStrike" spc="-1" dirty="0" smtClean="0">
+                <a:solidFill>
+                  <a:srgbClr val="404040"/>
+                </a:solidFill>
+                <a:latin typeface="Times New Roman"/>
+              </a:rPr>
+              <a:t> </a:t>
+            </a:r>
+            <a:r>
+              <a:rPr lang="en-US" sz="2400" b="0" strike="noStrike" spc="-1" dirty="0" err="1" smtClean="0">
+                <a:solidFill>
+                  <a:srgbClr val="404040"/>
+                </a:solidFill>
+                <a:latin typeface="Times New Roman"/>
+              </a:rPr>
+              <a:t>tự</a:t>
+            </a:r>
+            <a:r>
+              <a:rPr lang="en-US" sz="2400" b="0" strike="noStrike" spc="-1" dirty="0" smtClean="0">
+                <a:solidFill>
+                  <a:srgbClr val="404040"/>
+                </a:solidFill>
+                <a:latin typeface="Times New Roman"/>
+              </a:rPr>
+              <a:t> </a:t>
+            </a:r>
+            <a:r>
+              <a:rPr lang="en-US" sz="2400" b="0" strike="noStrike" spc="-1" dirty="0" err="1" smtClean="0">
+                <a:solidFill>
+                  <a:srgbClr val="404040"/>
+                </a:solidFill>
+                <a:latin typeface="Times New Roman"/>
+              </a:rPr>
+              <a:t>như</a:t>
+            </a:r>
+            <a:r>
+              <a:rPr lang="en-US" sz="2400" b="0" strike="noStrike" spc="-1" dirty="0" smtClean="0">
+                <a:solidFill>
+                  <a:srgbClr val="404040"/>
+                </a:solidFill>
+                <a:latin typeface="Times New Roman"/>
+              </a:rPr>
+              <a:t> 1 socket.</a:t>
+            </a:r>
+            <a:endParaRPr lang="en-US" sz="2400" b="0" strike="noStrike" spc="-1" dirty="0">
+              <a:solidFill>
+                <a:srgbClr val="404040"/>
+              </a:solidFill>
+              <a:latin typeface="Times New Roman"/>
+            </a:endParaRPr>
           </a:p>
         </p:txBody>
       </p:sp>
@@ -41047,7 +40823,7 @@
                 </a:solidFill>
                 <a:latin typeface="Times New Roman"/>
               </a:rPr>
-              <a:t>12/21/19</a:t>
+              <a:t>12/23/19</a:t>
             </a:fld>
             <a:endParaRPr lang="en-US" sz="1050" b="0" strike="noStrike" spc="-1">
               <a:latin typeface="Times New Roman"/>
@@ -41095,7 +40871,7 @@
                 </a:solidFill>
                 <a:latin typeface="Times New Roman"/>
               </a:rPr>
-              <a:t>8</a:t>
+              <a:t>7</a:t>
             </a:fld>
             <a:endParaRPr lang="en-US" sz="1050" b="0" strike="noStrike" spc="-1">
               <a:latin typeface="Times New Roman"/>
@@ -41143,7 +40919,7 @@
 </p:sld>
 </file>
 
-<file path=ppt/slides/slide9.xml><?xml version="1.0" encoding="utf-8"?>
+<file path=ppt/slides/slide8.xml><?xml version="1.0" encoding="utf-8"?>
 <p:sld xmlns:a="http://schemas.openxmlformats.org/drawingml/2006/main" xmlns:r="http://schemas.openxmlformats.org/officeDocument/2006/relationships" xmlns:p="http://schemas.openxmlformats.org/presentationml/2006/main">
   <p:cSld>
     <p:spTree>
@@ -42048,13 +41824,652 @@
               <a:buChar char=""/>
             </a:pPr>
             <a:r>
-              <a:rPr lang="en-US" sz="2400" b="0" strike="noStrike" spc="-1">
+              <a:rPr lang="en-US" sz="2400" b="0" strike="noStrike" spc="-1" dirty="0" err="1">
                 <a:solidFill>
                   <a:srgbClr val="404040"/>
                 </a:solidFill>
                 <a:latin typeface="Times New Roman"/>
               </a:rPr>
-              <a:t>Mục tiêu chính của phương pháp này là làm cho lời gọi từ xa RPC tương tự như thể lời gọi thủ tục thông thường cục bộ và ẩn đi việc truyền dữ liệu đi về qua mạng.</a:t>
+              <a:t>Mục</a:t>
+            </a:r>
+            <a:r>
+              <a:rPr lang="en-US" sz="2400" b="0" strike="noStrike" spc="-1" dirty="0">
+                <a:solidFill>
+                  <a:srgbClr val="404040"/>
+                </a:solidFill>
+                <a:latin typeface="Times New Roman"/>
+              </a:rPr>
+              <a:t> </a:t>
+            </a:r>
+            <a:r>
+              <a:rPr lang="en-US" sz="2400" b="0" strike="noStrike" spc="-1" dirty="0" err="1">
+                <a:solidFill>
+                  <a:srgbClr val="404040"/>
+                </a:solidFill>
+                <a:latin typeface="Times New Roman"/>
+              </a:rPr>
+              <a:t>tiêu</a:t>
+            </a:r>
+            <a:r>
+              <a:rPr lang="en-US" sz="2400" b="0" strike="noStrike" spc="-1" dirty="0">
+                <a:solidFill>
+                  <a:srgbClr val="404040"/>
+                </a:solidFill>
+                <a:latin typeface="Times New Roman"/>
+              </a:rPr>
+              <a:t> </a:t>
+            </a:r>
+            <a:r>
+              <a:rPr lang="en-US" sz="2400" b="0" strike="noStrike" spc="-1" dirty="0" err="1">
+                <a:solidFill>
+                  <a:srgbClr val="404040"/>
+                </a:solidFill>
+                <a:latin typeface="Times New Roman"/>
+              </a:rPr>
+              <a:t>chính</a:t>
+            </a:r>
+            <a:r>
+              <a:rPr lang="en-US" sz="2400" b="0" strike="noStrike" spc="-1" dirty="0">
+                <a:solidFill>
+                  <a:srgbClr val="404040"/>
+                </a:solidFill>
+                <a:latin typeface="Times New Roman"/>
+              </a:rPr>
+              <a:t> </a:t>
+            </a:r>
+            <a:r>
+              <a:rPr lang="en-US" sz="2400" b="0" strike="noStrike" spc="-1" dirty="0" err="1">
+                <a:solidFill>
+                  <a:srgbClr val="404040"/>
+                </a:solidFill>
+                <a:latin typeface="Times New Roman"/>
+              </a:rPr>
+              <a:t>của</a:t>
+            </a:r>
+            <a:r>
+              <a:rPr lang="en-US" sz="2400" b="0" strike="noStrike" spc="-1" dirty="0">
+                <a:solidFill>
+                  <a:srgbClr val="404040"/>
+                </a:solidFill>
+                <a:latin typeface="Times New Roman"/>
+              </a:rPr>
+              <a:t> </a:t>
+            </a:r>
+            <a:r>
+              <a:rPr lang="en-US" sz="2400" b="0" strike="noStrike" spc="-1" dirty="0" err="1">
+                <a:solidFill>
+                  <a:srgbClr val="404040"/>
+                </a:solidFill>
+                <a:latin typeface="Times New Roman"/>
+              </a:rPr>
+              <a:t>phương</a:t>
+            </a:r>
+            <a:r>
+              <a:rPr lang="en-US" sz="2400" b="0" strike="noStrike" spc="-1" dirty="0">
+                <a:solidFill>
+                  <a:srgbClr val="404040"/>
+                </a:solidFill>
+                <a:latin typeface="Times New Roman"/>
+              </a:rPr>
+              <a:t> </a:t>
+            </a:r>
+            <a:r>
+              <a:rPr lang="en-US" sz="2400" b="0" strike="noStrike" spc="-1" dirty="0" err="1">
+                <a:solidFill>
+                  <a:srgbClr val="404040"/>
+                </a:solidFill>
+                <a:latin typeface="Times New Roman"/>
+              </a:rPr>
+              <a:t>pháp</a:t>
+            </a:r>
+            <a:r>
+              <a:rPr lang="en-US" sz="2400" b="0" strike="noStrike" spc="-1" dirty="0">
+                <a:solidFill>
+                  <a:srgbClr val="404040"/>
+                </a:solidFill>
+                <a:latin typeface="Times New Roman"/>
+              </a:rPr>
+              <a:t> </a:t>
+            </a:r>
+            <a:r>
+              <a:rPr lang="en-US" sz="2400" b="0" strike="noStrike" spc="-1" dirty="0" err="1">
+                <a:solidFill>
+                  <a:srgbClr val="404040"/>
+                </a:solidFill>
+                <a:latin typeface="Times New Roman"/>
+              </a:rPr>
+              <a:t>này</a:t>
+            </a:r>
+            <a:r>
+              <a:rPr lang="en-US" sz="2400" b="0" strike="noStrike" spc="-1" dirty="0">
+                <a:solidFill>
+                  <a:srgbClr val="404040"/>
+                </a:solidFill>
+                <a:latin typeface="Times New Roman"/>
+              </a:rPr>
+              <a:t> </a:t>
+            </a:r>
+            <a:r>
+              <a:rPr lang="en-US" sz="2400" b="0" strike="noStrike" spc="-1" dirty="0" err="1">
+                <a:solidFill>
+                  <a:srgbClr val="404040"/>
+                </a:solidFill>
+                <a:latin typeface="Times New Roman"/>
+              </a:rPr>
+              <a:t>là</a:t>
+            </a:r>
+            <a:r>
+              <a:rPr lang="en-US" sz="2400" b="0" strike="noStrike" spc="-1" dirty="0">
+                <a:solidFill>
+                  <a:srgbClr val="404040"/>
+                </a:solidFill>
+                <a:latin typeface="Times New Roman"/>
+              </a:rPr>
+              <a:t> </a:t>
+            </a:r>
+            <a:r>
+              <a:rPr lang="en-US" sz="2400" b="0" strike="noStrike" spc="-1" dirty="0" err="1">
+                <a:solidFill>
+                  <a:srgbClr val="404040"/>
+                </a:solidFill>
+                <a:latin typeface="Times New Roman"/>
+              </a:rPr>
+              <a:t>làm</a:t>
+            </a:r>
+            <a:r>
+              <a:rPr lang="en-US" sz="2400" b="0" strike="noStrike" spc="-1" dirty="0">
+                <a:solidFill>
+                  <a:srgbClr val="404040"/>
+                </a:solidFill>
+                <a:latin typeface="Times New Roman"/>
+              </a:rPr>
+              <a:t> </a:t>
+            </a:r>
+            <a:r>
+              <a:rPr lang="en-US" sz="2400" b="0" strike="noStrike" spc="-1" dirty="0" err="1">
+                <a:solidFill>
+                  <a:srgbClr val="404040"/>
+                </a:solidFill>
+                <a:latin typeface="Times New Roman"/>
+              </a:rPr>
+              <a:t>cho</a:t>
+            </a:r>
+            <a:r>
+              <a:rPr lang="en-US" sz="2400" b="0" strike="noStrike" spc="-1" dirty="0">
+                <a:solidFill>
+                  <a:srgbClr val="404040"/>
+                </a:solidFill>
+                <a:latin typeface="Times New Roman"/>
+              </a:rPr>
+              <a:t> </a:t>
+            </a:r>
+            <a:r>
+              <a:rPr lang="en-US" sz="2400" b="0" strike="noStrike" spc="-1" dirty="0" err="1">
+                <a:solidFill>
+                  <a:srgbClr val="404040"/>
+                </a:solidFill>
+                <a:latin typeface="Times New Roman"/>
+              </a:rPr>
+              <a:t>lời</a:t>
+            </a:r>
+            <a:r>
+              <a:rPr lang="en-US" sz="2400" b="0" strike="noStrike" spc="-1" dirty="0">
+                <a:solidFill>
+                  <a:srgbClr val="404040"/>
+                </a:solidFill>
+                <a:latin typeface="Times New Roman"/>
+              </a:rPr>
+              <a:t> </a:t>
+            </a:r>
+            <a:r>
+              <a:rPr lang="en-US" sz="2400" b="0" strike="noStrike" spc="-1" dirty="0" err="1">
+                <a:solidFill>
+                  <a:srgbClr val="404040"/>
+                </a:solidFill>
+                <a:latin typeface="Times New Roman"/>
+              </a:rPr>
+              <a:t>gọi</a:t>
+            </a:r>
+            <a:r>
+              <a:rPr lang="en-US" sz="2400" b="0" strike="noStrike" spc="-1" dirty="0">
+                <a:solidFill>
+                  <a:srgbClr val="404040"/>
+                </a:solidFill>
+                <a:latin typeface="Times New Roman"/>
+              </a:rPr>
+              <a:t> </a:t>
+            </a:r>
+            <a:r>
+              <a:rPr lang="en-US" sz="2400" b="0" strike="noStrike" spc="-1" dirty="0" err="1">
+                <a:solidFill>
+                  <a:srgbClr val="404040"/>
+                </a:solidFill>
+                <a:latin typeface="Times New Roman"/>
+              </a:rPr>
+              <a:t>từ</a:t>
+            </a:r>
+            <a:r>
+              <a:rPr lang="en-US" sz="2400" b="0" strike="noStrike" spc="-1" dirty="0">
+                <a:solidFill>
+                  <a:srgbClr val="404040"/>
+                </a:solidFill>
+                <a:latin typeface="Times New Roman"/>
+              </a:rPr>
+              <a:t> </a:t>
+            </a:r>
+            <a:r>
+              <a:rPr lang="en-US" sz="2400" b="0" strike="noStrike" spc="-1" dirty="0" err="1">
+                <a:solidFill>
+                  <a:srgbClr val="404040"/>
+                </a:solidFill>
+                <a:latin typeface="Times New Roman"/>
+              </a:rPr>
+              <a:t>xa</a:t>
+            </a:r>
+            <a:r>
+              <a:rPr lang="en-US" sz="2400" b="0" strike="noStrike" spc="-1" dirty="0">
+                <a:solidFill>
+                  <a:srgbClr val="404040"/>
+                </a:solidFill>
+                <a:latin typeface="Times New Roman"/>
+              </a:rPr>
+              <a:t> RPC </a:t>
+            </a:r>
+            <a:r>
+              <a:rPr lang="en-US" sz="2400" b="0" strike="noStrike" spc="-1" dirty="0" err="1">
+                <a:solidFill>
+                  <a:srgbClr val="404040"/>
+                </a:solidFill>
+                <a:latin typeface="Times New Roman"/>
+              </a:rPr>
+              <a:t>tương</a:t>
+            </a:r>
+            <a:r>
+              <a:rPr lang="en-US" sz="2400" b="0" strike="noStrike" spc="-1" dirty="0">
+                <a:solidFill>
+                  <a:srgbClr val="404040"/>
+                </a:solidFill>
+                <a:latin typeface="Times New Roman"/>
+              </a:rPr>
+              <a:t> </a:t>
+            </a:r>
+            <a:r>
+              <a:rPr lang="en-US" sz="2400" b="0" strike="noStrike" spc="-1" dirty="0" err="1">
+                <a:solidFill>
+                  <a:srgbClr val="404040"/>
+                </a:solidFill>
+                <a:latin typeface="Times New Roman"/>
+              </a:rPr>
+              <a:t>tự</a:t>
+            </a:r>
+            <a:r>
+              <a:rPr lang="en-US" sz="2400" b="0" strike="noStrike" spc="-1" dirty="0">
+                <a:solidFill>
+                  <a:srgbClr val="404040"/>
+                </a:solidFill>
+                <a:latin typeface="Times New Roman"/>
+              </a:rPr>
+              <a:t> </a:t>
+            </a:r>
+            <a:r>
+              <a:rPr lang="en-US" sz="2400" b="0" strike="noStrike" spc="-1" dirty="0" err="1">
+                <a:solidFill>
+                  <a:srgbClr val="404040"/>
+                </a:solidFill>
+                <a:latin typeface="Times New Roman"/>
+              </a:rPr>
+              <a:t>như</a:t>
+            </a:r>
+            <a:r>
+              <a:rPr lang="en-US" sz="2400" b="0" strike="noStrike" spc="-1" dirty="0">
+                <a:solidFill>
+                  <a:srgbClr val="404040"/>
+                </a:solidFill>
+                <a:latin typeface="Times New Roman"/>
+              </a:rPr>
+              <a:t> </a:t>
+            </a:r>
+            <a:r>
+              <a:rPr lang="en-US" sz="2400" b="0" strike="noStrike" spc="-1" dirty="0" err="1">
+                <a:solidFill>
+                  <a:srgbClr val="404040"/>
+                </a:solidFill>
+                <a:latin typeface="Times New Roman"/>
+              </a:rPr>
+              <a:t>thể</a:t>
+            </a:r>
+            <a:r>
+              <a:rPr lang="en-US" sz="2400" b="0" strike="noStrike" spc="-1" dirty="0">
+                <a:solidFill>
+                  <a:srgbClr val="404040"/>
+                </a:solidFill>
+                <a:latin typeface="Times New Roman"/>
+              </a:rPr>
+              <a:t> </a:t>
+            </a:r>
+            <a:r>
+              <a:rPr lang="en-US" sz="2400" b="0" strike="noStrike" spc="-1" dirty="0" err="1">
+                <a:solidFill>
+                  <a:srgbClr val="404040"/>
+                </a:solidFill>
+                <a:latin typeface="Times New Roman"/>
+              </a:rPr>
+              <a:t>lời</a:t>
+            </a:r>
+            <a:r>
+              <a:rPr lang="en-US" sz="2400" b="0" strike="noStrike" spc="-1" dirty="0">
+                <a:solidFill>
+                  <a:srgbClr val="404040"/>
+                </a:solidFill>
+                <a:latin typeface="Times New Roman"/>
+              </a:rPr>
+              <a:t> </a:t>
+            </a:r>
+            <a:r>
+              <a:rPr lang="en-US" sz="2400" b="0" strike="noStrike" spc="-1" dirty="0" err="1">
+                <a:solidFill>
+                  <a:srgbClr val="404040"/>
+                </a:solidFill>
+                <a:latin typeface="Times New Roman"/>
+              </a:rPr>
+              <a:t>gọi</a:t>
+            </a:r>
+            <a:r>
+              <a:rPr lang="en-US" sz="2400" b="0" strike="noStrike" spc="-1" dirty="0">
+                <a:solidFill>
+                  <a:srgbClr val="404040"/>
+                </a:solidFill>
+                <a:latin typeface="Times New Roman"/>
+              </a:rPr>
+              <a:t> </a:t>
+            </a:r>
+            <a:r>
+              <a:rPr lang="en-US" sz="2400" b="0" strike="noStrike" spc="-1" dirty="0" err="1">
+                <a:solidFill>
+                  <a:srgbClr val="404040"/>
+                </a:solidFill>
+                <a:latin typeface="Times New Roman"/>
+              </a:rPr>
+              <a:t>thủ</a:t>
+            </a:r>
+            <a:r>
+              <a:rPr lang="en-US" sz="2400" b="0" strike="noStrike" spc="-1" dirty="0">
+                <a:solidFill>
+                  <a:srgbClr val="404040"/>
+                </a:solidFill>
+                <a:latin typeface="Times New Roman"/>
+              </a:rPr>
+              <a:t> </a:t>
+            </a:r>
+            <a:r>
+              <a:rPr lang="en-US" sz="2400" b="0" strike="noStrike" spc="-1" dirty="0" err="1">
+                <a:solidFill>
+                  <a:srgbClr val="404040"/>
+                </a:solidFill>
+                <a:latin typeface="Times New Roman"/>
+              </a:rPr>
+              <a:t>tục</a:t>
+            </a:r>
+            <a:r>
+              <a:rPr lang="en-US" sz="2400" b="0" strike="noStrike" spc="-1" dirty="0">
+                <a:solidFill>
+                  <a:srgbClr val="404040"/>
+                </a:solidFill>
+                <a:latin typeface="Times New Roman"/>
+              </a:rPr>
+              <a:t> </a:t>
+            </a:r>
+            <a:r>
+              <a:rPr lang="en-US" sz="2400" b="0" strike="noStrike" spc="-1" dirty="0" err="1">
+                <a:solidFill>
+                  <a:srgbClr val="404040"/>
+                </a:solidFill>
+                <a:latin typeface="Times New Roman"/>
+              </a:rPr>
+              <a:t>thông</a:t>
+            </a:r>
+            <a:r>
+              <a:rPr lang="en-US" sz="2400" b="0" strike="noStrike" spc="-1" dirty="0">
+                <a:solidFill>
+                  <a:srgbClr val="404040"/>
+                </a:solidFill>
+                <a:latin typeface="Times New Roman"/>
+              </a:rPr>
+              <a:t> </a:t>
+            </a:r>
+            <a:r>
+              <a:rPr lang="en-US" sz="2400" b="0" strike="noStrike" spc="-1" dirty="0" err="1">
+                <a:solidFill>
+                  <a:srgbClr val="404040"/>
+                </a:solidFill>
+                <a:latin typeface="Times New Roman"/>
+              </a:rPr>
+              <a:t>thường</a:t>
+            </a:r>
+            <a:r>
+              <a:rPr lang="en-US" sz="2400" b="0" strike="noStrike" spc="-1" dirty="0">
+                <a:solidFill>
+                  <a:srgbClr val="404040"/>
+                </a:solidFill>
+                <a:latin typeface="Times New Roman"/>
+              </a:rPr>
+              <a:t> </a:t>
+            </a:r>
+            <a:r>
+              <a:rPr lang="en-US" sz="2400" b="0" strike="noStrike" spc="-1" dirty="0" err="1">
+                <a:solidFill>
+                  <a:srgbClr val="404040"/>
+                </a:solidFill>
+                <a:latin typeface="Times New Roman"/>
+              </a:rPr>
+              <a:t>cục</a:t>
+            </a:r>
+            <a:r>
+              <a:rPr lang="en-US" sz="2400" b="0" strike="noStrike" spc="-1" dirty="0">
+                <a:solidFill>
+                  <a:srgbClr val="404040"/>
+                </a:solidFill>
+                <a:latin typeface="Times New Roman"/>
+              </a:rPr>
+              <a:t> </a:t>
+            </a:r>
+            <a:r>
+              <a:rPr lang="en-US" sz="2400" b="0" strike="noStrike" spc="-1" dirty="0" err="1">
+                <a:solidFill>
+                  <a:srgbClr val="404040"/>
+                </a:solidFill>
+                <a:latin typeface="Times New Roman"/>
+              </a:rPr>
+              <a:t>bộ</a:t>
+            </a:r>
+            <a:r>
+              <a:rPr lang="en-US" sz="2400" b="0" strike="noStrike" spc="-1" dirty="0">
+                <a:solidFill>
+                  <a:srgbClr val="404040"/>
+                </a:solidFill>
+                <a:latin typeface="Times New Roman"/>
+              </a:rPr>
+              <a:t> </a:t>
+            </a:r>
+            <a:r>
+              <a:rPr lang="en-US" sz="2400" b="0" strike="noStrike" spc="-1" dirty="0" err="1">
+                <a:solidFill>
+                  <a:srgbClr val="404040"/>
+                </a:solidFill>
+                <a:latin typeface="Times New Roman"/>
+              </a:rPr>
+              <a:t>và</a:t>
+            </a:r>
+            <a:r>
+              <a:rPr lang="en-US" sz="2400" b="0" strike="noStrike" spc="-1" dirty="0">
+                <a:solidFill>
+                  <a:srgbClr val="404040"/>
+                </a:solidFill>
+                <a:latin typeface="Times New Roman"/>
+              </a:rPr>
+              <a:t> </a:t>
+            </a:r>
+            <a:r>
+              <a:rPr lang="en-US" sz="2400" b="0" strike="noStrike" spc="-1" dirty="0" err="1">
+                <a:solidFill>
+                  <a:srgbClr val="404040"/>
+                </a:solidFill>
+                <a:latin typeface="Times New Roman"/>
+              </a:rPr>
+              <a:t>ẩn</a:t>
+            </a:r>
+            <a:r>
+              <a:rPr lang="en-US" sz="2400" b="0" strike="noStrike" spc="-1" dirty="0">
+                <a:solidFill>
+                  <a:srgbClr val="404040"/>
+                </a:solidFill>
+                <a:latin typeface="Times New Roman"/>
+              </a:rPr>
+              <a:t> </a:t>
+            </a:r>
+            <a:r>
+              <a:rPr lang="en-US" sz="2400" b="0" strike="noStrike" spc="-1" dirty="0" err="1">
+                <a:solidFill>
+                  <a:srgbClr val="404040"/>
+                </a:solidFill>
+                <a:latin typeface="Times New Roman"/>
+              </a:rPr>
+              <a:t>đi</a:t>
+            </a:r>
+            <a:r>
+              <a:rPr lang="en-US" sz="2400" b="0" strike="noStrike" spc="-1" dirty="0">
+                <a:solidFill>
+                  <a:srgbClr val="404040"/>
+                </a:solidFill>
+                <a:latin typeface="Times New Roman"/>
+              </a:rPr>
+              <a:t> </a:t>
+            </a:r>
+            <a:r>
+              <a:rPr lang="en-US" sz="2400" b="0" strike="noStrike" spc="-1" dirty="0" err="1">
+                <a:solidFill>
+                  <a:srgbClr val="404040"/>
+                </a:solidFill>
+                <a:latin typeface="Times New Roman"/>
+              </a:rPr>
+              <a:t>việc</a:t>
+            </a:r>
+            <a:r>
+              <a:rPr lang="en-US" sz="2400" b="0" strike="noStrike" spc="-1" dirty="0">
+                <a:solidFill>
+                  <a:srgbClr val="404040"/>
+                </a:solidFill>
+                <a:latin typeface="Times New Roman"/>
+              </a:rPr>
+              <a:t> </a:t>
+            </a:r>
+            <a:r>
+              <a:rPr lang="en-US" sz="2400" b="0" strike="noStrike" spc="-1" dirty="0" err="1">
+                <a:solidFill>
+                  <a:srgbClr val="404040"/>
+                </a:solidFill>
+                <a:latin typeface="Times New Roman"/>
+              </a:rPr>
+              <a:t>truyền</a:t>
+            </a:r>
+            <a:r>
+              <a:rPr lang="en-US" sz="2400" b="0" strike="noStrike" spc="-1" dirty="0">
+                <a:solidFill>
+                  <a:srgbClr val="404040"/>
+                </a:solidFill>
+                <a:latin typeface="Times New Roman"/>
+              </a:rPr>
+              <a:t> </a:t>
+            </a:r>
+            <a:r>
+              <a:rPr lang="en-US" sz="2400" b="0" strike="noStrike" spc="-1" dirty="0" err="1">
+                <a:solidFill>
+                  <a:srgbClr val="404040"/>
+                </a:solidFill>
+                <a:latin typeface="Times New Roman"/>
+              </a:rPr>
+              <a:t>dữ</a:t>
+            </a:r>
+            <a:r>
+              <a:rPr lang="en-US" sz="2400" b="0" strike="noStrike" spc="-1" dirty="0">
+                <a:solidFill>
+                  <a:srgbClr val="404040"/>
+                </a:solidFill>
+                <a:latin typeface="Times New Roman"/>
+              </a:rPr>
+              <a:t> </a:t>
+            </a:r>
+            <a:r>
+              <a:rPr lang="en-US" sz="2400" b="0" strike="noStrike" spc="-1" dirty="0" err="1">
+                <a:solidFill>
+                  <a:srgbClr val="404040"/>
+                </a:solidFill>
+                <a:latin typeface="Times New Roman"/>
+              </a:rPr>
+              <a:t>liệu</a:t>
+            </a:r>
+            <a:r>
+              <a:rPr lang="en-US" sz="2400" b="0" strike="noStrike" spc="-1" dirty="0">
+                <a:solidFill>
+                  <a:srgbClr val="404040"/>
+                </a:solidFill>
+                <a:latin typeface="Times New Roman"/>
+              </a:rPr>
+              <a:t> </a:t>
+            </a:r>
+            <a:r>
+              <a:rPr lang="en-US" sz="2400" b="0" strike="noStrike" spc="-1" dirty="0" err="1">
+                <a:solidFill>
+                  <a:srgbClr val="404040"/>
+                </a:solidFill>
+                <a:latin typeface="Times New Roman"/>
+              </a:rPr>
+              <a:t>đi</a:t>
+            </a:r>
+            <a:r>
+              <a:rPr lang="en-US" sz="2400" b="0" strike="noStrike" spc="-1" dirty="0">
+                <a:solidFill>
+                  <a:srgbClr val="404040"/>
+                </a:solidFill>
+                <a:latin typeface="Times New Roman"/>
+              </a:rPr>
+              <a:t> </a:t>
+            </a:r>
+            <a:r>
+              <a:rPr lang="en-US" sz="2400" b="0" strike="noStrike" spc="-1" dirty="0" err="1">
+                <a:solidFill>
+                  <a:srgbClr val="404040"/>
+                </a:solidFill>
+                <a:latin typeface="Times New Roman"/>
+              </a:rPr>
+              <a:t>về</a:t>
+            </a:r>
+            <a:r>
+              <a:rPr lang="en-US" sz="2400" b="0" strike="noStrike" spc="-1" dirty="0">
+                <a:solidFill>
+                  <a:srgbClr val="404040"/>
+                </a:solidFill>
+                <a:latin typeface="Times New Roman"/>
+              </a:rPr>
+              <a:t> qua </a:t>
+            </a:r>
+            <a:r>
+              <a:rPr lang="en-US" sz="2400" b="0" strike="noStrike" spc="-1" dirty="0" err="1">
+                <a:solidFill>
+                  <a:srgbClr val="404040"/>
+                </a:solidFill>
+                <a:latin typeface="Times New Roman"/>
+              </a:rPr>
+              <a:t>mạng</a:t>
+            </a:r>
+            <a:r>
+              <a:rPr lang="en-US" sz="2400" b="0" strike="noStrike" spc="-1" dirty="0">
+                <a:solidFill>
+                  <a:srgbClr val="404040"/>
+                </a:solidFill>
+                <a:latin typeface="Times New Roman"/>
+              </a:rPr>
+              <a:t>.</a:t>
             </a:r>
           </a:p>
         </p:txBody>
@@ -42162,7 +42577,7 @@
                 </a:solidFill>
                 <a:latin typeface="Times New Roman"/>
               </a:rPr>
-              <a:t>12/21/19</a:t>
+              <a:t>12/23/19</a:t>
             </a:fld>
             <a:endParaRPr lang="en-US" sz="1050" b="0" strike="noStrike" spc="-1">
               <a:latin typeface="Times New Roman"/>
@@ -42210,7 +42625,7 @@
                 </a:solidFill>
                 <a:latin typeface="Times New Roman"/>
               </a:rPr>
-              <a:t>9</a:t>
+              <a:t>8</a:t>
             </a:fld>
             <a:endParaRPr lang="en-US" sz="1050" b="0" strike="noStrike" spc="-1">
               <a:latin typeface="Times New Roman"/>
@@ -42222,6 +42637,1059 @@
     <p:extLst>
       <p:ext uri="{BB962C8B-B14F-4D97-AF65-F5344CB8AC3E}">
         <p14:creationId xmlns:p14="http://schemas.microsoft.com/office/powerpoint/2010/main" val="2687171390"/>
+      </p:ext>
+    </p:extLst>
+  </p:cSld>
+  <p:clrMapOvr>
+    <a:masterClrMapping/>
+  </p:clrMapOvr>
+  <p:timing>
+    <p:tnLst>
+      <p:par>
+        <p:cTn xmlns:p14="http://schemas.microsoft.com/office/powerpoint/2010/main" id="1" dur="indefinite" restart="never" nodeType="tmRoot">
+          <p:childTnLst>
+            <p:seq>
+              <p:cTn id="2" dur="indefinite" nodeType="mainSeq"/>
+              <p:prevCondLst>
+                <p:cond evt="onPrev" delay="0">
+                  <p:tgtEl>
+                    <p:sldTgt/>
+                  </p:tgtEl>
+                </p:cond>
+              </p:prevCondLst>
+              <p:nextCondLst>
+                <p:cond evt="onNext" delay="0">
+                  <p:tgtEl>
+                    <p:sldTgt/>
+                  </p:tgtEl>
+                </p:cond>
+              </p:nextCondLst>
+            </p:seq>
+          </p:childTnLst>
+        </p:cTn>
+      </p:par>
+    </p:tnLst>
+  </p:timing>
+</p:sld>
+</file>
+
+<file path=ppt/slides/slide9.xml><?xml version="1.0" encoding="utf-8"?>
+<p:sld xmlns:a="http://schemas.openxmlformats.org/drawingml/2006/main" xmlns:r="http://schemas.openxmlformats.org/officeDocument/2006/relationships" xmlns:p="http://schemas.openxmlformats.org/presentationml/2006/main">
+  <p:cSld>
+    <p:spTree>
+      <p:nvGrpSpPr>
+        <p:cNvPr id="1" name=""/>
+        <p:cNvGrpSpPr/>
+        <p:nvPr/>
+      </p:nvGrpSpPr>
+      <p:grpSpPr>
+        <a:xfrm>
+          <a:off x="0" y="0"/>
+          <a:ext cx="0" cy="0"/>
+          <a:chOff x="0" y="0"/>
+          <a:chExt cx="0" cy="0"/>
+        </a:xfrm>
+      </p:grpSpPr>
+      <p:grpSp>
+        <p:nvGrpSpPr>
+          <p:cNvPr id="452" name="Group 1"/>
+          <p:cNvGrpSpPr/>
+          <p:nvPr/>
+        </p:nvGrpSpPr>
+        <p:grpSpPr>
+          <a:xfrm>
+            <a:off x="0" y="-8640"/>
+            <a:ext cx="9143640" cy="6866640"/>
+            <a:chOff x="0" y="-8640"/>
+            <a:chExt cx="9143640" cy="6866640"/>
+          </a:xfrm>
+        </p:grpSpPr>
+        <p:sp>
+          <p:nvSpPr>
+            <p:cNvPr id="453" name="Line 2"/>
+            <p:cNvSpPr/>
+            <p:nvPr/>
+          </p:nvSpPr>
+          <p:spPr>
+            <a:xfrm>
+              <a:off x="7027920" y="0"/>
+              <a:ext cx="914400" cy="6857640"/>
+            </a:xfrm>
+            <a:prstGeom prst="line">
+              <a:avLst/>
+            </a:prstGeom>
+            <a:ln w="9360">
+              <a:solidFill>
+                <a:srgbClr val="BFBFBF"/>
+              </a:solidFill>
+              <a:round/>
+            </a:ln>
+          </p:spPr>
+          <p:style>
+            <a:lnRef idx="0">
+              <a:scrgbClr r="0" g="0" b="0"/>
+            </a:lnRef>
+            <a:fillRef idx="0">
+              <a:scrgbClr r="0" g="0" b="0"/>
+            </a:fillRef>
+            <a:effectRef idx="0">
+              <a:scrgbClr r="0" g="0" b="0"/>
+            </a:effectRef>
+            <a:fontRef idx="minor"/>
+          </p:style>
+        </p:sp>
+        <p:sp>
+          <p:nvSpPr>
+            <p:cNvPr id="454" name="Line 3"/>
+            <p:cNvSpPr/>
+            <p:nvPr/>
+          </p:nvSpPr>
+          <p:spPr>
+            <a:xfrm flipH="1">
+              <a:off x="5568840" y="3681360"/>
+              <a:ext cx="3572640" cy="3176640"/>
+            </a:xfrm>
+            <a:prstGeom prst="line">
+              <a:avLst/>
+            </a:prstGeom>
+            <a:ln w="9360">
+              <a:solidFill>
+                <a:srgbClr val="D9D9D9"/>
+              </a:solidFill>
+              <a:round/>
+            </a:ln>
+          </p:spPr>
+          <p:style>
+            <a:lnRef idx="0">
+              <a:scrgbClr r="0" g="0" b="0"/>
+            </a:lnRef>
+            <a:fillRef idx="0">
+              <a:scrgbClr r="0" g="0" b="0"/>
+            </a:fillRef>
+            <a:effectRef idx="0">
+              <a:scrgbClr r="0" g="0" b="0"/>
+            </a:effectRef>
+            <a:fontRef idx="minor"/>
+          </p:style>
+        </p:sp>
+        <p:sp>
+          <p:nvSpPr>
+            <p:cNvPr id="455" name="CustomShape 4"/>
+            <p:cNvSpPr/>
+            <p:nvPr/>
+          </p:nvSpPr>
+          <p:spPr>
+            <a:xfrm>
+              <a:off x="6886080" y="-8640"/>
+              <a:ext cx="2255040" cy="6866280"/>
+            </a:xfrm>
+            <a:custGeom>
+              <a:avLst/>
+              <a:gdLst/>
+              <a:ahLst/>
+              <a:cxnLst/>
+              <a:rect l="l" t="t" r="r" b="b"/>
+              <a:pathLst>
+                <a:path w="3007349" h="6866467">
+                  <a:moveTo>
+                    <a:pt x="2045532" y="0"/>
+                  </a:moveTo>
+                  <a:lnTo>
+                    <a:pt x="3007349" y="0"/>
+                  </a:lnTo>
+                  <a:lnTo>
+                    <a:pt x="3007349" y="6866467"/>
+                  </a:lnTo>
+                  <a:lnTo>
+                    <a:pt x="0" y="6866467"/>
+                  </a:lnTo>
+                  <a:lnTo>
+                    <a:pt x="2045532" y="0"/>
+                  </a:lnTo>
+                  <a:close/>
+                </a:path>
+              </a:pathLst>
+            </a:custGeom>
+            <a:solidFill>
+              <a:srgbClr val="90C226">
+                <a:alpha val="30000"/>
+              </a:srgbClr>
+            </a:solidFill>
+            <a:ln w="12600">
+              <a:noFill/>
+            </a:ln>
+            <a:effectLst>
+              <a:outerShdw dist="25560" dir="5400000">
+                <a:srgbClr val="000000">
+                  <a:alpha val="35000"/>
+                </a:srgbClr>
+              </a:outerShdw>
+            </a:effectLst>
+          </p:spPr>
+          <p:style>
+            <a:lnRef idx="0">
+              <a:scrgbClr r="0" g="0" b="0"/>
+            </a:lnRef>
+            <a:fillRef idx="0">
+              <a:scrgbClr r="0" g="0" b="0"/>
+            </a:fillRef>
+            <a:effectRef idx="0">
+              <a:scrgbClr r="0" g="0" b="0"/>
+            </a:effectRef>
+            <a:fontRef idx="minor"/>
+          </p:style>
+        </p:sp>
+        <p:sp>
+          <p:nvSpPr>
+            <p:cNvPr id="456" name="CustomShape 5"/>
+            <p:cNvSpPr/>
+            <p:nvPr/>
+          </p:nvSpPr>
+          <p:spPr>
+            <a:xfrm>
+              <a:off x="7202520" y="-8640"/>
+              <a:ext cx="1941120" cy="6866280"/>
+            </a:xfrm>
+            <a:custGeom>
+              <a:avLst/>
+              <a:gdLst/>
+              <a:ahLst/>
+              <a:cxnLst/>
+              <a:rect l="l" t="t" r="r" b="b"/>
+              <a:pathLst>
+                <a:path w="2573311" h="6866467">
+                  <a:moveTo>
+                    <a:pt x="0" y="0"/>
+                  </a:moveTo>
+                  <a:lnTo>
+                    <a:pt x="2573311" y="0"/>
+                  </a:lnTo>
+                  <a:lnTo>
+                    <a:pt x="2573311" y="6866467"/>
+                  </a:lnTo>
+                  <a:lnTo>
+                    <a:pt x="1202336" y="6866467"/>
+                  </a:lnTo>
+                  <a:lnTo>
+                    <a:pt x="0" y="0"/>
+                  </a:lnTo>
+                  <a:close/>
+                </a:path>
+              </a:pathLst>
+            </a:custGeom>
+            <a:solidFill>
+              <a:srgbClr val="90C226">
+                <a:alpha val="20000"/>
+              </a:srgbClr>
+            </a:solidFill>
+            <a:ln w="12600">
+              <a:noFill/>
+            </a:ln>
+            <a:effectLst>
+              <a:outerShdw dist="25560" dir="5400000">
+                <a:srgbClr val="000000">
+                  <a:alpha val="35000"/>
+                </a:srgbClr>
+              </a:outerShdw>
+            </a:effectLst>
+          </p:spPr>
+          <p:style>
+            <a:lnRef idx="0">
+              <a:scrgbClr r="0" g="0" b="0"/>
+            </a:lnRef>
+            <a:fillRef idx="0">
+              <a:scrgbClr r="0" g="0" b="0"/>
+            </a:fillRef>
+            <a:effectRef idx="0">
+              <a:scrgbClr r="0" g="0" b="0"/>
+            </a:effectRef>
+            <a:fontRef idx="minor"/>
+          </p:style>
+        </p:sp>
+        <p:sp>
+          <p:nvSpPr>
+            <p:cNvPr id="457" name="CustomShape 6"/>
+            <p:cNvSpPr/>
+            <p:nvPr/>
+          </p:nvSpPr>
+          <p:spPr>
+            <a:xfrm>
+              <a:off x="6699240" y="3048120"/>
+              <a:ext cx="2444400" cy="3809520"/>
+            </a:xfrm>
+            <a:prstGeom prst="triangle">
+              <a:avLst>
+                <a:gd name="adj" fmla="val 100000"/>
+              </a:avLst>
+            </a:prstGeom>
+            <a:solidFill>
+              <a:srgbClr val="54A021">
+                <a:alpha val="72000"/>
+              </a:srgbClr>
+            </a:solidFill>
+            <a:ln w="12600">
+              <a:noFill/>
+            </a:ln>
+            <a:effectLst>
+              <a:outerShdw dist="25560" dir="5400000">
+                <a:srgbClr val="000000">
+                  <a:alpha val="35000"/>
+                </a:srgbClr>
+              </a:outerShdw>
+            </a:effectLst>
+          </p:spPr>
+          <p:style>
+            <a:lnRef idx="0">
+              <a:scrgbClr r="0" g="0" b="0"/>
+            </a:lnRef>
+            <a:fillRef idx="0">
+              <a:scrgbClr r="0" g="0" b="0"/>
+            </a:fillRef>
+            <a:effectRef idx="0">
+              <a:scrgbClr r="0" g="0" b="0"/>
+            </a:effectRef>
+            <a:fontRef idx="minor"/>
+          </p:style>
+        </p:sp>
+        <p:sp>
+          <p:nvSpPr>
+            <p:cNvPr id="458" name="CustomShape 7"/>
+            <p:cNvSpPr/>
+            <p:nvPr/>
+          </p:nvSpPr>
+          <p:spPr>
+            <a:xfrm>
+              <a:off x="7000920" y="-8640"/>
+              <a:ext cx="2140560" cy="6866280"/>
+            </a:xfrm>
+            <a:custGeom>
+              <a:avLst/>
+              <a:gdLst/>
+              <a:ahLst/>
+              <a:cxnLst/>
+              <a:rect l="l" t="t" r="r" b="b"/>
+              <a:pathLst>
+                <a:path w="2858013" h="6866467">
+                  <a:moveTo>
+                    <a:pt x="0" y="0"/>
+                  </a:moveTo>
+                  <a:lnTo>
+                    <a:pt x="2858013" y="0"/>
+                  </a:lnTo>
+                  <a:lnTo>
+                    <a:pt x="2858013" y="6866467"/>
+                  </a:lnTo>
+                  <a:lnTo>
+                    <a:pt x="2473942" y="6866467"/>
+                  </a:lnTo>
+                  <a:lnTo>
+                    <a:pt x="0" y="0"/>
+                  </a:lnTo>
+                  <a:close/>
+                </a:path>
+              </a:pathLst>
+            </a:custGeom>
+            <a:solidFill>
+              <a:srgbClr val="3F7819">
+                <a:alpha val="70000"/>
+              </a:srgbClr>
+            </a:solidFill>
+            <a:ln w="12600">
+              <a:noFill/>
+            </a:ln>
+            <a:effectLst>
+              <a:outerShdw dist="25560" dir="5400000">
+                <a:srgbClr val="000000">
+                  <a:alpha val="35000"/>
+                </a:srgbClr>
+              </a:outerShdw>
+            </a:effectLst>
+          </p:spPr>
+          <p:style>
+            <a:lnRef idx="0">
+              <a:scrgbClr r="0" g="0" b="0"/>
+            </a:lnRef>
+            <a:fillRef idx="0">
+              <a:scrgbClr r="0" g="0" b="0"/>
+            </a:fillRef>
+            <a:effectRef idx="0">
+              <a:scrgbClr r="0" g="0" b="0"/>
+            </a:effectRef>
+            <a:fontRef idx="minor"/>
+          </p:style>
+        </p:sp>
+        <p:sp>
+          <p:nvSpPr>
+            <p:cNvPr id="459" name="CustomShape 8"/>
+            <p:cNvSpPr/>
+            <p:nvPr/>
+          </p:nvSpPr>
+          <p:spPr>
+            <a:xfrm>
+              <a:off x="8174160" y="-8640"/>
+              <a:ext cx="967320" cy="6866280"/>
+            </a:xfrm>
+            <a:custGeom>
+              <a:avLst/>
+              <a:gdLst/>
+              <a:ahLst/>
+              <a:cxnLst/>
+              <a:rect l="l" t="t" r="r" b="b"/>
+              <a:pathLst>
+                <a:path w="1290094" h="6858000">
+                  <a:moveTo>
+                    <a:pt x="1019735" y="0"/>
+                  </a:moveTo>
+                  <a:lnTo>
+                    <a:pt x="1290094" y="0"/>
+                  </a:lnTo>
+                  <a:lnTo>
+                    <a:pt x="1290094" y="6858000"/>
+                  </a:lnTo>
+                  <a:lnTo>
+                    <a:pt x="0" y="6858000"/>
+                  </a:lnTo>
+                  <a:lnTo>
+                    <a:pt x="1019735" y="0"/>
+                  </a:lnTo>
+                  <a:close/>
+                </a:path>
+              </a:pathLst>
+            </a:custGeom>
+            <a:solidFill>
+              <a:srgbClr val="C0E474">
+                <a:alpha val="70000"/>
+              </a:srgbClr>
+            </a:solidFill>
+            <a:ln w="12600">
+              <a:noFill/>
+            </a:ln>
+            <a:effectLst>
+              <a:outerShdw dist="25560" dir="5400000">
+                <a:srgbClr val="000000">
+                  <a:alpha val="35000"/>
+                </a:srgbClr>
+              </a:outerShdw>
+            </a:effectLst>
+          </p:spPr>
+          <p:style>
+            <a:lnRef idx="0">
+              <a:scrgbClr r="0" g="0" b="0"/>
+            </a:lnRef>
+            <a:fillRef idx="0">
+              <a:scrgbClr r="0" g="0" b="0"/>
+            </a:fillRef>
+            <a:effectRef idx="0">
+              <a:scrgbClr r="0" g="0" b="0"/>
+            </a:effectRef>
+            <a:fontRef idx="minor"/>
+          </p:style>
+        </p:sp>
+        <p:sp>
+          <p:nvSpPr>
+            <p:cNvPr id="460" name="CustomShape 9"/>
+            <p:cNvSpPr/>
+            <p:nvPr/>
+          </p:nvSpPr>
+          <p:spPr>
+            <a:xfrm>
+              <a:off x="8204400" y="-8640"/>
+              <a:ext cx="937080" cy="6866280"/>
+            </a:xfrm>
+            <a:custGeom>
+              <a:avLst/>
+              <a:gdLst/>
+              <a:ahLst/>
+              <a:cxnLst/>
+              <a:rect l="l" t="t" r="r" b="b"/>
+              <a:pathLst>
+                <a:path w="1249825" h="6858000">
+                  <a:moveTo>
+                    <a:pt x="0" y="0"/>
+                  </a:moveTo>
+                  <a:lnTo>
+                    <a:pt x="1249825" y="0"/>
+                  </a:lnTo>
+                  <a:lnTo>
+                    <a:pt x="1249825" y="6858000"/>
+                  </a:lnTo>
+                  <a:lnTo>
+                    <a:pt x="1109382" y="6858000"/>
+                  </a:lnTo>
+                  <a:lnTo>
+                    <a:pt x="0" y="0"/>
+                  </a:lnTo>
+                  <a:close/>
+                </a:path>
+              </a:pathLst>
+            </a:custGeom>
+            <a:solidFill>
+              <a:srgbClr val="90C226">
+                <a:alpha val="65000"/>
+              </a:srgbClr>
+            </a:solidFill>
+            <a:ln w="12600">
+              <a:noFill/>
+            </a:ln>
+            <a:effectLst>
+              <a:outerShdw dist="25560" dir="5400000">
+                <a:srgbClr val="000000">
+                  <a:alpha val="35000"/>
+                </a:srgbClr>
+              </a:outerShdw>
+            </a:effectLst>
+          </p:spPr>
+          <p:style>
+            <a:lnRef idx="0">
+              <a:scrgbClr r="0" g="0" b="0"/>
+            </a:lnRef>
+            <a:fillRef idx="0">
+              <a:scrgbClr r="0" g="0" b="0"/>
+            </a:fillRef>
+            <a:effectRef idx="0">
+              <a:scrgbClr r="0" g="0" b="0"/>
+            </a:effectRef>
+            <a:fontRef idx="minor"/>
+          </p:style>
+        </p:sp>
+        <p:sp>
+          <p:nvSpPr>
+            <p:cNvPr id="461" name="CustomShape 10"/>
+            <p:cNvSpPr/>
+            <p:nvPr/>
+          </p:nvSpPr>
+          <p:spPr>
+            <a:xfrm>
+              <a:off x="7778880" y="3589920"/>
+              <a:ext cx="1362600" cy="3267720"/>
+            </a:xfrm>
+            <a:prstGeom prst="triangle">
+              <a:avLst>
+                <a:gd name="adj" fmla="val 100000"/>
+              </a:avLst>
+            </a:prstGeom>
+            <a:solidFill>
+              <a:srgbClr val="90C226">
+                <a:alpha val="80000"/>
+              </a:srgbClr>
+            </a:solidFill>
+            <a:ln w="12600">
+              <a:noFill/>
+            </a:ln>
+            <a:effectLst>
+              <a:outerShdw dist="25560" dir="5400000">
+                <a:srgbClr val="000000">
+                  <a:alpha val="35000"/>
+                </a:srgbClr>
+              </a:outerShdw>
+            </a:effectLst>
+          </p:spPr>
+          <p:style>
+            <a:lnRef idx="0">
+              <a:scrgbClr r="0" g="0" b="0"/>
+            </a:lnRef>
+            <a:fillRef idx="0">
+              <a:scrgbClr r="0" g="0" b="0"/>
+            </a:fillRef>
+            <a:effectRef idx="0">
+              <a:scrgbClr r="0" g="0" b="0"/>
+            </a:effectRef>
+            <a:fontRef idx="minor"/>
+          </p:style>
+        </p:sp>
+        <p:sp>
+          <p:nvSpPr>
+            <p:cNvPr id="462" name="CustomShape 11"/>
+            <p:cNvSpPr/>
+            <p:nvPr/>
+          </p:nvSpPr>
+          <p:spPr>
+            <a:xfrm>
+              <a:off x="0" y="4013280"/>
+              <a:ext cx="336240" cy="2844360"/>
+            </a:xfrm>
+            <a:prstGeom prst="triangle">
+              <a:avLst>
+                <a:gd name="adj" fmla="val 0"/>
+              </a:avLst>
+            </a:prstGeom>
+            <a:solidFill>
+              <a:srgbClr val="90C226">
+                <a:alpha val="85000"/>
+              </a:srgbClr>
+            </a:solidFill>
+            <a:ln w="12600">
+              <a:noFill/>
+            </a:ln>
+            <a:effectLst>
+              <a:outerShdw dist="25560" dir="5400000">
+                <a:srgbClr val="000000">
+                  <a:alpha val="35000"/>
+                </a:srgbClr>
+              </a:outerShdw>
+            </a:effectLst>
+          </p:spPr>
+          <p:style>
+            <a:lnRef idx="0">
+              <a:scrgbClr r="0" g="0" b="0"/>
+            </a:lnRef>
+            <a:fillRef idx="0">
+              <a:scrgbClr r="0" g="0" b="0"/>
+            </a:fillRef>
+            <a:effectRef idx="0">
+              <a:scrgbClr r="0" g="0" b="0"/>
+            </a:effectRef>
+            <a:fontRef idx="minor"/>
+          </p:style>
+        </p:sp>
+      </p:grpSp>
+      <p:sp>
+        <p:nvSpPr>
+          <p:cNvPr id="463" name="TextShape 12"/>
+          <p:cNvSpPr txBox="1"/>
+          <p:nvPr/>
+        </p:nvSpPr>
+        <p:spPr>
+          <a:xfrm>
+            <a:off x="1000080" y="609480"/>
+            <a:ext cx="6447240" cy="1320480"/>
+          </a:xfrm>
+          <a:prstGeom prst="rect">
+            <a:avLst/>
+          </a:prstGeom>
+          <a:noFill/>
+          <a:ln>
+            <a:noFill/>
+          </a:ln>
+        </p:spPr>
+        <p:txBody>
+          <a:bodyPr>
+            <a:normAutofit/>
+          </a:bodyPr>
+          <a:lstStyle/>
+          <a:p>
+            <a:pPr>
+              <a:lnSpc>
+                <a:spcPct val="100000"/>
+              </a:lnSpc>
+            </a:pPr>
+            <a:r>
+              <a:rPr lang="en-US" sz="4000" b="1" strike="noStrike" spc="-1">
+                <a:solidFill>
+                  <a:srgbClr val="90C226"/>
+                </a:solidFill>
+                <a:latin typeface="Times New Roman"/>
+              </a:rPr>
+              <a:t>RPC?</a:t>
+            </a:r>
+            <a:endParaRPr lang="en-US" sz="4000" b="0" strike="noStrike" spc="-1">
+              <a:solidFill>
+                <a:srgbClr val="000000"/>
+              </a:solidFill>
+              <a:latin typeface="Trebuchet MS"/>
+            </a:endParaRPr>
+          </a:p>
+        </p:txBody>
+      </p:sp>
+      <p:sp>
+        <p:nvSpPr>
+          <p:cNvPr id="464" name="CustomShape 13"/>
+          <p:cNvSpPr/>
+          <p:nvPr/>
+        </p:nvSpPr>
+        <p:spPr>
+          <a:xfrm flipV="1">
+            <a:off x="0" y="-1440"/>
+            <a:ext cx="336240" cy="2844360"/>
+          </a:xfrm>
+          <a:prstGeom prst="triangle">
+            <a:avLst>
+              <a:gd name="adj" fmla="val 0"/>
+            </a:avLst>
+          </a:prstGeom>
+          <a:solidFill>
+            <a:srgbClr val="90C226">
+              <a:alpha val="85000"/>
+            </a:srgbClr>
+          </a:solidFill>
+          <a:ln w="12600">
+            <a:noFill/>
+          </a:ln>
+          <a:effectLst>
+            <a:outerShdw dist="25560" dir="5400000">
+              <a:srgbClr val="000000">
+                <a:alpha val="35000"/>
+              </a:srgbClr>
+            </a:outerShdw>
+          </a:effectLst>
+        </p:spPr>
+        <p:style>
+          <a:lnRef idx="0">
+            <a:scrgbClr r="0" g="0" b="0"/>
+          </a:lnRef>
+          <a:fillRef idx="0">
+            <a:scrgbClr r="0" g="0" b="0"/>
+          </a:fillRef>
+          <a:effectRef idx="0">
+            <a:scrgbClr r="0" g="0" b="0"/>
+          </a:effectRef>
+          <a:fontRef idx="minor"/>
+        </p:style>
+      </p:sp>
+      <p:sp>
+        <p:nvSpPr>
+          <p:cNvPr id="465" name="TextShape 14"/>
+          <p:cNvSpPr txBox="1"/>
+          <p:nvPr/>
+        </p:nvSpPr>
+        <p:spPr>
+          <a:xfrm>
+            <a:off x="155160" y="6041520"/>
+            <a:ext cx="5075640" cy="364680"/>
+          </a:xfrm>
+          <a:prstGeom prst="rect">
+            <a:avLst/>
+          </a:prstGeom>
+          <a:noFill/>
+          <a:ln>
+            <a:noFill/>
+          </a:ln>
+        </p:spPr>
+        <p:txBody>
+          <a:bodyPr anchor="ctr">
+            <a:normAutofit/>
+          </a:bodyPr>
+          <a:lstStyle/>
+          <a:p>
+            <a:pPr>
+              <a:lnSpc>
+                <a:spcPct val="100000"/>
+              </a:lnSpc>
+              <a:spcAft>
+                <a:spcPts val="601"/>
+              </a:spcAft>
+            </a:pPr>
+            <a:r>
+              <a:rPr lang="en-US" sz="1000" b="0" strike="noStrike" spc="-1">
+                <a:solidFill>
+                  <a:srgbClr val="8B8B8B"/>
+                </a:solidFill>
+                <a:latin typeface="Times New Roman"/>
+              </a:rPr>
+              <a:t>ĐỂ TÀI: </a:t>
+            </a:r>
+            <a:r>
+              <a:rPr lang="en-US" sz="1000" b="1" strike="noStrike" spc="-1">
+                <a:solidFill>
+                  <a:srgbClr val="8B8B8B"/>
+                </a:solidFill>
+                <a:latin typeface="Times New Roman"/>
+              </a:rPr>
+              <a:t>XÂY DỰNG WEBSITE BÁN HÀNG</a:t>
+            </a:r>
+            <a:endParaRPr lang="en-US" sz="1000" b="0" strike="noStrike" spc="-1">
+              <a:latin typeface="Times New Roman"/>
+            </a:endParaRPr>
+          </a:p>
+        </p:txBody>
+      </p:sp>
+      <p:sp>
+        <p:nvSpPr>
+          <p:cNvPr id="466" name="CustomShape 15"/>
+          <p:cNvSpPr/>
+          <p:nvPr/>
+        </p:nvSpPr>
+        <p:spPr>
+          <a:xfrm>
+            <a:off x="5803920" y="3818520"/>
+            <a:ext cx="3337200" cy="3039120"/>
+          </a:xfrm>
+          <a:prstGeom prst="triangle">
+            <a:avLst>
+              <a:gd name="adj" fmla="val 100000"/>
+            </a:avLst>
+          </a:prstGeom>
+          <a:solidFill>
+            <a:srgbClr val="E6B91E"/>
+          </a:solidFill>
+          <a:ln w="12600">
+            <a:noFill/>
+          </a:ln>
+          <a:effectLst>
+            <a:outerShdw dist="25560" dir="5400000">
+              <a:srgbClr val="000000">
+                <a:alpha val="35000"/>
+              </a:srgbClr>
+            </a:outerShdw>
+          </a:effectLst>
+        </p:spPr>
+        <p:style>
+          <a:lnRef idx="0">
+            <a:scrgbClr r="0" g="0" b="0"/>
+          </a:lnRef>
+          <a:fillRef idx="0">
+            <a:scrgbClr r="0" g="0" b="0"/>
+          </a:fillRef>
+          <a:effectRef idx="0">
+            <a:scrgbClr r="0" g="0" b="0"/>
+          </a:effectRef>
+          <a:fontRef idx="minor"/>
+        </p:style>
+      </p:sp>
+      <p:sp>
+        <p:nvSpPr>
+          <p:cNvPr id="467" name="Line 16"/>
+          <p:cNvSpPr/>
+          <p:nvPr/>
+        </p:nvSpPr>
+        <p:spPr>
+          <a:xfrm>
+            <a:off x="7600680" y="0"/>
+            <a:ext cx="1295640" cy="6858000"/>
+          </a:xfrm>
+          <a:prstGeom prst="line">
+            <a:avLst/>
+          </a:prstGeom>
+          <a:ln w="15840">
+            <a:solidFill>
+              <a:srgbClr val="54A021"/>
+            </a:solidFill>
+            <a:bevel/>
+          </a:ln>
+        </p:spPr>
+        <p:style>
+          <a:lnRef idx="0">
+            <a:scrgbClr r="0" g="0" b="0"/>
+          </a:lnRef>
+          <a:fillRef idx="0">
+            <a:scrgbClr r="0" g="0" b="0"/>
+          </a:fillRef>
+          <a:effectRef idx="0">
+            <a:scrgbClr r="0" g="0" b="0"/>
+          </a:effectRef>
+          <a:fontRef idx="minor"/>
+        </p:style>
+      </p:sp>
+      <p:sp>
+        <p:nvSpPr>
+          <p:cNvPr id="468" name="Line 17"/>
+          <p:cNvSpPr/>
+          <p:nvPr/>
+        </p:nvSpPr>
+        <p:spPr>
+          <a:xfrm flipH="1">
+            <a:off x="5568840" y="3681360"/>
+            <a:ext cx="3572640" cy="3176640"/>
+          </a:xfrm>
+          <a:prstGeom prst="line">
+            <a:avLst/>
+          </a:prstGeom>
+          <a:ln w="15840">
+            <a:solidFill>
+              <a:srgbClr val="90C226"/>
+            </a:solidFill>
+            <a:round/>
+          </a:ln>
+        </p:spPr>
+        <p:style>
+          <a:lnRef idx="0">
+            <a:scrgbClr r="0" g="0" b="0"/>
+          </a:lnRef>
+          <a:fillRef idx="0">
+            <a:scrgbClr r="0" g="0" b="0"/>
+          </a:fillRef>
+          <a:effectRef idx="0">
+            <a:scrgbClr r="0" g="0" b="0"/>
+          </a:effectRef>
+          <a:fontRef idx="minor"/>
+        </p:style>
+      </p:sp>
+      <p:sp>
+        <p:nvSpPr>
+          <p:cNvPr id="469" name="CustomShape 18"/>
+          <p:cNvSpPr/>
+          <p:nvPr/>
+        </p:nvSpPr>
+        <p:spPr>
+          <a:xfrm>
+            <a:off x="7819200" y="0"/>
+            <a:ext cx="1324440" cy="6857640"/>
+          </a:xfrm>
+          <a:custGeom>
+            <a:avLst/>
+            <a:gdLst/>
+            <a:ahLst/>
+            <a:cxnLst/>
+            <a:rect l="l" t="t" r="r" b="b"/>
+            <a:pathLst>
+              <a:path w="2858013" h="6866467">
+                <a:moveTo>
+                  <a:pt x="0" y="0"/>
+                </a:moveTo>
+                <a:lnTo>
+                  <a:pt x="2858013" y="0"/>
+                </a:lnTo>
+                <a:lnTo>
+                  <a:pt x="2858013" y="6866467"/>
+                </a:lnTo>
+                <a:lnTo>
+                  <a:pt x="2473942" y="6866467"/>
+                </a:lnTo>
+                <a:lnTo>
+                  <a:pt x="0" y="0"/>
+                </a:lnTo>
+                <a:close/>
+              </a:path>
+            </a:pathLst>
+          </a:custGeom>
+          <a:solidFill>
+            <a:srgbClr val="54A021"/>
+          </a:solidFill>
+          <a:ln w="12600">
+            <a:noFill/>
+          </a:ln>
+          <a:effectLst>
+            <a:outerShdw dist="25560" dir="5400000">
+              <a:srgbClr val="000000">
+                <a:alpha val="35000"/>
+              </a:srgbClr>
+            </a:outerShdw>
+          </a:effectLst>
+        </p:spPr>
+        <p:style>
+          <a:lnRef idx="0">
+            <a:scrgbClr r="0" g="0" b="0"/>
+          </a:lnRef>
+          <a:fillRef idx="0">
+            <a:scrgbClr r="0" g="0" b="0"/>
+          </a:fillRef>
+          <a:effectRef idx="0">
+            <a:scrgbClr r="0" g="0" b="0"/>
+          </a:effectRef>
+          <a:fontRef idx="minor"/>
+        </p:style>
+      </p:sp>
+      <p:sp>
+        <p:nvSpPr>
+          <p:cNvPr id="470" name="TextShape 19"/>
+          <p:cNvSpPr txBox="1"/>
+          <p:nvPr/>
+        </p:nvSpPr>
+        <p:spPr>
+          <a:xfrm>
+            <a:off x="6531480" y="6041520"/>
+            <a:ext cx="1530000" cy="364680"/>
+          </a:xfrm>
+          <a:prstGeom prst="rect">
+            <a:avLst/>
+          </a:prstGeom>
+          <a:noFill/>
+          <a:ln>
+            <a:noFill/>
+          </a:ln>
+        </p:spPr>
+        <p:txBody>
+          <a:bodyPr anchor="ctr"/>
+          <a:lstStyle/>
+          <a:p>
+            <a:pPr algn="r">
+              <a:lnSpc>
+                <a:spcPct val="100000"/>
+              </a:lnSpc>
+              <a:spcAft>
+                <a:spcPts val="601"/>
+              </a:spcAft>
+            </a:pPr>
+            <a:fld id="{197CDD17-2EDD-496D-ABC6-DAA3B142850E}" type="datetime">
+              <a:rPr lang="en-US" sz="1050" b="1" strike="noStrike" spc="-1">
+                <a:solidFill>
+                  <a:srgbClr val="FFFFFF"/>
+                </a:solidFill>
+                <a:latin typeface="Times New Roman"/>
+              </a:rPr>
+              <a:t>12/23/19</a:t>
+            </a:fld>
+            <a:endParaRPr lang="en-US" sz="1050" b="0" strike="noStrike" spc="-1">
+              <a:latin typeface="Times New Roman"/>
+            </a:endParaRPr>
+          </a:p>
+        </p:txBody>
+      </p:sp>
+      <p:sp>
+        <p:nvSpPr>
+          <p:cNvPr id="471" name="TextShape 20"/>
+          <p:cNvSpPr txBox="1"/>
+          <p:nvPr/>
+        </p:nvSpPr>
+        <p:spPr>
+          <a:xfrm>
+            <a:off x="7890120" y="6041520"/>
+            <a:ext cx="614520" cy="364680"/>
+          </a:xfrm>
+          <a:prstGeom prst="rect">
+            <a:avLst/>
+          </a:prstGeom>
+          <a:noFill/>
+          <a:ln>
+            <a:noFill/>
+          </a:ln>
+        </p:spPr>
+        <p:txBody>
+          <a:bodyPr anchor="ctr">
+            <a:normAutofit/>
+          </a:bodyPr>
+          <a:lstStyle/>
+          <a:p>
+            <a:pPr algn="r">
+              <a:lnSpc>
+                <a:spcPct val="100000"/>
+              </a:lnSpc>
+              <a:spcAft>
+                <a:spcPts val="601"/>
+              </a:spcAft>
+            </a:pPr>
+            <a:fld id="{7B9136C2-EEDB-4460-BFF1-96F62846AA5D}" type="slidenum">
+              <a:rPr lang="en-US" sz="1050" b="1" strike="noStrike" spc="-1">
+                <a:solidFill>
+                  <a:srgbClr val="FFFFFF"/>
+                </a:solidFill>
+                <a:latin typeface="Times New Roman"/>
+              </a:rPr>
+              <a:t>9</a:t>
+            </a:fld>
+            <a:endParaRPr lang="en-US" sz="1050" b="0" strike="noStrike" spc="-1">
+              <a:latin typeface="Times New Roman"/>
+            </a:endParaRPr>
+          </a:p>
+        </p:txBody>
+      </p:sp>
+      <p:pic>
+        <p:nvPicPr>
+          <p:cNvPr id="472" name="Picture 471"/>
+          <p:cNvPicPr/>
+          <p:nvPr/>
+        </p:nvPicPr>
+        <p:blipFill>
+          <a:blip r:embed="rId2"/>
+          <a:stretch/>
+        </p:blipFill>
+        <p:spPr>
+          <a:xfrm>
+            <a:off x="705240" y="1573920"/>
+            <a:ext cx="6609960" cy="4095360"/>
+          </a:xfrm>
+          <a:prstGeom prst="rect">
+            <a:avLst/>
+          </a:prstGeom>
+          <a:ln>
+            <a:noFill/>
+          </a:ln>
+        </p:spPr>
+      </p:pic>
+    </p:spTree>
+    <p:extLst>
+      <p:ext uri="{BB962C8B-B14F-4D97-AF65-F5344CB8AC3E}">
+        <p14:creationId xmlns:p14="http://schemas.microsoft.com/office/powerpoint/2010/main" val="3589386299"/>
       </p:ext>
     </p:extLst>
   </p:cSld>

--- a/DATN_Presentation.pptx
+++ b/DATN_Presentation.pptx
@@ -132,7 +132,18 @@
   </p:defaultTextStyle>
   <p:extLst>
     <p:ext uri="{EFAFB233-063F-42B5-8137-9DF3F51BA10A}">
-      <p15:sldGuideLst xmlns="" xmlns:p15="http://schemas.microsoft.com/office/powerpoint/2012/main"/>
+      <p15:sldGuideLst xmlns:p15="http://schemas.microsoft.com/office/powerpoint/2012/main">
+        <p15:guide id="1" orient="horz" pos="2160">
+          <p15:clr>
+            <a:srgbClr val="A4A3A4"/>
+          </p15:clr>
+        </p15:guide>
+        <p15:guide id="2" pos="2880">
+          <p15:clr>
+            <a:srgbClr val="A4A3A4"/>
+          </p15:clr>
+        </p15:guide>
+      </p15:sldGuideLst>
     </p:ext>
   </p:extLst>
 </p:presentation>
@@ -2677,14 +2688,7 @@
               <a:latin typeface="Times New Roman" panose="02020603050405020304" pitchFamily="18" charset="0"/>
               <a:cs typeface="Times New Roman" panose="02020603050405020304" pitchFamily="18" charset="0"/>
             </a:rPr>
-            <a:t>Android Studio </a:t>
-          </a:r>
-          <a:r>
-            <a:rPr lang="en-US" dirty="0" smtClean="0">
-              <a:latin typeface="Times New Roman" panose="02020603050405020304" pitchFamily="18" charset="0"/>
-              <a:cs typeface="Times New Roman" panose="02020603050405020304" pitchFamily="18" charset="0"/>
-            </a:rPr>
-            <a:t>3.2</a:t>
+            <a:t>Android Studio 3.2</a:t>
           </a:r>
           <a:endParaRPr lang="en-US" dirty="0">
             <a:latin typeface="Times New Roman" panose="02020603050405020304" pitchFamily="18" charset="0"/>
@@ -2841,7 +2845,7 @@
                 <a14:useLocalDpi xmlns:a14="http://schemas.microsoft.com/office/drawing/2010/main" val="0"/>
               </a:ext>
               <a:ext uri="{96DAC541-7B7A-43D3-8B79-37D633B846F1}">
-                <asvg:svgBlip xmlns="" xmlns:asvg="http://schemas.microsoft.com/office/drawing/2016/SVG/main" r:embed="rId2"/>
+                <asvg:svgBlip xmlns:asvg="http://schemas.microsoft.com/office/drawing/2016/SVG/main" xmlns="" r:embed="rId2"/>
               </a:ext>
             </a:extLst>
           </a:blip>
@@ -2908,7 +2912,7 @@
                 <a14:useLocalDpi xmlns:a14="http://schemas.microsoft.com/office/drawing/2010/main" val="0"/>
               </a:ext>
               <a:ext uri="{96DAC541-7B7A-43D3-8B79-37D633B846F1}">
-                <asvg:svgBlip xmlns="" xmlns:asvg="http://schemas.microsoft.com/office/drawing/2016/SVG/main" r:embed="rId4"/>
+                <asvg:svgBlip xmlns:asvg="http://schemas.microsoft.com/office/drawing/2016/SVG/main" xmlns="" r:embed="rId4"/>
               </a:ext>
             </a:extLst>
           </a:blip>
@@ -2975,7 +2979,7 @@
                 <a14:useLocalDpi xmlns:a14="http://schemas.microsoft.com/office/drawing/2010/main" val="0"/>
               </a:ext>
               <a:ext uri="{96DAC541-7B7A-43D3-8B79-37D633B846F1}">
-                <asvg:svgBlip xmlns="" xmlns:asvg="http://schemas.microsoft.com/office/drawing/2016/SVG/main" r:embed="rId8"/>
+                <asvg:svgBlip xmlns:asvg="http://schemas.microsoft.com/office/drawing/2016/SVG/main" xmlns="" r:embed="rId8"/>
               </a:ext>
             </a:extLst>
           </a:blip>
@@ -3119,7 +3123,7 @@
         </a:bodyPr>
         <a:lstStyle/>
         <a:p>
-          <a:pPr lvl="0" algn="l" defTabSz="622300">
+          <a:pPr lvl="0" algn="l" defTabSz="577850">
             <a:lnSpc>
               <a:spcPct val="90000"/>
             </a:lnSpc>
@@ -3131,514 +3135,514 @@
             </a:spcAft>
           </a:pPr>
           <a:r>
-            <a:rPr lang="en-US" sz="1400" kern="1200" dirty="0" smtClean="0"/>
+            <a:rPr lang="en-US" sz="1300" kern="1200" dirty="0" smtClean="0"/>
             <a:t>Android </a:t>
           </a:r>
           <a:r>
-            <a:rPr lang="en-US" sz="1400" kern="1200" dirty="0" err="1" smtClean="0"/>
+            <a:rPr lang="en-US" sz="1300" kern="1200" dirty="0" err="1" smtClean="0"/>
             <a:t>là</a:t>
           </a:r>
           <a:r>
-            <a:rPr lang="en-US" sz="1400" kern="1200" dirty="0" smtClean="0"/>
+            <a:rPr lang="en-US" sz="1300" kern="1200" dirty="0" smtClean="0"/>
             <a:t> </a:t>
           </a:r>
           <a:r>
-            <a:rPr lang="en-US" sz="1400" kern="1200" dirty="0" err="1" smtClean="0"/>
+            <a:rPr lang="en-US" sz="1300" kern="1200" dirty="0" err="1" smtClean="0"/>
             <a:t>hệ</a:t>
           </a:r>
           <a:r>
-            <a:rPr lang="en-US" sz="1400" kern="1200" dirty="0" smtClean="0"/>
+            <a:rPr lang="en-US" sz="1300" kern="1200" dirty="0" smtClean="0"/>
             <a:t> </a:t>
           </a:r>
           <a:r>
-            <a:rPr lang="en-US" sz="1400" kern="1200" dirty="0" err="1" smtClean="0"/>
+            <a:rPr lang="en-US" sz="1300" kern="1200" dirty="0" err="1" smtClean="0"/>
             <a:t>điều</a:t>
           </a:r>
           <a:r>
-            <a:rPr lang="en-US" sz="1400" kern="1200" dirty="0" smtClean="0"/>
+            <a:rPr lang="en-US" sz="1300" kern="1200" dirty="0" smtClean="0"/>
             <a:t> </a:t>
           </a:r>
           <a:r>
-            <a:rPr lang="en-US" sz="1400" kern="1200" dirty="0" err="1" smtClean="0"/>
+            <a:rPr lang="en-US" sz="1300" kern="1200" dirty="0" err="1" smtClean="0"/>
             <a:t>hành</a:t>
           </a:r>
           <a:r>
-            <a:rPr lang="en-US" sz="1400" kern="1200" dirty="0" smtClean="0"/>
+            <a:rPr lang="en-US" sz="1300" kern="1200" dirty="0" smtClean="0"/>
             <a:t> </a:t>
           </a:r>
           <a:r>
-            <a:rPr lang="en-US" sz="1400" kern="1200" dirty="0" err="1" smtClean="0"/>
+            <a:rPr lang="en-US" sz="1300" kern="1200" dirty="0" err="1" smtClean="0"/>
             <a:t>điện</a:t>
           </a:r>
           <a:r>
-            <a:rPr lang="en-US" sz="1400" kern="1200" dirty="0" smtClean="0"/>
+            <a:rPr lang="en-US" sz="1300" kern="1200" dirty="0" smtClean="0"/>
             <a:t> </a:t>
           </a:r>
           <a:r>
-            <a:rPr lang="en-US" sz="1400" kern="1200" dirty="0" err="1" smtClean="0"/>
+            <a:rPr lang="en-US" sz="1300" kern="1200" dirty="0" err="1" smtClean="0"/>
             <a:t>thoại</a:t>
           </a:r>
           <a:r>
-            <a:rPr lang="en-US" sz="1400" kern="1200" dirty="0" smtClean="0"/>
+            <a:rPr lang="en-US" sz="1300" kern="1200" dirty="0" smtClean="0"/>
             <a:t> di </a:t>
           </a:r>
           <a:r>
-            <a:rPr lang="en-US" sz="1400" kern="1200" dirty="0" err="1" smtClean="0"/>
+            <a:rPr lang="en-US" sz="1300" kern="1200" dirty="0" err="1" smtClean="0"/>
             <a:t>động</a:t>
           </a:r>
           <a:r>
-            <a:rPr lang="en-US" sz="1400" kern="1200" dirty="0" smtClean="0"/>
+            <a:rPr lang="en-US" sz="1300" kern="1200" dirty="0" smtClean="0"/>
             <a:t> </a:t>
           </a:r>
           <a:r>
-            <a:rPr lang="en-US" sz="1400" kern="1200" dirty="0" err="1" smtClean="0"/>
+            <a:rPr lang="en-US" sz="1300" kern="1200" dirty="0" err="1" smtClean="0"/>
             <a:t>mã</a:t>
           </a:r>
           <a:r>
-            <a:rPr lang="en-US" sz="1400" kern="1200" dirty="0" smtClean="0"/>
+            <a:rPr lang="en-US" sz="1300" kern="1200" dirty="0" smtClean="0"/>
             <a:t> </a:t>
           </a:r>
           <a:r>
-            <a:rPr lang="en-US" sz="1400" kern="1200" dirty="0" err="1" smtClean="0"/>
+            <a:rPr lang="en-US" sz="1300" kern="1200" dirty="0" err="1" smtClean="0"/>
             <a:t>nguồn</a:t>
           </a:r>
           <a:r>
-            <a:rPr lang="en-US" sz="1400" kern="1200" dirty="0" smtClean="0"/>
+            <a:rPr lang="en-US" sz="1300" kern="1200" dirty="0" smtClean="0"/>
             <a:t> </a:t>
           </a:r>
           <a:r>
-            <a:rPr lang="en-US" sz="1400" kern="1200" dirty="0" err="1" smtClean="0"/>
+            <a:rPr lang="en-US" sz="1300" kern="1200" dirty="0" err="1" smtClean="0"/>
             <a:t>mở</a:t>
           </a:r>
           <a:r>
-            <a:rPr lang="en-US" sz="1400" kern="1200" dirty="0" smtClean="0"/>
+            <a:rPr lang="en-US" sz="1300" kern="1200" dirty="0" smtClean="0"/>
             <a:t> </a:t>
           </a:r>
           <a:r>
-            <a:rPr lang="en-US" sz="1400" kern="1200" dirty="0" err="1" smtClean="0"/>
+            <a:rPr lang="en-US" sz="1300" kern="1200" dirty="0" err="1" smtClean="0"/>
             <a:t>miễn</a:t>
           </a:r>
           <a:r>
-            <a:rPr lang="en-US" sz="1400" kern="1200" dirty="0" smtClean="0"/>
+            <a:rPr lang="en-US" sz="1300" kern="1200" dirty="0" smtClean="0"/>
             <a:t> </a:t>
           </a:r>
           <a:r>
-            <a:rPr lang="en-US" sz="1400" kern="1200" dirty="0" err="1" smtClean="0"/>
+            <a:rPr lang="en-US" sz="1300" kern="1200" dirty="0" err="1" smtClean="0"/>
             <a:t>phí</a:t>
           </a:r>
           <a:r>
-            <a:rPr lang="en-US" sz="1400" kern="1200" dirty="0" smtClean="0"/>
+            <a:rPr lang="en-US" sz="1300" kern="1200" dirty="0" smtClean="0"/>
             <a:t> do Google </a:t>
           </a:r>
           <a:r>
-            <a:rPr lang="en-US" sz="1400" kern="1200" dirty="0" err="1" smtClean="0"/>
+            <a:rPr lang="en-US" sz="1300" kern="1200" dirty="0" err="1" smtClean="0"/>
             <a:t>phát</a:t>
           </a:r>
           <a:r>
-            <a:rPr lang="en-US" sz="1400" kern="1200" dirty="0" smtClean="0"/>
+            <a:rPr lang="en-US" sz="1300" kern="1200" dirty="0" smtClean="0"/>
             <a:t> </a:t>
           </a:r>
           <a:r>
-            <a:rPr lang="en-US" sz="1400" kern="1200" dirty="0" err="1" smtClean="0"/>
+            <a:rPr lang="en-US" sz="1300" kern="1200" dirty="0" err="1" smtClean="0"/>
             <a:t>triển</a:t>
           </a:r>
           <a:r>
-            <a:rPr lang="en-US" sz="1400" kern="1200" dirty="0" smtClean="0"/>
+            <a:rPr lang="en-US" sz="1300" kern="1200" dirty="0" smtClean="0"/>
             <a:t> </a:t>
           </a:r>
           <a:r>
-            <a:rPr lang="en-US" sz="1400" kern="1200" dirty="0" err="1" smtClean="0"/>
+            <a:rPr lang="en-US" sz="1300" kern="1200" dirty="0" err="1" smtClean="0"/>
             <a:t>dựa</a:t>
           </a:r>
           <a:r>
-            <a:rPr lang="en-US" sz="1400" kern="1200" dirty="0" smtClean="0"/>
+            <a:rPr lang="en-US" sz="1300" kern="1200" dirty="0" smtClean="0"/>
             <a:t> </a:t>
           </a:r>
           <a:r>
-            <a:rPr lang="en-US" sz="1400" kern="1200" dirty="0" err="1" smtClean="0"/>
+            <a:rPr lang="en-US" sz="1300" kern="1200" dirty="0" err="1" smtClean="0"/>
             <a:t>trên</a:t>
           </a:r>
           <a:r>
-            <a:rPr lang="en-US" sz="1400" kern="1200" dirty="0" smtClean="0"/>
+            <a:rPr lang="en-US" sz="1300" kern="1200" dirty="0" smtClean="0"/>
             <a:t> </a:t>
           </a:r>
           <a:r>
-            <a:rPr lang="en-US" sz="1400" kern="1200" dirty="0" err="1" smtClean="0"/>
+            <a:rPr lang="en-US" sz="1300" kern="1200" dirty="0" err="1" smtClean="0"/>
             <a:t>nền</a:t>
           </a:r>
           <a:r>
-            <a:rPr lang="en-US" sz="1400" kern="1200" dirty="0" smtClean="0"/>
+            <a:rPr lang="en-US" sz="1300" kern="1200" dirty="0" smtClean="0"/>
             <a:t> </a:t>
           </a:r>
           <a:r>
-            <a:rPr lang="en-US" sz="1400" kern="1200" dirty="0" err="1" smtClean="0"/>
+            <a:rPr lang="en-US" sz="1300" kern="1200" dirty="0" err="1" smtClean="0"/>
             <a:t>tảng</a:t>
           </a:r>
           <a:r>
-            <a:rPr lang="en-US" sz="1400" kern="1200" dirty="0" smtClean="0"/>
+            <a:rPr lang="en-US" sz="1300" kern="1200" dirty="0" smtClean="0"/>
             <a:t> </a:t>
           </a:r>
           <a:r>
-            <a:rPr lang="en-US" sz="1400" kern="1200" dirty="0" err="1" smtClean="0"/>
+            <a:rPr lang="en-US" sz="1300" kern="1200" dirty="0" err="1" smtClean="0"/>
             <a:t>của</a:t>
           </a:r>
           <a:r>
-            <a:rPr lang="en-US" sz="1400" kern="1200" dirty="0" smtClean="0"/>
+            <a:rPr lang="en-US" sz="1300" kern="1200" dirty="0" smtClean="0"/>
             <a:t> Linux. </a:t>
           </a:r>
           <a:r>
-            <a:rPr lang="en-US" sz="1400" kern="1200" dirty="0" err="1" smtClean="0"/>
+            <a:rPr lang="en-US" sz="1300" kern="1200" dirty="0" err="1" smtClean="0"/>
             <a:t>Bất</a:t>
           </a:r>
           <a:r>
-            <a:rPr lang="en-US" sz="1400" kern="1200" dirty="0" smtClean="0"/>
+            <a:rPr lang="en-US" sz="1300" kern="1200" dirty="0" smtClean="0"/>
             <a:t> </a:t>
           </a:r>
           <a:r>
-            <a:rPr lang="en-US" sz="1400" kern="1200" dirty="0" err="1" smtClean="0"/>
+            <a:rPr lang="en-US" sz="1300" kern="1200" dirty="0" err="1" smtClean="0"/>
             <a:t>kỳ</a:t>
           </a:r>
           <a:r>
-            <a:rPr lang="en-US" sz="1400" kern="1200" dirty="0" smtClean="0"/>
+            <a:rPr lang="en-US" sz="1300" kern="1200" dirty="0" smtClean="0"/>
             <a:t> </a:t>
           </a:r>
           <a:r>
-            <a:rPr lang="en-US" sz="1400" kern="1200" dirty="0" err="1" smtClean="0"/>
+            <a:rPr lang="en-US" sz="1300" kern="1200" dirty="0" err="1" smtClean="0"/>
             <a:t>một</a:t>
           </a:r>
           <a:r>
-            <a:rPr lang="en-US" sz="1400" kern="1200" dirty="0" smtClean="0"/>
+            <a:rPr lang="en-US" sz="1300" kern="1200" dirty="0" smtClean="0"/>
             <a:t> </a:t>
           </a:r>
           <a:r>
-            <a:rPr lang="en-US" sz="1400" kern="1200" dirty="0" err="1" smtClean="0"/>
+            <a:rPr lang="en-US" sz="1300" kern="1200" dirty="0" err="1" smtClean="0"/>
             <a:t>hãng</a:t>
           </a:r>
           <a:r>
-            <a:rPr lang="en-US" sz="1400" kern="1200" dirty="0" smtClean="0"/>
+            <a:rPr lang="en-US" sz="1300" kern="1200" dirty="0" smtClean="0"/>
             <a:t> </a:t>
           </a:r>
           <a:r>
-            <a:rPr lang="en-US" sz="1400" kern="1200" dirty="0" err="1" smtClean="0"/>
+            <a:rPr lang="en-US" sz="1300" kern="1200" dirty="0" err="1" smtClean="0"/>
             <a:t>sản</a:t>
           </a:r>
           <a:r>
-            <a:rPr lang="en-US" sz="1400" kern="1200" dirty="0" smtClean="0"/>
+            <a:rPr lang="en-US" sz="1300" kern="1200" dirty="0" smtClean="0"/>
             <a:t> </a:t>
           </a:r>
           <a:r>
-            <a:rPr lang="en-US" sz="1400" kern="1200" dirty="0" err="1" smtClean="0"/>
+            <a:rPr lang="en-US" sz="1300" kern="1200" dirty="0" err="1" smtClean="0"/>
             <a:t>xuất</a:t>
           </a:r>
           <a:r>
-            <a:rPr lang="en-US" sz="1400" kern="1200" dirty="0" smtClean="0"/>
+            <a:rPr lang="en-US" sz="1300" kern="1200" dirty="0" smtClean="0"/>
             <a:t> </a:t>
           </a:r>
           <a:r>
-            <a:rPr lang="en-US" sz="1400" kern="1200" dirty="0" err="1" smtClean="0"/>
+            <a:rPr lang="en-US" sz="1300" kern="1200" dirty="0" err="1" smtClean="0"/>
             <a:t>phần</a:t>
           </a:r>
           <a:r>
-            <a:rPr lang="en-US" sz="1400" kern="1200" dirty="0" smtClean="0"/>
+            <a:rPr lang="en-US" sz="1300" kern="1200" dirty="0" smtClean="0"/>
             <a:t> </a:t>
           </a:r>
           <a:r>
-            <a:rPr lang="en-US" sz="1400" kern="1200" dirty="0" err="1" smtClean="0"/>
+            <a:rPr lang="en-US" sz="1300" kern="1200" dirty="0" err="1" smtClean="0"/>
             <a:t>cứng</a:t>
           </a:r>
           <a:r>
-            <a:rPr lang="en-US" sz="1400" kern="1200" dirty="0" smtClean="0"/>
+            <a:rPr lang="en-US" sz="1300" kern="1200" dirty="0" smtClean="0"/>
             <a:t> </a:t>
           </a:r>
           <a:r>
-            <a:rPr lang="en-US" sz="1400" kern="1200" dirty="0" err="1" smtClean="0"/>
+            <a:rPr lang="en-US" sz="1300" kern="1200" dirty="0" err="1" smtClean="0"/>
             <a:t>nào</a:t>
           </a:r>
           <a:r>
-            <a:rPr lang="en-US" sz="1400" kern="1200" dirty="0" smtClean="0"/>
+            <a:rPr lang="en-US" sz="1300" kern="1200" dirty="0" smtClean="0"/>
             <a:t> </a:t>
           </a:r>
           <a:r>
-            <a:rPr lang="en-US" sz="1400" kern="1200" dirty="0" err="1" smtClean="0"/>
+            <a:rPr lang="en-US" sz="1300" kern="1200" dirty="0" err="1" smtClean="0"/>
             <a:t>cũng</a:t>
           </a:r>
           <a:r>
-            <a:rPr lang="en-US" sz="1400" kern="1200" dirty="0" smtClean="0"/>
+            <a:rPr lang="en-US" sz="1300" kern="1200" dirty="0" smtClean="0"/>
             <a:t> </a:t>
           </a:r>
           <a:r>
-            <a:rPr lang="en-US" sz="1400" kern="1200" dirty="0" err="1" smtClean="0"/>
+            <a:rPr lang="en-US" sz="1300" kern="1200" dirty="0" err="1" smtClean="0"/>
             <a:t>đều</a:t>
           </a:r>
           <a:r>
-            <a:rPr lang="en-US" sz="1400" kern="1200" dirty="0" smtClean="0"/>
+            <a:rPr lang="en-US" sz="1300" kern="1200" dirty="0" smtClean="0"/>
             <a:t> </a:t>
           </a:r>
           <a:r>
-            <a:rPr lang="en-US" sz="1400" kern="1200" dirty="0" err="1" smtClean="0"/>
+            <a:rPr lang="en-US" sz="1300" kern="1200" dirty="0" err="1" smtClean="0"/>
             <a:t>có</a:t>
           </a:r>
           <a:r>
-            <a:rPr lang="en-US" sz="1400" kern="1200" dirty="0" smtClean="0"/>
+            <a:rPr lang="en-US" sz="1300" kern="1200" dirty="0" smtClean="0"/>
             <a:t> </a:t>
           </a:r>
           <a:r>
-            <a:rPr lang="en-US" sz="1400" kern="1200" dirty="0" err="1" smtClean="0"/>
+            <a:rPr lang="en-US" sz="1300" kern="1200" dirty="0" err="1" smtClean="0"/>
             <a:t>thể</a:t>
           </a:r>
           <a:r>
-            <a:rPr lang="en-US" sz="1400" kern="1200" dirty="0" smtClean="0"/>
+            <a:rPr lang="en-US" sz="1300" kern="1200" dirty="0" smtClean="0"/>
             <a:t> </a:t>
           </a:r>
           <a:r>
-            <a:rPr lang="en-US" sz="1400" kern="1200" dirty="0" err="1" smtClean="0"/>
+            <a:rPr lang="en-US" sz="1300" kern="1200" dirty="0" err="1" smtClean="0"/>
             <a:t>tự</a:t>
           </a:r>
           <a:r>
-            <a:rPr lang="en-US" sz="1400" kern="1200" dirty="0" smtClean="0"/>
+            <a:rPr lang="en-US" sz="1300" kern="1200" dirty="0" smtClean="0"/>
             <a:t> do </a:t>
           </a:r>
           <a:r>
-            <a:rPr lang="en-US" sz="1400" kern="1200" dirty="0" err="1" smtClean="0"/>
+            <a:rPr lang="en-US" sz="1300" kern="1200" dirty="0" err="1" smtClean="0"/>
             <a:t>sử</a:t>
           </a:r>
           <a:r>
-            <a:rPr lang="en-US" sz="1400" kern="1200" dirty="0" smtClean="0"/>
+            <a:rPr lang="en-US" sz="1300" kern="1200" dirty="0" smtClean="0"/>
             <a:t> </a:t>
           </a:r>
           <a:r>
-            <a:rPr lang="en-US" sz="1400" kern="1200" dirty="0" err="1" smtClean="0"/>
+            <a:rPr lang="en-US" sz="1300" kern="1200" dirty="0" err="1" smtClean="0"/>
             <a:t>dụng</a:t>
           </a:r>
           <a:r>
-            <a:rPr lang="en-US" sz="1400" kern="1200" dirty="0" smtClean="0"/>
+            <a:rPr lang="en-US" sz="1300" kern="1200" dirty="0" smtClean="0"/>
             <a:t> </a:t>
           </a:r>
           <a:r>
-            <a:rPr lang="en-US" sz="1400" kern="1200" dirty="0" err="1" smtClean="0"/>
+            <a:rPr lang="en-US" sz="1300" kern="1200" dirty="0" err="1" smtClean="0"/>
             <a:t>hệ</a:t>
           </a:r>
           <a:r>
-            <a:rPr lang="en-US" sz="1400" kern="1200" dirty="0" smtClean="0"/>
+            <a:rPr lang="en-US" sz="1300" kern="1200" dirty="0" smtClean="0"/>
             <a:t> </a:t>
           </a:r>
           <a:r>
-            <a:rPr lang="en-US" sz="1400" kern="1200" dirty="0" err="1" smtClean="0"/>
+            <a:rPr lang="en-US" sz="1300" kern="1200" dirty="0" err="1" smtClean="0"/>
             <a:t>điều</a:t>
           </a:r>
           <a:r>
-            <a:rPr lang="en-US" sz="1400" kern="1200" dirty="0" smtClean="0"/>
+            <a:rPr lang="en-US" sz="1300" kern="1200" dirty="0" smtClean="0"/>
             <a:t> </a:t>
           </a:r>
           <a:r>
-            <a:rPr lang="en-US" sz="1400" kern="1200" dirty="0" err="1" smtClean="0"/>
+            <a:rPr lang="en-US" sz="1300" kern="1200" dirty="0" err="1" smtClean="0"/>
             <a:t>hành</a:t>
           </a:r>
           <a:r>
-            <a:rPr lang="en-US" sz="1400" kern="1200" dirty="0" smtClean="0"/>
+            <a:rPr lang="en-US" sz="1300" kern="1200" dirty="0" smtClean="0"/>
             <a:t> Android </a:t>
           </a:r>
           <a:r>
-            <a:rPr lang="en-US" sz="1400" kern="1200" dirty="0" err="1" smtClean="0"/>
+            <a:rPr lang="en-US" sz="1300" kern="1200" dirty="0" err="1" smtClean="0"/>
             <a:t>cho</a:t>
           </a:r>
           <a:r>
-            <a:rPr lang="en-US" sz="1400" kern="1200" dirty="0" smtClean="0"/>
+            <a:rPr lang="en-US" sz="1300" kern="1200" dirty="0" smtClean="0"/>
             <a:t> </a:t>
           </a:r>
           <a:r>
-            <a:rPr lang="en-US" sz="1400" kern="1200" dirty="0" err="1" smtClean="0"/>
+            <a:rPr lang="en-US" sz="1300" kern="1200" dirty="0" err="1" smtClean="0"/>
             <a:t>thiết</a:t>
           </a:r>
           <a:r>
-            <a:rPr lang="en-US" sz="1400" kern="1200" dirty="0" smtClean="0"/>
+            <a:rPr lang="en-US" sz="1300" kern="1200" dirty="0" smtClean="0"/>
             <a:t> </a:t>
           </a:r>
           <a:r>
-            <a:rPr lang="en-US" sz="1400" kern="1200" dirty="0" err="1" smtClean="0"/>
+            <a:rPr lang="en-US" sz="1300" kern="1200" dirty="0" err="1" smtClean="0"/>
             <a:t>bị</a:t>
           </a:r>
           <a:r>
-            <a:rPr lang="en-US" sz="1400" kern="1200" dirty="0" smtClean="0"/>
+            <a:rPr lang="en-US" sz="1300" kern="1200" dirty="0" smtClean="0"/>
             <a:t> </a:t>
           </a:r>
           <a:r>
-            <a:rPr lang="en-US" sz="1400" kern="1200" dirty="0" err="1" smtClean="0"/>
+            <a:rPr lang="en-US" sz="1300" kern="1200" dirty="0" err="1" smtClean="0"/>
             <a:t>của</a:t>
           </a:r>
           <a:r>
-            <a:rPr lang="en-US" sz="1400" kern="1200" dirty="0" smtClean="0"/>
+            <a:rPr lang="en-US" sz="1300" kern="1200" dirty="0" smtClean="0"/>
             <a:t> </a:t>
           </a:r>
           <a:r>
-            <a:rPr lang="en-US" sz="1400" kern="1200" dirty="0" err="1" smtClean="0"/>
+            <a:rPr lang="en-US" sz="1300" kern="1200" dirty="0" err="1" smtClean="0"/>
             <a:t>mình</a:t>
           </a:r>
           <a:r>
-            <a:rPr lang="en-US" sz="1400" kern="1200" dirty="0" smtClean="0"/>
+            <a:rPr lang="en-US" sz="1300" kern="1200" dirty="0" smtClean="0"/>
             <a:t>, </a:t>
           </a:r>
           <a:r>
-            <a:rPr lang="en-US" sz="1400" kern="1200" dirty="0" err="1" smtClean="0"/>
+            <a:rPr lang="en-US" sz="1300" kern="1200" dirty="0" err="1" smtClean="0"/>
             <a:t>miễn</a:t>
           </a:r>
           <a:r>
-            <a:rPr lang="en-US" sz="1400" kern="1200" dirty="0" smtClean="0"/>
+            <a:rPr lang="en-US" sz="1300" kern="1200" dirty="0" smtClean="0"/>
             <a:t> </a:t>
           </a:r>
           <a:r>
-            <a:rPr lang="en-US" sz="1400" kern="1200" dirty="0" err="1" smtClean="0"/>
+            <a:rPr lang="en-US" sz="1300" kern="1200" dirty="0" err="1" smtClean="0"/>
             <a:t>là</a:t>
           </a:r>
           <a:r>
-            <a:rPr lang="en-US" sz="1400" kern="1200" dirty="0" smtClean="0"/>
+            <a:rPr lang="en-US" sz="1300" kern="1200" dirty="0" smtClean="0"/>
             <a:t> </a:t>
           </a:r>
           <a:r>
-            <a:rPr lang="en-US" sz="1400" kern="1200" dirty="0" err="1" smtClean="0"/>
+            <a:rPr lang="en-US" sz="1300" kern="1200" dirty="0" err="1" smtClean="0"/>
             <a:t>các</a:t>
           </a:r>
           <a:r>
-            <a:rPr lang="en-US" sz="1400" kern="1200" dirty="0" smtClean="0"/>
+            <a:rPr lang="en-US" sz="1300" kern="1200" dirty="0" smtClean="0"/>
             <a:t> </a:t>
           </a:r>
           <a:r>
-            <a:rPr lang="en-US" sz="1400" kern="1200" dirty="0" err="1" smtClean="0"/>
+            <a:rPr lang="en-US" sz="1300" kern="1200" dirty="0" err="1" smtClean="0"/>
             <a:t>thiết</a:t>
           </a:r>
           <a:r>
-            <a:rPr lang="en-US" sz="1400" kern="1200" dirty="0" smtClean="0"/>
+            <a:rPr lang="en-US" sz="1300" kern="1200" dirty="0" smtClean="0"/>
             <a:t> </a:t>
           </a:r>
           <a:r>
-            <a:rPr lang="en-US" sz="1400" kern="1200" dirty="0" err="1" smtClean="0"/>
+            <a:rPr lang="en-US" sz="1300" kern="1200" dirty="0" err="1" smtClean="0"/>
             <a:t>bị</a:t>
           </a:r>
           <a:r>
-            <a:rPr lang="en-US" sz="1400" kern="1200" dirty="0" smtClean="0"/>
+            <a:rPr lang="en-US" sz="1300" kern="1200" dirty="0" smtClean="0"/>
             <a:t> </a:t>
           </a:r>
           <a:r>
-            <a:rPr lang="en-US" sz="1400" kern="1200" dirty="0" err="1" smtClean="0"/>
+            <a:rPr lang="en-US" sz="1300" kern="1200" dirty="0" err="1" smtClean="0"/>
             <a:t>ấy</a:t>
           </a:r>
           <a:r>
-            <a:rPr lang="en-US" sz="1400" kern="1200" dirty="0" smtClean="0"/>
+            <a:rPr lang="en-US" sz="1300" kern="1200" dirty="0" smtClean="0"/>
             <a:t> </a:t>
           </a:r>
           <a:r>
-            <a:rPr lang="en-US" sz="1400" kern="1200" dirty="0" err="1" smtClean="0"/>
+            <a:rPr lang="en-US" sz="1300" kern="1200" dirty="0" err="1" smtClean="0"/>
             <a:t>đáp</a:t>
           </a:r>
           <a:r>
-            <a:rPr lang="en-US" sz="1400" kern="1200" dirty="0" smtClean="0"/>
+            <a:rPr lang="en-US" sz="1300" kern="1200" dirty="0" smtClean="0"/>
             <a:t> </a:t>
           </a:r>
           <a:r>
-            <a:rPr lang="en-US" sz="1400" kern="1200" dirty="0" err="1" smtClean="0"/>
+            <a:rPr lang="en-US" sz="1300" kern="1200" dirty="0" err="1" smtClean="0"/>
             <a:t>ứng</a:t>
           </a:r>
           <a:r>
-            <a:rPr lang="en-US" sz="1400" kern="1200" dirty="0" smtClean="0"/>
+            <a:rPr lang="en-US" sz="1300" kern="1200" dirty="0" smtClean="0"/>
             <a:t> </a:t>
           </a:r>
           <a:r>
-            <a:rPr lang="en-US" sz="1400" kern="1200" dirty="0" err="1" smtClean="0"/>
+            <a:rPr lang="en-US" sz="1300" kern="1200" dirty="0" err="1" smtClean="0"/>
             <a:t>được</a:t>
           </a:r>
           <a:r>
-            <a:rPr lang="en-US" sz="1400" kern="1200" dirty="0" smtClean="0"/>
+            <a:rPr lang="en-US" sz="1300" kern="1200" dirty="0" smtClean="0"/>
             <a:t> </a:t>
           </a:r>
           <a:r>
-            <a:rPr lang="en-US" sz="1400" kern="1200" dirty="0" err="1" smtClean="0"/>
+            <a:rPr lang="en-US" sz="1300" kern="1200" dirty="0" err="1" smtClean="0"/>
             <a:t>các</a:t>
           </a:r>
           <a:r>
-            <a:rPr lang="en-US" sz="1400" kern="1200" dirty="0" smtClean="0"/>
+            <a:rPr lang="en-US" sz="1300" kern="1200" dirty="0" smtClean="0"/>
             <a:t> </a:t>
           </a:r>
           <a:r>
-            <a:rPr lang="en-US" sz="1400" kern="1200" dirty="0" err="1" smtClean="0"/>
+            <a:rPr lang="en-US" sz="1300" kern="1200" dirty="0" err="1" smtClean="0"/>
             <a:t>tiêu</a:t>
           </a:r>
           <a:r>
-            <a:rPr lang="en-US" sz="1400" kern="1200" dirty="0" smtClean="0"/>
+            <a:rPr lang="en-US" sz="1300" kern="1200" dirty="0" smtClean="0"/>
             <a:t> </a:t>
           </a:r>
           <a:r>
-            <a:rPr lang="en-US" sz="1400" kern="1200" dirty="0" err="1" smtClean="0"/>
+            <a:rPr lang="en-US" sz="1300" kern="1200" dirty="0" err="1" smtClean="0"/>
             <a:t>chuẩn</a:t>
           </a:r>
           <a:r>
-            <a:rPr lang="en-US" sz="1400" kern="1200" dirty="0" smtClean="0"/>
+            <a:rPr lang="en-US" sz="1300" kern="1200" dirty="0" smtClean="0"/>
             <a:t> </a:t>
           </a:r>
           <a:r>
-            <a:rPr lang="en-US" sz="1400" kern="1200" dirty="0" err="1" smtClean="0"/>
+            <a:rPr lang="en-US" sz="1300" kern="1200" dirty="0" err="1" smtClean="0"/>
             <a:t>cơ</a:t>
           </a:r>
           <a:r>
-            <a:rPr lang="en-US" sz="1400" kern="1200" dirty="0" smtClean="0"/>
+            <a:rPr lang="en-US" sz="1300" kern="1200" dirty="0" smtClean="0"/>
             <a:t> </a:t>
           </a:r>
           <a:r>
-            <a:rPr lang="en-US" sz="1400" kern="1200" dirty="0" err="1" smtClean="0"/>
+            <a:rPr lang="en-US" sz="1300" kern="1200" dirty="0" err="1" smtClean="0"/>
             <a:t>bản</a:t>
           </a:r>
           <a:r>
-            <a:rPr lang="en-US" sz="1400" kern="1200" dirty="0" smtClean="0"/>
+            <a:rPr lang="en-US" sz="1300" kern="1200" dirty="0" smtClean="0"/>
             <a:t> do Google </a:t>
           </a:r>
           <a:r>
-            <a:rPr lang="en-US" sz="1400" kern="1200" dirty="0" err="1" smtClean="0"/>
+            <a:rPr lang="en-US" sz="1300" kern="1200" dirty="0" err="1" smtClean="0"/>
             <a:t>đặt</a:t>
           </a:r>
           <a:r>
-            <a:rPr lang="en-US" sz="1400" kern="1200" dirty="0" smtClean="0"/>
+            <a:rPr lang="en-US" sz="1300" kern="1200" dirty="0" smtClean="0"/>
             <a:t> </a:t>
           </a:r>
           <a:r>
-            <a:rPr lang="en-US" sz="1400" kern="1200" dirty="0" err="1" smtClean="0"/>
+            <a:rPr lang="en-US" sz="1300" kern="1200" dirty="0" err="1" smtClean="0"/>
             <a:t>ra</a:t>
           </a:r>
           <a:r>
-            <a:rPr lang="en-US" sz="1400" kern="1200" dirty="0" smtClean="0"/>
+            <a:rPr lang="en-US" sz="1300" kern="1200" dirty="0" smtClean="0"/>
             <a:t> (</a:t>
           </a:r>
           <a:r>
-            <a:rPr lang="en-US" sz="1400" kern="1200" dirty="0" err="1" smtClean="0"/>
+            <a:rPr lang="en-US" sz="1300" kern="1200" dirty="0" err="1" smtClean="0"/>
             <a:t>có</a:t>
           </a:r>
           <a:r>
-            <a:rPr lang="en-US" sz="1400" kern="1200" dirty="0" smtClean="0"/>
+            <a:rPr lang="en-US" sz="1300" kern="1200" dirty="0" smtClean="0"/>
             <a:t> </a:t>
           </a:r>
           <a:r>
-            <a:rPr lang="en-US" sz="1400" kern="1200" dirty="0" err="1" smtClean="0"/>
+            <a:rPr lang="en-US" sz="1300" kern="1200" dirty="0" err="1" smtClean="0"/>
             <a:t>cảm</a:t>
           </a:r>
           <a:r>
-            <a:rPr lang="en-US" sz="1400" kern="1200" dirty="0" smtClean="0"/>
+            <a:rPr lang="en-US" sz="1300" kern="1200" dirty="0" smtClean="0"/>
             <a:t> </a:t>
           </a:r>
           <a:r>
-            <a:rPr lang="en-US" sz="1400" kern="1200" dirty="0" err="1" smtClean="0"/>
+            <a:rPr lang="en-US" sz="1300" kern="1200" dirty="0" err="1" smtClean="0"/>
             <a:t>ứng</a:t>
           </a:r>
           <a:r>
-            <a:rPr lang="en-US" sz="1400" kern="1200" dirty="0" smtClean="0"/>
+            <a:rPr lang="en-US" sz="1300" kern="1200" dirty="0" smtClean="0"/>
             <a:t> </a:t>
           </a:r>
           <a:r>
-            <a:rPr lang="en-US" sz="1400" kern="1200" dirty="0" err="1" smtClean="0"/>
+            <a:rPr lang="en-US" sz="1300" kern="1200" dirty="0" err="1" smtClean="0"/>
             <a:t>chạm</a:t>
           </a:r>
           <a:r>
-            <a:rPr lang="en-US" sz="1400" kern="1200" dirty="0" smtClean="0"/>
+            <a:rPr lang="en-US" sz="1300" kern="1200" dirty="0" smtClean="0"/>
             <a:t>, GPS, 3G,...).</a:t>
           </a:r>
-          <a:endParaRPr lang="en-US" sz="1400" kern="1200" dirty="0"/>
+          <a:endParaRPr lang="en-US" sz="1300" kern="1200" dirty="0"/>
         </a:p>
       </dsp:txBody>
       <dsp:txXfrm>
@@ -3760,7 +3764,7 @@
         </a:bodyPr>
         <a:lstStyle/>
         <a:p>
-          <a:pPr lvl="0" algn="l" defTabSz="622300">
+          <a:pPr lvl="0" algn="l" defTabSz="577850">
             <a:lnSpc>
               <a:spcPct val="90000"/>
             </a:lnSpc>
@@ -3772,10 +3776,10 @@
             </a:spcAft>
           </a:pPr>
           <a:r>
-            <a:rPr lang="en-US" sz="1400" kern="1200" smtClean="0"/>
+            <a:rPr lang="en-US" sz="1300" kern="1200" smtClean="0"/>
             <a:t>Android là nền tảng cho thiết bị di động bao gồm một hệ điều hành, midware và một số ứng dụng chủ đạo. Bộ công cụ Android SDK cung cấp các công cụ và bộ thư viên các hàm API cần thiết để phát triển ứng dụng cho nền tảng Android sử dụng ngôn ngữ lập trình java.</a:t>
           </a:r>
-          <a:endParaRPr lang="en-US" sz="1400" kern="1200"/>
+          <a:endParaRPr lang="en-US" sz="1300" kern="1200"/>
         </a:p>
       </dsp:txBody>
       <dsp:txXfrm>
@@ -3923,7 +3927,7 @@
                 <a14:useLocalDpi xmlns:a14="http://schemas.microsoft.com/office/drawing/2010/main" val="0"/>
               </a:ext>
               <a:ext uri="{96DAC541-7B7A-43D3-8B79-37D633B846F1}">
-                <asvg:svgBlip xmlns="" xmlns:asvg="http://schemas.microsoft.com/office/drawing/2016/SVG/main" r:embed="rId2"/>
+                <asvg:svgBlip xmlns:asvg="http://schemas.microsoft.com/office/drawing/2016/SVG/main" xmlns="" r:embed="rId2"/>
               </a:ext>
             </a:extLst>
           </a:blip>
@@ -4087,7 +4091,7 @@
                 <a14:useLocalDpi xmlns:a14="http://schemas.microsoft.com/office/drawing/2010/main" val="0"/>
               </a:ext>
               <a:ext uri="{96DAC541-7B7A-43D3-8B79-37D633B846F1}">
-                <asvg:svgBlip xmlns="" xmlns:asvg="http://schemas.microsoft.com/office/drawing/2016/SVG/main" r:embed="rId4"/>
+                <asvg:svgBlip xmlns:asvg="http://schemas.microsoft.com/office/drawing/2016/SVG/main" xmlns="" r:embed="rId4"/>
               </a:ext>
             </a:extLst>
           </a:blip>
@@ -4202,14 +4206,7 @@
               <a:latin typeface="Times New Roman" panose="02020603050405020304" pitchFamily="18" charset="0"/>
               <a:cs typeface="Times New Roman" panose="02020603050405020304" pitchFamily="18" charset="0"/>
             </a:rPr>
-            <a:t>Android Studio </a:t>
-          </a:r>
-          <a:r>
-            <a:rPr lang="en-US" sz="2500" kern="1200" dirty="0" smtClean="0">
-              <a:latin typeface="Times New Roman" panose="02020603050405020304" pitchFamily="18" charset="0"/>
-              <a:cs typeface="Times New Roman" panose="02020603050405020304" pitchFamily="18" charset="0"/>
-            </a:rPr>
-            <a:t>3.2</a:t>
+            <a:t>Android Studio 3.2</a:t>
           </a:r>
           <a:endParaRPr lang="en-US" sz="2500" kern="1200" dirty="0">
             <a:latin typeface="Times New Roman" panose="02020603050405020304" pitchFamily="18" charset="0"/>
@@ -4290,7 +4287,7 @@
                 <a14:useLocalDpi xmlns:a14="http://schemas.microsoft.com/office/drawing/2010/main" val="0"/>
               </a:ext>
               <a:ext uri="{96DAC541-7B7A-43D3-8B79-37D633B846F1}">
-                <asvg:svgBlip xmlns="" xmlns:asvg="http://schemas.microsoft.com/office/drawing/2016/SVG/main" r:embed="rId8"/>
+                <asvg:svgBlip xmlns:asvg="http://schemas.microsoft.com/office/drawing/2016/SVG/main" xmlns="" r:embed="rId8"/>
               </a:ext>
             </a:extLst>
           </a:blip>
@@ -4697,7 +4694,7 @@
   </dgm:layoutNode>
   <dgm:extLst>
     <a:ext uri="{4F341089-5ED1-44EC-B178-C955D00A3D55}">
-      <dgm1611:autoBuNodeInfoLst xmlns="" xmlns:dgm1611="http://schemas.microsoft.com/office/drawing/2016/11/diagram">
+      <dgm1611:autoBuNodeInfoLst xmlns:dgm1611="http://schemas.microsoft.com/office/drawing/2016/11/diagram" xmlns="">
         <dgm1611:autoBuNodeInfo lvl="1" ptType="sibTrans">
           <dgm1611:buPr prefix="" leadZeros="1">
             <a:buAutoNum type="arabicParenBoth"/>
@@ -4986,7 +4983,7 @@
   </dgm:layoutNode>
   <dgm:extLst>
     <a:ext uri="{68A01E43-0DF5-4B5B-8FA6-DAF915123BFB}">
-      <dgm1612:lstStyle xmlns="" xmlns:dgm1612="http://schemas.microsoft.com/office/drawing/2016/12/diagram">
+      <dgm1612:lstStyle xmlns:dgm1612="http://schemas.microsoft.com/office/drawing/2016/12/diagram" xmlns="">
         <a:lvl1pPr>
           <a:lnSpc>
             <a:spcPct val="100000"/>
@@ -7153,7 +7150,7 @@
           <a:p>
             <a:fld id="{2A38E6A0-600F-4377-B0AF-63A1F94582BA}" type="datetimeFigureOut">
               <a:rPr lang="en-US" smtClean="0"/>
-              <a:t>12/23/19</a:t>
+              <a:t>12/24/19</a:t>
             </a:fld>
             <a:endParaRPr lang="en-US"/>
           </a:p>
@@ -8215,7 +8212,7 @@
           <a:p>
             <a:fld id="{1FA070AB-D849-4167-9E56-2ABFB619003D}" type="datetime4">
               <a:rPr lang="vi-VN" smtClean="0"/>
-              <a:t>December 23, 2019</a:t>
+              <a:t>24/12/19</a:t>
             </a:fld>
             <a:endParaRPr lang="en-US"/>
           </a:p>
@@ -8470,7 +8467,7 @@
           <a:p>
             <a:fld id="{90B7DCFD-EE78-41F4-BE52-B28FA4FEB0F4}" type="datetime4">
               <a:rPr lang="vi-VN" smtClean="0"/>
-              <a:t>December 23, 2019</a:t>
+              <a:t>24/12/19</a:t>
             </a:fld>
             <a:endParaRPr lang="en-US"/>
           </a:p>
@@ -8787,7 +8784,7 @@
           <a:p>
             <a:fld id="{5429B404-D920-4D14-A47B-82AD95590348}" type="datetime4">
               <a:rPr lang="vi-VN" smtClean="0"/>
-              <a:t>December 23, 2019</a:t>
+              <a:t>24/12/19</a:t>
             </a:fld>
             <a:endParaRPr lang="en-US"/>
           </a:p>
@@ -9123,7 +9120,7 @@
           <a:p>
             <a:fld id="{5B023AFF-2405-4901-A91C-F49A3D0A0D7B}" type="datetime4">
               <a:rPr lang="vi-VN" smtClean="0"/>
-              <a:t>December 23, 2019</a:t>
+              <a:t>24/12/19</a:t>
             </a:fld>
             <a:endParaRPr lang="en-US"/>
           </a:p>
@@ -9440,7 +9437,7 @@
           <a:p>
             <a:fld id="{4F46E3DE-3B30-4EC2-BEDE-8DC880862EE8}" type="datetime4">
               <a:rPr lang="vi-VN" smtClean="0"/>
-              <a:t>December 23, 2019</a:t>
+              <a:t>24/12/19</a:t>
             </a:fld>
             <a:endParaRPr lang="en-US"/>
           </a:p>
@@ -9836,7 +9833,7 @@
           <a:p>
             <a:fld id="{B879E3DA-BD45-4B6B-8FEA-7330C1952F06}" type="datetime4">
               <a:rPr lang="vi-VN" smtClean="0"/>
-              <a:t>December 23, 2019</a:t>
+              <a:t>24/12/19</a:t>
             </a:fld>
             <a:endParaRPr lang="en-US"/>
           </a:p>
@@ -10009,7 +10006,7 @@
           <a:p>
             <a:fld id="{04E4F89C-2BC8-48E1-B5A9-4581963BDD4F}" type="datetime4">
               <a:rPr lang="vi-VN" smtClean="0"/>
-              <a:t>December 23, 2019</a:t>
+              <a:t>24/12/19</a:t>
             </a:fld>
             <a:endParaRPr lang="en-US"/>
           </a:p>
@@ -10192,7 +10189,7 @@
           <a:p>
             <a:fld id="{405E0D61-31A9-4CE9-B46D-504FF2A17EFB}" type="datetime4">
               <a:rPr lang="vi-VN" smtClean="0"/>
-              <a:t>December 23, 2019</a:t>
+              <a:t>24/12/19</a:t>
             </a:fld>
             <a:endParaRPr lang="en-US"/>
           </a:p>
@@ -10360,7 +10357,7 @@
           <p:cNvPr id="8" name="Title 7">
             <a:extLst>
               <a:ext uri="{FF2B5EF4-FFF2-40B4-BE49-F238E27FC236}">
-                <a16:creationId xmlns="" xmlns:a16="http://schemas.microsoft.com/office/drawing/2014/main" id="{EFBE794E-90D2-4263-B92E-169118424B76}"/>
+                <a16:creationId xmlns:a16="http://schemas.microsoft.com/office/drawing/2014/main" xmlns="" id="{EFBE794E-90D2-4263-B92E-169118424B76}"/>
               </a:ext>
             </a:extLst>
           </p:cNvPr>
@@ -10388,7 +10385,7 @@
           <p:cNvPr id="9" name="Date Placeholder 8">
             <a:extLst>
               <a:ext uri="{FF2B5EF4-FFF2-40B4-BE49-F238E27FC236}">
-                <a16:creationId xmlns="" xmlns:a16="http://schemas.microsoft.com/office/drawing/2014/main" id="{9C317B29-322D-4D92-9621-4B2878619C9D}"/>
+                <a16:creationId xmlns:a16="http://schemas.microsoft.com/office/drawing/2014/main" xmlns="" id="{9C317B29-322D-4D92-9621-4B2878619C9D}"/>
               </a:ext>
             </a:extLst>
           </p:cNvPr>
@@ -10415,7 +10412,7 @@
           <a:p>
             <a:fld id="{7E0CA924-5545-4597-BC03-94C0ED4F4AB2}" type="datetime4">
               <a:rPr lang="vi-VN" smtClean="0"/>
-              <a:t>December 23, 2019</a:t>
+              <a:t>24/12/19</a:t>
             </a:fld>
             <a:endParaRPr lang="en-US" dirty="0"/>
           </a:p>
@@ -10426,7 +10423,7 @@
           <p:cNvPr id="10" name="Footer Placeholder 9">
             <a:extLst>
               <a:ext uri="{FF2B5EF4-FFF2-40B4-BE49-F238E27FC236}">
-                <a16:creationId xmlns="" xmlns:a16="http://schemas.microsoft.com/office/drawing/2014/main" id="{E47575DB-1BD4-4723-BF7D-EF96E2D9C7BA}"/>
+                <a16:creationId xmlns:a16="http://schemas.microsoft.com/office/drawing/2014/main" xmlns="" id="{E47575DB-1BD4-4723-BF7D-EF96E2D9C7BA}"/>
               </a:ext>
             </a:extLst>
           </p:cNvPr>
@@ -10464,7 +10461,7 @@
           <p:cNvPr id="11" name="Slide Number Placeholder 10">
             <a:extLst>
               <a:ext uri="{FF2B5EF4-FFF2-40B4-BE49-F238E27FC236}">
-                <a16:creationId xmlns="" xmlns:a16="http://schemas.microsoft.com/office/drawing/2014/main" id="{A71469AE-093B-4052-8B07-79A7396C6953}"/>
+                <a16:creationId xmlns:a16="http://schemas.microsoft.com/office/drawing/2014/main" xmlns="" id="{A71469AE-093B-4052-8B07-79A7396C6953}"/>
               </a:ext>
             </a:extLst>
           </p:cNvPr>
@@ -10940,7 +10937,7 @@
           <a:p>
             <a:fld id="{61DB4C04-5D82-4FE2-93FB-3C92476FCB54}" type="datetime4">
               <a:rPr lang="vi-VN" smtClean="0"/>
-              <a:t>December 23, 2019</a:t>
+              <a:t>24/12/19</a:t>
             </a:fld>
             <a:endParaRPr lang="en-US"/>
           </a:p>
@@ -11322,7 +11319,7 @@
           <a:p>
             <a:fld id="{7F532B28-33A3-4837-85CB-44CB138142E2}" type="datetime4">
               <a:rPr lang="vi-VN" smtClean="0"/>
-              <a:t>December 23, 2019</a:t>
+              <a:t>24/12/19</a:t>
             </a:fld>
             <a:endParaRPr lang="en-US"/>
           </a:p>
@@ -11448,7 +11445,7 @@
           <a:p>
             <a:fld id="{9F55069C-D642-4584-83DA-3AC582790753}" type="datetime4">
               <a:rPr lang="vi-VN" smtClean="0"/>
-              <a:t>December 23, 2019</a:t>
+              <a:t>24/12/19</a:t>
             </a:fld>
             <a:endParaRPr lang="en-US"/>
           </a:p>
@@ -11546,7 +11543,7 @@
           <a:p>
             <a:fld id="{B9E435B7-9312-47FF-AD8D-DFCDD7E1F940}" type="datetime4">
               <a:rPr lang="vi-VN" smtClean="0"/>
-              <a:t>December 23, 2019</a:t>
+              <a:t>24/12/19</a:t>
             </a:fld>
             <a:endParaRPr lang="en-US"/>
           </a:p>
@@ -11804,7 +11801,7 @@
           <a:p>
             <a:fld id="{008AF0AD-BB3B-4266-B66A-767DF6981FC0}" type="datetime4">
               <a:rPr lang="vi-VN" smtClean="0"/>
-              <a:t>December 23, 2019</a:t>
+              <a:t>24/12/19</a:t>
             </a:fld>
             <a:endParaRPr lang="en-US"/>
           </a:p>
@@ -12070,7 +12067,7 @@
           <a:p>
             <a:fld id="{C7FC2743-511D-437A-B4BF-3826633EE8F0}" type="datetime4">
               <a:rPr lang="vi-VN" smtClean="0"/>
-              <a:t>December 23, 2019</a:t>
+              <a:t>24/12/19</a:t>
             </a:fld>
             <a:endParaRPr lang="en-US"/>
           </a:p>
@@ -12886,7 +12883,7 @@
             <a:fld id="{A95DFE89-0395-4E38-99D9-5EC17A6FA56A}" type="datetime4">
               <a:rPr lang="vi-VN" smtClean="0"/>
               <a:pPr/>
-              <a:t>December 23, 2019</a:t>
+              <a:t>24/12/19</a:t>
             </a:fld>
             <a:endParaRPr lang="en-US" dirty="0"/>
           </a:p>
@@ -13429,7 +13426,7 @@
           <p:cNvPr id="2" name="Title 1">
             <a:extLst>
               <a:ext uri="{FF2B5EF4-FFF2-40B4-BE49-F238E27FC236}">
-                <a16:creationId xmlns="" xmlns:a16="http://schemas.microsoft.com/office/drawing/2014/main" id="{F0F03985-71EF-4090-9C55-B22C728C9D9F}"/>
+                <a16:creationId xmlns:a16="http://schemas.microsoft.com/office/drawing/2014/main" xmlns="" id="{F0F03985-71EF-4090-9C55-B22C728C9D9F}"/>
               </a:ext>
             </a:extLst>
           </p:cNvPr>
@@ -13470,7 +13467,7 @@
           <p:cNvPr id="3" name="Subtitle 2">
             <a:extLst>
               <a:ext uri="{FF2B5EF4-FFF2-40B4-BE49-F238E27FC236}">
-                <a16:creationId xmlns="" xmlns:a16="http://schemas.microsoft.com/office/drawing/2014/main" id="{1CFFB606-D1F0-4DC2-8835-3D1AEC453A09}"/>
+                <a16:creationId xmlns:a16="http://schemas.microsoft.com/office/drawing/2014/main" xmlns="" id="{1CFFB606-D1F0-4DC2-8835-3D1AEC453A09}"/>
               </a:ext>
             </a:extLst>
           </p:cNvPr>
@@ -13559,7 +13556,7 @@
           <p:cNvPr id="4" name="TextBox 3">
             <a:extLst>
               <a:ext uri="{FF2B5EF4-FFF2-40B4-BE49-F238E27FC236}">
-                <a16:creationId xmlns="" xmlns:a16="http://schemas.microsoft.com/office/drawing/2014/main" id="{713CB9A6-752B-4BB6-86DC-192B753D5E06}"/>
+                <a16:creationId xmlns:a16="http://schemas.microsoft.com/office/drawing/2014/main" xmlns="" id="{713CB9A6-752B-4BB6-86DC-192B753D5E06}"/>
               </a:ext>
             </a:extLst>
           </p:cNvPr>
@@ -13621,7 +13618,7 @@
           <p:cNvPr id="6" name="Text Placeholder 4">
             <a:extLst>
               <a:ext uri="{FF2B5EF4-FFF2-40B4-BE49-F238E27FC236}">
-                <a16:creationId xmlns="" xmlns:a16="http://schemas.microsoft.com/office/drawing/2014/main" id="{4A4F219A-42F6-49CC-9E1D-0B567BB324F1}"/>
+                <a16:creationId xmlns:a16="http://schemas.microsoft.com/office/drawing/2014/main" xmlns="" id="{4A4F219A-42F6-49CC-9E1D-0B567BB324F1}"/>
               </a:ext>
             </a:extLst>
           </p:cNvPr>
@@ -15497,7 +15494,7 @@
                 </a:solidFill>
                 <a:latin typeface="Times New Roman"/>
               </a:rPr>
-              <a:t>12/23/19</a:t>
+              <a:t>12/24/19</a:t>
             </a:fld>
             <a:endParaRPr lang="en-US" sz="1050" b="0" strike="noStrike" spc="-1">
               <a:latin typeface="Times New Roman"/>
@@ -15566,7 +15563,7 @@
   <p:timing>
     <p:tnLst>
       <p:par>
-        <p:cTn xmlns:p14="http://schemas.microsoft.com/office/powerpoint/2010/main" id="1" dur="indefinite" restart="never" nodeType="tmRoot">
+        <p:cTn id="1" dur="indefinite" restart="never" nodeType="tmRoot">
           <p:childTnLst>
             <p:seq>
               <p:cTn id="2" dur="indefinite" nodeType="mainSeq"/>
@@ -16613,7 +16610,7 @@
                 </a:solidFill>
                 <a:latin typeface="Times New Roman"/>
               </a:rPr>
-              <a:t>12/23/19</a:t>
+              <a:t>12/24/19</a:t>
             </a:fld>
             <a:endParaRPr lang="en-US" sz="1050" b="0" strike="noStrike" spc="-1">
               <a:latin typeface="Times New Roman"/>
@@ -16705,7 +16702,7 @@
   <p:timing>
     <p:tnLst>
       <p:par>
-        <p:cTn xmlns:p14="http://schemas.microsoft.com/office/powerpoint/2010/main" id="1" dur="indefinite" restart="never" nodeType="tmRoot">
+        <p:cTn id="1" dur="indefinite" restart="never" nodeType="tmRoot">
           <p:childTnLst>
             <p:seq>
               <p:cTn id="2" dur="indefinite" nodeType="mainSeq"/>
@@ -16766,7 +16763,7 @@
           <a:p>
             <a:fld id="{B9E435B7-9312-47FF-AD8D-DFCDD7E1F940}" type="datetime4">
               <a:rPr lang="vi-VN" smtClean="0"/>
-              <a:t>December 23, 2019</a:t>
+              <a:t>24/12/19</a:t>
             </a:fld>
             <a:endParaRPr lang="en-US"/>
           </a:p>
@@ -16957,10 +16954,10 @@
           <p:cNvPr id="11" name="Group 10">
             <a:extLst>
               <a:ext uri="{FF2B5EF4-FFF2-40B4-BE49-F238E27FC236}">
-                <a16:creationId xmlns="" xmlns:a16="http://schemas.microsoft.com/office/drawing/2014/main" id="{09EA7EA7-74F5-4EE2-8E3D-1A10308259D7}"/>
+                <a16:creationId xmlns:a16="http://schemas.microsoft.com/office/drawing/2014/main" xmlns="" id="{09EA7EA7-74F5-4EE2-8E3D-1A10308259D7}"/>
               </a:ext>
               <a:ext uri="{C183D7F6-B498-43B3-948B-1728B52AA6E4}">
-                <adec:decorative xmlns="" xmlns:adec="http://schemas.microsoft.com/office/drawing/2017/decorative" val="1"/>
+                <adec:decorative xmlns:adec="http://schemas.microsoft.com/office/drawing/2017/decorative" xmlns="" val="1"/>
               </a:ext>
             </a:extLst>
           </p:cNvPr>
@@ -16970,7 +16967,7 @@
           <p:nvPr>
             <p:extLst>
               <p:ext uri="{386F3935-93C4-4BCD-93E2-E3B085C9AB24}">
-                <p16:designElem xmlns="" xmlns:p16="http://schemas.microsoft.com/office/powerpoint/2015/main" val="1"/>
+                <p16:designElem xmlns:p16="http://schemas.microsoft.com/office/powerpoint/2015/main" val="1"/>
               </p:ext>
             </p:extLst>
           </p:nvPr>
@@ -16988,10 +16985,10 @@
             <p:cNvPr id="12" name="Straight Connector 11">
               <a:extLst>
                 <a:ext uri="{FF2B5EF4-FFF2-40B4-BE49-F238E27FC236}">
-                  <a16:creationId xmlns="" xmlns:a16="http://schemas.microsoft.com/office/drawing/2014/main" id="{A5CE79B5-7EE4-424D-AD14-5DEFB61B85C8}"/>
+                  <a16:creationId xmlns:a16="http://schemas.microsoft.com/office/drawing/2014/main" xmlns="" id="{A5CE79B5-7EE4-424D-AD14-5DEFB61B85C8}"/>
                 </a:ext>
                 <a:ext uri="{C183D7F6-B498-43B3-948B-1728B52AA6E4}">
-                  <adec:decorative xmlns="" xmlns:adec="http://schemas.microsoft.com/office/drawing/2017/decorative" val="1"/>
+                  <adec:decorative xmlns:adec="http://schemas.microsoft.com/office/drawing/2017/decorative" xmlns="" val="1"/>
                 </a:ext>
               </a:extLst>
             </p:cNvPr>
@@ -16999,7 +16996,7 @@
             <p:nvPr>
               <p:extLst>
                 <p:ext uri="{386F3935-93C4-4BCD-93E2-E3B085C9AB24}">
-                  <p16:designElem xmlns="" xmlns:p16="http://schemas.microsoft.com/office/powerpoint/2015/main" val="1"/>
+                  <p16:designElem xmlns:p16="http://schemas.microsoft.com/office/powerpoint/2015/main" val="1"/>
                 </p:ext>
               </p:extLst>
             </p:nvPr>
@@ -17040,10 +17037,10 @@
             <p:cNvPr id="13" name="Straight Connector 12">
               <a:extLst>
                 <a:ext uri="{FF2B5EF4-FFF2-40B4-BE49-F238E27FC236}">
-                  <a16:creationId xmlns="" xmlns:a16="http://schemas.microsoft.com/office/drawing/2014/main" id="{696C926F-F999-44BA-8D86-9EAB51D65010}"/>
+                  <a16:creationId xmlns:a16="http://schemas.microsoft.com/office/drawing/2014/main" xmlns="" id="{696C926F-F999-44BA-8D86-9EAB51D65010}"/>
                 </a:ext>
                 <a:ext uri="{C183D7F6-B498-43B3-948B-1728B52AA6E4}">
-                  <adec:decorative xmlns="" xmlns:adec="http://schemas.microsoft.com/office/drawing/2017/decorative" val="1"/>
+                  <adec:decorative xmlns:adec="http://schemas.microsoft.com/office/drawing/2017/decorative" xmlns="" val="1"/>
                 </a:ext>
               </a:extLst>
             </p:cNvPr>
@@ -17051,7 +17048,7 @@
             <p:nvPr>
               <p:extLst>
                 <p:ext uri="{386F3935-93C4-4BCD-93E2-E3B085C9AB24}">
-                  <p16:designElem xmlns="" xmlns:p16="http://schemas.microsoft.com/office/powerpoint/2015/main" val="1"/>
+                  <p16:designElem xmlns:p16="http://schemas.microsoft.com/office/powerpoint/2015/main" val="1"/>
                 </p:ext>
               </p:extLst>
             </p:nvPr>
@@ -17092,10 +17089,10 @@
             <p:cNvPr id="14" name="Rectangle 23">
               <a:extLst>
                 <a:ext uri="{FF2B5EF4-FFF2-40B4-BE49-F238E27FC236}">
-                  <a16:creationId xmlns="" xmlns:a16="http://schemas.microsoft.com/office/drawing/2014/main" id="{248745E7-0AF0-48F9-8E58-2673FC5F4FDE}"/>
+                  <a16:creationId xmlns:a16="http://schemas.microsoft.com/office/drawing/2014/main" xmlns="" id="{248745E7-0AF0-48F9-8E58-2673FC5F4FDE}"/>
                 </a:ext>
                 <a:ext uri="{C183D7F6-B498-43B3-948B-1728B52AA6E4}">
-                  <adec:decorative xmlns="" xmlns:adec="http://schemas.microsoft.com/office/drawing/2017/decorative" val="1"/>
+                  <adec:decorative xmlns:adec="http://schemas.microsoft.com/office/drawing/2017/decorative" xmlns="" val="1"/>
                 </a:ext>
               </a:extLst>
             </p:cNvPr>
@@ -17103,7 +17100,7 @@
             <p:nvPr>
               <p:extLst>
                 <p:ext uri="{386F3935-93C4-4BCD-93E2-E3B085C9AB24}">
-                  <p16:designElem xmlns="" xmlns:p16="http://schemas.microsoft.com/office/powerpoint/2015/main" val="1"/>
+                  <p16:designElem xmlns:p16="http://schemas.microsoft.com/office/powerpoint/2015/main" val="1"/>
                 </p:ext>
               </p:extLst>
             </p:nvPr>
@@ -17170,10 +17167,10 @@
             <p:cNvPr id="15" name="Rectangle 25">
               <a:extLst>
                 <a:ext uri="{FF2B5EF4-FFF2-40B4-BE49-F238E27FC236}">
-                  <a16:creationId xmlns="" xmlns:a16="http://schemas.microsoft.com/office/drawing/2014/main" id="{9715E81A-D2E0-4431-9370-4E4A9ECA7F9C}"/>
+                  <a16:creationId xmlns:a16="http://schemas.microsoft.com/office/drawing/2014/main" xmlns="" id="{9715E81A-D2E0-4431-9370-4E4A9ECA7F9C}"/>
                 </a:ext>
                 <a:ext uri="{C183D7F6-B498-43B3-948B-1728B52AA6E4}">
-                  <adec:decorative xmlns="" xmlns:adec="http://schemas.microsoft.com/office/drawing/2017/decorative" val="1"/>
+                  <adec:decorative xmlns:adec="http://schemas.microsoft.com/office/drawing/2017/decorative" xmlns="" val="1"/>
                 </a:ext>
               </a:extLst>
             </p:cNvPr>
@@ -17181,7 +17178,7 @@
             <p:nvPr>
               <p:extLst>
                 <p:ext uri="{386F3935-93C4-4BCD-93E2-E3B085C9AB24}">
-                  <p16:designElem xmlns="" xmlns:p16="http://schemas.microsoft.com/office/powerpoint/2015/main" val="1"/>
+                  <p16:designElem xmlns:p16="http://schemas.microsoft.com/office/powerpoint/2015/main" val="1"/>
                 </p:ext>
               </p:extLst>
             </p:nvPr>
@@ -17248,10 +17245,10 @@
             <p:cNvPr id="16" name="Isosceles Triangle 15">
               <a:extLst>
                 <a:ext uri="{FF2B5EF4-FFF2-40B4-BE49-F238E27FC236}">
-                  <a16:creationId xmlns="" xmlns:a16="http://schemas.microsoft.com/office/drawing/2014/main" id="{CEDB37A9-282D-4DDB-85AD-B2090A82531F}"/>
+                  <a16:creationId xmlns:a16="http://schemas.microsoft.com/office/drawing/2014/main" xmlns="" id="{CEDB37A9-282D-4DDB-85AD-B2090A82531F}"/>
                 </a:ext>
                 <a:ext uri="{C183D7F6-B498-43B3-948B-1728B52AA6E4}">
-                  <adec:decorative xmlns="" xmlns:adec="http://schemas.microsoft.com/office/drawing/2017/decorative" val="1"/>
+                  <adec:decorative xmlns:adec="http://schemas.microsoft.com/office/drawing/2017/decorative" xmlns="" val="1"/>
                 </a:ext>
               </a:extLst>
             </p:cNvPr>
@@ -17259,7 +17256,7 @@
             <p:nvPr>
               <p:extLst>
                 <p:ext uri="{386F3935-93C4-4BCD-93E2-E3B085C9AB24}">
-                  <p16:designElem xmlns="" xmlns:p16="http://schemas.microsoft.com/office/powerpoint/2015/main" val="1"/>
+                  <p16:designElem xmlns:p16="http://schemas.microsoft.com/office/powerpoint/2015/main" val="1"/>
                 </p:ext>
               </p:extLst>
             </p:nvPr>
@@ -17304,10 +17301,10 @@
             <p:cNvPr id="17" name="Rectangle 27">
               <a:extLst>
                 <a:ext uri="{FF2B5EF4-FFF2-40B4-BE49-F238E27FC236}">
-                  <a16:creationId xmlns="" xmlns:a16="http://schemas.microsoft.com/office/drawing/2014/main" id="{533D5933-7F91-4F5E-BC31-42FD0E2D8DEF}"/>
+                  <a16:creationId xmlns:a16="http://schemas.microsoft.com/office/drawing/2014/main" xmlns="" id="{533D5933-7F91-4F5E-BC31-42FD0E2D8DEF}"/>
                 </a:ext>
                 <a:ext uri="{C183D7F6-B498-43B3-948B-1728B52AA6E4}">
-                  <adec:decorative xmlns="" xmlns:adec="http://schemas.microsoft.com/office/drawing/2017/decorative" val="1"/>
+                  <adec:decorative xmlns:adec="http://schemas.microsoft.com/office/drawing/2017/decorative" xmlns="" val="1"/>
                 </a:ext>
               </a:extLst>
             </p:cNvPr>
@@ -17315,7 +17312,7 @@
             <p:nvPr>
               <p:extLst>
                 <p:ext uri="{386F3935-93C4-4BCD-93E2-E3B085C9AB24}">
-                  <p16:designElem xmlns="" xmlns:p16="http://schemas.microsoft.com/office/powerpoint/2015/main" val="1"/>
+                  <p16:designElem xmlns:p16="http://schemas.microsoft.com/office/powerpoint/2015/main" val="1"/>
                 </p:ext>
               </p:extLst>
             </p:nvPr>
@@ -17383,10 +17380,10 @@
             <p:cNvPr id="18" name="Rectangle 28">
               <a:extLst>
                 <a:ext uri="{FF2B5EF4-FFF2-40B4-BE49-F238E27FC236}">
-                  <a16:creationId xmlns="" xmlns:a16="http://schemas.microsoft.com/office/drawing/2014/main" id="{37ADDF68-C9BE-46EA-83DE-2C07DD83960F}"/>
+                  <a16:creationId xmlns:a16="http://schemas.microsoft.com/office/drawing/2014/main" xmlns="" id="{37ADDF68-C9BE-46EA-83DE-2C07DD83960F}"/>
                 </a:ext>
                 <a:ext uri="{C183D7F6-B498-43B3-948B-1728B52AA6E4}">
-                  <adec:decorative xmlns="" xmlns:adec="http://schemas.microsoft.com/office/drawing/2017/decorative" val="1"/>
+                  <adec:decorative xmlns:adec="http://schemas.microsoft.com/office/drawing/2017/decorative" xmlns="" val="1"/>
                 </a:ext>
               </a:extLst>
             </p:cNvPr>
@@ -17394,7 +17391,7 @@
             <p:nvPr>
               <p:extLst>
                 <p:ext uri="{386F3935-93C4-4BCD-93E2-E3B085C9AB24}">
-                  <p16:designElem xmlns="" xmlns:p16="http://schemas.microsoft.com/office/powerpoint/2015/main" val="1"/>
+                  <p16:designElem xmlns:p16="http://schemas.microsoft.com/office/powerpoint/2015/main" val="1"/>
                 </p:ext>
               </p:extLst>
             </p:nvPr>
@@ -17463,10 +17460,10 @@
             <p:cNvPr id="19" name="Rectangle 29">
               <a:extLst>
                 <a:ext uri="{FF2B5EF4-FFF2-40B4-BE49-F238E27FC236}">
-                  <a16:creationId xmlns="" xmlns:a16="http://schemas.microsoft.com/office/drawing/2014/main" id="{10D67396-BABD-48A8-A892-CCB5095FA427}"/>
+                  <a16:creationId xmlns:a16="http://schemas.microsoft.com/office/drawing/2014/main" xmlns="" id="{10D67396-BABD-48A8-A892-CCB5095FA427}"/>
                 </a:ext>
                 <a:ext uri="{C183D7F6-B498-43B3-948B-1728B52AA6E4}">
-                  <adec:decorative xmlns="" xmlns:adec="http://schemas.microsoft.com/office/drawing/2017/decorative" val="1"/>
+                  <adec:decorative xmlns:adec="http://schemas.microsoft.com/office/drawing/2017/decorative" xmlns="" val="1"/>
                 </a:ext>
               </a:extLst>
             </p:cNvPr>
@@ -17474,7 +17471,7 @@
             <p:nvPr>
               <p:extLst>
                 <p:ext uri="{386F3935-93C4-4BCD-93E2-E3B085C9AB24}">
-                  <p16:designElem xmlns="" xmlns:p16="http://schemas.microsoft.com/office/powerpoint/2015/main" val="1"/>
+                  <p16:designElem xmlns:p16="http://schemas.microsoft.com/office/powerpoint/2015/main" val="1"/>
                 </p:ext>
               </p:extLst>
             </p:nvPr>
@@ -17541,10 +17538,10 @@
             <p:cNvPr id="20" name="Isosceles Triangle 19">
               <a:extLst>
                 <a:ext uri="{FF2B5EF4-FFF2-40B4-BE49-F238E27FC236}">
-                  <a16:creationId xmlns="" xmlns:a16="http://schemas.microsoft.com/office/drawing/2014/main" id="{626DA82A-72C2-4DF6-9CF0-0D1F6B96B529}"/>
+                  <a16:creationId xmlns:a16="http://schemas.microsoft.com/office/drawing/2014/main" xmlns="" id="{626DA82A-72C2-4DF6-9CF0-0D1F6B96B529}"/>
                 </a:ext>
                 <a:ext uri="{C183D7F6-B498-43B3-948B-1728B52AA6E4}">
-                  <adec:decorative xmlns="" xmlns:adec="http://schemas.microsoft.com/office/drawing/2017/decorative" val="1"/>
+                  <adec:decorative xmlns:adec="http://schemas.microsoft.com/office/drawing/2017/decorative" xmlns="" val="1"/>
                 </a:ext>
               </a:extLst>
             </p:cNvPr>
@@ -17552,7 +17549,7 @@
             <p:nvPr>
               <p:extLst>
                 <p:ext uri="{386F3935-93C4-4BCD-93E2-E3B085C9AB24}">
-                  <p16:designElem xmlns="" xmlns:p16="http://schemas.microsoft.com/office/powerpoint/2015/main" val="1"/>
+                  <p16:designElem xmlns:p16="http://schemas.microsoft.com/office/powerpoint/2015/main" val="1"/>
                 </p:ext>
               </p:extLst>
             </p:nvPr>
@@ -17597,10 +17594,10 @@
             <p:cNvPr id="21" name="Isosceles Triangle 20">
               <a:extLst>
                 <a:ext uri="{FF2B5EF4-FFF2-40B4-BE49-F238E27FC236}">
-                  <a16:creationId xmlns="" xmlns:a16="http://schemas.microsoft.com/office/drawing/2014/main" id="{8EE6DC63-4380-4BE0-A68A-8F01162BD192}"/>
+                  <a16:creationId xmlns:a16="http://schemas.microsoft.com/office/drawing/2014/main" xmlns="" id="{8EE6DC63-4380-4BE0-A68A-8F01162BD192}"/>
                 </a:ext>
                 <a:ext uri="{C183D7F6-B498-43B3-948B-1728B52AA6E4}">
-                  <adec:decorative xmlns="" xmlns:adec="http://schemas.microsoft.com/office/drawing/2017/decorative" val="1"/>
+                  <adec:decorative xmlns:adec="http://schemas.microsoft.com/office/drawing/2017/decorative" xmlns="" val="1"/>
                 </a:ext>
               </a:extLst>
             </p:cNvPr>
@@ -17608,7 +17605,7 @@
             <p:nvPr>
               <p:extLst>
                 <p:ext uri="{386F3935-93C4-4BCD-93E2-E3B085C9AB24}">
-                  <p16:designElem xmlns="" xmlns:p16="http://schemas.microsoft.com/office/powerpoint/2015/main" val="1"/>
+                  <p16:designElem xmlns:p16="http://schemas.microsoft.com/office/powerpoint/2015/main" val="1"/>
                 </p:ext>
               </p:extLst>
             </p:nvPr>
@@ -17654,10 +17651,10 @@
           <p:cNvPr id="23" name="Rectangle 22">
             <a:extLst>
               <a:ext uri="{FF2B5EF4-FFF2-40B4-BE49-F238E27FC236}">
-                <a16:creationId xmlns="" xmlns:a16="http://schemas.microsoft.com/office/drawing/2014/main" id="{8DF4D7F6-81B5-452A-9CE6-76D81F91D41B}"/>
+                <a16:creationId xmlns:a16="http://schemas.microsoft.com/office/drawing/2014/main" xmlns="" id="{8DF4D7F6-81B5-452A-9CE6-76D81F91D41B}"/>
               </a:ext>
               <a:ext uri="{C183D7F6-B498-43B3-948B-1728B52AA6E4}">
-                <adec:decorative xmlns="" xmlns:adec="http://schemas.microsoft.com/office/drawing/2017/decorative" val="1"/>
+                <adec:decorative xmlns:adec="http://schemas.microsoft.com/office/drawing/2017/decorative" xmlns="" val="1"/>
               </a:ext>
             </a:extLst>
           </p:cNvPr>
@@ -17667,7 +17664,7 @@
           <p:nvPr>
             <p:extLst>
               <p:ext uri="{386F3935-93C4-4BCD-93E2-E3B085C9AB24}">
-                <p16:designElem xmlns="" xmlns:p16="http://schemas.microsoft.com/office/powerpoint/2015/main" val="1"/>
+                <p16:designElem xmlns:p16="http://schemas.microsoft.com/office/powerpoint/2015/main" val="1"/>
               </p:ext>
             </p:extLst>
           </p:nvPr>
@@ -17714,7 +17711,7 @@
           <p:cNvPr id="3" name="Title 2">
             <a:extLst>
               <a:ext uri="{FF2B5EF4-FFF2-40B4-BE49-F238E27FC236}">
-                <a16:creationId xmlns="" xmlns:a16="http://schemas.microsoft.com/office/drawing/2014/main" id="{12FD7EA0-CFEB-4E75-8AFB-5B8FE68C9A91}"/>
+                <a16:creationId xmlns:a16="http://schemas.microsoft.com/office/drawing/2014/main" xmlns="" id="{12FD7EA0-CFEB-4E75-8AFB-5B8FE68C9A91}"/>
               </a:ext>
             </a:extLst>
           </p:cNvPr>
@@ -17758,10 +17755,10 @@
           <p:cNvPr id="25" name="Isosceles Triangle 24">
             <a:extLst>
               <a:ext uri="{FF2B5EF4-FFF2-40B4-BE49-F238E27FC236}">
-                <a16:creationId xmlns="" xmlns:a16="http://schemas.microsoft.com/office/drawing/2014/main" id="{4600514D-20FB-4559-97DC-D1DC39E6C3DE}"/>
+                <a16:creationId xmlns:a16="http://schemas.microsoft.com/office/drawing/2014/main" xmlns="" id="{4600514D-20FB-4559-97DC-D1DC39E6C3DE}"/>
               </a:ext>
               <a:ext uri="{C183D7F6-B498-43B3-948B-1728B52AA6E4}">
-                <adec:decorative xmlns="" xmlns:adec="http://schemas.microsoft.com/office/drawing/2017/decorative" val="1"/>
+                <adec:decorative xmlns:adec="http://schemas.microsoft.com/office/drawing/2017/decorative" xmlns="" val="1"/>
               </a:ext>
             </a:extLst>
           </p:cNvPr>
@@ -17771,7 +17768,7 @@
           <p:nvPr>
             <p:extLst>
               <p:ext uri="{386F3935-93C4-4BCD-93E2-E3B085C9AB24}">
-                <p16:designElem xmlns="" xmlns:p16="http://schemas.microsoft.com/office/powerpoint/2015/main" val="1"/>
+                <p16:designElem xmlns:p16="http://schemas.microsoft.com/office/powerpoint/2015/main" val="1"/>
               </p:ext>
             </p:extLst>
           </p:nvPr>
@@ -17816,7 +17813,7 @@
           <p:cNvPr id="5" name="Footer Placeholder 4">
             <a:extLst>
               <a:ext uri="{FF2B5EF4-FFF2-40B4-BE49-F238E27FC236}">
-                <a16:creationId xmlns="" xmlns:a16="http://schemas.microsoft.com/office/drawing/2014/main" id="{E82D1BFA-FEB4-419F-977D-5BC43DB0DD77}"/>
+                <a16:creationId xmlns:a16="http://schemas.microsoft.com/office/drawing/2014/main" xmlns="" id="{E82D1BFA-FEB4-419F-977D-5BC43DB0DD77}"/>
               </a:ext>
             </a:extLst>
           </p:cNvPr>
@@ -17872,10 +17869,10 @@
           <p:cNvPr id="27" name="Isosceles Triangle 26">
             <a:extLst>
               <a:ext uri="{FF2B5EF4-FFF2-40B4-BE49-F238E27FC236}">
-                <a16:creationId xmlns="" xmlns:a16="http://schemas.microsoft.com/office/drawing/2014/main" id="{266F638A-E405-4AC0-B984-72E5813B0DD1}"/>
+                <a16:creationId xmlns:a16="http://schemas.microsoft.com/office/drawing/2014/main" xmlns="" id="{266F638A-E405-4AC0-B984-72E5813B0DD1}"/>
               </a:ext>
               <a:ext uri="{C183D7F6-B498-43B3-948B-1728B52AA6E4}">
-                <adec:decorative xmlns="" xmlns:adec="http://schemas.microsoft.com/office/drawing/2017/decorative" val="1"/>
+                <adec:decorative xmlns:adec="http://schemas.microsoft.com/office/drawing/2017/decorative" xmlns="" val="1"/>
               </a:ext>
             </a:extLst>
           </p:cNvPr>
@@ -17885,7 +17882,7 @@
           <p:nvPr>
             <p:extLst>
               <p:ext uri="{386F3935-93C4-4BCD-93E2-E3B085C9AB24}">
-                <p16:designElem xmlns="" xmlns:p16="http://schemas.microsoft.com/office/powerpoint/2015/main" val="1"/>
+                <p16:designElem xmlns:p16="http://schemas.microsoft.com/office/powerpoint/2015/main" val="1"/>
               </p:ext>
             </p:extLst>
           </p:nvPr>
@@ -17928,10 +17925,10 @@
           <p:cNvPr id="29" name="Straight Connector 28">
             <a:extLst>
               <a:ext uri="{FF2B5EF4-FFF2-40B4-BE49-F238E27FC236}">
-                <a16:creationId xmlns="" xmlns:a16="http://schemas.microsoft.com/office/drawing/2014/main" id="{7D1CBE93-B17D-4509-843C-82287C38032A}"/>
+                <a16:creationId xmlns:a16="http://schemas.microsoft.com/office/drawing/2014/main" xmlns="" id="{7D1CBE93-B17D-4509-843C-82287C38032A}"/>
               </a:ext>
               <a:ext uri="{C183D7F6-B498-43B3-948B-1728B52AA6E4}">
-                <adec:decorative xmlns="" xmlns:adec="http://schemas.microsoft.com/office/drawing/2017/decorative" val="1"/>
+                <adec:decorative xmlns:adec="http://schemas.microsoft.com/office/drawing/2017/decorative" xmlns="" val="1"/>
               </a:ext>
             </a:extLst>
           </p:cNvPr>
@@ -17941,7 +17938,7 @@
           <p:nvPr>
             <p:extLst>
               <p:ext uri="{386F3935-93C4-4BCD-93E2-E3B085C9AB24}">
-                <p16:designElem xmlns="" xmlns:p16="http://schemas.microsoft.com/office/powerpoint/2015/main" val="1"/>
+                <p16:designElem xmlns:p16="http://schemas.microsoft.com/office/powerpoint/2015/main" val="1"/>
               </p:ext>
             </p:extLst>
           </p:nvPr>
@@ -17981,10 +17978,10 @@
           <p:cNvPr id="31" name="Straight Connector 30">
             <a:extLst>
               <a:ext uri="{FF2B5EF4-FFF2-40B4-BE49-F238E27FC236}">
-                <a16:creationId xmlns="" xmlns:a16="http://schemas.microsoft.com/office/drawing/2014/main" id="{AE6277B4-6A43-48AB-89B2-3442221619CC}"/>
+                <a16:creationId xmlns:a16="http://schemas.microsoft.com/office/drawing/2014/main" xmlns="" id="{AE6277B4-6A43-48AB-89B2-3442221619CC}"/>
               </a:ext>
               <a:ext uri="{C183D7F6-B498-43B3-948B-1728B52AA6E4}">
-                <adec:decorative xmlns="" xmlns:adec="http://schemas.microsoft.com/office/drawing/2017/decorative" val="1"/>
+                <adec:decorative xmlns:adec="http://schemas.microsoft.com/office/drawing/2017/decorative" xmlns="" val="1"/>
               </a:ext>
             </a:extLst>
           </p:cNvPr>
@@ -17994,7 +17991,7 @@
           <p:nvPr>
             <p:extLst>
               <p:ext uri="{386F3935-93C4-4BCD-93E2-E3B085C9AB24}">
-                <p16:designElem xmlns="" xmlns:p16="http://schemas.microsoft.com/office/powerpoint/2015/main" val="1"/>
+                <p16:designElem xmlns:p16="http://schemas.microsoft.com/office/powerpoint/2015/main" val="1"/>
               </p:ext>
             </p:extLst>
           </p:nvPr>
@@ -18033,7 +18030,7 @@
           <p:cNvPr id="2" name="Content Placeholder 1">
             <a:extLst>
               <a:ext uri="{FF2B5EF4-FFF2-40B4-BE49-F238E27FC236}">
-                <a16:creationId xmlns="" xmlns:a16="http://schemas.microsoft.com/office/drawing/2014/main" id="{39A6FAD1-C2C6-47B8-A6FE-188892E09DF4}"/>
+                <a16:creationId xmlns:a16="http://schemas.microsoft.com/office/drawing/2014/main" xmlns="" id="{39A6FAD1-C2C6-47B8-A6FE-188892E09DF4}"/>
               </a:ext>
             </a:extLst>
           </p:cNvPr>
@@ -18136,7 +18133,11 @@
             </a:r>
             <a:r>
               <a:rPr lang="en-US" sz="2800" dirty="0" smtClean="0"/>
-              <a:t> XML</a:t>
+              <a:t> </a:t>
+            </a:r>
+            <a:r>
+              <a:rPr lang="en-US" sz="2800" dirty="0" smtClean="0"/>
+              <a:t>XML</a:t>
             </a:r>
           </a:p>
           <a:p>
@@ -18199,6 +18200,40 @@
             <a:r>
               <a:rPr lang="en-US" sz="2800" dirty="0" smtClean="0"/>
               <a:t> server</a:t>
+            </a:r>
+          </a:p>
+          <a:p>
+            <a:r>
+              <a:rPr lang="en-US" sz="2800" dirty="0" err="1" smtClean="0"/>
+              <a:t>Biểu</a:t>
+            </a:r>
+            <a:r>
+              <a:rPr lang="en-US" sz="2800" dirty="0" smtClean="0"/>
+              <a:t> </a:t>
+            </a:r>
+            <a:r>
+              <a:rPr lang="en-US" sz="2800" dirty="0" err="1" smtClean="0"/>
+              <a:t>diễn</a:t>
+            </a:r>
+            <a:r>
+              <a:rPr lang="en-US" sz="2800" dirty="0" smtClean="0"/>
+              <a:t> </a:t>
+            </a:r>
+            <a:r>
+              <a:rPr lang="en-US" sz="2800" dirty="0" err="1" smtClean="0"/>
+              <a:t>dưới</a:t>
+            </a:r>
+            <a:r>
+              <a:rPr lang="en-US" sz="2800" dirty="0" smtClean="0"/>
+              <a:t> </a:t>
+            </a:r>
+            <a:r>
+              <a:rPr lang="en-US" sz="2800" dirty="0" err="1" smtClean="0"/>
+              <a:t>dạng</a:t>
+            </a:r>
+            <a:r>
+              <a:rPr lang="en-US" sz="2800" dirty="0" smtClean="0"/>
+              <a:t> binary</a:t>
             </a:r>
             <a:endParaRPr lang="en-US" sz="2800" dirty="0"/>
           </a:p>
@@ -18209,10 +18244,10 @@
           <p:cNvPr id="33" name="Rectangle 27">
             <a:extLst>
               <a:ext uri="{FF2B5EF4-FFF2-40B4-BE49-F238E27FC236}">
-                <a16:creationId xmlns="" xmlns:a16="http://schemas.microsoft.com/office/drawing/2014/main" id="{27B538D5-95DB-47ED-9CB4-34AE5BF78E6B}"/>
+                <a16:creationId xmlns:a16="http://schemas.microsoft.com/office/drawing/2014/main" xmlns="" id="{27B538D5-95DB-47ED-9CB4-34AE5BF78E6B}"/>
               </a:ext>
               <a:ext uri="{C183D7F6-B498-43B3-948B-1728B52AA6E4}">
-                <adec:decorative xmlns="" xmlns:adec="http://schemas.microsoft.com/office/drawing/2017/decorative" val="1"/>
+                <adec:decorative xmlns:adec="http://schemas.microsoft.com/office/drawing/2017/decorative" xmlns="" val="1"/>
               </a:ext>
             </a:extLst>
           </p:cNvPr>
@@ -18222,7 +18257,7 @@
           <p:nvPr>
             <p:extLst>
               <p:ext uri="{386F3935-93C4-4BCD-93E2-E3B085C9AB24}">
-                <p16:designElem xmlns="" xmlns:p16="http://schemas.microsoft.com/office/powerpoint/2015/main" val="1"/>
+                <p16:designElem xmlns:p16="http://schemas.microsoft.com/office/powerpoint/2015/main" val="1"/>
               </p:ext>
             </p:extLst>
           </p:nvPr>
@@ -18287,7 +18322,7 @@
           <p:cNvPr id="4" name="Date Placeholder 3">
             <a:extLst>
               <a:ext uri="{FF2B5EF4-FFF2-40B4-BE49-F238E27FC236}">
-                <a16:creationId xmlns="" xmlns:a16="http://schemas.microsoft.com/office/drawing/2014/main" id="{6B2CF951-67E8-43A1-BBBD-A44046F57703}"/>
+                <a16:creationId xmlns:a16="http://schemas.microsoft.com/office/drawing/2014/main" xmlns="" id="{6B2CF951-67E8-43A1-BBBD-A44046F57703}"/>
               </a:ext>
             </a:extLst>
           </p:cNvPr>
@@ -18328,7 +18363,7 @@
                   <a:spcPts val="600"/>
                 </a:spcAft>
               </a:pPr>
-              <a:t>December 23, 2019</a:t>
+              <a:t>December 24, 2019</a:t>
             </a:fld>
             <a:endParaRPr lang="en-US" sz="1050" kern="1200" dirty="0">
               <a:solidFill>
@@ -18345,7 +18380,7 @@
           <p:cNvPr id="6" name="Slide Number Placeholder 5">
             <a:extLst>
               <a:ext uri="{FF2B5EF4-FFF2-40B4-BE49-F238E27FC236}">
-                <a16:creationId xmlns="" xmlns:a16="http://schemas.microsoft.com/office/drawing/2014/main" id="{9D6B4462-AECF-4C8B-82E2-282905936963}"/>
+                <a16:creationId xmlns:a16="http://schemas.microsoft.com/office/drawing/2014/main" xmlns="" id="{9D6B4462-AECF-4C8B-82E2-282905936963}"/>
               </a:ext>
             </a:extLst>
           </p:cNvPr>
@@ -18441,10 +18476,10 @@
           <p:cNvPr id="11" name="Group 10">
             <a:extLst>
               <a:ext uri="{FF2B5EF4-FFF2-40B4-BE49-F238E27FC236}">
-                <a16:creationId xmlns="" xmlns:a16="http://schemas.microsoft.com/office/drawing/2014/main" id="{09EA7EA7-74F5-4EE2-8E3D-1A10308259D7}"/>
+                <a16:creationId xmlns:a16="http://schemas.microsoft.com/office/drawing/2014/main" xmlns="" id="{09EA7EA7-74F5-4EE2-8E3D-1A10308259D7}"/>
               </a:ext>
               <a:ext uri="{C183D7F6-B498-43B3-948B-1728B52AA6E4}">
-                <adec:decorative xmlns="" xmlns:adec="http://schemas.microsoft.com/office/drawing/2017/decorative" val="1"/>
+                <adec:decorative xmlns:adec="http://schemas.microsoft.com/office/drawing/2017/decorative" xmlns="" val="1"/>
               </a:ext>
             </a:extLst>
           </p:cNvPr>
@@ -18454,7 +18489,7 @@
           <p:nvPr>
             <p:extLst>
               <p:ext uri="{386F3935-93C4-4BCD-93E2-E3B085C9AB24}">
-                <p16:designElem xmlns="" xmlns:p16="http://schemas.microsoft.com/office/powerpoint/2015/main" val="1"/>
+                <p16:designElem xmlns:p16="http://schemas.microsoft.com/office/powerpoint/2015/main" val="1"/>
               </p:ext>
             </p:extLst>
           </p:nvPr>
@@ -18472,10 +18507,10 @@
             <p:cNvPr id="12" name="Straight Connector 11">
               <a:extLst>
                 <a:ext uri="{FF2B5EF4-FFF2-40B4-BE49-F238E27FC236}">
-                  <a16:creationId xmlns="" xmlns:a16="http://schemas.microsoft.com/office/drawing/2014/main" id="{A5CE79B5-7EE4-424D-AD14-5DEFB61B85C8}"/>
+                  <a16:creationId xmlns:a16="http://schemas.microsoft.com/office/drawing/2014/main" xmlns="" id="{A5CE79B5-7EE4-424D-AD14-5DEFB61B85C8}"/>
                 </a:ext>
                 <a:ext uri="{C183D7F6-B498-43B3-948B-1728B52AA6E4}">
-                  <adec:decorative xmlns="" xmlns:adec="http://schemas.microsoft.com/office/drawing/2017/decorative" val="1"/>
+                  <adec:decorative xmlns:adec="http://schemas.microsoft.com/office/drawing/2017/decorative" xmlns="" val="1"/>
                 </a:ext>
               </a:extLst>
             </p:cNvPr>
@@ -18483,7 +18518,7 @@
             <p:nvPr>
               <p:extLst>
                 <p:ext uri="{386F3935-93C4-4BCD-93E2-E3B085C9AB24}">
-                  <p16:designElem xmlns="" xmlns:p16="http://schemas.microsoft.com/office/powerpoint/2015/main" val="1"/>
+                  <p16:designElem xmlns:p16="http://schemas.microsoft.com/office/powerpoint/2015/main" val="1"/>
                 </p:ext>
               </p:extLst>
             </p:nvPr>
@@ -18524,10 +18559,10 @@
             <p:cNvPr id="13" name="Straight Connector 12">
               <a:extLst>
                 <a:ext uri="{FF2B5EF4-FFF2-40B4-BE49-F238E27FC236}">
-                  <a16:creationId xmlns="" xmlns:a16="http://schemas.microsoft.com/office/drawing/2014/main" id="{696C926F-F999-44BA-8D86-9EAB51D65010}"/>
+                  <a16:creationId xmlns:a16="http://schemas.microsoft.com/office/drawing/2014/main" xmlns="" id="{696C926F-F999-44BA-8D86-9EAB51D65010}"/>
                 </a:ext>
                 <a:ext uri="{C183D7F6-B498-43B3-948B-1728B52AA6E4}">
-                  <adec:decorative xmlns="" xmlns:adec="http://schemas.microsoft.com/office/drawing/2017/decorative" val="1"/>
+                  <adec:decorative xmlns:adec="http://schemas.microsoft.com/office/drawing/2017/decorative" xmlns="" val="1"/>
                 </a:ext>
               </a:extLst>
             </p:cNvPr>
@@ -18535,7 +18570,7 @@
             <p:nvPr>
               <p:extLst>
                 <p:ext uri="{386F3935-93C4-4BCD-93E2-E3B085C9AB24}">
-                  <p16:designElem xmlns="" xmlns:p16="http://schemas.microsoft.com/office/powerpoint/2015/main" val="1"/>
+                  <p16:designElem xmlns:p16="http://schemas.microsoft.com/office/powerpoint/2015/main" val="1"/>
                 </p:ext>
               </p:extLst>
             </p:nvPr>
@@ -18576,10 +18611,10 @@
             <p:cNvPr id="14" name="Rectangle 23">
               <a:extLst>
                 <a:ext uri="{FF2B5EF4-FFF2-40B4-BE49-F238E27FC236}">
-                  <a16:creationId xmlns="" xmlns:a16="http://schemas.microsoft.com/office/drawing/2014/main" id="{248745E7-0AF0-48F9-8E58-2673FC5F4FDE}"/>
+                  <a16:creationId xmlns:a16="http://schemas.microsoft.com/office/drawing/2014/main" xmlns="" id="{248745E7-0AF0-48F9-8E58-2673FC5F4FDE}"/>
                 </a:ext>
                 <a:ext uri="{C183D7F6-B498-43B3-948B-1728B52AA6E4}">
-                  <adec:decorative xmlns="" xmlns:adec="http://schemas.microsoft.com/office/drawing/2017/decorative" val="1"/>
+                  <adec:decorative xmlns:adec="http://schemas.microsoft.com/office/drawing/2017/decorative" xmlns="" val="1"/>
                 </a:ext>
               </a:extLst>
             </p:cNvPr>
@@ -18587,7 +18622,7 @@
             <p:nvPr>
               <p:extLst>
                 <p:ext uri="{386F3935-93C4-4BCD-93E2-E3B085C9AB24}">
-                  <p16:designElem xmlns="" xmlns:p16="http://schemas.microsoft.com/office/powerpoint/2015/main" val="1"/>
+                  <p16:designElem xmlns:p16="http://schemas.microsoft.com/office/powerpoint/2015/main" val="1"/>
                 </p:ext>
               </p:extLst>
             </p:nvPr>
@@ -18654,10 +18689,10 @@
             <p:cNvPr id="15" name="Rectangle 25">
               <a:extLst>
                 <a:ext uri="{FF2B5EF4-FFF2-40B4-BE49-F238E27FC236}">
-                  <a16:creationId xmlns="" xmlns:a16="http://schemas.microsoft.com/office/drawing/2014/main" id="{9715E81A-D2E0-4431-9370-4E4A9ECA7F9C}"/>
+                  <a16:creationId xmlns:a16="http://schemas.microsoft.com/office/drawing/2014/main" xmlns="" id="{9715E81A-D2E0-4431-9370-4E4A9ECA7F9C}"/>
                 </a:ext>
                 <a:ext uri="{C183D7F6-B498-43B3-948B-1728B52AA6E4}">
-                  <adec:decorative xmlns="" xmlns:adec="http://schemas.microsoft.com/office/drawing/2017/decorative" val="1"/>
+                  <adec:decorative xmlns:adec="http://schemas.microsoft.com/office/drawing/2017/decorative" xmlns="" val="1"/>
                 </a:ext>
               </a:extLst>
             </p:cNvPr>
@@ -18665,7 +18700,7 @@
             <p:nvPr>
               <p:extLst>
                 <p:ext uri="{386F3935-93C4-4BCD-93E2-E3B085C9AB24}">
-                  <p16:designElem xmlns="" xmlns:p16="http://schemas.microsoft.com/office/powerpoint/2015/main" val="1"/>
+                  <p16:designElem xmlns:p16="http://schemas.microsoft.com/office/powerpoint/2015/main" val="1"/>
                 </p:ext>
               </p:extLst>
             </p:nvPr>
@@ -18732,10 +18767,10 @@
             <p:cNvPr id="16" name="Isosceles Triangle 15">
               <a:extLst>
                 <a:ext uri="{FF2B5EF4-FFF2-40B4-BE49-F238E27FC236}">
-                  <a16:creationId xmlns="" xmlns:a16="http://schemas.microsoft.com/office/drawing/2014/main" id="{CEDB37A9-282D-4DDB-85AD-B2090A82531F}"/>
+                  <a16:creationId xmlns:a16="http://schemas.microsoft.com/office/drawing/2014/main" xmlns="" id="{CEDB37A9-282D-4DDB-85AD-B2090A82531F}"/>
                 </a:ext>
                 <a:ext uri="{C183D7F6-B498-43B3-948B-1728B52AA6E4}">
-                  <adec:decorative xmlns="" xmlns:adec="http://schemas.microsoft.com/office/drawing/2017/decorative" val="1"/>
+                  <adec:decorative xmlns:adec="http://schemas.microsoft.com/office/drawing/2017/decorative" xmlns="" val="1"/>
                 </a:ext>
               </a:extLst>
             </p:cNvPr>
@@ -18743,7 +18778,7 @@
             <p:nvPr>
               <p:extLst>
                 <p:ext uri="{386F3935-93C4-4BCD-93E2-E3B085C9AB24}">
-                  <p16:designElem xmlns="" xmlns:p16="http://schemas.microsoft.com/office/powerpoint/2015/main" val="1"/>
+                  <p16:designElem xmlns:p16="http://schemas.microsoft.com/office/powerpoint/2015/main" val="1"/>
                 </p:ext>
               </p:extLst>
             </p:nvPr>
@@ -18788,10 +18823,10 @@
             <p:cNvPr id="17" name="Rectangle 27">
               <a:extLst>
                 <a:ext uri="{FF2B5EF4-FFF2-40B4-BE49-F238E27FC236}">
-                  <a16:creationId xmlns="" xmlns:a16="http://schemas.microsoft.com/office/drawing/2014/main" id="{533D5933-7F91-4F5E-BC31-42FD0E2D8DEF}"/>
+                  <a16:creationId xmlns:a16="http://schemas.microsoft.com/office/drawing/2014/main" xmlns="" id="{533D5933-7F91-4F5E-BC31-42FD0E2D8DEF}"/>
                 </a:ext>
                 <a:ext uri="{C183D7F6-B498-43B3-948B-1728B52AA6E4}">
-                  <adec:decorative xmlns="" xmlns:adec="http://schemas.microsoft.com/office/drawing/2017/decorative" val="1"/>
+                  <adec:decorative xmlns:adec="http://schemas.microsoft.com/office/drawing/2017/decorative" xmlns="" val="1"/>
                 </a:ext>
               </a:extLst>
             </p:cNvPr>
@@ -18799,7 +18834,7 @@
             <p:nvPr>
               <p:extLst>
                 <p:ext uri="{386F3935-93C4-4BCD-93E2-E3B085C9AB24}">
-                  <p16:designElem xmlns="" xmlns:p16="http://schemas.microsoft.com/office/powerpoint/2015/main" val="1"/>
+                  <p16:designElem xmlns:p16="http://schemas.microsoft.com/office/powerpoint/2015/main" val="1"/>
                 </p:ext>
               </p:extLst>
             </p:nvPr>
@@ -18867,10 +18902,10 @@
             <p:cNvPr id="18" name="Rectangle 28">
               <a:extLst>
                 <a:ext uri="{FF2B5EF4-FFF2-40B4-BE49-F238E27FC236}">
-                  <a16:creationId xmlns="" xmlns:a16="http://schemas.microsoft.com/office/drawing/2014/main" id="{37ADDF68-C9BE-46EA-83DE-2C07DD83960F}"/>
+                  <a16:creationId xmlns:a16="http://schemas.microsoft.com/office/drawing/2014/main" xmlns="" id="{37ADDF68-C9BE-46EA-83DE-2C07DD83960F}"/>
                 </a:ext>
                 <a:ext uri="{C183D7F6-B498-43B3-948B-1728B52AA6E4}">
-                  <adec:decorative xmlns="" xmlns:adec="http://schemas.microsoft.com/office/drawing/2017/decorative" val="1"/>
+                  <adec:decorative xmlns:adec="http://schemas.microsoft.com/office/drawing/2017/decorative" xmlns="" val="1"/>
                 </a:ext>
               </a:extLst>
             </p:cNvPr>
@@ -18878,7 +18913,7 @@
             <p:nvPr>
               <p:extLst>
                 <p:ext uri="{386F3935-93C4-4BCD-93E2-E3B085C9AB24}">
-                  <p16:designElem xmlns="" xmlns:p16="http://schemas.microsoft.com/office/powerpoint/2015/main" val="1"/>
+                  <p16:designElem xmlns:p16="http://schemas.microsoft.com/office/powerpoint/2015/main" val="1"/>
                 </p:ext>
               </p:extLst>
             </p:nvPr>
@@ -18947,10 +18982,10 @@
             <p:cNvPr id="19" name="Rectangle 29">
               <a:extLst>
                 <a:ext uri="{FF2B5EF4-FFF2-40B4-BE49-F238E27FC236}">
-                  <a16:creationId xmlns="" xmlns:a16="http://schemas.microsoft.com/office/drawing/2014/main" id="{10D67396-BABD-48A8-A892-CCB5095FA427}"/>
+                  <a16:creationId xmlns:a16="http://schemas.microsoft.com/office/drawing/2014/main" xmlns="" id="{10D67396-BABD-48A8-A892-CCB5095FA427}"/>
                 </a:ext>
                 <a:ext uri="{C183D7F6-B498-43B3-948B-1728B52AA6E4}">
-                  <adec:decorative xmlns="" xmlns:adec="http://schemas.microsoft.com/office/drawing/2017/decorative" val="1"/>
+                  <adec:decorative xmlns:adec="http://schemas.microsoft.com/office/drawing/2017/decorative" xmlns="" val="1"/>
                 </a:ext>
               </a:extLst>
             </p:cNvPr>
@@ -18958,7 +18993,7 @@
             <p:nvPr>
               <p:extLst>
                 <p:ext uri="{386F3935-93C4-4BCD-93E2-E3B085C9AB24}">
-                  <p16:designElem xmlns="" xmlns:p16="http://schemas.microsoft.com/office/powerpoint/2015/main" val="1"/>
+                  <p16:designElem xmlns:p16="http://schemas.microsoft.com/office/powerpoint/2015/main" val="1"/>
                 </p:ext>
               </p:extLst>
             </p:nvPr>
@@ -19025,10 +19060,10 @@
             <p:cNvPr id="20" name="Isosceles Triangle 19">
               <a:extLst>
                 <a:ext uri="{FF2B5EF4-FFF2-40B4-BE49-F238E27FC236}">
-                  <a16:creationId xmlns="" xmlns:a16="http://schemas.microsoft.com/office/drawing/2014/main" id="{626DA82A-72C2-4DF6-9CF0-0D1F6B96B529}"/>
+                  <a16:creationId xmlns:a16="http://schemas.microsoft.com/office/drawing/2014/main" xmlns="" id="{626DA82A-72C2-4DF6-9CF0-0D1F6B96B529}"/>
                 </a:ext>
                 <a:ext uri="{C183D7F6-B498-43B3-948B-1728B52AA6E4}">
-                  <adec:decorative xmlns="" xmlns:adec="http://schemas.microsoft.com/office/drawing/2017/decorative" val="1"/>
+                  <adec:decorative xmlns:adec="http://schemas.microsoft.com/office/drawing/2017/decorative" xmlns="" val="1"/>
                 </a:ext>
               </a:extLst>
             </p:cNvPr>
@@ -19036,7 +19071,7 @@
             <p:nvPr>
               <p:extLst>
                 <p:ext uri="{386F3935-93C4-4BCD-93E2-E3B085C9AB24}">
-                  <p16:designElem xmlns="" xmlns:p16="http://schemas.microsoft.com/office/powerpoint/2015/main" val="1"/>
+                  <p16:designElem xmlns:p16="http://schemas.microsoft.com/office/powerpoint/2015/main" val="1"/>
                 </p:ext>
               </p:extLst>
             </p:nvPr>
@@ -19081,10 +19116,10 @@
             <p:cNvPr id="21" name="Isosceles Triangle 20">
               <a:extLst>
                 <a:ext uri="{FF2B5EF4-FFF2-40B4-BE49-F238E27FC236}">
-                  <a16:creationId xmlns="" xmlns:a16="http://schemas.microsoft.com/office/drawing/2014/main" id="{8EE6DC63-4380-4BE0-A68A-8F01162BD192}"/>
+                  <a16:creationId xmlns:a16="http://schemas.microsoft.com/office/drawing/2014/main" xmlns="" id="{8EE6DC63-4380-4BE0-A68A-8F01162BD192}"/>
                 </a:ext>
                 <a:ext uri="{C183D7F6-B498-43B3-948B-1728B52AA6E4}">
-                  <adec:decorative xmlns="" xmlns:adec="http://schemas.microsoft.com/office/drawing/2017/decorative" val="1"/>
+                  <adec:decorative xmlns:adec="http://schemas.microsoft.com/office/drawing/2017/decorative" xmlns="" val="1"/>
                 </a:ext>
               </a:extLst>
             </p:cNvPr>
@@ -19092,7 +19127,7 @@
             <p:nvPr>
               <p:extLst>
                 <p:ext uri="{386F3935-93C4-4BCD-93E2-E3B085C9AB24}">
-                  <p16:designElem xmlns="" xmlns:p16="http://schemas.microsoft.com/office/powerpoint/2015/main" val="1"/>
+                  <p16:designElem xmlns:p16="http://schemas.microsoft.com/office/powerpoint/2015/main" val="1"/>
                 </p:ext>
               </p:extLst>
             </p:nvPr>
@@ -19138,10 +19173,10 @@
           <p:cNvPr id="23" name="Rectangle 22">
             <a:extLst>
               <a:ext uri="{FF2B5EF4-FFF2-40B4-BE49-F238E27FC236}">
-                <a16:creationId xmlns="" xmlns:a16="http://schemas.microsoft.com/office/drawing/2014/main" id="{8DF4D7F6-81B5-452A-9CE6-76D81F91D41B}"/>
+                <a16:creationId xmlns:a16="http://schemas.microsoft.com/office/drawing/2014/main" xmlns="" id="{8DF4D7F6-81B5-452A-9CE6-76D81F91D41B}"/>
               </a:ext>
               <a:ext uri="{C183D7F6-B498-43B3-948B-1728B52AA6E4}">
-                <adec:decorative xmlns="" xmlns:adec="http://schemas.microsoft.com/office/drawing/2017/decorative" val="1"/>
+                <adec:decorative xmlns:adec="http://schemas.microsoft.com/office/drawing/2017/decorative" xmlns="" val="1"/>
               </a:ext>
             </a:extLst>
           </p:cNvPr>
@@ -19151,7 +19186,7 @@
           <p:nvPr>
             <p:extLst>
               <p:ext uri="{386F3935-93C4-4BCD-93E2-E3B085C9AB24}">
-                <p16:designElem xmlns="" xmlns:p16="http://schemas.microsoft.com/office/powerpoint/2015/main" val="1"/>
+                <p16:designElem xmlns:p16="http://schemas.microsoft.com/office/powerpoint/2015/main" val="1"/>
               </p:ext>
             </p:extLst>
           </p:nvPr>
@@ -19198,7 +19233,7 @@
           <p:cNvPr id="3" name="Title 2">
             <a:extLst>
               <a:ext uri="{FF2B5EF4-FFF2-40B4-BE49-F238E27FC236}">
-                <a16:creationId xmlns="" xmlns:a16="http://schemas.microsoft.com/office/drawing/2014/main" id="{12FD7EA0-CFEB-4E75-8AFB-5B8FE68C9A91}"/>
+                <a16:creationId xmlns:a16="http://schemas.microsoft.com/office/drawing/2014/main" xmlns="" id="{12FD7EA0-CFEB-4E75-8AFB-5B8FE68C9A91}"/>
               </a:ext>
             </a:extLst>
           </p:cNvPr>
@@ -19258,10 +19293,10 @@
           <p:cNvPr id="25" name="Isosceles Triangle 24">
             <a:extLst>
               <a:ext uri="{FF2B5EF4-FFF2-40B4-BE49-F238E27FC236}">
-                <a16:creationId xmlns="" xmlns:a16="http://schemas.microsoft.com/office/drawing/2014/main" id="{4600514D-20FB-4559-97DC-D1DC39E6C3DE}"/>
+                <a16:creationId xmlns:a16="http://schemas.microsoft.com/office/drawing/2014/main" xmlns="" id="{4600514D-20FB-4559-97DC-D1DC39E6C3DE}"/>
               </a:ext>
               <a:ext uri="{C183D7F6-B498-43B3-948B-1728B52AA6E4}">
-                <adec:decorative xmlns="" xmlns:adec="http://schemas.microsoft.com/office/drawing/2017/decorative" val="1"/>
+                <adec:decorative xmlns:adec="http://schemas.microsoft.com/office/drawing/2017/decorative" xmlns="" val="1"/>
               </a:ext>
             </a:extLst>
           </p:cNvPr>
@@ -19271,7 +19306,7 @@
           <p:nvPr>
             <p:extLst>
               <p:ext uri="{386F3935-93C4-4BCD-93E2-E3B085C9AB24}">
-                <p16:designElem xmlns="" xmlns:p16="http://schemas.microsoft.com/office/powerpoint/2015/main" val="1"/>
+                <p16:designElem xmlns:p16="http://schemas.microsoft.com/office/powerpoint/2015/main" val="1"/>
               </p:ext>
             </p:extLst>
           </p:nvPr>
@@ -19316,7 +19351,7 @@
           <p:cNvPr id="5" name="Footer Placeholder 4">
             <a:extLst>
               <a:ext uri="{FF2B5EF4-FFF2-40B4-BE49-F238E27FC236}">
-                <a16:creationId xmlns="" xmlns:a16="http://schemas.microsoft.com/office/drawing/2014/main" id="{E82D1BFA-FEB4-419F-977D-5BC43DB0DD77}"/>
+                <a16:creationId xmlns:a16="http://schemas.microsoft.com/office/drawing/2014/main" xmlns="" id="{E82D1BFA-FEB4-419F-977D-5BC43DB0DD77}"/>
               </a:ext>
             </a:extLst>
           </p:cNvPr>
@@ -19372,10 +19407,10 @@
           <p:cNvPr id="27" name="Isosceles Triangle 26">
             <a:extLst>
               <a:ext uri="{FF2B5EF4-FFF2-40B4-BE49-F238E27FC236}">
-                <a16:creationId xmlns="" xmlns:a16="http://schemas.microsoft.com/office/drawing/2014/main" id="{266F638A-E405-4AC0-B984-72E5813B0DD1}"/>
+                <a16:creationId xmlns:a16="http://schemas.microsoft.com/office/drawing/2014/main" xmlns="" id="{266F638A-E405-4AC0-B984-72E5813B0DD1}"/>
               </a:ext>
               <a:ext uri="{C183D7F6-B498-43B3-948B-1728B52AA6E4}">
-                <adec:decorative xmlns="" xmlns:adec="http://schemas.microsoft.com/office/drawing/2017/decorative" val="1"/>
+                <adec:decorative xmlns:adec="http://schemas.microsoft.com/office/drawing/2017/decorative" xmlns="" val="1"/>
               </a:ext>
             </a:extLst>
           </p:cNvPr>
@@ -19385,7 +19420,7 @@
           <p:nvPr>
             <p:extLst>
               <p:ext uri="{386F3935-93C4-4BCD-93E2-E3B085C9AB24}">
-                <p16:designElem xmlns="" xmlns:p16="http://schemas.microsoft.com/office/powerpoint/2015/main" val="1"/>
+                <p16:designElem xmlns:p16="http://schemas.microsoft.com/office/powerpoint/2015/main" val="1"/>
               </p:ext>
             </p:extLst>
           </p:nvPr>
@@ -19428,10 +19463,10 @@
           <p:cNvPr id="29" name="Straight Connector 28">
             <a:extLst>
               <a:ext uri="{FF2B5EF4-FFF2-40B4-BE49-F238E27FC236}">
-                <a16:creationId xmlns="" xmlns:a16="http://schemas.microsoft.com/office/drawing/2014/main" id="{7D1CBE93-B17D-4509-843C-82287C38032A}"/>
+                <a16:creationId xmlns:a16="http://schemas.microsoft.com/office/drawing/2014/main" xmlns="" id="{7D1CBE93-B17D-4509-843C-82287C38032A}"/>
               </a:ext>
               <a:ext uri="{C183D7F6-B498-43B3-948B-1728B52AA6E4}">
-                <adec:decorative xmlns="" xmlns:adec="http://schemas.microsoft.com/office/drawing/2017/decorative" val="1"/>
+                <adec:decorative xmlns:adec="http://schemas.microsoft.com/office/drawing/2017/decorative" xmlns="" val="1"/>
               </a:ext>
             </a:extLst>
           </p:cNvPr>
@@ -19441,7 +19476,7 @@
           <p:nvPr>
             <p:extLst>
               <p:ext uri="{386F3935-93C4-4BCD-93E2-E3B085C9AB24}">
-                <p16:designElem xmlns="" xmlns:p16="http://schemas.microsoft.com/office/powerpoint/2015/main" val="1"/>
+                <p16:designElem xmlns:p16="http://schemas.microsoft.com/office/powerpoint/2015/main" val="1"/>
               </p:ext>
             </p:extLst>
           </p:nvPr>
@@ -19481,10 +19516,10 @@
           <p:cNvPr id="31" name="Straight Connector 30">
             <a:extLst>
               <a:ext uri="{FF2B5EF4-FFF2-40B4-BE49-F238E27FC236}">
-                <a16:creationId xmlns="" xmlns:a16="http://schemas.microsoft.com/office/drawing/2014/main" id="{AE6277B4-6A43-48AB-89B2-3442221619CC}"/>
+                <a16:creationId xmlns:a16="http://schemas.microsoft.com/office/drawing/2014/main" xmlns="" id="{AE6277B4-6A43-48AB-89B2-3442221619CC}"/>
               </a:ext>
               <a:ext uri="{C183D7F6-B498-43B3-948B-1728B52AA6E4}">
-                <adec:decorative xmlns="" xmlns:adec="http://schemas.microsoft.com/office/drawing/2017/decorative" val="1"/>
+                <adec:decorative xmlns:adec="http://schemas.microsoft.com/office/drawing/2017/decorative" xmlns="" val="1"/>
               </a:ext>
             </a:extLst>
           </p:cNvPr>
@@ -19494,7 +19529,7 @@
           <p:nvPr>
             <p:extLst>
               <p:ext uri="{386F3935-93C4-4BCD-93E2-E3B085C9AB24}">
-                <p16:designElem xmlns="" xmlns:p16="http://schemas.microsoft.com/office/powerpoint/2015/main" val="1"/>
+                <p16:designElem xmlns:p16="http://schemas.microsoft.com/office/powerpoint/2015/main" val="1"/>
               </p:ext>
             </p:extLst>
           </p:nvPr>
@@ -19533,7 +19568,7 @@
           <p:cNvPr id="2" name="Content Placeholder 1">
             <a:extLst>
               <a:ext uri="{FF2B5EF4-FFF2-40B4-BE49-F238E27FC236}">
-                <a16:creationId xmlns="" xmlns:a16="http://schemas.microsoft.com/office/drawing/2014/main" id="{39A6FAD1-C2C6-47B8-A6FE-188892E09DF4}"/>
+                <a16:creationId xmlns:a16="http://schemas.microsoft.com/office/drawing/2014/main" xmlns="" id="{39A6FAD1-C2C6-47B8-A6FE-188892E09DF4}"/>
               </a:ext>
             </a:extLst>
           </p:cNvPr>
@@ -19583,12 +19618,44 @@
               <a:rPr lang="en-US" sz="2800" dirty="0" err="1" smtClean="0"/>
               <a:t>hơn</a:t>
             </a:r>
-            <a:endParaRPr lang="en-US" sz="2800" dirty="0"/>
+            <a:endParaRPr lang="en-US" sz="2800" dirty="0" smtClean="0"/>
           </a:p>
           <a:p>
             <a:r>
               <a:rPr lang="en-US" sz="2800" dirty="0" err="1" smtClean="0"/>
-              <a:t>Đơn</a:t>
+              <a:t>Cấu</a:t>
+            </a:r>
+            <a:r>
+              <a:rPr lang="en-US" sz="2800" dirty="0" smtClean="0"/>
+              <a:t> </a:t>
+            </a:r>
+            <a:r>
+              <a:rPr lang="en-US" sz="2800" dirty="0" err="1" smtClean="0"/>
+              <a:t>trúc</a:t>
+            </a:r>
+            <a:r>
+              <a:rPr lang="en-US" sz="2800" dirty="0" smtClean="0"/>
+              <a:t> </a:t>
+            </a:r>
+            <a:r>
+              <a:rPr lang="en-US" sz="2800" dirty="0" err="1" smtClean="0"/>
+              <a:t>dữ</a:t>
+            </a:r>
+            <a:r>
+              <a:rPr lang="en-US" sz="2800" dirty="0" smtClean="0"/>
+              <a:t> </a:t>
+            </a:r>
+            <a:r>
+              <a:rPr lang="en-US" sz="2800" dirty="0" err="1" smtClean="0"/>
+              <a:t>liệu</a:t>
+            </a:r>
+            <a:r>
+              <a:rPr lang="en-US" sz="2800" dirty="0" smtClean="0"/>
+              <a:t> </a:t>
+            </a:r>
+            <a:r>
+              <a:rPr lang="en-US" sz="2800" dirty="0" err="1" smtClean="0"/>
+              <a:t>đơn</a:t>
             </a:r>
             <a:r>
               <a:rPr lang="en-US" sz="2800" dirty="0" smtClean="0"/>
@@ -19615,10 +19682,10 @@
           <p:cNvPr id="33" name="Rectangle 27">
             <a:extLst>
               <a:ext uri="{FF2B5EF4-FFF2-40B4-BE49-F238E27FC236}">
-                <a16:creationId xmlns="" xmlns:a16="http://schemas.microsoft.com/office/drawing/2014/main" id="{27B538D5-95DB-47ED-9CB4-34AE5BF78E6B}"/>
+                <a16:creationId xmlns:a16="http://schemas.microsoft.com/office/drawing/2014/main" xmlns="" id="{27B538D5-95DB-47ED-9CB4-34AE5BF78E6B}"/>
               </a:ext>
               <a:ext uri="{C183D7F6-B498-43B3-948B-1728B52AA6E4}">
-                <adec:decorative xmlns="" xmlns:adec="http://schemas.microsoft.com/office/drawing/2017/decorative" val="1"/>
+                <adec:decorative xmlns:adec="http://schemas.microsoft.com/office/drawing/2017/decorative" xmlns="" val="1"/>
               </a:ext>
             </a:extLst>
           </p:cNvPr>
@@ -19628,7 +19695,7 @@
           <p:nvPr>
             <p:extLst>
               <p:ext uri="{386F3935-93C4-4BCD-93E2-E3B085C9AB24}">
-                <p16:designElem xmlns="" xmlns:p16="http://schemas.microsoft.com/office/powerpoint/2015/main" val="1"/>
+                <p16:designElem xmlns:p16="http://schemas.microsoft.com/office/powerpoint/2015/main" val="1"/>
               </p:ext>
             </p:extLst>
           </p:nvPr>
@@ -19693,7 +19760,7 @@
           <p:cNvPr id="4" name="Date Placeholder 3">
             <a:extLst>
               <a:ext uri="{FF2B5EF4-FFF2-40B4-BE49-F238E27FC236}">
-                <a16:creationId xmlns="" xmlns:a16="http://schemas.microsoft.com/office/drawing/2014/main" id="{6B2CF951-67E8-43A1-BBBD-A44046F57703}"/>
+                <a16:creationId xmlns:a16="http://schemas.microsoft.com/office/drawing/2014/main" xmlns="" id="{6B2CF951-67E8-43A1-BBBD-A44046F57703}"/>
               </a:ext>
             </a:extLst>
           </p:cNvPr>
@@ -19734,7 +19801,7 @@
                   <a:spcPts val="600"/>
                 </a:spcAft>
               </a:pPr>
-              <a:t>December 23, 2019</a:t>
+              <a:t>December 24, 2019</a:t>
             </a:fld>
             <a:endParaRPr lang="en-US" sz="1050" kern="1200" dirty="0">
               <a:solidFill>
@@ -19751,7 +19818,7 @@
           <p:cNvPr id="6" name="Slide Number Placeholder 5">
             <a:extLst>
               <a:ext uri="{FF2B5EF4-FFF2-40B4-BE49-F238E27FC236}">
-                <a16:creationId xmlns="" xmlns:a16="http://schemas.microsoft.com/office/drawing/2014/main" id="{9D6B4462-AECF-4C8B-82E2-282905936963}"/>
+                <a16:creationId xmlns:a16="http://schemas.microsoft.com/office/drawing/2014/main" xmlns="" id="{9D6B4462-AECF-4C8B-82E2-282905936963}"/>
               </a:ext>
             </a:extLst>
           </p:cNvPr>
@@ -19847,10 +19914,10 @@
           <p:cNvPr id="11" name="Group 10">
             <a:extLst>
               <a:ext uri="{FF2B5EF4-FFF2-40B4-BE49-F238E27FC236}">
-                <a16:creationId xmlns="" xmlns:a16="http://schemas.microsoft.com/office/drawing/2014/main" id="{09EA7EA7-74F5-4EE2-8E3D-1A10308259D7}"/>
+                <a16:creationId xmlns:a16="http://schemas.microsoft.com/office/drawing/2014/main" xmlns="" id="{09EA7EA7-74F5-4EE2-8E3D-1A10308259D7}"/>
               </a:ext>
               <a:ext uri="{C183D7F6-B498-43B3-948B-1728B52AA6E4}">
-                <adec:decorative xmlns="" xmlns:adec="http://schemas.microsoft.com/office/drawing/2017/decorative" val="1"/>
+                <adec:decorative xmlns:adec="http://schemas.microsoft.com/office/drawing/2017/decorative" xmlns="" val="1"/>
               </a:ext>
             </a:extLst>
           </p:cNvPr>
@@ -19860,7 +19927,7 @@
           <p:nvPr>
             <p:extLst>
               <p:ext uri="{386F3935-93C4-4BCD-93E2-E3B085C9AB24}">
-                <p16:designElem xmlns="" xmlns:p16="http://schemas.microsoft.com/office/powerpoint/2015/main" val="1"/>
+                <p16:designElem xmlns:p16="http://schemas.microsoft.com/office/powerpoint/2015/main" val="1"/>
               </p:ext>
             </p:extLst>
           </p:nvPr>
@@ -19878,10 +19945,10 @@
             <p:cNvPr id="12" name="Straight Connector 11">
               <a:extLst>
                 <a:ext uri="{FF2B5EF4-FFF2-40B4-BE49-F238E27FC236}">
-                  <a16:creationId xmlns="" xmlns:a16="http://schemas.microsoft.com/office/drawing/2014/main" id="{A5CE79B5-7EE4-424D-AD14-5DEFB61B85C8}"/>
+                  <a16:creationId xmlns:a16="http://schemas.microsoft.com/office/drawing/2014/main" xmlns="" id="{A5CE79B5-7EE4-424D-AD14-5DEFB61B85C8}"/>
                 </a:ext>
                 <a:ext uri="{C183D7F6-B498-43B3-948B-1728B52AA6E4}">
-                  <adec:decorative xmlns="" xmlns:adec="http://schemas.microsoft.com/office/drawing/2017/decorative" val="1"/>
+                  <adec:decorative xmlns:adec="http://schemas.microsoft.com/office/drawing/2017/decorative" xmlns="" val="1"/>
                 </a:ext>
               </a:extLst>
             </p:cNvPr>
@@ -19889,7 +19956,7 @@
             <p:nvPr>
               <p:extLst>
                 <p:ext uri="{386F3935-93C4-4BCD-93E2-E3B085C9AB24}">
-                  <p16:designElem xmlns="" xmlns:p16="http://schemas.microsoft.com/office/powerpoint/2015/main" val="1"/>
+                  <p16:designElem xmlns:p16="http://schemas.microsoft.com/office/powerpoint/2015/main" val="1"/>
                 </p:ext>
               </p:extLst>
             </p:nvPr>
@@ -19930,10 +19997,10 @@
             <p:cNvPr id="13" name="Straight Connector 12">
               <a:extLst>
                 <a:ext uri="{FF2B5EF4-FFF2-40B4-BE49-F238E27FC236}">
-                  <a16:creationId xmlns="" xmlns:a16="http://schemas.microsoft.com/office/drawing/2014/main" id="{696C926F-F999-44BA-8D86-9EAB51D65010}"/>
+                  <a16:creationId xmlns:a16="http://schemas.microsoft.com/office/drawing/2014/main" xmlns="" id="{696C926F-F999-44BA-8D86-9EAB51D65010}"/>
                 </a:ext>
                 <a:ext uri="{C183D7F6-B498-43B3-948B-1728B52AA6E4}">
-                  <adec:decorative xmlns="" xmlns:adec="http://schemas.microsoft.com/office/drawing/2017/decorative" val="1"/>
+                  <adec:decorative xmlns:adec="http://schemas.microsoft.com/office/drawing/2017/decorative" xmlns="" val="1"/>
                 </a:ext>
               </a:extLst>
             </p:cNvPr>
@@ -19941,7 +20008,7 @@
             <p:nvPr>
               <p:extLst>
                 <p:ext uri="{386F3935-93C4-4BCD-93E2-E3B085C9AB24}">
-                  <p16:designElem xmlns="" xmlns:p16="http://schemas.microsoft.com/office/powerpoint/2015/main" val="1"/>
+                  <p16:designElem xmlns:p16="http://schemas.microsoft.com/office/powerpoint/2015/main" val="1"/>
                 </p:ext>
               </p:extLst>
             </p:nvPr>
@@ -19982,10 +20049,10 @@
             <p:cNvPr id="14" name="Rectangle 23">
               <a:extLst>
                 <a:ext uri="{FF2B5EF4-FFF2-40B4-BE49-F238E27FC236}">
-                  <a16:creationId xmlns="" xmlns:a16="http://schemas.microsoft.com/office/drawing/2014/main" id="{248745E7-0AF0-48F9-8E58-2673FC5F4FDE}"/>
+                  <a16:creationId xmlns:a16="http://schemas.microsoft.com/office/drawing/2014/main" xmlns="" id="{248745E7-0AF0-48F9-8E58-2673FC5F4FDE}"/>
                 </a:ext>
                 <a:ext uri="{C183D7F6-B498-43B3-948B-1728B52AA6E4}">
-                  <adec:decorative xmlns="" xmlns:adec="http://schemas.microsoft.com/office/drawing/2017/decorative" val="1"/>
+                  <adec:decorative xmlns:adec="http://schemas.microsoft.com/office/drawing/2017/decorative" xmlns="" val="1"/>
                 </a:ext>
               </a:extLst>
             </p:cNvPr>
@@ -19993,7 +20060,7 @@
             <p:nvPr>
               <p:extLst>
                 <p:ext uri="{386F3935-93C4-4BCD-93E2-E3B085C9AB24}">
-                  <p16:designElem xmlns="" xmlns:p16="http://schemas.microsoft.com/office/powerpoint/2015/main" val="1"/>
+                  <p16:designElem xmlns:p16="http://schemas.microsoft.com/office/powerpoint/2015/main" val="1"/>
                 </p:ext>
               </p:extLst>
             </p:nvPr>
@@ -20060,10 +20127,10 @@
             <p:cNvPr id="15" name="Rectangle 25">
               <a:extLst>
                 <a:ext uri="{FF2B5EF4-FFF2-40B4-BE49-F238E27FC236}">
-                  <a16:creationId xmlns="" xmlns:a16="http://schemas.microsoft.com/office/drawing/2014/main" id="{9715E81A-D2E0-4431-9370-4E4A9ECA7F9C}"/>
+                  <a16:creationId xmlns:a16="http://schemas.microsoft.com/office/drawing/2014/main" xmlns="" id="{9715E81A-D2E0-4431-9370-4E4A9ECA7F9C}"/>
                 </a:ext>
                 <a:ext uri="{C183D7F6-B498-43B3-948B-1728B52AA6E4}">
-                  <adec:decorative xmlns="" xmlns:adec="http://schemas.microsoft.com/office/drawing/2017/decorative" val="1"/>
+                  <adec:decorative xmlns:adec="http://schemas.microsoft.com/office/drawing/2017/decorative" xmlns="" val="1"/>
                 </a:ext>
               </a:extLst>
             </p:cNvPr>
@@ -20071,7 +20138,7 @@
             <p:nvPr>
               <p:extLst>
                 <p:ext uri="{386F3935-93C4-4BCD-93E2-E3B085C9AB24}">
-                  <p16:designElem xmlns="" xmlns:p16="http://schemas.microsoft.com/office/powerpoint/2015/main" val="1"/>
+                  <p16:designElem xmlns:p16="http://schemas.microsoft.com/office/powerpoint/2015/main" val="1"/>
                 </p:ext>
               </p:extLst>
             </p:nvPr>
@@ -20138,10 +20205,10 @@
             <p:cNvPr id="16" name="Isosceles Triangle 15">
               <a:extLst>
                 <a:ext uri="{FF2B5EF4-FFF2-40B4-BE49-F238E27FC236}">
-                  <a16:creationId xmlns="" xmlns:a16="http://schemas.microsoft.com/office/drawing/2014/main" id="{CEDB37A9-282D-4DDB-85AD-B2090A82531F}"/>
+                  <a16:creationId xmlns:a16="http://schemas.microsoft.com/office/drawing/2014/main" xmlns="" id="{CEDB37A9-282D-4DDB-85AD-B2090A82531F}"/>
                 </a:ext>
                 <a:ext uri="{C183D7F6-B498-43B3-948B-1728B52AA6E4}">
-                  <adec:decorative xmlns="" xmlns:adec="http://schemas.microsoft.com/office/drawing/2017/decorative" val="1"/>
+                  <adec:decorative xmlns:adec="http://schemas.microsoft.com/office/drawing/2017/decorative" xmlns="" val="1"/>
                 </a:ext>
               </a:extLst>
             </p:cNvPr>
@@ -20149,7 +20216,7 @@
             <p:nvPr>
               <p:extLst>
                 <p:ext uri="{386F3935-93C4-4BCD-93E2-E3B085C9AB24}">
-                  <p16:designElem xmlns="" xmlns:p16="http://schemas.microsoft.com/office/powerpoint/2015/main" val="1"/>
+                  <p16:designElem xmlns:p16="http://schemas.microsoft.com/office/powerpoint/2015/main" val="1"/>
                 </p:ext>
               </p:extLst>
             </p:nvPr>
@@ -20194,10 +20261,10 @@
             <p:cNvPr id="17" name="Rectangle 27">
               <a:extLst>
                 <a:ext uri="{FF2B5EF4-FFF2-40B4-BE49-F238E27FC236}">
-                  <a16:creationId xmlns="" xmlns:a16="http://schemas.microsoft.com/office/drawing/2014/main" id="{533D5933-7F91-4F5E-BC31-42FD0E2D8DEF}"/>
+                  <a16:creationId xmlns:a16="http://schemas.microsoft.com/office/drawing/2014/main" xmlns="" id="{533D5933-7F91-4F5E-BC31-42FD0E2D8DEF}"/>
                 </a:ext>
                 <a:ext uri="{C183D7F6-B498-43B3-948B-1728B52AA6E4}">
-                  <adec:decorative xmlns="" xmlns:adec="http://schemas.microsoft.com/office/drawing/2017/decorative" val="1"/>
+                  <adec:decorative xmlns:adec="http://schemas.microsoft.com/office/drawing/2017/decorative" xmlns="" val="1"/>
                 </a:ext>
               </a:extLst>
             </p:cNvPr>
@@ -20205,7 +20272,7 @@
             <p:nvPr>
               <p:extLst>
                 <p:ext uri="{386F3935-93C4-4BCD-93E2-E3B085C9AB24}">
-                  <p16:designElem xmlns="" xmlns:p16="http://schemas.microsoft.com/office/powerpoint/2015/main" val="1"/>
+                  <p16:designElem xmlns:p16="http://schemas.microsoft.com/office/powerpoint/2015/main" val="1"/>
                 </p:ext>
               </p:extLst>
             </p:nvPr>
@@ -20273,10 +20340,10 @@
             <p:cNvPr id="18" name="Rectangle 28">
               <a:extLst>
                 <a:ext uri="{FF2B5EF4-FFF2-40B4-BE49-F238E27FC236}">
-                  <a16:creationId xmlns="" xmlns:a16="http://schemas.microsoft.com/office/drawing/2014/main" id="{37ADDF68-C9BE-46EA-83DE-2C07DD83960F}"/>
+                  <a16:creationId xmlns:a16="http://schemas.microsoft.com/office/drawing/2014/main" xmlns="" id="{37ADDF68-C9BE-46EA-83DE-2C07DD83960F}"/>
                 </a:ext>
                 <a:ext uri="{C183D7F6-B498-43B3-948B-1728B52AA6E4}">
-                  <adec:decorative xmlns="" xmlns:adec="http://schemas.microsoft.com/office/drawing/2017/decorative" val="1"/>
+                  <adec:decorative xmlns:adec="http://schemas.microsoft.com/office/drawing/2017/decorative" xmlns="" val="1"/>
                 </a:ext>
               </a:extLst>
             </p:cNvPr>
@@ -20284,7 +20351,7 @@
             <p:nvPr>
               <p:extLst>
                 <p:ext uri="{386F3935-93C4-4BCD-93E2-E3B085C9AB24}">
-                  <p16:designElem xmlns="" xmlns:p16="http://schemas.microsoft.com/office/powerpoint/2015/main" val="1"/>
+                  <p16:designElem xmlns:p16="http://schemas.microsoft.com/office/powerpoint/2015/main" val="1"/>
                 </p:ext>
               </p:extLst>
             </p:nvPr>
@@ -20353,10 +20420,10 @@
             <p:cNvPr id="19" name="Rectangle 29">
               <a:extLst>
                 <a:ext uri="{FF2B5EF4-FFF2-40B4-BE49-F238E27FC236}">
-                  <a16:creationId xmlns="" xmlns:a16="http://schemas.microsoft.com/office/drawing/2014/main" id="{10D67396-BABD-48A8-A892-CCB5095FA427}"/>
+                  <a16:creationId xmlns:a16="http://schemas.microsoft.com/office/drawing/2014/main" xmlns="" id="{10D67396-BABD-48A8-A892-CCB5095FA427}"/>
                 </a:ext>
                 <a:ext uri="{C183D7F6-B498-43B3-948B-1728B52AA6E4}">
-                  <adec:decorative xmlns="" xmlns:adec="http://schemas.microsoft.com/office/drawing/2017/decorative" val="1"/>
+                  <adec:decorative xmlns:adec="http://schemas.microsoft.com/office/drawing/2017/decorative" xmlns="" val="1"/>
                 </a:ext>
               </a:extLst>
             </p:cNvPr>
@@ -20364,7 +20431,7 @@
             <p:nvPr>
               <p:extLst>
                 <p:ext uri="{386F3935-93C4-4BCD-93E2-E3B085C9AB24}">
-                  <p16:designElem xmlns="" xmlns:p16="http://schemas.microsoft.com/office/powerpoint/2015/main" val="1"/>
+                  <p16:designElem xmlns:p16="http://schemas.microsoft.com/office/powerpoint/2015/main" val="1"/>
                 </p:ext>
               </p:extLst>
             </p:nvPr>
@@ -20431,10 +20498,10 @@
             <p:cNvPr id="20" name="Isosceles Triangle 19">
               <a:extLst>
                 <a:ext uri="{FF2B5EF4-FFF2-40B4-BE49-F238E27FC236}">
-                  <a16:creationId xmlns="" xmlns:a16="http://schemas.microsoft.com/office/drawing/2014/main" id="{626DA82A-72C2-4DF6-9CF0-0D1F6B96B529}"/>
+                  <a16:creationId xmlns:a16="http://schemas.microsoft.com/office/drawing/2014/main" xmlns="" id="{626DA82A-72C2-4DF6-9CF0-0D1F6B96B529}"/>
                 </a:ext>
                 <a:ext uri="{C183D7F6-B498-43B3-948B-1728B52AA6E4}">
-                  <adec:decorative xmlns="" xmlns:adec="http://schemas.microsoft.com/office/drawing/2017/decorative" val="1"/>
+                  <adec:decorative xmlns:adec="http://schemas.microsoft.com/office/drawing/2017/decorative" xmlns="" val="1"/>
                 </a:ext>
               </a:extLst>
             </p:cNvPr>
@@ -20442,7 +20509,7 @@
             <p:nvPr>
               <p:extLst>
                 <p:ext uri="{386F3935-93C4-4BCD-93E2-E3B085C9AB24}">
-                  <p16:designElem xmlns="" xmlns:p16="http://schemas.microsoft.com/office/powerpoint/2015/main" val="1"/>
+                  <p16:designElem xmlns:p16="http://schemas.microsoft.com/office/powerpoint/2015/main" val="1"/>
                 </p:ext>
               </p:extLst>
             </p:nvPr>
@@ -20487,10 +20554,10 @@
             <p:cNvPr id="21" name="Isosceles Triangle 20">
               <a:extLst>
                 <a:ext uri="{FF2B5EF4-FFF2-40B4-BE49-F238E27FC236}">
-                  <a16:creationId xmlns="" xmlns:a16="http://schemas.microsoft.com/office/drawing/2014/main" id="{8EE6DC63-4380-4BE0-A68A-8F01162BD192}"/>
+                  <a16:creationId xmlns:a16="http://schemas.microsoft.com/office/drawing/2014/main" xmlns="" id="{8EE6DC63-4380-4BE0-A68A-8F01162BD192}"/>
                 </a:ext>
                 <a:ext uri="{C183D7F6-B498-43B3-948B-1728B52AA6E4}">
-                  <adec:decorative xmlns="" xmlns:adec="http://schemas.microsoft.com/office/drawing/2017/decorative" val="1"/>
+                  <adec:decorative xmlns:adec="http://schemas.microsoft.com/office/drawing/2017/decorative" xmlns="" val="1"/>
                 </a:ext>
               </a:extLst>
             </p:cNvPr>
@@ -20498,7 +20565,7 @@
             <p:nvPr>
               <p:extLst>
                 <p:ext uri="{386F3935-93C4-4BCD-93E2-E3B085C9AB24}">
-                  <p16:designElem xmlns="" xmlns:p16="http://schemas.microsoft.com/office/powerpoint/2015/main" val="1"/>
+                  <p16:designElem xmlns:p16="http://schemas.microsoft.com/office/powerpoint/2015/main" val="1"/>
                 </p:ext>
               </p:extLst>
             </p:nvPr>
@@ -20544,10 +20611,10 @@
           <p:cNvPr id="23" name="Rectangle 22">
             <a:extLst>
               <a:ext uri="{FF2B5EF4-FFF2-40B4-BE49-F238E27FC236}">
-                <a16:creationId xmlns="" xmlns:a16="http://schemas.microsoft.com/office/drawing/2014/main" id="{8DF4D7F6-81B5-452A-9CE6-76D81F91D41B}"/>
+                <a16:creationId xmlns:a16="http://schemas.microsoft.com/office/drawing/2014/main" xmlns="" id="{8DF4D7F6-81B5-452A-9CE6-76D81F91D41B}"/>
               </a:ext>
               <a:ext uri="{C183D7F6-B498-43B3-948B-1728B52AA6E4}">
-                <adec:decorative xmlns="" xmlns:adec="http://schemas.microsoft.com/office/drawing/2017/decorative" val="1"/>
+                <adec:decorative xmlns:adec="http://schemas.microsoft.com/office/drawing/2017/decorative" xmlns="" val="1"/>
               </a:ext>
             </a:extLst>
           </p:cNvPr>
@@ -20557,7 +20624,7 @@
           <p:nvPr>
             <p:extLst>
               <p:ext uri="{386F3935-93C4-4BCD-93E2-E3B085C9AB24}">
-                <p16:designElem xmlns="" xmlns:p16="http://schemas.microsoft.com/office/powerpoint/2015/main" val="1"/>
+                <p16:designElem xmlns:p16="http://schemas.microsoft.com/office/powerpoint/2015/main" val="1"/>
               </p:ext>
             </p:extLst>
           </p:nvPr>
@@ -20604,7 +20671,7 @@
           <p:cNvPr id="3" name="Title 2">
             <a:extLst>
               <a:ext uri="{FF2B5EF4-FFF2-40B4-BE49-F238E27FC236}">
-                <a16:creationId xmlns="" xmlns:a16="http://schemas.microsoft.com/office/drawing/2014/main" id="{12FD7EA0-CFEB-4E75-8AFB-5B8FE68C9A91}"/>
+                <a16:creationId xmlns:a16="http://schemas.microsoft.com/office/drawing/2014/main" xmlns="" id="{12FD7EA0-CFEB-4E75-8AFB-5B8FE68C9A91}"/>
               </a:ext>
             </a:extLst>
           </p:cNvPr>
@@ -20664,10 +20731,10 @@
           <p:cNvPr id="25" name="Isosceles Triangle 24">
             <a:extLst>
               <a:ext uri="{FF2B5EF4-FFF2-40B4-BE49-F238E27FC236}">
-                <a16:creationId xmlns="" xmlns:a16="http://schemas.microsoft.com/office/drawing/2014/main" id="{4600514D-20FB-4559-97DC-D1DC39E6C3DE}"/>
+                <a16:creationId xmlns:a16="http://schemas.microsoft.com/office/drawing/2014/main" xmlns="" id="{4600514D-20FB-4559-97DC-D1DC39E6C3DE}"/>
               </a:ext>
               <a:ext uri="{C183D7F6-B498-43B3-948B-1728B52AA6E4}">
-                <adec:decorative xmlns="" xmlns:adec="http://schemas.microsoft.com/office/drawing/2017/decorative" val="1"/>
+                <adec:decorative xmlns:adec="http://schemas.microsoft.com/office/drawing/2017/decorative" xmlns="" val="1"/>
               </a:ext>
             </a:extLst>
           </p:cNvPr>
@@ -20677,7 +20744,7 @@
           <p:nvPr>
             <p:extLst>
               <p:ext uri="{386F3935-93C4-4BCD-93E2-E3B085C9AB24}">
-                <p16:designElem xmlns="" xmlns:p16="http://schemas.microsoft.com/office/powerpoint/2015/main" val="1"/>
+                <p16:designElem xmlns:p16="http://schemas.microsoft.com/office/powerpoint/2015/main" val="1"/>
               </p:ext>
             </p:extLst>
           </p:nvPr>
@@ -20722,7 +20789,7 @@
           <p:cNvPr id="5" name="Footer Placeholder 4">
             <a:extLst>
               <a:ext uri="{FF2B5EF4-FFF2-40B4-BE49-F238E27FC236}">
-                <a16:creationId xmlns="" xmlns:a16="http://schemas.microsoft.com/office/drawing/2014/main" id="{E82D1BFA-FEB4-419F-977D-5BC43DB0DD77}"/>
+                <a16:creationId xmlns:a16="http://schemas.microsoft.com/office/drawing/2014/main" xmlns="" id="{E82D1BFA-FEB4-419F-977D-5BC43DB0DD77}"/>
               </a:ext>
             </a:extLst>
           </p:cNvPr>
@@ -20778,10 +20845,10 @@
           <p:cNvPr id="27" name="Isosceles Triangle 26">
             <a:extLst>
               <a:ext uri="{FF2B5EF4-FFF2-40B4-BE49-F238E27FC236}">
-                <a16:creationId xmlns="" xmlns:a16="http://schemas.microsoft.com/office/drawing/2014/main" id="{266F638A-E405-4AC0-B984-72E5813B0DD1}"/>
+                <a16:creationId xmlns:a16="http://schemas.microsoft.com/office/drawing/2014/main" xmlns="" id="{266F638A-E405-4AC0-B984-72E5813B0DD1}"/>
               </a:ext>
               <a:ext uri="{C183D7F6-B498-43B3-948B-1728B52AA6E4}">
-                <adec:decorative xmlns="" xmlns:adec="http://schemas.microsoft.com/office/drawing/2017/decorative" val="1"/>
+                <adec:decorative xmlns:adec="http://schemas.microsoft.com/office/drawing/2017/decorative" xmlns="" val="1"/>
               </a:ext>
             </a:extLst>
           </p:cNvPr>
@@ -20791,7 +20858,7 @@
           <p:nvPr>
             <p:extLst>
               <p:ext uri="{386F3935-93C4-4BCD-93E2-E3B085C9AB24}">
-                <p16:designElem xmlns="" xmlns:p16="http://schemas.microsoft.com/office/powerpoint/2015/main" val="1"/>
+                <p16:designElem xmlns:p16="http://schemas.microsoft.com/office/powerpoint/2015/main" val="1"/>
               </p:ext>
             </p:extLst>
           </p:nvPr>
@@ -20834,10 +20901,10 @@
           <p:cNvPr id="29" name="Straight Connector 28">
             <a:extLst>
               <a:ext uri="{FF2B5EF4-FFF2-40B4-BE49-F238E27FC236}">
-                <a16:creationId xmlns="" xmlns:a16="http://schemas.microsoft.com/office/drawing/2014/main" id="{7D1CBE93-B17D-4509-843C-82287C38032A}"/>
+                <a16:creationId xmlns:a16="http://schemas.microsoft.com/office/drawing/2014/main" xmlns="" id="{7D1CBE93-B17D-4509-843C-82287C38032A}"/>
               </a:ext>
               <a:ext uri="{C183D7F6-B498-43B3-948B-1728B52AA6E4}">
-                <adec:decorative xmlns="" xmlns:adec="http://schemas.microsoft.com/office/drawing/2017/decorative" val="1"/>
+                <adec:decorative xmlns:adec="http://schemas.microsoft.com/office/drawing/2017/decorative" xmlns="" val="1"/>
               </a:ext>
             </a:extLst>
           </p:cNvPr>
@@ -20847,7 +20914,7 @@
           <p:nvPr>
             <p:extLst>
               <p:ext uri="{386F3935-93C4-4BCD-93E2-E3B085C9AB24}">
-                <p16:designElem xmlns="" xmlns:p16="http://schemas.microsoft.com/office/powerpoint/2015/main" val="1"/>
+                <p16:designElem xmlns:p16="http://schemas.microsoft.com/office/powerpoint/2015/main" val="1"/>
               </p:ext>
             </p:extLst>
           </p:nvPr>
@@ -20887,10 +20954,10 @@
           <p:cNvPr id="31" name="Straight Connector 30">
             <a:extLst>
               <a:ext uri="{FF2B5EF4-FFF2-40B4-BE49-F238E27FC236}">
-                <a16:creationId xmlns="" xmlns:a16="http://schemas.microsoft.com/office/drawing/2014/main" id="{AE6277B4-6A43-48AB-89B2-3442221619CC}"/>
+                <a16:creationId xmlns:a16="http://schemas.microsoft.com/office/drawing/2014/main" xmlns="" id="{AE6277B4-6A43-48AB-89B2-3442221619CC}"/>
               </a:ext>
               <a:ext uri="{C183D7F6-B498-43B3-948B-1728B52AA6E4}">
-                <adec:decorative xmlns="" xmlns:adec="http://schemas.microsoft.com/office/drawing/2017/decorative" val="1"/>
+                <adec:decorative xmlns:adec="http://schemas.microsoft.com/office/drawing/2017/decorative" xmlns="" val="1"/>
               </a:ext>
             </a:extLst>
           </p:cNvPr>
@@ -20900,7 +20967,7 @@
           <p:nvPr>
             <p:extLst>
               <p:ext uri="{386F3935-93C4-4BCD-93E2-E3B085C9AB24}">
-                <p16:designElem xmlns="" xmlns:p16="http://schemas.microsoft.com/office/powerpoint/2015/main" val="1"/>
+                <p16:designElem xmlns:p16="http://schemas.microsoft.com/office/powerpoint/2015/main" val="1"/>
               </p:ext>
             </p:extLst>
           </p:nvPr>
@@ -20939,7 +21006,7 @@
           <p:cNvPr id="2" name="Content Placeholder 1">
             <a:extLst>
               <a:ext uri="{FF2B5EF4-FFF2-40B4-BE49-F238E27FC236}">
-                <a16:creationId xmlns="" xmlns:a16="http://schemas.microsoft.com/office/drawing/2014/main" id="{39A6FAD1-C2C6-47B8-A6FE-188892E09DF4}"/>
+                <a16:creationId xmlns:a16="http://schemas.microsoft.com/office/drawing/2014/main" xmlns="" id="{39A6FAD1-C2C6-47B8-A6FE-188892E09DF4}"/>
               </a:ext>
             </a:extLst>
           </p:cNvPr>
@@ -21057,10 +21124,10 @@
           <p:cNvPr id="33" name="Rectangle 27">
             <a:extLst>
               <a:ext uri="{FF2B5EF4-FFF2-40B4-BE49-F238E27FC236}">
-                <a16:creationId xmlns="" xmlns:a16="http://schemas.microsoft.com/office/drawing/2014/main" id="{27B538D5-95DB-47ED-9CB4-34AE5BF78E6B}"/>
+                <a16:creationId xmlns:a16="http://schemas.microsoft.com/office/drawing/2014/main" xmlns="" id="{27B538D5-95DB-47ED-9CB4-34AE5BF78E6B}"/>
               </a:ext>
               <a:ext uri="{C183D7F6-B498-43B3-948B-1728B52AA6E4}">
-                <adec:decorative xmlns="" xmlns:adec="http://schemas.microsoft.com/office/drawing/2017/decorative" val="1"/>
+                <adec:decorative xmlns:adec="http://schemas.microsoft.com/office/drawing/2017/decorative" xmlns="" val="1"/>
               </a:ext>
             </a:extLst>
           </p:cNvPr>
@@ -21070,7 +21137,7 @@
           <p:nvPr>
             <p:extLst>
               <p:ext uri="{386F3935-93C4-4BCD-93E2-E3B085C9AB24}">
-                <p16:designElem xmlns="" xmlns:p16="http://schemas.microsoft.com/office/powerpoint/2015/main" val="1"/>
+                <p16:designElem xmlns:p16="http://schemas.microsoft.com/office/powerpoint/2015/main" val="1"/>
               </p:ext>
             </p:extLst>
           </p:nvPr>
@@ -21135,7 +21202,7 @@
           <p:cNvPr id="4" name="Date Placeholder 3">
             <a:extLst>
               <a:ext uri="{FF2B5EF4-FFF2-40B4-BE49-F238E27FC236}">
-                <a16:creationId xmlns="" xmlns:a16="http://schemas.microsoft.com/office/drawing/2014/main" id="{6B2CF951-67E8-43A1-BBBD-A44046F57703}"/>
+                <a16:creationId xmlns:a16="http://schemas.microsoft.com/office/drawing/2014/main" xmlns="" id="{6B2CF951-67E8-43A1-BBBD-A44046F57703}"/>
               </a:ext>
             </a:extLst>
           </p:cNvPr>
@@ -21176,7 +21243,7 @@
                   <a:spcPts val="600"/>
                 </a:spcAft>
               </a:pPr>
-              <a:t>December 23, 2019</a:t>
+              <a:t>December 24, 2019</a:t>
             </a:fld>
             <a:endParaRPr lang="en-US" sz="1050" kern="1200" dirty="0">
               <a:solidFill>
@@ -21193,7 +21260,7 @@
           <p:cNvPr id="6" name="Slide Number Placeholder 5">
             <a:extLst>
               <a:ext uri="{FF2B5EF4-FFF2-40B4-BE49-F238E27FC236}">
-                <a16:creationId xmlns="" xmlns:a16="http://schemas.microsoft.com/office/drawing/2014/main" id="{9D6B4462-AECF-4C8B-82E2-282905936963}"/>
+                <a16:creationId xmlns:a16="http://schemas.microsoft.com/office/drawing/2014/main" xmlns="" id="{9D6B4462-AECF-4C8B-82E2-282905936963}"/>
               </a:ext>
             </a:extLst>
           </p:cNvPr>
@@ -21289,10 +21356,10 @@
           <p:cNvPr id="11" name="Group 10">
             <a:extLst>
               <a:ext uri="{FF2B5EF4-FFF2-40B4-BE49-F238E27FC236}">
-                <a16:creationId xmlns="" xmlns:a16="http://schemas.microsoft.com/office/drawing/2014/main" id="{09EA7EA7-74F5-4EE2-8E3D-1A10308259D7}"/>
+                <a16:creationId xmlns:a16="http://schemas.microsoft.com/office/drawing/2014/main" xmlns="" id="{09EA7EA7-74F5-4EE2-8E3D-1A10308259D7}"/>
               </a:ext>
               <a:ext uri="{C183D7F6-B498-43B3-948B-1728B52AA6E4}">
-                <adec:decorative xmlns="" xmlns:adec="http://schemas.microsoft.com/office/drawing/2017/decorative" val="1"/>
+                <adec:decorative xmlns:adec="http://schemas.microsoft.com/office/drawing/2017/decorative" xmlns="" val="1"/>
               </a:ext>
             </a:extLst>
           </p:cNvPr>
@@ -21302,7 +21369,7 @@
           <p:nvPr>
             <p:extLst>
               <p:ext uri="{386F3935-93C4-4BCD-93E2-E3B085C9AB24}">
-                <p16:designElem xmlns="" xmlns:p16="http://schemas.microsoft.com/office/powerpoint/2015/main" val="1"/>
+                <p16:designElem xmlns:p16="http://schemas.microsoft.com/office/powerpoint/2015/main" val="1"/>
               </p:ext>
             </p:extLst>
           </p:nvPr>
@@ -21320,10 +21387,10 @@
             <p:cNvPr id="12" name="Straight Connector 11">
               <a:extLst>
                 <a:ext uri="{FF2B5EF4-FFF2-40B4-BE49-F238E27FC236}">
-                  <a16:creationId xmlns="" xmlns:a16="http://schemas.microsoft.com/office/drawing/2014/main" id="{A5CE79B5-7EE4-424D-AD14-5DEFB61B85C8}"/>
+                  <a16:creationId xmlns:a16="http://schemas.microsoft.com/office/drawing/2014/main" xmlns="" id="{A5CE79B5-7EE4-424D-AD14-5DEFB61B85C8}"/>
                 </a:ext>
                 <a:ext uri="{C183D7F6-B498-43B3-948B-1728B52AA6E4}">
-                  <adec:decorative xmlns="" xmlns:adec="http://schemas.microsoft.com/office/drawing/2017/decorative" val="1"/>
+                  <adec:decorative xmlns:adec="http://schemas.microsoft.com/office/drawing/2017/decorative" xmlns="" val="1"/>
                 </a:ext>
               </a:extLst>
             </p:cNvPr>
@@ -21331,7 +21398,7 @@
             <p:nvPr>
               <p:extLst>
                 <p:ext uri="{386F3935-93C4-4BCD-93E2-E3B085C9AB24}">
-                  <p16:designElem xmlns="" xmlns:p16="http://schemas.microsoft.com/office/powerpoint/2015/main" val="1"/>
+                  <p16:designElem xmlns:p16="http://schemas.microsoft.com/office/powerpoint/2015/main" val="1"/>
                 </p:ext>
               </p:extLst>
             </p:nvPr>
@@ -21372,10 +21439,10 @@
             <p:cNvPr id="13" name="Straight Connector 12">
               <a:extLst>
                 <a:ext uri="{FF2B5EF4-FFF2-40B4-BE49-F238E27FC236}">
-                  <a16:creationId xmlns="" xmlns:a16="http://schemas.microsoft.com/office/drawing/2014/main" id="{696C926F-F999-44BA-8D86-9EAB51D65010}"/>
+                  <a16:creationId xmlns:a16="http://schemas.microsoft.com/office/drawing/2014/main" xmlns="" id="{696C926F-F999-44BA-8D86-9EAB51D65010}"/>
                 </a:ext>
                 <a:ext uri="{C183D7F6-B498-43B3-948B-1728B52AA6E4}">
-                  <adec:decorative xmlns="" xmlns:adec="http://schemas.microsoft.com/office/drawing/2017/decorative" val="1"/>
+                  <adec:decorative xmlns:adec="http://schemas.microsoft.com/office/drawing/2017/decorative" xmlns="" val="1"/>
                 </a:ext>
               </a:extLst>
             </p:cNvPr>
@@ -21383,7 +21450,7 @@
             <p:nvPr>
               <p:extLst>
                 <p:ext uri="{386F3935-93C4-4BCD-93E2-E3B085C9AB24}">
-                  <p16:designElem xmlns="" xmlns:p16="http://schemas.microsoft.com/office/powerpoint/2015/main" val="1"/>
+                  <p16:designElem xmlns:p16="http://schemas.microsoft.com/office/powerpoint/2015/main" val="1"/>
                 </p:ext>
               </p:extLst>
             </p:nvPr>
@@ -21424,10 +21491,10 @@
             <p:cNvPr id="14" name="Rectangle 23">
               <a:extLst>
                 <a:ext uri="{FF2B5EF4-FFF2-40B4-BE49-F238E27FC236}">
-                  <a16:creationId xmlns="" xmlns:a16="http://schemas.microsoft.com/office/drawing/2014/main" id="{248745E7-0AF0-48F9-8E58-2673FC5F4FDE}"/>
+                  <a16:creationId xmlns:a16="http://schemas.microsoft.com/office/drawing/2014/main" xmlns="" id="{248745E7-0AF0-48F9-8E58-2673FC5F4FDE}"/>
                 </a:ext>
                 <a:ext uri="{C183D7F6-B498-43B3-948B-1728B52AA6E4}">
-                  <adec:decorative xmlns="" xmlns:adec="http://schemas.microsoft.com/office/drawing/2017/decorative" val="1"/>
+                  <adec:decorative xmlns:adec="http://schemas.microsoft.com/office/drawing/2017/decorative" xmlns="" val="1"/>
                 </a:ext>
               </a:extLst>
             </p:cNvPr>
@@ -21435,7 +21502,7 @@
             <p:nvPr>
               <p:extLst>
                 <p:ext uri="{386F3935-93C4-4BCD-93E2-E3B085C9AB24}">
-                  <p16:designElem xmlns="" xmlns:p16="http://schemas.microsoft.com/office/powerpoint/2015/main" val="1"/>
+                  <p16:designElem xmlns:p16="http://schemas.microsoft.com/office/powerpoint/2015/main" val="1"/>
                 </p:ext>
               </p:extLst>
             </p:nvPr>
@@ -21502,10 +21569,10 @@
             <p:cNvPr id="15" name="Rectangle 25">
               <a:extLst>
                 <a:ext uri="{FF2B5EF4-FFF2-40B4-BE49-F238E27FC236}">
-                  <a16:creationId xmlns="" xmlns:a16="http://schemas.microsoft.com/office/drawing/2014/main" id="{9715E81A-D2E0-4431-9370-4E4A9ECA7F9C}"/>
+                  <a16:creationId xmlns:a16="http://schemas.microsoft.com/office/drawing/2014/main" xmlns="" id="{9715E81A-D2E0-4431-9370-4E4A9ECA7F9C}"/>
                 </a:ext>
                 <a:ext uri="{C183D7F6-B498-43B3-948B-1728B52AA6E4}">
-                  <adec:decorative xmlns="" xmlns:adec="http://schemas.microsoft.com/office/drawing/2017/decorative" val="1"/>
+                  <adec:decorative xmlns:adec="http://schemas.microsoft.com/office/drawing/2017/decorative" xmlns="" val="1"/>
                 </a:ext>
               </a:extLst>
             </p:cNvPr>
@@ -21513,7 +21580,7 @@
             <p:nvPr>
               <p:extLst>
                 <p:ext uri="{386F3935-93C4-4BCD-93E2-E3B085C9AB24}">
-                  <p16:designElem xmlns="" xmlns:p16="http://schemas.microsoft.com/office/powerpoint/2015/main" val="1"/>
+                  <p16:designElem xmlns:p16="http://schemas.microsoft.com/office/powerpoint/2015/main" val="1"/>
                 </p:ext>
               </p:extLst>
             </p:nvPr>
@@ -21580,10 +21647,10 @@
             <p:cNvPr id="16" name="Isosceles Triangle 15">
               <a:extLst>
                 <a:ext uri="{FF2B5EF4-FFF2-40B4-BE49-F238E27FC236}">
-                  <a16:creationId xmlns="" xmlns:a16="http://schemas.microsoft.com/office/drawing/2014/main" id="{CEDB37A9-282D-4DDB-85AD-B2090A82531F}"/>
+                  <a16:creationId xmlns:a16="http://schemas.microsoft.com/office/drawing/2014/main" xmlns="" id="{CEDB37A9-282D-4DDB-85AD-B2090A82531F}"/>
                 </a:ext>
                 <a:ext uri="{C183D7F6-B498-43B3-948B-1728B52AA6E4}">
-                  <adec:decorative xmlns="" xmlns:adec="http://schemas.microsoft.com/office/drawing/2017/decorative" val="1"/>
+                  <adec:decorative xmlns:adec="http://schemas.microsoft.com/office/drawing/2017/decorative" xmlns="" val="1"/>
                 </a:ext>
               </a:extLst>
             </p:cNvPr>
@@ -21591,7 +21658,7 @@
             <p:nvPr>
               <p:extLst>
                 <p:ext uri="{386F3935-93C4-4BCD-93E2-E3B085C9AB24}">
-                  <p16:designElem xmlns="" xmlns:p16="http://schemas.microsoft.com/office/powerpoint/2015/main" val="1"/>
+                  <p16:designElem xmlns:p16="http://schemas.microsoft.com/office/powerpoint/2015/main" val="1"/>
                 </p:ext>
               </p:extLst>
             </p:nvPr>
@@ -21636,10 +21703,10 @@
             <p:cNvPr id="17" name="Rectangle 27">
               <a:extLst>
                 <a:ext uri="{FF2B5EF4-FFF2-40B4-BE49-F238E27FC236}">
-                  <a16:creationId xmlns="" xmlns:a16="http://schemas.microsoft.com/office/drawing/2014/main" id="{533D5933-7F91-4F5E-BC31-42FD0E2D8DEF}"/>
+                  <a16:creationId xmlns:a16="http://schemas.microsoft.com/office/drawing/2014/main" xmlns="" id="{533D5933-7F91-4F5E-BC31-42FD0E2D8DEF}"/>
                 </a:ext>
                 <a:ext uri="{C183D7F6-B498-43B3-948B-1728B52AA6E4}">
-                  <adec:decorative xmlns="" xmlns:adec="http://schemas.microsoft.com/office/drawing/2017/decorative" val="1"/>
+                  <adec:decorative xmlns:adec="http://schemas.microsoft.com/office/drawing/2017/decorative" xmlns="" val="1"/>
                 </a:ext>
               </a:extLst>
             </p:cNvPr>
@@ -21647,7 +21714,7 @@
             <p:nvPr>
               <p:extLst>
                 <p:ext uri="{386F3935-93C4-4BCD-93E2-E3B085C9AB24}">
-                  <p16:designElem xmlns="" xmlns:p16="http://schemas.microsoft.com/office/powerpoint/2015/main" val="1"/>
+                  <p16:designElem xmlns:p16="http://schemas.microsoft.com/office/powerpoint/2015/main" val="1"/>
                 </p:ext>
               </p:extLst>
             </p:nvPr>
@@ -21715,10 +21782,10 @@
             <p:cNvPr id="18" name="Rectangle 28">
               <a:extLst>
                 <a:ext uri="{FF2B5EF4-FFF2-40B4-BE49-F238E27FC236}">
-                  <a16:creationId xmlns="" xmlns:a16="http://schemas.microsoft.com/office/drawing/2014/main" id="{37ADDF68-C9BE-46EA-83DE-2C07DD83960F}"/>
+                  <a16:creationId xmlns:a16="http://schemas.microsoft.com/office/drawing/2014/main" xmlns="" id="{37ADDF68-C9BE-46EA-83DE-2C07DD83960F}"/>
                 </a:ext>
                 <a:ext uri="{C183D7F6-B498-43B3-948B-1728B52AA6E4}">
-                  <adec:decorative xmlns="" xmlns:adec="http://schemas.microsoft.com/office/drawing/2017/decorative" val="1"/>
+                  <adec:decorative xmlns:adec="http://schemas.microsoft.com/office/drawing/2017/decorative" xmlns="" val="1"/>
                 </a:ext>
               </a:extLst>
             </p:cNvPr>
@@ -21726,7 +21793,7 @@
             <p:nvPr>
               <p:extLst>
                 <p:ext uri="{386F3935-93C4-4BCD-93E2-E3B085C9AB24}">
-                  <p16:designElem xmlns="" xmlns:p16="http://schemas.microsoft.com/office/powerpoint/2015/main" val="1"/>
+                  <p16:designElem xmlns:p16="http://schemas.microsoft.com/office/powerpoint/2015/main" val="1"/>
                 </p:ext>
               </p:extLst>
             </p:nvPr>
@@ -21795,10 +21862,10 @@
             <p:cNvPr id="19" name="Rectangle 29">
               <a:extLst>
                 <a:ext uri="{FF2B5EF4-FFF2-40B4-BE49-F238E27FC236}">
-                  <a16:creationId xmlns="" xmlns:a16="http://schemas.microsoft.com/office/drawing/2014/main" id="{10D67396-BABD-48A8-A892-CCB5095FA427}"/>
+                  <a16:creationId xmlns:a16="http://schemas.microsoft.com/office/drawing/2014/main" xmlns="" id="{10D67396-BABD-48A8-A892-CCB5095FA427}"/>
                 </a:ext>
                 <a:ext uri="{C183D7F6-B498-43B3-948B-1728B52AA6E4}">
-                  <adec:decorative xmlns="" xmlns:adec="http://schemas.microsoft.com/office/drawing/2017/decorative" val="1"/>
+                  <adec:decorative xmlns:adec="http://schemas.microsoft.com/office/drawing/2017/decorative" xmlns="" val="1"/>
                 </a:ext>
               </a:extLst>
             </p:cNvPr>
@@ -21806,7 +21873,7 @@
             <p:nvPr>
               <p:extLst>
                 <p:ext uri="{386F3935-93C4-4BCD-93E2-E3B085C9AB24}">
-                  <p16:designElem xmlns="" xmlns:p16="http://schemas.microsoft.com/office/powerpoint/2015/main" val="1"/>
+                  <p16:designElem xmlns:p16="http://schemas.microsoft.com/office/powerpoint/2015/main" val="1"/>
                 </p:ext>
               </p:extLst>
             </p:nvPr>
@@ -21873,10 +21940,10 @@
             <p:cNvPr id="20" name="Isosceles Triangle 19">
               <a:extLst>
                 <a:ext uri="{FF2B5EF4-FFF2-40B4-BE49-F238E27FC236}">
-                  <a16:creationId xmlns="" xmlns:a16="http://schemas.microsoft.com/office/drawing/2014/main" id="{626DA82A-72C2-4DF6-9CF0-0D1F6B96B529}"/>
+                  <a16:creationId xmlns:a16="http://schemas.microsoft.com/office/drawing/2014/main" xmlns="" id="{626DA82A-72C2-4DF6-9CF0-0D1F6B96B529}"/>
                 </a:ext>
                 <a:ext uri="{C183D7F6-B498-43B3-948B-1728B52AA6E4}">
-                  <adec:decorative xmlns="" xmlns:adec="http://schemas.microsoft.com/office/drawing/2017/decorative" val="1"/>
+                  <adec:decorative xmlns:adec="http://schemas.microsoft.com/office/drawing/2017/decorative" xmlns="" val="1"/>
                 </a:ext>
               </a:extLst>
             </p:cNvPr>
@@ -21884,7 +21951,7 @@
             <p:nvPr>
               <p:extLst>
                 <p:ext uri="{386F3935-93C4-4BCD-93E2-E3B085C9AB24}">
-                  <p16:designElem xmlns="" xmlns:p16="http://schemas.microsoft.com/office/powerpoint/2015/main" val="1"/>
+                  <p16:designElem xmlns:p16="http://schemas.microsoft.com/office/powerpoint/2015/main" val="1"/>
                 </p:ext>
               </p:extLst>
             </p:nvPr>
@@ -21929,10 +21996,10 @@
             <p:cNvPr id="21" name="Isosceles Triangle 20">
               <a:extLst>
                 <a:ext uri="{FF2B5EF4-FFF2-40B4-BE49-F238E27FC236}">
-                  <a16:creationId xmlns="" xmlns:a16="http://schemas.microsoft.com/office/drawing/2014/main" id="{8EE6DC63-4380-4BE0-A68A-8F01162BD192}"/>
+                  <a16:creationId xmlns:a16="http://schemas.microsoft.com/office/drawing/2014/main" xmlns="" id="{8EE6DC63-4380-4BE0-A68A-8F01162BD192}"/>
                 </a:ext>
                 <a:ext uri="{C183D7F6-B498-43B3-948B-1728B52AA6E4}">
-                  <adec:decorative xmlns="" xmlns:adec="http://schemas.microsoft.com/office/drawing/2017/decorative" val="1"/>
+                  <adec:decorative xmlns:adec="http://schemas.microsoft.com/office/drawing/2017/decorative" xmlns="" val="1"/>
                 </a:ext>
               </a:extLst>
             </p:cNvPr>
@@ -21940,7 +22007,7 @@
             <p:nvPr>
               <p:extLst>
                 <p:ext uri="{386F3935-93C4-4BCD-93E2-E3B085C9AB24}">
-                  <p16:designElem xmlns="" xmlns:p16="http://schemas.microsoft.com/office/powerpoint/2015/main" val="1"/>
+                  <p16:designElem xmlns:p16="http://schemas.microsoft.com/office/powerpoint/2015/main" val="1"/>
                 </p:ext>
               </p:extLst>
             </p:nvPr>
@@ -21986,10 +22053,10 @@
           <p:cNvPr id="23" name="Rectangle 22">
             <a:extLst>
               <a:ext uri="{FF2B5EF4-FFF2-40B4-BE49-F238E27FC236}">
-                <a16:creationId xmlns="" xmlns:a16="http://schemas.microsoft.com/office/drawing/2014/main" id="{8DF4D7F6-81B5-452A-9CE6-76D81F91D41B}"/>
+                <a16:creationId xmlns:a16="http://schemas.microsoft.com/office/drawing/2014/main" xmlns="" id="{8DF4D7F6-81B5-452A-9CE6-76D81F91D41B}"/>
               </a:ext>
               <a:ext uri="{C183D7F6-B498-43B3-948B-1728B52AA6E4}">
-                <adec:decorative xmlns="" xmlns:adec="http://schemas.microsoft.com/office/drawing/2017/decorative" val="1"/>
+                <adec:decorative xmlns:adec="http://schemas.microsoft.com/office/drawing/2017/decorative" xmlns="" val="1"/>
               </a:ext>
             </a:extLst>
           </p:cNvPr>
@@ -21999,7 +22066,7 @@
           <p:nvPr>
             <p:extLst>
               <p:ext uri="{386F3935-93C4-4BCD-93E2-E3B085C9AB24}">
-                <p16:designElem xmlns="" xmlns:p16="http://schemas.microsoft.com/office/powerpoint/2015/main" val="1"/>
+                <p16:designElem xmlns:p16="http://schemas.microsoft.com/office/powerpoint/2015/main" val="1"/>
               </p:ext>
             </p:extLst>
           </p:nvPr>
@@ -22046,7 +22113,7 @@
           <p:cNvPr id="3" name="Title 2">
             <a:extLst>
               <a:ext uri="{FF2B5EF4-FFF2-40B4-BE49-F238E27FC236}">
-                <a16:creationId xmlns="" xmlns:a16="http://schemas.microsoft.com/office/drawing/2014/main" id="{12FD7EA0-CFEB-4E75-8AFB-5B8FE68C9A91}"/>
+                <a16:creationId xmlns:a16="http://schemas.microsoft.com/office/drawing/2014/main" xmlns="" id="{12FD7EA0-CFEB-4E75-8AFB-5B8FE68C9A91}"/>
               </a:ext>
             </a:extLst>
           </p:cNvPr>
@@ -22075,7 +22142,15 @@
                   <a:schemeClr val="accent1"/>
                 </a:solidFill>
               </a:rPr>
-              <a:t>FPT AI Speech To Text</a:t>
+              <a:t>FPT AI </a:t>
+            </a:r>
+            <a:r>
+              <a:rPr lang="en-US" sz="4000" dirty="0" smtClean="0">
+                <a:solidFill>
+                  <a:schemeClr val="accent1"/>
+                </a:solidFill>
+              </a:rPr>
+              <a:t>Text To Speech</a:t>
             </a:r>
             <a:endParaRPr lang="en-US" sz="4000" dirty="0">
               <a:solidFill>
@@ -22090,10 +22165,10 @@
           <p:cNvPr id="25" name="Isosceles Triangle 24">
             <a:extLst>
               <a:ext uri="{FF2B5EF4-FFF2-40B4-BE49-F238E27FC236}">
-                <a16:creationId xmlns="" xmlns:a16="http://schemas.microsoft.com/office/drawing/2014/main" id="{4600514D-20FB-4559-97DC-D1DC39E6C3DE}"/>
+                <a16:creationId xmlns:a16="http://schemas.microsoft.com/office/drawing/2014/main" xmlns="" id="{4600514D-20FB-4559-97DC-D1DC39E6C3DE}"/>
               </a:ext>
               <a:ext uri="{C183D7F6-B498-43B3-948B-1728B52AA6E4}">
-                <adec:decorative xmlns="" xmlns:adec="http://schemas.microsoft.com/office/drawing/2017/decorative" val="1"/>
+                <adec:decorative xmlns:adec="http://schemas.microsoft.com/office/drawing/2017/decorative" xmlns="" val="1"/>
               </a:ext>
             </a:extLst>
           </p:cNvPr>
@@ -22103,7 +22178,7 @@
           <p:nvPr>
             <p:extLst>
               <p:ext uri="{386F3935-93C4-4BCD-93E2-E3B085C9AB24}">
-                <p16:designElem xmlns="" xmlns:p16="http://schemas.microsoft.com/office/powerpoint/2015/main" val="1"/>
+                <p16:designElem xmlns:p16="http://schemas.microsoft.com/office/powerpoint/2015/main" val="1"/>
               </p:ext>
             </p:extLst>
           </p:nvPr>
@@ -22148,7 +22223,7 @@
           <p:cNvPr id="5" name="Footer Placeholder 4">
             <a:extLst>
               <a:ext uri="{FF2B5EF4-FFF2-40B4-BE49-F238E27FC236}">
-                <a16:creationId xmlns="" xmlns:a16="http://schemas.microsoft.com/office/drawing/2014/main" id="{E82D1BFA-FEB4-419F-977D-5BC43DB0DD77}"/>
+                <a16:creationId xmlns:a16="http://schemas.microsoft.com/office/drawing/2014/main" xmlns="" id="{E82D1BFA-FEB4-419F-977D-5BC43DB0DD77}"/>
               </a:ext>
             </a:extLst>
           </p:cNvPr>
@@ -22204,10 +22279,10 @@
           <p:cNvPr id="27" name="Isosceles Triangle 26">
             <a:extLst>
               <a:ext uri="{FF2B5EF4-FFF2-40B4-BE49-F238E27FC236}">
-                <a16:creationId xmlns="" xmlns:a16="http://schemas.microsoft.com/office/drawing/2014/main" id="{266F638A-E405-4AC0-B984-72E5813B0DD1}"/>
+                <a16:creationId xmlns:a16="http://schemas.microsoft.com/office/drawing/2014/main" xmlns="" id="{266F638A-E405-4AC0-B984-72E5813B0DD1}"/>
               </a:ext>
               <a:ext uri="{C183D7F6-B498-43B3-948B-1728B52AA6E4}">
-                <adec:decorative xmlns="" xmlns:adec="http://schemas.microsoft.com/office/drawing/2017/decorative" val="1"/>
+                <adec:decorative xmlns:adec="http://schemas.microsoft.com/office/drawing/2017/decorative" xmlns="" val="1"/>
               </a:ext>
             </a:extLst>
           </p:cNvPr>
@@ -22217,7 +22292,7 @@
           <p:nvPr>
             <p:extLst>
               <p:ext uri="{386F3935-93C4-4BCD-93E2-E3B085C9AB24}">
-                <p16:designElem xmlns="" xmlns:p16="http://schemas.microsoft.com/office/powerpoint/2015/main" val="1"/>
+                <p16:designElem xmlns:p16="http://schemas.microsoft.com/office/powerpoint/2015/main" val="1"/>
               </p:ext>
             </p:extLst>
           </p:nvPr>
@@ -22260,10 +22335,10 @@
           <p:cNvPr id="29" name="Straight Connector 28">
             <a:extLst>
               <a:ext uri="{FF2B5EF4-FFF2-40B4-BE49-F238E27FC236}">
-                <a16:creationId xmlns="" xmlns:a16="http://schemas.microsoft.com/office/drawing/2014/main" id="{7D1CBE93-B17D-4509-843C-82287C38032A}"/>
+                <a16:creationId xmlns:a16="http://schemas.microsoft.com/office/drawing/2014/main" xmlns="" id="{7D1CBE93-B17D-4509-843C-82287C38032A}"/>
               </a:ext>
               <a:ext uri="{C183D7F6-B498-43B3-948B-1728B52AA6E4}">
-                <adec:decorative xmlns="" xmlns:adec="http://schemas.microsoft.com/office/drawing/2017/decorative" val="1"/>
+                <adec:decorative xmlns:adec="http://schemas.microsoft.com/office/drawing/2017/decorative" xmlns="" val="1"/>
               </a:ext>
             </a:extLst>
           </p:cNvPr>
@@ -22273,7 +22348,7 @@
           <p:nvPr>
             <p:extLst>
               <p:ext uri="{386F3935-93C4-4BCD-93E2-E3B085C9AB24}">
-                <p16:designElem xmlns="" xmlns:p16="http://schemas.microsoft.com/office/powerpoint/2015/main" val="1"/>
+                <p16:designElem xmlns:p16="http://schemas.microsoft.com/office/powerpoint/2015/main" val="1"/>
               </p:ext>
             </p:extLst>
           </p:nvPr>
@@ -22313,10 +22388,10 @@
           <p:cNvPr id="31" name="Straight Connector 30">
             <a:extLst>
               <a:ext uri="{FF2B5EF4-FFF2-40B4-BE49-F238E27FC236}">
-                <a16:creationId xmlns="" xmlns:a16="http://schemas.microsoft.com/office/drawing/2014/main" id="{AE6277B4-6A43-48AB-89B2-3442221619CC}"/>
+                <a16:creationId xmlns:a16="http://schemas.microsoft.com/office/drawing/2014/main" xmlns="" id="{AE6277B4-6A43-48AB-89B2-3442221619CC}"/>
               </a:ext>
               <a:ext uri="{C183D7F6-B498-43B3-948B-1728B52AA6E4}">
-                <adec:decorative xmlns="" xmlns:adec="http://schemas.microsoft.com/office/drawing/2017/decorative" val="1"/>
+                <adec:decorative xmlns:adec="http://schemas.microsoft.com/office/drawing/2017/decorative" xmlns="" val="1"/>
               </a:ext>
             </a:extLst>
           </p:cNvPr>
@@ -22326,7 +22401,7 @@
           <p:nvPr>
             <p:extLst>
               <p:ext uri="{386F3935-93C4-4BCD-93E2-E3B085C9AB24}">
-                <p16:designElem xmlns="" xmlns:p16="http://schemas.microsoft.com/office/powerpoint/2015/main" val="1"/>
+                <p16:designElem xmlns:p16="http://schemas.microsoft.com/office/powerpoint/2015/main" val="1"/>
               </p:ext>
             </p:extLst>
           </p:nvPr>
@@ -22365,7 +22440,7 @@
           <p:cNvPr id="2" name="Content Placeholder 1">
             <a:extLst>
               <a:ext uri="{FF2B5EF4-FFF2-40B4-BE49-F238E27FC236}">
-                <a16:creationId xmlns="" xmlns:a16="http://schemas.microsoft.com/office/drawing/2014/main" id="{39A6FAD1-C2C6-47B8-A6FE-188892E09DF4}"/>
+                <a16:creationId xmlns:a16="http://schemas.microsoft.com/office/drawing/2014/main" xmlns="" id="{39A6FAD1-C2C6-47B8-A6FE-188892E09DF4}"/>
               </a:ext>
             </a:extLst>
           </p:cNvPr>
@@ -22712,10 +22787,10 @@
           <p:cNvPr id="33" name="Rectangle 27">
             <a:extLst>
               <a:ext uri="{FF2B5EF4-FFF2-40B4-BE49-F238E27FC236}">
-                <a16:creationId xmlns="" xmlns:a16="http://schemas.microsoft.com/office/drawing/2014/main" id="{27B538D5-95DB-47ED-9CB4-34AE5BF78E6B}"/>
+                <a16:creationId xmlns:a16="http://schemas.microsoft.com/office/drawing/2014/main" xmlns="" id="{27B538D5-95DB-47ED-9CB4-34AE5BF78E6B}"/>
               </a:ext>
               <a:ext uri="{C183D7F6-B498-43B3-948B-1728B52AA6E4}">
-                <adec:decorative xmlns="" xmlns:adec="http://schemas.microsoft.com/office/drawing/2017/decorative" val="1"/>
+                <adec:decorative xmlns:adec="http://schemas.microsoft.com/office/drawing/2017/decorative" xmlns="" val="1"/>
               </a:ext>
             </a:extLst>
           </p:cNvPr>
@@ -22725,7 +22800,7 @@
           <p:nvPr>
             <p:extLst>
               <p:ext uri="{386F3935-93C4-4BCD-93E2-E3B085C9AB24}">
-                <p16:designElem xmlns="" xmlns:p16="http://schemas.microsoft.com/office/powerpoint/2015/main" val="1"/>
+                <p16:designElem xmlns:p16="http://schemas.microsoft.com/office/powerpoint/2015/main" val="1"/>
               </p:ext>
             </p:extLst>
           </p:nvPr>
@@ -22790,7 +22865,7 @@
           <p:cNvPr id="4" name="Date Placeholder 3">
             <a:extLst>
               <a:ext uri="{FF2B5EF4-FFF2-40B4-BE49-F238E27FC236}">
-                <a16:creationId xmlns="" xmlns:a16="http://schemas.microsoft.com/office/drawing/2014/main" id="{6B2CF951-67E8-43A1-BBBD-A44046F57703}"/>
+                <a16:creationId xmlns:a16="http://schemas.microsoft.com/office/drawing/2014/main" xmlns="" id="{6B2CF951-67E8-43A1-BBBD-A44046F57703}"/>
               </a:ext>
             </a:extLst>
           </p:cNvPr>
@@ -22831,7 +22906,7 @@
                   <a:spcPts val="600"/>
                 </a:spcAft>
               </a:pPr>
-              <a:t>December 23, 2019</a:t>
+              <a:t>December 24, 2019</a:t>
             </a:fld>
             <a:endParaRPr lang="en-US" sz="1050" kern="1200" dirty="0">
               <a:solidFill>
@@ -22848,7 +22923,7 @@
           <p:cNvPr id="6" name="Slide Number Placeholder 5">
             <a:extLst>
               <a:ext uri="{FF2B5EF4-FFF2-40B4-BE49-F238E27FC236}">
-                <a16:creationId xmlns="" xmlns:a16="http://schemas.microsoft.com/office/drawing/2014/main" id="{9D6B4462-AECF-4C8B-82E2-282905936963}"/>
+                <a16:creationId xmlns:a16="http://schemas.microsoft.com/office/drawing/2014/main" xmlns="" id="{9D6B4462-AECF-4C8B-82E2-282905936963}"/>
               </a:ext>
             </a:extLst>
           </p:cNvPr>
@@ -22944,10 +23019,10 @@
           <p:cNvPr id="11" name="Group 10">
             <a:extLst>
               <a:ext uri="{FF2B5EF4-FFF2-40B4-BE49-F238E27FC236}">
-                <a16:creationId xmlns="" xmlns:a16="http://schemas.microsoft.com/office/drawing/2014/main" id="{09EA7EA7-74F5-4EE2-8E3D-1A10308259D7}"/>
+                <a16:creationId xmlns:a16="http://schemas.microsoft.com/office/drawing/2014/main" xmlns="" id="{09EA7EA7-74F5-4EE2-8E3D-1A10308259D7}"/>
               </a:ext>
               <a:ext uri="{C183D7F6-B498-43B3-948B-1728B52AA6E4}">
-                <adec:decorative xmlns="" xmlns:adec="http://schemas.microsoft.com/office/drawing/2017/decorative" val="1"/>
+                <adec:decorative xmlns:adec="http://schemas.microsoft.com/office/drawing/2017/decorative" xmlns="" val="1"/>
               </a:ext>
             </a:extLst>
           </p:cNvPr>
@@ -22957,7 +23032,7 @@
           <p:nvPr>
             <p:extLst>
               <p:ext uri="{386F3935-93C4-4BCD-93E2-E3B085C9AB24}">
-                <p16:designElem xmlns="" xmlns:p16="http://schemas.microsoft.com/office/powerpoint/2015/main" val="1"/>
+                <p16:designElem xmlns:p16="http://schemas.microsoft.com/office/powerpoint/2015/main" val="1"/>
               </p:ext>
             </p:extLst>
           </p:nvPr>
@@ -22975,10 +23050,10 @@
             <p:cNvPr id="12" name="Straight Connector 11">
               <a:extLst>
                 <a:ext uri="{FF2B5EF4-FFF2-40B4-BE49-F238E27FC236}">
-                  <a16:creationId xmlns="" xmlns:a16="http://schemas.microsoft.com/office/drawing/2014/main" id="{A5CE79B5-7EE4-424D-AD14-5DEFB61B85C8}"/>
+                  <a16:creationId xmlns:a16="http://schemas.microsoft.com/office/drawing/2014/main" xmlns="" id="{A5CE79B5-7EE4-424D-AD14-5DEFB61B85C8}"/>
                 </a:ext>
                 <a:ext uri="{C183D7F6-B498-43B3-948B-1728B52AA6E4}">
-                  <adec:decorative xmlns="" xmlns:adec="http://schemas.microsoft.com/office/drawing/2017/decorative" val="1"/>
+                  <adec:decorative xmlns:adec="http://schemas.microsoft.com/office/drawing/2017/decorative" xmlns="" val="1"/>
                 </a:ext>
               </a:extLst>
             </p:cNvPr>
@@ -22986,7 +23061,7 @@
             <p:nvPr>
               <p:extLst>
                 <p:ext uri="{386F3935-93C4-4BCD-93E2-E3B085C9AB24}">
-                  <p16:designElem xmlns="" xmlns:p16="http://schemas.microsoft.com/office/powerpoint/2015/main" val="1"/>
+                  <p16:designElem xmlns:p16="http://schemas.microsoft.com/office/powerpoint/2015/main" val="1"/>
                 </p:ext>
               </p:extLst>
             </p:nvPr>
@@ -23027,10 +23102,10 @@
             <p:cNvPr id="13" name="Straight Connector 12">
               <a:extLst>
                 <a:ext uri="{FF2B5EF4-FFF2-40B4-BE49-F238E27FC236}">
-                  <a16:creationId xmlns="" xmlns:a16="http://schemas.microsoft.com/office/drawing/2014/main" id="{696C926F-F999-44BA-8D86-9EAB51D65010}"/>
+                  <a16:creationId xmlns:a16="http://schemas.microsoft.com/office/drawing/2014/main" xmlns="" id="{696C926F-F999-44BA-8D86-9EAB51D65010}"/>
                 </a:ext>
                 <a:ext uri="{C183D7F6-B498-43B3-948B-1728B52AA6E4}">
-                  <adec:decorative xmlns="" xmlns:adec="http://schemas.microsoft.com/office/drawing/2017/decorative" val="1"/>
+                  <adec:decorative xmlns:adec="http://schemas.microsoft.com/office/drawing/2017/decorative" xmlns="" val="1"/>
                 </a:ext>
               </a:extLst>
             </p:cNvPr>
@@ -23038,7 +23113,7 @@
             <p:nvPr>
               <p:extLst>
                 <p:ext uri="{386F3935-93C4-4BCD-93E2-E3B085C9AB24}">
-                  <p16:designElem xmlns="" xmlns:p16="http://schemas.microsoft.com/office/powerpoint/2015/main" val="1"/>
+                  <p16:designElem xmlns:p16="http://schemas.microsoft.com/office/powerpoint/2015/main" val="1"/>
                 </p:ext>
               </p:extLst>
             </p:nvPr>
@@ -23079,10 +23154,10 @@
             <p:cNvPr id="14" name="Rectangle 23">
               <a:extLst>
                 <a:ext uri="{FF2B5EF4-FFF2-40B4-BE49-F238E27FC236}">
-                  <a16:creationId xmlns="" xmlns:a16="http://schemas.microsoft.com/office/drawing/2014/main" id="{248745E7-0AF0-48F9-8E58-2673FC5F4FDE}"/>
+                  <a16:creationId xmlns:a16="http://schemas.microsoft.com/office/drawing/2014/main" xmlns="" id="{248745E7-0AF0-48F9-8E58-2673FC5F4FDE}"/>
                 </a:ext>
                 <a:ext uri="{C183D7F6-B498-43B3-948B-1728B52AA6E4}">
-                  <adec:decorative xmlns="" xmlns:adec="http://schemas.microsoft.com/office/drawing/2017/decorative" val="1"/>
+                  <adec:decorative xmlns:adec="http://schemas.microsoft.com/office/drawing/2017/decorative" xmlns="" val="1"/>
                 </a:ext>
               </a:extLst>
             </p:cNvPr>
@@ -23090,7 +23165,7 @@
             <p:nvPr>
               <p:extLst>
                 <p:ext uri="{386F3935-93C4-4BCD-93E2-E3B085C9AB24}">
-                  <p16:designElem xmlns="" xmlns:p16="http://schemas.microsoft.com/office/powerpoint/2015/main" val="1"/>
+                  <p16:designElem xmlns:p16="http://schemas.microsoft.com/office/powerpoint/2015/main" val="1"/>
                 </p:ext>
               </p:extLst>
             </p:nvPr>
@@ -23157,10 +23232,10 @@
             <p:cNvPr id="15" name="Rectangle 25">
               <a:extLst>
                 <a:ext uri="{FF2B5EF4-FFF2-40B4-BE49-F238E27FC236}">
-                  <a16:creationId xmlns="" xmlns:a16="http://schemas.microsoft.com/office/drawing/2014/main" id="{9715E81A-D2E0-4431-9370-4E4A9ECA7F9C}"/>
+                  <a16:creationId xmlns:a16="http://schemas.microsoft.com/office/drawing/2014/main" xmlns="" id="{9715E81A-D2E0-4431-9370-4E4A9ECA7F9C}"/>
                 </a:ext>
                 <a:ext uri="{C183D7F6-B498-43B3-948B-1728B52AA6E4}">
-                  <adec:decorative xmlns="" xmlns:adec="http://schemas.microsoft.com/office/drawing/2017/decorative" val="1"/>
+                  <adec:decorative xmlns:adec="http://schemas.microsoft.com/office/drawing/2017/decorative" xmlns="" val="1"/>
                 </a:ext>
               </a:extLst>
             </p:cNvPr>
@@ -23168,7 +23243,7 @@
             <p:nvPr>
               <p:extLst>
                 <p:ext uri="{386F3935-93C4-4BCD-93E2-E3B085C9AB24}">
-                  <p16:designElem xmlns="" xmlns:p16="http://schemas.microsoft.com/office/powerpoint/2015/main" val="1"/>
+                  <p16:designElem xmlns:p16="http://schemas.microsoft.com/office/powerpoint/2015/main" val="1"/>
                 </p:ext>
               </p:extLst>
             </p:nvPr>
@@ -23235,10 +23310,10 @@
             <p:cNvPr id="16" name="Isosceles Triangle 15">
               <a:extLst>
                 <a:ext uri="{FF2B5EF4-FFF2-40B4-BE49-F238E27FC236}">
-                  <a16:creationId xmlns="" xmlns:a16="http://schemas.microsoft.com/office/drawing/2014/main" id="{CEDB37A9-282D-4DDB-85AD-B2090A82531F}"/>
+                  <a16:creationId xmlns:a16="http://schemas.microsoft.com/office/drawing/2014/main" xmlns="" id="{CEDB37A9-282D-4DDB-85AD-B2090A82531F}"/>
                 </a:ext>
                 <a:ext uri="{C183D7F6-B498-43B3-948B-1728B52AA6E4}">
-                  <adec:decorative xmlns="" xmlns:adec="http://schemas.microsoft.com/office/drawing/2017/decorative" val="1"/>
+                  <adec:decorative xmlns:adec="http://schemas.microsoft.com/office/drawing/2017/decorative" xmlns="" val="1"/>
                 </a:ext>
               </a:extLst>
             </p:cNvPr>
@@ -23246,7 +23321,7 @@
             <p:nvPr>
               <p:extLst>
                 <p:ext uri="{386F3935-93C4-4BCD-93E2-E3B085C9AB24}">
-                  <p16:designElem xmlns="" xmlns:p16="http://schemas.microsoft.com/office/powerpoint/2015/main" val="1"/>
+                  <p16:designElem xmlns:p16="http://schemas.microsoft.com/office/powerpoint/2015/main" val="1"/>
                 </p:ext>
               </p:extLst>
             </p:nvPr>
@@ -23291,10 +23366,10 @@
             <p:cNvPr id="17" name="Rectangle 27">
               <a:extLst>
                 <a:ext uri="{FF2B5EF4-FFF2-40B4-BE49-F238E27FC236}">
-                  <a16:creationId xmlns="" xmlns:a16="http://schemas.microsoft.com/office/drawing/2014/main" id="{533D5933-7F91-4F5E-BC31-42FD0E2D8DEF}"/>
+                  <a16:creationId xmlns:a16="http://schemas.microsoft.com/office/drawing/2014/main" xmlns="" id="{533D5933-7F91-4F5E-BC31-42FD0E2D8DEF}"/>
                 </a:ext>
                 <a:ext uri="{C183D7F6-B498-43B3-948B-1728B52AA6E4}">
-                  <adec:decorative xmlns="" xmlns:adec="http://schemas.microsoft.com/office/drawing/2017/decorative" val="1"/>
+                  <adec:decorative xmlns:adec="http://schemas.microsoft.com/office/drawing/2017/decorative" xmlns="" val="1"/>
                 </a:ext>
               </a:extLst>
             </p:cNvPr>
@@ -23302,7 +23377,7 @@
             <p:nvPr>
               <p:extLst>
                 <p:ext uri="{386F3935-93C4-4BCD-93E2-E3B085C9AB24}">
-                  <p16:designElem xmlns="" xmlns:p16="http://schemas.microsoft.com/office/powerpoint/2015/main" val="1"/>
+                  <p16:designElem xmlns:p16="http://schemas.microsoft.com/office/powerpoint/2015/main" val="1"/>
                 </p:ext>
               </p:extLst>
             </p:nvPr>
@@ -23370,10 +23445,10 @@
             <p:cNvPr id="18" name="Rectangle 28">
               <a:extLst>
                 <a:ext uri="{FF2B5EF4-FFF2-40B4-BE49-F238E27FC236}">
-                  <a16:creationId xmlns="" xmlns:a16="http://schemas.microsoft.com/office/drawing/2014/main" id="{37ADDF68-C9BE-46EA-83DE-2C07DD83960F}"/>
+                  <a16:creationId xmlns:a16="http://schemas.microsoft.com/office/drawing/2014/main" xmlns="" id="{37ADDF68-C9BE-46EA-83DE-2C07DD83960F}"/>
                 </a:ext>
                 <a:ext uri="{C183D7F6-B498-43B3-948B-1728B52AA6E4}">
-                  <adec:decorative xmlns="" xmlns:adec="http://schemas.microsoft.com/office/drawing/2017/decorative" val="1"/>
+                  <adec:decorative xmlns:adec="http://schemas.microsoft.com/office/drawing/2017/decorative" xmlns="" val="1"/>
                 </a:ext>
               </a:extLst>
             </p:cNvPr>
@@ -23381,7 +23456,7 @@
             <p:nvPr>
               <p:extLst>
                 <p:ext uri="{386F3935-93C4-4BCD-93E2-E3B085C9AB24}">
-                  <p16:designElem xmlns="" xmlns:p16="http://schemas.microsoft.com/office/powerpoint/2015/main" val="1"/>
+                  <p16:designElem xmlns:p16="http://schemas.microsoft.com/office/powerpoint/2015/main" val="1"/>
                 </p:ext>
               </p:extLst>
             </p:nvPr>
@@ -23450,10 +23525,10 @@
             <p:cNvPr id="19" name="Rectangle 29">
               <a:extLst>
                 <a:ext uri="{FF2B5EF4-FFF2-40B4-BE49-F238E27FC236}">
-                  <a16:creationId xmlns="" xmlns:a16="http://schemas.microsoft.com/office/drawing/2014/main" id="{10D67396-BABD-48A8-A892-CCB5095FA427}"/>
+                  <a16:creationId xmlns:a16="http://schemas.microsoft.com/office/drawing/2014/main" xmlns="" id="{10D67396-BABD-48A8-A892-CCB5095FA427}"/>
                 </a:ext>
                 <a:ext uri="{C183D7F6-B498-43B3-948B-1728B52AA6E4}">
-                  <adec:decorative xmlns="" xmlns:adec="http://schemas.microsoft.com/office/drawing/2017/decorative" val="1"/>
+                  <adec:decorative xmlns:adec="http://schemas.microsoft.com/office/drawing/2017/decorative" xmlns="" val="1"/>
                 </a:ext>
               </a:extLst>
             </p:cNvPr>
@@ -23461,7 +23536,7 @@
             <p:nvPr>
               <p:extLst>
                 <p:ext uri="{386F3935-93C4-4BCD-93E2-E3B085C9AB24}">
-                  <p16:designElem xmlns="" xmlns:p16="http://schemas.microsoft.com/office/powerpoint/2015/main" val="1"/>
+                  <p16:designElem xmlns:p16="http://schemas.microsoft.com/office/powerpoint/2015/main" val="1"/>
                 </p:ext>
               </p:extLst>
             </p:nvPr>
@@ -23528,10 +23603,10 @@
             <p:cNvPr id="20" name="Isosceles Triangle 19">
               <a:extLst>
                 <a:ext uri="{FF2B5EF4-FFF2-40B4-BE49-F238E27FC236}">
-                  <a16:creationId xmlns="" xmlns:a16="http://schemas.microsoft.com/office/drawing/2014/main" id="{626DA82A-72C2-4DF6-9CF0-0D1F6B96B529}"/>
+                  <a16:creationId xmlns:a16="http://schemas.microsoft.com/office/drawing/2014/main" xmlns="" id="{626DA82A-72C2-4DF6-9CF0-0D1F6B96B529}"/>
                 </a:ext>
                 <a:ext uri="{C183D7F6-B498-43B3-948B-1728B52AA6E4}">
-                  <adec:decorative xmlns="" xmlns:adec="http://schemas.microsoft.com/office/drawing/2017/decorative" val="1"/>
+                  <adec:decorative xmlns:adec="http://schemas.microsoft.com/office/drawing/2017/decorative" xmlns="" val="1"/>
                 </a:ext>
               </a:extLst>
             </p:cNvPr>
@@ -23539,7 +23614,7 @@
             <p:nvPr>
               <p:extLst>
                 <p:ext uri="{386F3935-93C4-4BCD-93E2-E3B085C9AB24}">
-                  <p16:designElem xmlns="" xmlns:p16="http://schemas.microsoft.com/office/powerpoint/2015/main" val="1"/>
+                  <p16:designElem xmlns:p16="http://schemas.microsoft.com/office/powerpoint/2015/main" val="1"/>
                 </p:ext>
               </p:extLst>
             </p:nvPr>
@@ -23584,10 +23659,10 @@
             <p:cNvPr id="21" name="Isosceles Triangle 20">
               <a:extLst>
                 <a:ext uri="{FF2B5EF4-FFF2-40B4-BE49-F238E27FC236}">
-                  <a16:creationId xmlns="" xmlns:a16="http://schemas.microsoft.com/office/drawing/2014/main" id="{8EE6DC63-4380-4BE0-A68A-8F01162BD192}"/>
+                  <a16:creationId xmlns:a16="http://schemas.microsoft.com/office/drawing/2014/main" xmlns="" id="{8EE6DC63-4380-4BE0-A68A-8F01162BD192}"/>
                 </a:ext>
                 <a:ext uri="{C183D7F6-B498-43B3-948B-1728B52AA6E4}">
-                  <adec:decorative xmlns="" xmlns:adec="http://schemas.microsoft.com/office/drawing/2017/decorative" val="1"/>
+                  <adec:decorative xmlns:adec="http://schemas.microsoft.com/office/drawing/2017/decorative" xmlns="" val="1"/>
                 </a:ext>
               </a:extLst>
             </p:cNvPr>
@@ -23595,7 +23670,7 @@
             <p:nvPr>
               <p:extLst>
                 <p:ext uri="{386F3935-93C4-4BCD-93E2-E3B085C9AB24}">
-                  <p16:designElem xmlns="" xmlns:p16="http://schemas.microsoft.com/office/powerpoint/2015/main" val="1"/>
+                  <p16:designElem xmlns:p16="http://schemas.microsoft.com/office/powerpoint/2015/main" val="1"/>
                 </p:ext>
               </p:extLst>
             </p:nvPr>
@@ -23641,10 +23716,10 @@
           <p:cNvPr id="23" name="Rectangle 22">
             <a:extLst>
               <a:ext uri="{FF2B5EF4-FFF2-40B4-BE49-F238E27FC236}">
-                <a16:creationId xmlns="" xmlns:a16="http://schemas.microsoft.com/office/drawing/2014/main" id="{8DF4D7F6-81B5-452A-9CE6-76D81F91D41B}"/>
+                <a16:creationId xmlns:a16="http://schemas.microsoft.com/office/drawing/2014/main" xmlns="" id="{8DF4D7F6-81B5-452A-9CE6-76D81F91D41B}"/>
               </a:ext>
               <a:ext uri="{C183D7F6-B498-43B3-948B-1728B52AA6E4}">
-                <adec:decorative xmlns="" xmlns:adec="http://schemas.microsoft.com/office/drawing/2017/decorative" val="1"/>
+                <adec:decorative xmlns:adec="http://schemas.microsoft.com/office/drawing/2017/decorative" xmlns="" val="1"/>
               </a:ext>
             </a:extLst>
           </p:cNvPr>
@@ -23654,7 +23729,7 @@
           <p:nvPr>
             <p:extLst>
               <p:ext uri="{386F3935-93C4-4BCD-93E2-E3B085C9AB24}">
-                <p16:designElem xmlns="" xmlns:p16="http://schemas.microsoft.com/office/powerpoint/2015/main" val="1"/>
+                <p16:designElem xmlns:p16="http://schemas.microsoft.com/office/powerpoint/2015/main" val="1"/>
               </p:ext>
             </p:extLst>
           </p:nvPr>
@@ -23701,7 +23776,7 @@
           <p:cNvPr id="3" name="Title 2">
             <a:extLst>
               <a:ext uri="{FF2B5EF4-FFF2-40B4-BE49-F238E27FC236}">
-                <a16:creationId xmlns="" xmlns:a16="http://schemas.microsoft.com/office/drawing/2014/main" id="{12FD7EA0-CFEB-4E75-8AFB-5B8FE68C9A91}"/>
+                <a16:creationId xmlns:a16="http://schemas.microsoft.com/office/drawing/2014/main" xmlns="" id="{12FD7EA0-CFEB-4E75-8AFB-5B8FE68C9A91}"/>
               </a:ext>
             </a:extLst>
           </p:cNvPr>
@@ -23725,13 +23800,18 @@
           <a:lstStyle/>
           <a:p>
             <a:r>
-              <a:rPr lang="en-US" sz="4000" dirty="0">
+              <a:rPr lang="en-US" sz="4000">
                 <a:solidFill>
                   <a:schemeClr val="accent1"/>
                 </a:solidFill>
               </a:rPr>
-              <a:t>FPT AI Speech To Text</a:t>
-            </a:r>
+              <a:t>FPT AI Text To Speech</a:t>
+            </a:r>
+            <a:endParaRPr lang="en-US" sz="4000" dirty="0">
+              <a:solidFill>
+                <a:schemeClr val="accent1"/>
+              </a:solidFill>
+            </a:endParaRPr>
           </a:p>
         </p:txBody>
       </p:sp>
@@ -23740,10 +23820,10 @@
           <p:cNvPr id="25" name="Isosceles Triangle 24">
             <a:extLst>
               <a:ext uri="{FF2B5EF4-FFF2-40B4-BE49-F238E27FC236}">
-                <a16:creationId xmlns="" xmlns:a16="http://schemas.microsoft.com/office/drawing/2014/main" id="{4600514D-20FB-4559-97DC-D1DC39E6C3DE}"/>
+                <a16:creationId xmlns:a16="http://schemas.microsoft.com/office/drawing/2014/main" xmlns="" id="{4600514D-20FB-4559-97DC-D1DC39E6C3DE}"/>
               </a:ext>
               <a:ext uri="{C183D7F6-B498-43B3-948B-1728B52AA6E4}">
-                <adec:decorative xmlns="" xmlns:adec="http://schemas.microsoft.com/office/drawing/2017/decorative" val="1"/>
+                <adec:decorative xmlns:adec="http://schemas.microsoft.com/office/drawing/2017/decorative" xmlns="" val="1"/>
               </a:ext>
             </a:extLst>
           </p:cNvPr>
@@ -23753,7 +23833,7 @@
           <p:nvPr>
             <p:extLst>
               <p:ext uri="{386F3935-93C4-4BCD-93E2-E3B085C9AB24}">
-                <p16:designElem xmlns="" xmlns:p16="http://schemas.microsoft.com/office/powerpoint/2015/main" val="1"/>
+                <p16:designElem xmlns:p16="http://schemas.microsoft.com/office/powerpoint/2015/main" val="1"/>
               </p:ext>
             </p:extLst>
           </p:nvPr>
@@ -23798,7 +23878,7 @@
           <p:cNvPr id="5" name="Footer Placeholder 4">
             <a:extLst>
               <a:ext uri="{FF2B5EF4-FFF2-40B4-BE49-F238E27FC236}">
-                <a16:creationId xmlns="" xmlns:a16="http://schemas.microsoft.com/office/drawing/2014/main" id="{E82D1BFA-FEB4-419F-977D-5BC43DB0DD77}"/>
+                <a16:creationId xmlns:a16="http://schemas.microsoft.com/office/drawing/2014/main" xmlns="" id="{E82D1BFA-FEB4-419F-977D-5BC43DB0DD77}"/>
               </a:ext>
             </a:extLst>
           </p:cNvPr>
@@ -23854,10 +23934,10 @@
           <p:cNvPr id="27" name="Isosceles Triangle 26">
             <a:extLst>
               <a:ext uri="{FF2B5EF4-FFF2-40B4-BE49-F238E27FC236}">
-                <a16:creationId xmlns="" xmlns:a16="http://schemas.microsoft.com/office/drawing/2014/main" id="{266F638A-E405-4AC0-B984-72E5813B0DD1}"/>
+                <a16:creationId xmlns:a16="http://schemas.microsoft.com/office/drawing/2014/main" xmlns="" id="{266F638A-E405-4AC0-B984-72E5813B0DD1}"/>
               </a:ext>
               <a:ext uri="{C183D7F6-B498-43B3-948B-1728B52AA6E4}">
-                <adec:decorative xmlns="" xmlns:adec="http://schemas.microsoft.com/office/drawing/2017/decorative" val="1"/>
+                <adec:decorative xmlns:adec="http://schemas.microsoft.com/office/drawing/2017/decorative" xmlns="" val="1"/>
               </a:ext>
             </a:extLst>
           </p:cNvPr>
@@ -23867,7 +23947,7 @@
           <p:nvPr>
             <p:extLst>
               <p:ext uri="{386F3935-93C4-4BCD-93E2-E3B085C9AB24}">
-                <p16:designElem xmlns="" xmlns:p16="http://schemas.microsoft.com/office/powerpoint/2015/main" val="1"/>
+                <p16:designElem xmlns:p16="http://schemas.microsoft.com/office/powerpoint/2015/main" val="1"/>
               </p:ext>
             </p:extLst>
           </p:nvPr>
@@ -23910,10 +23990,10 @@
           <p:cNvPr id="29" name="Straight Connector 28">
             <a:extLst>
               <a:ext uri="{FF2B5EF4-FFF2-40B4-BE49-F238E27FC236}">
-                <a16:creationId xmlns="" xmlns:a16="http://schemas.microsoft.com/office/drawing/2014/main" id="{7D1CBE93-B17D-4509-843C-82287C38032A}"/>
+                <a16:creationId xmlns:a16="http://schemas.microsoft.com/office/drawing/2014/main" xmlns="" id="{7D1CBE93-B17D-4509-843C-82287C38032A}"/>
               </a:ext>
               <a:ext uri="{C183D7F6-B498-43B3-948B-1728B52AA6E4}">
-                <adec:decorative xmlns="" xmlns:adec="http://schemas.microsoft.com/office/drawing/2017/decorative" val="1"/>
+                <adec:decorative xmlns:adec="http://schemas.microsoft.com/office/drawing/2017/decorative" xmlns="" val="1"/>
               </a:ext>
             </a:extLst>
           </p:cNvPr>
@@ -23923,7 +24003,7 @@
           <p:nvPr>
             <p:extLst>
               <p:ext uri="{386F3935-93C4-4BCD-93E2-E3B085C9AB24}">
-                <p16:designElem xmlns="" xmlns:p16="http://schemas.microsoft.com/office/powerpoint/2015/main" val="1"/>
+                <p16:designElem xmlns:p16="http://schemas.microsoft.com/office/powerpoint/2015/main" val="1"/>
               </p:ext>
             </p:extLst>
           </p:nvPr>
@@ -23963,10 +24043,10 @@
           <p:cNvPr id="31" name="Straight Connector 30">
             <a:extLst>
               <a:ext uri="{FF2B5EF4-FFF2-40B4-BE49-F238E27FC236}">
-                <a16:creationId xmlns="" xmlns:a16="http://schemas.microsoft.com/office/drawing/2014/main" id="{AE6277B4-6A43-48AB-89B2-3442221619CC}"/>
+                <a16:creationId xmlns:a16="http://schemas.microsoft.com/office/drawing/2014/main" xmlns="" id="{AE6277B4-6A43-48AB-89B2-3442221619CC}"/>
               </a:ext>
               <a:ext uri="{C183D7F6-B498-43B3-948B-1728B52AA6E4}">
-                <adec:decorative xmlns="" xmlns:adec="http://schemas.microsoft.com/office/drawing/2017/decorative" val="1"/>
+                <adec:decorative xmlns:adec="http://schemas.microsoft.com/office/drawing/2017/decorative" xmlns="" val="1"/>
               </a:ext>
             </a:extLst>
           </p:cNvPr>
@@ -23976,7 +24056,7 @@
           <p:nvPr>
             <p:extLst>
               <p:ext uri="{386F3935-93C4-4BCD-93E2-E3B085C9AB24}">
-                <p16:designElem xmlns="" xmlns:p16="http://schemas.microsoft.com/office/powerpoint/2015/main" val="1"/>
+                <p16:designElem xmlns:p16="http://schemas.microsoft.com/office/powerpoint/2015/main" val="1"/>
               </p:ext>
             </p:extLst>
           </p:nvPr>
@@ -24015,7 +24095,7 @@
           <p:cNvPr id="2" name="Content Placeholder 1">
             <a:extLst>
               <a:ext uri="{FF2B5EF4-FFF2-40B4-BE49-F238E27FC236}">
-                <a16:creationId xmlns="" xmlns:a16="http://schemas.microsoft.com/office/drawing/2014/main" id="{39A6FAD1-C2C6-47B8-A6FE-188892E09DF4}"/>
+                <a16:creationId xmlns:a16="http://schemas.microsoft.com/office/drawing/2014/main" xmlns="" id="{39A6FAD1-C2C6-47B8-A6FE-188892E09DF4}"/>
               </a:ext>
             </a:extLst>
           </p:cNvPr>
@@ -24338,10 +24418,10 @@
           <p:cNvPr id="33" name="Rectangle 27">
             <a:extLst>
               <a:ext uri="{FF2B5EF4-FFF2-40B4-BE49-F238E27FC236}">
-                <a16:creationId xmlns="" xmlns:a16="http://schemas.microsoft.com/office/drawing/2014/main" id="{27B538D5-95DB-47ED-9CB4-34AE5BF78E6B}"/>
+                <a16:creationId xmlns:a16="http://schemas.microsoft.com/office/drawing/2014/main" xmlns="" id="{27B538D5-95DB-47ED-9CB4-34AE5BF78E6B}"/>
               </a:ext>
               <a:ext uri="{C183D7F6-B498-43B3-948B-1728B52AA6E4}">
-                <adec:decorative xmlns="" xmlns:adec="http://schemas.microsoft.com/office/drawing/2017/decorative" val="1"/>
+                <adec:decorative xmlns:adec="http://schemas.microsoft.com/office/drawing/2017/decorative" xmlns="" val="1"/>
               </a:ext>
             </a:extLst>
           </p:cNvPr>
@@ -24351,7 +24431,7 @@
           <p:nvPr>
             <p:extLst>
               <p:ext uri="{386F3935-93C4-4BCD-93E2-E3B085C9AB24}">
-                <p16:designElem xmlns="" xmlns:p16="http://schemas.microsoft.com/office/powerpoint/2015/main" val="1"/>
+                <p16:designElem xmlns:p16="http://schemas.microsoft.com/office/powerpoint/2015/main" val="1"/>
               </p:ext>
             </p:extLst>
           </p:nvPr>
@@ -24416,7 +24496,7 @@
           <p:cNvPr id="4" name="Date Placeholder 3">
             <a:extLst>
               <a:ext uri="{FF2B5EF4-FFF2-40B4-BE49-F238E27FC236}">
-                <a16:creationId xmlns="" xmlns:a16="http://schemas.microsoft.com/office/drawing/2014/main" id="{6B2CF951-67E8-43A1-BBBD-A44046F57703}"/>
+                <a16:creationId xmlns:a16="http://schemas.microsoft.com/office/drawing/2014/main" xmlns="" id="{6B2CF951-67E8-43A1-BBBD-A44046F57703}"/>
               </a:ext>
             </a:extLst>
           </p:cNvPr>
@@ -24457,7 +24537,7 @@
                   <a:spcPts val="600"/>
                 </a:spcAft>
               </a:pPr>
-              <a:t>December 23, 2019</a:t>
+              <a:t>December 25, 2019</a:t>
             </a:fld>
             <a:endParaRPr lang="en-US" sz="1050" kern="1200" dirty="0">
               <a:solidFill>
@@ -24474,7 +24554,7 @@
           <p:cNvPr id="6" name="Slide Number Placeholder 5">
             <a:extLst>
               <a:ext uri="{FF2B5EF4-FFF2-40B4-BE49-F238E27FC236}">
-                <a16:creationId xmlns="" xmlns:a16="http://schemas.microsoft.com/office/drawing/2014/main" id="{9D6B4462-AECF-4C8B-82E2-282905936963}"/>
+                <a16:creationId xmlns:a16="http://schemas.microsoft.com/office/drawing/2014/main" xmlns="" id="{9D6B4462-AECF-4C8B-82E2-282905936963}"/>
               </a:ext>
             </a:extLst>
           </p:cNvPr>
@@ -24570,10 +24650,10 @@
           <p:cNvPr id="13" name="Group 12">
             <a:extLst>
               <a:ext uri="{FF2B5EF4-FFF2-40B4-BE49-F238E27FC236}">
-                <a16:creationId xmlns="" xmlns:a16="http://schemas.microsoft.com/office/drawing/2014/main" id="{28460BD8-AE3F-4AC9-9D0B-717052AA5D3A}"/>
+                <a16:creationId xmlns:a16="http://schemas.microsoft.com/office/drawing/2014/main" xmlns="" id="{28460BD8-AE3F-4AC9-9D0B-717052AA5D3A}"/>
               </a:ext>
               <a:ext uri="{C183D7F6-B498-43B3-948B-1728B52AA6E4}">
-                <adec:decorative xmlns="" xmlns:adec="http://schemas.microsoft.com/office/drawing/2017/decorative" val="1"/>
+                <adec:decorative xmlns:adec="http://schemas.microsoft.com/office/drawing/2017/decorative" xmlns="" val="1"/>
               </a:ext>
             </a:extLst>
           </p:cNvPr>
@@ -24583,7 +24663,7 @@
           <p:nvPr>
             <p:extLst>
               <p:ext uri="{386F3935-93C4-4BCD-93E2-E3B085C9AB24}">
-                <p16:designElem xmlns="" xmlns:p16="http://schemas.microsoft.com/office/powerpoint/2015/main" val="1"/>
+                <p16:designElem xmlns:p16="http://schemas.microsoft.com/office/powerpoint/2015/main" val="1"/>
               </p:ext>
             </p:extLst>
           </p:nvPr>
@@ -24601,10 +24681,10 @@
             <p:cNvPr id="14" name="Straight Connector 13">
               <a:extLst>
                 <a:ext uri="{FF2B5EF4-FFF2-40B4-BE49-F238E27FC236}">
-                  <a16:creationId xmlns="" xmlns:a16="http://schemas.microsoft.com/office/drawing/2014/main" id="{54420CFE-F482-466E-9E1E-C78513C0B85D}"/>
+                  <a16:creationId xmlns:a16="http://schemas.microsoft.com/office/drawing/2014/main" xmlns="" id="{54420CFE-F482-466E-9E1E-C78513C0B85D}"/>
                 </a:ext>
                 <a:ext uri="{C183D7F6-B498-43B3-948B-1728B52AA6E4}">
-                  <adec:decorative xmlns="" xmlns:adec="http://schemas.microsoft.com/office/drawing/2017/decorative" val="1"/>
+                  <adec:decorative xmlns:adec="http://schemas.microsoft.com/office/drawing/2017/decorative" xmlns="" val="1"/>
                 </a:ext>
               </a:extLst>
             </p:cNvPr>
@@ -24612,7 +24692,7 @@
             <p:nvPr>
               <p:extLst>
                 <p:ext uri="{386F3935-93C4-4BCD-93E2-E3B085C9AB24}">
-                  <p16:designElem xmlns="" xmlns:p16="http://schemas.microsoft.com/office/powerpoint/2015/main" val="1"/>
+                  <p16:designElem xmlns:p16="http://schemas.microsoft.com/office/powerpoint/2015/main" val="1"/>
                 </p:ext>
               </p:extLst>
             </p:nvPr>
@@ -24653,10 +24733,10 @@
             <p:cNvPr id="15" name="Straight Connector 14">
               <a:extLst>
                 <a:ext uri="{FF2B5EF4-FFF2-40B4-BE49-F238E27FC236}">
-                  <a16:creationId xmlns="" xmlns:a16="http://schemas.microsoft.com/office/drawing/2014/main" id="{5331032B-BD21-4BDA-920C-12E358052567}"/>
+                  <a16:creationId xmlns:a16="http://schemas.microsoft.com/office/drawing/2014/main" xmlns="" id="{5331032B-BD21-4BDA-920C-12E358052567}"/>
                 </a:ext>
                 <a:ext uri="{C183D7F6-B498-43B3-948B-1728B52AA6E4}">
-                  <adec:decorative xmlns="" xmlns:adec="http://schemas.microsoft.com/office/drawing/2017/decorative" val="1"/>
+                  <adec:decorative xmlns:adec="http://schemas.microsoft.com/office/drawing/2017/decorative" xmlns="" val="1"/>
                 </a:ext>
               </a:extLst>
             </p:cNvPr>
@@ -24664,7 +24744,7 @@
             <p:nvPr>
               <p:extLst>
                 <p:ext uri="{386F3935-93C4-4BCD-93E2-E3B085C9AB24}">
-                  <p16:designElem xmlns="" xmlns:p16="http://schemas.microsoft.com/office/powerpoint/2015/main" val="1"/>
+                  <p16:designElem xmlns:p16="http://schemas.microsoft.com/office/powerpoint/2015/main" val="1"/>
                 </p:ext>
               </p:extLst>
             </p:nvPr>
@@ -24705,10 +24785,10 @@
             <p:cNvPr id="16" name="Rectangle 23">
               <a:extLst>
                 <a:ext uri="{FF2B5EF4-FFF2-40B4-BE49-F238E27FC236}">
-                  <a16:creationId xmlns="" xmlns:a16="http://schemas.microsoft.com/office/drawing/2014/main" id="{E7514DA3-59E7-409E-8A3B-AD097F6E5644}"/>
+                  <a16:creationId xmlns:a16="http://schemas.microsoft.com/office/drawing/2014/main" xmlns="" id="{E7514DA3-59E7-409E-8A3B-AD097F6E5644}"/>
                 </a:ext>
                 <a:ext uri="{C183D7F6-B498-43B3-948B-1728B52AA6E4}">
-                  <adec:decorative xmlns="" xmlns:adec="http://schemas.microsoft.com/office/drawing/2017/decorative" val="1"/>
+                  <adec:decorative xmlns:adec="http://schemas.microsoft.com/office/drawing/2017/decorative" xmlns="" val="1"/>
                 </a:ext>
               </a:extLst>
             </p:cNvPr>
@@ -24716,7 +24796,7 @@
             <p:nvPr>
               <p:extLst>
                 <p:ext uri="{386F3935-93C4-4BCD-93E2-E3B085C9AB24}">
-                  <p16:designElem xmlns="" xmlns:p16="http://schemas.microsoft.com/office/powerpoint/2015/main" val="1"/>
+                  <p16:designElem xmlns:p16="http://schemas.microsoft.com/office/powerpoint/2015/main" val="1"/>
                 </p:ext>
               </p:extLst>
             </p:nvPr>
@@ -24783,10 +24863,10 @@
             <p:cNvPr id="17" name="Rectangle 25">
               <a:extLst>
                 <a:ext uri="{FF2B5EF4-FFF2-40B4-BE49-F238E27FC236}">
-                  <a16:creationId xmlns="" xmlns:a16="http://schemas.microsoft.com/office/drawing/2014/main" id="{57B9A2A6-3BE4-4599-9364-F71C5BFD61F8}"/>
+                  <a16:creationId xmlns:a16="http://schemas.microsoft.com/office/drawing/2014/main" xmlns="" id="{57B9A2A6-3BE4-4599-9364-F71C5BFD61F8}"/>
                 </a:ext>
                 <a:ext uri="{C183D7F6-B498-43B3-948B-1728B52AA6E4}">
-                  <adec:decorative xmlns="" xmlns:adec="http://schemas.microsoft.com/office/drawing/2017/decorative" val="1"/>
+                  <adec:decorative xmlns:adec="http://schemas.microsoft.com/office/drawing/2017/decorative" xmlns="" val="1"/>
                 </a:ext>
               </a:extLst>
             </p:cNvPr>
@@ -24794,7 +24874,7 @@
             <p:nvPr>
               <p:extLst>
                 <p:ext uri="{386F3935-93C4-4BCD-93E2-E3B085C9AB24}">
-                  <p16:designElem xmlns="" xmlns:p16="http://schemas.microsoft.com/office/powerpoint/2015/main" val="1"/>
+                  <p16:designElem xmlns:p16="http://schemas.microsoft.com/office/powerpoint/2015/main" val="1"/>
                 </p:ext>
               </p:extLst>
             </p:nvPr>
@@ -24861,10 +24941,10 @@
             <p:cNvPr id="18" name="Isosceles Triangle 17">
               <a:extLst>
                 <a:ext uri="{FF2B5EF4-FFF2-40B4-BE49-F238E27FC236}">
-                  <a16:creationId xmlns="" xmlns:a16="http://schemas.microsoft.com/office/drawing/2014/main" id="{4FD744C6-4ED8-4BC9-BF68-6BDF701C5DB4}"/>
+                  <a16:creationId xmlns:a16="http://schemas.microsoft.com/office/drawing/2014/main" xmlns="" id="{4FD744C6-4ED8-4BC9-BF68-6BDF701C5DB4}"/>
                 </a:ext>
                 <a:ext uri="{C183D7F6-B498-43B3-948B-1728B52AA6E4}">
-                  <adec:decorative xmlns="" xmlns:adec="http://schemas.microsoft.com/office/drawing/2017/decorative" val="1"/>
+                  <adec:decorative xmlns:adec="http://schemas.microsoft.com/office/drawing/2017/decorative" xmlns="" val="1"/>
                 </a:ext>
               </a:extLst>
             </p:cNvPr>
@@ -24872,7 +24952,7 @@
             <p:nvPr>
               <p:extLst>
                 <p:ext uri="{386F3935-93C4-4BCD-93E2-E3B085C9AB24}">
-                  <p16:designElem xmlns="" xmlns:p16="http://schemas.microsoft.com/office/powerpoint/2015/main" val="1"/>
+                  <p16:designElem xmlns:p16="http://schemas.microsoft.com/office/powerpoint/2015/main" val="1"/>
                 </p:ext>
               </p:extLst>
             </p:nvPr>
@@ -24917,10 +24997,10 @@
             <p:cNvPr id="19" name="Rectangle 27">
               <a:extLst>
                 <a:ext uri="{FF2B5EF4-FFF2-40B4-BE49-F238E27FC236}">
-                  <a16:creationId xmlns="" xmlns:a16="http://schemas.microsoft.com/office/drawing/2014/main" id="{092C5BAD-C911-4F8F-A1C5-470268BE668B}"/>
+                  <a16:creationId xmlns:a16="http://schemas.microsoft.com/office/drawing/2014/main" xmlns="" id="{092C5BAD-C911-4F8F-A1C5-470268BE668B}"/>
                 </a:ext>
                 <a:ext uri="{C183D7F6-B498-43B3-948B-1728B52AA6E4}">
-                  <adec:decorative xmlns="" xmlns:adec="http://schemas.microsoft.com/office/drawing/2017/decorative" val="1"/>
+                  <adec:decorative xmlns:adec="http://schemas.microsoft.com/office/drawing/2017/decorative" xmlns="" val="1"/>
                 </a:ext>
               </a:extLst>
             </p:cNvPr>
@@ -24928,7 +25008,7 @@
             <p:nvPr>
               <p:extLst>
                 <p:ext uri="{386F3935-93C4-4BCD-93E2-E3B085C9AB24}">
-                  <p16:designElem xmlns="" xmlns:p16="http://schemas.microsoft.com/office/powerpoint/2015/main" val="1"/>
+                  <p16:designElem xmlns:p16="http://schemas.microsoft.com/office/powerpoint/2015/main" val="1"/>
                 </p:ext>
               </p:extLst>
             </p:nvPr>
@@ -24996,10 +25076,10 @@
             <p:cNvPr id="20" name="Rectangle 28">
               <a:extLst>
                 <a:ext uri="{FF2B5EF4-FFF2-40B4-BE49-F238E27FC236}">
-                  <a16:creationId xmlns="" xmlns:a16="http://schemas.microsoft.com/office/drawing/2014/main" id="{B133D0C8-4EC4-424F-8E70-0482D5B1B653}"/>
+                  <a16:creationId xmlns:a16="http://schemas.microsoft.com/office/drawing/2014/main" xmlns="" id="{B133D0C8-4EC4-424F-8E70-0482D5B1B653}"/>
                 </a:ext>
                 <a:ext uri="{C183D7F6-B498-43B3-948B-1728B52AA6E4}">
-                  <adec:decorative xmlns="" xmlns:adec="http://schemas.microsoft.com/office/drawing/2017/decorative" val="1"/>
+                  <adec:decorative xmlns:adec="http://schemas.microsoft.com/office/drawing/2017/decorative" xmlns="" val="1"/>
                 </a:ext>
               </a:extLst>
             </p:cNvPr>
@@ -25007,7 +25087,7 @@
             <p:nvPr>
               <p:extLst>
                 <p:ext uri="{386F3935-93C4-4BCD-93E2-E3B085C9AB24}">
-                  <p16:designElem xmlns="" xmlns:p16="http://schemas.microsoft.com/office/powerpoint/2015/main" val="1"/>
+                  <p16:designElem xmlns:p16="http://schemas.microsoft.com/office/powerpoint/2015/main" val="1"/>
                 </p:ext>
               </p:extLst>
             </p:nvPr>
@@ -25076,10 +25156,10 @@
             <p:cNvPr id="21" name="Rectangle 29">
               <a:extLst>
                 <a:ext uri="{FF2B5EF4-FFF2-40B4-BE49-F238E27FC236}">
-                  <a16:creationId xmlns="" xmlns:a16="http://schemas.microsoft.com/office/drawing/2014/main" id="{7B1532A0-F4B3-4DE8-B18F-740CAAD25AC4}"/>
+                  <a16:creationId xmlns:a16="http://schemas.microsoft.com/office/drawing/2014/main" xmlns="" id="{7B1532A0-F4B3-4DE8-B18F-740CAAD25AC4}"/>
                 </a:ext>
                 <a:ext uri="{C183D7F6-B498-43B3-948B-1728B52AA6E4}">
-                  <adec:decorative xmlns="" xmlns:adec="http://schemas.microsoft.com/office/drawing/2017/decorative" val="1"/>
+                  <adec:decorative xmlns:adec="http://schemas.microsoft.com/office/drawing/2017/decorative" xmlns="" val="1"/>
                 </a:ext>
               </a:extLst>
             </p:cNvPr>
@@ -25087,7 +25167,7 @@
             <p:nvPr>
               <p:extLst>
                 <p:ext uri="{386F3935-93C4-4BCD-93E2-E3B085C9AB24}">
-                  <p16:designElem xmlns="" xmlns:p16="http://schemas.microsoft.com/office/powerpoint/2015/main" val="1"/>
+                  <p16:designElem xmlns:p16="http://schemas.microsoft.com/office/powerpoint/2015/main" val="1"/>
                 </p:ext>
               </p:extLst>
             </p:nvPr>
@@ -25154,10 +25234,10 @@
             <p:cNvPr id="22" name="Isosceles Triangle 21">
               <a:extLst>
                 <a:ext uri="{FF2B5EF4-FFF2-40B4-BE49-F238E27FC236}">
-                  <a16:creationId xmlns="" xmlns:a16="http://schemas.microsoft.com/office/drawing/2014/main" id="{8EFDD162-BBBA-4062-8BBF-53DBA1091374}"/>
+                  <a16:creationId xmlns:a16="http://schemas.microsoft.com/office/drawing/2014/main" xmlns="" id="{8EFDD162-BBBA-4062-8BBF-53DBA1091374}"/>
                 </a:ext>
                 <a:ext uri="{C183D7F6-B498-43B3-948B-1728B52AA6E4}">
-                  <adec:decorative xmlns="" xmlns:adec="http://schemas.microsoft.com/office/drawing/2017/decorative" val="1"/>
+                  <adec:decorative xmlns:adec="http://schemas.microsoft.com/office/drawing/2017/decorative" xmlns="" val="1"/>
                 </a:ext>
               </a:extLst>
             </p:cNvPr>
@@ -25165,7 +25245,7 @@
             <p:nvPr>
               <p:extLst>
                 <p:ext uri="{386F3935-93C4-4BCD-93E2-E3B085C9AB24}">
-                  <p16:designElem xmlns="" xmlns:p16="http://schemas.microsoft.com/office/powerpoint/2015/main" val="1"/>
+                  <p16:designElem xmlns:p16="http://schemas.microsoft.com/office/powerpoint/2015/main" val="1"/>
                 </p:ext>
               </p:extLst>
             </p:nvPr>
@@ -25210,10 +25290,10 @@
             <p:cNvPr id="23" name="Isosceles Triangle 22">
               <a:extLst>
                 <a:ext uri="{FF2B5EF4-FFF2-40B4-BE49-F238E27FC236}">
-                  <a16:creationId xmlns="" xmlns:a16="http://schemas.microsoft.com/office/drawing/2014/main" id="{DCFC9E65-3E19-4483-B952-25D29683CA56}"/>
+                  <a16:creationId xmlns:a16="http://schemas.microsoft.com/office/drawing/2014/main" xmlns="" id="{DCFC9E65-3E19-4483-B952-25D29683CA56}"/>
                 </a:ext>
                 <a:ext uri="{C183D7F6-B498-43B3-948B-1728B52AA6E4}">
-                  <adec:decorative xmlns="" xmlns:adec="http://schemas.microsoft.com/office/drawing/2017/decorative" val="1"/>
+                  <adec:decorative xmlns:adec="http://schemas.microsoft.com/office/drawing/2017/decorative" xmlns="" val="1"/>
                 </a:ext>
               </a:extLst>
             </p:cNvPr>
@@ -25221,7 +25301,7 @@
             <p:nvPr>
               <p:extLst>
                 <p:ext uri="{386F3935-93C4-4BCD-93E2-E3B085C9AB24}">
-                  <p16:designElem xmlns="" xmlns:p16="http://schemas.microsoft.com/office/powerpoint/2015/main" val="1"/>
+                  <p16:designElem xmlns:p16="http://schemas.microsoft.com/office/powerpoint/2015/main" val="1"/>
                 </p:ext>
               </p:extLst>
             </p:nvPr>
@@ -25267,10 +25347,10 @@
           <p:cNvPr id="25" name="Rectangle 24">
             <a:extLst>
               <a:ext uri="{FF2B5EF4-FFF2-40B4-BE49-F238E27FC236}">
-                <a16:creationId xmlns="" xmlns:a16="http://schemas.microsoft.com/office/drawing/2014/main" id="{2783C067-F8BF-4755-B516-8A0CD74CF60C}"/>
+                <a16:creationId xmlns:a16="http://schemas.microsoft.com/office/drawing/2014/main" xmlns="" id="{2783C067-F8BF-4755-B516-8A0CD74CF60C}"/>
               </a:ext>
               <a:ext uri="{C183D7F6-B498-43B3-948B-1728B52AA6E4}">
-                <adec:decorative xmlns="" xmlns:adec="http://schemas.microsoft.com/office/drawing/2017/decorative" val="1"/>
+                <adec:decorative xmlns:adec="http://schemas.microsoft.com/office/drawing/2017/decorative" xmlns="" val="1"/>
               </a:ext>
             </a:extLst>
           </p:cNvPr>
@@ -25280,7 +25360,7 @@
           <p:nvPr>
             <p:extLst>
               <p:ext uri="{386F3935-93C4-4BCD-93E2-E3B085C9AB24}">
-                <p16:designElem xmlns="" xmlns:p16="http://schemas.microsoft.com/office/powerpoint/2015/main" val="1"/>
+                <p16:designElem xmlns:p16="http://schemas.microsoft.com/office/powerpoint/2015/main" val="1"/>
               </p:ext>
             </p:extLst>
           </p:nvPr>
@@ -25327,10 +25407,10 @@
           <p:cNvPr id="27" name="Isosceles Triangle 26">
             <a:extLst>
               <a:ext uri="{FF2B5EF4-FFF2-40B4-BE49-F238E27FC236}">
-                <a16:creationId xmlns="" xmlns:a16="http://schemas.microsoft.com/office/drawing/2014/main" id="{2ED796EC-E7FF-46DB-B912-FB08BF12AA6E}"/>
+                <a16:creationId xmlns:a16="http://schemas.microsoft.com/office/drawing/2014/main" xmlns="" id="{2ED796EC-E7FF-46DB-B912-FB08BF12AA6E}"/>
               </a:ext>
               <a:ext uri="{C183D7F6-B498-43B3-948B-1728B52AA6E4}">
-                <adec:decorative xmlns="" xmlns:adec="http://schemas.microsoft.com/office/drawing/2017/decorative" val="1"/>
+                <adec:decorative xmlns:adec="http://schemas.microsoft.com/office/drawing/2017/decorative" xmlns="" val="1"/>
               </a:ext>
             </a:extLst>
           </p:cNvPr>
@@ -25340,7 +25420,7 @@
           <p:nvPr>
             <p:extLst>
               <p:ext uri="{386F3935-93C4-4BCD-93E2-E3B085C9AB24}">
-                <p16:designElem xmlns="" xmlns:p16="http://schemas.microsoft.com/office/powerpoint/2015/main" val="1"/>
+                <p16:designElem xmlns:p16="http://schemas.microsoft.com/office/powerpoint/2015/main" val="1"/>
               </p:ext>
             </p:extLst>
           </p:nvPr>
@@ -25383,7 +25463,7 @@
           <p:cNvPr id="5" name="Footer Placeholder 4">
             <a:extLst>
               <a:ext uri="{FF2B5EF4-FFF2-40B4-BE49-F238E27FC236}">
-                <a16:creationId xmlns="" xmlns:a16="http://schemas.microsoft.com/office/drawing/2014/main" id="{40AC5933-B579-49C3-BC30-1A8B95C7CD98}"/>
+                <a16:creationId xmlns:a16="http://schemas.microsoft.com/office/drawing/2014/main" xmlns="" id="{40AC5933-B579-49C3-BC30-1A8B95C7CD98}"/>
               </a:ext>
             </a:extLst>
           </p:cNvPr>
@@ -25439,10 +25519,10 @@
           <p:cNvPr id="29" name="Rectangle 27">
             <a:extLst>
               <a:ext uri="{FF2B5EF4-FFF2-40B4-BE49-F238E27FC236}">
-                <a16:creationId xmlns="" xmlns:a16="http://schemas.microsoft.com/office/drawing/2014/main" id="{0819F787-32B4-46A8-BC57-C6571BCEE243}"/>
+                <a16:creationId xmlns:a16="http://schemas.microsoft.com/office/drawing/2014/main" xmlns="" id="{0819F787-32B4-46A8-BC57-C6571BCEE243}"/>
               </a:ext>
               <a:ext uri="{C183D7F6-B498-43B3-948B-1728B52AA6E4}">
-                <adec:decorative xmlns="" xmlns:adec="http://schemas.microsoft.com/office/drawing/2017/decorative" val="1"/>
+                <adec:decorative xmlns:adec="http://schemas.microsoft.com/office/drawing/2017/decorative" xmlns="" val="1"/>
               </a:ext>
             </a:extLst>
           </p:cNvPr>
@@ -25452,7 +25532,7 @@
           <p:nvPr>
             <p:extLst>
               <p:ext uri="{386F3935-93C4-4BCD-93E2-E3B085C9AB24}">
-                <p16:designElem xmlns="" xmlns:p16="http://schemas.microsoft.com/office/powerpoint/2015/main" val="1"/>
+                <p16:designElem xmlns:p16="http://schemas.microsoft.com/office/powerpoint/2015/main" val="1"/>
               </p:ext>
             </p:extLst>
           </p:nvPr>
@@ -25517,10 +25597,10 @@
           <p:cNvPr id="31" name="Isosceles Triangle 30">
             <a:extLst>
               <a:ext uri="{FF2B5EF4-FFF2-40B4-BE49-F238E27FC236}">
-                <a16:creationId xmlns="" xmlns:a16="http://schemas.microsoft.com/office/drawing/2014/main" id="{549A2DAB-B431-487D-95AD-BB0FECB49E57}"/>
+                <a16:creationId xmlns:a16="http://schemas.microsoft.com/office/drawing/2014/main" xmlns="" id="{549A2DAB-B431-487D-95AD-BB0FECB49E57}"/>
               </a:ext>
               <a:ext uri="{C183D7F6-B498-43B3-948B-1728B52AA6E4}">
-                <adec:decorative xmlns="" xmlns:adec="http://schemas.microsoft.com/office/drawing/2017/decorative" val="1"/>
+                <adec:decorative xmlns:adec="http://schemas.microsoft.com/office/drawing/2017/decorative" xmlns="" val="1"/>
               </a:ext>
             </a:extLst>
           </p:cNvPr>
@@ -25530,7 +25610,7 @@
           <p:nvPr>
             <p:extLst>
               <p:ext uri="{386F3935-93C4-4BCD-93E2-E3B085C9AB24}">
-                <p16:designElem xmlns="" xmlns:p16="http://schemas.microsoft.com/office/powerpoint/2015/main" val="1"/>
+                <p16:designElem xmlns:p16="http://schemas.microsoft.com/office/powerpoint/2015/main" val="1"/>
               </p:ext>
             </p:extLst>
           </p:nvPr>
@@ -25575,10 +25655,10 @@
           <p:cNvPr id="33" name="Straight Connector 32">
             <a:extLst>
               <a:ext uri="{FF2B5EF4-FFF2-40B4-BE49-F238E27FC236}">
-                <a16:creationId xmlns="" xmlns:a16="http://schemas.microsoft.com/office/drawing/2014/main" id="{C5ECDEE1-7093-418F-9CF5-24EEB115C1C1}"/>
+                <a16:creationId xmlns:a16="http://schemas.microsoft.com/office/drawing/2014/main" xmlns="" id="{C5ECDEE1-7093-418F-9CF5-24EEB115C1C1}"/>
               </a:ext>
               <a:ext uri="{C183D7F6-B498-43B3-948B-1728B52AA6E4}">
-                <adec:decorative xmlns="" xmlns:adec="http://schemas.microsoft.com/office/drawing/2017/decorative" val="1"/>
+                <adec:decorative xmlns:adec="http://schemas.microsoft.com/office/drawing/2017/decorative" xmlns="" val="1"/>
               </a:ext>
             </a:extLst>
           </p:cNvPr>
@@ -25588,7 +25668,7 @@
           <p:nvPr>
             <p:extLst>
               <p:ext uri="{386F3935-93C4-4BCD-93E2-E3B085C9AB24}">
-                <p16:designElem xmlns="" xmlns:p16="http://schemas.microsoft.com/office/powerpoint/2015/main" val="1"/>
+                <p16:designElem xmlns:p16="http://schemas.microsoft.com/office/powerpoint/2015/main" val="1"/>
               </p:ext>
             </p:extLst>
           </p:nvPr>
@@ -25628,10 +25708,10 @@
           <p:cNvPr id="42" name="Straight Connector 34">
             <a:extLst>
               <a:ext uri="{FF2B5EF4-FFF2-40B4-BE49-F238E27FC236}">
-                <a16:creationId xmlns="" xmlns:a16="http://schemas.microsoft.com/office/drawing/2014/main" id="{045062AF-EB11-4651-BC4A-4DA21768DE8E}"/>
+                <a16:creationId xmlns:a16="http://schemas.microsoft.com/office/drawing/2014/main" xmlns="" id="{045062AF-EB11-4651-BC4A-4DA21768DE8E}"/>
               </a:ext>
               <a:ext uri="{C183D7F6-B498-43B3-948B-1728B52AA6E4}">
-                <adec:decorative xmlns="" xmlns:adec="http://schemas.microsoft.com/office/drawing/2017/decorative" val="1"/>
+                <adec:decorative xmlns:adec="http://schemas.microsoft.com/office/drawing/2017/decorative" xmlns="" val="1"/>
               </a:ext>
             </a:extLst>
           </p:cNvPr>
@@ -25641,7 +25721,7 @@
           <p:nvPr>
             <p:extLst>
               <p:ext uri="{386F3935-93C4-4BCD-93E2-E3B085C9AB24}">
-                <p16:designElem xmlns="" xmlns:p16="http://schemas.microsoft.com/office/powerpoint/2015/main" val="1"/>
+                <p16:designElem xmlns:p16="http://schemas.microsoft.com/office/powerpoint/2015/main" val="1"/>
               </p:ext>
             </p:extLst>
           </p:nvPr>
@@ -25680,7 +25760,7 @@
           <p:cNvPr id="8" name="Text Placeholder 7">
             <a:extLst>
               <a:ext uri="{FF2B5EF4-FFF2-40B4-BE49-F238E27FC236}">
-                <a16:creationId xmlns="" xmlns:a16="http://schemas.microsoft.com/office/drawing/2014/main" id="{3EB52A0A-9FB6-4057-85B5-69596ACFF727}"/>
+                <a16:creationId xmlns:a16="http://schemas.microsoft.com/office/drawing/2014/main" xmlns="" id="{3EB52A0A-9FB6-4057-85B5-69596ACFF727}"/>
               </a:ext>
             </a:extLst>
           </p:cNvPr>
@@ -25771,7 +25851,7 @@
               <a:t> </a:t>
             </a:r>
             <a:r>
-              <a:rPr lang="en-US" sz="2400" dirty="0" err="1">
+              <a:rPr lang="en-US" sz="2400" dirty="0" err="1" smtClean="0">
                 <a:solidFill>
                   <a:schemeClr val="tx1">
                     <a:lumMod val="75000"/>
@@ -25780,72 +25860,6 @@
                 </a:solidFill>
               </a:rPr>
               <a:t>trường</a:t>
-            </a:r>
-            <a:r>
-              <a:rPr lang="en-US" sz="2400" dirty="0">
-                <a:solidFill>
-                  <a:schemeClr val="tx1">
-                    <a:lumMod val="75000"/>
-                    <a:lumOff val="25000"/>
-                  </a:schemeClr>
-                </a:solidFill>
-              </a:rPr>
-              <a:t> </a:t>
-            </a:r>
-            <a:r>
-              <a:rPr lang="en-US" sz="2400" dirty="0" err="1">
-                <a:solidFill>
-                  <a:schemeClr val="tx1">
-                    <a:lumMod val="75000"/>
-                    <a:lumOff val="25000"/>
-                  </a:schemeClr>
-                </a:solidFill>
-              </a:rPr>
-              <a:t>và</a:t>
-            </a:r>
-            <a:r>
-              <a:rPr lang="en-US" sz="2400" dirty="0">
-                <a:solidFill>
-                  <a:schemeClr val="tx1">
-                    <a:lumMod val="75000"/>
-                    <a:lumOff val="25000"/>
-                  </a:schemeClr>
-                </a:solidFill>
-              </a:rPr>
-              <a:t> </a:t>
-            </a:r>
-            <a:r>
-              <a:rPr lang="en-US" sz="2400" dirty="0" err="1">
-                <a:solidFill>
-                  <a:schemeClr val="tx1">
-                    <a:lumMod val="75000"/>
-                    <a:lumOff val="25000"/>
-                  </a:schemeClr>
-                </a:solidFill>
-              </a:rPr>
-              <a:t>giao</a:t>
-            </a:r>
-            <a:r>
-              <a:rPr lang="en-US" sz="2400" dirty="0">
-                <a:solidFill>
-                  <a:schemeClr val="tx1">
-                    <a:lumMod val="75000"/>
-                    <a:lumOff val="25000"/>
-                  </a:schemeClr>
-                </a:solidFill>
-              </a:rPr>
-              <a:t> </a:t>
-            </a:r>
-            <a:r>
-              <a:rPr lang="en-US" sz="2400" dirty="0" err="1">
-                <a:solidFill>
-                  <a:schemeClr val="tx1">
-                    <a:lumMod val="75000"/>
-                    <a:lumOff val="25000"/>
-                  </a:schemeClr>
-                </a:solidFill>
-              </a:rPr>
-              <a:t>diện</a:t>
             </a:r>
             <a:endParaRPr lang="en-US" sz="2400" dirty="0">
               <a:solidFill>
@@ -25863,7 +25877,7 @@
           <p:cNvPr id="7" name="Title 6">
             <a:extLst>
               <a:ext uri="{FF2B5EF4-FFF2-40B4-BE49-F238E27FC236}">
-                <a16:creationId xmlns="" xmlns:a16="http://schemas.microsoft.com/office/drawing/2014/main" id="{561A3FAF-8482-40A2-9D03-A95666B26481}"/>
+                <a16:creationId xmlns:a16="http://schemas.microsoft.com/office/drawing/2014/main" xmlns="" id="{561A3FAF-8482-40A2-9D03-A95666B26481}"/>
               </a:ext>
             </a:extLst>
           </p:cNvPr>
@@ -25924,7 +25938,7 @@
           <p:cNvPr id="4" name="Date Placeholder 3">
             <a:extLst>
               <a:ext uri="{FF2B5EF4-FFF2-40B4-BE49-F238E27FC236}">
-                <a16:creationId xmlns="" xmlns:a16="http://schemas.microsoft.com/office/drawing/2014/main" id="{35880ADB-33BB-46E8-A8C1-DACC19B1C95B}"/>
+                <a16:creationId xmlns:a16="http://schemas.microsoft.com/office/drawing/2014/main" xmlns="" id="{35880ADB-33BB-46E8-A8C1-DACC19B1C95B}"/>
               </a:ext>
             </a:extLst>
           </p:cNvPr>
@@ -25965,7 +25979,7 @@
                   <a:spcPts val="600"/>
                 </a:spcAft>
               </a:pPr>
-              <a:t>December 23, 2019</a:t>
+              <a:t>December 24, 2019</a:t>
             </a:fld>
             <a:endParaRPr lang="en-US" kern="1200">
               <a:solidFill>
@@ -25982,7 +25996,7 @@
           <p:cNvPr id="6" name="Slide Number Placeholder 5">
             <a:extLst>
               <a:ext uri="{FF2B5EF4-FFF2-40B4-BE49-F238E27FC236}">
-                <a16:creationId xmlns="" xmlns:a16="http://schemas.microsoft.com/office/drawing/2014/main" id="{7FE3AA07-2AE6-402F-A2C5-5BB955A3B415}"/>
+                <a16:creationId xmlns:a16="http://schemas.microsoft.com/office/drawing/2014/main" xmlns="" id="{7FE3AA07-2AE6-402F-A2C5-5BB955A3B415}"/>
               </a:ext>
             </a:extLst>
           </p:cNvPr>
@@ -26078,10 +26092,10 @@
           <p:cNvPr id="12" name="Group 11">
             <a:extLst>
               <a:ext uri="{FF2B5EF4-FFF2-40B4-BE49-F238E27FC236}">
-                <a16:creationId xmlns="" xmlns:a16="http://schemas.microsoft.com/office/drawing/2014/main" id="{D920209C-E85B-4D6F-A56F-724F5ADA811C}"/>
+                <a16:creationId xmlns:a16="http://schemas.microsoft.com/office/drawing/2014/main" xmlns="" id="{D920209C-E85B-4D6F-A56F-724F5ADA811C}"/>
               </a:ext>
               <a:ext uri="{C183D7F6-B498-43B3-948B-1728B52AA6E4}">
-                <adec:decorative xmlns="" xmlns:adec="http://schemas.microsoft.com/office/drawing/2017/decorative" val="1"/>
+                <adec:decorative xmlns:adec="http://schemas.microsoft.com/office/drawing/2017/decorative" xmlns="" val="1"/>
               </a:ext>
             </a:extLst>
           </p:cNvPr>
@@ -26091,7 +26105,7 @@
           <p:nvPr>
             <p:extLst>
               <p:ext uri="{386F3935-93C4-4BCD-93E2-E3B085C9AB24}">
-                <p16:designElem xmlns="" xmlns:p16="http://schemas.microsoft.com/office/powerpoint/2015/main" val="1"/>
+                <p16:designElem xmlns:p16="http://schemas.microsoft.com/office/powerpoint/2015/main" val="1"/>
               </p:ext>
             </p:extLst>
           </p:nvPr>
@@ -26109,10 +26123,10 @@
             <p:cNvPr id="13" name="Straight Connector 12">
               <a:extLst>
                 <a:ext uri="{FF2B5EF4-FFF2-40B4-BE49-F238E27FC236}">
-                  <a16:creationId xmlns="" xmlns:a16="http://schemas.microsoft.com/office/drawing/2014/main" id="{9125522E-1DFD-4F78-912B-B922A2D39DAE}"/>
+                  <a16:creationId xmlns:a16="http://schemas.microsoft.com/office/drawing/2014/main" xmlns="" id="{9125522E-1DFD-4F78-912B-B922A2D39DAE}"/>
                 </a:ext>
                 <a:ext uri="{C183D7F6-B498-43B3-948B-1728B52AA6E4}">
-                  <adec:decorative xmlns="" xmlns:adec="http://schemas.microsoft.com/office/drawing/2017/decorative" val="1"/>
+                  <adec:decorative xmlns:adec="http://schemas.microsoft.com/office/drawing/2017/decorative" xmlns="" val="1"/>
                 </a:ext>
               </a:extLst>
             </p:cNvPr>
@@ -26120,7 +26134,7 @@
             <p:nvPr>
               <p:extLst>
                 <p:ext uri="{386F3935-93C4-4BCD-93E2-E3B085C9AB24}">
-                  <p16:designElem xmlns="" xmlns:p16="http://schemas.microsoft.com/office/powerpoint/2015/main" val="1"/>
+                  <p16:designElem xmlns:p16="http://schemas.microsoft.com/office/powerpoint/2015/main" val="1"/>
                 </p:ext>
               </p:extLst>
             </p:nvPr>
@@ -26161,10 +26175,10 @@
             <p:cNvPr id="14" name="Straight Connector 13">
               <a:extLst>
                 <a:ext uri="{FF2B5EF4-FFF2-40B4-BE49-F238E27FC236}">
-                  <a16:creationId xmlns="" xmlns:a16="http://schemas.microsoft.com/office/drawing/2014/main" id="{FDA72C10-FE9D-49B3-80CB-A7EE8BCB38F9}"/>
+                  <a16:creationId xmlns:a16="http://schemas.microsoft.com/office/drawing/2014/main" xmlns="" id="{FDA72C10-FE9D-49B3-80CB-A7EE8BCB38F9}"/>
                 </a:ext>
                 <a:ext uri="{C183D7F6-B498-43B3-948B-1728B52AA6E4}">
-                  <adec:decorative xmlns="" xmlns:adec="http://schemas.microsoft.com/office/drawing/2017/decorative" val="1"/>
+                  <adec:decorative xmlns:adec="http://schemas.microsoft.com/office/drawing/2017/decorative" xmlns="" val="1"/>
                 </a:ext>
               </a:extLst>
             </p:cNvPr>
@@ -26172,7 +26186,7 @@
             <p:nvPr>
               <p:extLst>
                 <p:ext uri="{386F3935-93C4-4BCD-93E2-E3B085C9AB24}">
-                  <p16:designElem xmlns="" xmlns:p16="http://schemas.microsoft.com/office/powerpoint/2015/main" val="1"/>
+                  <p16:designElem xmlns:p16="http://schemas.microsoft.com/office/powerpoint/2015/main" val="1"/>
                 </p:ext>
               </p:extLst>
             </p:nvPr>
@@ -26213,10 +26227,10 @@
             <p:cNvPr id="15" name="Rectangle 23">
               <a:extLst>
                 <a:ext uri="{FF2B5EF4-FFF2-40B4-BE49-F238E27FC236}">
-                  <a16:creationId xmlns="" xmlns:a16="http://schemas.microsoft.com/office/drawing/2014/main" id="{6E7DF470-1055-45E4-AB9D-11E42EC53870}"/>
+                  <a16:creationId xmlns:a16="http://schemas.microsoft.com/office/drawing/2014/main" xmlns="" id="{6E7DF470-1055-45E4-AB9D-11E42EC53870}"/>
                 </a:ext>
                 <a:ext uri="{C183D7F6-B498-43B3-948B-1728B52AA6E4}">
-                  <adec:decorative xmlns="" xmlns:adec="http://schemas.microsoft.com/office/drawing/2017/decorative" val="1"/>
+                  <adec:decorative xmlns:adec="http://schemas.microsoft.com/office/drawing/2017/decorative" xmlns="" val="1"/>
                 </a:ext>
               </a:extLst>
             </p:cNvPr>
@@ -26224,7 +26238,7 @@
             <p:nvPr>
               <p:extLst>
                 <p:ext uri="{386F3935-93C4-4BCD-93E2-E3B085C9AB24}">
-                  <p16:designElem xmlns="" xmlns:p16="http://schemas.microsoft.com/office/powerpoint/2015/main" val="1"/>
+                  <p16:designElem xmlns:p16="http://schemas.microsoft.com/office/powerpoint/2015/main" val="1"/>
                 </p:ext>
               </p:extLst>
             </p:nvPr>
@@ -26291,10 +26305,10 @@
             <p:cNvPr id="16" name="Rectangle 25">
               <a:extLst>
                 <a:ext uri="{FF2B5EF4-FFF2-40B4-BE49-F238E27FC236}">
-                  <a16:creationId xmlns="" xmlns:a16="http://schemas.microsoft.com/office/drawing/2014/main" id="{6AA35CFF-3837-4B7F-B875-718AC2E14EE7}"/>
+                  <a16:creationId xmlns:a16="http://schemas.microsoft.com/office/drawing/2014/main" xmlns="" id="{6AA35CFF-3837-4B7F-B875-718AC2E14EE7}"/>
                 </a:ext>
                 <a:ext uri="{C183D7F6-B498-43B3-948B-1728B52AA6E4}">
-                  <adec:decorative xmlns="" xmlns:adec="http://schemas.microsoft.com/office/drawing/2017/decorative" val="1"/>
+                  <adec:decorative xmlns:adec="http://schemas.microsoft.com/office/drawing/2017/decorative" xmlns="" val="1"/>
                 </a:ext>
               </a:extLst>
             </p:cNvPr>
@@ -26302,7 +26316,7 @@
             <p:nvPr>
               <p:extLst>
                 <p:ext uri="{386F3935-93C4-4BCD-93E2-E3B085C9AB24}">
-                  <p16:designElem xmlns="" xmlns:p16="http://schemas.microsoft.com/office/powerpoint/2015/main" val="1"/>
+                  <p16:designElem xmlns:p16="http://schemas.microsoft.com/office/powerpoint/2015/main" val="1"/>
                 </p:ext>
               </p:extLst>
             </p:nvPr>
@@ -26369,10 +26383,10 @@
             <p:cNvPr id="17" name="Isosceles Triangle 16">
               <a:extLst>
                 <a:ext uri="{FF2B5EF4-FFF2-40B4-BE49-F238E27FC236}">
-                  <a16:creationId xmlns="" xmlns:a16="http://schemas.microsoft.com/office/drawing/2014/main" id="{62F41804-A347-47E3-8BD8-BD00CF2F6441}"/>
+                  <a16:creationId xmlns:a16="http://schemas.microsoft.com/office/drawing/2014/main" xmlns="" id="{62F41804-A347-47E3-8BD8-BD00CF2F6441}"/>
                 </a:ext>
                 <a:ext uri="{C183D7F6-B498-43B3-948B-1728B52AA6E4}">
-                  <adec:decorative xmlns="" xmlns:adec="http://schemas.microsoft.com/office/drawing/2017/decorative" val="1"/>
+                  <adec:decorative xmlns:adec="http://schemas.microsoft.com/office/drawing/2017/decorative" xmlns="" val="1"/>
                 </a:ext>
               </a:extLst>
             </p:cNvPr>
@@ -26380,7 +26394,7 @@
             <p:nvPr>
               <p:extLst>
                 <p:ext uri="{386F3935-93C4-4BCD-93E2-E3B085C9AB24}">
-                  <p16:designElem xmlns="" xmlns:p16="http://schemas.microsoft.com/office/powerpoint/2015/main" val="1"/>
+                  <p16:designElem xmlns:p16="http://schemas.microsoft.com/office/powerpoint/2015/main" val="1"/>
                 </p:ext>
               </p:extLst>
             </p:nvPr>
@@ -26425,10 +26439,10 @@
             <p:cNvPr id="18" name="Rectangle 27">
               <a:extLst>
                 <a:ext uri="{FF2B5EF4-FFF2-40B4-BE49-F238E27FC236}">
-                  <a16:creationId xmlns="" xmlns:a16="http://schemas.microsoft.com/office/drawing/2014/main" id="{76894B81-EE9C-4546-BCFA-DD9ED2C0ADB6}"/>
+                  <a16:creationId xmlns:a16="http://schemas.microsoft.com/office/drawing/2014/main" xmlns="" id="{76894B81-EE9C-4546-BCFA-DD9ED2C0ADB6}"/>
                 </a:ext>
                 <a:ext uri="{C183D7F6-B498-43B3-948B-1728B52AA6E4}">
-                  <adec:decorative xmlns="" xmlns:adec="http://schemas.microsoft.com/office/drawing/2017/decorative" val="1"/>
+                  <adec:decorative xmlns:adec="http://schemas.microsoft.com/office/drawing/2017/decorative" xmlns="" val="1"/>
                 </a:ext>
               </a:extLst>
             </p:cNvPr>
@@ -26436,7 +26450,7 @@
             <p:nvPr>
               <p:extLst>
                 <p:ext uri="{386F3935-93C4-4BCD-93E2-E3B085C9AB24}">
-                  <p16:designElem xmlns="" xmlns:p16="http://schemas.microsoft.com/office/powerpoint/2015/main" val="1"/>
+                  <p16:designElem xmlns:p16="http://schemas.microsoft.com/office/powerpoint/2015/main" val="1"/>
                 </p:ext>
               </p:extLst>
             </p:nvPr>
@@ -26504,10 +26518,10 @@
             <p:cNvPr id="19" name="Rectangle 28">
               <a:extLst>
                 <a:ext uri="{FF2B5EF4-FFF2-40B4-BE49-F238E27FC236}">
-                  <a16:creationId xmlns="" xmlns:a16="http://schemas.microsoft.com/office/drawing/2014/main" id="{3AF181D1-71AC-43D8-A6E1-D4C488D5DC56}"/>
+                  <a16:creationId xmlns:a16="http://schemas.microsoft.com/office/drawing/2014/main" xmlns="" id="{3AF181D1-71AC-43D8-A6E1-D4C488D5DC56}"/>
                 </a:ext>
                 <a:ext uri="{C183D7F6-B498-43B3-948B-1728B52AA6E4}">
-                  <adec:decorative xmlns="" xmlns:adec="http://schemas.microsoft.com/office/drawing/2017/decorative" val="1"/>
+                  <adec:decorative xmlns:adec="http://schemas.microsoft.com/office/drawing/2017/decorative" xmlns="" val="1"/>
                 </a:ext>
               </a:extLst>
             </p:cNvPr>
@@ -26515,7 +26529,7 @@
             <p:nvPr>
               <p:extLst>
                 <p:ext uri="{386F3935-93C4-4BCD-93E2-E3B085C9AB24}">
-                  <p16:designElem xmlns="" xmlns:p16="http://schemas.microsoft.com/office/powerpoint/2015/main" val="1"/>
+                  <p16:designElem xmlns:p16="http://schemas.microsoft.com/office/powerpoint/2015/main" val="1"/>
                 </p:ext>
               </p:extLst>
             </p:nvPr>
@@ -26584,10 +26598,10 @@
             <p:cNvPr id="20" name="Rectangle 29">
               <a:extLst>
                 <a:ext uri="{FF2B5EF4-FFF2-40B4-BE49-F238E27FC236}">
-                  <a16:creationId xmlns="" xmlns:a16="http://schemas.microsoft.com/office/drawing/2014/main" id="{4132D661-917C-4D2D-8E37-8590B55D91F8}"/>
+                  <a16:creationId xmlns:a16="http://schemas.microsoft.com/office/drawing/2014/main" xmlns="" id="{4132D661-917C-4D2D-8E37-8590B55D91F8}"/>
                 </a:ext>
                 <a:ext uri="{C183D7F6-B498-43B3-948B-1728B52AA6E4}">
-                  <adec:decorative xmlns="" xmlns:adec="http://schemas.microsoft.com/office/drawing/2017/decorative" val="1"/>
+                  <adec:decorative xmlns:adec="http://schemas.microsoft.com/office/drawing/2017/decorative" xmlns="" val="1"/>
                 </a:ext>
               </a:extLst>
             </p:cNvPr>
@@ -26595,7 +26609,7 @@
             <p:nvPr>
               <p:extLst>
                 <p:ext uri="{386F3935-93C4-4BCD-93E2-E3B085C9AB24}">
-                  <p16:designElem xmlns="" xmlns:p16="http://schemas.microsoft.com/office/powerpoint/2015/main" val="1"/>
+                  <p16:designElem xmlns:p16="http://schemas.microsoft.com/office/powerpoint/2015/main" val="1"/>
                 </p:ext>
               </p:extLst>
             </p:nvPr>
@@ -26662,10 +26676,10 @@
             <p:cNvPr id="21" name="Isosceles Triangle 20">
               <a:extLst>
                 <a:ext uri="{FF2B5EF4-FFF2-40B4-BE49-F238E27FC236}">
-                  <a16:creationId xmlns="" xmlns:a16="http://schemas.microsoft.com/office/drawing/2014/main" id="{7969643D-8B71-434D-A235-68CB241F9DCF}"/>
+                  <a16:creationId xmlns:a16="http://schemas.microsoft.com/office/drawing/2014/main" xmlns="" id="{7969643D-8B71-434D-A235-68CB241F9DCF}"/>
                 </a:ext>
                 <a:ext uri="{C183D7F6-B498-43B3-948B-1728B52AA6E4}">
-                  <adec:decorative xmlns="" xmlns:adec="http://schemas.microsoft.com/office/drawing/2017/decorative" val="1"/>
+                  <adec:decorative xmlns:adec="http://schemas.microsoft.com/office/drawing/2017/decorative" xmlns="" val="1"/>
                 </a:ext>
               </a:extLst>
             </p:cNvPr>
@@ -26673,7 +26687,7 @@
             <p:nvPr>
               <p:extLst>
                 <p:ext uri="{386F3935-93C4-4BCD-93E2-E3B085C9AB24}">
-                  <p16:designElem xmlns="" xmlns:p16="http://schemas.microsoft.com/office/powerpoint/2015/main" val="1"/>
+                  <p16:designElem xmlns:p16="http://schemas.microsoft.com/office/powerpoint/2015/main" val="1"/>
                 </p:ext>
               </p:extLst>
             </p:nvPr>
@@ -26718,10 +26732,10 @@
             <p:cNvPr id="22" name="Isosceles Triangle 21">
               <a:extLst>
                 <a:ext uri="{FF2B5EF4-FFF2-40B4-BE49-F238E27FC236}">
-                  <a16:creationId xmlns="" xmlns:a16="http://schemas.microsoft.com/office/drawing/2014/main" id="{DF15C24A-4BCF-47C0-B2FA-76A0EF3384D1}"/>
+                  <a16:creationId xmlns:a16="http://schemas.microsoft.com/office/drawing/2014/main" xmlns="" id="{DF15C24A-4BCF-47C0-B2FA-76A0EF3384D1}"/>
                 </a:ext>
                 <a:ext uri="{C183D7F6-B498-43B3-948B-1728B52AA6E4}">
-                  <adec:decorative xmlns="" xmlns:adec="http://schemas.microsoft.com/office/drawing/2017/decorative" val="1"/>
+                  <adec:decorative xmlns:adec="http://schemas.microsoft.com/office/drawing/2017/decorative" xmlns="" val="1"/>
                 </a:ext>
               </a:extLst>
             </p:cNvPr>
@@ -26729,7 +26743,7 @@
             <p:nvPr>
               <p:extLst>
                 <p:ext uri="{386F3935-93C4-4BCD-93E2-E3B085C9AB24}">
-                  <p16:designElem xmlns="" xmlns:p16="http://schemas.microsoft.com/office/powerpoint/2015/main" val="1"/>
+                  <p16:designElem xmlns:p16="http://schemas.microsoft.com/office/powerpoint/2015/main" val="1"/>
                 </p:ext>
               </p:extLst>
             </p:nvPr>
@@ -26775,10 +26789,10 @@
           <p:cNvPr id="24" name="Rectangle 23">
             <a:extLst>
               <a:ext uri="{FF2B5EF4-FFF2-40B4-BE49-F238E27FC236}">
-                <a16:creationId xmlns="" xmlns:a16="http://schemas.microsoft.com/office/drawing/2014/main" id="{655AE6B0-AC9E-4167-806F-E9DB135FC46B}"/>
+                <a16:creationId xmlns:a16="http://schemas.microsoft.com/office/drawing/2014/main" xmlns="" id="{655AE6B0-AC9E-4167-806F-E9DB135FC46B}"/>
               </a:ext>
               <a:ext uri="{C183D7F6-B498-43B3-948B-1728B52AA6E4}">
-                <adec:decorative xmlns="" xmlns:adec="http://schemas.microsoft.com/office/drawing/2017/decorative" val="1"/>
+                <adec:decorative xmlns:adec="http://schemas.microsoft.com/office/drawing/2017/decorative" xmlns="" val="1"/>
               </a:ext>
             </a:extLst>
           </p:cNvPr>
@@ -26788,7 +26802,7 @@
           <p:nvPr>
             <p:extLst>
               <p:ext uri="{386F3935-93C4-4BCD-93E2-E3B085C9AB24}">
-                <p16:designElem xmlns="" xmlns:p16="http://schemas.microsoft.com/office/powerpoint/2015/main" val="1"/>
+                <p16:designElem xmlns:p16="http://schemas.microsoft.com/office/powerpoint/2015/main" val="1"/>
               </p:ext>
             </p:extLst>
           </p:nvPr>
@@ -26835,7 +26849,7 @@
           <p:cNvPr id="4" name="Title 3">
             <a:extLst>
               <a:ext uri="{FF2B5EF4-FFF2-40B4-BE49-F238E27FC236}">
-                <a16:creationId xmlns="" xmlns:a16="http://schemas.microsoft.com/office/drawing/2014/main" id="{5EBEF5FC-C4E9-4BCF-AB6B-2D5FCF4C92CF}"/>
+                <a16:creationId xmlns:a16="http://schemas.microsoft.com/office/drawing/2014/main" xmlns="" id="{5EBEF5FC-C4E9-4BCF-AB6B-2D5FCF4C92CF}"/>
               </a:ext>
             </a:extLst>
           </p:cNvPr>
@@ -26895,10 +26909,10 @@
           <p:cNvPr id="26" name="Group 25">
             <a:extLst>
               <a:ext uri="{FF2B5EF4-FFF2-40B4-BE49-F238E27FC236}">
-                <a16:creationId xmlns="" xmlns:a16="http://schemas.microsoft.com/office/drawing/2014/main" id="{3523416A-383B-4FDC-B4C9-D8EDDFE9C043}"/>
+                <a16:creationId xmlns:a16="http://schemas.microsoft.com/office/drawing/2014/main" xmlns="" id="{3523416A-383B-4FDC-B4C9-D8EDDFE9C043}"/>
               </a:ext>
               <a:ext uri="{C183D7F6-B498-43B3-948B-1728B52AA6E4}">
-                <adec:decorative xmlns="" xmlns:adec="http://schemas.microsoft.com/office/drawing/2017/decorative" val="1"/>
+                <adec:decorative xmlns:adec="http://schemas.microsoft.com/office/drawing/2017/decorative" xmlns="" val="1"/>
               </a:ext>
             </a:extLst>
           </p:cNvPr>
@@ -26908,7 +26922,7 @@
           <p:nvPr>
             <p:extLst>
               <p:ext uri="{386F3935-93C4-4BCD-93E2-E3B085C9AB24}">
-                <p16:designElem xmlns="" xmlns:p16="http://schemas.microsoft.com/office/powerpoint/2015/main" val="1"/>
+                <p16:designElem xmlns:p16="http://schemas.microsoft.com/office/powerpoint/2015/main" val="1"/>
               </p:ext>
             </p:extLst>
           </p:nvPr>
@@ -26926,10 +26940,10 @@
             <p:cNvPr id="27" name="Straight Connector 26">
               <a:extLst>
                 <a:ext uri="{FF2B5EF4-FFF2-40B4-BE49-F238E27FC236}">
-                  <a16:creationId xmlns="" xmlns:a16="http://schemas.microsoft.com/office/drawing/2014/main" id="{CB0D29D5-3F7C-4197-821B-6D60A66CC04B}"/>
+                  <a16:creationId xmlns:a16="http://schemas.microsoft.com/office/drawing/2014/main" xmlns="" id="{CB0D29D5-3F7C-4197-821B-6D60A66CC04B}"/>
                 </a:ext>
                 <a:ext uri="{C183D7F6-B498-43B3-948B-1728B52AA6E4}">
-                  <adec:decorative xmlns="" xmlns:adec="http://schemas.microsoft.com/office/drawing/2017/decorative" val="1"/>
+                  <adec:decorative xmlns:adec="http://schemas.microsoft.com/office/drawing/2017/decorative" xmlns="" val="1"/>
                 </a:ext>
               </a:extLst>
             </p:cNvPr>
@@ -26937,7 +26951,7 @@
             <p:nvPr>
               <p:extLst>
                 <p:ext uri="{386F3935-93C4-4BCD-93E2-E3B085C9AB24}">
-                  <p16:designElem xmlns="" xmlns:p16="http://schemas.microsoft.com/office/powerpoint/2015/main" val="1"/>
+                  <p16:designElem xmlns:p16="http://schemas.microsoft.com/office/powerpoint/2015/main" val="1"/>
                 </p:ext>
               </p:extLst>
             </p:nvPr>
@@ -26978,10 +26992,10 @@
             <p:cNvPr id="28" name="Straight Connector 27">
               <a:extLst>
                 <a:ext uri="{FF2B5EF4-FFF2-40B4-BE49-F238E27FC236}">
-                  <a16:creationId xmlns="" xmlns:a16="http://schemas.microsoft.com/office/drawing/2014/main" id="{347FB49A-3541-428A-AADE-682A3C50563D}"/>
+                  <a16:creationId xmlns:a16="http://schemas.microsoft.com/office/drawing/2014/main" xmlns="" id="{347FB49A-3541-428A-AADE-682A3C50563D}"/>
                 </a:ext>
                 <a:ext uri="{C183D7F6-B498-43B3-948B-1728B52AA6E4}">
-                  <adec:decorative xmlns="" xmlns:adec="http://schemas.microsoft.com/office/drawing/2017/decorative" val="1"/>
+                  <adec:decorative xmlns:adec="http://schemas.microsoft.com/office/drawing/2017/decorative" xmlns="" val="1"/>
                 </a:ext>
               </a:extLst>
             </p:cNvPr>
@@ -26989,7 +27003,7 @@
             <p:nvPr>
               <p:extLst>
                 <p:ext uri="{386F3935-93C4-4BCD-93E2-E3B085C9AB24}">
-                  <p16:designElem xmlns="" xmlns:p16="http://schemas.microsoft.com/office/powerpoint/2015/main" val="1"/>
+                  <p16:designElem xmlns:p16="http://schemas.microsoft.com/office/powerpoint/2015/main" val="1"/>
                 </p:ext>
               </p:extLst>
             </p:nvPr>
@@ -27030,10 +27044,10 @@
             <p:cNvPr id="29" name="Rectangle 23">
               <a:extLst>
                 <a:ext uri="{FF2B5EF4-FFF2-40B4-BE49-F238E27FC236}">
-                  <a16:creationId xmlns="" xmlns:a16="http://schemas.microsoft.com/office/drawing/2014/main" id="{D96F53DC-08F1-42C6-B558-B83D54B27664}"/>
+                  <a16:creationId xmlns:a16="http://schemas.microsoft.com/office/drawing/2014/main" xmlns="" id="{D96F53DC-08F1-42C6-B558-B83D54B27664}"/>
                 </a:ext>
                 <a:ext uri="{C183D7F6-B498-43B3-948B-1728B52AA6E4}">
-                  <adec:decorative xmlns="" xmlns:adec="http://schemas.microsoft.com/office/drawing/2017/decorative" val="1"/>
+                  <adec:decorative xmlns:adec="http://schemas.microsoft.com/office/drawing/2017/decorative" xmlns="" val="1"/>
                 </a:ext>
               </a:extLst>
             </p:cNvPr>
@@ -27041,7 +27055,7 @@
             <p:nvPr>
               <p:extLst>
                 <p:ext uri="{386F3935-93C4-4BCD-93E2-E3B085C9AB24}">
-                  <p16:designElem xmlns="" xmlns:p16="http://schemas.microsoft.com/office/powerpoint/2015/main" val="1"/>
+                  <p16:designElem xmlns:p16="http://schemas.microsoft.com/office/powerpoint/2015/main" val="1"/>
                 </p:ext>
               </p:extLst>
             </p:nvPr>
@@ -27108,10 +27122,10 @@
             <p:cNvPr id="30" name="Rectangle 25">
               <a:extLst>
                 <a:ext uri="{FF2B5EF4-FFF2-40B4-BE49-F238E27FC236}">
-                  <a16:creationId xmlns="" xmlns:a16="http://schemas.microsoft.com/office/drawing/2014/main" id="{AFE48CAF-A51C-463F-A570-ED99439A5CA3}"/>
+                  <a16:creationId xmlns:a16="http://schemas.microsoft.com/office/drawing/2014/main" xmlns="" id="{AFE48CAF-A51C-463F-A570-ED99439A5CA3}"/>
                 </a:ext>
                 <a:ext uri="{C183D7F6-B498-43B3-948B-1728B52AA6E4}">
-                  <adec:decorative xmlns="" xmlns:adec="http://schemas.microsoft.com/office/drawing/2017/decorative" val="1"/>
+                  <adec:decorative xmlns:adec="http://schemas.microsoft.com/office/drawing/2017/decorative" xmlns="" val="1"/>
                 </a:ext>
               </a:extLst>
             </p:cNvPr>
@@ -27119,7 +27133,7 @@
             <p:nvPr>
               <p:extLst>
                 <p:ext uri="{386F3935-93C4-4BCD-93E2-E3B085C9AB24}">
-                  <p16:designElem xmlns="" xmlns:p16="http://schemas.microsoft.com/office/powerpoint/2015/main" val="1"/>
+                  <p16:designElem xmlns:p16="http://schemas.microsoft.com/office/powerpoint/2015/main" val="1"/>
                 </p:ext>
               </p:extLst>
             </p:nvPr>
@@ -27186,10 +27200,10 @@
             <p:cNvPr id="31" name="Isosceles Triangle 30">
               <a:extLst>
                 <a:ext uri="{FF2B5EF4-FFF2-40B4-BE49-F238E27FC236}">
-                  <a16:creationId xmlns="" xmlns:a16="http://schemas.microsoft.com/office/drawing/2014/main" id="{01F0C48B-50FF-4351-8207-16D096048311}"/>
+                  <a16:creationId xmlns:a16="http://schemas.microsoft.com/office/drawing/2014/main" xmlns="" id="{01F0C48B-50FF-4351-8207-16D096048311}"/>
                 </a:ext>
                 <a:ext uri="{C183D7F6-B498-43B3-948B-1728B52AA6E4}">
-                  <adec:decorative xmlns="" xmlns:adec="http://schemas.microsoft.com/office/drawing/2017/decorative" val="1"/>
+                  <adec:decorative xmlns:adec="http://schemas.microsoft.com/office/drawing/2017/decorative" xmlns="" val="1"/>
                 </a:ext>
               </a:extLst>
             </p:cNvPr>
@@ -27197,7 +27211,7 @@
             <p:nvPr>
               <p:extLst>
                 <p:ext uri="{386F3935-93C4-4BCD-93E2-E3B085C9AB24}">
-                  <p16:designElem xmlns="" xmlns:p16="http://schemas.microsoft.com/office/powerpoint/2015/main" val="1"/>
+                  <p16:designElem xmlns:p16="http://schemas.microsoft.com/office/powerpoint/2015/main" val="1"/>
                 </p:ext>
               </p:extLst>
             </p:nvPr>
@@ -27242,10 +27256,10 @@
             <p:cNvPr id="32" name="Rectangle 27">
               <a:extLst>
                 <a:ext uri="{FF2B5EF4-FFF2-40B4-BE49-F238E27FC236}">
-                  <a16:creationId xmlns="" xmlns:a16="http://schemas.microsoft.com/office/drawing/2014/main" id="{300384B6-5ED6-4F91-A548-B706D837513E}"/>
+                  <a16:creationId xmlns:a16="http://schemas.microsoft.com/office/drawing/2014/main" xmlns="" id="{300384B6-5ED6-4F91-A548-B706D837513E}"/>
                 </a:ext>
                 <a:ext uri="{C183D7F6-B498-43B3-948B-1728B52AA6E4}">
-                  <adec:decorative xmlns="" xmlns:adec="http://schemas.microsoft.com/office/drawing/2017/decorative" val="1"/>
+                  <adec:decorative xmlns:adec="http://schemas.microsoft.com/office/drawing/2017/decorative" xmlns="" val="1"/>
                 </a:ext>
               </a:extLst>
             </p:cNvPr>
@@ -27253,7 +27267,7 @@
             <p:nvPr>
               <p:extLst>
                 <p:ext uri="{386F3935-93C4-4BCD-93E2-E3B085C9AB24}">
-                  <p16:designElem xmlns="" xmlns:p16="http://schemas.microsoft.com/office/powerpoint/2015/main" val="1"/>
+                  <p16:designElem xmlns:p16="http://schemas.microsoft.com/office/powerpoint/2015/main" val="1"/>
                 </p:ext>
               </p:extLst>
             </p:nvPr>
@@ -27321,10 +27335,10 @@
             <p:cNvPr id="33" name="Rectangle 28">
               <a:extLst>
                 <a:ext uri="{FF2B5EF4-FFF2-40B4-BE49-F238E27FC236}">
-                  <a16:creationId xmlns="" xmlns:a16="http://schemas.microsoft.com/office/drawing/2014/main" id="{337AFFAE-C182-463C-9459-8AB3C69D9A29}"/>
+                  <a16:creationId xmlns:a16="http://schemas.microsoft.com/office/drawing/2014/main" xmlns="" id="{337AFFAE-C182-463C-9459-8AB3C69D9A29}"/>
                 </a:ext>
                 <a:ext uri="{C183D7F6-B498-43B3-948B-1728B52AA6E4}">
-                  <adec:decorative xmlns="" xmlns:adec="http://schemas.microsoft.com/office/drawing/2017/decorative" val="1"/>
+                  <adec:decorative xmlns:adec="http://schemas.microsoft.com/office/drawing/2017/decorative" xmlns="" val="1"/>
                 </a:ext>
               </a:extLst>
             </p:cNvPr>
@@ -27332,7 +27346,7 @@
             <p:nvPr>
               <p:extLst>
                 <p:ext uri="{386F3935-93C4-4BCD-93E2-E3B085C9AB24}">
-                  <p16:designElem xmlns="" xmlns:p16="http://schemas.microsoft.com/office/powerpoint/2015/main" val="1"/>
+                  <p16:designElem xmlns:p16="http://schemas.microsoft.com/office/powerpoint/2015/main" val="1"/>
                 </p:ext>
               </p:extLst>
             </p:nvPr>
@@ -27401,10 +27415,10 @@
             <p:cNvPr id="34" name="Rectangle 29">
               <a:extLst>
                 <a:ext uri="{FF2B5EF4-FFF2-40B4-BE49-F238E27FC236}">
-                  <a16:creationId xmlns="" xmlns:a16="http://schemas.microsoft.com/office/drawing/2014/main" id="{510ACF17-C3F0-42BF-BDEB-D079277121E4}"/>
+                  <a16:creationId xmlns:a16="http://schemas.microsoft.com/office/drawing/2014/main" xmlns="" id="{510ACF17-C3F0-42BF-BDEB-D079277121E4}"/>
                 </a:ext>
                 <a:ext uri="{C183D7F6-B498-43B3-948B-1728B52AA6E4}">
-                  <adec:decorative xmlns="" xmlns:adec="http://schemas.microsoft.com/office/drawing/2017/decorative" val="1"/>
+                  <adec:decorative xmlns:adec="http://schemas.microsoft.com/office/drawing/2017/decorative" xmlns="" val="1"/>
                 </a:ext>
               </a:extLst>
             </p:cNvPr>
@@ -27412,7 +27426,7 @@
             <p:nvPr>
               <p:extLst>
                 <p:ext uri="{386F3935-93C4-4BCD-93E2-E3B085C9AB24}">
-                  <p16:designElem xmlns="" xmlns:p16="http://schemas.microsoft.com/office/powerpoint/2015/main" val="1"/>
+                  <p16:designElem xmlns:p16="http://schemas.microsoft.com/office/powerpoint/2015/main" val="1"/>
                 </p:ext>
               </p:extLst>
             </p:nvPr>
@@ -27479,10 +27493,10 @@
             <p:cNvPr id="35" name="Isosceles Triangle 34">
               <a:extLst>
                 <a:ext uri="{FF2B5EF4-FFF2-40B4-BE49-F238E27FC236}">
-                  <a16:creationId xmlns="" xmlns:a16="http://schemas.microsoft.com/office/drawing/2014/main" id="{E804EFD0-B84E-476F-9FC6-6C4A42EA0054}"/>
+                  <a16:creationId xmlns:a16="http://schemas.microsoft.com/office/drawing/2014/main" xmlns="" id="{E804EFD0-B84E-476F-9FC6-6C4A42EA0054}"/>
                 </a:ext>
                 <a:ext uri="{C183D7F6-B498-43B3-948B-1728B52AA6E4}">
-                  <adec:decorative xmlns="" xmlns:adec="http://schemas.microsoft.com/office/drawing/2017/decorative" val="1"/>
+                  <adec:decorative xmlns:adec="http://schemas.microsoft.com/office/drawing/2017/decorative" xmlns="" val="1"/>
                 </a:ext>
               </a:extLst>
             </p:cNvPr>
@@ -27490,7 +27504,7 @@
             <p:nvPr>
               <p:extLst>
                 <p:ext uri="{386F3935-93C4-4BCD-93E2-E3B085C9AB24}">
-                  <p16:designElem xmlns="" xmlns:p16="http://schemas.microsoft.com/office/powerpoint/2015/main" val="1"/>
+                  <p16:designElem xmlns:p16="http://schemas.microsoft.com/office/powerpoint/2015/main" val="1"/>
                 </p:ext>
               </p:extLst>
             </p:nvPr>
@@ -27536,10 +27550,10 @@
           <p:cNvPr id="37" name="Rectangle 36">
             <a:extLst>
               <a:ext uri="{FF2B5EF4-FFF2-40B4-BE49-F238E27FC236}">
-                <a16:creationId xmlns="" xmlns:a16="http://schemas.microsoft.com/office/drawing/2014/main" id="{87BD1F4E-A66D-4C06-86DA-8D56CA7A3B41}"/>
+                <a16:creationId xmlns:a16="http://schemas.microsoft.com/office/drawing/2014/main" xmlns="" id="{87BD1F4E-A66D-4C06-86DA-8D56CA7A3B41}"/>
               </a:ext>
               <a:ext uri="{C183D7F6-B498-43B3-948B-1728B52AA6E4}">
-                <adec:decorative xmlns="" xmlns:adec="http://schemas.microsoft.com/office/drawing/2017/decorative" val="1"/>
+                <adec:decorative xmlns:adec="http://schemas.microsoft.com/office/drawing/2017/decorative" xmlns="" val="1"/>
               </a:ext>
             </a:extLst>
           </p:cNvPr>
@@ -27549,7 +27563,7 @@
           <p:nvPr>
             <p:extLst>
               <p:ext uri="{386F3935-93C4-4BCD-93E2-E3B085C9AB24}">
-                <p16:designElem xmlns="" xmlns:p16="http://schemas.microsoft.com/office/powerpoint/2015/main" val="1"/>
+                <p16:designElem xmlns:p16="http://schemas.microsoft.com/office/powerpoint/2015/main" val="1"/>
               </p:ext>
             </p:extLst>
           </p:nvPr>
@@ -27596,7 +27610,7 @@
           <p:cNvPr id="7" name="Content Placeholder 4">
             <a:extLst>
               <a:ext uri="{FF2B5EF4-FFF2-40B4-BE49-F238E27FC236}">
-                <a16:creationId xmlns="" xmlns:a16="http://schemas.microsoft.com/office/drawing/2014/main" id="{90867260-EDD1-4FB8-8CD7-96B566B7DA65}"/>
+                <a16:creationId xmlns:a16="http://schemas.microsoft.com/office/drawing/2014/main" xmlns="" id="{90867260-EDD1-4FB8-8CD7-96B566B7DA65}"/>
               </a:ext>
             </a:extLst>
           </p:cNvPr>
@@ -27657,7 +27671,7 @@
           <p:cNvPr id="3" name="Title 2">
             <a:extLst>
               <a:ext uri="{FF2B5EF4-FFF2-40B4-BE49-F238E27FC236}">
-                <a16:creationId xmlns="" xmlns:a16="http://schemas.microsoft.com/office/drawing/2014/main" id="{BCE584E8-9EC0-459C-A023-82FEA5509F3A}"/>
+                <a16:creationId xmlns:a16="http://schemas.microsoft.com/office/drawing/2014/main" xmlns="" id="{BCE584E8-9EC0-459C-A023-82FEA5509F3A}"/>
               </a:ext>
             </a:extLst>
           </p:cNvPr>
@@ -27705,7 +27719,7 @@
           <p:cNvPr id="4" name="Date Placeholder 3">
             <a:extLst>
               <a:ext uri="{FF2B5EF4-FFF2-40B4-BE49-F238E27FC236}">
-                <a16:creationId xmlns="" xmlns:a16="http://schemas.microsoft.com/office/drawing/2014/main" id="{C63DB0F0-A43F-4CDD-857B-E69F2F9C7CD1}"/>
+                <a16:creationId xmlns:a16="http://schemas.microsoft.com/office/drawing/2014/main" xmlns="" id="{C63DB0F0-A43F-4CDD-857B-E69F2F9C7CD1}"/>
               </a:ext>
             </a:extLst>
           </p:cNvPr>
@@ -27726,7 +27740,7 @@
                 <a:latin typeface="Times New Roman" panose="02020603050405020304" pitchFamily="18" charset="0"/>
                 <a:cs typeface="Times New Roman" panose="02020603050405020304" pitchFamily="18" charset="0"/>
               </a:rPr>
-              <a:t>December 23, 2019</a:t>
+              <a:t>24/12/19</a:t>
             </a:fld>
             <a:endParaRPr lang="en-US" sz="1100" dirty="0">
               <a:latin typeface="Times New Roman" panose="02020603050405020304" pitchFamily="18" charset="0"/>
@@ -27740,7 +27754,7 @@
           <p:cNvPr id="2" name="Content Placeholder 1">
             <a:extLst>
               <a:ext uri="{FF2B5EF4-FFF2-40B4-BE49-F238E27FC236}">
-                <a16:creationId xmlns="" xmlns:a16="http://schemas.microsoft.com/office/drawing/2014/main" id="{6FDDC70B-B119-4D8D-8A1B-DA83AAE4D58E}"/>
+                <a16:creationId xmlns:a16="http://schemas.microsoft.com/office/drawing/2014/main" xmlns="" id="{6FDDC70B-B119-4D8D-8A1B-DA83AAE4D58E}"/>
               </a:ext>
             </a:extLst>
           </p:cNvPr>
@@ -28155,7 +28169,7 @@
           <p:cNvPr id="5" name="Footer Placeholder 4">
             <a:extLst>
               <a:ext uri="{FF2B5EF4-FFF2-40B4-BE49-F238E27FC236}">
-                <a16:creationId xmlns="" xmlns:a16="http://schemas.microsoft.com/office/drawing/2014/main" id="{200C505E-46EA-4EEC-97D0-C97B4E2ED940}"/>
+                <a16:creationId xmlns:a16="http://schemas.microsoft.com/office/drawing/2014/main" xmlns="" id="{200C505E-46EA-4EEC-97D0-C97B4E2ED940}"/>
               </a:ext>
             </a:extLst>
           </p:cNvPr>
@@ -28187,7 +28201,7 @@
           <p:cNvPr id="6" name="Slide Number Placeholder 5">
             <a:extLst>
               <a:ext uri="{FF2B5EF4-FFF2-40B4-BE49-F238E27FC236}">
-                <a16:creationId xmlns="" xmlns:a16="http://schemas.microsoft.com/office/drawing/2014/main" id="{CA650125-927E-44C9-9192-060CEBA29BF2}"/>
+                <a16:creationId xmlns:a16="http://schemas.microsoft.com/office/drawing/2014/main" xmlns="" id="{CA650125-927E-44C9-9192-060CEBA29BF2}"/>
               </a:ext>
             </a:extLst>
           </p:cNvPr>
@@ -28261,10 +28275,10 @@
           <p:cNvPr id="13" name="Group 12">
             <a:extLst>
               <a:ext uri="{FF2B5EF4-FFF2-40B4-BE49-F238E27FC236}">
-                <a16:creationId xmlns="" xmlns:a16="http://schemas.microsoft.com/office/drawing/2014/main" id="{28460BD8-AE3F-4AC9-9D0B-717052AA5D3A}"/>
+                <a16:creationId xmlns:a16="http://schemas.microsoft.com/office/drawing/2014/main" xmlns="" id="{28460BD8-AE3F-4AC9-9D0B-717052AA5D3A}"/>
               </a:ext>
               <a:ext uri="{C183D7F6-B498-43B3-948B-1728B52AA6E4}">
-                <adec:decorative xmlns="" xmlns:adec="http://schemas.microsoft.com/office/drawing/2017/decorative" val="1"/>
+                <adec:decorative xmlns:adec="http://schemas.microsoft.com/office/drawing/2017/decorative" xmlns="" val="1"/>
               </a:ext>
             </a:extLst>
           </p:cNvPr>
@@ -28274,7 +28288,7 @@
           <p:nvPr>
             <p:extLst>
               <p:ext uri="{386F3935-93C4-4BCD-93E2-E3B085C9AB24}">
-                <p16:designElem xmlns="" xmlns:p16="http://schemas.microsoft.com/office/powerpoint/2015/main" val="1"/>
+                <p16:designElem xmlns:p16="http://schemas.microsoft.com/office/powerpoint/2015/main" val="1"/>
               </p:ext>
             </p:extLst>
           </p:nvPr>
@@ -28292,10 +28306,10 @@
             <p:cNvPr id="14" name="Straight Connector 13">
               <a:extLst>
                 <a:ext uri="{FF2B5EF4-FFF2-40B4-BE49-F238E27FC236}">
-                  <a16:creationId xmlns="" xmlns:a16="http://schemas.microsoft.com/office/drawing/2014/main" id="{54420CFE-F482-466E-9E1E-C78513C0B85D}"/>
+                  <a16:creationId xmlns:a16="http://schemas.microsoft.com/office/drawing/2014/main" xmlns="" id="{54420CFE-F482-466E-9E1E-C78513C0B85D}"/>
                 </a:ext>
                 <a:ext uri="{C183D7F6-B498-43B3-948B-1728B52AA6E4}">
-                  <adec:decorative xmlns="" xmlns:adec="http://schemas.microsoft.com/office/drawing/2017/decorative" val="1"/>
+                  <adec:decorative xmlns:adec="http://schemas.microsoft.com/office/drawing/2017/decorative" xmlns="" val="1"/>
                 </a:ext>
               </a:extLst>
             </p:cNvPr>
@@ -28303,7 +28317,7 @@
             <p:nvPr>
               <p:extLst>
                 <p:ext uri="{386F3935-93C4-4BCD-93E2-E3B085C9AB24}">
-                  <p16:designElem xmlns="" xmlns:p16="http://schemas.microsoft.com/office/powerpoint/2015/main" val="1"/>
+                  <p16:designElem xmlns:p16="http://schemas.microsoft.com/office/powerpoint/2015/main" val="1"/>
                 </p:ext>
               </p:extLst>
             </p:nvPr>
@@ -28344,10 +28358,10 @@
             <p:cNvPr id="15" name="Straight Connector 14">
               <a:extLst>
                 <a:ext uri="{FF2B5EF4-FFF2-40B4-BE49-F238E27FC236}">
-                  <a16:creationId xmlns="" xmlns:a16="http://schemas.microsoft.com/office/drawing/2014/main" id="{5331032B-BD21-4BDA-920C-12E358052567}"/>
+                  <a16:creationId xmlns:a16="http://schemas.microsoft.com/office/drawing/2014/main" xmlns="" id="{5331032B-BD21-4BDA-920C-12E358052567}"/>
                 </a:ext>
                 <a:ext uri="{C183D7F6-B498-43B3-948B-1728B52AA6E4}">
-                  <adec:decorative xmlns="" xmlns:adec="http://schemas.microsoft.com/office/drawing/2017/decorative" val="1"/>
+                  <adec:decorative xmlns:adec="http://schemas.microsoft.com/office/drawing/2017/decorative" xmlns="" val="1"/>
                 </a:ext>
               </a:extLst>
             </p:cNvPr>
@@ -28355,7 +28369,7 @@
             <p:nvPr>
               <p:extLst>
                 <p:ext uri="{386F3935-93C4-4BCD-93E2-E3B085C9AB24}">
-                  <p16:designElem xmlns="" xmlns:p16="http://schemas.microsoft.com/office/powerpoint/2015/main" val="1"/>
+                  <p16:designElem xmlns:p16="http://schemas.microsoft.com/office/powerpoint/2015/main" val="1"/>
                 </p:ext>
               </p:extLst>
             </p:nvPr>
@@ -28396,10 +28410,10 @@
             <p:cNvPr id="16" name="Rectangle 23">
               <a:extLst>
                 <a:ext uri="{FF2B5EF4-FFF2-40B4-BE49-F238E27FC236}">
-                  <a16:creationId xmlns="" xmlns:a16="http://schemas.microsoft.com/office/drawing/2014/main" id="{E7514DA3-59E7-409E-8A3B-AD097F6E5644}"/>
+                  <a16:creationId xmlns:a16="http://schemas.microsoft.com/office/drawing/2014/main" xmlns="" id="{E7514DA3-59E7-409E-8A3B-AD097F6E5644}"/>
                 </a:ext>
                 <a:ext uri="{C183D7F6-B498-43B3-948B-1728B52AA6E4}">
-                  <adec:decorative xmlns="" xmlns:adec="http://schemas.microsoft.com/office/drawing/2017/decorative" val="1"/>
+                  <adec:decorative xmlns:adec="http://schemas.microsoft.com/office/drawing/2017/decorative" xmlns="" val="1"/>
                 </a:ext>
               </a:extLst>
             </p:cNvPr>
@@ -28407,7 +28421,7 @@
             <p:nvPr>
               <p:extLst>
                 <p:ext uri="{386F3935-93C4-4BCD-93E2-E3B085C9AB24}">
-                  <p16:designElem xmlns="" xmlns:p16="http://schemas.microsoft.com/office/powerpoint/2015/main" val="1"/>
+                  <p16:designElem xmlns:p16="http://schemas.microsoft.com/office/powerpoint/2015/main" val="1"/>
                 </p:ext>
               </p:extLst>
             </p:nvPr>
@@ -28474,10 +28488,10 @@
             <p:cNvPr id="17" name="Rectangle 25">
               <a:extLst>
                 <a:ext uri="{FF2B5EF4-FFF2-40B4-BE49-F238E27FC236}">
-                  <a16:creationId xmlns="" xmlns:a16="http://schemas.microsoft.com/office/drawing/2014/main" id="{57B9A2A6-3BE4-4599-9364-F71C5BFD61F8}"/>
+                  <a16:creationId xmlns:a16="http://schemas.microsoft.com/office/drawing/2014/main" xmlns="" id="{57B9A2A6-3BE4-4599-9364-F71C5BFD61F8}"/>
                 </a:ext>
                 <a:ext uri="{C183D7F6-B498-43B3-948B-1728B52AA6E4}">
-                  <adec:decorative xmlns="" xmlns:adec="http://schemas.microsoft.com/office/drawing/2017/decorative" val="1"/>
+                  <adec:decorative xmlns:adec="http://schemas.microsoft.com/office/drawing/2017/decorative" xmlns="" val="1"/>
                 </a:ext>
               </a:extLst>
             </p:cNvPr>
@@ -28485,7 +28499,7 @@
             <p:nvPr>
               <p:extLst>
                 <p:ext uri="{386F3935-93C4-4BCD-93E2-E3B085C9AB24}">
-                  <p16:designElem xmlns="" xmlns:p16="http://schemas.microsoft.com/office/powerpoint/2015/main" val="1"/>
+                  <p16:designElem xmlns:p16="http://schemas.microsoft.com/office/powerpoint/2015/main" val="1"/>
                 </p:ext>
               </p:extLst>
             </p:nvPr>
@@ -28552,10 +28566,10 @@
             <p:cNvPr id="18" name="Isosceles Triangle 17">
               <a:extLst>
                 <a:ext uri="{FF2B5EF4-FFF2-40B4-BE49-F238E27FC236}">
-                  <a16:creationId xmlns="" xmlns:a16="http://schemas.microsoft.com/office/drawing/2014/main" id="{4FD744C6-4ED8-4BC9-BF68-6BDF701C5DB4}"/>
+                  <a16:creationId xmlns:a16="http://schemas.microsoft.com/office/drawing/2014/main" xmlns="" id="{4FD744C6-4ED8-4BC9-BF68-6BDF701C5DB4}"/>
                 </a:ext>
                 <a:ext uri="{C183D7F6-B498-43B3-948B-1728B52AA6E4}">
-                  <adec:decorative xmlns="" xmlns:adec="http://schemas.microsoft.com/office/drawing/2017/decorative" val="1"/>
+                  <adec:decorative xmlns:adec="http://schemas.microsoft.com/office/drawing/2017/decorative" xmlns="" val="1"/>
                 </a:ext>
               </a:extLst>
             </p:cNvPr>
@@ -28563,7 +28577,7 @@
             <p:nvPr>
               <p:extLst>
                 <p:ext uri="{386F3935-93C4-4BCD-93E2-E3B085C9AB24}">
-                  <p16:designElem xmlns="" xmlns:p16="http://schemas.microsoft.com/office/powerpoint/2015/main" val="1"/>
+                  <p16:designElem xmlns:p16="http://schemas.microsoft.com/office/powerpoint/2015/main" val="1"/>
                 </p:ext>
               </p:extLst>
             </p:nvPr>
@@ -28608,10 +28622,10 @@
             <p:cNvPr id="19" name="Rectangle 27">
               <a:extLst>
                 <a:ext uri="{FF2B5EF4-FFF2-40B4-BE49-F238E27FC236}">
-                  <a16:creationId xmlns="" xmlns:a16="http://schemas.microsoft.com/office/drawing/2014/main" id="{092C5BAD-C911-4F8F-A1C5-470268BE668B}"/>
+                  <a16:creationId xmlns:a16="http://schemas.microsoft.com/office/drawing/2014/main" xmlns="" id="{092C5BAD-C911-4F8F-A1C5-470268BE668B}"/>
                 </a:ext>
                 <a:ext uri="{C183D7F6-B498-43B3-948B-1728B52AA6E4}">
-                  <adec:decorative xmlns="" xmlns:adec="http://schemas.microsoft.com/office/drawing/2017/decorative" val="1"/>
+                  <adec:decorative xmlns:adec="http://schemas.microsoft.com/office/drawing/2017/decorative" xmlns="" val="1"/>
                 </a:ext>
               </a:extLst>
             </p:cNvPr>
@@ -28619,7 +28633,7 @@
             <p:nvPr>
               <p:extLst>
                 <p:ext uri="{386F3935-93C4-4BCD-93E2-E3B085C9AB24}">
-                  <p16:designElem xmlns="" xmlns:p16="http://schemas.microsoft.com/office/powerpoint/2015/main" val="1"/>
+                  <p16:designElem xmlns:p16="http://schemas.microsoft.com/office/powerpoint/2015/main" val="1"/>
                 </p:ext>
               </p:extLst>
             </p:nvPr>
@@ -28687,10 +28701,10 @@
             <p:cNvPr id="20" name="Rectangle 28">
               <a:extLst>
                 <a:ext uri="{FF2B5EF4-FFF2-40B4-BE49-F238E27FC236}">
-                  <a16:creationId xmlns="" xmlns:a16="http://schemas.microsoft.com/office/drawing/2014/main" id="{B133D0C8-4EC4-424F-8E70-0482D5B1B653}"/>
+                  <a16:creationId xmlns:a16="http://schemas.microsoft.com/office/drawing/2014/main" xmlns="" id="{B133D0C8-4EC4-424F-8E70-0482D5B1B653}"/>
                 </a:ext>
                 <a:ext uri="{C183D7F6-B498-43B3-948B-1728B52AA6E4}">
-                  <adec:decorative xmlns="" xmlns:adec="http://schemas.microsoft.com/office/drawing/2017/decorative" val="1"/>
+                  <adec:decorative xmlns:adec="http://schemas.microsoft.com/office/drawing/2017/decorative" xmlns="" val="1"/>
                 </a:ext>
               </a:extLst>
             </p:cNvPr>
@@ -28698,7 +28712,7 @@
             <p:nvPr>
               <p:extLst>
                 <p:ext uri="{386F3935-93C4-4BCD-93E2-E3B085C9AB24}">
-                  <p16:designElem xmlns="" xmlns:p16="http://schemas.microsoft.com/office/powerpoint/2015/main" val="1"/>
+                  <p16:designElem xmlns:p16="http://schemas.microsoft.com/office/powerpoint/2015/main" val="1"/>
                 </p:ext>
               </p:extLst>
             </p:nvPr>
@@ -28767,10 +28781,10 @@
             <p:cNvPr id="21" name="Rectangle 29">
               <a:extLst>
                 <a:ext uri="{FF2B5EF4-FFF2-40B4-BE49-F238E27FC236}">
-                  <a16:creationId xmlns="" xmlns:a16="http://schemas.microsoft.com/office/drawing/2014/main" id="{7B1532A0-F4B3-4DE8-B18F-740CAAD25AC4}"/>
+                  <a16:creationId xmlns:a16="http://schemas.microsoft.com/office/drawing/2014/main" xmlns="" id="{7B1532A0-F4B3-4DE8-B18F-740CAAD25AC4}"/>
                 </a:ext>
                 <a:ext uri="{C183D7F6-B498-43B3-948B-1728B52AA6E4}">
-                  <adec:decorative xmlns="" xmlns:adec="http://schemas.microsoft.com/office/drawing/2017/decorative" val="1"/>
+                  <adec:decorative xmlns:adec="http://schemas.microsoft.com/office/drawing/2017/decorative" xmlns="" val="1"/>
                 </a:ext>
               </a:extLst>
             </p:cNvPr>
@@ -28778,7 +28792,7 @@
             <p:nvPr>
               <p:extLst>
                 <p:ext uri="{386F3935-93C4-4BCD-93E2-E3B085C9AB24}">
-                  <p16:designElem xmlns="" xmlns:p16="http://schemas.microsoft.com/office/powerpoint/2015/main" val="1"/>
+                  <p16:designElem xmlns:p16="http://schemas.microsoft.com/office/powerpoint/2015/main" val="1"/>
                 </p:ext>
               </p:extLst>
             </p:nvPr>
@@ -28845,10 +28859,10 @@
             <p:cNvPr id="22" name="Isosceles Triangle 21">
               <a:extLst>
                 <a:ext uri="{FF2B5EF4-FFF2-40B4-BE49-F238E27FC236}">
-                  <a16:creationId xmlns="" xmlns:a16="http://schemas.microsoft.com/office/drawing/2014/main" id="{8EFDD162-BBBA-4062-8BBF-53DBA1091374}"/>
+                  <a16:creationId xmlns:a16="http://schemas.microsoft.com/office/drawing/2014/main" xmlns="" id="{8EFDD162-BBBA-4062-8BBF-53DBA1091374}"/>
                 </a:ext>
                 <a:ext uri="{C183D7F6-B498-43B3-948B-1728B52AA6E4}">
-                  <adec:decorative xmlns="" xmlns:adec="http://schemas.microsoft.com/office/drawing/2017/decorative" val="1"/>
+                  <adec:decorative xmlns:adec="http://schemas.microsoft.com/office/drawing/2017/decorative" xmlns="" val="1"/>
                 </a:ext>
               </a:extLst>
             </p:cNvPr>
@@ -28856,7 +28870,7 @@
             <p:nvPr>
               <p:extLst>
                 <p:ext uri="{386F3935-93C4-4BCD-93E2-E3B085C9AB24}">
-                  <p16:designElem xmlns="" xmlns:p16="http://schemas.microsoft.com/office/powerpoint/2015/main" val="1"/>
+                  <p16:designElem xmlns:p16="http://schemas.microsoft.com/office/powerpoint/2015/main" val="1"/>
                 </p:ext>
               </p:extLst>
             </p:nvPr>
@@ -28901,10 +28915,10 @@
             <p:cNvPr id="23" name="Isosceles Triangle 22">
               <a:extLst>
                 <a:ext uri="{FF2B5EF4-FFF2-40B4-BE49-F238E27FC236}">
-                  <a16:creationId xmlns="" xmlns:a16="http://schemas.microsoft.com/office/drawing/2014/main" id="{DCFC9E65-3E19-4483-B952-25D29683CA56}"/>
+                  <a16:creationId xmlns:a16="http://schemas.microsoft.com/office/drawing/2014/main" xmlns="" id="{DCFC9E65-3E19-4483-B952-25D29683CA56}"/>
                 </a:ext>
                 <a:ext uri="{C183D7F6-B498-43B3-948B-1728B52AA6E4}">
-                  <adec:decorative xmlns="" xmlns:adec="http://schemas.microsoft.com/office/drawing/2017/decorative" val="1"/>
+                  <adec:decorative xmlns:adec="http://schemas.microsoft.com/office/drawing/2017/decorative" xmlns="" val="1"/>
                 </a:ext>
               </a:extLst>
             </p:cNvPr>
@@ -28912,7 +28926,7 @@
             <p:nvPr>
               <p:extLst>
                 <p:ext uri="{386F3935-93C4-4BCD-93E2-E3B085C9AB24}">
-                  <p16:designElem xmlns="" xmlns:p16="http://schemas.microsoft.com/office/powerpoint/2015/main" val="1"/>
+                  <p16:designElem xmlns:p16="http://schemas.microsoft.com/office/powerpoint/2015/main" val="1"/>
                 </p:ext>
               </p:extLst>
             </p:nvPr>
@@ -28958,10 +28972,10 @@
           <p:cNvPr id="25" name="Rectangle 24">
             <a:extLst>
               <a:ext uri="{FF2B5EF4-FFF2-40B4-BE49-F238E27FC236}">
-                <a16:creationId xmlns="" xmlns:a16="http://schemas.microsoft.com/office/drawing/2014/main" id="{4F57DB1C-6494-4CC4-A5E8-931957565379}"/>
+                <a16:creationId xmlns:a16="http://schemas.microsoft.com/office/drawing/2014/main" xmlns="" id="{4F57DB1C-6494-4CC4-A5E8-931957565379}"/>
               </a:ext>
               <a:ext uri="{C183D7F6-B498-43B3-948B-1728B52AA6E4}">
-                <adec:decorative xmlns="" xmlns:adec="http://schemas.microsoft.com/office/drawing/2017/decorative" val="1"/>
+                <adec:decorative xmlns:adec="http://schemas.microsoft.com/office/drawing/2017/decorative" xmlns="" val="1"/>
               </a:ext>
             </a:extLst>
           </p:cNvPr>
@@ -28971,7 +28985,7 @@
           <p:nvPr>
             <p:extLst>
               <p:ext uri="{386F3935-93C4-4BCD-93E2-E3B085C9AB24}">
-                <p16:designElem xmlns="" xmlns:p16="http://schemas.microsoft.com/office/powerpoint/2015/main" val="1"/>
+                <p16:designElem xmlns:p16="http://schemas.microsoft.com/office/powerpoint/2015/main" val="1"/>
               </p:ext>
             </p:extLst>
           </p:nvPr>
@@ -29018,10 +29032,10 @@
           <p:cNvPr id="27" name="Isosceles Triangle 26">
             <a:extLst>
               <a:ext uri="{FF2B5EF4-FFF2-40B4-BE49-F238E27FC236}">
-                <a16:creationId xmlns="" xmlns:a16="http://schemas.microsoft.com/office/drawing/2014/main" id="{FFFB778B-5206-4BB0-A468-327E71367654}"/>
+                <a16:creationId xmlns:a16="http://schemas.microsoft.com/office/drawing/2014/main" xmlns="" id="{FFFB778B-5206-4BB0-A468-327E71367654}"/>
               </a:ext>
               <a:ext uri="{C183D7F6-B498-43B3-948B-1728B52AA6E4}">
-                <adec:decorative xmlns="" xmlns:adec="http://schemas.microsoft.com/office/drawing/2017/decorative" val="1"/>
+                <adec:decorative xmlns:adec="http://schemas.microsoft.com/office/drawing/2017/decorative" xmlns="" val="1"/>
               </a:ext>
             </a:extLst>
           </p:cNvPr>
@@ -29031,7 +29045,7 @@
           <p:nvPr>
             <p:extLst>
               <p:ext uri="{386F3935-93C4-4BCD-93E2-E3B085C9AB24}">
-                <p16:designElem xmlns="" xmlns:p16="http://schemas.microsoft.com/office/powerpoint/2015/main" val="1"/>
+                <p16:designElem xmlns:p16="http://schemas.microsoft.com/office/powerpoint/2015/main" val="1"/>
               </p:ext>
             </p:extLst>
           </p:nvPr>
@@ -29076,10 +29090,10 @@
           <p:cNvPr id="29" name="Freeform: Shape 28">
             <a:extLst>
               <a:ext uri="{FF2B5EF4-FFF2-40B4-BE49-F238E27FC236}">
-                <a16:creationId xmlns="" xmlns:a16="http://schemas.microsoft.com/office/drawing/2014/main" id="{E6C0471D-BE03-4D81-BDB5-D510BC0D8A77}"/>
+                <a16:creationId xmlns:a16="http://schemas.microsoft.com/office/drawing/2014/main" xmlns="" id="{E6C0471D-BE03-4D81-BDB5-D510BC0D8A77}"/>
               </a:ext>
               <a:ext uri="{C183D7F6-B498-43B3-948B-1728B52AA6E4}">
-                <adec:decorative xmlns="" xmlns:adec="http://schemas.microsoft.com/office/drawing/2017/decorative" val="1"/>
+                <adec:decorative xmlns:adec="http://schemas.microsoft.com/office/drawing/2017/decorative" xmlns="" val="1"/>
               </a:ext>
             </a:extLst>
           </p:cNvPr>
@@ -29089,7 +29103,7 @@
           <p:nvPr>
             <p:extLst>
               <p:ext uri="{386F3935-93C4-4BCD-93E2-E3B085C9AB24}">
-                <p16:designElem xmlns="" xmlns:p16="http://schemas.microsoft.com/office/powerpoint/2015/main" val="1"/>
+                <p16:designElem xmlns:p16="http://schemas.microsoft.com/office/powerpoint/2015/main" val="1"/>
               </p:ext>
             </p:extLst>
           </p:nvPr>
@@ -29240,10 +29254,10 @@
           <p:cNvPr id="31" name="Straight Connector 30">
             <a:extLst>
               <a:ext uri="{FF2B5EF4-FFF2-40B4-BE49-F238E27FC236}">
-                <a16:creationId xmlns="" xmlns:a16="http://schemas.microsoft.com/office/drawing/2014/main" id="{22721A85-1EA4-4D87-97AB-0BB4AB78F92D}"/>
+                <a16:creationId xmlns:a16="http://schemas.microsoft.com/office/drawing/2014/main" xmlns="" id="{22721A85-1EA4-4D87-97AB-0BB4AB78F92D}"/>
               </a:ext>
               <a:ext uri="{C183D7F6-B498-43B3-948B-1728B52AA6E4}">
-                <adec:decorative xmlns="" xmlns:adec="http://schemas.microsoft.com/office/drawing/2017/decorative" val="1"/>
+                <adec:decorative xmlns:adec="http://schemas.microsoft.com/office/drawing/2017/decorative" xmlns="" val="1"/>
               </a:ext>
             </a:extLst>
           </p:cNvPr>
@@ -29253,7 +29267,7 @@
           <p:nvPr>
             <p:extLst>
               <p:ext uri="{386F3935-93C4-4BCD-93E2-E3B085C9AB24}">
-                <p16:designElem xmlns="" xmlns:p16="http://schemas.microsoft.com/office/powerpoint/2015/main" val="1"/>
+                <p16:designElem xmlns:p16="http://schemas.microsoft.com/office/powerpoint/2015/main" val="1"/>
               </p:ext>
             </p:extLst>
           </p:nvPr>
@@ -29293,10 +29307,10 @@
           <p:cNvPr id="33" name="Straight Connector 32">
             <a:extLst>
               <a:ext uri="{FF2B5EF4-FFF2-40B4-BE49-F238E27FC236}">
-                <a16:creationId xmlns="" xmlns:a16="http://schemas.microsoft.com/office/drawing/2014/main" id="{E5E836EB-03CD-4BA5-A751-21D2ACC28303}"/>
+                <a16:creationId xmlns:a16="http://schemas.microsoft.com/office/drawing/2014/main" xmlns="" id="{E5E836EB-03CD-4BA5-A751-21D2ACC28303}"/>
               </a:ext>
               <a:ext uri="{C183D7F6-B498-43B3-948B-1728B52AA6E4}">
-                <adec:decorative xmlns="" xmlns:adec="http://schemas.microsoft.com/office/drawing/2017/decorative" val="1"/>
+                <adec:decorative xmlns:adec="http://schemas.microsoft.com/office/drawing/2017/decorative" xmlns="" val="1"/>
               </a:ext>
             </a:extLst>
           </p:cNvPr>
@@ -29306,7 +29320,7 @@
           <p:nvPr>
             <p:extLst>
               <p:ext uri="{386F3935-93C4-4BCD-93E2-E3B085C9AB24}">
-                <p16:designElem xmlns="" xmlns:p16="http://schemas.microsoft.com/office/powerpoint/2015/main" val="1"/>
+                <p16:designElem xmlns:p16="http://schemas.microsoft.com/office/powerpoint/2015/main" val="1"/>
               </p:ext>
             </p:extLst>
           </p:nvPr>
@@ -29349,7 +29363,7 @@
           <p:cNvPr id="8" name="Text Placeholder 7">
             <a:extLst>
               <a:ext uri="{FF2B5EF4-FFF2-40B4-BE49-F238E27FC236}">
-                <a16:creationId xmlns="" xmlns:a16="http://schemas.microsoft.com/office/drawing/2014/main" id="{FF07AE57-3815-4470-AA2A-408DCF1ED504}"/>
+                <a16:creationId xmlns:a16="http://schemas.microsoft.com/office/drawing/2014/main" xmlns="" id="{FF07AE57-3815-4470-AA2A-408DCF1ED504}"/>
               </a:ext>
             </a:extLst>
           </p:cNvPr>
@@ -29511,10 +29525,10 @@
           <p:cNvPr id="35" name="Isosceles Triangle 34">
             <a:extLst>
               <a:ext uri="{FF2B5EF4-FFF2-40B4-BE49-F238E27FC236}">
-                <a16:creationId xmlns="" xmlns:a16="http://schemas.microsoft.com/office/drawing/2014/main" id="{A27691EB-14CF-4237-B5EB-C94B92677A05}"/>
+                <a16:creationId xmlns:a16="http://schemas.microsoft.com/office/drawing/2014/main" xmlns="" id="{A27691EB-14CF-4237-B5EB-C94B92677A05}"/>
               </a:ext>
               <a:ext uri="{C183D7F6-B498-43B3-948B-1728B52AA6E4}">
-                <adec:decorative xmlns="" xmlns:adec="http://schemas.microsoft.com/office/drawing/2017/decorative" val="1"/>
+                <adec:decorative xmlns:adec="http://schemas.microsoft.com/office/drawing/2017/decorative" xmlns="" val="1"/>
               </a:ext>
             </a:extLst>
           </p:cNvPr>
@@ -29524,7 +29538,7 @@
           <p:nvPr>
             <p:extLst>
               <p:ext uri="{386F3935-93C4-4BCD-93E2-E3B085C9AB24}">
-                <p16:designElem xmlns="" xmlns:p16="http://schemas.microsoft.com/office/powerpoint/2015/main" val="1"/>
+                <p16:designElem xmlns:p16="http://schemas.microsoft.com/office/powerpoint/2015/main" val="1"/>
               </p:ext>
             </p:extLst>
           </p:nvPr>
@@ -29569,7 +29583,7 @@
           <p:cNvPr id="5" name="Footer Placeholder 4">
             <a:extLst>
               <a:ext uri="{FF2B5EF4-FFF2-40B4-BE49-F238E27FC236}">
-                <a16:creationId xmlns="" xmlns:a16="http://schemas.microsoft.com/office/drawing/2014/main" id="{7CF51E7F-FFD9-4D68-A105-E560DE96D5AC}"/>
+                <a16:creationId xmlns:a16="http://schemas.microsoft.com/office/drawing/2014/main" xmlns="" id="{7CF51E7F-FFD9-4D68-A105-E560DE96D5AC}"/>
               </a:ext>
             </a:extLst>
           </p:cNvPr>
@@ -29625,7 +29639,7 @@
           <p:cNvPr id="7" name="Title 6">
             <a:extLst>
               <a:ext uri="{FF2B5EF4-FFF2-40B4-BE49-F238E27FC236}">
-                <a16:creationId xmlns="" xmlns:a16="http://schemas.microsoft.com/office/drawing/2014/main" id="{274EA12E-18EA-4D5E-9796-4E73E5CA5BFE}"/>
+                <a16:creationId xmlns:a16="http://schemas.microsoft.com/office/drawing/2014/main" xmlns="" id="{274EA12E-18EA-4D5E-9796-4E73E5CA5BFE}"/>
               </a:ext>
             </a:extLst>
           </p:cNvPr>
@@ -29750,7 +29764,7 @@
           <p:cNvPr id="4" name="Date Placeholder 3">
             <a:extLst>
               <a:ext uri="{FF2B5EF4-FFF2-40B4-BE49-F238E27FC236}">
-                <a16:creationId xmlns="" xmlns:a16="http://schemas.microsoft.com/office/drawing/2014/main" id="{BDE9CA3E-0B72-4E9B-9610-DC333ABB466E}"/>
+                <a16:creationId xmlns:a16="http://schemas.microsoft.com/office/drawing/2014/main" xmlns="" id="{BDE9CA3E-0B72-4E9B-9610-DC333ABB466E}"/>
               </a:ext>
             </a:extLst>
           </p:cNvPr>
@@ -29791,7 +29805,7 @@
                   <a:spcPts val="600"/>
                 </a:spcAft>
               </a:pPr>
-              <a:t>December 23, 2019</a:t>
+              <a:t>December 24, 2019</a:t>
             </a:fld>
             <a:endParaRPr lang="en-US" sz="900" kern="1200" dirty="0">
               <a:solidFill>
@@ -29808,7 +29822,7 @@
           <p:cNvPr id="6" name="Slide Number Placeholder 5">
             <a:extLst>
               <a:ext uri="{FF2B5EF4-FFF2-40B4-BE49-F238E27FC236}">
-                <a16:creationId xmlns="" xmlns:a16="http://schemas.microsoft.com/office/drawing/2014/main" id="{B3B78C34-F02A-48FC-829C-B161A3567A39}"/>
+                <a16:creationId xmlns:a16="http://schemas.microsoft.com/office/drawing/2014/main" xmlns="" id="{B3B78C34-F02A-48FC-829C-B161A3567A39}"/>
               </a:ext>
             </a:extLst>
           </p:cNvPr>
@@ -29904,10 +29918,10 @@
           <p:cNvPr id="10" name="Group 9">
             <a:extLst>
               <a:ext uri="{FF2B5EF4-FFF2-40B4-BE49-F238E27FC236}">
-                <a16:creationId xmlns="" xmlns:a16="http://schemas.microsoft.com/office/drawing/2014/main" id="{09EA7EA7-74F5-4EE2-8E3D-1A10308259D7}"/>
+                <a16:creationId xmlns:a16="http://schemas.microsoft.com/office/drawing/2014/main" xmlns="" id="{09EA7EA7-74F5-4EE2-8E3D-1A10308259D7}"/>
               </a:ext>
               <a:ext uri="{C183D7F6-B498-43B3-948B-1728B52AA6E4}">
-                <adec:decorative xmlns="" xmlns:adec="http://schemas.microsoft.com/office/drawing/2017/decorative" val="1"/>
+                <adec:decorative xmlns:adec="http://schemas.microsoft.com/office/drawing/2017/decorative" xmlns="" val="1"/>
               </a:ext>
             </a:extLst>
           </p:cNvPr>
@@ -29917,7 +29931,7 @@
           <p:nvPr>
             <p:extLst>
               <p:ext uri="{386F3935-93C4-4BCD-93E2-E3B085C9AB24}">
-                <p16:designElem xmlns="" xmlns:p16="http://schemas.microsoft.com/office/powerpoint/2015/main" val="1"/>
+                <p16:designElem xmlns:p16="http://schemas.microsoft.com/office/powerpoint/2015/main" val="1"/>
               </p:ext>
             </p:extLst>
           </p:nvPr>
@@ -29935,10 +29949,10 @@
             <p:cNvPr id="11" name="Straight Connector 10">
               <a:extLst>
                 <a:ext uri="{FF2B5EF4-FFF2-40B4-BE49-F238E27FC236}">
-                  <a16:creationId xmlns="" xmlns:a16="http://schemas.microsoft.com/office/drawing/2014/main" id="{A5CE79B5-7EE4-424D-AD14-5DEFB61B85C8}"/>
+                  <a16:creationId xmlns:a16="http://schemas.microsoft.com/office/drawing/2014/main" xmlns="" id="{A5CE79B5-7EE4-424D-AD14-5DEFB61B85C8}"/>
                 </a:ext>
                 <a:ext uri="{C183D7F6-B498-43B3-948B-1728B52AA6E4}">
-                  <adec:decorative xmlns="" xmlns:adec="http://schemas.microsoft.com/office/drawing/2017/decorative" val="1"/>
+                  <adec:decorative xmlns:adec="http://schemas.microsoft.com/office/drawing/2017/decorative" xmlns="" val="1"/>
                 </a:ext>
               </a:extLst>
             </p:cNvPr>
@@ -29946,7 +29960,7 @@
             <p:nvPr>
               <p:extLst>
                 <p:ext uri="{386F3935-93C4-4BCD-93E2-E3B085C9AB24}">
-                  <p16:designElem xmlns="" xmlns:p16="http://schemas.microsoft.com/office/powerpoint/2015/main" val="1"/>
+                  <p16:designElem xmlns:p16="http://schemas.microsoft.com/office/powerpoint/2015/main" val="1"/>
                 </p:ext>
               </p:extLst>
             </p:nvPr>
@@ -29987,10 +30001,10 @@
             <p:cNvPr id="12" name="Straight Connector 11">
               <a:extLst>
                 <a:ext uri="{FF2B5EF4-FFF2-40B4-BE49-F238E27FC236}">
-                  <a16:creationId xmlns="" xmlns:a16="http://schemas.microsoft.com/office/drawing/2014/main" id="{696C926F-F999-44BA-8D86-9EAB51D65010}"/>
+                  <a16:creationId xmlns:a16="http://schemas.microsoft.com/office/drawing/2014/main" xmlns="" id="{696C926F-F999-44BA-8D86-9EAB51D65010}"/>
                 </a:ext>
                 <a:ext uri="{C183D7F6-B498-43B3-948B-1728B52AA6E4}">
-                  <adec:decorative xmlns="" xmlns:adec="http://schemas.microsoft.com/office/drawing/2017/decorative" val="1"/>
+                  <adec:decorative xmlns:adec="http://schemas.microsoft.com/office/drawing/2017/decorative" xmlns="" val="1"/>
                 </a:ext>
               </a:extLst>
             </p:cNvPr>
@@ -29998,7 +30012,7 @@
             <p:nvPr>
               <p:extLst>
                 <p:ext uri="{386F3935-93C4-4BCD-93E2-E3B085C9AB24}">
-                  <p16:designElem xmlns="" xmlns:p16="http://schemas.microsoft.com/office/powerpoint/2015/main" val="1"/>
+                  <p16:designElem xmlns:p16="http://schemas.microsoft.com/office/powerpoint/2015/main" val="1"/>
                 </p:ext>
               </p:extLst>
             </p:nvPr>
@@ -30039,10 +30053,10 @@
             <p:cNvPr id="13" name="Rectangle 23">
               <a:extLst>
                 <a:ext uri="{FF2B5EF4-FFF2-40B4-BE49-F238E27FC236}">
-                  <a16:creationId xmlns="" xmlns:a16="http://schemas.microsoft.com/office/drawing/2014/main" id="{248745E7-0AF0-48F9-8E58-2673FC5F4FDE}"/>
+                  <a16:creationId xmlns:a16="http://schemas.microsoft.com/office/drawing/2014/main" xmlns="" id="{248745E7-0AF0-48F9-8E58-2673FC5F4FDE}"/>
                 </a:ext>
                 <a:ext uri="{C183D7F6-B498-43B3-948B-1728B52AA6E4}">
-                  <adec:decorative xmlns="" xmlns:adec="http://schemas.microsoft.com/office/drawing/2017/decorative" val="1"/>
+                  <adec:decorative xmlns:adec="http://schemas.microsoft.com/office/drawing/2017/decorative" xmlns="" val="1"/>
                 </a:ext>
               </a:extLst>
             </p:cNvPr>
@@ -30050,7 +30064,7 @@
             <p:nvPr>
               <p:extLst>
                 <p:ext uri="{386F3935-93C4-4BCD-93E2-E3B085C9AB24}">
-                  <p16:designElem xmlns="" xmlns:p16="http://schemas.microsoft.com/office/powerpoint/2015/main" val="1"/>
+                  <p16:designElem xmlns:p16="http://schemas.microsoft.com/office/powerpoint/2015/main" val="1"/>
                 </p:ext>
               </p:extLst>
             </p:nvPr>
@@ -30117,10 +30131,10 @@
             <p:cNvPr id="14" name="Rectangle 25">
               <a:extLst>
                 <a:ext uri="{FF2B5EF4-FFF2-40B4-BE49-F238E27FC236}">
-                  <a16:creationId xmlns="" xmlns:a16="http://schemas.microsoft.com/office/drawing/2014/main" id="{9715E81A-D2E0-4431-9370-4E4A9ECA7F9C}"/>
+                  <a16:creationId xmlns:a16="http://schemas.microsoft.com/office/drawing/2014/main" xmlns="" id="{9715E81A-D2E0-4431-9370-4E4A9ECA7F9C}"/>
                 </a:ext>
                 <a:ext uri="{C183D7F6-B498-43B3-948B-1728B52AA6E4}">
-                  <adec:decorative xmlns="" xmlns:adec="http://schemas.microsoft.com/office/drawing/2017/decorative" val="1"/>
+                  <adec:decorative xmlns:adec="http://schemas.microsoft.com/office/drawing/2017/decorative" xmlns="" val="1"/>
                 </a:ext>
               </a:extLst>
             </p:cNvPr>
@@ -30128,7 +30142,7 @@
             <p:nvPr>
               <p:extLst>
                 <p:ext uri="{386F3935-93C4-4BCD-93E2-E3B085C9AB24}">
-                  <p16:designElem xmlns="" xmlns:p16="http://schemas.microsoft.com/office/powerpoint/2015/main" val="1"/>
+                  <p16:designElem xmlns:p16="http://schemas.microsoft.com/office/powerpoint/2015/main" val="1"/>
                 </p:ext>
               </p:extLst>
             </p:nvPr>
@@ -30195,10 +30209,10 @@
             <p:cNvPr id="15" name="Isosceles Triangle 14">
               <a:extLst>
                 <a:ext uri="{FF2B5EF4-FFF2-40B4-BE49-F238E27FC236}">
-                  <a16:creationId xmlns="" xmlns:a16="http://schemas.microsoft.com/office/drawing/2014/main" id="{CEDB37A9-282D-4DDB-85AD-B2090A82531F}"/>
+                  <a16:creationId xmlns:a16="http://schemas.microsoft.com/office/drawing/2014/main" xmlns="" id="{CEDB37A9-282D-4DDB-85AD-B2090A82531F}"/>
                 </a:ext>
                 <a:ext uri="{C183D7F6-B498-43B3-948B-1728B52AA6E4}">
-                  <adec:decorative xmlns="" xmlns:adec="http://schemas.microsoft.com/office/drawing/2017/decorative" val="1"/>
+                  <adec:decorative xmlns:adec="http://schemas.microsoft.com/office/drawing/2017/decorative" xmlns="" val="1"/>
                 </a:ext>
               </a:extLst>
             </p:cNvPr>
@@ -30206,7 +30220,7 @@
             <p:nvPr>
               <p:extLst>
                 <p:ext uri="{386F3935-93C4-4BCD-93E2-E3B085C9AB24}">
-                  <p16:designElem xmlns="" xmlns:p16="http://schemas.microsoft.com/office/powerpoint/2015/main" val="1"/>
+                  <p16:designElem xmlns:p16="http://schemas.microsoft.com/office/powerpoint/2015/main" val="1"/>
                 </p:ext>
               </p:extLst>
             </p:nvPr>
@@ -30251,10 +30265,10 @@
             <p:cNvPr id="16" name="Rectangle 27">
               <a:extLst>
                 <a:ext uri="{FF2B5EF4-FFF2-40B4-BE49-F238E27FC236}">
-                  <a16:creationId xmlns="" xmlns:a16="http://schemas.microsoft.com/office/drawing/2014/main" id="{533D5933-7F91-4F5E-BC31-42FD0E2D8DEF}"/>
+                  <a16:creationId xmlns:a16="http://schemas.microsoft.com/office/drawing/2014/main" xmlns="" id="{533D5933-7F91-4F5E-BC31-42FD0E2D8DEF}"/>
                 </a:ext>
                 <a:ext uri="{C183D7F6-B498-43B3-948B-1728B52AA6E4}">
-                  <adec:decorative xmlns="" xmlns:adec="http://schemas.microsoft.com/office/drawing/2017/decorative" val="1"/>
+                  <adec:decorative xmlns:adec="http://schemas.microsoft.com/office/drawing/2017/decorative" xmlns="" val="1"/>
                 </a:ext>
               </a:extLst>
             </p:cNvPr>
@@ -30262,7 +30276,7 @@
             <p:nvPr>
               <p:extLst>
                 <p:ext uri="{386F3935-93C4-4BCD-93E2-E3B085C9AB24}">
-                  <p16:designElem xmlns="" xmlns:p16="http://schemas.microsoft.com/office/powerpoint/2015/main" val="1"/>
+                  <p16:designElem xmlns:p16="http://schemas.microsoft.com/office/powerpoint/2015/main" val="1"/>
                 </p:ext>
               </p:extLst>
             </p:nvPr>
@@ -30330,10 +30344,10 @@
             <p:cNvPr id="17" name="Rectangle 28">
               <a:extLst>
                 <a:ext uri="{FF2B5EF4-FFF2-40B4-BE49-F238E27FC236}">
-                  <a16:creationId xmlns="" xmlns:a16="http://schemas.microsoft.com/office/drawing/2014/main" id="{37ADDF68-C9BE-46EA-83DE-2C07DD83960F}"/>
+                  <a16:creationId xmlns:a16="http://schemas.microsoft.com/office/drawing/2014/main" xmlns="" id="{37ADDF68-C9BE-46EA-83DE-2C07DD83960F}"/>
                 </a:ext>
                 <a:ext uri="{C183D7F6-B498-43B3-948B-1728B52AA6E4}">
-                  <adec:decorative xmlns="" xmlns:adec="http://schemas.microsoft.com/office/drawing/2017/decorative" val="1"/>
+                  <adec:decorative xmlns:adec="http://schemas.microsoft.com/office/drawing/2017/decorative" xmlns="" val="1"/>
                 </a:ext>
               </a:extLst>
             </p:cNvPr>
@@ -30341,7 +30355,7 @@
             <p:nvPr>
               <p:extLst>
                 <p:ext uri="{386F3935-93C4-4BCD-93E2-E3B085C9AB24}">
-                  <p16:designElem xmlns="" xmlns:p16="http://schemas.microsoft.com/office/powerpoint/2015/main" val="1"/>
+                  <p16:designElem xmlns:p16="http://schemas.microsoft.com/office/powerpoint/2015/main" val="1"/>
                 </p:ext>
               </p:extLst>
             </p:nvPr>
@@ -30410,10 +30424,10 @@
             <p:cNvPr id="18" name="Rectangle 29">
               <a:extLst>
                 <a:ext uri="{FF2B5EF4-FFF2-40B4-BE49-F238E27FC236}">
-                  <a16:creationId xmlns="" xmlns:a16="http://schemas.microsoft.com/office/drawing/2014/main" id="{10D67396-BABD-48A8-A892-CCB5095FA427}"/>
+                  <a16:creationId xmlns:a16="http://schemas.microsoft.com/office/drawing/2014/main" xmlns="" id="{10D67396-BABD-48A8-A892-CCB5095FA427}"/>
                 </a:ext>
                 <a:ext uri="{C183D7F6-B498-43B3-948B-1728B52AA6E4}">
-                  <adec:decorative xmlns="" xmlns:adec="http://schemas.microsoft.com/office/drawing/2017/decorative" val="1"/>
+                  <adec:decorative xmlns:adec="http://schemas.microsoft.com/office/drawing/2017/decorative" xmlns="" val="1"/>
                 </a:ext>
               </a:extLst>
             </p:cNvPr>
@@ -30421,7 +30435,7 @@
             <p:nvPr>
               <p:extLst>
                 <p:ext uri="{386F3935-93C4-4BCD-93E2-E3B085C9AB24}">
-                  <p16:designElem xmlns="" xmlns:p16="http://schemas.microsoft.com/office/powerpoint/2015/main" val="1"/>
+                  <p16:designElem xmlns:p16="http://schemas.microsoft.com/office/powerpoint/2015/main" val="1"/>
                 </p:ext>
               </p:extLst>
             </p:nvPr>
@@ -30488,10 +30502,10 @@
             <p:cNvPr id="19" name="Isosceles Triangle 18">
               <a:extLst>
                 <a:ext uri="{FF2B5EF4-FFF2-40B4-BE49-F238E27FC236}">
-                  <a16:creationId xmlns="" xmlns:a16="http://schemas.microsoft.com/office/drawing/2014/main" id="{626DA82A-72C2-4DF6-9CF0-0D1F6B96B529}"/>
+                  <a16:creationId xmlns:a16="http://schemas.microsoft.com/office/drawing/2014/main" xmlns="" id="{626DA82A-72C2-4DF6-9CF0-0D1F6B96B529}"/>
                 </a:ext>
                 <a:ext uri="{C183D7F6-B498-43B3-948B-1728B52AA6E4}">
-                  <adec:decorative xmlns="" xmlns:adec="http://schemas.microsoft.com/office/drawing/2017/decorative" val="1"/>
+                  <adec:decorative xmlns:adec="http://schemas.microsoft.com/office/drawing/2017/decorative" xmlns="" val="1"/>
                 </a:ext>
               </a:extLst>
             </p:cNvPr>
@@ -30499,7 +30513,7 @@
             <p:nvPr>
               <p:extLst>
                 <p:ext uri="{386F3935-93C4-4BCD-93E2-E3B085C9AB24}">
-                  <p16:designElem xmlns="" xmlns:p16="http://schemas.microsoft.com/office/powerpoint/2015/main" val="1"/>
+                  <p16:designElem xmlns:p16="http://schemas.microsoft.com/office/powerpoint/2015/main" val="1"/>
                 </p:ext>
               </p:extLst>
             </p:nvPr>
@@ -30544,10 +30558,10 @@
             <p:cNvPr id="20" name="Isosceles Triangle 19">
               <a:extLst>
                 <a:ext uri="{FF2B5EF4-FFF2-40B4-BE49-F238E27FC236}">
-                  <a16:creationId xmlns="" xmlns:a16="http://schemas.microsoft.com/office/drawing/2014/main" id="{8EE6DC63-4380-4BE0-A68A-8F01162BD192}"/>
+                  <a16:creationId xmlns:a16="http://schemas.microsoft.com/office/drawing/2014/main" xmlns="" id="{8EE6DC63-4380-4BE0-A68A-8F01162BD192}"/>
                 </a:ext>
                 <a:ext uri="{C183D7F6-B498-43B3-948B-1728B52AA6E4}">
-                  <adec:decorative xmlns="" xmlns:adec="http://schemas.microsoft.com/office/drawing/2017/decorative" val="1"/>
+                  <adec:decorative xmlns:adec="http://schemas.microsoft.com/office/drawing/2017/decorative" xmlns="" val="1"/>
                 </a:ext>
               </a:extLst>
             </p:cNvPr>
@@ -30555,7 +30569,7 @@
             <p:nvPr>
               <p:extLst>
                 <p:ext uri="{386F3935-93C4-4BCD-93E2-E3B085C9AB24}">
-                  <p16:designElem xmlns="" xmlns:p16="http://schemas.microsoft.com/office/powerpoint/2015/main" val="1"/>
+                  <p16:designElem xmlns:p16="http://schemas.microsoft.com/office/powerpoint/2015/main" val="1"/>
                 </p:ext>
               </p:extLst>
             </p:nvPr>
@@ -30601,10 +30615,10 @@
           <p:cNvPr id="22" name="Straight Connector 21">
             <a:extLst>
               <a:ext uri="{FF2B5EF4-FFF2-40B4-BE49-F238E27FC236}">
-                <a16:creationId xmlns="" xmlns:a16="http://schemas.microsoft.com/office/drawing/2014/main" id="{0B5F7E3B-C5F1-40E0-A491-558BAFBC1127}"/>
+                <a16:creationId xmlns:a16="http://schemas.microsoft.com/office/drawing/2014/main" xmlns="" id="{0B5F7E3B-C5F1-40E0-A491-558BAFBC1127}"/>
               </a:ext>
               <a:ext uri="{C183D7F6-B498-43B3-948B-1728B52AA6E4}">
-                <adec:decorative xmlns="" xmlns:adec="http://schemas.microsoft.com/office/drawing/2017/decorative" val="1"/>
+                <adec:decorative xmlns:adec="http://schemas.microsoft.com/office/drawing/2017/decorative" xmlns="" val="1"/>
               </a:ext>
             </a:extLst>
           </p:cNvPr>
@@ -30614,7 +30628,7 @@
           <p:nvPr>
             <p:extLst>
               <p:ext uri="{386F3935-93C4-4BCD-93E2-E3B085C9AB24}">
-                <p16:designElem xmlns="" xmlns:p16="http://schemas.microsoft.com/office/powerpoint/2015/main" val="1"/>
+                <p16:designElem xmlns:p16="http://schemas.microsoft.com/office/powerpoint/2015/main" val="1"/>
               </p:ext>
             </p:extLst>
           </p:nvPr>
@@ -30648,7 +30662,7 @@
           <p:cNvPr id="4" name="Title 3">
             <a:extLst>
               <a:ext uri="{FF2B5EF4-FFF2-40B4-BE49-F238E27FC236}">
-                <a16:creationId xmlns="" xmlns:a16="http://schemas.microsoft.com/office/drawing/2014/main" id="{CEEACF41-5FFE-4293-A5F4-A044DF04B5A1}"/>
+                <a16:creationId xmlns:a16="http://schemas.microsoft.com/office/drawing/2014/main" xmlns="" id="{CEEACF41-5FFE-4293-A5F4-A044DF04B5A1}"/>
               </a:ext>
             </a:extLst>
           </p:cNvPr>
@@ -30740,7 +30754,7 @@
           <p:cNvPr id="5" name="Content Placeholder 4">
             <a:extLst>
               <a:ext uri="{FF2B5EF4-FFF2-40B4-BE49-F238E27FC236}">
-                <a16:creationId xmlns="" xmlns:a16="http://schemas.microsoft.com/office/drawing/2014/main" id="{7FAA452E-9B31-4BF0-8315-5606DCB63C51}"/>
+                <a16:creationId xmlns:a16="http://schemas.microsoft.com/office/drawing/2014/main" xmlns="" id="{7FAA452E-9B31-4BF0-8315-5606DCB63C51}"/>
               </a:ext>
             </a:extLst>
           </p:cNvPr>
@@ -30929,7 +30943,7 @@
           <p:cNvPr id="21" name="Footer Placeholder 4">
             <a:extLst>
               <a:ext uri="{FF2B5EF4-FFF2-40B4-BE49-F238E27FC236}">
-                <a16:creationId xmlns="" xmlns:a16="http://schemas.microsoft.com/office/drawing/2014/main" id="{E1823723-46D8-41F7-9355-9E73963D563E}"/>
+                <a16:creationId xmlns:a16="http://schemas.microsoft.com/office/drawing/2014/main" xmlns="" id="{E1823723-46D8-41F7-9355-9E73963D563E}"/>
               </a:ext>
             </a:extLst>
           </p:cNvPr>
@@ -30985,7 +30999,7 @@
           <p:cNvPr id="23" name="Date Placeholder 3">
             <a:extLst>
               <a:ext uri="{FF2B5EF4-FFF2-40B4-BE49-F238E27FC236}">
-                <a16:creationId xmlns="" xmlns:a16="http://schemas.microsoft.com/office/drawing/2014/main" id="{8AD18865-BE68-4E13-8566-F95A0A09D0B1}"/>
+                <a16:creationId xmlns:a16="http://schemas.microsoft.com/office/drawing/2014/main" xmlns="" id="{8AD18865-BE68-4E13-8566-F95A0A09D0B1}"/>
               </a:ext>
             </a:extLst>
           </p:cNvPr>
@@ -31028,7 +31042,7 @@
                   <a:spcPts val="600"/>
                 </a:spcAft>
               </a:pPr>
-              <a:t>December 23, 2019</a:t>
+              <a:t>December 24, 2019</a:t>
             </a:fld>
             <a:endParaRPr lang="en-US" kern="1200" dirty="0">
               <a:solidFill>
@@ -31047,7 +31061,7 @@
           <p:cNvPr id="24" name="Slide Number Placeholder 5">
             <a:extLst>
               <a:ext uri="{FF2B5EF4-FFF2-40B4-BE49-F238E27FC236}">
-                <a16:creationId xmlns="" xmlns:a16="http://schemas.microsoft.com/office/drawing/2014/main" id="{4354CC6A-C9D0-477C-A455-AA961A1D5448}"/>
+                <a16:creationId xmlns:a16="http://schemas.microsoft.com/office/drawing/2014/main" xmlns="" id="{4354CC6A-C9D0-477C-A455-AA961A1D5448}"/>
               </a:ext>
             </a:extLst>
           </p:cNvPr>
@@ -31143,10 +31157,10 @@
           <p:cNvPr id="11" name="Group 10">
             <a:extLst>
               <a:ext uri="{FF2B5EF4-FFF2-40B4-BE49-F238E27FC236}">
-                <a16:creationId xmlns="" xmlns:a16="http://schemas.microsoft.com/office/drawing/2014/main" id="{09EA7EA7-74F5-4EE2-8E3D-1A10308259D7}"/>
+                <a16:creationId xmlns:a16="http://schemas.microsoft.com/office/drawing/2014/main" xmlns="" id="{09EA7EA7-74F5-4EE2-8E3D-1A10308259D7}"/>
               </a:ext>
               <a:ext uri="{C183D7F6-B498-43B3-948B-1728B52AA6E4}">
-                <adec:decorative xmlns="" xmlns:adec="http://schemas.microsoft.com/office/drawing/2017/decorative" val="1"/>
+                <adec:decorative xmlns:adec="http://schemas.microsoft.com/office/drawing/2017/decorative" xmlns="" val="1"/>
               </a:ext>
             </a:extLst>
           </p:cNvPr>
@@ -31156,7 +31170,7 @@
           <p:nvPr>
             <p:extLst>
               <p:ext uri="{386F3935-93C4-4BCD-93E2-E3B085C9AB24}">
-                <p16:designElem xmlns="" xmlns:p16="http://schemas.microsoft.com/office/powerpoint/2015/main" val="1"/>
+                <p16:designElem xmlns:p16="http://schemas.microsoft.com/office/powerpoint/2015/main" val="1"/>
               </p:ext>
             </p:extLst>
           </p:nvPr>
@@ -31174,10 +31188,10 @@
             <p:cNvPr id="12" name="Straight Connector 11">
               <a:extLst>
                 <a:ext uri="{FF2B5EF4-FFF2-40B4-BE49-F238E27FC236}">
-                  <a16:creationId xmlns="" xmlns:a16="http://schemas.microsoft.com/office/drawing/2014/main" id="{A5CE79B5-7EE4-424D-AD14-5DEFB61B85C8}"/>
+                  <a16:creationId xmlns:a16="http://schemas.microsoft.com/office/drawing/2014/main" xmlns="" id="{A5CE79B5-7EE4-424D-AD14-5DEFB61B85C8}"/>
                 </a:ext>
                 <a:ext uri="{C183D7F6-B498-43B3-948B-1728B52AA6E4}">
-                  <adec:decorative xmlns="" xmlns:adec="http://schemas.microsoft.com/office/drawing/2017/decorative" val="1"/>
+                  <adec:decorative xmlns:adec="http://schemas.microsoft.com/office/drawing/2017/decorative" xmlns="" val="1"/>
                 </a:ext>
               </a:extLst>
             </p:cNvPr>
@@ -31185,7 +31199,7 @@
             <p:nvPr>
               <p:extLst>
                 <p:ext uri="{386F3935-93C4-4BCD-93E2-E3B085C9AB24}">
-                  <p16:designElem xmlns="" xmlns:p16="http://schemas.microsoft.com/office/powerpoint/2015/main" val="1"/>
+                  <p16:designElem xmlns:p16="http://schemas.microsoft.com/office/powerpoint/2015/main" val="1"/>
                 </p:ext>
               </p:extLst>
             </p:nvPr>
@@ -31226,10 +31240,10 @@
             <p:cNvPr id="13" name="Straight Connector 12">
               <a:extLst>
                 <a:ext uri="{FF2B5EF4-FFF2-40B4-BE49-F238E27FC236}">
-                  <a16:creationId xmlns="" xmlns:a16="http://schemas.microsoft.com/office/drawing/2014/main" id="{696C926F-F999-44BA-8D86-9EAB51D65010}"/>
+                  <a16:creationId xmlns:a16="http://schemas.microsoft.com/office/drawing/2014/main" xmlns="" id="{696C926F-F999-44BA-8D86-9EAB51D65010}"/>
                 </a:ext>
                 <a:ext uri="{C183D7F6-B498-43B3-948B-1728B52AA6E4}">
-                  <adec:decorative xmlns="" xmlns:adec="http://schemas.microsoft.com/office/drawing/2017/decorative" val="1"/>
+                  <adec:decorative xmlns:adec="http://schemas.microsoft.com/office/drawing/2017/decorative" xmlns="" val="1"/>
                 </a:ext>
               </a:extLst>
             </p:cNvPr>
@@ -31237,7 +31251,7 @@
             <p:nvPr>
               <p:extLst>
                 <p:ext uri="{386F3935-93C4-4BCD-93E2-E3B085C9AB24}">
-                  <p16:designElem xmlns="" xmlns:p16="http://schemas.microsoft.com/office/powerpoint/2015/main" val="1"/>
+                  <p16:designElem xmlns:p16="http://schemas.microsoft.com/office/powerpoint/2015/main" val="1"/>
                 </p:ext>
               </p:extLst>
             </p:nvPr>
@@ -31278,10 +31292,10 @@
             <p:cNvPr id="14" name="Rectangle 23">
               <a:extLst>
                 <a:ext uri="{FF2B5EF4-FFF2-40B4-BE49-F238E27FC236}">
-                  <a16:creationId xmlns="" xmlns:a16="http://schemas.microsoft.com/office/drawing/2014/main" id="{248745E7-0AF0-48F9-8E58-2673FC5F4FDE}"/>
+                  <a16:creationId xmlns:a16="http://schemas.microsoft.com/office/drawing/2014/main" xmlns="" id="{248745E7-0AF0-48F9-8E58-2673FC5F4FDE}"/>
                 </a:ext>
                 <a:ext uri="{C183D7F6-B498-43B3-948B-1728B52AA6E4}">
-                  <adec:decorative xmlns="" xmlns:adec="http://schemas.microsoft.com/office/drawing/2017/decorative" val="1"/>
+                  <adec:decorative xmlns:adec="http://schemas.microsoft.com/office/drawing/2017/decorative" xmlns="" val="1"/>
                 </a:ext>
               </a:extLst>
             </p:cNvPr>
@@ -31289,7 +31303,7 @@
             <p:nvPr>
               <p:extLst>
                 <p:ext uri="{386F3935-93C4-4BCD-93E2-E3B085C9AB24}">
-                  <p16:designElem xmlns="" xmlns:p16="http://schemas.microsoft.com/office/powerpoint/2015/main" val="1"/>
+                  <p16:designElem xmlns:p16="http://schemas.microsoft.com/office/powerpoint/2015/main" val="1"/>
                 </p:ext>
               </p:extLst>
             </p:nvPr>
@@ -31356,10 +31370,10 @@
             <p:cNvPr id="15" name="Rectangle 25">
               <a:extLst>
                 <a:ext uri="{FF2B5EF4-FFF2-40B4-BE49-F238E27FC236}">
-                  <a16:creationId xmlns="" xmlns:a16="http://schemas.microsoft.com/office/drawing/2014/main" id="{9715E81A-D2E0-4431-9370-4E4A9ECA7F9C}"/>
+                  <a16:creationId xmlns:a16="http://schemas.microsoft.com/office/drawing/2014/main" xmlns="" id="{9715E81A-D2E0-4431-9370-4E4A9ECA7F9C}"/>
                 </a:ext>
                 <a:ext uri="{C183D7F6-B498-43B3-948B-1728B52AA6E4}">
-                  <adec:decorative xmlns="" xmlns:adec="http://schemas.microsoft.com/office/drawing/2017/decorative" val="1"/>
+                  <adec:decorative xmlns:adec="http://schemas.microsoft.com/office/drawing/2017/decorative" xmlns="" val="1"/>
                 </a:ext>
               </a:extLst>
             </p:cNvPr>
@@ -31367,7 +31381,7 @@
             <p:nvPr>
               <p:extLst>
                 <p:ext uri="{386F3935-93C4-4BCD-93E2-E3B085C9AB24}">
-                  <p16:designElem xmlns="" xmlns:p16="http://schemas.microsoft.com/office/powerpoint/2015/main" val="1"/>
+                  <p16:designElem xmlns:p16="http://schemas.microsoft.com/office/powerpoint/2015/main" val="1"/>
                 </p:ext>
               </p:extLst>
             </p:nvPr>
@@ -31434,10 +31448,10 @@
             <p:cNvPr id="16" name="Isosceles Triangle 15">
               <a:extLst>
                 <a:ext uri="{FF2B5EF4-FFF2-40B4-BE49-F238E27FC236}">
-                  <a16:creationId xmlns="" xmlns:a16="http://schemas.microsoft.com/office/drawing/2014/main" id="{CEDB37A9-282D-4DDB-85AD-B2090A82531F}"/>
+                  <a16:creationId xmlns:a16="http://schemas.microsoft.com/office/drawing/2014/main" xmlns="" id="{CEDB37A9-282D-4DDB-85AD-B2090A82531F}"/>
                 </a:ext>
                 <a:ext uri="{C183D7F6-B498-43B3-948B-1728B52AA6E4}">
-                  <adec:decorative xmlns="" xmlns:adec="http://schemas.microsoft.com/office/drawing/2017/decorative" val="1"/>
+                  <adec:decorative xmlns:adec="http://schemas.microsoft.com/office/drawing/2017/decorative" xmlns="" val="1"/>
                 </a:ext>
               </a:extLst>
             </p:cNvPr>
@@ -31445,7 +31459,7 @@
             <p:nvPr>
               <p:extLst>
                 <p:ext uri="{386F3935-93C4-4BCD-93E2-E3B085C9AB24}">
-                  <p16:designElem xmlns="" xmlns:p16="http://schemas.microsoft.com/office/powerpoint/2015/main" val="1"/>
+                  <p16:designElem xmlns:p16="http://schemas.microsoft.com/office/powerpoint/2015/main" val="1"/>
                 </p:ext>
               </p:extLst>
             </p:nvPr>
@@ -31490,10 +31504,10 @@
             <p:cNvPr id="17" name="Rectangle 27">
               <a:extLst>
                 <a:ext uri="{FF2B5EF4-FFF2-40B4-BE49-F238E27FC236}">
-                  <a16:creationId xmlns="" xmlns:a16="http://schemas.microsoft.com/office/drawing/2014/main" id="{533D5933-7F91-4F5E-BC31-42FD0E2D8DEF}"/>
+                  <a16:creationId xmlns:a16="http://schemas.microsoft.com/office/drawing/2014/main" xmlns="" id="{533D5933-7F91-4F5E-BC31-42FD0E2D8DEF}"/>
                 </a:ext>
                 <a:ext uri="{C183D7F6-B498-43B3-948B-1728B52AA6E4}">
-                  <adec:decorative xmlns="" xmlns:adec="http://schemas.microsoft.com/office/drawing/2017/decorative" val="1"/>
+                  <adec:decorative xmlns:adec="http://schemas.microsoft.com/office/drawing/2017/decorative" xmlns="" val="1"/>
                 </a:ext>
               </a:extLst>
             </p:cNvPr>
@@ -31501,7 +31515,7 @@
             <p:nvPr>
               <p:extLst>
                 <p:ext uri="{386F3935-93C4-4BCD-93E2-E3B085C9AB24}">
-                  <p16:designElem xmlns="" xmlns:p16="http://schemas.microsoft.com/office/powerpoint/2015/main" val="1"/>
+                  <p16:designElem xmlns:p16="http://schemas.microsoft.com/office/powerpoint/2015/main" val="1"/>
                 </p:ext>
               </p:extLst>
             </p:nvPr>
@@ -31569,10 +31583,10 @@
             <p:cNvPr id="18" name="Rectangle 28">
               <a:extLst>
                 <a:ext uri="{FF2B5EF4-FFF2-40B4-BE49-F238E27FC236}">
-                  <a16:creationId xmlns="" xmlns:a16="http://schemas.microsoft.com/office/drawing/2014/main" id="{37ADDF68-C9BE-46EA-83DE-2C07DD83960F}"/>
+                  <a16:creationId xmlns:a16="http://schemas.microsoft.com/office/drawing/2014/main" xmlns="" id="{37ADDF68-C9BE-46EA-83DE-2C07DD83960F}"/>
                 </a:ext>
                 <a:ext uri="{C183D7F6-B498-43B3-948B-1728B52AA6E4}">
-                  <adec:decorative xmlns="" xmlns:adec="http://schemas.microsoft.com/office/drawing/2017/decorative" val="1"/>
+                  <adec:decorative xmlns:adec="http://schemas.microsoft.com/office/drawing/2017/decorative" xmlns="" val="1"/>
                 </a:ext>
               </a:extLst>
             </p:cNvPr>
@@ -31580,7 +31594,7 @@
             <p:nvPr>
               <p:extLst>
                 <p:ext uri="{386F3935-93C4-4BCD-93E2-E3B085C9AB24}">
-                  <p16:designElem xmlns="" xmlns:p16="http://schemas.microsoft.com/office/powerpoint/2015/main" val="1"/>
+                  <p16:designElem xmlns:p16="http://schemas.microsoft.com/office/powerpoint/2015/main" val="1"/>
                 </p:ext>
               </p:extLst>
             </p:nvPr>
@@ -31649,10 +31663,10 @@
             <p:cNvPr id="19" name="Rectangle 29">
               <a:extLst>
                 <a:ext uri="{FF2B5EF4-FFF2-40B4-BE49-F238E27FC236}">
-                  <a16:creationId xmlns="" xmlns:a16="http://schemas.microsoft.com/office/drawing/2014/main" id="{10D67396-BABD-48A8-A892-CCB5095FA427}"/>
+                  <a16:creationId xmlns:a16="http://schemas.microsoft.com/office/drawing/2014/main" xmlns="" id="{10D67396-BABD-48A8-A892-CCB5095FA427}"/>
                 </a:ext>
                 <a:ext uri="{C183D7F6-B498-43B3-948B-1728B52AA6E4}">
-                  <adec:decorative xmlns="" xmlns:adec="http://schemas.microsoft.com/office/drawing/2017/decorative" val="1"/>
+                  <adec:decorative xmlns:adec="http://schemas.microsoft.com/office/drawing/2017/decorative" xmlns="" val="1"/>
                 </a:ext>
               </a:extLst>
             </p:cNvPr>
@@ -31660,7 +31674,7 @@
             <p:nvPr>
               <p:extLst>
                 <p:ext uri="{386F3935-93C4-4BCD-93E2-E3B085C9AB24}">
-                  <p16:designElem xmlns="" xmlns:p16="http://schemas.microsoft.com/office/powerpoint/2015/main" val="1"/>
+                  <p16:designElem xmlns:p16="http://schemas.microsoft.com/office/powerpoint/2015/main" val="1"/>
                 </p:ext>
               </p:extLst>
             </p:nvPr>
@@ -31727,10 +31741,10 @@
             <p:cNvPr id="20" name="Isosceles Triangle 19">
               <a:extLst>
                 <a:ext uri="{FF2B5EF4-FFF2-40B4-BE49-F238E27FC236}">
-                  <a16:creationId xmlns="" xmlns:a16="http://schemas.microsoft.com/office/drawing/2014/main" id="{626DA82A-72C2-4DF6-9CF0-0D1F6B96B529}"/>
+                  <a16:creationId xmlns:a16="http://schemas.microsoft.com/office/drawing/2014/main" xmlns="" id="{626DA82A-72C2-4DF6-9CF0-0D1F6B96B529}"/>
                 </a:ext>
                 <a:ext uri="{C183D7F6-B498-43B3-948B-1728B52AA6E4}">
-                  <adec:decorative xmlns="" xmlns:adec="http://schemas.microsoft.com/office/drawing/2017/decorative" val="1"/>
+                  <adec:decorative xmlns:adec="http://schemas.microsoft.com/office/drawing/2017/decorative" xmlns="" val="1"/>
                 </a:ext>
               </a:extLst>
             </p:cNvPr>
@@ -31738,7 +31752,7 @@
             <p:nvPr>
               <p:extLst>
                 <p:ext uri="{386F3935-93C4-4BCD-93E2-E3B085C9AB24}">
-                  <p16:designElem xmlns="" xmlns:p16="http://schemas.microsoft.com/office/powerpoint/2015/main" val="1"/>
+                  <p16:designElem xmlns:p16="http://schemas.microsoft.com/office/powerpoint/2015/main" val="1"/>
                 </p:ext>
               </p:extLst>
             </p:nvPr>
@@ -31783,10 +31797,10 @@
             <p:cNvPr id="21" name="Isosceles Triangle 20">
               <a:extLst>
                 <a:ext uri="{FF2B5EF4-FFF2-40B4-BE49-F238E27FC236}">
-                  <a16:creationId xmlns="" xmlns:a16="http://schemas.microsoft.com/office/drawing/2014/main" id="{8EE6DC63-4380-4BE0-A68A-8F01162BD192}"/>
+                  <a16:creationId xmlns:a16="http://schemas.microsoft.com/office/drawing/2014/main" xmlns="" id="{8EE6DC63-4380-4BE0-A68A-8F01162BD192}"/>
                 </a:ext>
                 <a:ext uri="{C183D7F6-B498-43B3-948B-1728B52AA6E4}">
-                  <adec:decorative xmlns="" xmlns:adec="http://schemas.microsoft.com/office/drawing/2017/decorative" val="1"/>
+                  <adec:decorative xmlns:adec="http://schemas.microsoft.com/office/drawing/2017/decorative" xmlns="" val="1"/>
                 </a:ext>
               </a:extLst>
             </p:cNvPr>
@@ -31794,7 +31808,7 @@
             <p:nvPr>
               <p:extLst>
                 <p:ext uri="{386F3935-93C4-4BCD-93E2-E3B085C9AB24}">
-                  <p16:designElem xmlns="" xmlns:p16="http://schemas.microsoft.com/office/powerpoint/2015/main" val="1"/>
+                  <p16:designElem xmlns:p16="http://schemas.microsoft.com/office/powerpoint/2015/main" val="1"/>
                 </p:ext>
               </p:extLst>
             </p:nvPr>
@@ -31840,10 +31854,10 @@
           <p:cNvPr id="23" name="Straight Connector 22">
             <a:extLst>
               <a:ext uri="{FF2B5EF4-FFF2-40B4-BE49-F238E27FC236}">
-                <a16:creationId xmlns="" xmlns:a16="http://schemas.microsoft.com/office/drawing/2014/main" id="{0B5F7E3B-C5F1-40E0-A491-558BAFBC1127}"/>
+                <a16:creationId xmlns:a16="http://schemas.microsoft.com/office/drawing/2014/main" xmlns="" id="{0B5F7E3B-C5F1-40E0-A491-558BAFBC1127}"/>
               </a:ext>
               <a:ext uri="{C183D7F6-B498-43B3-948B-1728B52AA6E4}">
-                <adec:decorative xmlns="" xmlns:adec="http://schemas.microsoft.com/office/drawing/2017/decorative" val="1"/>
+                <adec:decorative xmlns:adec="http://schemas.microsoft.com/office/drawing/2017/decorative" xmlns="" val="1"/>
               </a:ext>
             </a:extLst>
           </p:cNvPr>
@@ -31853,7 +31867,7 @@
           <p:nvPr>
             <p:extLst>
               <p:ext uri="{386F3935-93C4-4BCD-93E2-E3B085C9AB24}">
-                <p16:designElem xmlns="" xmlns:p16="http://schemas.microsoft.com/office/powerpoint/2015/main" val="1"/>
+                <p16:designElem xmlns:p16="http://schemas.microsoft.com/office/powerpoint/2015/main" val="1"/>
               </p:ext>
             </p:extLst>
           </p:nvPr>
@@ -31887,7 +31901,7 @@
           <p:cNvPr id="3" name="Title 2">
             <a:extLst>
               <a:ext uri="{FF2B5EF4-FFF2-40B4-BE49-F238E27FC236}">
-                <a16:creationId xmlns="" xmlns:a16="http://schemas.microsoft.com/office/drawing/2014/main" id="{AF3C2EB7-87F4-4037-8FED-8B7DBFAAE628}"/>
+                <a16:creationId xmlns:a16="http://schemas.microsoft.com/office/drawing/2014/main" xmlns="" id="{AF3C2EB7-87F4-4037-8FED-8B7DBFAAE628}"/>
               </a:ext>
             </a:extLst>
           </p:cNvPr>
@@ -31947,7 +31961,7 @@
           <p:cNvPr id="2" name="Content Placeholder 1">
             <a:extLst>
               <a:ext uri="{FF2B5EF4-FFF2-40B4-BE49-F238E27FC236}">
-                <a16:creationId xmlns="" xmlns:a16="http://schemas.microsoft.com/office/drawing/2014/main" id="{6D70C33C-4DAE-4E19-A4E3-26A822586C47}"/>
+                <a16:creationId xmlns:a16="http://schemas.microsoft.com/office/drawing/2014/main" xmlns="" id="{6D70C33C-4DAE-4E19-A4E3-26A822586C47}"/>
               </a:ext>
             </a:extLst>
           </p:cNvPr>
@@ -32264,7 +32278,7 @@
           <p:cNvPr id="22" name="Footer Placeholder 4">
             <a:extLst>
               <a:ext uri="{FF2B5EF4-FFF2-40B4-BE49-F238E27FC236}">
-                <a16:creationId xmlns="" xmlns:a16="http://schemas.microsoft.com/office/drawing/2014/main" id="{B0A64349-30B6-4FE0-8E14-3894C450034E}"/>
+                <a16:creationId xmlns:a16="http://schemas.microsoft.com/office/drawing/2014/main" xmlns="" id="{B0A64349-30B6-4FE0-8E14-3894C450034E}"/>
               </a:ext>
             </a:extLst>
           </p:cNvPr>
@@ -32320,7 +32334,7 @@
           <p:cNvPr id="24" name="Date Placeholder 3">
             <a:extLst>
               <a:ext uri="{FF2B5EF4-FFF2-40B4-BE49-F238E27FC236}">
-                <a16:creationId xmlns="" xmlns:a16="http://schemas.microsoft.com/office/drawing/2014/main" id="{52B540CA-1C1A-44E8-92FF-E624257AE6B2}"/>
+                <a16:creationId xmlns:a16="http://schemas.microsoft.com/office/drawing/2014/main" xmlns="" id="{52B540CA-1C1A-44E8-92FF-E624257AE6B2}"/>
               </a:ext>
             </a:extLst>
           </p:cNvPr>
@@ -32363,7 +32377,7 @@
                   <a:spcPts val="600"/>
                 </a:spcAft>
               </a:pPr>
-              <a:t>December 23, 2019</a:t>
+              <a:t>December 24, 2019</a:t>
             </a:fld>
             <a:endParaRPr lang="en-US" kern="1200" dirty="0">
               <a:solidFill>
@@ -32382,7 +32396,7 @@
           <p:cNvPr id="25" name="Slide Number Placeholder 5">
             <a:extLst>
               <a:ext uri="{FF2B5EF4-FFF2-40B4-BE49-F238E27FC236}">
-                <a16:creationId xmlns="" xmlns:a16="http://schemas.microsoft.com/office/drawing/2014/main" id="{0388C5E4-30CC-474D-8786-61BC5B61B877}"/>
+                <a16:creationId xmlns:a16="http://schemas.microsoft.com/office/drawing/2014/main" xmlns="" id="{0388C5E4-30CC-474D-8786-61BC5B61B877}"/>
               </a:ext>
             </a:extLst>
           </p:cNvPr>
@@ -32478,10 +32492,10 @@
           <p:cNvPr id="11" name="Group 10">
             <a:extLst>
               <a:ext uri="{FF2B5EF4-FFF2-40B4-BE49-F238E27FC236}">
-                <a16:creationId xmlns="" xmlns:a16="http://schemas.microsoft.com/office/drawing/2014/main" id="{09EA7EA7-74F5-4EE2-8E3D-1A10308259D7}"/>
+                <a16:creationId xmlns:a16="http://schemas.microsoft.com/office/drawing/2014/main" xmlns="" id="{09EA7EA7-74F5-4EE2-8E3D-1A10308259D7}"/>
               </a:ext>
               <a:ext uri="{C183D7F6-B498-43B3-948B-1728B52AA6E4}">
-                <adec:decorative xmlns="" xmlns:adec="http://schemas.microsoft.com/office/drawing/2017/decorative" val="1"/>
+                <adec:decorative xmlns:adec="http://schemas.microsoft.com/office/drawing/2017/decorative" xmlns="" val="1"/>
               </a:ext>
             </a:extLst>
           </p:cNvPr>
@@ -32491,7 +32505,7 @@
           <p:nvPr>
             <p:extLst>
               <p:ext uri="{386F3935-93C4-4BCD-93E2-E3B085C9AB24}">
-                <p16:designElem xmlns="" xmlns:p16="http://schemas.microsoft.com/office/powerpoint/2015/main" val="1"/>
+                <p16:designElem xmlns:p16="http://schemas.microsoft.com/office/powerpoint/2015/main" val="1"/>
               </p:ext>
             </p:extLst>
           </p:nvPr>
@@ -32509,10 +32523,10 @@
             <p:cNvPr id="12" name="Straight Connector 11">
               <a:extLst>
                 <a:ext uri="{FF2B5EF4-FFF2-40B4-BE49-F238E27FC236}">
-                  <a16:creationId xmlns="" xmlns:a16="http://schemas.microsoft.com/office/drawing/2014/main" id="{A5CE79B5-7EE4-424D-AD14-5DEFB61B85C8}"/>
+                  <a16:creationId xmlns:a16="http://schemas.microsoft.com/office/drawing/2014/main" xmlns="" id="{A5CE79B5-7EE4-424D-AD14-5DEFB61B85C8}"/>
                 </a:ext>
                 <a:ext uri="{C183D7F6-B498-43B3-948B-1728B52AA6E4}">
-                  <adec:decorative xmlns="" xmlns:adec="http://schemas.microsoft.com/office/drawing/2017/decorative" val="1"/>
+                  <adec:decorative xmlns:adec="http://schemas.microsoft.com/office/drawing/2017/decorative" xmlns="" val="1"/>
                 </a:ext>
               </a:extLst>
             </p:cNvPr>
@@ -32520,7 +32534,7 @@
             <p:nvPr>
               <p:extLst>
                 <p:ext uri="{386F3935-93C4-4BCD-93E2-E3B085C9AB24}">
-                  <p16:designElem xmlns="" xmlns:p16="http://schemas.microsoft.com/office/powerpoint/2015/main" val="1"/>
+                  <p16:designElem xmlns:p16="http://schemas.microsoft.com/office/powerpoint/2015/main" val="1"/>
                 </p:ext>
               </p:extLst>
             </p:nvPr>
@@ -32561,10 +32575,10 @@
             <p:cNvPr id="31" name="Straight Connector 12">
               <a:extLst>
                 <a:ext uri="{FF2B5EF4-FFF2-40B4-BE49-F238E27FC236}">
-                  <a16:creationId xmlns="" xmlns:a16="http://schemas.microsoft.com/office/drawing/2014/main" id="{696C926F-F999-44BA-8D86-9EAB51D65010}"/>
+                  <a16:creationId xmlns:a16="http://schemas.microsoft.com/office/drawing/2014/main" xmlns="" id="{696C926F-F999-44BA-8D86-9EAB51D65010}"/>
                 </a:ext>
                 <a:ext uri="{C183D7F6-B498-43B3-948B-1728B52AA6E4}">
-                  <adec:decorative xmlns="" xmlns:adec="http://schemas.microsoft.com/office/drawing/2017/decorative" val="1"/>
+                  <adec:decorative xmlns:adec="http://schemas.microsoft.com/office/drawing/2017/decorative" xmlns="" val="1"/>
                 </a:ext>
               </a:extLst>
             </p:cNvPr>
@@ -32572,7 +32586,7 @@
             <p:nvPr>
               <p:extLst>
                 <p:ext uri="{386F3935-93C4-4BCD-93E2-E3B085C9AB24}">
-                  <p16:designElem xmlns="" xmlns:p16="http://schemas.microsoft.com/office/powerpoint/2015/main" val="1"/>
+                  <p16:designElem xmlns:p16="http://schemas.microsoft.com/office/powerpoint/2015/main" val="1"/>
                 </p:ext>
               </p:extLst>
             </p:nvPr>
@@ -32613,10 +32627,10 @@
             <p:cNvPr id="14" name="Rectangle 23">
               <a:extLst>
                 <a:ext uri="{FF2B5EF4-FFF2-40B4-BE49-F238E27FC236}">
-                  <a16:creationId xmlns="" xmlns:a16="http://schemas.microsoft.com/office/drawing/2014/main" id="{248745E7-0AF0-48F9-8E58-2673FC5F4FDE}"/>
+                  <a16:creationId xmlns:a16="http://schemas.microsoft.com/office/drawing/2014/main" xmlns="" id="{248745E7-0AF0-48F9-8E58-2673FC5F4FDE}"/>
                 </a:ext>
                 <a:ext uri="{C183D7F6-B498-43B3-948B-1728B52AA6E4}">
-                  <adec:decorative xmlns="" xmlns:adec="http://schemas.microsoft.com/office/drawing/2017/decorative" val="1"/>
+                  <adec:decorative xmlns:adec="http://schemas.microsoft.com/office/drawing/2017/decorative" xmlns="" val="1"/>
                 </a:ext>
               </a:extLst>
             </p:cNvPr>
@@ -32624,7 +32638,7 @@
             <p:nvPr>
               <p:extLst>
                 <p:ext uri="{386F3935-93C4-4BCD-93E2-E3B085C9AB24}">
-                  <p16:designElem xmlns="" xmlns:p16="http://schemas.microsoft.com/office/powerpoint/2015/main" val="1"/>
+                  <p16:designElem xmlns:p16="http://schemas.microsoft.com/office/powerpoint/2015/main" val="1"/>
                 </p:ext>
               </p:extLst>
             </p:nvPr>
@@ -32691,10 +32705,10 @@
             <p:cNvPr id="15" name="Rectangle 25">
               <a:extLst>
                 <a:ext uri="{FF2B5EF4-FFF2-40B4-BE49-F238E27FC236}">
-                  <a16:creationId xmlns="" xmlns:a16="http://schemas.microsoft.com/office/drawing/2014/main" id="{9715E81A-D2E0-4431-9370-4E4A9ECA7F9C}"/>
+                  <a16:creationId xmlns:a16="http://schemas.microsoft.com/office/drawing/2014/main" xmlns="" id="{9715E81A-D2E0-4431-9370-4E4A9ECA7F9C}"/>
                 </a:ext>
                 <a:ext uri="{C183D7F6-B498-43B3-948B-1728B52AA6E4}">
-                  <adec:decorative xmlns="" xmlns:adec="http://schemas.microsoft.com/office/drawing/2017/decorative" val="1"/>
+                  <adec:decorative xmlns:adec="http://schemas.microsoft.com/office/drawing/2017/decorative" xmlns="" val="1"/>
                 </a:ext>
               </a:extLst>
             </p:cNvPr>
@@ -32702,7 +32716,7 @@
             <p:nvPr>
               <p:extLst>
                 <p:ext uri="{386F3935-93C4-4BCD-93E2-E3B085C9AB24}">
-                  <p16:designElem xmlns="" xmlns:p16="http://schemas.microsoft.com/office/powerpoint/2015/main" val="1"/>
+                  <p16:designElem xmlns:p16="http://schemas.microsoft.com/office/powerpoint/2015/main" val="1"/>
                 </p:ext>
               </p:extLst>
             </p:nvPr>
@@ -32769,10 +32783,10 @@
             <p:cNvPr id="16" name="Isosceles Triangle 15">
               <a:extLst>
                 <a:ext uri="{FF2B5EF4-FFF2-40B4-BE49-F238E27FC236}">
-                  <a16:creationId xmlns="" xmlns:a16="http://schemas.microsoft.com/office/drawing/2014/main" id="{CEDB37A9-282D-4DDB-85AD-B2090A82531F}"/>
+                  <a16:creationId xmlns:a16="http://schemas.microsoft.com/office/drawing/2014/main" xmlns="" id="{CEDB37A9-282D-4DDB-85AD-B2090A82531F}"/>
                 </a:ext>
                 <a:ext uri="{C183D7F6-B498-43B3-948B-1728B52AA6E4}">
-                  <adec:decorative xmlns="" xmlns:adec="http://schemas.microsoft.com/office/drawing/2017/decorative" val="1"/>
+                  <adec:decorative xmlns:adec="http://schemas.microsoft.com/office/drawing/2017/decorative" xmlns="" val="1"/>
                 </a:ext>
               </a:extLst>
             </p:cNvPr>
@@ -32780,7 +32794,7 @@
             <p:nvPr>
               <p:extLst>
                 <p:ext uri="{386F3935-93C4-4BCD-93E2-E3B085C9AB24}">
-                  <p16:designElem xmlns="" xmlns:p16="http://schemas.microsoft.com/office/powerpoint/2015/main" val="1"/>
+                  <p16:designElem xmlns:p16="http://schemas.microsoft.com/office/powerpoint/2015/main" val="1"/>
                 </p:ext>
               </p:extLst>
             </p:nvPr>
@@ -32825,10 +32839,10 @@
             <p:cNvPr id="17" name="Rectangle 27">
               <a:extLst>
                 <a:ext uri="{FF2B5EF4-FFF2-40B4-BE49-F238E27FC236}">
-                  <a16:creationId xmlns="" xmlns:a16="http://schemas.microsoft.com/office/drawing/2014/main" id="{533D5933-7F91-4F5E-BC31-42FD0E2D8DEF}"/>
+                  <a16:creationId xmlns:a16="http://schemas.microsoft.com/office/drawing/2014/main" xmlns="" id="{533D5933-7F91-4F5E-BC31-42FD0E2D8DEF}"/>
                 </a:ext>
                 <a:ext uri="{C183D7F6-B498-43B3-948B-1728B52AA6E4}">
-                  <adec:decorative xmlns="" xmlns:adec="http://schemas.microsoft.com/office/drawing/2017/decorative" val="1"/>
+                  <adec:decorative xmlns:adec="http://schemas.microsoft.com/office/drawing/2017/decorative" xmlns="" val="1"/>
                 </a:ext>
               </a:extLst>
             </p:cNvPr>
@@ -32836,7 +32850,7 @@
             <p:nvPr>
               <p:extLst>
                 <p:ext uri="{386F3935-93C4-4BCD-93E2-E3B085C9AB24}">
-                  <p16:designElem xmlns="" xmlns:p16="http://schemas.microsoft.com/office/powerpoint/2015/main" val="1"/>
+                  <p16:designElem xmlns:p16="http://schemas.microsoft.com/office/powerpoint/2015/main" val="1"/>
                 </p:ext>
               </p:extLst>
             </p:nvPr>
@@ -32904,10 +32918,10 @@
             <p:cNvPr id="18" name="Rectangle 28">
               <a:extLst>
                 <a:ext uri="{FF2B5EF4-FFF2-40B4-BE49-F238E27FC236}">
-                  <a16:creationId xmlns="" xmlns:a16="http://schemas.microsoft.com/office/drawing/2014/main" id="{37ADDF68-C9BE-46EA-83DE-2C07DD83960F}"/>
+                  <a16:creationId xmlns:a16="http://schemas.microsoft.com/office/drawing/2014/main" xmlns="" id="{37ADDF68-C9BE-46EA-83DE-2C07DD83960F}"/>
                 </a:ext>
                 <a:ext uri="{C183D7F6-B498-43B3-948B-1728B52AA6E4}">
-                  <adec:decorative xmlns="" xmlns:adec="http://schemas.microsoft.com/office/drawing/2017/decorative" val="1"/>
+                  <adec:decorative xmlns:adec="http://schemas.microsoft.com/office/drawing/2017/decorative" xmlns="" val="1"/>
                 </a:ext>
               </a:extLst>
             </p:cNvPr>
@@ -32915,7 +32929,7 @@
             <p:nvPr>
               <p:extLst>
                 <p:ext uri="{386F3935-93C4-4BCD-93E2-E3B085C9AB24}">
-                  <p16:designElem xmlns="" xmlns:p16="http://schemas.microsoft.com/office/powerpoint/2015/main" val="1"/>
+                  <p16:designElem xmlns:p16="http://schemas.microsoft.com/office/powerpoint/2015/main" val="1"/>
                 </p:ext>
               </p:extLst>
             </p:nvPr>
@@ -32984,10 +32998,10 @@
             <p:cNvPr id="19" name="Rectangle 29">
               <a:extLst>
                 <a:ext uri="{FF2B5EF4-FFF2-40B4-BE49-F238E27FC236}">
-                  <a16:creationId xmlns="" xmlns:a16="http://schemas.microsoft.com/office/drawing/2014/main" id="{10D67396-BABD-48A8-A892-CCB5095FA427}"/>
+                  <a16:creationId xmlns:a16="http://schemas.microsoft.com/office/drawing/2014/main" xmlns="" id="{10D67396-BABD-48A8-A892-CCB5095FA427}"/>
                 </a:ext>
                 <a:ext uri="{C183D7F6-B498-43B3-948B-1728B52AA6E4}">
-                  <adec:decorative xmlns="" xmlns:adec="http://schemas.microsoft.com/office/drawing/2017/decorative" val="1"/>
+                  <adec:decorative xmlns:adec="http://schemas.microsoft.com/office/drawing/2017/decorative" xmlns="" val="1"/>
                 </a:ext>
               </a:extLst>
             </p:cNvPr>
@@ -32995,7 +33009,7 @@
             <p:nvPr>
               <p:extLst>
                 <p:ext uri="{386F3935-93C4-4BCD-93E2-E3B085C9AB24}">
-                  <p16:designElem xmlns="" xmlns:p16="http://schemas.microsoft.com/office/powerpoint/2015/main" val="1"/>
+                  <p16:designElem xmlns:p16="http://schemas.microsoft.com/office/powerpoint/2015/main" val="1"/>
                 </p:ext>
               </p:extLst>
             </p:nvPr>
@@ -33062,10 +33076,10 @@
             <p:cNvPr id="20" name="Isosceles Triangle 19">
               <a:extLst>
                 <a:ext uri="{FF2B5EF4-FFF2-40B4-BE49-F238E27FC236}">
-                  <a16:creationId xmlns="" xmlns:a16="http://schemas.microsoft.com/office/drawing/2014/main" id="{626DA82A-72C2-4DF6-9CF0-0D1F6B96B529}"/>
+                  <a16:creationId xmlns:a16="http://schemas.microsoft.com/office/drawing/2014/main" xmlns="" id="{626DA82A-72C2-4DF6-9CF0-0D1F6B96B529}"/>
                 </a:ext>
                 <a:ext uri="{C183D7F6-B498-43B3-948B-1728B52AA6E4}">
-                  <adec:decorative xmlns="" xmlns:adec="http://schemas.microsoft.com/office/drawing/2017/decorative" val="1"/>
+                  <adec:decorative xmlns:adec="http://schemas.microsoft.com/office/drawing/2017/decorative" xmlns="" val="1"/>
                 </a:ext>
               </a:extLst>
             </p:cNvPr>
@@ -33073,7 +33087,7 @@
             <p:nvPr>
               <p:extLst>
                 <p:ext uri="{386F3935-93C4-4BCD-93E2-E3B085C9AB24}">
-                  <p16:designElem xmlns="" xmlns:p16="http://schemas.microsoft.com/office/powerpoint/2015/main" val="1"/>
+                  <p16:designElem xmlns:p16="http://schemas.microsoft.com/office/powerpoint/2015/main" val="1"/>
                 </p:ext>
               </p:extLst>
             </p:nvPr>
@@ -33118,10 +33132,10 @@
             <p:cNvPr id="21" name="Isosceles Triangle 20">
               <a:extLst>
                 <a:ext uri="{FF2B5EF4-FFF2-40B4-BE49-F238E27FC236}">
-                  <a16:creationId xmlns="" xmlns:a16="http://schemas.microsoft.com/office/drawing/2014/main" id="{8EE6DC63-4380-4BE0-A68A-8F01162BD192}"/>
+                  <a16:creationId xmlns:a16="http://schemas.microsoft.com/office/drawing/2014/main" xmlns="" id="{8EE6DC63-4380-4BE0-A68A-8F01162BD192}"/>
                 </a:ext>
                 <a:ext uri="{C183D7F6-B498-43B3-948B-1728B52AA6E4}">
-                  <adec:decorative xmlns="" xmlns:adec="http://schemas.microsoft.com/office/drawing/2017/decorative" val="1"/>
+                  <adec:decorative xmlns:adec="http://schemas.microsoft.com/office/drawing/2017/decorative" xmlns="" val="1"/>
                 </a:ext>
               </a:extLst>
             </p:cNvPr>
@@ -33129,7 +33143,7 @@
             <p:nvPr>
               <p:extLst>
                 <p:ext uri="{386F3935-93C4-4BCD-93E2-E3B085C9AB24}">
-                  <p16:designElem xmlns="" xmlns:p16="http://schemas.microsoft.com/office/powerpoint/2015/main" val="1"/>
+                  <p16:designElem xmlns:p16="http://schemas.microsoft.com/office/powerpoint/2015/main" val="1"/>
                 </p:ext>
               </p:extLst>
             </p:nvPr>
@@ -33175,10 +33189,10 @@
           <p:cNvPr id="23" name="Straight Connector 22">
             <a:extLst>
               <a:ext uri="{FF2B5EF4-FFF2-40B4-BE49-F238E27FC236}">
-                <a16:creationId xmlns="" xmlns:a16="http://schemas.microsoft.com/office/drawing/2014/main" id="{0B5F7E3B-C5F1-40E0-A491-558BAFBC1127}"/>
+                <a16:creationId xmlns:a16="http://schemas.microsoft.com/office/drawing/2014/main" xmlns="" id="{0B5F7E3B-C5F1-40E0-A491-558BAFBC1127}"/>
               </a:ext>
               <a:ext uri="{C183D7F6-B498-43B3-948B-1728B52AA6E4}">
-                <adec:decorative xmlns="" xmlns:adec="http://schemas.microsoft.com/office/drawing/2017/decorative" val="1"/>
+                <adec:decorative xmlns:adec="http://schemas.microsoft.com/office/drawing/2017/decorative" xmlns="" val="1"/>
               </a:ext>
             </a:extLst>
           </p:cNvPr>
@@ -33188,7 +33202,7 @@
           <p:nvPr>
             <p:extLst>
               <p:ext uri="{386F3935-93C4-4BCD-93E2-E3B085C9AB24}">
-                <p16:designElem xmlns="" xmlns:p16="http://schemas.microsoft.com/office/powerpoint/2015/main" val="1"/>
+                <p16:designElem xmlns:p16="http://schemas.microsoft.com/office/powerpoint/2015/main" val="1"/>
               </p:ext>
             </p:extLst>
           </p:nvPr>
@@ -33222,7 +33236,7 @@
           <p:cNvPr id="3" name="Title 2">
             <a:extLst>
               <a:ext uri="{FF2B5EF4-FFF2-40B4-BE49-F238E27FC236}">
-                <a16:creationId xmlns="" xmlns:a16="http://schemas.microsoft.com/office/drawing/2014/main" id="{82E4463A-8920-4C9B-B435-0F9042AA63F2}"/>
+                <a16:creationId xmlns:a16="http://schemas.microsoft.com/office/drawing/2014/main" xmlns="" id="{82E4463A-8920-4C9B-B435-0F9042AA63F2}"/>
               </a:ext>
             </a:extLst>
           </p:cNvPr>
@@ -33274,7 +33288,7 @@
           <p:cNvPr id="32" name="Content Placeholder 1">
             <a:extLst>
               <a:ext uri="{FF2B5EF4-FFF2-40B4-BE49-F238E27FC236}">
-                <a16:creationId xmlns="" xmlns:a16="http://schemas.microsoft.com/office/drawing/2014/main" id="{06AE2477-0CF4-4B7E-94C3-BBD8BF808359}"/>
+                <a16:creationId xmlns:a16="http://schemas.microsoft.com/office/drawing/2014/main" xmlns="" id="{06AE2477-0CF4-4B7E-94C3-BBD8BF808359}"/>
               </a:ext>
             </a:extLst>
           </p:cNvPr>
@@ -33709,7 +33723,7 @@
           <p:cNvPr id="39" name="Footer Placeholder 4">
             <a:extLst>
               <a:ext uri="{FF2B5EF4-FFF2-40B4-BE49-F238E27FC236}">
-                <a16:creationId xmlns="" xmlns:a16="http://schemas.microsoft.com/office/drawing/2014/main" id="{938DD3C1-D5F2-4A73-9C9B-9AF076580A77}"/>
+                <a16:creationId xmlns:a16="http://schemas.microsoft.com/office/drawing/2014/main" xmlns="" id="{938DD3C1-D5F2-4A73-9C9B-9AF076580A77}"/>
               </a:ext>
             </a:extLst>
           </p:cNvPr>
@@ -33765,7 +33779,7 @@
           <p:cNvPr id="45" name="Date Placeholder 3">
             <a:extLst>
               <a:ext uri="{FF2B5EF4-FFF2-40B4-BE49-F238E27FC236}">
-                <a16:creationId xmlns="" xmlns:a16="http://schemas.microsoft.com/office/drawing/2014/main" id="{0FB37079-DE51-4BAA-A9AB-DBB6C8623B26}"/>
+                <a16:creationId xmlns:a16="http://schemas.microsoft.com/office/drawing/2014/main" xmlns="" id="{0FB37079-DE51-4BAA-A9AB-DBB6C8623B26}"/>
               </a:ext>
             </a:extLst>
           </p:cNvPr>
@@ -33808,7 +33822,7 @@
                   <a:spcPts val="600"/>
                 </a:spcAft>
               </a:pPr>
-              <a:t>December 23, 2019</a:t>
+              <a:t>December 24, 2019</a:t>
             </a:fld>
             <a:endParaRPr lang="en-US" kern="1200" dirty="0">
               <a:solidFill>
@@ -33827,7 +33841,7 @@
           <p:cNvPr id="46" name="Slide Number Placeholder 5">
             <a:extLst>
               <a:ext uri="{FF2B5EF4-FFF2-40B4-BE49-F238E27FC236}">
-                <a16:creationId xmlns="" xmlns:a16="http://schemas.microsoft.com/office/drawing/2014/main" id="{CB7AA075-519D-41E2-9027-38BFDADD987C}"/>
+                <a16:creationId xmlns:a16="http://schemas.microsoft.com/office/drawing/2014/main" xmlns="" id="{CB7AA075-519D-41E2-9027-38BFDADD987C}"/>
               </a:ext>
             </a:extLst>
           </p:cNvPr>
@@ -33923,10 +33937,10 @@
           <p:cNvPr id="9" name="Group 8">
             <a:extLst>
               <a:ext uri="{FF2B5EF4-FFF2-40B4-BE49-F238E27FC236}">
-                <a16:creationId xmlns="" xmlns:a16="http://schemas.microsoft.com/office/drawing/2014/main" id="{28460BD8-AE3F-4AC9-9D0B-717052AA5D3A}"/>
+                <a16:creationId xmlns:a16="http://schemas.microsoft.com/office/drawing/2014/main" xmlns="" id="{28460BD8-AE3F-4AC9-9D0B-717052AA5D3A}"/>
               </a:ext>
               <a:ext uri="{C183D7F6-B498-43B3-948B-1728B52AA6E4}">
-                <adec:decorative xmlns="" xmlns:adec="http://schemas.microsoft.com/office/drawing/2017/decorative" val="1"/>
+                <adec:decorative xmlns:adec="http://schemas.microsoft.com/office/drawing/2017/decorative" xmlns="" val="1"/>
               </a:ext>
             </a:extLst>
           </p:cNvPr>
@@ -33936,7 +33950,7 @@
           <p:nvPr>
             <p:extLst>
               <p:ext uri="{386F3935-93C4-4BCD-93E2-E3B085C9AB24}">
-                <p16:designElem xmlns="" xmlns:p16="http://schemas.microsoft.com/office/powerpoint/2015/main" val="1"/>
+                <p16:designElem xmlns:p16="http://schemas.microsoft.com/office/powerpoint/2015/main" val="1"/>
               </p:ext>
             </p:extLst>
           </p:nvPr>
@@ -33954,10 +33968,10 @@
             <p:cNvPr id="10" name="Straight Connector 9">
               <a:extLst>
                 <a:ext uri="{FF2B5EF4-FFF2-40B4-BE49-F238E27FC236}">
-                  <a16:creationId xmlns="" xmlns:a16="http://schemas.microsoft.com/office/drawing/2014/main" id="{54420CFE-F482-466E-9E1E-C78513C0B85D}"/>
+                  <a16:creationId xmlns:a16="http://schemas.microsoft.com/office/drawing/2014/main" xmlns="" id="{54420CFE-F482-466E-9E1E-C78513C0B85D}"/>
                 </a:ext>
                 <a:ext uri="{C183D7F6-B498-43B3-948B-1728B52AA6E4}">
-                  <adec:decorative xmlns="" xmlns:adec="http://schemas.microsoft.com/office/drawing/2017/decorative" val="1"/>
+                  <adec:decorative xmlns:adec="http://schemas.microsoft.com/office/drawing/2017/decorative" xmlns="" val="1"/>
                 </a:ext>
               </a:extLst>
             </p:cNvPr>
@@ -33965,7 +33979,7 @@
             <p:nvPr>
               <p:extLst>
                 <p:ext uri="{386F3935-93C4-4BCD-93E2-E3B085C9AB24}">
-                  <p16:designElem xmlns="" xmlns:p16="http://schemas.microsoft.com/office/powerpoint/2015/main" val="1"/>
+                  <p16:designElem xmlns:p16="http://schemas.microsoft.com/office/powerpoint/2015/main" val="1"/>
                 </p:ext>
               </p:extLst>
             </p:nvPr>
@@ -34006,10 +34020,10 @@
             <p:cNvPr id="11" name="Straight Connector 10">
               <a:extLst>
                 <a:ext uri="{FF2B5EF4-FFF2-40B4-BE49-F238E27FC236}">
-                  <a16:creationId xmlns="" xmlns:a16="http://schemas.microsoft.com/office/drawing/2014/main" id="{5331032B-BD21-4BDA-920C-12E358052567}"/>
+                  <a16:creationId xmlns:a16="http://schemas.microsoft.com/office/drawing/2014/main" xmlns="" id="{5331032B-BD21-4BDA-920C-12E358052567}"/>
                 </a:ext>
                 <a:ext uri="{C183D7F6-B498-43B3-948B-1728B52AA6E4}">
-                  <adec:decorative xmlns="" xmlns:adec="http://schemas.microsoft.com/office/drawing/2017/decorative" val="1"/>
+                  <adec:decorative xmlns:adec="http://schemas.microsoft.com/office/drawing/2017/decorative" xmlns="" val="1"/>
                 </a:ext>
               </a:extLst>
             </p:cNvPr>
@@ -34017,7 +34031,7 @@
             <p:nvPr>
               <p:extLst>
                 <p:ext uri="{386F3935-93C4-4BCD-93E2-E3B085C9AB24}">
-                  <p16:designElem xmlns="" xmlns:p16="http://schemas.microsoft.com/office/powerpoint/2015/main" val="1"/>
+                  <p16:designElem xmlns:p16="http://schemas.microsoft.com/office/powerpoint/2015/main" val="1"/>
                 </p:ext>
               </p:extLst>
             </p:nvPr>
@@ -34058,10 +34072,10 @@
             <p:cNvPr id="12" name="Rectangle 23">
               <a:extLst>
                 <a:ext uri="{FF2B5EF4-FFF2-40B4-BE49-F238E27FC236}">
-                  <a16:creationId xmlns="" xmlns:a16="http://schemas.microsoft.com/office/drawing/2014/main" id="{E7514DA3-59E7-409E-8A3B-AD097F6E5644}"/>
+                  <a16:creationId xmlns:a16="http://schemas.microsoft.com/office/drawing/2014/main" xmlns="" id="{E7514DA3-59E7-409E-8A3B-AD097F6E5644}"/>
                 </a:ext>
                 <a:ext uri="{C183D7F6-B498-43B3-948B-1728B52AA6E4}">
-                  <adec:decorative xmlns="" xmlns:adec="http://schemas.microsoft.com/office/drawing/2017/decorative" val="1"/>
+                  <adec:decorative xmlns:adec="http://schemas.microsoft.com/office/drawing/2017/decorative" xmlns="" val="1"/>
                 </a:ext>
               </a:extLst>
             </p:cNvPr>
@@ -34069,7 +34083,7 @@
             <p:nvPr>
               <p:extLst>
                 <p:ext uri="{386F3935-93C4-4BCD-93E2-E3B085C9AB24}">
-                  <p16:designElem xmlns="" xmlns:p16="http://schemas.microsoft.com/office/powerpoint/2015/main" val="1"/>
+                  <p16:designElem xmlns:p16="http://schemas.microsoft.com/office/powerpoint/2015/main" val="1"/>
                 </p:ext>
               </p:extLst>
             </p:nvPr>
@@ -34136,10 +34150,10 @@
             <p:cNvPr id="13" name="Rectangle 25">
               <a:extLst>
                 <a:ext uri="{FF2B5EF4-FFF2-40B4-BE49-F238E27FC236}">
-                  <a16:creationId xmlns="" xmlns:a16="http://schemas.microsoft.com/office/drawing/2014/main" id="{57B9A2A6-3BE4-4599-9364-F71C5BFD61F8}"/>
+                  <a16:creationId xmlns:a16="http://schemas.microsoft.com/office/drawing/2014/main" xmlns="" id="{57B9A2A6-3BE4-4599-9364-F71C5BFD61F8}"/>
                 </a:ext>
                 <a:ext uri="{C183D7F6-B498-43B3-948B-1728B52AA6E4}">
-                  <adec:decorative xmlns="" xmlns:adec="http://schemas.microsoft.com/office/drawing/2017/decorative" val="1"/>
+                  <adec:decorative xmlns:adec="http://schemas.microsoft.com/office/drawing/2017/decorative" xmlns="" val="1"/>
                 </a:ext>
               </a:extLst>
             </p:cNvPr>
@@ -34147,7 +34161,7 @@
             <p:nvPr>
               <p:extLst>
                 <p:ext uri="{386F3935-93C4-4BCD-93E2-E3B085C9AB24}">
-                  <p16:designElem xmlns="" xmlns:p16="http://schemas.microsoft.com/office/powerpoint/2015/main" val="1"/>
+                  <p16:designElem xmlns:p16="http://schemas.microsoft.com/office/powerpoint/2015/main" val="1"/>
                 </p:ext>
               </p:extLst>
             </p:nvPr>
@@ -34214,10 +34228,10 @@
             <p:cNvPr id="14" name="Isosceles Triangle 13">
               <a:extLst>
                 <a:ext uri="{FF2B5EF4-FFF2-40B4-BE49-F238E27FC236}">
-                  <a16:creationId xmlns="" xmlns:a16="http://schemas.microsoft.com/office/drawing/2014/main" id="{4FD744C6-4ED8-4BC9-BF68-6BDF701C5DB4}"/>
+                  <a16:creationId xmlns:a16="http://schemas.microsoft.com/office/drawing/2014/main" xmlns="" id="{4FD744C6-4ED8-4BC9-BF68-6BDF701C5DB4}"/>
                 </a:ext>
                 <a:ext uri="{C183D7F6-B498-43B3-948B-1728B52AA6E4}">
-                  <adec:decorative xmlns="" xmlns:adec="http://schemas.microsoft.com/office/drawing/2017/decorative" val="1"/>
+                  <adec:decorative xmlns:adec="http://schemas.microsoft.com/office/drawing/2017/decorative" xmlns="" val="1"/>
                 </a:ext>
               </a:extLst>
             </p:cNvPr>
@@ -34225,7 +34239,7 @@
             <p:nvPr>
               <p:extLst>
                 <p:ext uri="{386F3935-93C4-4BCD-93E2-E3B085C9AB24}">
-                  <p16:designElem xmlns="" xmlns:p16="http://schemas.microsoft.com/office/powerpoint/2015/main" val="1"/>
+                  <p16:designElem xmlns:p16="http://schemas.microsoft.com/office/powerpoint/2015/main" val="1"/>
                 </p:ext>
               </p:extLst>
             </p:nvPr>
@@ -34270,10 +34284,10 @@
             <p:cNvPr id="15" name="Rectangle 27">
               <a:extLst>
                 <a:ext uri="{FF2B5EF4-FFF2-40B4-BE49-F238E27FC236}">
-                  <a16:creationId xmlns="" xmlns:a16="http://schemas.microsoft.com/office/drawing/2014/main" id="{092C5BAD-C911-4F8F-A1C5-470268BE668B}"/>
+                  <a16:creationId xmlns:a16="http://schemas.microsoft.com/office/drawing/2014/main" xmlns="" id="{092C5BAD-C911-4F8F-A1C5-470268BE668B}"/>
                 </a:ext>
                 <a:ext uri="{C183D7F6-B498-43B3-948B-1728B52AA6E4}">
-                  <adec:decorative xmlns="" xmlns:adec="http://schemas.microsoft.com/office/drawing/2017/decorative" val="1"/>
+                  <adec:decorative xmlns:adec="http://schemas.microsoft.com/office/drawing/2017/decorative" xmlns="" val="1"/>
                 </a:ext>
               </a:extLst>
             </p:cNvPr>
@@ -34281,7 +34295,7 @@
             <p:nvPr>
               <p:extLst>
                 <p:ext uri="{386F3935-93C4-4BCD-93E2-E3B085C9AB24}">
-                  <p16:designElem xmlns="" xmlns:p16="http://schemas.microsoft.com/office/powerpoint/2015/main" val="1"/>
+                  <p16:designElem xmlns:p16="http://schemas.microsoft.com/office/powerpoint/2015/main" val="1"/>
                 </p:ext>
               </p:extLst>
             </p:nvPr>
@@ -34349,10 +34363,10 @@
             <p:cNvPr id="16" name="Rectangle 28">
               <a:extLst>
                 <a:ext uri="{FF2B5EF4-FFF2-40B4-BE49-F238E27FC236}">
-                  <a16:creationId xmlns="" xmlns:a16="http://schemas.microsoft.com/office/drawing/2014/main" id="{B133D0C8-4EC4-424F-8E70-0482D5B1B653}"/>
+                  <a16:creationId xmlns:a16="http://schemas.microsoft.com/office/drawing/2014/main" xmlns="" id="{B133D0C8-4EC4-424F-8E70-0482D5B1B653}"/>
                 </a:ext>
                 <a:ext uri="{C183D7F6-B498-43B3-948B-1728B52AA6E4}">
-                  <adec:decorative xmlns="" xmlns:adec="http://schemas.microsoft.com/office/drawing/2017/decorative" val="1"/>
+                  <adec:decorative xmlns:adec="http://schemas.microsoft.com/office/drawing/2017/decorative" xmlns="" val="1"/>
                 </a:ext>
               </a:extLst>
             </p:cNvPr>
@@ -34360,7 +34374,7 @@
             <p:nvPr>
               <p:extLst>
                 <p:ext uri="{386F3935-93C4-4BCD-93E2-E3B085C9AB24}">
-                  <p16:designElem xmlns="" xmlns:p16="http://schemas.microsoft.com/office/powerpoint/2015/main" val="1"/>
+                  <p16:designElem xmlns:p16="http://schemas.microsoft.com/office/powerpoint/2015/main" val="1"/>
                 </p:ext>
               </p:extLst>
             </p:nvPr>
@@ -34429,10 +34443,10 @@
             <p:cNvPr id="17" name="Rectangle 29">
               <a:extLst>
                 <a:ext uri="{FF2B5EF4-FFF2-40B4-BE49-F238E27FC236}">
-                  <a16:creationId xmlns="" xmlns:a16="http://schemas.microsoft.com/office/drawing/2014/main" id="{7B1532A0-F4B3-4DE8-B18F-740CAAD25AC4}"/>
+                  <a16:creationId xmlns:a16="http://schemas.microsoft.com/office/drawing/2014/main" xmlns="" id="{7B1532A0-F4B3-4DE8-B18F-740CAAD25AC4}"/>
                 </a:ext>
                 <a:ext uri="{C183D7F6-B498-43B3-948B-1728B52AA6E4}">
-                  <adec:decorative xmlns="" xmlns:adec="http://schemas.microsoft.com/office/drawing/2017/decorative" val="1"/>
+                  <adec:decorative xmlns:adec="http://schemas.microsoft.com/office/drawing/2017/decorative" xmlns="" val="1"/>
                 </a:ext>
               </a:extLst>
             </p:cNvPr>
@@ -34440,7 +34454,7 @@
             <p:nvPr>
               <p:extLst>
                 <p:ext uri="{386F3935-93C4-4BCD-93E2-E3B085C9AB24}">
-                  <p16:designElem xmlns="" xmlns:p16="http://schemas.microsoft.com/office/powerpoint/2015/main" val="1"/>
+                  <p16:designElem xmlns:p16="http://schemas.microsoft.com/office/powerpoint/2015/main" val="1"/>
                 </p:ext>
               </p:extLst>
             </p:nvPr>
@@ -34507,10 +34521,10 @@
             <p:cNvPr id="18" name="Isosceles Triangle 17">
               <a:extLst>
                 <a:ext uri="{FF2B5EF4-FFF2-40B4-BE49-F238E27FC236}">
-                  <a16:creationId xmlns="" xmlns:a16="http://schemas.microsoft.com/office/drawing/2014/main" id="{8EFDD162-BBBA-4062-8BBF-53DBA1091374}"/>
+                  <a16:creationId xmlns:a16="http://schemas.microsoft.com/office/drawing/2014/main" xmlns="" id="{8EFDD162-BBBA-4062-8BBF-53DBA1091374}"/>
                 </a:ext>
                 <a:ext uri="{C183D7F6-B498-43B3-948B-1728B52AA6E4}">
-                  <adec:decorative xmlns="" xmlns:adec="http://schemas.microsoft.com/office/drawing/2017/decorative" val="1"/>
+                  <adec:decorative xmlns:adec="http://schemas.microsoft.com/office/drawing/2017/decorative" xmlns="" val="1"/>
                 </a:ext>
               </a:extLst>
             </p:cNvPr>
@@ -34518,7 +34532,7 @@
             <p:nvPr>
               <p:extLst>
                 <p:ext uri="{386F3935-93C4-4BCD-93E2-E3B085C9AB24}">
-                  <p16:designElem xmlns="" xmlns:p16="http://schemas.microsoft.com/office/powerpoint/2015/main" val="1"/>
+                  <p16:designElem xmlns:p16="http://schemas.microsoft.com/office/powerpoint/2015/main" val="1"/>
                 </p:ext>
               </p:extLst>
             </p:nvPr>
@@ -34563,10 +34577,10 @@
             <p:cNvPr id="19" name="Isosceles Triangle 18">
               <a:extLst>
                 <a:ext uri="{FF2B5EF4-FFF2-40B4-BE49-F238E27FC236}">
-                  <a16:creationId xmlns="" xmlns:a16="http://schemas.microsoft.com/office/drawing/2014/main" id="{DCFC9E65-3E19-4483-B952-25D29683CA56}"/>
+                  <a16:creationId xmlns:a16="http://schemas.microsoft.com/office/drawing/2014/main" xmlns="" id="{DCFC9E65-3E19-4483-B952-25D29683CA56}"/>
                 </a:ext>
                 <a:ext uri="{C183D7F6-B498-43B3-948B-1728B52AA6E4}">
-                  <adec:decorative xmlns="" xmlns:adec="http://schemas.microsoft.com/office/drawing/2017/decorative" val="1"/>
+                  <adec:decorative xmlns:adec="http://schemas.microsoft.com/office/drawing/2017/decorative" xmlns="" val="1"/>
                 </a:ext>
               </a:extLst>
             </p:cNvPr>
@@ -34574,7 +34588,7 @@
             <p:nvPr>
               <p:extLst>
                 <p:ext uri="{386F3935-93C4-4BCD-93E2-E3B085C9AB24}">
-                  <p16:designElem xmlns="" xmlns:p16="http://schemas.microsoft.com/office/powerpoint/2015/main" val="1"/>
+                  <p16:designElem xmlns:p16="http://schemas.microsoft.com/office/powerpoint/2015/main" val="1"/>
                 </p:ext>
               </p:extLst>
             </p:nvPr>
@@ -34620,10 +34634,10 @@
           <p:cNvPr id="21" name="Rectangle 20">
             <a:extLst>
               <a:ext uri="{FF2B5EF4-FFF2-40B4-BE49-F238E27FC236}">
-                <a16:creationId xmlns="" xmlns:a16="http://schemas.microsoft.com/office/drawing/2014/main" id="{2783C067-F8BF-4755-B516-8A0CD74CF60C}"/>
+                <a16:creationId xmlns:a16="http://schemas.microsoft.com/office/drawing/2014/main" xmlns="" id="{2783C067-F8BF-4755-B516-8A0CD74CF60C}"/>
               </a:ext>
               <a:ext uri="{C183D7F6-B498-43B3-948B-1728B52AA6E4}">
-                <adec:decorative xmlns="" xmlns:adec="http://schemas.microsoft.com/office/drawing/2017/decorative" val="1"/>
+                <adec:decorative xmlns:adec="http://schemas.microsoft.com/office/drawing/2017/decorative" xmlns="" val="1"/>
               </a:ext>
             </a:extLst>
           </p:cNvPr>
@@ -34633,7 +34647,7 @@
           <p:nvPr>
             <p:extLst>
               <p:ext uri="{386F3935-93C4-4BCD-93E2-E3B085C9AB24}">
-                <p16:designElem xmlns="" xmlns:p16="http://schemas.microsoft.com/office/powerpoint/2015/main" val="1"/>
+                <p16:designElem xmlns:p16="http://schemas.microsoft.com/office/powerpoint/2015/main" val="1"/>
               </p:ext>
             </p:extLst>
           </p:nvPr>
@@ -34680,10 +34694,10 @@
           <p:cNvPr id="23" name="Isosceles Triangle 22">
             <a:extLst>
               <a:ext uri="{FF2B5EF4-FFF2-40B4-BE49-F238E27FC236}">
-                <a16:creationId xmlns="" xmlns:a16="http://schemas.microsoft.com/office/drawing/2014/main" id="{2ED796EC-E7FF-46DB-B912-FB08BF12AA6E}"/>
+                <a16:creationId xmlns:a16="http://schemas.microsoft.com/office/drawing/2014/main" xmlns="" id="{2ED796EC-E7FF-46DB-B912-FB08BF12AA6E}"/>
               </a:ext>
               <a:ext uri="{C183D7F6-B498-43B3-948B-1728B52AA6E4}">
-                <adec:decorative xmlns="" xmlns:adec="http://schemas.microsoft.com/office/drawing/2017/decorative" val="1"/>
+                <adec:decorative xmlns:adec="http://schemas.microsoft.com/office/drawing/2017/decorative" xmlns="" val="1"/>
               </a:ext>
             </a:extLst>
           </p:cNvPr>
@@ -34693,7 +34707,7 @@
           <p:nvPr>
             <p:extLst>
               <p:ext uri="{386F3935-93C4-4BCD-93E2-E3B085C9AB24}">
-                <p16:designElem xmlns="" xmlns:p16="http://schemas.microsoft.com/office/powerpoint/2015/main" val="1"/>
+                <p16:designElem xmlns:p16="http://schemas.microsoft.com/office/powerpoint/2015/main" val="1"/>
               </p:ext>
             </p:extLst>
           </p:nvPr>
@@ -34736,10 +34750,10 @@
           <p:cNvPr id="25" name="Rectangle 27">
             <a:extLst>
               <a:ext uri="{FF2B5EF4-FFF2-40B4-BE49-F238E27FC236}">
-                <a16:creationId xmlns="" xmlns:a16="http://schemas.microsoft.com/office/drawing/2014/main" id="{0819F787-32B4-46A8-BC57-C6571BCEE243}"/>
+                <a16:creationId xmlns:a16="http://schemas.microsoft.com/office/drawing/2014/main" xmlns="" id="{0819F787-32B4-46A8-BC57-C6571BCEE243}"/>
               </a:ext>
               <a:ext uri="{C183D7F6-B498-43B3-948B-1728B52AA6E4}">
-                <adec:decorative xmlns="" xmlns:adec="http://schemas.microsoft.com/office/drawing/2017/decorative" val="1"/>
+                <adec:decorative xmlns:adec="http://schemas.microsoft.com/office/drawing/2017/decorative" xmlns="" val="1"/>
               </a:ext>
             </a:extLst>
           </p:cNvPr>
@@ -34749,7 +34763,7 @@
           <p:nvPr>
             <p:extLst>
               <p:ext uri="{386F3935-93C4-4BCD-93E2-E3B085C9AB24}">
-                <p16:designElem xmlns="" xmlns:p16="http://schemas.microsoft.com/office/powerpoint/2015/main" val="1"/>
+                <p16:designElem xmlns:p16="http://schemas.microsoft.com/office/powerpoint/2015/main" val="1"/>
               </p:ext>
             </p:extLst>
           </p:nvPr>
@@ -34814,10 +34828,10 @@
           <p:cNvPr id="27" name="Isosceles Triangle 26">
             <a:extLst>
               <a:ext uri="{FF2B5EF4-FFF2-40B4-BE49-F238E27FC236}">
-                <a16:creationId xmlns="" xmlns:a16="http://schemas.microsoft.com/office/drawing/2014/main" id="{549A2DAB-B431-487D-95AD-BB0FECB49E57}"/>
+                <a16:creationId xmlns:a16="http://schemas.microsoft.com/office/drawing/2014/main" xmlns="" id="{549A2DAB-B431-487D-95AD-BB0FECB49E57}"/>
               </a:ext>
               <a:ext uri="{C183D7F6-B498-43B3-948B-1728B52AA6E4}">
-                <adec:decorative xmlns="" xmlns:adec="http://schemas.microsoft.com/office/drawing/2017/decorative" val="1"/>
+                <adec:decorative xmlns:adec="http://schemas.microsoft.com/office/drawing/2017/decorative" xmlns="" val="1"/>
               </a:ext>
             </a:extLst>
           </p:cNvPr>
@@ -34827,7 +34841,7 @@
           <p:nvPr>
             <p:extLst>
               <p:ext uri="{386F3935-93C4-4BCD-93E2-E3B085C9AB24}">
-                <p16:designElem xmlns="" xmlns:p16="http://schemas.microsoft.com/office/powerpoint/2015/main" val="1"/>
+                <p16:designElem xmlns:p16="http://schemas.microsoft.com/office/powerpoint/2015/main" val="1"/>
               </p:ext>
             </p:extLst>
           </p:nvPr>
@@ -34872,10 +34886,10 @@
           <p:cNvPr id="29" name="Straight Connector 28">
             <a:extLst>
               <a:ext uri="{FF2B5EF4-FFF2-40B4-BE49-F238E27FC236}">
-                <a16:creationId xmlns="" xmlns:a16="http://schemas.microsoft.com/office/drawing/2014/main" id="{C5ECDEE1-7093-418F-9CF5-24EEB115C1C1}"/>
+                <a16:creationId xmlns:a16="http://schemas.microsoft.com/office/drawing/2014/main" xmlns="" id="{C5ECDEE1-7093-418F-9CF5-24EEB115C1C1}"/>
               </a:ext>
               <a:ext uri="{C183D7F6-B498-43B3-948B-1728B52AA6E4}">
-                <adec:decorative xmlns="" xmlns:adec="http://schemas.microsoft.com/office/drawing/2017/decorative" val="1"/>
+                <adec:decorative xmlns:adec="http://schemas.microsoft.com/office/drawing/2017/decorative" xmlns="" val="1"/>
               </a:ext>
             </a:extLst>
           </p:cNvPr>
@@ -34885,7 +34899,7 @@
           <p:nvPr>
             <p:extLst>
               <p:ext uri="{386F3935-93C4-4BCD-93E2-E3B085C9AB24}">
-                <p16:designElem xmlns="" xmlns:p16="http://schemas.microsoft.com/office/powerpoint/2015/main" val="1"/>
+                <p16:designElem xmlns:p16="http://schemas.microsoft.com/office/powerpoint/2015/main" val="1"/>
               </p:ext>
             </p:extLst>
           </p:nvPr>
@@ -34925,10 +34939,10 @@
           <p:cNvPr id="31" name="Straight Connector 30">
             <a:extLst>
               <a:ext uri="{FF2B5EF4-FFF2-40B4-BE49-F238E27FC236}">
-                <a16:creationId xmlns="" xmlns:a16="http://schemas.microsoft.com/office/drawing/2014/main" id="{045062AF-EB11-4651-BC4A-4DA21768DE8E}"/>
+                <a16:creationId xmlns:a16="http://schemas.microsoft.com/office/drawing/2014/main" xmlns="" id="{045062AF-EB11-4651-BC4A-4DA21768DE8E}"/>
               </a:ext>
               <a:ext uri="{C183D7F6-B498-43B3-948B-1728B52AA6E4}">
-                <adec:decorative xmlns="" xmlns:adec="http://schemas.microsoft.com/office/drawing/2017/decorative" val="1"/>
+                <adec:decorative xmlns:adec="http://schemas.microsoft.com/office/drawing/2017/decorative" xmlns="" val="1"/>
               </a:ext>
             </a:extLst>
           </p:cNvPr>
@@ -34938,7 +34952,7 @@
           <p:nvPr>
             <p:extLst>
               <p:ext uri="{386F3935-93C4-4BCD-93E2-E3B085C9AB24}">
-                <p16:designElem xmlns="" xmlns:p16="http://schemas.microsoft.com/office/powerpoint/2015/main" val="1"/>
+                <p16:designElem xmlns:p16="http://schemas.microsoft.com/office/powerpoint/2015/main" val="1"/>
               </p:ext>
             </p:extLst>
           </p:nvPr>
@@ -34977,7 +34991,7 @@
           <p:cNvPr id="4" name="Title 3">
             <a:extLst>
               <a:ext uri="{FF2B5EF4-FFF2-40B4-BE49-F238E27FC236}">
-                <a16:creationId xmlns="" xmlns:a16="http://schemas.microsoft.com/office/drawing/2014/main" id="{90498349-991A-42CC-AFDE-0D3066F69593}"/>
+                <a16:creationId xmlns:a16="http://schemas.microsoft.com/office/drawing/2014/main" xmlns="" id="{90498349-991A-42CC-AFDE-0D3066F69593}"/>
               </a:ext>
             </a:extLst>
           </p:cNvPr>
@@ -35196,7 +35210,7 @@
           <p:cNvPr id="3" name="Title 2">
             <a:extLst>
               <a:ext uri="{FF2B5EF4-FFF2-40B4-BE49-F238E27FC236}">
-                <a16:creationId xmlns="" xmlns:a16="http://schemas.microsoft.com/office/drawing/2014/main" id="{E80AD922-7393-4865-ACE7-93B7D87B3B37}"/>
+                <a16:creationId xmlns:a16="http://schemas.microsoft.com/office/drawing/2014/main" xmlns="" id="{E80AD922-7393-4865-ACE7-93B7D87B3B37}"/>
               </a:ext>
             </a:extLst>
           </p:cNvPr>
@@ -35249,7 +35263,7 @@
           <p:cNvPr id="4" name="Date Placeholder 3">
             <a:extLst>
               <a:ext uri="{FF2B5EF4-FFF2-40B4-BE49-F238E27FC236}">
-                <a16:creationId xmlns="" xmlns:a16="http://schemas.microsoft.com/office/drawing/2014/main" id="{C0CC6311-472D-4855-AE68-910D7140AD6F}"/>
+                <a16:creationId xmlns:a16="http://schemas.microsoft.com/office/drawing/2014/main" xmlns="" id="{C0CC6311-472D-4855-AE68-910D7140AD6F}"/>
               </a:ext>
             </a:extLst>
           </p:cNvPr>
@@ -35269,7 +35283,7 @@
               <a:rPr lang="vi-VN" sz="1050" smtClean="0">
                 <a:latin typeface="Times New Roman" panose="02020603050405020304" pitchFamily="18" charset="0"/>
               </a:rPr>
-              <a:t>December 23, 2019</a:t>
+              <a:t>24/12/19</a:t>
             </a:fld>
             <a:endParaRPr lang="en-US" sz="1050" dirty="0">
               <a:latin typeface="Times New Roman" panose="02020603050405020304" pitchFamily="18" charset="0"/>
@@ -35282,7 +35296,7 @@
           <p:cNvPr id="5" name="Footer Placeholder 4">
             <a:extLst>
               <a:ext uri="{FF2B5EF4-FFF2-40B4-BE49-F238E27FC236}">
-                <a16:creationId xmlns="" xmlns:a16="http://schemas.microsoft.com/office/drawing/2014/main" id="{74662725-5431-4BBD-921A-92EFF311A745}"/>
+                <a16:creationId xmlns:a16="http://schemas.microsoft.com/office/drawing/2014/main" xmlns="" id="{74662725-5431-4BBD-921A-92EFF311A745}"/>
               </a:ext>
             </a:extLst>
           </p:cNvPr>
@@ -35314,7 +35328,7 @@
           <p:cNvPr id="6" name="Slide Number Placeholder 5">
             <a:extLst>
               <a:ext uri="{FF2B5EF4-FFF2-40B4-BE49-F238E27FC236}">
-                <a16:creationId xmlns="" xmlns:a16="http://schemas.microsoft.com/office/drawing/2014/main" id="{E9D5496C-6ADB-432B-819A-5589F2581497}"/>
+                <a16:creationId xmlns:a16="http://schemas.microsoft.com/office/drawing/2014/main" xmlns="" id="{E9D5496C-6ADB-432B-819A-5589F2581497}"/>
               </a:ext>
             </a:extLst>
           </p:cNvPr>
@@ -35419,10 +35433,10 @@
           <p:cNvPr id="13" name="Group 12">
             <a:extLst>
               <a:ext uri="{FF2B5EF4-FFF2-40B4-BE49-F238E27FC236}">
-                <a16:creationId xmlns="" xmlns:a16="http://schemas.microsoft.com/office/drawing/2014/main" id="{28460BD8-AE3F-4AC9-9D0B-717052AA5D3A}"/>
+                <a16:creationId xmlns:a16="http://schemas.microsoft.com/office/drawing/2014/main" xmlns="" id="{28460BD8-AE3F-4AC9-9D0B-717052AA5D3A}"/>
               </a:ext>
               <a:ext uri="{C183D7F6-B498-43B3-948B-1728B52AA6E4}">
-                <adec:decorative xmlns="" xmlns:adec="http://schemas.microsoft.com/office/drawing/2017/decorative" val="1"/>
+                <adec:decorative xmlns:adec="http://schemas.microsoft.com/office/drawing/2017/decorative" xmlns="" val="1"/>
               </a:ext>
             </a:extLst>
           </p:cNvPr>
@@ -35432,7 +35446,7 @@
           <p:nvPr>
             <p:extLst>
               <p:ext uri="{386F3935-93C4-4BCD-93E2-E3B085C9AB24}">
-                <p16:designElem xmlns="" xmlns:p16="http://schemas.microsoft.com/office/powerpoint/2015/main" val="1"/>
+                <p16:designElem xmlns:p16="http://schemas.microsoft.com/office/powerpoint/2015/main" val="1"/>
               </p:ext>
             </p:extLst>
           </p:nvPr>
@@ -35450,10 +35464,10 @@
             <p:cNvPr id="14" name="Straight Connector 13">
               <a:extLst>
                 <a:ext uri="{FF2B5EF4-FFF2-40B4-BE49-F238E27FC236}">
-                  <a16:creationId xmlns="" xmlns:a16="http://schemas.microsoft.com/office/drawing/2014/main" id="{54420CFE-F482-466E-9E1E-C78513C0B85D}"/>
+                  <a16:creationId xmlns:a16="http://schemas.microsoft.com/office/drawing/2014/main" xmlns="" id="{54420CFE-F482-466E-9E1E-C78513C0B85D}"/>
                 </a:ext>
                 <a:ext uri="{C183D7F6-B498-43B3-948B-1728B52AA6E4}">
-                  <adec:decorative xmlns="" xmlns:adec="http://schemas.microsoft.com/office/drawing/2017/decorative" val="1"/>
+                  <adec:decorative xmlns:adec="http://schemas.microsoft.com/office/drawing/2017/decorative" xmlns="" val="1"/>
                 </a:ext>
               </a:extLst>
             </p:cNvPr>
@@ -35461,7 +35475,7 @@
             <p:nvPr>
               <p:extLst>
                 <p:ext uri="{386F3935-93C4-4BCD-93E2-E3B085C9AB24}">
-                  <p16:designElem xmlns="" xmlns:p16="http://schemas.microsoft.com/office/powerpoint/2015/main" val="1"/>
+                  <p16:designElem xmlns:p16="http://schemas.microsoft.com/office/powerpoint/2015/main" val="1"/>
                 </p:ext>
               </p:extLst>
             </p:nvPr>
@@ -35502,10 +35516,10 @@
             <p:cNvPr id="15" name="Straight Connector 14">
               <a:extLst>
                 <a:ext uri="{FF2B5EF4-FFF2-40B4-BE49-F238E27FC236}">
-                  <a16:creationId xmlns="" xmlns:a16="http://schemas.microsoft.com/office/drawing/2014/main" id="{5331032B-BD21-4BDA-920C-12E358052567}"/>
+                  <a16:creationId xmlns:a16="http://schemas.microsoft.com/office/drawing/2014/main" xmlns="" id="{5331032B-BD21-4BDA-920C-12E358052567}"/>
                 </a:ext>
                 <a:ext uri="{C183D7F6-B498-43B3-948B-1728B52AA6E4}">
-                  <adec:decorative xmlns="" xmlns:adec="http://schemas.microsoft.com/office/drawing/2017/decorative" val="1"/>
+                  <adec:decorative xmlns:adec="http://schemas.microsoft.com/office/drawing/2017/decorative" xmlns="" val="1"/>
                 </a:ext>
               </a:extLst>
             </p:cNvPr>
@@ -35513,7 +35527,7 @@
             <p:nvPr>
               <p:extLst>
                 <p:ext uri="{386F3935-93C4-4BCD-93E2-E3B085C9AB24}">
-                  <p16:designElem xmlns="" xmlns:p16="http://schemas.microsoft.com/office/powerpoint/2015/main" val="1"/>
+                  <p16:designElem xmlns:p16="http://schemas.microsoft.com/office/powerpoint/2015/main" val="1"/>
                 </p:ext>
               </p:extLst>
             </p:nvPr>
@@ -35554,10 +35568,10 @@
             <p:cNvPr id="16" name="Rectangle 23">
               <a:extLst>
                 <a:ext uri="{FF2B5EF4-FFF2-40B4-BE49-F238E27FC236}">
-                  <a16:creationId xmlns="" xmlns:a16="http://schemas.microsoft.com/office/drawing/2014/main" id="{E7514DA3-59E7-409E-8A3B-AD097F6E5644}"/>
+                  <a16:creationId xmlns:a16="http://schemas.microsoft.com/office/drawing/2014/main" xmlns="" id="{E7514DA3-59E7-409E-8A3B-AD097F6E5644}"/>
                 </a:ext>
                 <a:ext uri="{C183D7F6-B498-43B3-948B-1728B52AA6E4}">
-                  <adec:decorative xmlns="" xmlns:adec="http://schemas.microsoft.com/office/drawing/2017/decorative" val="1"/>
+                  <adec:decorative xmlns:adec="http://schemas.microsoft.com/office/drawing/2017/decorative" xmlns="" val="1"/>
                 </a:ext>
               </a:extLst>
             </p:cNvPr>
@@ -35565,7 +35579,7 @@
             <p:nvPr>
               <p:extLst>
                 <p:ext uri="{386F3935-93C4-4BCD-93E2-E3B085C9AB24}">
-                  <p16:designElem xmlns="" xmlns:p16="http://schemas.microsoft.com/office/powerpoint/2015/main" val="1"/>
+                  <p16:designElem xmlns:p16="http://schemas.microsoft.com/office/powerpoint/2015/main" val="1"/>
                 </p:ext>
               </p:extLst>
             </p:nvPr>
@@ -35632,10 +35646,10 @@
             <p:cNvPr id="17" name="Rectangle 25">
               <a:extLst>
                 <a:ext uri="{FF2B5EF4-FFF2-40B4-BE49-F238E27FC236}">
-                  <a16:creationId xmlns="" xmlns:a16="http://schemas.microsoft.com/office/drawing/2014/main" id="{57B9A2A6-3BE4-4599-9364-F71C5BFD61F8}"/>
+                  <a16:creationId xmlns:a16="http://schemas.microsoft.com/office/drawing/2014/main" xmlns="" id="{57B9A2A6-3BE4-4599-9364-F71C5BFD61F8}"/>
                 </a:ext>
                 <a:ext uri="{C183D7F6-B498-43B3-948B-1728B52AA6E4}">
-                  <adec:decorative xmlns="" xmlns:adec="http://schemas.microsoft.com/office/drawing/2017/decorative" val="1"/>
+                  <adec:decorative xmlns:adec="http://schemas.microsoft.com/office/drawing/2017/decorative" xmlns="" val="1"/>
                 </a:ext>
               </a:extLst>
             </p:cNvPr>
@@ -35643,7 +35657,7 @@
             <p:nvPr>
               <p:extLst>
                 <p:ext uri="{386F3935-93C4-4BCD-93E2-E3B085C9AB24}">
-                  <p16:designElem xmlns="" xmlns:p16="http://schemas.microsoft.com/office/powerpoint/2015/main" val="1"/>
+                  <p16:designElem xmlns:p16="http://schemas.microsoft.com/office/powerpoint/2015/main" val="1"/>
                 </p:ext>
               </p:extLst>
             </p:nvPr>
@@ -35710,10 +35724,10 @@
             <p:cNvPr id="18" name="Isosceles Triangle 17">
               <a:extLst>
                 <a:ext uri="{FF2B5EF4-FFF2-40B4-BE49-F238E27FC236}">
-                  <a16:creationId xmlns="" xmlns:a16="http://schemas.microsoft.com/office/drawing/2014/main" id="{4FD744C6-4ED8-4BC9-BF68-6BDF701C5DB4}"/>
+                  <a16:creationId xmlns:a16="http://schemas.microsoft.com/office/drawing/2014/main" xmlns="" id="{4FD744C6-4ED8-4BC9-BF68-6BDF701C5DB4}"/>
                 </a:ext>
                 <a:ext uri="{C183D7F6-B498-43B3-948B-1728B52AA6E4}">
-                  <adec:decorative xmlns="" xmlns:adec="http://schemas.microsoft.com/office/drawing/2017/decorative" val="1"/>
+                  <adec:decorative xmlns:adec="http://schemas.microsoft.com/office/drawing/2017/decorative" xmlns="" val="1"/>
                 </a:ext>
               </a:extLst>
             </p:cNvPr>
@@ -35721,7 +35735,7 @@
             <p:nvPr>
               <p:extLst>
                 <p:ext uri="{386F3935-93C4-4BCD-93E2-E3B085C9AB24}">
-                  <p16:designElem xmlns="" xmlns:p16="http://schemas.microsoft.com/office/powerpoint/2015/main" val="1"/>
+                  <p16:designElem xmlns:p16="http://schemas.microsoft.com/office/powerpoint/2015/main" val="1"/>
                 </p:ext>
               </p:extLst>
             </p:nvPr>
@@ -35766,10 +35780,10 @@
             <p:cNvPr id="19" name="Rectangle 27">
               <a:extLst>
                 <a:ext uri="{FF2B5EF4-FFF2-40B4-BE49-F238E27FC236}">
-                  <a16:creationId xmlns="" xmlns:a16="http://schemas.microsoft.com/office/drawing/2014/main" id="{092C5BAD-C911-4F8F-A1C5-470268BE668B}"/>
+                  <a16:creationId xmlns:a16="http://schemas.microsoft.com/office/drawing/2014/main" xmlns="" id="{092C5BAD-C911-4F8F-A1C5-470268BE668B}"/>
                 </a:ext>
                 <a:ext uri="{C183D7F6-B498-43B3-948B-1728B52AA6E4}">
-                  <adec:decorative xmlns="" xmlns:adec="http://schemas.microsoft.com/office/drawing/2017/decorative" val="1"/>
+                  <adec:decorative xmlns:adec="http://schemas.microsoft.com/office/drawing/2017/decorative" xmlns="" val="1"/>
                 </a:ext>
               </a:extLst>
             </p:cNvPr>
@@ -35777,7 +35791,7 @@
             <p:nvPr>
               <p:extLst>
                 <p:ext uri="{386F3935-93C4-4BCD-93E2-E3B085C9AB24}">
-                  <p16:designElem xmlns="" xmlns:p16="http://schemas.microsoft.com/office/powerpoint/2015/main" val="1"/>
+                  <p16:designElem xmlns:p16="http://schemas.microsoft.com/office/powerpoint/2015/main" val="1"/>
                 </p:ext>
               </p:extLst>
             </p:nvPr>
@@ -35845,10 +35859,10 @@
             <p:cNvPr id="20" name="Rectangle 28">
               <a:extLst>
                 <a:ext uri="{FF2B5EF4-FFF2-40B4-BE49-F238E27FC236}">
-                  <a16:creationId xmlns="" xmlns:a16="http://schemas.microsoft.com/office/drawing/2014/main" id="{B133D0C8-4EC4-424F-8E70-0482D5B1B653}"/>
+                  <a16:creationId xmlns:a16="http://schemas.microsoft.com/office/drawing/2014/main" xmlns="" id="{B133D0C8-4EC4-424F-8E70-0482D5B1B653}"/>
                 </a:ext>
                 <a:ext uri="{C183D7F6-B498-43B3-948B-1728B52AA6E4}">
-                  <adec:decorative xmlns="" xmlns:adec="http://schemas.microsoft.com/office/drawing/2017/decorative" val="1"/>
+                  <adec:decorative xmlns:adec="http://schemas.microsoft.com/office/drawing/2017/decorative" xmlns="" val="1"/>
                 </a:ext>
               </a:extLst>
             </p:cNvPr>
@@ -35856,7 +35870,7 @@
             <p:nvPr>
               <p:extLst>
                 <p:ext uri="{386F3935-93C4-4BCD-93E2-E3B085C9AB24}">
-                  <p16:designElem xmlns="" xmlns:p16="http://schemas.microsoft.com/office/powerpoint/2015/main" val="1"/>
+                  <p16:designElem xmlns:p16="http://schemas.microsoft.com/office/powerpoint/2015/main" val="1"/>
                 </p:ext>
               </p:extLst>
             </p:nvPr>
@@ -35925,10 +35939,10 @@
             <p:cNvPr id="21" name="Rectangle 29">
               <a:extLst>
                 <a:ext uri="{FF2B5EF4-FFF2-40B4-BE49-F238E27FC236}">
-                  <a16:creationId xmlns="" xmlns:a16="http://schemas.microsoft.com/office/drawing/2014/main" id="{7B1532A0-F4B3-4DE8-B18F-740CAAD25AC4}"/>
+                  <a16:creationId xmlns:a16="http://schemas.microsoft.com/office/drawing/2014/main" xmlns="" id="{7B1532A0-F4B3-4DE8-B18F-740CAAD25AC4}"/>
                 </a:ext>
                 <a:ext uri="{C183D7F6-B498-43B3-948B-1728B52AA6E4}">
-                  <adec:decorative xmlns="" xmlns:adec="http://schemas.microsoft.com/office/drawing/2017/decorative" val="1"/>
+                  <adec:decorative xmlns:adec="http://schemas.microsoft.com/office/drawing/2017/decorative" xmlns="" val="1"/>
                 </a:ext>
               </a:extLst>
             </p:cNvPr>
@@ -35936,7 +35950,7 @@
             <p:nvPr>
               <p:extLst>
                 <p:ext uri="{386F3935-93C4-4BCD-93E2-E3B085C9AB24}">
-                  <p16:designElem xmlns="" xmlns:p16="http://schemas.microsoft.com/office/powerpoint/2015/main" val="1"/>
+                  <p16:designElem xmlns:p16="http://schemas.microsoft.com/office/powerpoint/2015/main" val="1"/>
                 </p:ext>
               </p:extLst>
             </p:nvPr>
@@ -36003,10 +36017,10 @@
             <p:cNvPr id="22" name="Isosceles Triangle 21">
               <a:extLst>
                 <a:ext uri="{FF2B5EF4-FFF2-40B4-BE49-F238E27FC236}">
-                  <a16:creationId xmlns="" xmlns:a16="http://schemas.microsoft.com/office/drawing/2014/main" id="{8EFDD162-BBBA-4062-8BBF-53DBA1091374}"/>
+                  <a16:creationId xmlns:a16="http://schemas.microsoft.com/office/drawing/2014/main" xmlns="" id="{8EFDD162-BBBA-4062-8BBF-53DBA1091374}"/>
                 </a:ext>
                 <a:ext uri="{C183D7F6-B498-43B3-948B-1728B52AA6E4}">
-                  <adec:decorative xmlns="" xmlns:adec="http://schemas.microsoft.com/office/drawing/2017/decorative" val="1"/>
+                  <adec:decorative xmlns:adec="http://schemas.microsoft.com/office/drawing/2017/decorative" xmlns="" val="1"/>
                 </a:ext>
               </a:extLst>
             </p:cNvPr>
@@ -36014,7 +36028,7 @@
             <p:nvPr>
               <p:extLst>
                 <p:ext uri="{386F3935-93C4-4BCD-93E2-E3B085C9AB24}">
-                  <p16:designElem xmlns="" xmlns:p16="http://schemas.microsoft.com/office/powerpoint/2015/main" val="1"/>
+                  <p16:designElem xmlns:p16="http://schemas.microsoft.com/office/powerpoint/2015/main" val="1"/>
                 </p:ext>
               </p:extLst>
             </p:nvPr>
@@ -36059,10 +36073,10 @@
             <p:cNvPr id="23" name="Isosceles Triangle 22">
               <a:extLst>
                 <a:ext uri="{FF2B5EF4-FFF2-40B4-BE49-F238E27FC236}">
-                  <a16:creationId xmlns="" xmlns:a16="http://schemas.microsoft.com/office/drawing/2014/main" id="{DCFC9E65-3E19-4483-B952-25D29683CA56}"/>
+                  <a16:creationId xmlns:a16="http://schemas.microsoft.com/office/drawing/2014/main" xmlns="" id="{DCFC9E65-3E19-4483-B952-25D29683CA56}"/>
                 </a:ext>
                 <a:ext uri="{C183D7F6-B498-43B3-948B-1728B52AA6E4}">
-                  <adec:decorative xmlns="" xmlns:adec="http://schemas.microsoft.com/office/drawing/2017/decorative" val="1"/>
+                  <adec:decorative xmlns:adec="http://schemas.microsoft.com/office/drawing/2017/decorative" xmlns="" val="1"/>
                 </a:ext>
               </a:extLst>
             </p:cNvPr>
@@ -36070,7 +36084,7 @@
             <p:nvPr>
               <p:extLst>
                 <p:ext uri="{386F3935-93C4-4BCD-93E2-E3B085C9AB24}">
-                  <p16:designElem xmlns="" xmlns:p16="http://schemas.microsoft.com/office/powerpoint/2015/main" val="1"/>
+                  <p16:designElem xmlns:p16="http://schemas.microsoft.com/office/powerpoint/2015/main" val="1"/>
                 </p:ext>
               </p:extLst>
             </p:nvPr>
@@ -36116,10 +36130,10 @@
           <p:cNvPr id="25" name="Rectangle 24">
             <a:extLst>
               <a:ext uri="{FF2B5EF4-FFF2-40B4-BE49-F238E27FC236}">
-                <a16:creationId xmlns="" xmlns:a16="http://schemas.microsoft.com/office/drawing/2014/main" id="{4F57DB1C-6494-4CC4-A5E8-931957565379}"/>
+                <a16:creationId xmlns:a16="http://schemas.microsoft.com/office/drawing/2014/main" xmlns="" id="{4F57DB1C-6494-4CC4-A5E8-931957565379}"/>
               </a:ext>
               <a:ext uri="{C183D7F6-B498-43B3-948B-1728B52AA6E4}">
-                <adec:decorative xmlns="" xmlns:adec="http://schemas.microsoft.com/office/drawing/2017/decorative" val="1"/>
+                <adec:decorative xmlns:adec="http://schemas.microsoft.com/office/drawing/2017/decorative" xmlns="" val="1"/>
               </a:ext>
             </a:extLst>
           </p:cNvPr>
@@ -36129,7 +36143,7 @@
           <p:nvPr>
             <p:extLst>
               <p:ext uri="{386F3935-93C4-4BCD-93E2-E3B085C9AB24}">
-                <p16:designElem xmlns="" xmlns:p16="http://schemas.microsoft.com/office/powerpoint/2015/main" val="1"/>
+                <p16:designElem xmlns:p16="http://schemas.microsoft.com/office/powerpoint/2015/main" val="1"/>
               </p:ext>
             </p:extLst>
           </p:nvPr>
@@ -36176,10 +36190,10 @@
           <p:cNvPr id="27" name="Isosceles Triangle 26">
             <a:extLst>
               <a:ext uri="{FF2B5EF4-FFF2-40B4-BE49-F238E27FC236}">
-                <a16:creationId xmlns="" xmlns:a16="http://schemas.microsoft.com/office/drawing/2014/main" id="{FFFB778B-5206-4BB0-A468-327E71367654}"/>
+                <a16:creationId xmlns:a16="http://schemas.microsoft.com/office/drawing/2014/main" xmlns="" id="{FFFB778B-5206-4BB0-A468-327E71367654}"/>
               </a:ext>
               <a:ext uri="{C183D7F6-B498-43B3-948B-1728B52AA6E4}">
-                <adec:decorative xmlns="" xmlns:adec="http://schemas.microsoft.com/office/drawing/2017/decorative" val="1"/>
+                <adec:decorative xmlns:adec="http://schemas.microsoft.com/office/drawing/2017/decorative" xmlns="" val="1"/>
               </a:ext>
             </a:extLst>
           </p:cNvPr>
@@ -36189,7 +36203,7 @@
           <p:nvPr>
             <p:extLst>
               <p:ext uri="{386F3935-93C4-4BCD-93E2-E3B085C9AB24}">
-                <p16:designElem xmlns="" xmlns:p16="http://schemas.microsoft.com/office/powerpoint/2015/main" val="1"/>
+                <p16:designElem xmlns:p16="http://schemas.microsoft.com/office/powerpoint/2015/main" val="1"/>
               </p:ext>
             </p:extLst>
           </p:nvPr>
@@ -36234,10 +36248,10 @@
           <p:cNvPr id="29" name="Freeform: Shape 28">
             <a:extLst>
               <a:ext uri="{FF2B5EF4-FFF2-40B4-BE49-F238E27FC236}">
-                <a16:creationId xmlns="" xmlns:a16="http://schemas.microsoft.com/office/drawing/2014/main" id="{E6C0471D-BE03-4D81-BDB5-D510BC0D8A77}"/>
+                <a16:creationId xmlns:a16="http://schemas.microsoft.com/office/drawing/2014/main" xmlns="" id="{E6C0471D-BE03-4D81-BDB5-D510BC0D8A77}"/>
               </a:ext>
               <a:ext uri="{C183D7F6-B498-43B3-948B-1728B52AA6E4}">
-                <adec:decorative xmlns="" xmlns:adec="http://schemas.microsoft.com/office/drawing/2017/decorative" val="1"/>
+                <adec:decorative xmlns:adec="http://schemas.microsoft.com/office/drawing/2017/decorative" xmlns="" val="1"/>
               </a:ext>
             </a:extLst>
           </p:cNvPr>
@@ -36247,7 +36261,7 @@
           <p:nvPr>
             <p:extLst>
               <p:ext uri="{386F3935-93C4-4BCD-93E2-E3B085C9AB24}">
-                <p16:designElem xmlns="" xmlns:p16="http://schemas.microsoft.com/office/powerpoint/2015/main" val="1"/>
+                <p16:designElem xmlns:p16="http://schemas.microsoft.com/office/powerpoint/2015/main" val="1"/>
               </p:ext>
             </p:extLst>
           </p:nvPr>
@@ -36398,10 +36412,10 @@
           <p:cNvPr id="31" name="Straight Connector 30">
             <a:extLst>
               <a:ext uri="{FF2B5EF4-FFF2-40B4-BE49-F238E27FC236}">
-                <a16:creationId xmlns="" xmlns:a16="http://schemas.microsoft.com/office/drawing/2014/main" id="{22721A85-1EA4-4D87-97AB-0BB4AB78F92D}"/>
+                <a16:creationId xmlns:a16="http://schemas.microsoft.com/office/drawing/2014/main" xmlns="" id="{22721A85-1EA4-4D87-97AB-0BB4AB78F92D}"/>
               </a:ext>
               <a:ext uri="{C183D7F6-B498-43B3-948B-1728B52AA6E4}">
-                <adec:decorative xmlns="" xmlns:adec="http://schemas.microsoft.com/office/drawing/2017/decorative" val="1"/>
+                <adec:decorative xmlns:adec="http://schemas.microsoft.com/office/drawing/2017/decorative" xmlns="" val="1"/>
               </a:ext>
             </a:extLst>
           </p:cNvPr>
@@ -36411,7 +36425,7 @@
           <p:nvPr>
             <p:extLst>
               <p:ext uri="{386F3935-93C4-4BCD-93E2-E3B085C9AB24}">
-                <p16:designElem xmlns="" xmlns:p16="http://schemas.microsoft.com/office/powerpoint/2015/main" val="1"/>
+                <p16:designElem xmlns:p16="http://schemas.microsoft.com/office/powerpoint/2015/main" val="1"/>
               </p:ext>
             </p:extLst>
           </p:nvPr>
@@ -36451,10 +36465,10 @@
           <p:cNvPr id="33" name="Straight Connector 32">
             <a:extLst>
               <a:ext uri="{FF2B5EF4-FFF2-40B4-BE49-F238E27FC236}">
-                <a16:creationId xmlns="" xmlns:a16="http://schemas.microsoft.com/office/drawing/2014/main" id="{E5E836EB-03CD-4BA5-A751-21D2ACC28303}"/>
+                <a16:creationId xmlns:a16="http://schemas.microsoft.com/office/drawing/2014/main" xmlns="" id="{E5E836EB-03CD-4BA5-A751-21D2ACC28303}"/>
               </a:ext>
               <a:ext uri="{C183D7F6-B498-43B3-948B-1728B52AA6E4}">
-                <adec:decorative xmlns="" xmlns:adec="http://schemas.microsoft.com/office/drawing/2017/decorative" val="1"/>
+                <adec:decorative xmlns:adec="http://schemas.microsoft.com/office/drawing/2017/decorative" xmlns="" val="1"/>
               </a:ext>
             </a:extLst>
           </p:cNvPr>
@@ -36464,7 +36478,7 @@
           <p:nvPr>
             <p:extLst>
               <p:ext uri="{386F3935-93C4-4BCD-93E2-E3B085C9AB24}">
-                <p16:designElem xmlns="" xmlns:p16="http://schemas.microsoft.com/office/powerpoint/2015/main" val="1"/>
+                <p16:designElem xmlns:p16="http://schemas.microsoft.com/office/powerpoint/2015/main" val="1"/>
               </p:ext>
             </p:extLst>
           </p:nvPr>
@@ -36507,7 +36521,7 @@
           <p:cNvPr id="8" name="Text Placeholder 7">
             <a:extLst>
               <a:ext uri="{FF2B5EF4-FFF2-40B4-BE49-F238E27FC236}">
-                <a16:creationId xmlns="" xmlns:a16="http://schemas.microsoft.com/office/drawing/2014/main" id="{853A9304-F2B2-4B33-8E9B-B6C99B9FCBC9}"/>
+                <a16:creationId xmlns:a16="http://schemas.microsoft.com/office/drawing/2014/main" xmlns="" id="{853A9304-F2B2-4B33-8E9B-B6C99B9FCBC9}"/>
               </a:ext>
             </a:extLst>
           </p:cNvPr>
@@ -36605,10 +36619,10 @@
           <p:cNvPr id="35" name="Isosceles Triangle 34">
             <a:extLst>
               <a:ext uri="{FF2B5EF4-FFF2-40B4-BE49-F238E27FC236}">
-                <a16:creationId xmlns="" xmlns:a16="http://schemas.microsoft.com/office/drawing/2014/main" id="{A27691EB-14CF-4237-B5EB-C94B92677A05}"/>
+                <a16:creationId xmlns:a16="http://schemas.microsoft.com/office/drawing/2014/main" xmlns="" id="{A27691EB-14CF-4237-B5EB-C94B92677A05}"/>
               </a:ext>
               <a:ext uri="{C183D7F6-B498-43B3-948B-1728B52AA6E4}">
-                <adec:decorative xmlns="" xmlns:adec="http://schemas.microsoft.com/office/drawing/2017/decorative" val="1"/>
+                <adec:decorative xmlns:adec="http://schemas.microsoft.com/office/drawing/2017/decorative" xmlns="" val="1"/>
               </a:ext>
             </a:extLst>
           </p:cNvPr>
@@ -36618,7 +36632,7 @@
           <p:nvPr>
             <p:extLst>
               <p:ext uri="{386F3935-93C4-4BCD-93E2-E3B085C9AB24}">
-                <p16:designElem xmlns="" xmlns:p16="http://schemas.microsoft.com/office/powerpoint/2015/main" val="1"/>
+                <p16:designElem xmlns:p16="http://schemas.microsoft.com/office/powerpoint/2015/main" val="1"/>
               </p:ext>
             </p:extLst>
           </p:nvPr>
@@ -36663,7 +36677,7 @@
           <p:cNvPr id="5" name="Footer Placeholder 4">
             <a:extLst>
               <a:ext uri="{FF2B5EF4-FFF2-40B4-BE49-F238E27FC236}">
-                <a16:creationId xmlns="" xmlns:a16="http://schemas.microsoft.com/office/drawing/2014/main" id="{2171A385-453B-4826-8C51-C7FCE9804675}"/>
+                <a16:creationId xmlns:a16="http://schemas.microsoft.com/office/drawing/2014/main" xmlns="" id="{2171A385-453B-4826-8C51-C7FCE9804675}"/>
               </a:ext>
             </a:extLst>
           </p:cNvPr>
@@ -36719,7 +36733,7 @@
           <p:cNvPr id="7" name="Title 6">
             <a:extLst>
               <a:ext uri="{FF2B5EF4-FFF2-40B4-BE49-F238E27FC236}">
-                <a16:creationId xmlns="" xmlns:a16="http://schemas.microsoft.com/office/drawing/2014/main" id="{0074CDFB-3424-4A48-B1AE-27413CAECC68}"/>
+                <a16:creationId xmlns:a16="http://schemas.microsoft.com/office/drawing/2014/main" xmlns="" id="{0074CDFB-3424-4A48-B1AE-27413CAECC68}"/>
               </a:ext>
             </a:extLst>
           </p:cNvPr>
@@ -36812,7 +36826,7 @@
           <p:cNvPr id="4" name="Date Placeholder 3">
             <a:extLst>
               <a:ext uri="{FF2B5EF4-FFF2-40B4-BE49-F238E27FC236}">
-                <a16:creationId xmlns="" xmlns:a16="http://schemas.microsoft.com/office/drawing/2014/main" id="{A2D1B2B7-8392-4F29-952B-B0B2866D7727}"/>
+                <a16:creationId xmlns:a16="http://schemas.microsoft.com/office/drawing/2014/main" xmlns="" id="{A2D1B2B7-8392-4F29-952B-B0B2866D7727}"/>
               </a:ext>
             </a:extLst>
           </p:cNvPr>
@@ -36853,7 +36867,7 @@
                   <a:spcPts val="600"/>
                 </a:spcAft>
               </a:pPr>
-              <a:t>December 23, 2019</a:t>
+              <a:t>December 24, 2019</a:t>
             </a:fld>
             <a:endParaRPr lang="en-US" sz="1050" kern="1200" dirty="0">
               <a:solidFill>
@@ -36870,7 +36884,7 @@
           <p:cNvPr id="6" name="Slide Number Placeholder 5">
             <a:extLst>
               <a:ext uri="{FF2B5EF4-FFF2-40B4-BE49-F238E27FC236}">
-                <a16:creationId xmlns="" xmlns:a16="http://schemas.microsoft.com/office/drawing/2014/main" id="{27866D24-6CFD-474B-9117-E0F3D6D86B10}"/>
+                <a16:creationId xmlns:a16="http://schemas.microsoft.com/office/drawing/2014/main" xmlns="" id="{27866D24-6CFD-474B-9117-E0F3D6D86B10}"/>
               </a:ext>
             </a:extLst>
           </p:cNvPr>
@@ -36966,10 +36980,10 @@
           <p:cNvPr id="33" name="Group 32">
             <a:extLst>
               <a:ext uri="{FF2B5EF4-FFF2-40B4-BE49-F238E27FC236}">
-                <a16:creationId xmlns="" xmlns:a16="http://schemas.microsoft.com/office/drawing/2014/main" id="{D920209C-E85B-4D6F-A56F-724F5ADA811C}"/>
+                <a16:creationId xmlns:a16="http://schemas.microsoft.com/office/drawing/2014/main" xmlns="" id="{D920209C-E85B-4D6F-A56F-724F5ADA811C}"/>
               </a:ext>
               <a:ext uri="{C183D7F6-B498-43B3-948B-1728B52AA6E4}">
-                <adec:decorative xmlns="" xmlns:adec="http://schemas.microsoft.com/office/drawing/2017/decorative" val="1"/>
+                <adec:decorative xmlns:adec="http://schemas.microsoft.com/office/drawing/2017/decorative" xmlns="" val="1"/>
               </a:ext>
             </a:extLst>
           </p:cNvPr>
@@ -36979,7 +36993,7 @@
           <p:nvPr>
             <p:extLst>
               <p:ext uri="{386F3935-93C4-4BCD-93E2-E3B085C9AB24}">
-                <p16:designElem xmlns="" xmlns:p16="http://schemas.microsoft.com/office/powerpoint/2015/main" val="1"/>
+                <p16:designElem xmlns:p16="http://schemas.microsoft.com/office/powerpoint/2015/main" val="1"/>
               </p:ext>
             </p:extLst>
           </p:nvPr>
@@ -36997,10 +37011,10 @@
             <p:cNvPr id="34" name="Straight Connector 33">
               <a:extLst>
                 <a:ext uri="{FF2B5EF4-FFF2-40B4-BE49-F238E27FC236}">
-                  <a16:creationId xmlns="" xmlns:a16="http://schemas.microsoft.com/office/drawing/2014/main" id="{9125522E-1DFD-4F78-912B-B922A2D39DAE}"/>
+                  <a16:creationId xmlns:a16="http://schemas.microsoft.com/office/drawing/2014/main" xmlns="" id="{9125522E-1DFD-4F78-912B-B922A2D39DAE}"/>
                 </a:ext>
                 <a:ext uri="{C183D7F6-B498-43B3-948B-1728B52AA6E4}">
-                  <adec:decorative xmlns="" xmlns:adec="http://schemas.microsoft.com/office/drawing/2017/decorative" val="1"/>
+                  <adec:decorative xmlns:adec="http://schemas.microsoft.com/office/drawing/2017/decorative" xmlns="" val="1"/>
                 </a:ext>
               </a:extLst>
             </p:cNvPr>
@@ -37008,7 +37022,7 @@
             <p:nvPr>
               <p:extLst>
                 <p:ext uri="{386F3935-93C4-4BCD-93E2-E3B085C9AB24}">
-                  <p16:designElem xmlns="" xmlns:p16="http://schemas.microsoft.com/office/powerpoint/2015/main" val="1"/>
+                  <p16:designElem xmlns:p16="http://schemas.microsoft.com/office/powerpoint/2015/main" val="1"/>
                 </p:ext>
               </p:extLst>
             </p:nvPr>
@@ -37049,10 +37063,10 @@
             <p:cNvPr id="35" name="Straight Connector 34">
               <a:extLst>
                 <a:ext uri="{FF2B5EF4-FFF2-40B4-BE49-F238E27FC236}">
-                  <a16:creationId xmlns="" xmlns:a16="http://schemas.microsoft.com/office/drawing/2014/main" id="{FDA72C10-FE9D-49B3-80CB-A7EE8BCB38F9}"/>
+                  <a16:creationId xmlns:a16="http://schemas.microsoft.com/office/drawing/2014/main" xmlns="" id="{FDA72C10-FE9D-49B3-80CB-A7EE8BCB38F9}"/>
                 </a:ext>
                 <a:ext uri="{C183D7F6-B498-43B3-948B-1728B52AA6E4}">
-                  <adec:decorative xmlns="" xmlns:adec="http://schemas.microsoft.com/office/drawing/2017/decorative" val="1"/>
+                  <adec:decorative xmlns:adec="http://schemas.microsoft.com/office/drawing/2017/decorative" xmlns="" val="1"/>
                 </a:ext>
               </a:extLst>
             </p:cNvPr>
@@ -37060,7 +37074,7 @@
             <p:nvPr>
               <p:extLst>
                 <p:ext uri="{386F3935-93C4-4BCD-93E2-E3B085C9AB24}">
-                  <p16:designElem xmlns="" xmlns:p16="http://schemas.microsoft.com/office/powerpoint/2015/main" val="1"/>
+                  <p16:designElem xmlns:p16="http://schemas.microsoft.com/office/powerpoint/2015/main" val="1"/>
                 </p:ext>
               </p:extLst>
             </p:nvPr>
@@ -37101,10 +37115,10 @@
             <p:cNvPr id="36" name="Rectangle 23">
               <a:extLst>
                 <a:ext uri="{FF2B5EF4-FFF2-40B4-BE49-F238E27FC236}">
-                  <a16:creationId xmlns="" xmlns:a16="http://schemas.microsoft.com/office/drawing/2014/main" id="{6E7DF470-1055-45E4-AB9D-11E42EC53870}"/>
+                  <a16:creationId xmlns:a16="http://schemas.microsoft.com/office/drawing/2014/main" xmlns="" id="{6E7DF470-1055-45E4-AB9D-11E42EC53870}"/>
                 </a:ext>
                 <a:ext uri="{C183D7F6-B498-43B3-948B-1728B52AA6E4}">
-                  <adec:decorative xmlns="" xmlns:adec="http://schemas.microsoft.com/office/drawing/2017/decorative" val="1"/>
+                  <adec:decorative xmlns:adec="http://schemas.microsoft.com/office/drawing/2017/decorative" xmlns="" val="1"/>
                 </a:ext>
               </a:extLst>
             </p:cNvPr>
@@ -37112,7 +37126,7 @@
             <p:nvPr>
               <p:extLst>
                 <p:ext uri="{386F3935-93C4-4BCD-93E2-E3B085C9AB24}">
-                  <p16:designElem xmlns="" xmlns:p16="http://schemas.microsoft.com/office/powerpoint/2015/main" val="1"/>
+                  <p16:designElem xmlns:p16="http://schemas.microsoft.com/office/powerpoint/2015/main" val="1"/>
                 </p:ext>
               </p:extLst>
             </p:nvPr>
@@ -37179,10 +37193,10 @@
             <p:cNvPr id="37" name="Rectangle 25">
               <a:extLst>
                 <a:ext uri="{FF2B5EF4-FFF2-40B4-BE49-F238E27FC236}">
-                  <a16:creationId xmlns="" xmlns:a16="http://schemas.microsoft.com/office/drawing/2014/main" id="{6AA35CFF-3837-4B7F-B875-718AC2E14EE7}"/>
+                  <a16:creationId xmlns:a16="http://schemas.microsoft.com/office/drawing/2014/main" xmlns="" id="{6AA35CFF-3837-4B7F-B875-718AC2E14EE7}"/>
                 </a:ext>
                 <a:ext uri="{C183D7F6-B498-43B3-948B-1728B52AA6E4}">
-                  <adec:decorative xmlns="" xmlns:adec="http://schemas.microsoft.com/office/drawing/2017/decorative" val="1"/>
+                  <adec:decorative xmlns:adec="http://schemas.microsoft.com/office/drawing/2017/decorative" xmlns="" val="1"/>
                 </a:ext>
               </a:extLst>
             </p:cNvPr>
@@ -37190,7 +37204,7 @@
             <p:nvPr>
               <p:extLst>
                 <p:ext uri="{386F3935-93C4-4BCD-93E2-E3B085C9AB24}">
-                  <p16:designElem xmlns="" xmlns:p16="http://schemas.microsoft.com/office/powerpoint/2015/main" val="1"/>
+                  <p16:designElem xmlns:p16="http://schemas.microsoft.com/office/powerpoint/2015/main" val="1"/>
                 </p:ext>
               </p:extLst>
             </p:nvPr>
@@ -37257,10 +37271,10 @@
             <p:cNvPr id="38" name="Isosceles Triangle 37">
               <a:extLst>
                 <a:ext uri="{FF2B5EF4-FFF2-40B4-BE49-F238E27FC236}">
-                  <a16:creationId xmlns="" xmlns:a16="http://schemas.microsoft.com/office/drawing/2014/main" id="{62F41804-A347-47E3-8BD8-BD00CF2F6441}"/>
+                  <a16:creationId xmlns:a16="http://schemas.microsoft.com/office/drawing/2014/main" xmlns="" id="{62F41804-A347-47E3-8BD8-BD00CF2F6441}"/>
                 </a:ext>
                 <a:ext uri="{C183D7F6-B498-43B3-948B-1728B52AA6E4}">
-                  <adec:decorative xmlns="" xmlns:adec="http://schemas.microsoft.com/office/drawing/2017/decorative" val="1"/>
+                  <adec:decorative xmlns:adec="http://schemas.microsoft.com/office/drawing/2017/decorative" xmlns="" val="1"/>
                 </a:ext>
               </a:extLst>
             </p:cNvPr>
@@ -37268,7 +37282,7 @@
             <p:nvPr>
               <p:extLst>
                 <p:ext uri="{386F3935-93C4-4BCD-93E2-E3B085C9AB24}">
-                  <p16:designElem xmlns="" xmlns:p16="http://schemas.microsoft.com/office/powerpoint/2015/main" val="1"/>
+                  <p16:designElem xmlns:p16="http://schemas.microsoft.com/office/powerpoint/2015/main" val="1"/>
                 </p:ext>
               </p:extLst>
             </p:nvPr>
@@ -37313,10 +37327,10 @@
             <p:cNvPr id="39" name="Rectangle 27">
               <a:extLst>
                 <a:ext uri="{FF2B5EF4-FFF2-40B4-BE49-F238E27FC236}">
-                  <a16:creationId xmlns="" xmlns:a16="http://schemas.microsoft.com/office/drawing/2014/main" id="{76894B81-EE9C-4546-BCFA-DD9ED2C0ADB6}"/>
+                  <a16:creationId xmlns:a16="http://schemas.microsoft.com/office/drawing/2014/main" xmlns="" id="{76894B81-EE9C-4546-BCFA-DD9ED2C0ADB6}"/>
                 </a:ext>
                 <a:ext uri="{C183D7F6-B498-43B3-948B-1728B52AA6E4}">
-                  <adec:decorative xmlns="" xmlns:adec="http://schemas.microsoft.com/office/drawing/2017/decorative" val="1"/>
+                  <adec:decorative xmlns:adec="http://schemas.microsoft.com/office/drawing/2017/decorative" xmlns="" val="1"/>
                 </a:ext>
               </a:extLst>
             </p:cNvPr>
@@ -37324,7 +37338,7 @@
             <p:nvPr>
               <p:extLst>
                 <p:ext uri="{386F3935-93C4-4BCD-93E2-E3B085C9AB24}">
-                  <p16:designElem xmlns="" xmlns:p16="http://schemas.microsoft.com/office/powerpoint/2015/main" val="1"/>
+                  <p16:designElem xmlns:p16="http://schemas.microsoft.com/office/powerpoint/2015/main" val="1"/>
                 </p:ext>
               </p:extLst>
             </p:nvPr>
@@ -37392,10 +37406,10 @@
             <p:cNvPr id="40" name="Rectangle 28">
               <a:extLst>
                 <a:ext uri="{FF2B5EF4-FFF2-40B4-BE49-F238E27FC236}">
-                  <a16:creationId xmlns="" xmlns:a16="http://schemas.microsoft.com/office/drawing/2014/main" id="{3AF181D1-71AC-43D8-A6E1-D4C488D5DC56}"/>
+                  <a16:creationId xmlns:a16="http://schemas.microsoft.com/office/drawing/2014/main" xmlns="" id="{3AF181D1-71AC-43D8-A6E1-D4C488D5DC56}"/>
                 </a:ext>
                 <a:ext uri="{C183D7F6-B498-43B3-948B-1728B52AA6E4}">
-                  <adec:decorative xmlns="" xmlns:adec="http://schemas.microsoft.com/office/drawing/2017/decorative" val="1"/>
+                  <adec:decorative xmlns:adec="http://schemas.microsoft.com/office/drawing/2017/decorative" xmlns="" val="1"/>
                 </a:ext>
               </a:extLst>
             </p:cNvPr>
@@ -37403,7 +37417,7 @@
             <p:nvPr>
               <p:extLst>
                 <p:ext uri="{386F3935-93C4-4BCD-93E2-E3B085C9AB24}">
-                  <p16:designElem xmlns="" xmlns:p16="http://schemas.microsoft.com/office/powerpoint/2015/main" val="1"/>
+                  <p16:designElem xmlns:p16="http://schemas.microsoft.com/office/powerpoint/2015/main" val="1"/>
                 </p:ext>
               </p:extLst>
             </p:nvPr>
@@ -37472,10 +37486,10 @@
             <p:cNvPr id="41" name="Rectangle 29">
               <a:extLst>
                 <a:ext uri="{FF2B5EF4-FFF2-40B4-BE49-F238E27FC236}">
-                  <a16:creationId xmlns="" xmlns:a16="http://schemas.microsoft.com/office/drawing/2014/main" id="{4132D661-917C-4D2D-8E37-8590B55D91F8}"/>
+                  <a16:creationId xmlns:a16="http://schemas.microsoft.com/office/drawing/2014/main" xmlns="" id="{4132D661-917C-4D2D-8E37-8590B55D91F8}"/>
                 </a:ext>
                 <a:ext uri="{C183D7F6-B498-43B3-948B-1728B52AA6E4}">
-                  <adec:decorative xmlns="" xmlns:adec="http://schemas.microsoft.com/office/drawing/2017/decorative" val="1"/>
+                  <adec:decorative xmlns:adec="http://schemas.microsoft.com/office/drawing/2017/decorative" xmlns="" val="1"/>
                 </a:ext>
               </a:extLst>
             </p:cNvPr>
@@ -37483,7 +37497,7 @@
             <p:nvPr>
               <p:extLst>
                 <p:ext uri="{386F3935-93C4-4BCD-93E2-E3B085C9AB24}">
-                  <p16:designElem xmlns="" xmlns:p16="http://schemas.microsoft.com/office/powerpoint/2015/main" val="1"/>
+                  <p16:designElem xmlns:p16="http://schemas.microsoft.com/office/powerpoint/2015/main" val="1"/>
                 </p:ext>
               </p:extLst>
             </p:nvPr>
@@ -37550,10 +37564,10 @@
             <p:cNvPr id="42" name="Isosceles Triangle 41">
               <a:extLst>
                 <a:ext uri="{FF2B5EF4-FFF2-40B4-BE49-F238E27FC236}">
-                  <a16:creationId xmlns="" xmlns:a16="http://schemas.microsoft.com/office/drawing/2014/main" id="{7969643D-8B71-434D-A235-68CB241F9DCF}"/>
+                  <a16:creationId xmlns:a16="http://schemas.microsoft.com/office/drawing/2014/main" xmlns="" id="{7969643D-8B71-434D-A235-68CB241F9DCF}"/>
                 </a:ext>
                 <a:ext uri="{C183D7F6-B498-43B3-948B-1728B52AA6E4}">
-                  <adec:decorative xmlns="" xmlns:adec="http://schemas.microsoft.com/office/drawing/2017/decorative" val="1"/>
+                  <adec:decorative xmlns:adec="http://schemas.microsoft.com/office/drawing/2017/decorative" xmlns="" val="1"/>
                 </a:ext>
               </a:extLst>
             </p:cNvPr>
@@ -37561,7 +37575,7 @@
             <p:nvPr>
               <p:extLst>
                 <p:ext uri="{386F3935-93C4-4BCD-93E2-E3B085C9AB24}">
-                  <p16:designElem xmlns="" xmlns:p16="http://schemas.microsoft.com/office/powerpoint/2015/main" val="1"/>
+                  <p16:designElem xmlns:p16="http://schemas.microsoft.com/office/powerpoint/2015/main" val="1"/>
                 </p:ext>
               </p:extLst>
             </p:nvPr>
@@ -37606,10 +37620,10 @@
             <p:cNvPr id="63" name="Isosceles Triangle 42">
               <a:extLst>
                 <a:ext uri="{FF2B5EF4-FFF2-40B4-BE49-F238E27FC236}">
-                  <a16:creationId xmlns="" xmlns:a16="http://schemas.microsoft.com/office/drawing/2014/main" id="{DF15C24A-4BCF-47C0-B2FA-76A0EF3384D1}"/>
+                  <a16:creationId xmlns:a16="http://schemas.microsoft.com/office/drawing/2014/main" xmlns="" id="{DF15C24A-4BCF-47C0-B2FA-76A0EF3384D1}"/>
                 </a:ext>
                 <a:ext uri="{C183D7F6-B498-43B3-948B-1728B52AA6E4}">
-                  <adec:decorative xmlns="" xmlns:adec="http://schemas.microsoft.com/office/drawing/2017/decorative" val="1"/>
+                  <adec:decorative xmlns:adec="http://schemas.microsoft.com/office/drawing/2017/decorative" xmlns="" val="1"/>
                 </a:ext>
               </a:extLst>
             </p:cNvPr>
@@ -37617,7 +37631,7 @@
             <p:nvPr>
               <p:extLst>
                 <p:ext uri="{386F3935-93C4-4BCD-93E2-E3B085C9AB24}">
-                  <p16:designElem xmlns="" xmlns:p16="http://schemas.microsoft.com/office/powerpoint/2015/main" val="1"/>
+                  <p16:designElem xmlns:p16="http://schemas.microsoft.com/office/powerpoint/2015/main" val="1"/>
                 </p:ext>
               </p:extLst>
             </p:nvPr>
@@ -37663,10 +37677,10 @@
           <p:cNvPr id="64" name="Rectangle 44">
             <a:extLst>
               <a:ext uri="{FF2B5EF4-FFF2-40B4-BE49-F238E27FC236}">
-                <a16:creationId xmlns="" xmlns:a16="http://schemas.microsoft.com/office/drawing/2014/main" id="{9F4444CE-BC8D-4D61-B303-4C05614E62AB}"/>
+                <a16:creationId xmlns:a16="http://schemas.microsoft.com/office/drawing/2014/main" xmlns="" id="{9F4444CE-BC8D-4D61-B303-4C05614E62AB}"/>
               </a:ext>
               <a:ext uri="{C183D7F6-B498-43B3-948B-1728B52AA6E4}">
-                <adec:decorative xmlns="" xmlns:adec="http://schemas.microsoft.com/office/drawing/2017/decorative" val="1"/>
+                <adec:decorative xmlns:adec="http://schemas.microsoft.com/office/drawing/2017/decorative" xmlns="" val="1"/>
               </a:ext>
             </a:extLst>
           </p:cNvPr>
@@ -37676,7 +37690,7 @@
           <p:nvPr>
             <p:extLst>
               <p:ext uri="{386F3935-93C4-4BCD-93E2-E3B085C9AB24}">
-                <p16:designElem xmlns="" xmlns:p16="http://schemas.microsoft.com/office/powerpoint/2015/main" val="1"/>
+                <p16:designElem xmlns:p16="http://schemas.microsoft.com/office/powerpoint/2015/main" val="1"/>
               </p:ext>
             </p:extLst>
           </p:nvPr>
@@ -37723,7 +37737,7 @@
           <p:cNvPr id="4" name="Title 3">
             <a:extLst>
               <a:ext uri="{FF2B5EF4-FFF2-40B4-BE49-F238E27FC236}">
-                <a16:creationId xmlns="" xmlns:a16="http://schemas.microsoft.com/office/drawing/2014/main" id="{069A68E1-4969-4864-9761-493D183FCF9A}"/>
+                <a16:creationId xmlns:a16="http://schemas.microsoft.com/office/drawing/2014/main" xmlns="" id="{069A68E1-4969-4864-9761-493D183FCF9A}"/>
               </a:ext>
             </a:extLst>
           </p:cNvPr>
@@ -37807,10 +37821,10 @@
           <p:cNvPr id="65" name="Isosceles Triangle 46">
             <a:extLst>
               <a:ext uri="{FF2B5EF4-FFF2-40B4-BE49-F238E27FC236}">
-                <a16:creationId xmlns="" xmlns:a16="http://schemas.microsoft.com/office/drawing/2014/main" id="{73772B81-181F-48B7-8826-4D9686D15DF5}"/>
+                <a16:creationId xmlns:a16="http://schemas.microsoft.com/office/drawing/2014/main" xmlns="" id="{73772B81-181F-48B7-8826-4D9686D15DF5}"/>
               </a:ext>
               <a:ext uri="{C183D7F6-B498-43B3-948B-1728B52AA6E4}">
-                <adec:decorative xmlns="" xmlns:adec="http://schemas.microsoft.com/office/drawing/2017/decorative" val="1"/>
+                <adec:decorative xmlns:adec="http://schemas.microsoft.com/office/drawing/2017/decorative" xmlns="" val="1"/>
               </a:ext>
             </a:extLst>
           </p:cNvPr>
@@ -37820,7 +37834,7 @@
           <p:nvPr>
             <p:extLst>
               <p:ext uri="{386F3935-93C4-4BCD-93E2-E3B085C9AB24}">
-                <p16:designElem xmlns="" xmlns:p16="http://schemas.microsoft.com/office/powerpoint/2015/main" val="1"/>
+                <p16:designElem xmlns:p16="http://schemas.microsoft.com/office/powerpoint/2015/main" val="1"/>
               </p:ext>
             </p:extLst>
           </p:nvPr>
@@ -37865,10 +37879,10 @@
           <p:cNvPr id="66" name="Isosceles Triangle 48">
             <a:extLst>
               <a:ext uri="{FF2B5EF4-FFF2-40B4-BE49-F238E27FC236}">
-                <a16:creationId xmlns="" xmlns:a16="http://schemas.microsoft.com/office/drawing/2014/main" id="{B2205F6E-03C6-4E92-877C-E2482F6599AA}"/>
+                <a16:creationId xmlns:a16="http://schemas.microsoft.com/office/drawing/2014/main" xmlns="" id="{B2205F6E-03C6-4E92-877C-E2482F6599AA}"/>
               </a:ext>
               <a:ext uri="{C183D7F6-B498-43B3-948B-1728B52AA6E4}">
-                <adec:decorative xmlns="" xmlns:adec="http://schemas.microsoft.com/office/drawing/2017/decorative" val="1"/>
+                <adec:decorative xmlns:adec="http://schemas.microsoft.com/office/drawing/2017/decorative" xmlns="" val="1"/>
               </a:ext>
             </a:extLst>
           </p:cNvPr>
@@ -37878,7 +37892,7 @@
           <p:nvPr>
             <p:extLst>
               <p:ext uri="{386F3935-93C4-4BCD-93E2-E3B085C9AB24}">
-                <p16:designElem xmlns="" xmlns:p16="http://schemas.microsoft.com/office/powerpoint/2015/main" val="1"/>
+                <p16:designElem xmlns:p16="http://schemas.microsoft.com/office/powerpoint/2015/main" val="1"/>
               </p:ext>
             </p:extLst>
           </p:nvPr>
@@ -37923,7 +37937,7 @@
           <p:cNvPr id="28" name="Content Placeholder 4">
             <a:extLst>
               <a:ext uri="{FF2B5EF4-FFF2-40B4-BE49-F238E27FC236}">
-                <a16:creationId xmlns="" xmlns:a16="http://schemas.microsoft.com/office/drawing/2014/main" id="{E0A43AD5-D666-403E-B7F4-515412EBC60C}"/>
+                <a16:creationId xmlns:a16="http://schemas.microsoft.com/office/drawing/2014/main" xmlns="" id="{E0A43AD5-D666-403E-B7F4-515412EBC60C}"/>
               </a:ext>
             </a:extLst>
           </p:cNvPr>
@@ -37992,10 +38006,10 @@
           <p:cNvPr id="11" name="Group 10">
             <a:extLst>
               <a:ext uri="{FF2B5EF4-FFF2-40B4-BE49-F238E27FC236}">
-                <a16:creationId xmlns="" xmlns:a16="http://schemas.microsoft.com/office/drawing/2014/main" id="{09EA7EA7-74F5-4EE2-8E3D-1A10308259D7}"/>
+                <a16:creationId xmlns:a16="http://schemas.microsoft.com/office/drawing/2014/main" xmlns="" id="{09EA7EA7-74F5-4EE2-8E3D-1A10308259D7}"/>
               </a:ext>
               <a:ext uri="{C183D7F6-B498-43B3-948B-1728B52AA6E4}">
-                <adec:decorative xmlns="" xmlns:adec="http://schemas.microsoft.com/office/drawing/2017/decorative" val="1"/>
+                <adec:decorative xmlns:adec="http://schemas.microsoft.com/office/drawing/2017/decorative" xmlns="" val="1"/>
               </a:ext>
             </a:extLst>
           </p:cNvPr>
@@ -38005,7 +38019,7 @@
           <p:nvPr>
             <p:extLst>
               <p:ext uri="{386F3935-93C4-4BCD-93E2-E3B085C9AB24}">
-                <p16:designElem xmlns="" xmlns:p16="http://schemas.microsoft.com/office/powerpoint/2015/main" val="1"/>
+                <p16:designElem xmlns:p16="http://schemas.microsoft.com/office/powerpoint/2015/main" val="1"/>
               </p:ext>
             </p:extLst>
           </p:nvPr>
@@ -38023,10 +38037,10 @@
             <p:cNvPr id="12" name="Straight Connector 11">
               <a:extLst>
                 <a:ext uri="{FF2B5EF4-FFF2-40B4-BE49-F238E27FC236}">
-                  <a16:creationId xmlns="" xmlns:a16="http://schemas.microsoft.com/office/drawing/2014/main" id="{A5CE79B5-7EE4-424D-AD14-5DEFB61B85C8}"/>
+                  <a16:creationId xmlns:a16="http://schemas.microsoft.com/office/drawing/2014/main" xmlns="" id="{A5CE79B5-7EE4-424D-AD14-5DEFB61B85C8}"/>
                 </a:ext>
                 <a:ext uri="{C183D7F6-B498-43B3-948B-1728B52AA6E4}">
-                  <adec:decorative xmlns="" xmlns:adec="http://schemas.microsoft.com/office/drawing/2017/decorative" val="1"/>
+                  <adec:decorative xmlns:adec="http://schemas.microsoft.com/office/drawing/2017/decorative" xmlns="" val="1"/>
                 </a:ext>
               </a:extLst>
             </p:cNvPr>
@@ -38034,7 +38048,7 @@
             <p:nvPr>
               <p:extLst>
                 <p:ext uri="{386F3935-93C4-4BCD-93E2-E3B085C9AB24}">
-                  <p16:designElem xmlns="" xmlns:p16="http://schemas.microsoft.com/office/powerpoint/2015/main" val="1"/>
+                  <p16:designElem xmlns:p16="http://schemas.microsoft.com/office/powerpoint/2015/main" val="1"/>
                 </p:ext>
               </p:extLst>
             </p:nvPr>
@@ -38075,10 +38089,10 @@
             <p:cNvPr id="13" name="Straight Connector 12">
               <a:extLst>
                 <a:ext uri="{FF2B5EF4-FFF2-40B4-BE49-F238E27FC236}">
-                  <a16:creationId xmlns="" xmlns:a16="http://schemas.microsoft.com/office/drawing/2014/main" id="{696C926F-F999-44BA-8D86-9EAB51D65010}"/>
+                  <a16:creationId xmlns:a16="http://schemas.microsoft.com/office/drawing/2014/main" xmlns="" id="{696C926F-F999-44BA-8D86-9EAB51D65010}"/>
                 </a:ext>
                 <a:ext uri="{C183D7F6-B498-43B3-948B-1728B52AA6E4}">
-                  <adec:decorative xmlns="" xmlns:adec="http://schemas.microsoft.com/office/drawing/2017/decorative" val="1"/>
+                  <adec:decorative xmlns:adec="http://schemas.microsoft.com/office/drawing/2017/decorative" xmlns="" val="1"/>
                 </a:ext>
               </a:extLst>
             </p:cNvPr>
@@ -38086,7 +38100,7 @@
             <p:nvPr>
               <p:extLst>
                 <p:ext uri="{386F3935-93C4-4BCD-93E2-E3B085C9AB24}">
-                  <p16:designElem xmlns="" xmlns:p16="http://schemas.microsoft.com/office/powerpoint/2015/main" val="1"/>
+                  <p16:designElem xmlns:p16="http://schemas.microsoft.com/office/powerpoint/2015/main" val="1"/>
                 </p:ext>
               </p:extLst>
             </p:nvPr>
@@ -38127,10 +38141,10 @@
             <p:cNvPr id="14" name="Rectangle 23">
               <a:extLst>
                 <a:ext uri="{FF2B5EF4-FFF2-40B4-BE49-F238E27FC236}">
-                  <a16:creationId xmlns="" xmlns:a16="http://schemas.microsoft.com/office/drawing/2014/main" id="{248745E7-0AF0-48F9-8E58-2673FC5F4FDE}"/>
+                  <a16:creationId xmlns:a16="http://schemas.microsoft.com/office/drawing/2014/main" xmlns="" id="{248745E7-0AF0-48F9-8E58-2673FC5F4FDE}"/>
                 </a:ext>
                 <a:ext uri="{C183D7F6-B498-43B3-948B-1728B52AA6E4}">
-                  <adec:decorative xmlns="" xmlns:adec="http://schemas.microsoft.com/office/drawing/2017/decorative" val="1"/>
+                  <adec:decorative xmlns:adec="http://schemas.microsoft.com/office/drawing/2017/decorative" xmlns="" val="1"/>
                 </a:ext>
               </a:extLst>
             </p:cNvPr>
@@ -38138,7 +38152,7 @@
             <p:nvPr>
               <p:extLst>
                 <p:ext uri="{386F3935-93C4-4BCD-93E2-E3B085C9AB24}">
-                  <p16:designElem xmlns="" xmlns:p16="http://schemas.microsoft.com/office/powerpoint/2015/main" val="1"/>
+                  <p16:designElem xmlns:p16="http://schemas.microsoft.com/office/powerpoint/2015/main" val="1"/>
                 </p:ext>
               </p:extLst>
             </p:nvPr>
@@ -38205,10 +38219,10 @@
             <p:cNvPr id="15" name="Rectangle 25">
               <a:extLst>
                 <a:ext uri="{FF2B5EF4-FFF2-40B4-BE49-F238E27FC236}">
-                  <a16:creationId xmlns="" xmlns:a16="http://schemas.microsoft.com/office/drawing/2014/main" id="{9715E81A-D2E0-4431-9370-4E4A9ECA7F9C}"/>
+                  <a16:creationId xmlns:a16="http://schemas.microsoft.com/office/drawing/2014/main" xmlns="" id="{9715E81A-D2E0-4431-9370-4E4A9ECA7F9C}"/>
                 </a:ext>
                 <a:ext uri="{C183D7F6-B498-43B3-948B-1728B52AA6E4}">
-                  <adec:decorative xmlns="" xmlns:adec="http://schemas.microsoft.com/office/drawing/2017/decorative" val="1"/>
+                  <adec:decorative xmlns:adec="http://schemas.microsoft.com/office/drawing/2017/decorative" xmlns="" val="1"/>
                 </a:ext>
               </a:extLst>
             </p:cNvPr>
@@ -38216,7 +38230,7 @@
             <p:nvPr>
               <p:extLst>
                 <p:ext uri="{386F3935-93C4-4BCD-93E2-E3B085C9AB24}">
-                  <p16:designElem xmlns="" xmlns:p16="http://schemas.microsoft.com/office/powerpoint/2015/main" val="1"/>
+                  <p16:designElem xmlns:p16="http://schemas.microsoft.com/office/powerpoint/2015/main" val="1"/>
                 </p:ext>
               </p:extLst>
             </p:nvPr>
@@ -38283,10 +38297,10 @@
             <p:cNvPr id="16" name="Isosceles Triangle 15">
               <a:extLst>
                 <a:ext uri="{FF2B5EF4-FFF2-40B4-BE49-F238E27FC236}">
-                  <a16:creationId xmlns="" xmlns:a16="http://schemas.microsoft.com/office/drawing/2014/main" id="{CEDB37A9-282D-4DDB-85AD-B2090A82531F}"/>
+                  <a16:creationId xmlns:a16="http://schemas.microsoft.com/office/drawing/2014/main" xmlns="" id="{CEDB37A9-282D-4DDB-85AD-B2090A82531F}"/>
                 </a:ext>
                 <a:ext uri="{C183D7F6-B498-43B3-948B-1728B52AA6E4}">
-                  <adec:decorative xmlns="" xmlns:adec="http://schemas.microsoft.com/office/drawing/2017/decorative" val="1"/>
+                  <adec:decorative xmlns:adec="http://schemas.microsoft.com/office/drawing/2017/decorative" xmlns="" val="1"/>
                 </a:ext>
               </a:extLst>
             </p:cNvPr>
@@ -38294,7 +38308,7 @@
             <p:nvPr>
               <p:extLst>
                 <p:ext uri="{386F3935-93C4-4BCD-93E2-E3B085C9AB24}">
-                  <p16:designElem xmlns="" xmlns:p16="http://schemas.microsoft.com/office/powerpoint/2015/main" val="1"/>
+                  <p16:designElem xmlns:p16="http://schemas.microsoft.com/office/powerpoint/2015/main" val="1"/>
                 </p:ext>
               </p:extLst>
             </p:nvPr>
@@ -38339,10 +38353,10 @@
             <p:cNvPr id="17" name="Rectangle 27">
               <a:extLst>
                 <a:ext uri="{FF2B5EF4-FFF2-40B4-BE49-F238E27FC236}">
-                  <a16:creationId xmlns="" xmlns:a16="http://schemas.microsoft.com/office/drawing/2014/main" id="{533D5933-7F91-4F5E-BC31-42FD0E2D8DEF}"/>
+                  <a16:creationId xmlns:a16="http://schemas.microsoft.com/office/drawing/2014/main" xmlns="" id="{533D5933-7F91-4F5E-BC31-42FD0E2D8DEF}"/>
                 </a:ext>
                 <a:ext uri="{C183D7F6-B498-43B3-948B-1728B52AA6E4}">
-                  <adec:decorative xmlns="" xmlns:adec="http://schemas.microsoft.com/office/drawing/2017/decorative" val="1"/>
+                  <adec:decorative xmlns:adec="http://schemas.microsoft.com/office/drawing/2017/decorative" xmlns="" val="1"/>
                 </a:ext>
               </a:extLst>
             </p:cNvPr>
@@ -38350,7 +38364,7 @@
             <p:nvPr>
               <p:extLst>
                 <p:ext uri="{386F3935-93C4-4BCD-93E2-E3B085C9AB24}">
-                  <p16:designElem xmlns="" xmlns:p16="http://schemas.microsoft.com/office/powerpoint/2015/main" val="1"/>
+                  <p16:designElem xmlns:p16="http://schemas.microsoft.com/office/powerpoint/2015/main" val="1"/>
                 </p:ext>
               </p:extLst>
             </p:nvPr>
@@ -38418,10 +38432,10 @@
             <p:cNvPr id="18" name="Rectangle 28">
               <a:extLst>
                 <a:ext uri="{FF2B5EF4-FFF2-40B4-BE49-F238E27FC236}">
-                  <a16:creationId xmlns="" xmlns:a16="http://schemas.microsoft.com/office/drawing/2014/main" id="{37ADDF68-C9BE-46EA-83DE-2C07DD83960F}"/>
+                  <a16:creationId xmlns:a16="http://schemas.microsoft.com/office/drawing/2014/main" xmlns="" id="{37ADDF68-C9BE-46EA-83DE-2C07DD83960F}"/>
                 </a:ext>
                 <a:ext uri="{C183D7F6-B498-43B3-948B-1728B52AA6E4}">
-                  <adec:decorative xmlns="" xmlns:adec="http://schemas.microsoft.com/office/drawing/2017/decorative" val="1"/>
+                  <adec:decorative xmlns:adec="http://schemas.microsoft.com/office/drawing/2017/decorative" xmlns="" val="1"/>
                 </a:ext>
               </a:extLst>
             </p:cNvPr>
@@ -38429,7 +38443,7 @@
             <p:nvPr>
               <p:extLst>
                 <p:ext uri="{386F3935-93C4-4BCD-93E2-E3B085C9AB24}">
-                  <p16:designElem xmlns="" xmlns:p16="http://schemas.microsoft.com/office/powerpoint/2015/main" val="1"/>
+                  <p16:designElem xmlns:p16="http://schemas.microsoft.com/office/powerpoint/2015/main" val="1"/>
                 </p:ext>
               </p:extLst>
             </p:nvPr>
@@ -38498,10 +38512,10 @@
             <p:cNvPr id="19" name="Rectangle 29">
               <a:extLst>
                 <a:ext uri="{FF2B5EF4-FFF2-40B4-BE49-F238E27FC236}">
-                  <a16:creationId xmlns="" xmlns:a16="http://schemas.microsoft.com/office/drawing/2014/main" id="{10D67396-BABD-48A8-A892-CCB5095FA427}"/>
+                  <a16:creationId xmlns:a16="http://schemas.microsoft.com/office/drawing/2014/main" xmlns="" id="{10D67396-BABD-48A8-A892-CCB5095FA427}"/>
                 </a:ext>
                 <a:ext uri="{C183D7F6-B498-43B3-948B-1728B52AA6E4}">
-                  <adec:decorative xmlns="" xmlns:adec="http://schemas.microsoft.com/office/drawing/2017/decorative" val="1"/>
+                  <adec:decorative xmlns:adec="http://schemas.microsoft.com/office/drawing/2017/decorative" xmlns="" val="1"/>
                 </a:ext>
               </a:extLst>
             </p:cNvPr>
@@ -38509,7 +38523,7 @@
             <p:nvPr>
               <p:extLst>
                 <p:ext uri="{386F3935-93C4-4BCD-93E2-E3B085C9AB24}">
-                  <p16:designElem xmlns="" xmlns:p16="http://schemas.microsoft.com/office/powerpoint/2015/main" val="1"/>
+                  <p16:designElem xmlns:p16="http://schemas.microsoft.com/office/powerpoint/2015/main" val="1"/>
                 </p:ext>
               </p:extLst>
             </p:nvPr>
@@ -38576,10 +38590,10 @@
             <p:cNvPr id="20" name="Isosceles Triangle 19">
               <a:extLst>
                 <a:ext uri="{FF2B5EF4-FFF2-40B4-BE49-F238E27FC236}">
-                  <a16:creationId xmlns="" xmlns:a16="http://schemas.microsoft.com/office/drawing/2014/main" id="{626DA82A-72C2-4DF6-9CF0-0D1F6B96B529}"/>
+                  <a16:creationId xmlns:a16="http://schemas.microsoft.com/office/drawing/2014/main" xmlns="" id="{626DA82A-72C2-4DF6-9CF0-0D1F6B96B529}"/>
                 </a:ext>
                 <a:ext uri="{C183D7F6-B498-43B3-948B-1728B52AA6E4}">
-                  <adec:decorative xmlns="" xmlns:adec="http://schemas.microsoft.com/office/drawing/2017/decorative" val="1"/>
+                  <adec:decorative xmlns:adec="http://schemas.microsoft.com/office/drawing/2017/decorative" xmlns="" val="1"/>
                 </a:ext>
               </a:extLst>
             </p:cNvPr>
@@ -38587,7 +38601,7 @@
             <p:nvPr>
               <p:extLst>
                 <p:ext uri="{386F3935-93C4-4BCD-93E2-E3B085C9AB24}">
-                  <p16:designElem xmlns="" xmlns:p16="http://schemas.microsoft.com/office/powerpoint/2015/main" val="1"/>
+                  <p16:designElem xmlns:p16="http://schemas.microsoft.com/office/powerpoint/2015/main" val="1"/>
                 </p:ext>
               </p:extLst>
             </p:nvPr>
@@ -38632,10 +38646,10 @@
             <p:cNvPr id="21" name="Isosceles Triangle 20">
               <a:extLst>
                 <a:ext uri="{FF2B5EF4-FFF2-40B4-BE49-F238E27FC236}">
-                  <a16:creationId xmlns="" xmlns:a16="http://schemas.microsoft.com/office/drawing/2014/main" id="{8EE6DC63-4380-4BE0-A68A-8F01162BD192}"/>
+                  <a16:creationId xmlns:a16="http://schemas.microsoft.com/office/drawing/2014/main" xmlns="" id="{8EE6DC63-4380-4BE0-A68A-8F01162BD192}"/>
                 </a:ext>
                 <a:ext uri="{C183D7F6-B498-43B3-948B-1728B52AA6E4}">
-                  <adec:decorative xmlns="" xmlns:adec="http://schemas.microsoft.com/office/drawing/2017/decorative" val="1"/>
+                  <adec:decorative xmlns:adec="http://schemas.microsoft.com/office/drawing/2017/decorative" xmlns="" val="1"/>
                 </a:ext>
               </a:extLst>
             </p:cNvPr>
@@ -38643,7 +38657,7 @@
             <p:nvPr>
               <p:extLst>
                 <p:ext uri="{386F3935-93C4-4BCD-93E2-E3B085C9AB24}">
-                  <p16:designElem xmlns="" xmlns:p16="http://schemas.microsoft.com/office/powerpoint/2015/main" val="1"/>
+                  <p16:designElem xmlns:p16="http://schemas.microsoft.com/office/powerpoint/2015/main" val="1"/>
                 </p:ext>
               </p:extLst>
             </p:nvPr>
@@ -38689,10 +38703,10 @@
           <p:cNvPr id="23" name="Rectangle 22">
             <a:extLst>
               <a:ext uri="{FF2B5EF4-FFF2-40B4-BE49-F238E27FC236}">
-                <a16:creationId xmlns="" xmlns:a16="http://schemas.microsoft.com/office/drawing/2014/main" id="{8DF4D7F6-81B5-452A-9CE6-76D81F91D41B}"/>
+                <a16:creationId xmlns:a16="http://schemas.microsoft.com/office/drawing/2014/main" xmlns="" id="{8DF4D7F6-81B5-452A-9CE6-76D81F91D41B}"/>
               </a:ext>
               <a:ext uri="{C183D7F6-B498-43B3-948B-1728B52AA6E4}">
-                <adec:decorative xmlns="" xmlns:adec="http://schemas.microsoft.com/office/drawing/2017/decorative" val="1"/>
+                <adec:decorative xmlns:adec="http://schemas.microsoft.com/office/drawing/2017/decorative" xmlns="" val="1"/>
               </a:ext>
             </a:extLst>
           </p:cNvPr>
@@ -38702,7 +38716,7 @@
           <p:nvPr>
             <p:extLst>
               <p:ext uri="{386F3935-93C4-4BCD-93E2-E3B085C9AB24}">
-                <p16:designElem xmlns="" xmlns:p16="http://schemas.microsoft.com/office/powerpoint/2015/main" val="1"/>
+                <p16:designElem xmlns:p16="http://schemas.microsoft.com/office/powerpoint/2015/main" val="1"/>
               </p:ext>
             </p:extLst>
           </p:nvPr>
@@ -38749,7 +38763,7 @@
           <p:cNvPr id="3" name="Title 2">
             <a:extLst>
               <a:ext uri="{FF2B5EF4-FFF2-40B4-BE49-F238E27FC236}">
-                <a16:creationId xmlns="" xmlns:a16="http://schemas.microsoft.com/office/drawing/2014/main" id="{12FD7EA0-CFEB-4E75-8AFB-5B8FE68C9A91}"/>
+                <a16:creationId xmlns:a16="http://schemas.microsoft.com/office/drawing/2014/main" xmlns="" id="{12FD7EA0-CFEB-4E75-8AFB-5B8FE68C9A91}"/>
               </a:ext>
             </a:extLst>
           </p:cNvPr>
@@ -38793,10 +38807,10 @@
           <p:cNvPr id="25" name="Isosceles Triangle 24">
             <a:extLst>
               <a:ext uri="{FF2B5EF4-FFF2-40B4-BE49-F238E27FC236}">
-                <a16:creationId xmlns="" xmlns:a16="http://schemas.microsoft.com/office/drawing/2014/main" id="{4600514D-20FB-4559-97DC-D1DC39E6C3DE}"/>
+                <a16:creationId xmlns:a16="http://schemas.microsoft.com/office/drawing/2014/main" xmlns="" id="{4600514D-20FB-4559-97DC-D1DC39E6C3DE}"/>
               </a:ext>
               <a:ext uri="{C183D7F6-B498-43B3-948B-1728B52AA6E4}">
-                <adec:decorative xmlns="" xmlns:adec="http://schemas.microsoft.com/office/drawing/2017/decorative" val="1"/>
+                <adec:decorative xmlns:adec="http://schemas.microsoft.com/office/drawing/2017/decorative" xmlns="" val="1"/>
               </a:ext>
             </a:extLst>
           </p:cNvPr>
@@ -38806,7 +38820,7 @@
           <p:nvPr>
             <p:extLst>
               <p:ext uri="{386F3935-93C4-4BCD-93E2-E3B085C9AB24}">
-                <p16:designElem xmlns="" xmlns:p16="http://schemas.microsoft.com/office/powerpoint/2015/main" val="1"/>
+                <p16:designElem xmlns:p16="http://schemas.microsoft.com/office/powerpoint/2015/main" val="1"/>
               </p:ext>
             </p:extLst>
           </p:nvPr>
@@ -38851,7 +38865,7 @@
           <p:cNvPr id="5" name="Footer Placeholder 4">
             <a:extLst>
               <a:ext uri="{FF2B5EF4-FFF2-40B4-BE49-F238E27FC236}">
-                <a16:creationId xmlns="" xmlns:a16="http://schemas.microsoft.com/office/drawing/2014/main" id="{E82D1BFA-FEB4-419F-977D-5BC43DB0DD77}"/>
+                <a16:creationId xmlns:a16="http://schemas.microsoft.com/office/drawing/2014/main" xmlns="" id="{E82D1BFA-FEB4-419F-977D-5BC43DB0DD77}"/>
               </a:ext>
             </a:extLst>
           </p:cNvPr>
@@ -38907,10 +38921,10 @@
           <p:cNvPr id="27" name="Isosceles Triangle 26">
             <a:extLst>
               <a:ext uri="{FF2B5EF4-FFF2-40B4-BE49-F238E27FC236}">
-                <a16:creationId xmlns="" xmlns:a16="http://schemas.microsoft.com/office/drawing/2014/main" id="{266F638A-E405-4AC0-B984-72E5813B0DD1}"/>
+                <a16:creationId xmlns:a16="http://schemas.microsoft.com/office/drawing/2014/main" xmlns="" id="{266F638A-E405-4AC0-B984-72E5813B0DD1}"/>
               </a:ext>
               <a:ext uri="{C183D7F6-B498-43B3-948B-1728B52AA6E4}">
-                <adec:decorative xmlns="" xmlns:adec="http://schemas.microsoft.com/office/drawing/2017/decorative" val="1"/>
+                <adec:decorative xmlns:adec="http://schemas.microsoft.com/office/drawing/2017/decorative" xmlns="" val="1"/>
               </a:ext>
             </a:extLst>
           </p:cNvPr>
@@ -38920,7 +38934,7 @@
           <p:nvPr>
             <p:extLst>
               <p:ext uri="{386F3935-93C4-4BCD-93E2-E3B085C9AB24}">
-                <p16:designElem xmlns="" xmlns:p16="http://schemas.microsoft.com/office/powerpoint/2015/main" val="1"/>
+                <p16:designElem xmlns:p16="http://schemas.microsoft.com/office/powerpoint/2015/main" val="1"/>
               </p:ext>
             </p:extLst>
           </p:nvPr>
@@ -38963,10 +38977,10 @@
           <p:cNvPr id="29" name="Straight Connector 28">
             <a:extLst>
               <a:ext uri="{FF2B5EF4-FFF2-40B4-BE49-F238E27FC236}">
-                <a16:creationId xmlns="" xmlns:a16="http://schemas.microsoft.com/office/drawing/2014/main" id="{7D1CBE93-B17D-4509-843C-82287C38032A}"/>
+                <a16:creationId xmlns:a16="http://schemas.microsoft.com/office/drawing/2014/main" xmlns="" id="{7D1CBE93-B17D-4509-843C-82287C38032A}"/>
               </a:ext>
               <a:ext uri="{C183D7F6-B498-43B3-948B-1728B52AA6E4}">
-                <adec:decorative xmlns="" xmlns:adec="http://schemas.microsoft.com/office/drawing/2017/decorative" val="1"/>
+                <adec:decorative xmlns:adec="http://schemas.microsoft.com/office/drawing/2017/decorative" xmlns="" val="1"/>
               </a:ext>
             </a:extLst>
           </p:cNvPr>
@@ -38976,7 +38990,7 @@
           <p:nvPr>
             <p:extLst>
               <p:ext uri="{386F3935-93C4-4BCD-93E2-E3B085C9AB24}">
-                <p16:designElem xmlns="" xmlns:p16="http://schemas.microsoft.com/office/powerpoint/2015/main" val="1"/>
+                <p16:designElem xmlns:p16="http://schemas.microsoft.com/office/powerpoint/2015/main" val="1"/>
               </p:ext>
             </p:extLst>
           </p:nvPr>
@@ -39016,10 +39030,10 @@
           <p:cNvPr id="31" name="Straight Connector 30">
             <a:extLst>
               <a:ext uri="{FF2B5EF4-FFF2-40B4-BE49-F238E27FC236}">
-                <a16:creationId xmlns="" xmlns:a16="http://schemas.microsoft.com/office/drawing/2014/main" id="{AE6277B4-6A43-48AB-89B2-3442221619CC}"/>
+                <a16:creationId xmlns:a16="http://schemas.microsoft.com/office/drawing/2014/main" xmlns="" id="{AE6277B4-6A43-48AB-89B2-3442221619CC}"/>
               </a:ext>
               <a:ext uri="{C183D7F6-B498-43B3-948B-1728B52AA6E4}">
-                <adec:decorative xmlns="" xmlns:adec="http://schemas.microsoft.com/office/drawing/2017/decorative" val="1"/>
+                <adec:decorative xmlns:adec="http://schemas.microsoft.com/office/drawing/2017/decorative" xmlns="" val="1"/>
               </a:ext>
             </a:extLst>
           </p:cNvPr>
@@ -39029,7 +39043,7 @@
           <p:nvPr>
             <p:extLst>
               <p:ext uri="{386F3935-93C4-4BCD-93E2-E3B085C9AB24}">
-                <p16:designElem xmlns="" xmlns:p16="http://schemas.microsoft.com/office/powerpoint/2015/main" val="1"/>
+                <p16:designElem xmlns:p16="http://schemas.microsoft.com/office/powerpoint/2015/main" val="1"/>
               </p:ext>
             </p:extLst>
           </p:nvPr>
@@ -39068,7 +39082,7 @@
           <p:cNvPr id="2" name="Content Placeholder 1">
             <a:extLst>
               <a:ext uri="{FF2B5EF4-FFF2-40B4-BE49-F238E27FC236}">
-                <a16:creationId xmlns="" xmlns:a16="http://schemas.microsoft.com/office/drawing/2014/main" id="{39A6FAD1-C2C6-47B8-A6FE-188892E09DF4}"/>
+                <a16:creationId xmlns:a16="http://schemas.microsoft.com/office/drawing/2014/main" xmlns="" id="{39A6FAD1-C2C6-47B8-A6FE-188892E09DF4}"/>
               </a:ext>
             </a:extLst>
           </p:cNvPr>
@@ -39247,10 +39261,10 @@
           <p:cNvPr id="33" name="Rectangle 27">
             <a:extLst>
               <a:ext uri="{FF2B5EF4-FFF2-40B4-BE49-F238E27FC236}">
-                <a16:creationId xmlns="" xmlns:a16="http://schemas.microsoft.com/office/drawing/2014/main" id="{27B538D5-95DB-47ED-9CB4-34AE5BF78E6B}"/>
+                <a16:creationId xmlns:a16="http://schemas.microsoft.com/office/drawing/2014/main" xmlns="" id="{27B538D5-95DB-47ED-9CB4-34AE5BF78E6B}"/>
               </a:ext>
               <a:ext uri="{C183D7F6-B498-43B3-948B-1728B52AA6E4}">
-                <adec:decorative xmlns="" xmlns:adec="http://schemas.microsoft.com/office/drawing/2017/decorative" val="1"/>
+                <adec:decorative xmlns:adec="http://schemas.microsoft.com/office/drawing/2017/decorative" xmlns="" val="1"/>
               </a:ext>
             </a:extLst>
           </p:cNvPr>
@@ -39260,7 +39274,7 @@
           <p:nvPr>
             <p:extLst>
               <p:ext uri="{386F3935-93C4-4BCD-93E2-E3B085C9AB24}">
-                <p16:designElem xmlns="" xmlns:p16="http://schemas.microsoft.com/office/powerpoint/2015/main" val="1"/>
+                <p16:designElem xmlns:p16="http://schemas.microsoft.com/office/powerpoint/2015/main" val="1"/>
               </p:ext>
             </p:extLst>
           </p:nvPr>
@@ -39325,7 +39339,7 @@
           <p:cNvPr id="4" name="Date Placeholder 3">
             <a:extLst>
               <a:ext uri="{FF2B5EF4-FFF2-40B4-BE49-F238E27FC236}">
-                <a16:creationId xmlns="" xmlns:a16="http://schemas.microsoft.com/office/drawing/2014/main" id="{6B2CF951-67E8-43A1-BBBD-A44046F57703}"/>
+                <a16:creationId xmlns:a16="http://schemas.microsoft.com/office/drawing/2014/main" xmlns="" id="{6B2CF951-67E8-43A1-BBBD-A44046F57703}"/>
               </a:ext>
             </a:extLst>
           </p:cNvPr>
@@ -39366,7 +39380,7 @@
                   <a:spcPts val="600"/>
                 </a:spcAft>
               </a:pPr>
-              <a:t>December 23, 2019</a:t>
+              <a:t>December 24, 2019</a:t>
             </a:fld>
             <a:endParaRPr lang="en-US" sz="1050" kern="1200" dirty="0">
               <a:solidFill>
@@ -39383,7 +39397,7 @@
           <p:cNvPr id="6" name="Slide Number Placeholder 5">
             <a:extLst>
               <a:ext uri="{FF2B5EF4-FFF2-40B4-BE49-F238E27FC236}">
-                <a16:creationId xmlns="" xmlns:a16="http://schemas.microsoft.com/office/drawing/2014/main" id="{9D6B4462-AECF-4C8B-82E2-282905936963}"/>
+                <a16:creationId xmlns:a16="http://schemas.microsoft.com/office/drawing/2014/main" xmlns="" id="{9D6B4462-AECF-4C8B-82E2-282905936963}"/>
               </a:ext>
             </a:extLst>
           </p:cNvPr>
@@ -40823,7 +40837,7 @@
                 </a:solidFill>
                 <a:latin typeface="Times New Roman"/>
               </a:rPr>
-              <a:t>12/23/19</a:t>
+              <a:t>12/24/19</a:t>
             </a:fld>
             <a:endParaRPr lang="en-US" sz="1050" b="0" strike="noStrike" spc="-1">
               <a:latin typeface="Times New Roman"/>
@@ -40892,7 +40906,7 @@
   <p:timing>
     <p:tnLst>
       <p:par>
-        <p:cTn xmlns:p14="http://schemas.microsoft.com/office/powerpoint/2010/main" id="1" dur="indefinite" restart="never" nodeType="tmRoot">
+        <p:cTn id="1" dur="indefinite" restart="never" nodeType="tmRoot">
           <p:childTnLst>
             <p:seq>
               <p:cTn id="2" dur="indefinite" nodeType="mainSeq"/>
@@ -42577,7 +42591,7 @@
                 </a:solidFill>
                 <a:latin typeface="Times New Roman"/>
               </a:rPr>
-              <a:t>12/23/19</a:t>
+              <a:t>12/24/19</a:t>
             </a:fld>
             <a:endParaRPr lang="en-US" sz="1050" b="0" strike="noStrike" spc="-1">
               <a:latin typeface="Times New Roman"/>
@@ -42646,7 +42660,7 @@
   <p:timing>
     <p:tnLst>
       <p:par>
-        <p:cTn xmlns:p14="http://schemas.microsoft.com/office/powerpoint/2010/main" id="1" dur="indefinite" restart="never" nodeType="tmRoot">
+        <p:cTn id="1" dur="indefinite" restart="never" nodeType="tmRoot">
           <p:childTnLst>
             <p:seq>
               <p:cTn id="2" dur="indefinite" nodeType="mainSeq"/>
@@ -43607,7 +43621,7 @@
                 </a:solidFill>
                 <a:latin typeface="Times New Roman"/>
               </a:rPr>
-              <a:t>12/23/19</a:t>
+              <a:t>12/24/19</a:t>
             </a:fld>
             <a:endParaRPr lang="en-US" sz="1050" b="0" strike="noStrike" spc="-1">
               <a:latin typeface="Times New Roman"/>
@@ -43699,7 +43713,7 @@
   <p:timing>
     <p:tnLst>
       <p:par>
-        <p:cTn xmlns:p14="http://schemas.microsoft.com/office/powerpoint/2010/main" id="1" dur="indefinite" restart="never" nodeType="tmRoot">
+        <p:cTn id="1" dur="indefinite" restart="never" nodeType="tmRoot">
           <p:childTnLst>
             <p:seq>
               <p:cTn id="2" dur="indefinite" nodeType="mainSeq"/>
@@ -43989,7 +44003,7 @@
   <a:extraClrSchemeLst/>
   <a:extLst>
     <a:ext uri="{05A4C25C-085E-4340-85A3-A5531E510DB2}">
-      <thm15:themeFamily xmlns="" xmlns:thm15="http://schemas.microsoft.com/office/thememl/2012/main" name="Facet" id="{C0C680CD-088A-49FC-A102-D699147F32B2}" vid="{CFBC31BA-B70F-4F30-BCAA-4F3011E16C4D}"/>
+      <thm15:themeFamily xmlns:thm15="http://schemas.microsoft.com/office/thememl/2012/main" name="Facet" id="{C0C680CD-088A-49FC-A102-D699147F32B2}" vid="{CFBC31BA-B70F-4F30-BCAA-4F3011E16C4D}"/>
     </a:ext>
   </a:extLst>
 </a:theme>
@@ -44284,7 +44298,7 @@
   <a:extraClrSchemeLst/>
   <a:extLst>
     <a:ext uri="{05A4C25C-085E-4340-85A3-A5531E510DB2}">
-      <thm15:themeFamily xmlns="" xmlns:thm15="http://schemas.microsoft.com/office/thememl/2012/main" name="Office Theme" id="{62F939B6-93AF-4DB8-9C6B-D6C7DFDC589F}" vid="{4A3C46E8-61CC-4603-A589-7422A47A8E4A}"/>
+      <thm15:themeFamily xmlns:thm15="http://schemas.microsoft.com/office/thememl/2012/main" name="Office Theme" id="{62F939B6-93AF-4DB8-9C6B-D6C7DFDC589F}" vid="{4A3C46E8-61CC-4603-A589-7422A47A8E4A}"/>
     </a:ext>
   </a:extLst>
 </a:theme>

--- a/DATN_Presentation.pptx
+++ b/DATN_Presentation.pptx
@@ -5,10 +5,10 @@
     <p:sldMasterId id="2147483672" r:id="rId1"/>
   </p:sldMasterIdLst>
   <p:notesMasterIdLst>
-    <p:notesMasterId r:id="rId30"/>
+    <p:notesMasterId r:id="rId31"/>
   </p:notesMasterIdLst>
   <p:handoutMasterIdLst>
-    <p:handoutMasterId r:id="rId31"/>
+    <p:handoutMasterId r:id="rId32"/>
   </p:handoutMasterIdLst>
   <p:sldIdLst>
     <p:sldId id="256" r:id="rId2"/>
@@ -34,11 +34,12 @@
     <p:sldId id="291" r:id="rId22"/>
     <p:sldId id="292" r:id="rId23"/>
     <p:sldId id="293" r:id="rId24"/>
-    <p:sldId id="271" r:id="rId25"/>
-    <p:sldId id="273" r:id="rId26"/>
-    <p:sldId id="274" r:id="rId27"/>
-    <p:sldId id="275" r:id="rId28"/>
-    <p:sldId id="272" r:id="rId29"/>
+    <p:sldId id="296" r:id="rId25"/>
+    <p:sldId id="271" r:id="rId26"/>
+    <p:sldId id="273" r:id="rId27"/>
+    <p:sldId id="274" r:id="rId28"/>
+    <p:sldId id="275" r:id="rId29"/>
+    <p:sldId id="272" r:id="rId30"/>
   </p:sldIdLst>
   <p:sldSz cx="9144000" cy="6858000" type="screen4x3"/>
   <p:notesSz cx="6858000" cy="9144000"/>
@@ -139,7 +140,7 @@
   </p:defaultTextStyle>
   <p:extLst>
     <p:ext uri="{EFAFB233-063F-42B5-8137-9DF3F51BA10A}">
-      <p15:sldGuideLst xmlns:p15="http://schemas.microsoft.com/office/powerpoint/2012/main" xmlns="">
+      <p15:sldGuideLst xmlns="" xmlns:p15="http://schemas.microsoft.com/office/powerpoint/2012/main">
         <p15:guide id="1" orient="horz" pos="2160">
           <p15:clr>
             <a:srgbClr val="A4A3A4"/>
@@ -3020,6 +3021,34 @@
               <a:latin typeface="Times New Roman" panose="02020603050405020304" pitchFamily="18" charset="0"/>
               <a:cs typeface="Times New Roman" panose="02020603050405020304" pitchFamily="18" charset="0"/>
             </a:rPr>
+            <a:t>, </a:t>
+          </a:r>
+          <a:r>
+            <a:rPr lang="en-US" dirty="0" err="1" smtClean="0">
+              <a:latin typeface="Times New Roman" panose="02020603050405020304" pitchFamily="18" charset="0"/>
+              <a:cs typeface="Times New Roman" panose="02020603050405020304" pitchFamily="18" charset="0"/>
+            </a:rPr>
+            <a:t>hạn</a:t>
+          </a:r>
+          <a:r>
+            <a:rPr lang="en-US" dirty="0" smtClean="0">
+              <a:latin typeface="Times New Roman" panose="02020603050405020304" pitchFamily="18" charset="0"/>
+              <a:cs typeface="Times New Roman" panose="02020603050405020304" pitchFamily="18" charset="0"/>
+            </a:rPr>
+            <a:t> </a:t>
+          </a:r>
+          <a:r>
+            <a:rPr lang="en-US" dirty="0" err="1" smtClean="0">
+              <a:latin typeface="Times New Roman" panose="02020603050405020304" pitchFamily="18" charset="0"/>
+              <a:cs typeface="Times New Roman" panose="02020603050405020304" pitchFamily="18" charset="0"/>
+            </a:rPr>
+            <a:t>chế</a:t>
+          </a:r>
+          <a:r>
+            <a:rPr lang="en-US" dirty="0" smtClean="0">
+              <a:latin typeface="Times New Roman" panose="02020603050405020304" pitchFamily="18" charset="0"/>
+              <a:cs typeface="Times New Roman" panose="02020603050405020304" pitchFamily="18" charset="0"/>
+            </a:rPr>
             <a:t> </a:t>
           </a:r>
           <a:r>
@@ -3330,9 +3359,9 @@
     <dgm:cxn modelId="{C059DB46-737E-4217-BF55-97D98BFF651A}" srcId="{6B1E0890-968C-4E84-B79C-4D9BBA6996B0}" destId="{1520D18F-CAAB-4CC2-97E1-B5C4B4CBFD7C}" srcOrd="3" destOrd="0" parTransId="{EA0B981B-26EB-4FC6-9DBE-61FE53FCB50A}" sibTransId="{21869B5A-451A-42B6-89E1-8808CAAB30DF}"/>
     <dgm:cxn modelId="{23F84558-93F5-964E-A8B5-C9BAD12CA97C}" type="presOf" srcId="{52FFFD26-45FD-4869-A42F-0C76ADB2B6FE}" destId="{A8DA5DE5-7905-42C2-9609-7B0AA9F7E2AA}" srcOrd="0" destOrd="0" presId="urn:microsoft.com/office/officeart/2005/8/layout/vList3"/>
     <dgm:cxn modelId="{E48FDEA5-4EA6-F340-8F27-58EEF6E40949}" type="presOf" srcId="{5863B50A-0D70-4D19-AAB2-27D2BFBDA6DC}" destId="{B366E015-23BA-4F24-BE36-9001693D876B}" srcOrd="0" destOrd="0" presId="urn:microsoft.com/office/officeart/2005/8/layout/vList3"/>
-    <dgm:cxn modelId="{87AD2FCC-011E-43A3-97AD-1B0B5AE4DCD3}" srcId="{6B1E0890-968C-4E84-B79C-4D9BBA6996B0}" destId="{A07F861A-3176-49D5-9739-1A3570A54736}" srcOrd="0" destOrd="0" parTransId="{9ACE7768-2141-431C-B0BE-48B05109EB49}" sibTransId="{5810266B-BBDA-4C21-BE81-7BB688315154}"/>
     <dgm:cxn modelId="{943A97CA-B2E4-FA42-A1D2-CC0274D2BCD7}" type="presOf" srcId="{1520D18F-CAAB-4CC2-97E1-B5C4B4CBFD7C}" destId="{CE253722-CE77-4F44-B529-1209E182CD57}" srcOrd="0" destOrd="0" presId="urn:microsoft.com/office/officeart/2005/8/layout/vList3"/>
     <dgm:cxn modelId="{F6198F1B-1932-E24D-A307-BCF904133F5E}" type="presOf" srcId="{A07F861A-3176-49D5-9739-1A3570A54736}" destId="{2C5F79B5-6BE0-4C34-98FD-D0B65DE75610}" srcOrd="0" destOrd="0" presId="urn:microsoft.com/office/officeart/2005/8/layout/vList3"/>
+    <dgm:cxn modelId="{87AD2FCC-011E-43A3-97AD-1B0B5AE4DCD3}" srcId="{6B1E0890-968C-4E84-B79C-4D9BBA6996B0}" destId="{A07F861A-3176-49D5-9739-1A3570A54736}" srcOrd="0" destOrd="0" parTransId="{9ACE7768-2141-431C-B0BE-48B05109EB49}" sibTransId="{5810266B-BBDA-4C21-BE81-7BB688315154}"/>
     <dgm:cxn modelId="{B434843A-0A57-4A47-8423-5E714E92160F}" type="presOf" srcId="{6B1E0890-968C-4E84-B79C-4D9BBA6996B0}" destId="{96EAE484-19F0-482B-B8CF-DEC17C689404}" srcOrd="0" destOrd="0" presId="urn:microsoft.com/office/officeart/2005/8/layout/vList3"/>
     <dgm:cxn modelId="{7B9D99D8-BB88-411D-9577-4A0259A58536}" srcId="{6B1E0890-968C-4E84-B79C-4D9BBA6996B0}" destId="{52FFFD26-45FD-4869-A42F-0C76ADB2B6FE}" srcOrd="1" destOrd="0" parTransId="{E282E3FC-14E2-4DB6-BD15-843F2FC82004}" sibTransId="{58144972-C17B-4EDE-A11D-51C17E82FBE7}"/>
     <dgm:cxn modelId="{A5C6BCD5-1876-4570-8A72-50C25AD319A9}" srcId="{6B1E0890-968C-4E84-B79C-4D9BBA6996B0}" destId="{5863B50A-0D70-4D19-AAB2-27D2BFBDA6DC}" srcOrd="2" destOrd="0" parTransId="{ED2C10A9-E9C8-4C3C-861C-E5EF0326900E}" sibTransId="{59E19654-F34B-4A98-A9EF-38F41219924F}"/>
@@ -3537,7 +3566,321 @@
           </a:r>
           <a:r>
             <a:rPr lang="en-US" dirty="0" smtClean="0"/>
-            <a:t> Linux. </a:t>
+            <a:t> Linux</a:t>
+          </a:r>
+          <a:r>
+            <a:rPr lang="en-US" dirty="0" smtClean="0"/>
+            <a:t>.</a:t>
+          </a:r>
+          <a:endParaRPr lang="en-US" dirty="0"/>
+        </a:p>
+      </dgm:t>
+    </dgm:pt>
+    <dgm:pt modelId="{E5D8F4FD-BCF7-354E-A701-428E23EAA783}" type="parTrans" cxnId="{7094CDF4-56D6-6343-BD1F-F4FDDFF5E3B7}">
+      <dgm:prSet/>
+      <dgm:spPr/>
+      <dgm:t>
+        <a:bodyPr/>
+        <a:lstStyle/>
+        <a:p>
+          <a:endParaRPr lang="en-US"/>
+        </a:p>
+      </dgm:t>
+    </dgm:pt>
+    <dgm:pt modelId="{0E5B5621-C0E8-8C4C-A02C-DFF0F7690082}" type="sibTrans" cxnId="{7094CDF4-56D6-6343-BD1F-F4FDDFF5E3B7}">
+      <dgm:prSet/>
+      <dgm:spPr/>
+      <dgm:t>
+        <a:bodyPr/>
+        <a:lstStyle/>
+        <a:p>
+          <a:endParaRPr lang="en-US"/>
+        </a:p>
+      </dgm:t>
+    </dgm:pt>
+    <dgm:pt modelId="{E47C05B2-3726-054F-845C-8A1FC121BC9F}">
+      <dgm:prSet/>
+      <dgm:spPr/>
+      <dgm:t>
+        <a:bodyPr/>
+        <a:lstStyle/>
+        <a:p>
+          <a:r>
+            <a:rPr lang="en-US" dirty="0" err="1" smtClean="0"/>
+            <a:t>Bộ</a:t>
+          </a:r>
+          <a:r>
+            <a:rPr lang="en-US" dirty="0" smtClean="0"/>
+            <a:t> </a:t>
+          </a:r>
+          <a:r>
+            <a:rPr lang="en-US" dirty="0" err="1" smtClean="0"/>
+            <a:t>công</a:t>
+          </a:r>
+          <a:r>
+            <a:rPr lang="en-US" dirty="0" smtClean="0"/>
+            <a:t> </a:t>
+          </a:r>
+          <a:r>
+            <a:rPr lang="en-US" dirty="0" err="1" smtClean="0"/>
+            <a:t>cụ</a:t>
+          </a:r>
+          <a:r>
+            <a:rPr lang="en-US" dirty="0" smtClean="0"/>
+            <a:t> Android SDK </a:t>
+          </a:r>
+          <a:r>
+            <a:rPr lang="en-US" dirty="0" err="1" smtClean="0"/>
+            <a:t>cung</a:t>
+          </a:r>
+          <a:r>
+            <a:rPr lang="en-US" dirty="0" smtClean="0"/>
+            <a:t> </a:t>
+          </a:r>
+          <a:r>
+            <a:rPr lang="en-US" dirty="0" err="1" smtClean="0"/>
+            <a:t>cấp</a:t>
+          </a:r>
+          <a:r>
+            <a:rPr lang="en-US" dirty="0" smtClean="0"/>
+            <a:t> </a:t>
+          </a:r>
+          <a:r>
+            <a:rPr lang="en-US" dirty="0" err="1" smtClean="0"/>
+            <a:t>các</a:t>
+          </a:r>
+          <a:r>
+            <a:rPr lang="en-US" dirty="0" smtClean="0"/>
+            <a:t> </a:t>
+          </a:r>
+          <a:r>
+            <a:rPr lang="en-US" dirty="0" err="1" smtClean="0"/>
+            <a:t>công</a:t>
+          </a:r>
+          <a:r>
+            <a:rPr lang="en-US" dirty="0" smtClean="0"/>
+            <a:t> </a:t>
+          </a:r>
+          <a:r>
+            <a:rPr lang="en-US" dirty="0" err="1" smtClean="0"/>
+            <a:t>cụ</a:t>
+          </a:r>
+          <a:r>
+            <a:rPr lang="en-US" dirty="0" smtClean="0"/>
+            <a:t> </a:t>
+          </a:r>
+          <a:r>
+            <a:rPr lang="en-US" dirty="0" err="1" smtClean="0"/>
+            <a:t>và</a:t>
+          </a:r>
+          <a:r>
+            <a:rPr lang="en-US" dirty="0" smtClean="0"/>
+            <a:t> </a:t>
+          </a:r>
+          <a:r>
+            <a:rPr lang="en-US" dirty="0" err="1" smtClean="0"/>
+            <a:t>bộ</a:t>
+          </a:r>
+          <a:r>
+            <a:rPr lang="en-US" dirty="0" smtClean="0"/>
+            <a:t> </a:t>
+          </a:r>
+          <a:r>
+            <a:rPr lang="en-US" dirty="0" err="1" smtClean="0"/>
+            <a:t>thư</a:t>
+          </a:r>
+          <a:r>
+            <a:rPr lang="en-US" dirty="0" smtClean="0"/>
+            <a:t> </a:t>
+          </a:r>
+          <a:r>
+            <a:rPr lang="en-US" dirty="0" err="1" smtClean="0"/>
+            <a:t>viên</a:t>
+          </a:r>
+          <a:r>
+            <a:rPr lang="en-US" dirty="0" smtClean="0"/>
+            <a:t> </a:t>
+          </a:r>
+          <a:r>
+            <a:rPr lang="en-US" dirty="0" err="1" smtClean="0"/>
+            <a:t>các</a:t>
+          </a:r>
+          <a:r>
+            <a:rPr lang="en-US" dirty="0" smtClean="0"/>
+            <a:t> </a:t>
+          </a:r>
+          <a:r>
+            <a:rPr lang="en-US" dirty="0" err="1" smtClean="0"/>
+            <a:t>hàm</a:t>
+          </a:r>
+          <a:r>
+            <a:rPr lang="en-US" dirty="0" smtClean="0"/>
+            <a:t> API </a:t>
+          </a:r>
+          <a:r>
+            <a:rPr lang="en-US" dirty="0" err="1" smtClean="0"/>
+            <a:t>cần</a:t>
+          </a:r>
+          <a:r>
+            <a:rPr lang="en-US" dirty="0" smtClean="0"/>
+            <a:t> </a:t>
+          </a:r>
+          <a:r>
+            <a:rPr lang="en-US" dirty="0" err="1" smtClean="0"/>
+            <a:t>thiết</a:t>
+          </a:r>
+          <a:r>
+            <a:rPr lang="en-US" dirty="0" smtClean="0"/>
+            <a:t> </a:t>
+          </a:r>
+          <a:r>
+            <a:rPr lang="en-US" dirty="0" err="1" smtClean="0"/>
+            <a:t>để</a:t>
+          </a:r>
+          <a:r>
+            <a:rPr lang="en-US" dirty="0" smtClean="0"/>
+            <a:t> </a:t>
+          </a:r>
+          <a:r>
+            <a:rPr lang="en-US" dirty="0" err="1" smtClean="0"/>
+            <a:t>phát</a:t>
+          </a:r>
+          <a:r>
+            <a:rPr lang="en-US" dirty="0" smtClean="0"/>
+            <a:t> </a:t>
+          </a:r>
+          <a:r>
+            <a:rPr lang="en-US" dirty="0" err="1" smtClean="0"/>
+            <a:t>triển</a:t>
+          </a:r>
+          <a:r>
+            <a:rPr lang="en-US" dirty="0" smtClean="0"/>
+            <a:t> </a:t>
+          </a:r>
+          <a:r>
+            <a:rPr lang="en-US" dirty="0" err="1" smtClean="0"/>
+            <a:t>ứng</a:t>
+          </a:r>
+          <a:r>
+            <a:rPr lang="en-US" dirty="0" smtClean="0"/>
+            <a:t> </a:t>
+          </a:r>
+          <a:r>
+            <a:rPr lang="en-US" dirty="0" err="1" smtClean="0"/>
+            <a:t>dụng</a:t>
+          </a:r>
+          <a:r>
+            <a:rPr lang="en-US" dirty="0" smtClean="0"/>
+            <a:t> </a:t>
+          </a:r>
+          <a:r>
+            <a:rPr lang="en-US" dirty="0" err="1" smtClean="0"/>
+            <a:t>cho</a:t>
+          </a:r>
+          <a:r>
+            <a:rPr lang="en-US" dirty="0" smtClean="0"/>
+            <a:t> </a:t>
+          </a:r>
+          <a:r>
+            <a:rPr lang="en-US" dirty="0" err="1" smtClean="0"/>
+            <a:t>nền</a:t>
+          </a:r>
+          <a:r>
+            <a:rPr lang="en-US" dirty="0" smtClean="0"/>
+            <a:t> </a:t>
+          </a:r>
+          <a:r>
+            <a:rPr lang="en-US" dirty="0" err="1" smtClean="0"/>
+            <a:t>tảng</a:t>
+          </a:r>
+          <a:r>
+            <a:rPr lang="en-US" dirty="0" smtClean="0"/>
+            <a:t> Android </a:t>
+          </a:r>
+          <a:r>
+            <a:rPr lang="en-US" dirty="0" err="1" smtClean="0"/>
+            <a:t>sử</a:t>
+          </a:r>
+          <a:r>
+            <a:rPr lang="en-US" dirty="0" smtClean="0"/>
+            <a:t> </a:t>
+          </a:r>
+          <a:r>
+            <a:rPr lang="en-US" dirty="0" err="1" smtClean="0"/>
+            <a:t>dụng</a:t>
+          </a:r>
+          <a:r>
+            <a:rPr lang="en-US" dirty="0" smtClean="0"/>
+            <a:t> </a:t>
+          </a:r>
+          <a:r>
+            <a:rPr lang="en-US" dirty="0" err="1" smtClean="0"/>
+            <a:t>ngôn</a:t>
+          </a:r>
+          <a:r>
+            <a:rPr lang="en-US" dirty="0" smtClean="0"/>
+            <a:t> </a:t>
+          </a:r>
+          <a:r>
+            <a:rPr lang="en-US" dirty="0" err="1" smtClean="0"/>
+            <a:t>ngữ</a:t>
+          </a:r>
+          <a:r>
+            <a:rPr lang="en-US" dirty="0" smtClean="0"/>
+            <a:t> </a:t>
+          </a:r>
+          <a:r>
+            <a:rPr lang="en-US" dirty="0" err="1" smtClean="0"/>
+            <a:t>lập</a:t>
+          </a:r>
+          <a:r>
+            <a:rPr lang="en-US" dirty="0" smtClean="0"/>
+            <a:t> </a:t>
+          </a:r>
+          <a:r>
+            <a:rPr lang="en-US" dirty="0" err="1" smtClean="0"/>
+            <a:t>trình</a:t>
+          </a:r>
+          <a:r>
+            <a:rPr lang="en-US" dirty="0" smtClean="0"/>
+            <a:t> java.</a:t>
+          </a:r>
+          <a:endParaRPr lang="en-US" dirty="0"/>
+        </a:p>
+      </dgm:t>
+    </dgm:pt>
+    <dgm:pt modelId="{49C2B36E-8AC9-A743-9B0A-7934D89BEDE3}" type="parTrans" cxnId="{A77A2696-1672-CC46-B1A7-093CDFC6E773}">
+      <dgm:prSet/>
+      <dgm:spPr/>
+      <dgm:t>
+        <a:bodyPr/>
+        <a:lstStyle/>
+        <a:p>
+          <a:endParaRPr lang="en-US"/>
+        </a:p>
+      </dgm:t>
+    </dgm:pt>
+    <dgm:pt modelId="{90C8CCC2-E479-C345-BE41-3C813D9CD225}" type="sibTrans" cxnId="{A77A2696-1672-CC46-B1A7-093CDFC6E773}">
+      <dgm:prSet/>
+      <dgm:spPr/>
+      <dgm:t>
+        <a:bodyPr/>
+        <a:lstStyle/>
+        <a:p>
+          <a:endParaRPr lang="en-US"/>
+        </a:p>
+      </dgm:t>
+    </dgm:pt>
+    <dgm:pt modelId="{AC49CBB7-76C6-9441-BA52-79B29F62A780}">
+      <dgm:prSet/>
+      <dgm:spPr/>
+      <dgm:t>
+        <a:bodyPr/>
+        <a:lstStyle/>
+        <a:p>
+          <a:r>
+            <a:rPr lang="en-US" dirty="0" smtClean="0"/>
+            <a:t> </a:t>
           </a:r>
           <a:r>
             <a:rPr lang="en-US" dirty="0" err="1" smtClean="0"/>
@@ -3895,7 +4238,7 @@
         </a:p>
       </dgm:t>
     </dgm:pt>
-    <dgm:pt modelId="{E5D8F4FD-BCF7-354E-A701-428E23EAA783}" type="parTrans" cxnId="{7094CDF4-56D6-6343-BD1F-F4FDDFF5E3B7}">
+    <dgm:pt modelId="{875DB7F4-A62E-EA4B-9C0F-42BE6F8E8BCB}" type="parTrans" cxnId="{40F090AD-CF09-8B44-BF54-94878A07C608}">
       <dgm:prSet/>
       <dgm:spPr/>
       <dgm:t>
@@ -3906,44 +4249,7 @@
         </a:p>
       </dgm:t>
     </dgm:pt>
-    <dgm:pt modelId="{0E5B5621-C0E8-8C4C-A02C-DFF0F7690082}" type="sibTrans" cxnId="{7094CDF4-56D6-6343-BD1F-F4FDDFF5E3B7}">
-      <dgm:prSet/>
-      <dgm:spPr/>
-      <dgm:t>
-        <a:bodyPr/>
-        <a:lstStyle/>
-        <a:p>
-          <a:endParaRPr lang="en-US"/>
-        </a:p>
-      </dgm:t>
-    </dgm:pt>
-    <dgm:pt modelId="{E47C05B2-3726-054F-845C-8A1FC121BC9F}">
-      <dgm:prSet/>
-      <dgm:spPr/>
-      <dgm:t>
-        <a:bodyPr/>
-        <a:lstStyle/>
-        <a:p>
-          <a:r>
-            <a:rPr lang="en-US" smtClean="0"/>
-            <a:t>Android là nền tảng cho thiết bị di động bao gồm một hệ điều hành, midware và một số ứng dụng chủ đạo. Bộ công cụ Android SDK cung cấp các công cụ và bộ thư viên các hàm API cần thiết để phát triển ứng dụng cho nền tảng Android sử dụng ngôn ngữ lập trình java.</a:t>
-          </a:r>
-          <a:endParaRPr lang="en-US"/>
-        </a:p>
-      </dgm:t>
-    </dgm:pt>
-    <dgm:pt modelId="{49C2B36E-8AC9-A743-9B0A-7934D89BEDE3}" type="parTrans" cxnId="{A77A2696-1672-CC46-B1A7-093CDFC6E773}">
-      <dgm:prSet/>
-      <dgm:spPr/>
-      <dgm:t>
-        <a:bodyPr/>
-        <a:lstStyle/>
-        <a:p>
-          <a:endParaRPr lang="en-US"/>
-        </a:p>
-      </dgm:t>
-    </dgm:pt>
-    <dgm:pt modelId="{90C8CCC2-E479-C345-BE41-3C813D9CD225}" type="sibTrans" cxnId="{A77A2696-1672-CC46-B1A7-093CDFC6E773}">
+    <dgm:pt modelId="{580CEA8C-2993-FD40-94E7-CBADA0ECC963}" type="sibTrans" cxnId="{40F090AD-CF09-8B44-BF54-94878A07C608}">
       <dgm:prSet/>
       <dgm:spPr/>
       <dgm:t>
@@ -3979,7 +4285,7 @@
       <dgm:spPr/>
     </dgm:pt>
     <dgm:pt modelId="{D5C9094A-D73D-CB41-B7EB-1E296A7794E5}" type="pres">
-      <dgm:prSet presAssocID="{08F5E294-B3E8-DA4D-A69A-16393448B9E3}" presName="bgRect" presStyleLbl="alignNode1" presStyleIdx="0" presStyleCnt="2"/>
+      <dgm:prSet presAssocID="{08F5E294-B3E8-DA4D-A69A-16393448B9E3}" presName="bgRect" presStyleLbl="alignNode1" presStyleIdx="0" presStyleCnt="3"/>
       <dgm:spPr/>
       <dgm:t>
         <a:bodyPr/>
@@ -3990,7 +4296,7 @@
       </dgm:t>
     </dgm:pt>
     <dgm:pt modelId="{FE6E4A38-ECF3-C940-9B58-D665710F7AC0}" type="pres">
-      <dgm:prSet presAssocID="{0E5B5621-C0E8-8C4C-A02C-DFF0F7690082}" presName="sibTransNodeRect" presStyleLbl="alignNode1" presStyleIdx="0" presStyleCnt="2">
+      <dgm:prSet presAssocID="{0E5B5621-C0E8-8C4C-A02C-DFF0F7690082}" presName="sibTransNodeRect" presStyleLbl="alignNode1" presStyleIdx="0" presStyleCnt="3">
         <dgm:presLayoutVars>
           <dgm:chMax val="0"/>
           <dgm:bulletEnabled val="1"/>
@@ -4006,7 +4312,7 @@
       </dgm:t>
     </dgm:pt>
     <dgm:pt modelId="{2340F0D1-946A-6B4E-BB55-757F0B1F75DD}" type="pres">
-      <dgm:prSet presAssocID="{08F5E294-B3E8-DA4D-A69A-16393448B9E3}" presName="nodeRect" presStyleLbl="alignNode1" presStyleIdx="0" presStyleCnt="2">
+      <dgm:prSet presAssocID="{08F5E294-B3E8-DA4D-A69A-16393448B9E3}" presName="nodeRect" presStyleLbl="alignNode1" presStyleIdx="0" presStyleCnt="3">
         <dgm:presLayoutVars>
           <dgm:bulletEnabled val="1"/>
         </dgm:presLayoutVars>
@@ -4024,6 +4330,53 @@
       <dgm:prSet presAssocID="{0E5B5621-C0E8-8C4C-A02C-DFF0F7690082}" presName="sibTrans" presStyleCnt="0"/>
       <dgm:spPr/>
     </dgm:pt>
+    <dgm:pt modelId="{B952221D-4633-604C-AF75-7775496E159A}" type="pres">
+      <dgm:prSet presAssocID="{AC49CBB7-76C6-9441-BA52-79B29F62A780}" presName="compositeNode" presStyleCnt="0">
+        <dgm:presLayoutVars>
+          <dgm:bulletEnabled val="1"/>
+        </dgm:presLayoutVars>
+      </dgm:prSet>
+      <dgm:spPr/>
+    </dgm:pt>
+    <dgm:pt modelId="{A9ED5131-9AE3-E54B-8B86-3704151AFE3F}" type="pres">
+      <dgm:prSet presAssocID="{AC49CBB7-76C6-9441-BA52-79B29F62A780}" presName="bgRect" presStyleLbl="alignNode1" presStyleIdx="1" presStyleCnt="3"/>
+      <dgm:spPr/>
+      <dgm:t>
+        <a:bodyPr/>
+        <a:lstStyle/>
+        <a:p>
+          <a:endParaRPr lang="en-US"/>
+        </a:p>
+      </dgm:t>
+    </dgm:pt>
+    <dgm:pt modelId="{24F9C157-8E89-AF46-89BE-12E96284A1EA}" type="pres">
+      <dgm:prSet presAssocID="{580CEA8C-2993-FD40-94E7-CBADA0ECC963}" presName="sibTransNodeRect" presStyleLbl="alignNode1" presStyleIdx="1" presStyleCnt="3">
+        <dgm:presLayoutVars>
+          <dgm:chMax val="0"/>
+          <dgm:bulletEnabled val="1"/>
+        </dgm:presLayoutVars>
+      </dgm:prSet>
+      <dgm:spPr/>
+    </dgm:pt>
+    <dgm:pt modelId="{4E84468F-07AB-2E45-8B72-05A085438206}" type="pres">
+      <dgm:prSet presAssocID="{AC49CBB7-76C6-9441-BA52-79B29F62A780}" presName="nodeRect" presStyleLbl="alignNode1" presStyleIdx="1" presStyleCnt="3">
+        <dgm:presLayoutVars>
+          <dgm:bulletEnabled val="1"/>
+        </dgm:presLayoutVars>
+      </dgm:prSet>
+      <dgm:spPr/>
+      <dgm:t>
+        <a:bodyPr/>
+        <a:lstStyle/>
+        <a:p>
+          <a:endParaRPr lang="en-US"/>
+        </a:p>
+      </dgm:t>
+    </dgm:pt>
+    <dgm:pt modelId="{45867A89-06CB-AD4C-93E0-7229B5D8F7A3}" type="pres">
+      <dgm:prSet presAssocID="{580CEA8C-2993-FD40-94E7-CBADA0ECC963}" presName="sibTrans" presStyleCnt="0"/>
+      <dgm:spPr/>
+    </dgm:pt>
     <dgm:pt modelId="{34249A3F-5470-F146-87FE-9D81EFBE6DE8}" type="pres">
       <dgm:prSet presAssocID="{E47C05B2-3726-054F-845C-8A1FC121BC9F}" presName="compositeNode" presStyleCnt="0">
         <dgm:presLayoutVars>
@@ -4033,7 +4386,7 @@
       <dgm:spPr/>
     </dgm:pt>
     <dgm:pt modelId="{D659E6C6-AA56-6C48-BD21-99CF30306259}" type="pres">
-      <dgm:prSet presAssocID="{E47C05B2-3726-054F-845C-8A1FC121BC9F}" presName="bgRect" presStyleLbl="alignNode1" presStyleIdx="1" presStyleCnt="2"/>
+      <dgm:prSet presAssocID="{E47C05B2-3726-054F-845C-8A1FC121BC9F}" presName="bgRect" presStyleLbl="alignNode1" presStyleIdx="2" presStyleCnt="3"/>
       <dgm:spPr/>
       <dgm:t>
         <a:bodyPr/>
@@ -4044,7 +4397,7 @@
       </dgm:t>
     </dgm:pt>
     <dgm:pt modelId="{29387471-0718-E146-AB42-C7CE6A8AA854}" type="pres">
-      <dgm:prSet presAssocID="{90C8CCC2-E479-C345-BE41-3C813D9CD225}" presName="sibTransNodeRect" presStyleLbl="alignNode1" presStyleIdx="1" presStyleCnt="2">
+      <dgm:prSet presAssocID="{90C8CCC2-E479-C345-BE41-3C813D9CD225}" presName="sibTransNodeRect" presStyleLbl="alignNode1" presStyleIdx="2" presStyleCnt="3">
         <dgm:presLayoutVars>
           <dgm:chMax val="0"/>
           <dgm:bulletEnabled val="1"/>
@@ -4060,7 +4413,7 @@
       </dgm:t>
     </dgm:pt>
     <dgm:pt modelId="{64B68A8E-A811-F84D-A9A9-785DFDC9F5D8}" type="pres">
-      <dgm:prSet presAssocID="{E47C05B2-3726-054F-845C-8A1FC121BC9F}" presName="nodeRect" presStyleLbl="alignNode1" presStyleIdx="1" presStyleCnt="2">
+      <dgm:prSet presAssocID="{E47C05B2-3726-054F-845C-8A1FC121BC9F}" presName="nodeRect" presStyleLbl="alignNode1" presStyleIdx="2" presStyleCnt="3">
         <dgm:presLayoutVars>
           <dgm:bulletEnabled val="1"/>
         </dgm:presLayoutVars>
@@ -4076,21 +4429,30 @@
     </dgm:pt>
   </dgm:ptLst>
   <dgm:cxnLst>
+    <dgm:cxn modelId="{A77A2696-1672-CC46-B1A7-093CDFC6E773}" srcId="{7466734C-B3FF-4B8B-A846-F8CAAE481A68}" destId="{E47C05B2-3726-054F-845C-8A1FC121BC9F}" srcOrd="2" destOrd="0" parTransId="{49C2B36E-8AC9-A743-9B0A-7934D89BEDE3}" sibTransId="{90C8CCC2-E479-C345-BE41-3C813D9CD225}"/>
+    <dgm:cxn modelId="{F1819C06-2F6E-B643-BED6-33F55FBF8BA2}" type="presOf" srcId="{AC49CBB7-76C6-9441-BA52-79B29F62A780}" destId="{4E84468F-07AB-2E45-8B72-05A085438206}" srcOrd="1" destOrd="0" presId="urn:microsoft.com/office/officeart/2016/7/layout/LinearBlockProcessNumbered"/>
+    <dgm:cxn modelId="{7094CDF4-56D6-6343-BD1F-F4FDDFF5E3B7}" srcId="{7466734C-B3FF-4B8B-A846-F8CAAE481A68}" destId="{08F5E294-B3E8-DA4D-A69A-16393448B9E3}" srcOrd="0" destOrd="0" parTransId="{E5D8F4FD-BCF7-354E-A701-428E23EAA783}" sibTransId="{0E5B5621-C0E8-8C4C-A02C-DFF0F7690082}"/>
     <dgm:cxn modelId="{290097A7-DEA0-1D4C-8044-F95CBC235E84}" type="presOf" srcId="{E47C05B2-3726-054F-845C-8A1FC121BC9F}" destId="{D659E6C6-AA56-6C48-BD21-99CF30306259}" srcOrd="0" destOrd="0" presId="urn:microsoft.com/office/officeart/2016/7/layout/LinearBlockProcessNumbered"/>
-    <dgm:cxn modelId="{283FF3CE-F544-3D4D-8710-80892B474192}" type="presOf" srcId="{08F5E294-B3E8-DA4D-A69A-16393448B9E3}" destId="{D5C9094A-D73D-CB41-B7EB-1E296A7794E5}" srcOrd="0" destOrd="0" presId="urn:microsoft.com/office/officeart/2016/7/layout/LinearBlockProcessNumbered"/>
-    <dgm:cxn modelId="{BD7B1CF8-A4FF-438E-A061-F5A2B7DAFA6C}" type="presOf" srcId="{7466734C-B3FF-4B8B-A846-F8CAAE481A68}" destId="{B8DCC890-DE61-4190-B755-745BFA24BCF5}" srcOrd="0" destOrd="0" presId="urn:microsoft.com/office/officeart/2016/7/layout/LinearBlockProcessNumbered"/>
-    <dgm:cxn modelId="{CE57259F-B50B-7D47-BEF7-F5FE18AC790B}" type="presOf" srcId="{08F5E294-B3E8-DA4D-A69A-16393448B9E3}" destId="{2340F0D1-946A-6B4E-BB55-757F0B1F75DD}" srcOrd="1" destOrd="0" presId="urn:microsoft.com/office/officeart/2016/7/layout/LinearBlockProcessNumbered"/>
+    <dgm:cxn modelId="{A4AF96F4-9CB3-0448-93A5-47ACECF9263A}" type="presOf" srcId="{90C8CCC2-E479-C345-BE41-3C813D9CD225}" destId="{29387471-0718-E146-AB42-C7CE6A8AA854}" srcOrd="0" destOrd="0" presId="urn:microsoft.com/office/officeart/2016/7/layout/LinearBlockProcessNumbered"/>
+    <dgm:cxn modelId="{2AE41AE3-9E05-8946-99CA-FE642BADCFD2}" type="presOf" srcId="{580CEA8C-2993-FD40-94E7-CBADA0ECC963}" destId="{24F9C157-8E89-AF46-89BE-12E96284A1EA}" srcOrd="0" destOrd="0" presId="urn:microsoft.com/office/officeart/2016/7/layout/LinearBlockProcessNumbered"/>
     <dgm:cxn modelId="{5D78F6AF-85C8-7144-8677-D45C03DFA70D}" type="presOf" srcId="{E47C05B2-3726-054F-845C-8A1FC121BC9F}" destId="{64B68A8E-A811-F84D-A9A9-785DFDC9F5D8}" srcOrd="1" destOrd="0" presId="urn:microsoft.com/office/officeart/2016/7/layout/LinearBlockProcessNumbered"/>
     <dgm:cxn modelId="{FADB903C-A5A7-AA4C-9771-06B04BABE5D4}" type="presOf" srcId="{0E5B5621-C0E8-8C4C-A02C-DFF0F7690082}" destId="{FE6E4A38-ECF3-C940-9B58-D665710F7AC0}" srcOrd="0" destOrd="0" presId="urn:microsoft.com/office/officeart/2016/7/layout/LinearBlockProcessNumbered"/>
-    <dgm:cxn modelId="{A4AF96F4-9CB3-0448-93A5-47ACECF9263A}" type="presOf" srcId="{90C8CCC2-E479-C345-BE41-3C813D9CD225}" destId="{29387471-0718-E146-AB42-C7CE6A8AA854}" srcOrd="0" destOrd="0" presId="urn:microsoft.com/office/officeart/2016/7/layout/LinearBlockProcessNumbered"/>
-    <dgm:cxn modelId="{7094CDF4-56D6-6343-BD1F-F4FDDFF5E3B7}" srcId="{7466734C-B3FF-4B8B-A846-F8CAAE481A68}" destId="{08F5E294-B3E8-DA4D-A69A-16393448B9E3}" srcOrd="0" destOrd="0" parTransId="{E5D8F4FD-BCF7-354E-A701-428E23EAA783}" sibTransId="{0E5B5621-C0E8-8C4C-A02C-DFF0F7690082}"/>
-    <dgm:cxn modelId="{A77A2696-1672-CC46-B1A7-093CDFC6E773}" srcId="{7466734C-B3FF-4B8B-A846-F8CAAE481A68}" destId="{E47C05B2-3726-054F-845C-8A1FC121BC9F}" srcOrd="1" destOrd="0" parTransId="{49C2B36E-8AC9-A743-9B0A-7934D89BEDE3}" sibTransId="{90C8CCC2-E479-C345-BE41-3C813D9CD225}"/>
+    <dgm:cxn modelId="{38270826-1183-E348-8E6E-C782E2462540}" type="presOf" srcId="{AC49CBB7-76C6-9441-BA52-79B29F62A780}" destId="{A9ED5131-9AE3-E54B-8B86-3704151AFE3F}" srcOrd="0" destOrd="0" presId="urn:microsoft.com/office/officeart/2016/7/layout/LinearBlockProcessNumbered"/>
+    <dgm:cxn modelId="{40F090AD-CF09-8B44-BF54-94878A07C608}" srcId="{7466734C-B3FF-4B8B-A846-F8CAAE481A68}" destId="{AC49CBB7-76C6-9441-BA52-79B29F62A780}" srcOrd="1" destOrd="0" parTransId="{875DB7F4-A62E-EA4B-9C0F-42BE6F8E8BCB}" sibTransId="{580CEA8C-2993-FD40-94E7-CBADA0ECC963}"/>
+    <dgm:cxn modelId="{CE57259F-B50B-7D47-BEF7-F5FE18AC790B}" type="presOf" srcId="{08F5E294-B3E8-DA4D-A69A-16393448B9E3}" destId="{2340F0D1-946A-6B4E-BB55-757F0B1F75DD}" srcOrd="1" destOrd="0" presId="urn:microsoft.com/office/officeart/2016/7/layout/LinearBlockProcessNumbered"/>
+    <dgm:cxn modelId="{BD7B1CF8-A4FF-438E-A061-F5A2B7DAFA6C}" type="presOf" srcId="{7466734C-B3FF-4B8B-A846-F8CAAE481A68}" destId="{B8DCC890-DE61-4190-B755-745BFA24BCF5}" srcOrd="0" destOrd="0" presId="urn:microsoft.com/office/officeart/2016/7/layout/LinearBlockProcessNumbered"/>
+    <dgm:cxn modelId="{283FF3CE-F544-3D4D-8710-80892B474192}" type="presOf" srcId="{08F5E294-B3E8-DA4D-A69A-16393448B9E3}" destId="{D5C9094A-D73D-CB41-B7EB-1E296A7794E5}" srcOrd="0" destOrd="0" presId="urn:microsoft.com/office/officeart/2016/7/layout/LinearBlockProcessNumbered"/>
     <dgm:cxn modelId="{19852CAB-A8C0-8940-88C4-D692256AFB9D}" type="presParOf" srcId="{B8DCC890-DE61-4190-B755-745BFA24BCF5}" destId="{7DB8E345-3761-9141-8221-184C27A15BF0}" srcOrd="0" destOrd="0" presId="urn:microsoft.com/office/officeart/2016/7/layout/LinearBlockProcessNumbered"/>
     <dgm:cxn modelId="{F48FE01C-8900-BA41-BA0F-73E7A5B3641C}" type="presParOf" srcId="{7DB8E345-3761-9141-8221-184C27A15BF0}" destId="{D5C9094A-D73D-CB41-B7EB-1E296A7794E5}" srcOrd="0" destOrd="0" presId="urn:microsoft.com/office/officeart/2016/7/layout/LinearBlockProcessNumbered"/>
     <dgm:cxn modelId="{0A20D7D8-AA7A-A74D-BF6B-AD122DFC5E70}" type="presParOf" srcId="{7DB8E345-3761-9141-8221-184C27A15BF0}" destId="{FE6E4A38-ECF3-C940-9B58-D665710F7AC0}" srcOrd="1" destOrd="0" presId="urn:microsoft.com/office/officeart/2016/7/layout/LinearBlockProcessNumbered"/>
     <dgm:cxn modelId="{39627878-2621-FD4A-8902-F151CDD32EE0}" type="presParOf" srcId="{7DB8E345-3761-9141-8221-184C27A15BF0}" destId="{2340F0D1-946A-6B4E-BB55-757F0B1F75DD}" srcOrd="2" destOrd="0" presId="urn:microsoft.com/office/officeart/2016/7/layout/LinearBlockProcessNumbered"/>
     <dgm:cxn modelId="{C787CE47-EF40-7D43-B462-C62E8602CD8B}" type="presParOf" srcId="{B8DCC890-DE61-4190-B755-745BFA24BCF5}" destId="{79880D82-0E97-2D4A-B45A-9A874970CD14}" srcOrd="1" destOrd="0" presId="urn:microsoft.com/office/officeart/2016/7/layout/LinearBlockProcessNumbered"/>
-    <dgm:cxn modelId="{E6489DAE-C6EB-B341-8EC9-ADD39F40179D}" type="presParOf" srcId="{B8DCC890-DE61-4190-B755-745BFA24BCF5}" destId="{34249A3F-5470-F146-87FE-9D81EFBE6DE8}" srcOrd="2" destOrd="0" presId="urn:microsoft.com/office/officeart/2016/7/layout/LinearBlockProcessNumbered"/>
+    <dgm:cxn modelId="{809D5BEF-25F7-5248-AC08-909A8579D1FF}" type="presParOf" srcId="{B8DCC890-DE61-4190-B755-745BFA24BCF5}" destId="{B952221D-4633-604C-AF75-7775496E159A}" srcOrd="2" destOrd="0" presId="urn:microsoft.com/office/officeart/2016/7/layout/LinearBlockProcessNumbered"/>
+    <dgm:cxn modelId="{4D2DF2DF-467E-0F40-827D-1FE0F311FD5D}" type="presParOf" srcId="{B952221D-4633-604C-AF75-7775496E159A}" destId="{A9ED5131-9AE3-E54B-8B86-3704151AFE3F}" srcOrd="0" destOrd="0" presId="urn:microsoft.com/office/officeart/2016/7/layout/LinearBlockProcessNumbered"/>
+    <dgm:cxn modelId="{20C700AD-0118-7C4F-B9A7-02E654BE723A}" type="presParOf" srcId="{B952221D-4633-604C-AF75-7775496E159A}" destId="{24F9C157-8E89-AF46-89BE-12E96284A1EA}" srcOrd="1" destOrd="0" presId="urn:microsoft.com/office/officeart/2016/7/layout/LinearBlockProcessNumbered"/>
+    <dgm:cxn modelId="{9338D9F4-3545-834D-A674-A97813749994}" type="presParOf" srcId="{B952221D-4633-604C-AF75-7775496E159A}" destId="{4E84468F-07AB-2E45-8B72-05A085438206}" srcOrd="2" destOrd="0" presId="urn:microsoft.com/office/officeart/2016/7/layout/LinearBlockProcessNumbered"/>
+    <dgm:cxn modelId="{CAD72EEC-4B08-834A-A2D4-C8CC26505CA7}" type="presParOf" srcId="{B8DCC890-DE61-4190-B755-745BFA24BCF5}" destId="{45867A89-06CB-AD4C-93E0-7229B5D8F7A3}" srcOrd="3" destOrd="0" presId="urn:microsoft.com/office/officeart/2016/7/layout/LinearBlockProcessNumbered"/>
+    <dgm:cxn modelId="{E6489DAE-C6EB-B341-8EC9-ADD39F40179D}" type="presParOf" srcId="{B8DCC890-DE61-4190-B755-745BFA24BCF5}" destId="{34249A3F-5470-F146-87FE-9D81EFBE6DE8}" srcOrd="4" destOrd="0" presId="urn:microsoft.com/office/officeart/2016/7/layout/LinearBlockProcessNumbered"/>
     <dgm:cxn modelId="{935B3200-74B8-B84C-9913-40A9293F0803}" type="presParOf" srcId="{34249A3F-5470-F146-87FE-9D81EFBE6DE8}" destId="{D659E6C6-AA56-6C48-BD21-99CF30306259}" srcOrd="0" destOrd="0" presId="urn:microsoft.com/office/officeart/2016/7/layout/LinearBlockProcessNumbered"/>
     <dgm:cxn modelId="{46043A15-3753-D54C-ACE8-8AE1B4EB5D9F}" type="presParOf" srcId="{34249A3F-5470-F146-87FE-9D81EFBE6DE8}" destId="{29387471-0718-E146-AB42-C7CE6A8AA854}" srcOrd="1" destOrd="0" presId="urn:microsoft.com/office/officeart/2016/7/layout/LinearBlockProcessNumbered"/>
     <dgm:cxn modelId="{52E9CF65-2C87-9148-AFD5-8419B017D41B}" type="presParOf" srcId="{34249A3F-5470-F146-87FE-9D81EFBE6DE8}" destId="{64B68A8E-A811-F84D-A9A9-785DFDC9F5D8}" srcOrd="2" destOrd="0" presId="urn:microsoft.com/office/officeart/2016/7/layout/LinearBlockProcessNumbered"/>
@@ -4131,14 +4493,7 @@
               <a:latin typeface="Times New Roman" panose="02020603050405020304" pitchFamily="18" charset="0"/>
               <a:cs typeface="Times New Roman" panose="02020603050405020304" pitchFamily="18" charset="0"/>
             </a:rPr>
-            <a:t>Android </a:t>
-          </a:r>
-          <a:r>
-            <a:rPr lang="en-US" dirty="0" smtClean="0">
-              <a:latin typeface="Times New Roman" panose="02020603050405020304" pitchFamily="18" charset="0"/>
-              <a:cs typeface="Times New Roman" panose="02020603050405020304" pitchFamily="18" charset="0"/>
-            </a:rPr>
-            <a:t>Studio 3.2</a:t>
+            <a:t>Android Studio 3.2</a:t>
           </a:r>
           <a:endParaRPr lang="en-US" dirty="0">
             <a:latin typeface="Times New Roman" panose="02020603050405020304" pitchFamily="18" charset="0"/>
@@ -4202,14 +4557,7 @@
               <a:latin typeface="Times New Roman" panose="02020603050405020304" pitchFamily="18" charset="0"/>
               <a:cs typeface="Times New Roman" panose="02020603050405020304" pitchFamily="18" charset="0"/>
             </a:rPr>
-            <a:t> Android </a:t>
-          </a:r>
-          <a:r>
-            <a:rPr lang="en-US" dirty="0" smtClean="0">
-              <a:latin typeface="Times New Roman" panose="02020603050405020304" pitchFamily="18" charset="0"/>
-              <a:cs typeface="Times New Roman" panose="02020603050405020304" pitchFamily="18" charset="0"/>
-            </a:rPr>
-            <a:t>5.0 </a:t>
+            <a:t> Android 5.0 </a:t>
           </a:r>
           <a:r>
             <a:rPr lang="en-US" dirty="0" err="1" smtClean="0">
@@ -4302,7 +4650,7 @@
                 <a14:useLocalDpi xmlns:a14="http://schemas.microsoft.com/office/drawing/2010/main" val="0"/>
               </a:ext>
               <a:ext uri="{96DAC541-7B7A-43D3-8B79-37D633B846F1}">
-                <asvg:svgBlip xmlns="" xmlns:asvg="http://schemas.microsoft.com/office/drawing/2016/SVG/main" r:embed="rId4"/>
+                <asvg:svgBlip xmlns:asvg="http://schemas.microsoft.com/office/drawing/2016/SVG/main" xmlns="" r:embed="rId4"/>
               </a:ext>
             </a:extLst>
           </a:blip>
@@ -4369,7 +4717,7 @@
                 <a14:useLocalDpi xmlns:a14="http://schemas.microsoft.com/office/drawing/2010/main" val="0"/>
               </a:ext>
               <a:ext uri="{96DAC541-7B7A-43D3-8B79-37D633B846F1}">
-                <asvg:svgBlip xmlns="" xmlns:asvg="http://schemas.microsoft.com/office/drawing/2016/SVG/main" r:embed="rId8"/>
+                <asvg:svgBlip xmlns:asvg="http://schemas.microsoft.com/office/drawing/2016/SVG/main" xmlns="" r:embed="rId8"/>
               </a:ext>
             </a:extLst>
           </a:blip>
@@ -4417,9 +4765,9 @@
   </dgm:ptLst>
   <dgm:cxnLst>
     <dgm:cxn modelId="{AD42DBE1-1760-488C-B977-60E1B33E5AF7}" srcId="{2787391C-6CD9-4AEB-83CF-BC33FACF1B41}" destId="{22DA9894-B58D-4E96-B48F-E05E71022021}" srcOrd="0" destOrd="0" parTransId="{A66E435B-0934-4C06-8B6F-8E1CEBFE2894}" sibTransId="{46DC4FD1-328E-4D35-9144-DB8B8B164171}"/>
+    <dgm:cxn modelId="{3E7C2E4D-6EB3-48CF-AE6D-154757542B14}" type="presOf" srcId="{2787391C-6CD9-4AEB-83CF-BC33FACF1B41}" destId="{79DDFA1E-BEAA-4504-8A14-346C6E567042}" srcOrd="0" destOrd="0" presId="urn:microsoft.com/office/officeart/2018/2/layout/IconVerticalSolidList"/>
     <dgm:cxn modelId="{3ED64CBA-D7B7-4823-A888-302DE6A9F7E2}" type="presOf" srcId="{22DA9894-B58D-4E96-B48F-E05E71022021}" destId="{F165FFDE-2708-48C0-B71B-F27FA7B62223}" srcOrd="0" destOrd="0" presId="urn:microsoft.com/office/officeart/2018/2/layout/IconVerticalSolidList"/>
     <dgm:cxn modelId="{773C4D7A-BA6A-4C45-A3D8-E87446D9C528}" srcId="{2787391C-6CD9-4AEB-83CF-BC33FACF1B41}" destId="{7C3B582E-3597-4D38-AAD8-39FE3FB25601}" srcOrd="1" destOrd="0" parTransId="{143252D4-EDC6-436E-B112-3B84C84D0C8F}" sibTransId="{74558B52-0DA6-4C9F-BBAF-AB3F14F8DDBE}"/>
-    <dgm:cxn modelId="{3E7C2E4D-6EB3-48CF-AE6D-154757542B14}" type="presOf" srcId="{2787391C-6CD9-4AEB-83CF-BC33FACF1B41}" destId="{79DDFA1E-BEAA-4504-8A14-346C6E567042}" srcOrd="0" destOrd="0" presId="urn:microsoft.com/office/officeart/2018/2/layout/IconVerticalSolidList"/>
     <dgm:cxn modelId="{3B59B52F-4E55-4C38-864A-7CB7C04F406F}" type="presOf" srcId="{7C3B582E-3597-4D38-AAD8-39FE3FB25601}" destId="{045AD5A4-00EE-4E0C-9B56-49B5B027A7D7}" srcOrd="0" destOrd="0" presId="urn:microsoft.com/office/officeart/2018/2/layout/IconVerticalSolidList"/>
     <dgm:cxn modelId="{AC793CD0-D5D0-4CFC-B760-AF8A891B73C8}" type="presParOf" srcId="{79DDFA1E-BEAA-4504-8A14-346C6E567042}" destId="{5189CC1A-80E0-4163-BCD9-1E7EC29409C8}" srcOrd="0" destOrd="0" presId="urn:microsoft.com/office/officeart/2018/2/layout/IconVerticalSolidList"/>
     <dgm:cxn modelId="{FAE45C04-0029-44D4-BC70-52AFC92D6894}" type="presParOf" srcId="{5189CC1A-80E0-4163-BCD9-1E7EC29409C8}" destId="{529EF6B6-A797-43BC-85A9-EDC00263510F}" srcOrd="0" destOrd="0" presId="urn:microsoft.com/office/officeart/2018/2/layout/IconVerticalSolidList"/>
@@ -4992,6 +5340,34 @@
               <a:latin typeface="Times New Roman" panose="02020603050405020304" pitchFamily="18" charset="0"/>
               <a:cs typeface="Times New Roman" panose="02020603050405020304" pitchFamily="18" charset="0"/>
             </a:rPr>
+            <a:t>, </a:t>
+          </a:r>
+          <a:r>
+            <a:rPr lang="en-US" sz="2100" kern="1200" dirty="0" err="1" smtClean="0">
+              <a:latin typeface="Times New Roman" panose="02020603050405020304" pitchFamily="18" charset="0"/>
+              <a:cs typeface="Times New Roman" panose="02020603050405020304" pitchFamily="18" charset="0"/>
+            </a:rPr>
+            <a:t>hạn</a:t>
+          </a:r>
+          <a:r>
+            <a:rPr lang="en-US" sz="2100" kern="1200" dirty="0" smtClean="0">
+              <a:latin typeface="Times New Roman" panose="02020603050405020304" pitchFamily="18" charset="0"/>
+              <a:cs typeface="Times New Roman" panose="02020603050405020304" pitchFamily="18" charset="0"/>
+            </a:rPr>
+            <a:t> </a:t>
+          </a:r>
+          <a:r>
+            <a:rPr lang="en-US" sz="2100" kern="1200" dirty="0" err="1" smtClean="0">
+              <a:latin typeface="Times New Roman" panose="02020603050405020304" pitchFamily="18" charset="0"/>
+              <a:cs typeface="Times New Roman" panose="02020603050405020304" pitchFamily="18" charset="0"/>
+            </a:rPr>
+            <a:t>chế</a:t>
+          </a:r>
+          <a:r>
+            <a:rPr lang="en-US" sz="2100" kern="1200" dirty="0" smtClean="0">
+              <a:latin typeface="Times New Roman" panose="02020603050405020304" pitchFamily="18" charset="0"/>
+              <a:cs typeface="Times New Roman" panose="02020603050405020304" pitchFamily="18" charset="0"/>
+            </a:rPr>
             <a:t> </a:t>
           </a:r>
           <a:r>
@@ -5118,8 +5494,8 @@
       </dsp:nvSpPr>
       <dsp:spPr>
         <a:xfrm>
-          <a:off x="2254" y="0"/>
-          <a:ext cx="3465909" cy="4093482"/>
+          <a:off x="563" y="677284"/>
+          <a:ext cx="2282428" cy="2738913"/>
         </a:xfrm>
         <a:prstGeom prst="rect">
           <a:avLst/>
@@ -5160,12 +5536,12 @@
         </a:fontRef>
       </dsp:style>
       <dsp:txBody>
-        <a:bodyPr spcFirstLastPara="0" vert="horz" wrap="square" lIns="342355" tIns="0" rIns="342355" bIns="330200" numCol="1" spcCol="1270" anchor="t" anchorCtr="0">
+        <a:bodyPr spcFirstLastPara="0" vert="horz" wrap="square" lIns="225453" tIns="0" rIns="225453" bIns="330200" numCol="1" spcCol="1270" anchor="t" anchorCtr="0">
           <a:noAutofit/>
         </a:bodyPr>
         <a:lstStyle/>
         <a:p>
-          <a:pPr lvl="0" algn="l" defTabSz="622300">
+          <a:pPr lvl="0" algn="l" defTabSz="488950">
             <a:lnSpc>
               <a:spcPct val="90000"/>
             </a:lnSpc>
@@ -5177,519 +5553,171 @@
             </a:spcAft>
           </a:pPr>
           <a:r>
-            <a:rPr lang="en-US" sz="1400" kern="1200" dirty="0" smtClean="0"/>
+            <a:rPr lang="en-US" sz="1100" kern="1200" dirty="0" smtClean="0"/>
             <a:t>Android </a:t>
           </a:r>
           <a:r>
-            <a:rPr lang="en-US" sz="1400" kern="1200" dirty="0" err="1" smtClean="0"/>
+            <a:rPr lang="en-US" sz="1100" kern="1200" dirty="0" err="1" smtClean="0"/>
             <a:t>là</a:t>
           </a:r>
           <a:r>
-            <a:rPr lang="en-US" sz="1400" kern="1200" dirty="0" smtClean="0"/>
+            <a:rPr lang="en-US" sz="1100" kern="1200" dirty="0" smtClean="0"/>
             <a:t> </a:t>
           </a:r>
           <a:r>
-            <a:rPr lang="en-US" sz="1400" kern="1200" dirty="0" err="1" smtClean="0"/>
+            <a:rPr lang="en-US" sz="1100" kern="1200" dirty="0" err="1" smtClean="0"/>
             <a:t>hệ</a:t>
           </a:r>
           <a:r>
-            <a:rPr lang="en-US" sz="1400" kern="1200" dirty="0" smtClean="0"/>
+            <a:rPr lang="en-US" sz="1100" kern="1200" dirty="0" smtClean="0"/>
             <a:t> </a:t>
           </a:r>
           <a:r>
-            <a:rPr lang="en-US" sz="1400" kern="1200" dirty="0" err="1" smtClean="0"/>
+            <a:rPr lang="en-US" sz="1100" kern="1200" dirty="0" err="1" smtClean="0"/>
             <a:t>điều</a:t>
           </a:r>
           <a:r>
-            <a:rPr lang="en-US" sz="1400" kern="1200" dirty="0" smtClean="0"/>
+            <a:rPr lang="en-US" sz="1100" kern="1200" dirty="0" smtClean="0"/>
             <a:t> </a:t>
           </a:r>
           <a:r>
-            <a:rPr lang="en-US" sz="1400" kern="1200" dirty="0" err="1" smtClean="0"/>
+            <a:rPr lang="en-US" sz="1100" kern="1200" dirty="0" err="1" smtClean="0"/>
             <a:t>hành</a:t>
           </a:r>
           <a:r>
-            <a:rPr lang="en-US" sz="1400" kern="1200" dirty="0" smtClean="0"/>
+            <a:rPr lang="en-US" sz="1100" kern="1200" dirty="0" smtClean="0"/>
             <a:t> </a:t>
           </a:r>
           <a:r>
-            <a:rPr lang="en-US" sz="1400" kern="1200" dirty="0" err="1" smtClean="0"/>
+            <a:rPr lang="en-US" sz="1100" kern="1200" dirty="0" err="1" smtClean="0"/>
             <a:t>điện</a:t>
           </a:r>
           <a:r>
-            <a:rPr lang="en-US" sz="1400" kern="1200" dirty="0" smtClean="0"/>
+            <a:rPr lang="en-US" sz="1100" kern="1200" dirty="0" smtClean="0"/>
             <a:t> </a:t>
           </a:r>
           <a:r>
-            <a:rPr lang="en-US" sz="1400" kern="1200" dirty="0" err="1" smtClean="0"/>
+            <a:rPr lang="en-US" sz="1100" kern="1200" dirty="0" err="1" smtClean="0"/>
             <a:t>thoại</a:t>
           </a:r>
           <a:r>
-            <a:rPr lang="en-US" sz="1400" kern="1200" dirty="0" smtClean="0"/>
+            <a:rPr lang="en-US" sz="1100" kern="1200" dirty="0" smtClean="0"/>
             <a:t> di </a:t>
           </a:r>
           <a:r>
-            <a:rPr lang="en-US" sz="1400" kern="1200" dirty="0" err="1" smtClean="0"/>
+            <a:rPr lang="en-US" sz="1100" kern="1200" dirty="0" err="1" smtClean="0"/>
             <a:t>động</a:t>
           </a:r>
           <a:r>
-            <a:rPr lang="en-US" sz="1400" kern="1200" dirty="0" smtClean="0"/>
+            <a:rPr lang="en-US" sz="1100" kern="1200" dirty="0" smtClean="0"/>
             <a:t> </a:t>
           </a:r>
           <a:r>
-            <a:rPr lang="en-US" sz="1400" kern="1200" dirty="0" err="1" smtClean="0"/>
+            <a:rPr lang="en-US" sz="1100" kern="1200" dirty="0" err="1" smtClean="0"/>
             <a:t>mã</a:t>
           </a:r>
           <a:r>
-            <a:rPr lang="en-US" sz="1400" kern="1200" dirty="0" smtClean="0"/>
+            <a:rPr lang="en-US" sz="1100" kern="1200" dirty="0" smtClean="0"/>
             <a:t> </a:t>
           </a:r>
           <a:r>
-            <a:rPr lang="en-US" sz="1400" kern="1200" dirty="0" err="1" smtClean="0"/>
+            <a:rPr lang="en-US" sz="1100" kern="1200" dirty="0" err="1" smtClean="0"/>
             <a:t>nguồn</a:t>
           </a:r>
           <a:r>
-            <a:rPr lang="en-US" sz="1400" kern="1200" dirty="0" smtClean="0"/>
+            <a:rPr lang="en-US" sz="1100" kern="1200" dirty="0" smtClean="0"/>
             <a:t> </a:t>
           </a:r>
           <a:r>
-            <a:rPr lang="en-US" sz="1400" kern="1200" dirty="0" err="1" smtClean="0"/>
+            <a:rPr lang="en-US" sz="1100" kern="1200" dirty="0" err="1" smtClean="0"/>
             <a:t>mở</a:t>
           </a:r>
           <a:r>
-            <a:rPr lang="en-US" sz="1400" kern="1200" dirty="0" smtClean="0"/>
+            <a:rPr lang="en-US" sz="1100" kern="1200" dirty="0" smtClean="0"/>
             <a:t> </a:t>
           </a:r>
           <a:r>
-            <a:rPr lang="en-US" sz="1400" kern="1200" dirty="0" err="1" smtClean="0"/>
+            <a:rPr lang="en-US" sz="1100" kern="1200" dirty="0" err="1" smtClean="0"/>
             <a:t>miễn</a:t>
           </a:r>
           <a:r>
-            <a:rPr lang="en-US" sz="1400" kern="1200" dirty="0" smtClean="0"/>
+            <a:rPr lang="en-US" sz="1100" kern="1200" dirty="0" smtClean="0"/>
             <a:t> </a:t>
           </a:r>
           <a:r>
-            <a:rPr lang="en-US" sz="1400" kern="1200" dirty="0" err="1" smtClean="0"/>
+            <a:rPr lang="en-US" sz="1100" kern="1200" dirty="0" err="1" smtClean="0"/>
             <a:t>phí</a:t>
           </a:r>
           <a:r>
-            <a:rPr lang="en-US" sz="1400" kern="1200" dirty="0" smtClean="0"/>
+            <a:rPr lang="en-US" sz="1100" kern="1200" dirty="0" smtClean="0"/>
             <a:t> do Google </a:t>
           </a:r>
           <a:r>
-            <a:rPr lang="en-US" sz="1400" kern="1200" dirty="0" err="1" smtClean="0"/>
+            <a:rPr lang="en-US" sz="1100" kern="1200" dirty="0" err="1" smtClean="0"/>
             <a:t>phát</a:t>
           </a:r>
           <a:r>
-            <a:rPr lang="en-US" sz="1400" kern="1200" dirty="0" smtClean="0"/>
+            <a:rPr lang="en-US" sz="1100" kern="1200" dirty="0" smtClean="0"/>
             <a:t> </a:t>
           </a:r>
           <a:r>
-            <a:rPr lang="en-US" sz="1400" kern="1200" dirty="0" err="1" smtClean="0"/>
+            <a:rPr lang="en-US" sz="1100" kern="1200" dirty="0" err="1" smtClean="0"/>
             <a:t>triển</a:t>
           </a:r>
           <a:r>
-            <a:rPr lang="en-US" sz="1400" kern="1200" dirty="0" smtClean="0"/>
+            <a:rPr lang="en-US" sz="1100" kern="1200" dirty="0" smtClean="0"/>
             <a:t> </a:t>
           </a:r>
           <a:r>
-            <a:rPr lang="en-US" sz="1400" kern="1200" dirty="0" err="1" smtClean="0"/>
+            <a:rPr lang="en-US" sz="1100" kern="1200" dirty="0" err="1" smtClean="0"/>
             <a:t>dựa</a:t>
           </a:r>
           <a:r>
-            <a:rPr lang="en-US" sz="1400" kern="1200" dirty="0" smtClean="0"/>
+            <a:rPr lang="en-US" sz="1100" kern="1200" dirty="0" smtClean="0"/>
             <a:t> </a:t>
           </a:r>
           <a:r>
-            <a:rPr lang="en-US" sz="1400" kern="1200" dirty="0" err="1" smtClean="0"/>
+            <a:rPr lang="en-US" sz="1100" kern="1200" dirty="0" err="1" smtClean="0"/>
             <a:t>trên</a:t>
           </a:r>
           <a:r>
-            <a:rPr lang="en-US" sz="1400" kern="1200" dirty="0" smtClean="0"/>
+            <a:rPr lang="en-US" sz="1100" kern="1200" dirty="0" smtClean="0"/>
             <a:t> </a:t>
           </a:r>
           <a:r>
-            <a:rPr lang="en-US" sz="1400" kern="1200" dirty="0" err="1" smtClean="0"/>
+            <a:rPr lang="en-US" sz="1100" kern="1200" dirty="0" err="1" smtClean="0"/>
             <a:t>nền</a:t>
           </a:r>
           <a:r>
-            <a:rPr lang="en-US" sz="1400" kern="1200" dirty="0" smtClean="0"/>
+            <a:rPr lang="en-US" sz="1100" kern="1200" dirty="0" smtClean="0"/>
             <a:t> </a:t>
           </a:r>
           <a:r>
-            <a:rPr lang="en-US" sz="1400" kern="1200" dirty="0" err="1" smtClean="0"/>
+            <a:rPr lang="en-US" sz="1100" kern="1200" dirty="0" err="1" smtClean="0"/>
             <a:t>tảng</a:t>
           </a:r>
           <a:r>
-            <a:rPr lang="en-US" sz="1400" kern="1200" dirty="0" smtClean="0"/>
+            <a:rPr lang="en-US" sz="1100" kern="1200" dirty="0" smtClean="0"/>
             <a:t> </a:t>
           </a:r>
           <a:r>
-            <a:rPr lang="en-US" sz="1400" kern="1200" dirty="0" err="1" smtClean="0"/>
+            <a:rPr lang="en-US" sz="1100" kern="1200" dirty="0" err="1" smtClean="0"/>
             <a:t>của</a:t>
           </a:r>
           <a:r>
-            <a:rPr lang="en-US" sz="1400" kern="1200" dirty="0" smtClean="0"/>
-            <a:t> Linux. </a:t>
+            <a:rPr lang="en-US" sz="1100" kern="1200" dirty="0" smtClean="0"/>
+            <a:t> Linux</a:t>
           </a:r>
           <a:r>
-            <a:rPr lang="en-US" sz="1400" kern="1200" dirty="0" err="1" smtClean="0"/>
-            <a:t>Bất</a:t>
+            <a:rPr lang="en-US" sz="1100" kern="1200" dirty="0" smtClean="0"/>
+            <a:t>.</a:t>
           </a:r>
-          <a:r>
-            <a:rPr lang="en-US" sz="1400" kern="1200" dirty="0" smtClean="0"/>
-            <a:t> </a:t>
-          </a:r>
-          <a:r>
-            <a:rPr lang="en-US" sz="1400" kern="1200" dirty="0" err="1" smtClean="0"/>
-            <a:t>kỳ</a:t>
-          </a:r>
-          <a:r>
-            <a:rPr lang="en-US" sz="1400" kern="1200" dirty="0" smtClean="0"/>
-            <a:t> </a:t>
-          </a:r>
-          <a:r>
-            <a:rPr lang="en-US" sz="1400" kern="1200" dirty="0" err="1" smtClean="0"/>
-            <a:t>một</a:t>
-          </a:r>
-          <a:r>
-            <a:rPr lang="en-US" sz="1400" kern="1200" dirty="0" smtClean="0"/>
-            <a:t> </a:t>
-          </a:r>
-          <a:r>
-            <a:rPr lang="en-US" sz="1400" kern="1200" dirty="0" err="1" smtClean="0"/>
-            <a:t>hãng</a:t>
-          </a:r>
-          <a:r>
-            <a:rPr lang="en-US" sz="1400" kern="1200" dirty="0" smtClean="0"/>
-            <a:t> </a:t>
-          </a:r>
-          <a:r>
-            <a:rPr lang="en-US" sz="1400" kern="1200" dirty="0" err="1" smtClean="0"/>
-            <a:t>sản</a:t>
-          </a:r>
-          <a:r>
-            <a:rPr lang="en-US" sz="1400" kern="1200" dirty="0" smtClean="0"/>
-            <a:t> </a:t>
-          </a:r>
-          <a:r>
-            <a:rPr lang="en-US" sz="1400" kern="1200" dirty="0" err="1" smtClean="0"/>
-            <a:t>xuất</a:t>
-          </a:r>
-          <a:r>
-            <a:rPr lang="en-US" sz="1400" kern="1200" dirty="0" smtClean="0"/>
-            <a:t> </a:t>
-          </a:r>
-          <a:r>
-            <a:rPr lang="en-US" sz="1400" kern="1200" dirty="0" err="1" smtClean="0"/>
-            <a:t>phần</a:t>
-          </a:r>
-          <a:r>
-            <a:rPr lang="en-US" sz="1400" kern="1200" dirty="0" smtClean="0"/>
-            <a:t> </a:t>
-          </a:r>
-          <a:r>
-            <a:rPr lang="en-US" sz="1400" kern="1200" dirty="0" err="1" smtClean="0"/>
-            <a:t>cứng</a:t>
-          </a:r>
-          <a:r>
-            <a:rPr lang="en-US" sz="1400" kern="1200" dirty="0" smtClean="0"/>
-            <a:t> </a:t>
-          </a:r>
-          <a:r>
-            <a:rPr lang="en-US" sz="1400" kern="1200" dirty="0" err="1" smtClean="0"/>
-            <a:t>nào</a:t>
-          </a:r>
-          <a:r>
-            <a:rPr lang="en-US" sz="1400" kern="1200" dirty="0" smtClean="0"/>
-            <a:t> </a:t>
-          </a:r>
-          <a:r>
-            <a:rPr lang="en-US" sz="1400" kern="1200" dirty="0" err="1" smtClean="0"/>
-            <a:t>cũng</a:t>
-          </a:r>
-          <a:r>
-            <a:rPr lang="en-US" sz="1400" kern="1200" dirty="0" smtClean="0"/>
-            <a:t> </a:t>
-          </a:r>
-          <a:r>
-            <a:rPr lang="en-US" sz="1400" kern="1200" dirty="0" err="1" smtClean="0"/>
-            <a:t>đều</a:t>
-          </a:r>
-          <a:r>
-            <a:rPr lang="en-US" sz="1400" kern="1200" dirty="0" smtClean="0"/>
-            <a:t> </a:t>
-          </a:r>
-          <a:r>
-            <a:rPr lang="en-US" sz="1400" kern="1200" dirty="0" err="1" smtClean="0"/>
-            <a:t>có</a:t>
-          </a:r>
-          <a:r>
-            <a:rPr lang="en-US" sz="1400" kern="1200" dirty="0" smtClean="0"/>
-            <a:t> </a:t>
-          </a:r>
-          <a:r>
-            <a:rPr lang="en-US" sz="1400" kern="1200" dirty="0" err="1" smtClean="0"/>
-            <a:t>thể</a:t>
-          </a:r>
-          <a:r>
-            <a:rPr lang="en-US" sz="1400" kern="1200" dirty="0" smtClean="0"/>
-            <a:t> </a:t>
-          </a:r>
-          <a:r>
-            <a:rPr lang="en-US" sz="1400" kern="1200" dirty="0" err="1" smtClean="0"/>
-            <a:t>tự</a:t>
-          </a:r>
-          <a:r>
-            <a:rPr lang="en-US" sz="1400" kern="1200" dirty="0" smtClean="0"/>
-            <a:t> do </a:t>
-          </a:r>
-          <a:r>
-            <a:rPr lang="en-US" sz="1400" kern="1200" dirty="0" err="1" smtClean="0"/>
-            <a:t>sử</a:t>
-          </a:r>
-          <a:r>
-            <a:rPr lang="en-US" sz="1400" kern="1200" dirty="0" smtClean="0"/>
-            <a:t> </a:t>
-          </a:r>
-          <a:r>
-            <a:rPr lang="en-US" sz="1400" kern="1200" dirty="0" err="1" smtClean="0"/>
-            <a:t>dụng</a:t>
-          </a:r>
-          <a:r>
-            <a:rPr lang="en-US" sz="1400" kern="1200" dirty="0" smtClean="0"/>
-            <a:t> </a:t>
-          </a:r>
-          <a:r>
-            <a:rPr lang="en-US" sz="1400" kern="1200" dirty="0" err="1" smtClean="0"/>
-            <a:t>hệ</a:t>
-          </a:r>
-          <a:r>
-            <a:rPr lang="en-US" sz="1400" kern="1200" dirty="0" smtClean="0"/>
-            <a:t> </a:t>
-          </a:r>
-          <a:r>
-            <a:rPr lang="en-US" sz="1400" kern="1200" dirty="0" err="1" smtClean="0"/>
-            <a:t>điều</a:t>
-          </a:r>
-          <a:r>
-            <a:rPr lang="en-US" sz="1400" kern="1200" dirty="0" smtClean="0"/>
-            <a:t> </a:t>
-          </a:r>
-          <a:r>
-            <a:rPr lang="en-US" sz="1400" kern="1200" dirty="0" err="1" smtClean="0"/>
-            <a:t>hành</a:t>
-          </a:r>
-          <a:r>
-            <a:rPr lang="en-US" sz="1400" kern="1200" dirty="0" smtClean="0"/>
-            <a:t> Android </a:t>
-          </a:r>
-          <a:r>
-            <a:rPr lang="en-US" sz="1400" kern="1200" dirty="0" err="1" smtClean="0"/>
-            <a:t>cho</a:t>
-          </a:r>
-          <a:r>
-            <a:rPr lang="en-US" sz="1400" kern="1200" dirty="0" smtClean="0"/>
-            <a:t> </a:t>
-          </a:r>
-          <a:r>
-            <a:rPr lang="en-US" sz="1400" kern="1200" dirty="0" err="1" smtClean="0"/>
-            <a:t>thiết</a:t>
-          </a:r>
-          <a:r>
-            <a:rPr lang="en-US" sz="1400" kern="1200" dirty="0" smtClean="0"/>
-            <a:t> </a:t>
-          </a:r>
-          <a:r>
-            <a:rPr lang="en-US" sz="1400" kern="1200" dirty="0" err="1" smtClean="0"/>
-            <a:t>bị</a:t>
-          </a:r>
-          <a:r>
-            <a:rPr lang="en-US" sz="1400" kern="1200" dirty="0" smtClean="0"/>
-            <a:t> </a:t>
-          </a:r>
-          <a:r>
-            <a:rPr lang="en-US" sz="1400" kern="1200" dirty="0" err="1" smtClean="0"/>
-            <a:t>của</a:t>
-          </a:r>
-          <a:r>
-            <a:rPr lang="en-US" sz="1400" kern="1200" dirty="0" smtClean="0"/>
-            <a:t> </a:t>
-          </a:r>
-          <a:r>
-            <a:rPr lang="en-US" sz="1400" kern="1200" dirty="0" err="1" smtClean="0"/>
-            <a:t>mình</a:t>
-          </a:r>
-          <a:r>
-            <a:rPr lang="en-US" sz="1400" kern="1200" dirty="0" smtClean="0"/>
-            <a:t>, </a:t>
-          </a:r>
-          <a:r>
-            <a:rPr lang="en-US" sz="1400" kern="1200" dirty="0" err="1" smtClean="0"/>
-            <a:t>miễn</a:t>
-          </a:r>
-          <a:r>
-            <a:rPr lang="en-US" sz="1400" kern="1200" dirty="0" smtClean="0"/>
-            <a:t> </a:t>
-          </a:r>
-          <a:r>
-            <a:rPr lang="en-US" sz="1400" kern="1200" dirty="0" err="1" smtClean="0"/>
-            <a:t>là</a:t>
-          </a:r>
-          <a:r>
-            <a:rPr lang="en-US" sz="1400" kern="1200" dirty="0" smtClean="0"/>
-            <a:t> </a:t>
-          </a:r>
-          <a:r>
-            <a:rPr lang="en-US" sz="1400" kern="1200" dirty="0" err="1" smtClean="0"/>
-            <a:t>các</a:t>
-          </a:r>
-          <a:r>
-            <a:rPr lang="en-US" sz="1400" kern="1200" dirty="0" smtClean="0"/>
-            <a:t> </a:t>
-          </a:r>
-          <a:r>
-            <a:rPr lang="en-US" sz="1400" kern="1200" dirty="0" err="1" smtClean="0"/>
-            <a:t>thiết</a:t>
-          </a:r>
-          <a:r>
-            <a:rPr lang="en-US" sz="1400" kern="1200" dirty="0" smtClean="0"/>
-            <a:t> </a:t>
-          </a:r>
-          <a:r>
-            <a:rPr lang="en-US" sz="1400" kern="1200" dirty="0" err="1" smtClean="0"/>
-            <a:t>bị</a:t>
-          </a:r>
-          <a:r>
-            <a:rPr lang="en-US" sz="1400" kern="1200" dirty="0" smtClean="0"/>
-            <a:t> </a:t>
-          </a:r>
-          <a:r>
-            <a:rPr lang="en-US" sz="1400" kern="1200" dirty="0" err="1" smtClean="0"/>
-            <a:t>ấy</a:t>
-          </a:r>
-          <a:r>
-            <a:rPr lang="en-US" sz="1400" kern="1200" dirty="0" smtClean="0"/>
-            <a:t> </a:t>
-          </a:r>
-          <a:r>
-            <a:rPr lang="en-US" sz="1400" kern="1200" dirty="0" err="1" smtClean="0"/>
-            <a:t>đáp</a:t>
-          </a:r>
-          <a:r>
-            <a:rPr lang="en-US" sz="1400" kern="1200" dirty="0" smtClean="0"/>
-            <a:t> </a:t>
-          </a:r>
-          <a:r>
-            <a:rPr lang="en-US" sz="1400" kern="1200" dirty="0" err="1" smtClean="0"/>
-            <a:t>ứng</a:t>
-          </a:r>
-          <a:r>
-            <a:rPr lang="en-US" sz="1400" kern="1200" dirty="0" smtClean="0"/>
-            <a:t> </a:t>
-          </a:r>
-          <a:r>
-            <a:rPr lang="en-US" sz="1400" kern="1200" dirty="0" err="1" smtClean="0"/>
-            <a:t>được</a:t>
-          </a:r>
-          <a:r>
-            <a:rPr lang="en-US" sz="1400" kern="1200" dirty="0" smtClean="0"/>
-            <a:t> </a:t>
-          </a:r>
-          <a:r>
-            <a:rPr lang="en-US" sz="1400" kern="1200" dirty="0" err="1" smtClean="0"/>
-            <a:t>các</a:t>
-          </a:r>
-          <a:r>
-            <a:rPr lang="en-US" sz="1400" kern="1200" dirty="0" smtClean="0"/>
-            <a:t> </a:t>
-          </a:r>
-          <a:r>
-            <a:rPr lang="en-US" sz="1400" kern="1200" dirty="0" err="1" smtClean="0"/>
-            <a:t>tiêu</a:t>
-          </a:r>
-          <a:r>
-            <a:rPr lang="en-US" sz="1400" kern="1200" dirty="0" smtClean="0"/>
-            <a:t> </a:t>
-          </a:r>
-          <a:r>
-            <a:rPr lang="en-US" sz="1400" kern="1200" dirty="0" err="1" smtClean="0"/>
-            <a:t>chuẩn</a:t>
-          </a:r>
-          <a:r>
-            <a:rPr lang="en-US" sz="1400" kern="1200" dirty="0" smtClean="0"/>
-            <a:t> </a:t>
-          </a:r>
-          <a:r>
-            <a:rPr lang="en-US" sz="1400" kern="1200" dirty="0" err="1" smtClean="0"/>
-            <a:t>cơ</a:t>
-          </a:r>
-          <a:r>
-            <a:rPr lang="en-US" sz="1400" kern="1200" dirty="0" smtClean="0"/>
-            <a:t> </a:t>
-          </a:r>
-          <a:r>
-            <a:rPr lang="en-US" sz="1400" kern="1200" dirty="0" err="1" smtClean="0"/>
-            <a:t>bản</a:t>
-          </a:r>
-          <a:r>
-            <a:rPr lang="en-US" sz="1400" kern="1200" dirty="0" smtClean="0"/>
-            <a:t> do Google </a:t>
-          </a:r>
-          <a:r>
-            <a:rPr lang="en-US" sz="1400" kern="1200" dirty="0" err="1" smtClean="0"/>
-            <a:t>đặt</a:t>
-          </a:r>
-          <a:r>
-            <a:rPr lang="en-US" sz="1400" kern="1200" dirty="0" smtClean="0"/>
-            <a:t> </a:t>
-          </a:r>
-          <a:r>
-            <a:rPr lang="en-US" sz="1400" kern="1200" dirty="0" err="1" smtClean="0"/>
-            <a:t>ra</a:t>
-          </a:r>
-          <a:r>
-            <a:rPr lang="en-US" sz="1400" kern="1200" dirty="0" smtClean="0"/>
-            <a:t> (</a:t>
-          </a:r>
-          <a:r>
-            <a:rPr lang="en-US" sz="1400" kern="1200" dirty="0" err="1" smtClean="0"/>
-            <a:t>có</a:t>
-          </a:r>
-          <a:r>
-            <a:rPr lang="en-US" sz="1400" kern="1200" dirty="0" smtClean="0"/>
-            <a:t> </a:t>
-          </a:r>
-          <a:r>
-            <a:rPr lang="en-US" sz="1400" kern="1200" dirty="0" err="1" smtClean="0"/>
-            <a:t>cảm</a:t>
-          </a:r>
-          <a:r>
-            <a:rPr lang="en-US" sz="1400" kern="1200" dirty="0" smtClean="0"/>
-            <a:t> </a:t>
-          </a:r>
-          <a:r>
-            <a:rPr lang="en-US" sz="1400" kern="1200" dirty="0" err="1" smtClean="0"/>
-            <a:t>ứng</a:t>
-          </a:r>
-          <a:r>
-            <a:rPr lang="en-US" sz="1400" kern="1200" dirty="0" smtClean="0"/>
-            <a:t> </a:t>
-          </a:r>
-          <a:r>
-            <a:rPr lang="en-US" sz="1400" kern="1200" dirty="0" err="1" smtClean="0"/>
-            <a:t>chạm</a:t>
-          </a:r>
-          <a:r>
-            <a:rPr lang="en-US" sz="1400" kern="1200" dirty="0" smtClean="0"/>
-            <a:t>, GPS, 3G,...).</a:t>
-          </a:r>
-          <a:endParaRPr lang="en-US" sz="1400" kern="1200" dirty="0"/>
+          <a:endParaRPr lang="en-US" sz="1100" kern="1200" dirty="0"/>
         </a:p>
       </dsp:txBody>
       <dsp:txXfrm>
-        <a:off x="2254" y="1637392"/>
-        <a:ext cx="3465909" cy="2456089"/>
+        <a:off x="563" y="1772849"/>
+        <a:ext cx="2282428" cy="1643348"/>
       </dsp:txXfrm>
     </dsp:sp>
     <dsp:sp modelId="{FE6E4A38-ECF3-C940-9B58-D665710F7AC0}">
@@ -5699,8 +5727,8 @@
       </dsp:nvSpPr>
       <dsp:spPr>
         <a:xfrm>
-          <a:off x="2254" y="0"/>
-          <a:ext cx="3465909" cy="1637392"/>
+          <a:off x="563" y="677284"/>
+          <a:ext cx="2282428" cy="1095565"/>
         </a:xfrm>
         <a:prstGeom prst="rect">
           <a:avLst/>
@@ -5728,12 +5756,12 @@
         </a:fontRef>
       </dsp:style>
       <dsp:txBody>
-        <a:bodyPr spcFirstLastPara="0" vert="horz" wrap="square" lIns="342355" tIns="165100" rIns="342355" bIns="165100" numCol="1" spcCol="1270" anchor="ctr" anchorCtr="0">
+        <a:bodyPr spcFirstLastPara="0" vert="horz" wrap="square" lIns="225453" tIns="165100" rIns="225453" bIns="165100" numCol="1" spcCol="1270" anchor="ctr" anchorCtr="0">
           <a:noAutofit/>
         </a:bodyPr>
         <a:lstStyle/>
         <a:p>
-          <a:pPr lvl="0" algn="l" defTabSz="2933700">
+          <a:pPr lvl="0" algn="l" defTabSz="2400300">
             <a:lnSpc>
               <a:spcPct val="90000"/>
             </a:lnSpc>
@@ -5744,12 +5772,501 @@
               <a:spcPct val="35000"/>
             </a:spcAft>
           </a:pPr>
-          <a:endParaRPr lang="en-US" sz="6600" kern="1200"/>
+          <a:endParaRPr lang="en-US" sz="5400" kern="1200"/>
         </a:p>
       </dsp:txBody>
       <dsp:txXfrm>
-        <a:off x="2254" y="0"/>
-        <a:ext cx="3465909" cy="1637392"/>
+        <a:off x="563" y="677284"/>
+        <a:ext cx="2282428" cy="1095565"/>
+      </dsp:txXfrm>
+    </dsp:sp>
+    <dsp:sp modelId="{A9ED5131-9AE3-E54B-8B86-3704151AFE3F}">
+      <dsp:nvSpPr>
+        <dsp:cNvPr id="0" name=""/>
+        <dsp:cNvSpPr/>
+      </dsp:nvSpPr>
+      <dsp:spPr>
+        <a:xfrm>
+          <a:off x="2465585" y="677284"/>
+          <a:ext cx="2282428" cy="2738913"/>
+        </a:xfrm>
+        <a:prstGeom prst="rect">
+          <a:avLst/>
+        </a:prstGeom>
+        <a:solidFill>
+          <a:schemeClr val="accent5">
+            <a:hueOff val="1247628"/>
+            <a:satOff val="-25244"/>
+            <a:lumOff val="784"/>
+            <a:alphaOff val="0"/>
+          </a:schemeClr>
+        </a:solidFill>
+        <a:ln w="19050" cap="rnd" cmpd="sng" algn="ctr">
+          <a:solidFill>
+            <a:schemeClr val="accent5">
+              <a:hueOff val="1247628"/>
+              <a:satOff val="-25244"/>
+              <a:lumOff val="784"/>
+              <a:alphaOff val="0"/>
+            </a:schemeClr>
+          </a:solidFill>
+          <a:prstDash val="solid"/>
+        </a:ln>
+        <a:effectLst/>
+      </dsp:spPr>
+      <dsp:style>
+        <a:lnRef idx="2">
+          <a:scrgbClr r="0" g="0" b="0"/>
+        </a:lnRef>
+        <a:fillRef idx="1">
+          <a:scrgbClr r="0" g="0" b="0"/>
+        </a:fillRef>
+        <a:effectRef idx="1">
+          <a:scrgbClr r="0" g="0" b="0"/>
+        </a:effectRef>
+        <a:fontRef idx="minor">
+          <a:schemeClr val="lt1"/>
+        </a:fontRef>
+      </dsp:style>
+      <dsp:txBody>
+        <a:bodyPr spcFirstLastPara="0" vert="horz" wrap="square" lIns="225453" tIns="0" rIns="225453" bIns="330200" numCol="1" spcCol="1270" anchor="t" anchorCtr="0">
+          <a:noAutofit/>
+        </a:bodyPr>
+        <a:lstStyle/>
+        <a:p>
+          <a:pPr lvl="0" algn="l" defTabSz="488950">
+            <a:lnSpc>
+              <a:spcPct val="90000"/>
+            </a:lnSpc>
+            <a:spcBef>
+              <a:spcPct val="0"/>
+            </a:spcBef>
+            <a:spcAft>
+              <a:spcPct val="35000"/>
+            </a:spcAft>
+          </a:pPr>
+          <a:r>
+            <a:rPr lang="en-US" sz="1100" kern="1200" dirty="0" smtClean="0"/>
+            <a:t> </a:t>
+          </a:r>
+          <a:r>
+            <a:rPr lang="en-US" sz="1100" kern="1200" dirty="0" err="1" smtClean="0"/>
+            <a:t>Bất</a:t>
+          </a:r>
+          <a:r>
+            <a:rPr lang="en-US" sz="1100" kern="1200" dirty="0" smtClean="0"/>
+            <a:t> </a:t>
+          </a:r>
+          <a:r>
+            <a:rPr lang="en-US" sz="1100" kern="1200" dirty="0" err="1" smtClean="0"/>
+            <a:t>kỳ</a:t>
+          </a:r>
+          <a:r>
+            <a:rPr lang="en-US" sz="1100" kern="1200" dirty="0" smtClean="0"/>
+            <a:t> </a:t>
+          </a:r>
+          <a:r>
+            <a:rPr lang="en-US" sz="1100" kern="1200" dirty="0" err="1" smtClean="0"/>
+            <a:t>một</a:t>
+          </a:r>
+          <a:r>
+            <a:rPr lang="en-US" sz="1100" kern="1200" dirty="0" smtClean="0"/>
+            <a:t> </a:t>
+          </a:r>
+          <a:r>
+            <a:rPr lang="en-US" sz="1100" kern="1200" dirty="0" err="1" smtClean="0"/>
+            <a:t>hãng</a:t>
+          </a:r>
+          <a:r>
+            <a:rPr lang="en-US" sz="1100" kern="1200" dirty="0" smtClean="0"/>
+            <a:t> </a:t>
+          </a:r>
+          <a:r>
+            <a:rPr lang="en-US" sz="1100" kern="1200" dirty="0" err="1" smtClean="0"/>
+            <a:t>sản</a:t>
+          </a:r>
+          <a:r>
+            <a:rPr lang="en-US" sz="1100" kern="1200" dirty="0" smtClean="0"/>
+            <a:t> </a:t>
+          </a:r>
+          <a:r>
+            <a:rPr lang="en-US" sz="1100" kern="1200" dirty="0" err="1" smtClean="0"/>
+            <a:t>xuất</a:t>
+          </a:r>
+          <a:r>
+            <a:rPr lang="en-US" sz="1100" kern="1200" dirty="0" smtClean="0"/>
+            <a:t> </a:t>
+          </a:r>
+          <a:r>
+            <a:rPr lang="en-US" sz="1100" kern="1200" dirty="0" err="1" smtClean="0"/>
+            <a:t>phần</a:t>
+          </a:r>
+          <a:r>
+            <a:rPr lang="en-US" sz="1100" kern="1200" dirty="0" smtClean="0"/>
+            <a:t> </a:t>
+          </a:r>
+          <a:r>
+            <a:rPr lang="en-US" sz="1100" kern="1200" dirty="0" err="1" smtClean="0"/>
+            <a:t>cứng</a:t>
+          </a:r>
+          <a:r>
+            <a:rPr lang="en-US" sz="1100" kern="1200" dirty="0" smtClean="0"/>
+            <a:t> </a:t>
+          </a:r>
+          <a:r>
+            <a:rPr lang="en-US" sz="1100" kern="1200" dirty="0" err="1" smtClean="0"/>
+            <a:t>nào</a:t>
+          </a:r>
+          <a:r>
+            <a:rPr lang="en-US" sz="1100" kern="1200" dirty="0" smtClean="0"/>
+            <a:t> </a:t>
+          </a:r>
+          <a:r>
+            <a:rPr lang="en-US" sz="1100" kern="1200" dirty="0" err="1" smtClean="0"/>
+            <a:t>cũng</a:t>
+          </a:r>
+          <a:r>
+            <a:rPr lang="en-US" sz="1100" kern="1200" dirty="0" smtClean="0"/>
+            <a:t> </a:t>
+          </a:r>
+          <a:r>
+            <a:rPr lang="en-US" sz="1100" kern="1200" dirty="0" err="1" smtClean="0"/>
+            <a:t>đều</a:t>
+          </a:r>
+          <a:r>
+            <a:rPr lang="en-US" sz="1100" kern="1200" dirty="0" smtClean="0"/>
+            <a:t> </a:t>
+          </a:r>
+          <a:r>
+            <a:rPr lang="en-US" sz="1100" kern="1200" dirty="0" err="1" smtClean="0"/>
+            <a:t>có</a:t>
+          </a:r>
+          <a:r>
+            <a:rPr lang="en-US" sz="1100" kern="1200" dirty="0" smtClean="0"/>
+            <a:t> </a:t>
+          </a:r>
+          <a:r>
+            <a:rPr lang="en-US" sz="1100" kern="1200" dirty="0" err="1" smtClean="0"/>
+            <a:t>thể</a:t>
+          </a:r>
+          <a:r>
+            <a:rPr lang="en-US" sz="1100" kern="1200" dirty="0" smtClean="0"/>
+            <a:t> </a:t>
+          </a:r>
+          <a:r>
+            <a:rPr lang="en-US" sz="1100" kern="1200" dirty="0" err="1" smtClean="0"/>
+            <a:t>tự</a:t>
+          </a:r>
+          <a:r>
+            <a:rPr lang="en-US" sz="1100" kern="1200" dirty="0" smtClean="0"/>
+            <a:t> do </a:t>
+          </a:r>
+          <a:r>
+            <a:rPr lang="en-US" sz="1100" kern="1200" dirty="0" err="1" smtClean="0"/>
+            <a:t>sử</a:t>
+          </a:r>
+          <a:r>
+            <a:rPr lang="en-US" sz="1100" kern="1200" dirty="0" smtClean="0"/>
+            <a:t> </a:t>
+          </a:r>
+          <a:r>
+            <a:rPr lang="en-US" sz="1100" kern="1200" dirty="0" err="1" smtClean="0"/>
+            <a:t>dụng</a:t>
+          </a:r>
+          <a:r>
+            <a:rPr lang="en-US" sz="1100" kern="1200" dirty="0" smtClean="0"/>
+            <a:t> </a:t>
+          </a:r>
+          <a:r>
+            <a:rPr lang="en-US" sz="1100" kern="1200" dirty="0" err="1" smtClean="0"/>
+            <a:t>hệ</a:t>
+          </a:r>
+          <a:r>
+            <a:rPr lang="en-US" sz="1100" kern="1200" dirty="0" smtClean="0"/>
+            <a:t> </a:t>
+          </a:r>
+          <a:r>
+            <a:rPr lang="en-US" sz="1100" kern="1200" dirty="0" err="1" smtClean="0"/>
+            <a:t>điều</a:t>
+          </a:r>
+          <a:r>
+            <a:rPr lang="en-US" sz="1100" kern="1200" dirty="0" smtClean="0"/>
+            <a:t> </a:t>
+          </a:r>
+          <a:r>
+            <a:rPr lang="en-US" sz="1100" kern="1200" dirty="0" err="1" smtClean="0"/>
+            <a:t>hành</a:t>
+          </a:r>
+          <a:r>
+            <a:rPr lang="en-US" sz="1100" kern="1200" dirty="0" smtClean="0"/>
+            <a:t> Android </a:t>
+          </a:r>
+          <a:r>
+            <a:rPr lang="en-US" sz="1100" kern="1200" dirty="0" err="1" smtClean="0"/>
+            <a:t>cho</a:t>
+          </a:r>
+          <a:r>
+            <a:rPr lang="en-US" sz="1100" kern="1200" dirty="0" smtClean="0"/>
+            <a:t> </a:t>
+          </a:r>
+          <a:r>
+            <a:rPr lang="en-US" sz="1100" kern="1200" dirty="0" err="1" smtClean="0"/>
+            <a:t>thiết</a:t>
+          </a:r>
+          <a:r>
+            <a:rPr lang="en-US" sz="1100" kern="1200" dirty="0" smtClean="0"/>
+            <a:t> </a:t>
+          </a:r>
+          <a:r>
+            <a:rPr lang="en-US" sz="1100" kern="1200" dirty="0" err="1" smtClean="0"/>
+            <a:t>bị</a:t>
+          </a:r>
+          <a:r>
+            <a:rPr lang="en-US" sz="1100" kern="1200" dirty="0" smtClean="0"/>
+            <a:t> </a:t>
+          </a:r>
+          <a:r>
+            <a:rPr lang="en-US" sz="1100" kern="1200" dirty="0" err="1" smtClean="0"/>
+            <a:t>của</a:t>
+          </a:r>
+          <a:r>
+            <a:rPr lang="en-US" sz="1100" kern="1200" dirty="0" smtClean="0"/>
+            <a:t> </a:t>
+          </a:r>
+          <a:r>
+            <a:rPr lang="en-US" sz="1100" kern="1200" dirty="0" err="1" smtClean="0"/>
+            <a:t>mình</a:t>
+          </a:r>
+          <a:r>
+            <a:rPr lang="en-US" sz="1100" kern="1200" dirty="0" smtClean="0"/>
+            <a:t>, </a:t>
+          </a:r>
+          <a:r>
+            <a:rPr lang="en-US" sz="1100" kern="1200" dirty="0" err="1" smtClean="0"/>
+            <a:t>miễn</a:t>
+          </a:r>
+          <a:r>
+            <a:rPr lang="en-US" sz="1100" kern="1200" dirty="0" smtClean="0"/>
+            <a:t> </a:t>
+          </a:r>
+          <a:r>
+            <a:rPr lang="en-US" sz="1100" kern="1200" dirty="0" err="1" smtClean="0"/>
+            <a:t>là</a:t>
+          </a:r>
+          <a:r>
+            <a:rPr lang="en-US" sz="1100" kern="1200" dirty="0" smtClean="0"/>
+            <a:t> </a:t>
+          </a:r>
+          <a:r>
+            <a:rPr lang="en-US" sz="1100" kern="1200" dirty="0" err="1" smtClean="0"/>
+            <a:t>các</a:t>
+          </a:r>
+          <a:r>
+            <a:rPr lang="en-US" sz="1100" kern="1200" dirty="0" smtClean="0"/>
+            <a:t> </a:t>
+          </a:r>
+          <a:r>
+            <a:rPr lang="en-US" sz="1100" kern="1200" dirty="0" err="1" smtClean="0"/>
+            <a:t>thiết</a:t>
+          </a:r>
+          <a:r>
+            <a:rPr lang="en-US" sz="1100" kern="1200" dirty="0" smtClean="0"/>
+            <a:t> </a:t>
+          </a:r>
+          <a:r>
+            <a:rPr lang="en-US" sz="1100" kern="1200" dirty="0" err="1" smtClean="0"/>
+            <a:t>bị</a:t>
+          </a:r>
+          <a:r>
+            <a:rPr lang="en-US" sz="1100" kern="1200" dirty="0" smtClean="0"/>
+            <a:t> </a:t>
+          </a:r>
+          <a:r>
+            <a:rPr lang="en-US" sz="1100" kern="1200" dirty="0" err="1" smtClean="0"/>
+            <a:t>ấy</a:t>
+          </a:r>
+          <a:r>
+            <a:rPr lang="en-US" sz="1100" kern="1200" dirty="0" smtClean="0"/>
+            <a:t> </a:t>
+          </a:r>
+          <a:r>
+            <a:rPr lang="en-US" sz="1100" kern="1200" dirty="0" err="1" smtClean="0"/>
+            <a:t>đáp</a:t>
+          </a:r>
+          <a:r>
+            <a:rPr lang="en-US" sz="1100" kern="1200" dirty="0" smtClean="0"/>
+            <a:t> </a:t>
+          </a:r>
+          <a:r>
+            <a:rPr lang="en-US" sz="1100" kern="1200" dirty="0" err="1" smtClean="0"/>
+            <a:t>ứng</a:t>
+          </a:r>
+          <a:r>
+            <a:rPr lang="en-US" sz="1100" kern="1200" dirty="0" smtClean="0"/>
+            <a:t> </a:t>
+          </a:r>
+          <a:r>
+            <a:rPr lang="en-US" sz="1100" kern="1200" dirty="0" err="1" smtClean="0"/>
+            <a:t>được</a:t>
+          </a:r>
+          <a:r>
+            <a:rPr lang="en-US" sz="1100" kern="1200" dirty="0" smtClean="0"/>
+            <a:t> </a:t>
+          </a:r>
+          <a:r>
+            <a:rPr lang="en-US" sz="1100" kern="1200" dirty="0" err="1" smtClean="0"/>
+            <a:t>các</a:t>
+          </a:r>
+          <a:r>
+            <a:rPr lang="en-US" sz="1100" kern="1200" dirty="0" smtClean="0"/>
+            <a:t> </a:t>
+          </a:r>
+          <a:r>
+            <a:rPr lang="en-US" sz="1100" kern="1200" dirty="0" err="1" smtClean="0"/>
+            <a:t>tiêu</a:t>
+          </a:r>
+          <a:r>
+            <a:rPr lang="en-US" sz="1100" kern="1200" dirty="0" smtClean="0"/>
+            <a:t> </a:t>
+          </a:r>
+          <a:r>
+            <a:rPr lang="en-US" sz="1100" kern="1200" dirty="0" err="1" smtClean="0"/>
+            <a:t>chuẩn</a:t>
+          </a:r>
+          <a:r>
+            <a:rPr lang="en-US" sz="1100" kern="1200" dirty="0" smtClean="0"/>
+            <a:t> </a:t>
+          </a:r>
+          <a:r>
+            <a:rPr lang="en-US" sz="1100" kern="1200" dirty="0" err="1" smtClean="0"/>
+            <a:t>cơ</a:t>
+          </a:r>
+          <a:r>
+            <a:rPr lang="en-US" sz="1100" kern="1200" dirty="0" smtClean="0"/>
+            <a:t> </a:t>
+          </a:r>
+          <a:r>
+            <a:rPr lang="en-US" sz="1100" kern="1200" dirty="0" err="1" smtClean="0"/>
+            <a:t>bản</a:t>
+          </a:r>
+          <a:r>
+            <a:rPr lang="en-US" sz="1100" kern="1200" dirty="0" smtClean="0"/>
+            <a:t> do Google </a:t>
+          </a:r>
+          <a:r>
+            <a:rPr lang="en-US" sz="1100" kern="1200" dirty="0" err="1" smtClean="0"/>
+            <a:t>đặt</a:t>
+          </a:r>
+          <a:r>
+            <a:rPr lang="en-US" sz="1100" kern="1200" dirty="0" smtClean="0"/>
+            <a:t> </a:t>
+          </a:r>
+          <a:r>
+            <a:rPr lang="en-US" sz="1100" kern="1200" dirty="0" err="1" smtClean="0"/>
+            <a:t>ra</a:t>
+          </a:r>
+          <a:r>
+            <a:rPr lang="en-US" sz="1100" kern="1200" dirty="0" smtClean="0"/>
+            <a:t> (</a:t>
+          </a:r>
+          <a:r>
+            <a:rPr lang="en-US" sz="1100" kern="1200" dirty="0" err="1" smtClean="0"/>
+            <a:t>có</a:t>
+          </a:r>
+          <a:r>
+            <a:rPr lang="en-US" sz="1100" kern="1200" dirty="0" smtClean="0"/>
+            <a:t> </a:t>
+          </a:r>
+          <a:r>
+            <a:rPr lang="en-US" sz="1100" kern="1200" dirty="0" err="1" smtClean="0"/>
+            <a:t>cảm</a:t>
+          </a:r>
+          <a:r>
+            <a:rPr lang="en-US" sz="1100" kern="1200" dirty="0" smtClean="0"/>
+            <a:t> </a:t>
+          </a:r>
+          <a:r>
+            <a:rPr lang="en-US" sz="1100" kern="1200" dirty="0" err="1" smtClean="0"/>
+            <a:t>ứng</a:t>
+          </a:r>
+          <a:r>
+            <a:rPr lang="en-US" sz="1100" kern="1200" dirty="0" smtClean="0"/>
+            <a:t> </a:t>
+          </a:r>
+          <a:r>
+            <a:rPr lang="en-US" sz="1100" kern="1200" dirty="0" err="1" smtClean="0"/>
+            <a:t>chạm</a:t>
+          </a:r>
+          <a:r>
+            <a:rPr lang="en-US" sz="1100" kern="1200" dirty="0" smtClean="0"/>
+            <a:t>, GPS, 3G,...).</a:t>
+          </a:r>
+          <a:endParaRPr lang="en-US" sz="1100" kern="1200" dirty="0"/>
+        </a:p>
+      </dsp:txBody>
+      <dsp:txXfrm>
+        <a:off x="2465585" y="1772849"/>
+        <a:ext cx="2282428" cy="1643348"/>
+      </dsp:txXfrm>
+    </dsp:sp>
+    <dsp:sp modelId="{24F9C157-8E89-AF46-89BE-12E96284A1EA}">
+      <dsp:nvSpPr>
+        <dsp:cNvPr id="0" name=""/>
+        <dsp:cNvSpPr/>
+      </dsp:nvSpPr>
+      <dsp:spPr>
+        <a:xfrm>
+          <a:off x="2465585" y="677284"/>
+          <a:ext cx="2282428" cy="1095565"/>
+        </a:xfrm>
+        <a:prstGeom prst="rect">
+          <a:avLst/>
+        </a:prstGeom>
+        <a:noFill/>
+        <a:ln w="19050" cap="rnd" cmpd="sng" algn="ctr">
+          <a:noFill/>
+          <a:prstDash val="solid"/>
+        </a:ln>
+        <a:effectLst/>
+        <a:sp3d/>
+      </dsp:spPr>
+      <dsp:style>
+        <a:lnRef idx="2">
+          <a:scrgbClr r="0" g="0" b="0"/>
+        </a:lnRef>
+        <a:fillRef idx="1">
+          <a:scrgbClr r="0" g="0" b="0"/>
+        </a:fillRef>
+        <a:effectRef idx="1">
+          <a:scrgbClr r="0" g="0" b="0"/>
+        </a:effectRef>
+        <a:fontRef idx="minor">
+          <a:schemeClr val="lt1"/>
+        </a:fontRef>
+      </dsp:style>
+      <dsp:txBody>
+        <a:bodyPr spcFirstLastPara="0" vert="horz" wrap="square" lIns="225453" tIns="165100" rIns="225453" bIns="165100" numCol="1" spcCol="1270" anchor="ctr" anchorCtr="0">
+          <a:noAutofit/>
+        </a:bodyPr>
+        <a:lstStyle/>
+        <a:p>
+          <a:pPr lvl="0" algn="l" defTabSz="2400300">
+            <a:lnSpc>
+              <a:spcPct val="90000"/>
+            </a:lnSpc>
+            <a:spcBef>
+              <a:spcPct val="0"/>
+            </a:spcBef>
+            <a:spcAft>
+              <a:spcPct val="35000"/>
+            </a:spcAft>
+          </a:pPr>
+          <a:endParaRPr lang="en-US" sz="5400" kern="1200"/>
+        </a:p>
+      </dsp:txBody>
+      <dsp:txXfrm>
+        <a:off x="2465585" y="677284"/>
+        <a:ext cx="2282428" cy="1095565"/>
       </dsp:txXfrm>
     </dsp:sp>
     <dsp:sp modelId="{D659E6C6-AA56-6C48-BD21-99CF30306259}">
@@ -5759,8 +6276,8 @@
       </dsp:nvSpPr>
       <dsp:spPr>
         <a:xfrm>
-          <a:off x="3745436" y="0"/>
-          <a:ext cx="3465909" cy="4093482"/>
+          <a:off x="4930608" y="677284"/>
+          <a:ext cx="2282428" cy="2738913"/>
         </a:xfrm>
         <a:prstGeom prst="rect">
           <a:avLst/>
@@ -5801,12 +6318,12 @@
         </a:fontRef>
       </dsp:style>
       <dsp:txBody>
-        <a:bodyPr spcFirstLastPara="0" vert="horz" wrap="square" lIns="342355" tIns="0" rIns="342355" bIns="330200" numCol="1" spcCol="1270" anchor="t" anchorCtr="0">
+        <a:bodyPr spcFirstLastPara="0" vert="horz" wrap="square" lIns="225453" tIns="0" rIns="225453" bIns="330200" numCol="1" spcCol="1270" anchor="t" anchorCtr="0">
           <a:noAutofit/>
         </a:bodyPr>
         <a:lstStyle/>
         <a:p>
-          <a:pPr lvl="0" algn="l" defTabSz="622300">
+          <a:pPr lvl="0" algn="l" defTabSz="488950">
             <a:lnSpc>
               <a:spcPct val="90000"/>
             </a:lnSpc>
@@ -5818,15 +6335,251 @@
             </a:spcAft>
           </a:pPr>
           <a:r>
-            <a:rPr lang="en-US" sz="1400" kern="1200" smtClean="0"/>
-            <a:t>Android là nền tảng cho thiết bị di động bao gồm một hệ điều hành, midware và một số ứng dụng chủ đạo. Bộ công cụ Android SDK cung cấp các công cụ và bộ thư viên các hàm API cần thiết để phát triển ứng dụng cho nền tảng Android sử dụng ngôn ngữ lập trình java.</a:t>
+            <a:rPr lang="en-US" sz="1100" kern="1200" dirty="0" err="1" smtClean="0"/>
+            <a:t>Bộ</a:t>
           </a:r>
-          <a:endParaRPr lang="en-US" sz="1400" kern="1200"/>
+          <a:r>
+            <a:rPr lang="en-US" sz="1100" kern="1200" dirty="0" smtClean="0"/>
+            <a:t> </a:t>
+          </a:r>
+          <a:r>
+            <a:rPr lang="en-US" sz="1100" kern="1200" dirty="0" err="1" smtClean="0"/>
+            <a:t>công</a:t>
+          </a:r>
+          <a:r>
+            <a:rPr lang="en-US" sz="1100" kern="1200" dirty="0" smtClean="0"/>
+            <a:t> </a:t>
+          </a:r>
+          <a:r>
+            <a:rPr lang="en-US" sz="1100" kern="1200" dirty="0" err="1" smtClean="0"/>
+            <a:t>cụ</a:t>
+          </a:r>
+          <a:r>
+            <a:rPr lang="en-US" sz="1100" kern="1200" dirty="0" smtClean="0"/>
+            <a:t> Android SDK </a:t>
+          </a:r>
+          <a:r>
+            <a:rPr lang="en-US" sz="1100" kern="1200" dirty="0" err="1" smtClean="0"/>
+            <a:t>cung</a:t>
+          </a:r>
+          <a:r>
+            <a:rPr lang="en-US" sz="1100" kern="1200" dirty="0" smtClean="0"/>
+            <a:t> </a:t>
+          </a:r>
+          <a:r>
+            <a:rPr lang="en-US" sz="1100" kern="1200" dirty="0" err="1" smtClean="0"/>
+            <a:t>cấp</a:t>
+          </a:r>
+          <a:r>
+            <a:rPr lang="en-US" sz="1100" kern="1200" dirty="0" smtClean="0"/>
+            <a:t> </a:t>
+          </a:r>
+          <a:r>
+            <a:rPr lang="en-US" sz="1100" kern="1200" dirty="0" err="1" smtClean="0"/>
+            <a:t>các</a:t>
+          </a:r>
+          <a:r>
+            <a:rPr lang="en-US" sz="1100" kern="1200" dirty="0" smtClean="0"/>
+            <a:t> </a:t>
+          </a:r>
+          <a:r>
+            <a:rPr lang="en-US" sz="1100" kern="1200" dirty="0" err="1" smtClean="0"/>
+            <a:t>công</a:t>
+          </a:r>
+          <a:r>
+            <a:rPr lang="en-US" sz="1100" kern="1200" dirty="0" smtClean="0"/>
+            <a:t> </a:t>
+          </a:r>
+          <a:r>
+            <a:rPr lang="en-US" sz="1100" kern="1200" dirty="0" err="1" smtClean="0"/>
+            <a:t>cụ</a:t>
+          </a:r>
+          <a:r>
+            <a:rPr lang="en-US" sz="1100" kern="1200" dirty="0" smtClean="0"/>
+            <a:t> </a:t>
+          </a:r>
+          <a:r>
+            <a:rPr lang="en-US" sz="1100" kern="1200" dirty="0" err="1" smtClean="0"/>
+            <a:t>và</a:t>
+          </a:r>
+          <a:r>
+            <a:rPr lang="en-US" sz="1100" kern="1200" dirty="0" smtClean="0"/>
+            <a:t> </a:t>
+          </a:r>
+          <a:r>
+            <a:rPr lang="en-US" sz="1100" kern="1200" dirty="0" err="1" smtClean="0"/>
+            <a:t>bộ</a:t>
+          </a:r>
+          <a:r>
+            <a:rPr lang="en-US" sz="1100" kern="1200" dirty="0" smtClean="0"/>
+            <a:t> </a:t>
+          </a:r>
+          <a:r>
+            <a:rPr lang="en-US" sz="1100" kern="1200" dirty="0" err="1" smtClean="0"/>
+            <a:t>thư</a:t>
+          </a:r>
+          <a:r>
+            <a:rPr lang="en-US" sz="1100" kern="1200" dirty="0" smtClean="0"/>
+            <a:t> </a:t>
+          </a:r>
+          <a:r>
+            <a:rPr lang="en-US" sz="1100" kern="1200" dirty="0" err="1" smtClean="0"/>
+            <a:t>viên</a:t>
+          </a:r>
+          <a:r>
+            <a:rPr lang="en-US" sz="1100" kern="1200" dirty="0" smtClean="0"/>
+            <a:t> </a:t>
+          </a:r>
+          <a:r>
+            <a:rPr lang="en-US" sz="1100" kern="1200" dirty="0" err="1" smtClean="0"/>
+            <a:t>các</a:t>
+          </a:r>
+          <a:r>
+            <a:rPr lang="en-US" sz="1100" kern="1200" dirty="0" smtClean="0"/>
+            <a:t> </a:t>
+          </a:r>
+          <a:r>
+            <a:rPr lang="en-US" sz="1100" kern="1200" dirty="0" err="1" smtClean="0"/>
+            <a:t>hàm</a:t>
+          </a:r>
+          <a:r>
+            <a:rPr lang="en-US" sz="1100" kern="1200" dirty="0" smtClean="0"/>
+            <a:t> API </a:t>
+          </a:r>
+          <a:r>
+            <a:rPr lang="en-US" sz="1100" kern="1200" dirty="0" err="1" smtClean="0"/>
+            <a:t>cần</a:t>
+          </a:r>
+          <a:r>
+            <a:rPr lang="en-US" sz="1100" kern="1200" dirty="0" smtClean="0"/>
+            <a:t> </a:t>
+          </a:r>
+          <a:r>
+            <a:rPr lang="en-US" sz="1100" kern="1200" dirty="0" err="1" smtClean="0"/>
+            <a:t>thiết</a:t>
+          </a:r>
+          <a:r>
+            <a:rPr lang="en-US" sz="1100" kern="1200" dirty="0" smtClean="0"/>
+            <a:t> </a:t>
+          </a:r>
+          <a:r>
+            <a:rPr lang="en-US" sz="1100" kern="1200" dirty="0" err="1" smtClean="0"/>
+            <a:t>để</a:t>
+          </a:r>
+          <a:r>
+            <a:rPr lang="en-US" sz="1100" kern="1200" dirty="0" smtClean="0"/>
+            <a:t> </a:t>
+          </a:r>
+          <a:r>
+            <a:rPr lang="en-US" sz="1100" kern="1200" dirty="0" err="1" smtClean="0"/>
+            <a:t>phát</a:t>
+          </a:r>
+          <a:r>
+            <a:rPr lang="en-US" sz="1100" kern="1200" dirty="0" smtClean="0"/>
+            <a:t> </a:t>
+          </a:r>
+          <a:r>
+            <a:rPr lang="en-US" sz="1100" kern="1200" dirty="0" err="1" smtClean="0"/>
+            <a:t>triển</a:t>
+          </a:r>
+          <a:r>
+            <a:rPr lang="en-US" sz="1100" kern="1200" dirty="0" smtClean="0"/>
+            <a:t> </a:t>
+          </a:r>
+          <a:r>
+            <a:rPr lang="en-US" sz="1100" kern="1200" dirty="0" err="1" smtClean="0"/>
+            <a:t>ứng</a:t>
+          </a:r>
+          <a:r>
+            <a:rPr lang="en-US" sz="1100" kern="1200" dirty="0" smtClean="0"/>
+            <a:t> </a:t>
+          </a:r>
+          <a:r>
+            <a:rPr lang="en-US" sz="1100" kern="1200" dirty="0" err="1" smtClean="0"/>
+            <a:t>dụng</a:t>
+          </a:r>
+          <a:r>
+            <a:rPr lang="en-US" sz="1100" kern="1200" dirty="0" smtClean="0"/>
+            <a:t> </a:t>
+          </a:r>
+          <a:r>
+            <a:rPr lang="en-US" sz="1100" kern="1200" dirty="0" err="1" smtClean="0"/>
+            <a:t>cho</a:t>
+          </a:r>
+          <a:r>
+            <a:rPr lang="en-US" sz="1100" kern="1200" dirty="0" smtClean="0"/>
+            <a:t> </a:t>
+          </a:r>
+          <a:r>
+            <a:rPr lang="en-US" sz="1100" kern="1200" dirty="0" err="1" smtClean="0"/>
+            <a:t>nền</a:t>
+          </a:r>
+          <a:r>
+            <a:rPr lang="en-US" sz="1100" kern="1200" dirty="0" smtClean="0"/>
+            <a:t> </a:t>
+          </a:r>
+          <a:r>
+            <a:rPr lang="en-US" sz="1100" kern="1200" dirty="0" err="1" smtClean="0"/>
+            <a:t>tảng</a:t>
+          </a:r>
+          <a:r>
+            <a:rPr lang="en-US" sz="1100" kern="1200" dirty="0" smtClean="0"/>
+            <a:t> Android </a:t>
+          </a:r>
+          <a:r>
+            <a:rPr lang="en-US" sz="1100" kern="1200" dirty="0" err="1" smtClean="0"/>
+            <a:t>sử</a:t>
+          </a:r>
+          <a:r>
+            <a:rPr lang="en-US" sz="1100" kern="1200" dirty="0" smtClean="0"/>
+            <a:t> </a:t>
+          </a:r>
+          <a:r>
+            <a:rPr lang="en-US" sz="1100" kern="1200" dirty="0" err="1" smtClean="0"/>
+            <a:t>dụng</a:t>
+          </a:r>
+          <a:r>
+            <a:rPr lang="en-US" sz="1100" kern="1200" dirty="0" smtClean="0"/>
+            <a:t> </a:t>
+          </a:r>
+          <a:r>
+            <a:rPr lang="en-US" sz="1100" kern="1200" dirty="0" err="1" smtClean="0"/>
+            <a:t>ngôn</a:t>
+          </a:r>
+          <a:r>
+            <a:rPr lang="en-US" sz="1100" kern="1200" dirty="0" smtClean="0"/>
+            <a:t> </a:t>
+          </a:r>
+          <a:r>
+            <a:rPr lang="en-US" sz="1100" kern="1200" dirty="0" err="1" smtClean="0"/>
+            <a:t>ngữ</a:t>
+          </a:r>
+          <a:r>
+            <a:rPr lang="en-US" sz="1100" kern="1200" dirty="0" smtClean="0"/>
+            <a:t> </a:t>
+          </a:r>
+          <a:r>
+            <a:rPr lang="en-US" sz="1100" kern="1200" dirty="0" err="1" smtClean="0"/>
+            <a:t>lập</a:t>
+          </a:r>
+          <a:r>
+            <a:rPr lang="en-US" sz="1100" kern="1200" dirty="0" smtClean="0"/>
+            <a:t> </a:t>
+          </a:r>
+          <a:r>
+            <a:rPr lang="en-US" sz="1100" kern="1200" dirty="0" err="1" smtClean="0"/>
+            <a:t>trình</a:t>
+          </a:r>
+          <a:r>
+            <a:rPr lang="en-US" sz="1100" kern="1200" dirty="0" smtClean="0"/>
+            <a:t> java.</a:t>
+          </a:r>
+          <a:endParaRPr lang="en-US" sz="1100" kern="1200" dirty="0"/>
         </a:p>
       </dsp:txBody>
       <dsp:txXfrm>
-        <a:off x="3745436" y="1637392"/>
-        <a:ext cx="3465909" cy="2456089"/>
+        <a:off x="4930608" y="1772849"/>
+        <a:ext cx="2282428" cy="1643348"/>
       </dsp:txXfrm>
     </dsp:sp>
     <dsp:sp modelId="{29387471-0718-E146-AB42-C7CE6A8AA854}">
@@ -5836,8 +6589,8 @@
       </dsp:nvSpPr>
       <dsp:spPr>
         <a:xfrm>
-          <a:off x="3745436" y="0"/>
-          <a:ext cx="3465909" cy="1637392"/>
+          <a:off x="4930608" y="677284"/>
+          <a:ext cx="2282428" cy="1095565"/>
         </a:xfrm>
         <a:prstGeom prst="rect">
           <a:avLst/>
@@ -5865,12 +6618,12 @@
         </a:fontRef>
       </dsp:style>
       <dsp:txBody>
-        <a:bodyPr spcFirstLastPara="0" vert="horz" wrap="square" lIns="342355" tIns="165100" rIns="342355" bIns="165100" numCol="1" spcCol="1270" anchor="ctr" anchorCtr="0">
+        <a:bodyPr spcFirstLastPara="0" vert="horz" wrap="square" lIns="225453" tIns="165100" rIns="225453" bIns="165100" numCol="1" spcCol="1270" anchor="ctr" anchorCtr="0">
           <a:noAutofit/>
         </a:bodyPr>
         <a:lstStyle/>
         <a:p>
-          <a:pPr lvl="0" algn="l" defTabSz="2933700">
+          <a:pPr lvl="0" algn="l" defTabSz="2400300">
             <a:lnSpc>
               <a:spcPct val="90000"/>
             </a:lnSpc>
@@ -5881,12 +6634,12 @@
               <a:spcPct val="35000"/>
             </a:spcAft>
           </a:pPr>
-          <a:endParaRPr lang="en-US" sz="6600" kern="1200"/>
+          <a:endParaRPr lang="en-US" sz="5400" kern="1200"/>
         </a:p>
       </dsp:txBody>
       <dsp:txXfrm>
-        <a:off x="3745436" y="0"/>
-        <a:ext cx="3465909" cy="1637392"/>
+        <a:off x="4930608" y="677284"/>
+        <a:ext cx="2282428" cy="1095565"/>
       </dsp:txXfrm>
     </dsp:sp>
   </dsp:spTree>
@@ -5969,7 +6722,7 @@
                 <a14:useLocalDpi xmlns:a14="http://schemas.microsoft.com/office/drawing/2010/main" val="0"/>
               </a:ext>
               <a:ext uri="{96DAC541-7B7A-43D3-8B79-37D633B846F1}">
-                <asvg:svgBlip xmlns="" xmlns:asvg="http://schemas.microsoft.com/office/drawing/2016/SVG/main" r:embed="rId4"/>
+                <asvg:svgBlip xmlns:asvg="http://schemas.microsoft.com/office/drawing/2016/SVG/main" xmlns="" r:embed="rId4"/>
               </a:ext>
             </a:extLst>
           </a:blip>
@@ -6056,14 +6809,7 @@
               <a:latin typeface="Times New Roman" panose="02020603050405020304" pitchFamily="18" charset="0"/>
               <a:cs typeface="Times New Roman" panose="02020603050405020304" pitchFamily="18" charset="0"/>
             </a:rPr>
-            <a:t>Android </a:t>
-          </a:r>
-          <a:r>
-            <a:rPr lang="en-US" sz="2500" kern="1200" dirty="0" smtClean="0">
-              <a:latin typeface="Times New Roman" panose="02020603050405020304" pitchFamily="18" charset="0"/>
-              <a:cs typeface="Times New Roman" panose="02020603050405020304" pitchFamily="18" charset="0"/>
-            </a:rPr>
-            <a:t>Studio 3.2</a:t>
+            <a:t>Android Studio 3.2</a:t>
           </a:r>
           <a:endParaRPr lang="en-US" sz="2500" kern="1200" dirty="0">
             <a:latin typeface="Times New Roman" panose="02020603050405020304" pitchFamily="18" charset="0"/>
@@ -6144,7 +6890,7 @@
                 <a14:useLocalDpi xmlns:a14="http://schemas.microsoft.com/office/drawing/2010/main" val="0"/>
               </a:ext>
               <a:ext uri="{96DAC541-7B7A-43D3-8B79-37D633B846F1}">
-                <asvg:svgBlip xmlns="" xmlns:asvg="http://schemas.microsoft.com/office/drawing/2016/SVG/main" r:embed="rId8"/>
+                <asvg:svgBlip xmlns:asvg="http://schemas.microsoft.com/office/drawing/2016/SVG/main" xmlns="" r:embed="rId8"/>
               </a:ext>
             </a:extLst>
           </a:blip>
@@ -6252,14 +6998,7 @@
               <a:latin typeface="Times New Roman" panose="02020603050405020304" pitchFamily="18" charset="0"/>
               <a:cs typeface="Times New Roman" panose="02020603050405020304" pitchFamily="18" charset="0"/>
             </a:rPr>
-            <a:t> Android </a:t>
-          </a:r>
-          <a:r>
-            <a:rPr lang="en-US" sz="2500" kern="1200" dirty="0" smtClean="0">
-              <a:latin typeface="Times New Roman" panose="02020603050405020304" pitchFamily="18" charset="0"/>
-              <a:cs typeface="Times New Roman" panose="02020603050405020304" pitchFamily="18" charset="0"/>
-            </a:rPr>
-            <a:t>5.0 </a:t>
+            <a:t> Android 5.0 </a:t>
           </a:r>
           <a:r>
             <a:rPr lang="en-US" sz="2500" kern="1200" dirty="0" err="1" smtClean="0">
@@ -6721,7 +7460,7 @@
   </dgm:layoutNode>
   <dgm:extLst>
     <a:ext uri="{4F341089-5ED1-44EC-B178-C955D00A3D55}">
-      <dgm1611:autoBuNodeInfoLst xmlns="" xmlns:dgm1611="http://schemas.microsoft.com/office/drawing/2016/11/diagram">
+      <dgm1611:autoBuNodeInfoLst xmlns:dgm1611="http://schemas.microsoft.com/office/drawing/2016/11/diagram" xmlns="">
         <dgm1611:autoBuNodeInfo lvl="1" ptType="sibTrans">
           <dgm1611:buPr prefix="" leadZeros="1">
             <a:buAutoNum type="arabicParenBoth"/>
@@ -7010,7 +7749,7 @@
   </dgm:layoutNode>
   <dgm:extLst>
     <a:ext uri="{68A01E43-0DF5-4B5B-8FA6-DAF915123BFB}">
-      <dgm1612:lstStyle xmlns="" xmlns:dgm1612="http://schemas.microsoft.com/office/drawing/2016/12/diagram">
+      <dgm1612:lstStyle xmlns:dgm1612="http://schemas.microsoft.com/office/drawing/2016/12/diagram" xmlns="">
         <a:lvl1pPr>
           <a:lnSpc>
             <a:spcPct val="100000"/>
@@ -13592,7 +14331,7 @@
           <p:cNvPr id="8" name="Title 7">
             <a:extLst>
               <a:ext uri="{FF2B5EF4-FFF2-40B4-BE49-F238E27FC236}">
-                <a16:creationId xmlns="" xmlns:a16="http://schemas.microsoft.com/office/drawing/2014/main" id="{EFBE794E-90D2-4263-B92E-169118424B76}"/>
+                <a16:creationId xmlns:a16="http://schemas.microsoft.com/office/drawing/2014/main" xmlns="" id="{EFBE794E-90D2-4263-B92E-169118424B76}"/>
               </a:ext>
             </a:extLst>
           </p:cNvPr>
@@ -13620,7 +14359,7 @@
           <p:cNvPr id="9" name="Date Placeholder 8">
             <a:extLst>
               <a:ext uri="{FF2B5EF4-FFF2-40B4-BE49-F238E27FC236}">
-                <a16:creationId xmlns="" xmlns:a16="http://schemas.microsoft.com/office/drawing/2014/main" id="{9C317B29-322D-4D92-9621-4B2878619C9D}"/>
+                <a16:creationId xmlns:a16="http://schemas.microsoft.com/office/drawing/2014/main" xmlns="" id="{9C317B29-322D-4D92-9621-4B2878619C9D}"/>
               </a:ext>
             </a:extLst>
           </p:cNvPr>
@@ -13658,7 +14397,7 @@
           <p:cNvPr id="10" name="Footer Placeholder 9">
             <a:extLst>
               <a:ext uri="{FF2B5EF4-FFF2-40B4-BE49-F238E27FC236}">
-                <a16:creationId xmlns="" xmlns:a16="http://schemas.microsoft.com/office/drawing/2014/main" id="{E47575DB-1BD4-4723-BF7D-EF96E2D9C7BA}"/>
+                <a16:creationId xmlns:a16="http://schemas.microsoft.com/office/drawing/2014/main" xmlns="" id="{E47575DB-1BD4-4723-BF7D-EF96E2D9C7BA}"/>
               </a:ext>
             </a:extLst>
           </p:cNvPr>
@@ -13692,7 +14431,7 @@
           <p:cNvPr id="11" name="Slide Number Placeholder 10">
             <a:extLst>
               <a:ext uri="{FF2B5EF4-FFF2-40B4-BE49-F238E27FC236}">
-                <a16:creationId xmlns="" xmlns:a16="http://schemas.microsoft.com/office/drawing/2014/main" id="{A71469AE-093B-4052-8B07-79A7396C6953}"/>
+                <a16:creationId xmlns:a16="http://schemas.microsoft.com/office/drawing/2014/main" xmlns="" id="{A71469AE-093B-4052-8B07-79A7396C6953}"/>
               </a:ext>
             </a:extLst>
           </p:cNvPr>
@@ -16710,7 +17449,7 @@
           <p:cNvPr id="2" name="Title 1">
             <a:extLst>
               <a:ext uri="{FF2B5EF4-FFF2-40B4-BE49-F238E27FC236}">
-                <a16:creationId xmlns="" xmlns:a16="http://schemas.microsoft.com/office/drawing/2014/main" id="{F0F03985-71EF-4090-9C55-B22C728C9D9F}"/>
+                <a16:creationId xmlns:a16="http://schemas.microsoft.com/office/drawing/2014/main" xmlns="" id="{F0F03985-71EF-4090-9C55-B22C728C9D9F}"/>
               </a:ext>
             </a:extLst>
           </p:cNvPr>
@@ -16751,7 +17490,7 @@
           <p:cNvPr id="3" name="Subtitle 2">
             <a:extLst>
               <a:ext uri="{FF2B5EF4-FFF2-40B4-BE49-F238E27FC236}">
-                <a16:creationId xmlns="" xmlns:a16="http://schemas.microsoft.com/office/drawing/2014/main" id="{1CFFB606-D1F0-4DC2-8835-3D1AEC453A09}"/>
+                <a16:creationId xmlns:a16="http://schemas.microsoft.com/office/drawing/2014/main" xmlns="" id="{1CFFB606-D1F0-4DC2-8835-3D1AEC453A09}"/>
               </a:ext>
             </a:extLst>
           </p:cNvPr>
@@ -16840,7 +17579,7 @@
           <p:cNvPr id="4" name="TextBox 3">
             <a:extLst>
               <a:ext uri="{FF2B5EF4-FFF2-40B4-BE49-F238E27FC236}">
-                <a16:creationId xmlns="" xmlns:a16="http://schemas.microsoft.com/office/drawing/2014/main" id="{713CB9A6-752B-4BB6-86DC-192B753D5E06}"/>
+                <a16:creationId xmlns:a16="http://schemas.microsoft.com/office/drawing/2014/main" xmlns="" id="{713CB9A6-752B-4BB6-86DC-192B753D5E06}"/>
               </a:ext>
             </a:extLst>
           </p:cNvPr>
@@ -16902,7 +17641,7 @@
           <p:cNvPr id="6" name="Text Placeholder 4">
             <a:extLst>
               <a:ext uri="{FF2B5EF4-FFF2-40B4-BE49-F238E27FC236}">
-                <a16:creationId xmlns="" xmlns:a16="http://schemas.microsoft.com/office/drawing/2014/main" id="{4A4F219A-42F6-49CC-9E1D-0B567BB324F1}"/>
+                <a16:creationId xmlns:a16="http://schemas.microsoft.com/office/drawing/2014/main" xmlns="" id="{4A4F219A-42F6-49CC-9E1D-0B567BB324F1}"/>
               </a:ext>
             </a:extLst>
           </p:cNvPr>
@@ -17693,6 +18432,13 @@
   <p:clrMapOvr>
     <a:masterClrMapping/>
   </p:clrMapOvr>
+  <p:timing>
+    <p:tnLst>
+      <p:par>
+        <p:cTn xmlns:p14="http://schemas.microsoft.com/office/powerpoint/2010/main" id="1" dur="indefinite" restart="never" nodeType="tmRoot"/>
+      </p:par>
+    </p:tnLst>
+  </p:timing>
 </p:sld>
 </file>
 
@@ -18778,7 +19524,7 @@
                 </a:solidFill>
                 <a:latin typeface="Times New Roman"/>
               </a:rPr>
-              <a:t>12/25/19</a:t>
+              <a:t>December 25, 2019</a:t>
             </a:fld>
             <a:endParaRPr lang="en-US" sz="1050" b="0" strike="noStrike" spc="-1">
               <a:latin typeface="Times New Roman"/>
@@ -19568,7 +20314,7 @@
         </p:spPr>
         <p:txBody>
           <a:bodyPr>
-            <a:normAutofit/>
+            <a:normAutofit fontScale="92500"/>
           </a:bodyPr>
           <a:lstStyle/>
           <a:p>
@@ -19602,7 +20348,16 @@
                 </a:solidFill>
                 <a:latin typeface="Times New Roman"/>
               </a:rPr>
-              <a:t> http1</a:t>
+              <a:t> </a:t>
+            </a:r>
+            <a:r>
+              <a:rPr lang="en-US" sz="2600" b="1" strike="noStrike" spc="-1" dirty="0" smtClean="0">
+                <a:solidFill>
+                  <a:srgbClr val="6C911C"/>
+                </a:solidFill>
+                <a:latin typeface="Times New Roman"/>
+              </a:rPr>
+              <a:t>http1.1</a:t>
             </a:r>
             <a:endParaRPr lang="en-US" sz="2600" b="0" strike="noStrike" spc="-1" dirty="0">
               <a:solidFill>
@@ -19963,7 +20718,7 @@
                 </a:solidFill>
                 <a:latin typeface="Times New Roman"/>
               </a:rPr>
-              <a:t>12/25/19</a:t>
+              <a:t>December 25, 2019</a:t>
             </a:fld>
             <a:endParaRPr lang="en-US" sz="1050" b="0" strike="noStrike" spc="-1">
               <a:latin typeface="Times New Roman"/>
@@ -20288,7 +21043,7 @@
         </p:spPr>
         <p:txBody>
           <a:bodyPr>
-            <a:normAutofit/>
+            <a:normAutofit fontScale="92500"/>
           </a:bodyPr>
           <a:lstStyle/>
           <a:p>
@@ -20322,7 +21077,16 @@
                 </a:solidFill>
                 <a:latin typeface="Times New Roman"/>
               </a:rPr>
-              <a:t> http1</a:t>
+              <a:t> </a:t>
+            </a:r>
+            <a:r>
+              <a:rPr lang="en-US" sz="2600" b="1" strike="noStrike" spc="-1" dirty="0" smtClean="0">
+                <a:solidFill>
+                  <a:srgbClr val="6C911C"/>
+                </a:solidFill>
+                <a:latin typeface="Times New Roman"/>
+              </a:rPr>
+              <a:t>http1.1</a:t>
             </a:r>
             <a:endParaRPr lang="en-US" sz="2600" b="0" strike="noStrike" spc="-1" dirty="0">
               <a:solidFill>
@@ -20343,6 +21107,13 @@
   <p:clrMapOvr>
     <a:masterClrMapping/>
   </p:clrMapOvr>
+  <p:timing>
+    <p:tnLst>
+      <p:par>
+        <p:cTn xmlns:p14="http://schemas.microsoft.com/office/powerpoint/2010/main" id="1" dur="indefinite" restart="never" nodeType="tmRoot"/>
+      </p:par>
+    </p:tnLst>
+  </p:timing>
 </p:sld>
 </file>
 
@@ -20376,10 +21147,10 @@
           <p:cNvPr id="11" name="Group 10">
             <a:extLst>
               <a:ext uri="{FF2B5EF4-FFF2-40B4-BE49-F238E27FC236}">
-                <a16:creationId xmlns="" xmlns:a16="http://schemas.microsoft.com/office/drawing/2014/main" id="{09EA7EA7-74F5-4EE2-8E3D-1A10308259D7}"/>
+                <a16:creationId xmlns:a16="http://schemas.microsoft.com/office/drawing/2014/main" xmlns="" id="{09EA7EA7-74F5-4EE2-8E3D-1A10308259D7}"/>
               </a:ext>
               <a:ext uri="{C183D7F6-B498-43B3-948B-1728B52AA6E4}">
-                <adec:decorative xmlns="" xmlns:adec="http://schemas.microsoft.com/office/drawing/2017/decorative" val="1"/>
+                <adec:decorative xmlns:adec="http://schemas.microsoft.com/office/drawing/2017/decorative" xmlns="" val="1"/>
               </a:ext>
             </a:extLst>
           </p:cNvPr>
@@ -20389,7 +21160,7 @@
           <p:nvPr>
             <p:extLst>
               <p:ext uri="{386F3935-93C4-4BCD-93E2-E3B085C9AB24}">
-                <p16:designElem xmlns:p16="http://schemas.microsoft.com/office/powerpoint/2015/main" xmlns="" val="1"/>
+                <p16:designElem xmlns="" xmlns:p16="http://schemas.microsoft.com/office/powerpoint/2015/main" val="1"/>
               </p:ext>
             </p:extLst>
           </p:nvPr>
@@ -20407,10 +21178,10 @@
             <p:cNvPr id="12" name="Straight Connector 11">
               <a:extLst>
                 <a:ext uri="{FF2B5EF4-FFF2-40B4-BE49-F238E27FC236}">
-                  <a16:creationId xmlns="" xmlns:a16="http://schemas.microsoft.com/office/drawing/2014/main" id="{A5CE79B5-7EE4-424D-AD14-5DEFB61B85C8}"/>
+                  <a16:creationId xmlns:a16="http://schemas.microsoft.com/office/drawing/2014/main" xmlns="" id="{A5CE79B5-7EE4-424D-AD14-5DEFB61B85C8}"/>
                 </a:ext>
                 <a:ext uri="{C183D7F6-B498-43B3-948B-1728B52AA6E4}">
-                  <adec:decorative xmlns="" xmlns:adec="http://schemas.microsoft.com/office/drawing/2017/decorative" val="1"/>
+                  <adec:decorative xmlns:adec="http://schemas.microsoft.com/office/drawing/2017/decorative" xmlns="" val="1"/>
                 </a:ext>
               </a:extLst>
             </p:cNvPr>
@@ -20418,7 +21189,7 @@
             <p:nvPr>
               <p:extLst>
                 <p:ext uri="{386F3935-93C4-4BCD-93E2-E3B085C9AB24}">
-                  <p16:designElem xmlns:p16="http://schemas.microsoft.com/office/powerpoint/2015/main" xmlns="" val="1"/>
+                  <p16:designElem xmlns="" xmlns:p16="http://schemas.microsoft.com/office/powerpoint/2015/main" val="1"/>
                 </p:ext>
               </p:extLst>
             </p:nvPr>
@@ -20459,10 +21230,10 @@
             <p:cNvPr id="13" name="Straight Connector 12">
               <a:extLst>
                 <a:ext uri="{FF2B5EF4-FFF2-40B4-BE49-F238E27FC236}">
-                  <a16:creationId xmlns="" xmlns:a16="http://schemas.microsoft.com/office/drawing/2014/main" id="{696C926F-F999-44BA-8D86-9EAB51D65010}"/>
+                  <a16:creationId xmlns:a16="http://schemas.microsoft.com/office/drawing/2014/main" xmlns="" id="{696C926F-F999-44BA-8D86-9EAB51D65010}"/>
                 </a:ext>
                 <a:ext uri="{C183D7F6-B498-43B3-948B-1728B52AA6E4}">
-                  <adec:decorative xmlns="" xmlns:adec="http://schemas.microsoft.com/office/drawing/2017/decorative" val="1"/>
+                  <adec:decorative xmlns:adec="http://schemas.microsoft.com/office/drawing/2017/decorative" xmlns="" val="1"/>
                 </a:ext>
               </a:extLst>
             </p:cNvPr>
@@ -20470,7 +21241,7 @@
             <p:nvPr>
               <p:extLst>
                 <p:ext uri="{386F3935-93C4-4BCD-93E2-E3B085C9AB24}">
-                  <p16:designElem xmlns:p16="http://schemas.microsoft.com/office/powerpoint/2015/main" xmlns="" val="1"/>
+                  <p16:designElem xmlns="" xmlns:p16="http://schemas.microsoft.com/office/powerpoint/2015/main" val="1"/>
                 </p:ext>
               </p:extLst>
             </p:nvPr>
@@ -20511,10 +21282,10 @@
             <p:cNvPr id="14" name="Rectangle 23">
               <a:extLst>
                 <a:ext uri="{FF2B5EF4-FFF2-40B4-BE49-F238E27FC236}">
-                  <a16:creationId xmlns="" xmlns:a16="http://schemas.microsoft.com/office/drawing/2014/main" id="{248745E7-0AF0-48F9-8E58-2673FC5F4FDE}"/>
+                  <a16:creationId xmlns:a16="http://schemas.microsoft.com/office/drawing/2014/main" xmlns="" id="{248745E7-0AF0-48F9-8E58-2673FC5F4FDE}"/>
                 </a:ext>
                 <a:ext uri="{C183D7F6-B498-43B3-948B-1728B52AA6E4}">
-                  <adec:decorative xmlns="" xmlns:adec="http://schemas.microsoft.com/office/drawing/2017/decorative" val="1"/>
+                  <adec:decorative xmlns:adec="http://schemas.microsoft.com/office/drawing/2017/decorative" xmlns="" val="1"/>
                 </a:ext>
               </a:extLst>
             </p:cNvPr>
@@ -20522,7 +21293,7 @@
             <p:nvPr>
               <p:extLst>
                 <p:ext uri="{386F3935-93C4-4BCD-93E2-E3B085C9AB24}">
-                  <p16:designElem xmlns:p16="http://schemas.microsoft.com/office/powerpoint/2015/main" xmlns="" val="1"/>
+                  <p16:designElem xmlns="" xmlns:p16="http://schemas.microsoft.com/office/powerpoint/2015/main" val="1"/>
                 </p:ext>
               </p:extLst>
             </p:nvPr>
@@ -20589,10 +21360,10 @@
             <p:cNvPr id="15" name="Rectangle 25">
               <a:extLst>
                 <a:ext uri="{FF2B5EF4-FFF2-40B4-BE49-F238E27FC236}">
-                  <a16:creationId xmlns="" xmlns:a16="http://schemas.microsoft.com/office/drawing/2014/main" id="{9715E81A-D2E0-4431-9370-4E4A9ECA7F9C}"/>
+                  <a16:creationId xmlns:a16="http://schemas.microsoft.com/office/drawing/2014/main" xmlns="" id="{9715E81A-D2E0-4431-9370-4E4A9ECA7F9C}"/>
                 </a:ext>
                 <a:ext uri="{C183D7F6-B498-43B3-948B-1728B52AA6E4}">
-                  <adec:decorative xmlns="" xmlns:adec="http://schemas.microsoft.com/office/drawing/2017/decorative" val="1"/>
+                  <adec:decorative xmlns:adec="http://schemas.microsoft.com/office/drawing/2017/decorative" xmlns="" val="1"/>
                 </a:ext>
               </a:extLst>
             </p:cNvPr>
@@ -20600,7 +21371,7 @@
             <p:nvPr>
               <p:extLst>
                 <p:ext uri="{386F3935-93C4-4BCD-93E2-E3B085C9AB24}">
-                  <p16:designElem xmlns:p16="http://schemas.microsoft.com/office/powerpoint/2015/main" xmlns="" val="1"/>
+                  <p16:designElem xmlns="" xmlns:p16="http://schemas.microsoft.com/office/powerpoint/2015/main" val="1"/>
                 </p:ext>
               </p:extLst>
             </p:nvPr>
@@ -20667,10 +21438,10 @@
             <p:cNvPr id="16" name="Isosceles Triangle 15">
               <a:extLst>
                 <a:ext uri="{FF2B5EF4-FFF2-40B4-BE49-F238E27FC236}">
-                  <a16:creationId xmlns="" xmlns:a16="http://schemas.microsoft.com/office/drawing/2014/main" id="{CEDB37A9-282D-4DDB-85AD-B2090A82531F}"/>
+                  <a16:creationId xmlns:a16="http://schemas.microsoft.com/office/drawing/2014/main" xmlns="" id="{CEDB37A9-282D-4DDB-85AD-B2090A82531F}"/>
                 </a:ext>
                 <a:ext uri="{C183D7F6-B498-43B3-948B-1728B52AA6E4}">
-                  <adec:decorative xmlns="" xmlns:adec="http://schemas.microsoft.com/office/drawing/2017/decorative" val="1"/>
+                  <adec:decorative xmlns:adec="http://schemas.microsoft.com/office/drawing/2017/decorative" xmlns="" val="1"/>
                 </a:ext>
               </a:extLst>
             </p:cNvPr>
@@ -20678,7 +21449,7 @@
             <p:nvPr>
               <p:extLst>
                 <p:ext uri="{386F3935-93C4-4BCD-93E2-E3B085C9AB24}">
-                  <p16:designElem xmlns:p16="http://schemas.microsoft.com/office/powerpoint/2015/main" xmlns="" val="1"/>
+                  <p16:designElem xmlns="" xmlns:p16="http://schemas.microsoft.com/office/powerpoint/2015/main" val="1"/>
                 </p:ext>
               </p:extLst>
             </p:nvPr>
@@ -20723,10 +21494,10 @@
             <p:cNvPr id="17" name="Rectangle 27">
               <a:extLst>
                 <a:ext uri="{FF2B5EF4-FFF2-40B4-BE49-F238E27FC236}">
-                  <a16:creationId xmlns="" xmlns:a16="http://schemas.microsoft.com/office/drawing/2014/main" id="{533D5933-7F91-4F5E-BC31-42FD0E2D8DEF}"/>
+                  <a16:creationId xmlns:a16="http://schemas.microsoft.com/office/drawing/2014/main" xmlns="" id="{533D5933-7F91-4F5E-BC31-42FD0E2D8DEF}"/>
                 </a:ext>
                 <a:ext uri="{C183D7F6-B498-43B3-948B-1728B52AA6E4}">
-                  <adec:decorative xmlns="" xmlns:adec="http://schemas.microsoft.com/office/drawing/2017/decorative" val="1"/>
+                  <adec:decorative xmlns:adec="http://schemas.microsoft.com/office/drawing/2017/decorative" xmlns="" val="1"/>
                 </a:ext>
               </a:extLst>
             </p:cNvPr>
@@ -20734,7 +21505,7 @@
             <p:nvPr>
               <p:extLst>
                 <p:ext uri="{386F3935-93C4-4BCD-93E2-E3B085C9AB24}">
-                  <p16:designElem xmlns:p16="http://schemas.microsoft.com/office/powerpoint/2015/main" xmlns="" val="1"/>
+                  <p16:designElem xmlns="" xmlns:p16="http://schemas.microsoft.com/office/powerpoint/2015/main" val="1"/>
                 </p:ext>
               </p:extLst>
             </p:nvPr>
@@ -20802,10 +21573,10 @@
             <p:cNvPr id="18" name="Rectangle 28">
               <a:extLst>
                 <a:ext uri="{FF2B5EF4-FFF2-40B4-BE49-F238E27FC236}">
-                  <a16:creationId xmlns="" xmlns:a16="http://schemas.microsoft.com/office/drawing/2014/main" id="{37ADDF68-C9BE-46EA-83DE-2C07DD83960F}"/>
+                  <a16:creationId xmlns:a16="http://schemas.microsoft.com/office/drawing/2014/main" xmlns="" id="{37ADDF68-C9BE-46EA-83DE-2C07DD83960F}"/>
                 </a:ext>
                 <a:ext uri="{C183D7F6-B498-43B3-948B-1728B52AA6E4}">
-                  <adec:decorative xmlns="" xmlns:adec="http://schemas.microsoft.com/office/drawing/2017/decorative" val="1"/>
+                  <adec:decorative xmlns:adec="http://schemas.microsoft.com/office/drawing/2017/decorative" xmlns="" val="1"/>
                 </a:ext>
               </a:extLst>
             </p:cNvPr>
@@ -20813,7 +21584,7 @@
             <p:nvPr>
               <p:extLst>
                 <p:ext uri="{386F3935-93C4-4BCD-93E2-E3B085C9AB24}">
-                  <p16:designElem xmlns:p16="http://schemas.microsoft.com/office/powerpoint/2015/main" xmlns="" val="1"/>
+                  <p16:designElem xmlns="" xmlns:p16="http://schemas.microsoft.com/office/powerpoint/2015/main" val="1"/>
                 </p:ext>
               </p:extLst>
             </p:nvPr>
@@ -20882,10 +21653,10 @@
             <p:cNvPr id="19" name="Rectangle 29">
               <a:extLst>
                 <a:ext uri="{FF2B5EF4-FFF2-40B4-BE49-F238E27FC236}">
-                  <a16:creationId xmlns="" xmlns:a16="http://schemas.microsoft.com/office/drawing/2014/main" id="{10D67396-BABD-48A8-A892-CCB5095FA427}"/>
+                  <a16:creationId xmlns:a16="http://schemas.microsoft.com/office/drawing/2014/main" xmlns="" id="{10D67396-BABD-48A8-A892-CCB5095FA427}"/>
                 </a:ext>
                 <a:ext uri="{C183D7F6-B498-43B3-948B-1728B52AA6E4}">
-                  <adec:decorative xmlns="" xmlns:adec="http://schemas.microsoft.com/office/drawing/2017/decorative" val="1"/>
+                  <adec:decorative xmlns:adec="http://schemas.microsoft.com/office/drawing/2017/decorative" xmlns="" val="1"/>
                 </a:ext>
               </a:extLst>
             </p:cNvPr>
@@ -20893,7 +21664,7 @@
             <p:nvPr>
               <p:extLst>
                 <p:ext uri="{386F3935-93C4-4BCD-93E2-E3B085C9AB24}">
-                  <p16:designElem xmlns:p16="http://schemas.microsoft.com/office/powerpoint/2015/main" xmlns="" val="1"/>
+                  <p16:designElem xmlns="" xmlns:p16="http://schemas.microsoft.com/office/powerpoint/2015/main" val="1"/>
                 </p:ext>
               </p:extLst>
             </p:nvPr>
@@ -20960,10 +21731,10 @@
             <p:cNvPr id="20" name="Isosceles Triangle 19">
               <a:extLst>
                 <a:ext uri="{FF2B5EF4-FFF2-40B4-BE49-F238E27FC236}">
-                  <a16:creationId xmlns="" xmlns:a16="http://schemas.microsoft.com/office/drawing/2014/main" id="{626DA82A-72C2-4DF6-9CF0-0D1F6B96B529}"/>
+                  <a16:creationId xmlns:a16="http://schemas.microsoft.com/office/drawing/2014/main" xmlns="" id="{626DA82A-72C2-4DF6-9CF0-0D1F6B96B529}"/>
                 </a:ext>
                 <a:ext uri="{C183D7F6-B498-43B3-948B-1728B52AA6E4}">
-                  <adec:decorative xmlns="" xmlns:adec="http://schemas.microsoft.com/office/drawing/2017/decorative" val="1"/>
+                  <adec:decorative xmlns:adec="http://schemas.microsoft.com/office/drawing/2017/decorative" xmlns="" val="1"/>
                 </a:ext>
               </a:extLst>
             </p:cNvPr>
@@ -20971,7 +21742,7 @@
             <p:nvPr>
               <p:extLst>
                 <p:ext uri="{386F3935-93C4-4BCD-93E2-E3B085C9AB24}">
-                  <p16:designElem xmlns:p16="http://schemas.microsoft.com/office/powerpoint/2015/main" xmlns="" val="1"/>
+                  <p16:designElem xmlns="" xmlns:p16="http://schemas.microsoft.com/office/powerpoint/2015/main" val="1"/>
                 </p:ext>
               </p:extLst>
             </p:nvPr>
@@ -21016,10 +21787,10 @@
             <p:cNvPr id="21" name="Isosceles Triangle 20">
               <a:extLst>
                 <a:ext uri="{FF2B5EF4-FFF2-40B4-BE49-F238E27FC236}">
-                  <a16:creationId xmlns="" xmlns:a16="http://schemas.microsoft.com/office/drawing/2014/main" id="{8EE6DC63-4380-4BE0-A68A-8F01162BD192}"/>
+                  <a16:creationId xmlns:a16="http://schemas.microsoft.com/office/drawing/2014/main" xmlns="" id="{8EE6DC63-4380-4BE0-A68A-8F01162BD192}"/>
                 </a:ext>
                 <a:ext uri="{C183D7F6-B498-43B3-948B-1728B52AA6E4}">
-                  <adec:decorative xmlns="" xmlns:adec="http://schemas.microsoft.com/office/drawing/2017/decorative" val="1"/>
+                  <adec:decorative xmlns:adec="http://schemas.microsoft.com/office/drawing/2017/decorative" xmlns="" val="1"/>
                 </a:ext>
               </a:extLst>
             </p:cNvPr>
@@ -21027,7 +21798,7 @@
             <p:nvPr>
               <p:extLst>
                 <p:ext uri="{386F3935-93C4-4BCD-93E2-E3B085C9AB24}">
-                  <p16:designElem xmlns:p16="http://schemas.microsoft.com/office/powerpoint/2015/main" xmlns="" val="1"/>
+                  <p16:designElem xmlns="" xmlns:p16="http://schemas.microsoft.com/office/powerpoint/2015/main" val="1"/>
                 </p:ext>
               </p:extLst>
             </p:nvPr>
@@ -21073,10 +21844,10 @@
           <p:cNvPr id="23" name="Rectangle 22">
             <a:extLst>
               <a:ext uri="{FF2B5EF4-FFF2-40B4-BE49-F238E27FC236}">
-                <a16:creationId xmlns="" xmlns:a16="http://schemas.microsoft.com/office/drawing/2014/main" id="{8DF4D7F6-81B5-452A-9CE6-76D81F91D41B}"/>
+                <a16:creationId xmlns:a16="http://schemas.microsoft.com/office/drawing/2014/main" xmlns="" id="{8DF4D7F6-81B5-452A-9CE6-76D81F91D41B}"/>
               </a:ext>
               <a:ext uri="{C183D7F6-B498-43B3-948B-1728B52AA6E4}">
-                <adec:decorative xmlns="" xmlns:adec="http://schemas.microsoft.com/office/drawing/2017/decorative" val="1"/>
+                <adec:decorative xmlns:adec="http://schemas.microsoft.com/office/drawing/2017/decorative" xmlns="" val="1"/>
               </a:ext>
             </a:extLst>
           </p:cNvPr>
@@ -21086,7 +21857,7 @@
           <p:nvPr>
             <p:extLst>
               <p:ext uri="{386F3935-93C4-4BCD-93E2-E3B085C9AB24}">
-                <p16:designElem xmlns:p16="http://schemas.microsoft.com/office/powerpoint/2015/main" xmlns="" val="1"/>
+                <p16:designElem xmlns="" xmlns:p16="http://schemas.microsoft.com/office/powerpoint/2015/main" val="1"/>
               </p:ext>
             </p:extLst>
           </p:nvPr>
@@ -21133,7 +21904,7 @@
           <p:cNvPr id="3" name="Title 2">
             <a:extLst>
               <a:ext uri="{FF2B5EF4-FFF2-40B4-BE49-F238E27FC236}">
-                <a16:creationId xmlns="" xmlns:a16="http://schemas.microsoft.com/office/drawing/2014/main" id="{12FD7EA0-CFEB-4E75-8AFB-5B8FE68C9A91}"/>
+                <a16:creationId xmlns:a16="http://schemas.microsoft.com/office/drawing/2014/main" xmlns="" id="{12FD7EA0-CFEB-4E75-8AFB-5B8FE68C9A91}"/>
               </a:ext>
             </a:extLst>
           </p:cNvPr>
@@ -21177,10 +21948,10 @@
           <p:cNvPr id="25" name="Isosceles Triangle 24">
             <a:extLst>
               <a:ext uri="{FF2B5EF4-FFF2-40B4-BE49-F238E27FC236}">
-                <a16:creationId xmlns="" xmlns:a16="http://schemas.microsoft.com/office/drawing/2014/main" id="{4600514D-20FB-4559-97DC-D1DC39E6C3DE}"/>
+                <a16:creationId xmlns:a16="http://schemas.microsoft.com/office/drawing/2014/main" xmlns="" id="{4600514D-20FB-4559-97DC-D1DC39E6C3DE}"/>
               </a:ext>
               <a:ext uri="{C183D7F6-B498-43B3-948B-1728B52AA6E4}">
-                <adec:decorative xmlns="" xmlns:adec="http://schemas.microsoft.com/office/drawing/2017/decorative" val="1"/>
+                <adec:decorative xmlns:adec="http://schemas.microsoft.com/office/drawing/2017/decorative" xmlns="" val="1"/>
               </a:ext>
             </a:extLst>
           </p:cNvPr>
@@ -21190,7 +21961,7 @@
           <p:nvPr>
             <p:extLst>
               <p:ext uri="{386F3935-93C4-4BCD-93E2-E3B085C9AB24}">
-                <p16:designElem xmlns:p16="http://schemas.microsoft.com/office/powerpoint/2015/main" xmlns="" val="1"/>
+                <p16:designElem xmlns="" xmlns:p16="http://schemas.microsoft.com/office/powerpoint/2015/main" val="1"/>
               </p:ext>
             </p:extLst>
           </p:nvPr>
@@ -21235,7 +22006,7 @@
           <p:cNvPr id="5" name="Footer Placeholder 4">
             <a:extLst>
               <a:ext uri="{FF2B5EF4-FFF2-40B4-BE49-F238E27FC236}">
-                <a16:creationId xmlns="" xmlns:a16="http://schemas.microsoft.com/office/drawing/2014/main" id="{E82D1BFA-FEB4-419F-977D-5BC43DB0DD77}"/>
+                <a16:creationId xmlns:a16="http://schemas.microsoft.com/office/drawing/2014/main" xmlns="" id="{E82D1BFA-FEB4-419F-977D-5BC43DB0DD77}"/>
               </a:ext>
             </a:extLst>
           </p:cNvPr>
@@ -21288,10 +22059,10 @@
           <p:cNvPr id="27" name="Isosceles Triangle 26">
             <a:extLst>
               <a:ext uri="{FF2B5EF4-FFF2-40B4-BE49-F238E27FC236}">
-                <a16:creationId xmlns="" xmlns:a16="http://schemas.microsoft.com/office/drawing/2014/main" id="{266F638A-E405-4AC0-B984-72E5813B0DD1}"/>
+                <a16:creationId xmlns:a16="http://schemas.microsoft.com/office/drawing/2014/main" xmlns="" id="{266F638A-E405-4AC0-B984-72E5813B0DD1}"/>
               </a:ext>
               <a:ext uri="{C183D7F6-B498-43B3-948B-1728B52AA6E4}">
-                <adec:decorative xmlns="" xmlns:adec="http://schemas.microsoft.com/office/drawing/2017/decorative" val="1"/>
+                <adec:decorative xmlns:adec="http://schemas.microsoft.com/office/drawing/2017/decorative" xmlns="" val="1"/>
               </a:ext>
             </a:extLst>
           </p:cNvPr>
@@ -21301,7 +22072,7 @@
           <p:nvPr>
             <p:extLst>
               <p:ext uri="{386F3935-93C4-4BCD-93E2-E3B085C9AB24}">
-                <p16:designElem xmlns:p16="http://schemas.microsoft.com/office/powerpoint/2015/main" xmlns="" val="1"/>
+                <p16:designElem xmlns="" xmlns:p16="http://schemas.microsoft.com/office/powerpoint/2015/main" val="1"/>
               </p:ext>
             </p:extLst>
           </p:nvPr>
@@ -21344,10 +22115,10 @@
           <p:cNvPr id="29" name="Straight Connector 28">
             <a:extLst>
               <a:ext uri="{FF2B5EF4-FFF2-40B4-BE49-F238E27FC236}">
-                <a16:creationId xmlns="" xmlns:a16="http://schemas.microsoft.com/office/drawing/2014/main" id="{7D1CBE93-B17D-4509-843C-82287C38032A}"/>
+                <a16:creationId xmlns:a16="http://schemas.microsoft.com/office/drawing/2014/main" xmlns="" id="{7D1CBE93-B17D-4509-843C-82287C38032A}"/>
               </a:ext>
               <a:ext uri="{C183D7F6-B498-43B3-948B-1728B52AA6E4}">
-                <adec:decorative xmlns="" xmlns:adec="http://schemas.microsoft.com/office/drawing/2017/decorative" val="1"/>
+                <adec:decorative xmlns:adec="http://schemas.microsoft.com/office/drawing/2017/decorative" xmlns="" val="1"/>
               </a:ext>
             </a:extLst>
           </p:cNvPr>
@@ -21357,7 +22128,7 @@
           <p:nvPr>
             <p:extLst>
               <p:ext uri="{386F3935-93C4-4BCD-93E2-E3B085C9AB24}">
-                <p16:designElem xmlns:p16="http://schemas.microsoft.com/office/powerpoint/2015/main" xmlns="" val="1"/>
+                <p16:designElem xmlns="" xmlns:p16="http://schemas.microsoft.com/office/powerpoint/2015/main" val="1"/>
               </p:ext>
             </p:extLst>
           </p:nvPr>
@@ -21397,10 +22168,10 @@
           <p:cNvPr id="31" name="Straight Connector 30">
             <a:extLst>
               <a:ext uri="{FF2B5EF4-FFF2-40B4-BE49-F238E27FC236}">
-                <a16:creationId xmlns="" xmlns:a16="http://schemas.microsoft.com/office/drawing/2014/main" id="{AE6277B4-6A43-48AB-89B2-3442221619CC}"/>
+                <a16:creationId xmlns:a16="http://schemas.microsoft.com/office/drawing/2014/main" xmlns="" id="{AE6277B4-6A43-48AB-89B2-3442221619CC}"/>
               </a:ext>
               <a:ext uri="{C183D7F6-B498-43B3-948B-1728B52AA6E4}">
-                <adec:decorative xmlns="" xmlns:adec="http://schemas.microsoft.com/office/drawing/2017/decorative" val="1"/>
+                <adec:decorative xmlns:adec="http://schemas.microsoft.com/office/drawing/2017/decorative" xmlns="" val="1"/>
               </a:ext>
             </a:extLst>
           </p:cNvPr>
@@ -21410,7 +22181,7 @@
           <p:nvPr>
             <p:extLst>
               <p:ext uri="{386F3935-93C4-4BCD-93E2-E3B085C9AB24}">
-                <p16:designElem xmlns:p16="http://schemas.microsoft.com/office/powerpoint/2015/main" xmlns="" val="1"/>
+                <p16:designElem xmlns="" xmlns:p16="http://schemas.microsoft.com/office/powerpoint/2015/main" val="1"/>
               </p:ext>
             </p:extLst>
           </p:nvPr>
@@ -21449,7 +22220,7 @@
           <p:cNvPr id="2" name="Content Placeholder 1">
             <a:extLst>
               <a:ext uri="{FF2B5EF4-FFF2-40B4-BE49-F238E27FC236}">
-                <a16:creationId xmlns="" xmlns:a16="http://schemas.microsoft.com/office/drawing/2014/main" id="{39A6FAD1-C2C6-47B8-A6FE-188892E09DF4}"/>
+                <a16:creationId xmlns:a16="http://schemas.microsoft.com/office/drawing/2014/main" xmlns="" id="{39A6FAD1-C2C6-47B8-A6FE-188892E09DF4}"/>
               </a:ext>
             </a:extLst>
           </p:cNvPr>
@@ -21659,10 +22430,10 @@
           <p:cNvPr id="33" name="Rectangle 27">
             <a:extLst>
               <a:ext uri="{FF2B5EF4-FFF2-40B4-BE49-F238E27FC236}">
-                <a16:creationId xmlns="" xmlns:a16="http://schemas.microsoft.com/office/drawing/2014/main" id="{27B538D5-95DB-47ED-9CB4-34AE5BF78E6B}"/>
+                <a16:creationId xmlns:a16="http://schemas.microsoft.com/office/drawing/2014/main" xmlns="" id="{27B538D5-95DB-47ED-9CB4-34AE5BF78E6B}"/>
               </a:ext>
               <a:ext uri="{C183D7F6-B498-43B3-948B-1728B52AA6E4}">
-                <adec:decorative xmlns="" xmlns:adec="http://schemas.microsoft.com/office/drawing/2017/decorative" val="1"/>
+                <adec:decorative xmlns:adec="http://schemas.microsoft.com/office/drawing/2017/decorative" xmlns="" val="1"/>
               </a:ext>
             </a:extLst>
           </p:cNvPr>
@@ -21672,7 +22443,7 @@
           <p:nvPr>
             <p:extLst>
               <p:ext uri="{386F3935-93C4-4BCD-93E2-E3B085C9AB24}">
-                <p16:designElem xmlns:p16="http://schemas.microsoft.com/office/powerpoint/2015/main" xmlns="" val="1"/>
+                <p16:designElem xmlns="" xmlns:p16="http://schemas.microsoft.com/office/powerpoint/2015/main" val="1"/>
               </p:ext>
             </p:extLst>
           </p:nvPr>
@@ -21737,7 +22508,7 @@
           <p:cNvPr id="4" name="Date Placeholder 3">
             <a:extLst>
               <a:ext uri="{FF2B5EF4-FFF2-40B4-BE49-F238E27FC236}">
-                <a16:creationId xmlns="" xmlns:a16="http://schemas.microsoft.com/office/drawing/2014/main" id="{6B2CF951-67E8-43A1-BBBD-A44046F57703}"/>
+                <a16:creationId xmlns:a16="http://schemas.microsoft.com/office/drawing/2014/main" xmlns="" id="{6B2CF951-67E8-43A1-BBBD-A44046F57703}"/>
               </a:ext>
             </a:extLst>
           </p:cNvPr>
@@ -21790,7 +22561,7 @@
           <p:cNvPr id="6" name="Slide Number Placeholder 5">
             <a:extLst>
               <a:ext uri="{FF2B5EF4-FFF2-40B4-BE49-F238E27FC236}">
-                <a16:creationId xmlns="" xmlns:a16="http://schemas.microsoft.com/office/drawing/2014/main" id="{9D6B4462-AECF-4C8B-82E2-282905936963}"/>
+                <a16:creationId xmlns:a16="http://schemas.microsoft.com/office/drawing/2014/main" xmlns="" id="{9D6B4462-AECF-4C8B-82E2-282905936963}"/>
               </a:ext>
             </a:extLst>
           </p:cNvPr>
@@ -21853,6 +22624,13 @@
   <p:clrMapOvr>
     <a:masterClrMapping/>
   </p:clrMapOvr>
+  <p:timing>
+    <p:tnLst>
+      <p:par>
+        <p:cTn xmlns:p14="http://schemas.microsoft.com/office/powerpoint/2010/main" id="1" dur="indefinite" restart="never" nodeType="tmRoot"/>
+      </p:par>
+    </p:tnLst>
+  </p:timing>
 </p:sld>
 </file>
 
@@ -21886,10 +22664,10 @@
           <p:cNvPr id="11" name="Group 10">
             <a:extLst>
               <a:ext uri="{FF2B5EF4-FFF2-40B4-BE49-F238E27FC236}">
-                <a16:creationId xmlns="" xmlns:a16="http://schemas.microsoft.com/office/drawing/2014/main" id="{09EA7EA7-74F5-4EE2-8E3D-1A10308259D7}"/>
+                <a16:creationId xmlns:a16="http://schemas.microsoft.com/office/drawing/2014/main" xmlns="" id="{09EA7EA7-74F5-4EE2-8E3D-1A10308259D7}"/>
               </a:ext>
               <a:ext uri="{C183D7F6-B498-43B3-948B-1728B52AA6E4}">
-                <adec:decorative xmlns="" xmlns:adec="http://schemas.microsoft.com/office/drawing/2017/decorative" val="1"/>
+                <adec:decorative xmlns:adec="http://schemas.microsoft.com/office/drawing/2017/decorative" xmlns="" val="1"/>
               </a:ext>
             </a:extLst>
           </p:cNvPr>
@@ -21899,7 +22677,7 @@
           <p:nvPr>
             <p:extLst>
               <p:ext uri="{386F3935-93C4-4BCD-93E2-E3B085C9AB24}">
-                <p16:designElem xmlns:p16="http://schemas.microsoft.com/office/powerpoint/2015/main" xmlns="" val="1"/>
+                <p16:designElem xmlns="" xmlns:p16="http://schemas.microsoft.com/office/powerpoint/2015/main" val="1"/>
               </p:ext>
             </p:extLst>
           </p:nvPr>
@@ -21917,10 +22695,10 @@
             <p:cNvPr id="12" name="Straight Connector 11">
               <a:extLst>
                 <a:ext uri="{FF2B5EF4-FFF2-40B4-BE49-F238E27FC236}">
-                  <a16:creationId xmlns="" xmlns:a16="http://schemas.microsoft.com/office/drawing/2014/main" id="{A5CE79B5-7EE4-424D-AD14-5DEFB61B85C8}"/>
+                  <a16:creationId xmlns:a16="http://schemas.microsoft.com/office/drawing/2014/main" xmlns="" id="{A5CE79B5-7EE4-424D-AD14-5DEFB61B85C8}"/>
                 </a:ext>
                 <a:ext uri="{C183D7F6-B498-43B3-948B-1728B52AA6E4}">
-                  <adec:decorative xmlns="" xmlns:adec="http://schemas.microsoft.com/office/drawing/2017/decorative" val="1"/>
+                  <adec:decorative xmlns:adec="http://schemas.microsoft.com/office/drawing/2017/decorative" xmlns="" val="1"/>
                 </a:ext>
               </a:extLst>
             </p:cNvPr>
@@ -21928,7 +22706,7 @@
             <p:nvPr>
               <p:extLst>
                 <p:ext uri="{386F3935-93C4-4BCD-93E2-E3B085C9AB24}">
-                  <p16:designElem xmlns:p16="http://schemas.microsoft.com/office/powerpoint/2015/main" xmlns="" val="1"/>
+                  <p16:designElem xmlns="" xmlns:p16="http://schemas.microsoft.com/office/powerpoint/2015/main" val="1"/>
                 </p:ext>
               </p:extLst>
             </p:nvPr>
@@ -21969,10 +22747,10 @@
             <p:cNvPr id="13" name="Straight Connector 12">
               <a:extLst>
                 <a:ext uri="{FF2B5EF4-FFF2-40B4-BE49-F238E27FC236}">
-                  <a16:creationId xmlns="" xmlns:a16="http://schemas.microsoft.com/office/drawing/2014/main" id="{696C926F-F999-44BA-8D86-9EAB51D65010}"/>
+                  <a16:creationId xmlns:a16="http://schemas.microsoft.com/office/drawing/2014/main" xmlns="" id="{696C926F-F999-44BA-8D86-9EAB51D65010}"/>
                 </a:ext>
                 <a:ext uri="{C183D7F6-B498-43B3-948B-1728B52AA6E4}">
-                  <adec:decorative xmlns="" xmlns:adec="http://schemas.microsoft.com/office/drawing/2017/decorative" val="1"/>
+                  <adec:decorative xmlns:adec="http://schemas.microsoft.com/office/drawing/2017/decorative" xmlns="" val="1"/>
                 </a:ext>
               </a:extLst>
             </p:cNvPr>
@@ -21980,7 +22758,7 @@
             <p:nvPr>
               <p:extLst>
                 <p:ext uri="{386F3935-93C4-4BCD-93E2-E3B085C9AB24}">
-                  <p16:designElem xmlns:p16="http://schemas.microsoft.com/office/powerpoint/2015/main" xmlns="" val="1"/>
+                  <p16:designElem xmlns="" xmlns:p16="http://schemas.microsoft.com/office/powerpoint/2015/main" val="1"/>
                 </p:ext>
               </p:extLst>
             </p:nvPr>
@@ -22021,10 +22799,10 @@
             <p:cNvPr id="14" name="Rectangle 23">
               <a:extLst>
                 <a:ext uri="{FF2B5EF4-FFF2-40B4-BE49-F238E27FC236}">
-                  <a16:creationId xmlns="" xmlns:a16="http://schemas.microsoft.com/office/drawing/2014/main" id="{248745E7-0AF0-48F9-8E58-2673FC5F4FDE}"/>
+                  <a16:creationId xmlns:a16="http://schemas.microsoft.com/office/drawing/2014/main" xmlns="" id="{248745E7-0AF0-48F9-8E58-2673FC5F4FDE}"/>
                 </a:ext>
                 <a:ext uri="{C183D7F6-B498-43B3-948B-1728B52AA6E4}">
-                  <adec:decorative xmlns="" xmlns:adec="http://schemas.microsoft.com/office/drawing/2017/decorative" val="1"/>
+                  <adec:decorative xmlns:adec="http://schemas.microsoft.com/office/drawing/2017/decorative" xmlns="" val="1"/>
                 </a:ext>
               </a:extLst>
             </p:cNvPr>
@@ -22032,7 +22810,7 @@
             <p:nvPr>
               <p:extLst>
                 <p:ext uri="{386F3935-93C4-4BCD-93E2-E3B085C9AB24}">
-                  <p16:designElem xmlns:p16="http://schemas.microsoft.com/office/powerpoint/2015/main" xmlns="" val="1"/>
+                  <p16:designElem xmlns="" xmlns:p16="http://schemas.microsoft.com/office/powerpoint/2015/main" val="1"/>
                 </p:ext>
               </p:extLst>
             </p:nvPr>
@@ -22099,10 +22877,10 @@
             <p:cNvPr id="15" name="Rectangle 25">
               <a:extLst>
                 <a:ext uri="{FF2B5EF4-FFF2-40B4-BE49-F238E27FC236}">
-                  <a16:creationId xmlns="" xmlns:a16="http://schemas.microsoft.com/office/drawing/2014/main" id="{9715E81A-D2E0-4431-9370-4E4A9ECA7F9C}"/>
+                  <a16:creationId xmlns:a16="http://schemas.microsoft.com/office/drawing/2014/main" xmlns="" id="{9715E81A-D2E0-4431-9370-4E4A9ECA7F9C}"/>
                 </a:ext>
                 <a:ext uri="{C183D7F6-B498-43B3-948B-1728B52AA6E4}">
-                  <adec:decorative xmlns="" xmlns:adec="http://schemas.microsoft.com/office/drawing/2017/decorative" val="1"/>
+                  <adec:decorative xmlns:adec="http://schemas.microsoft.com/office/drawing/2017/decorative" xmlns="" val="1"/>
                 </a:ext>
               </a:extLst>
             </p:cNvPr>
@@ -22110,7 +22888,7 @@
             <p:nvPr>
               <p:extLst>
                 <p:ext uri="{386F3935-93C4-4BCD-93E2-E3B085C9AB24}">
-                  <p16:designElem xmlns:p16="http://schemas.microsoft.com/office/powerpoint/2015/main" xmlns="" val="1"/>
+                  <p16:designElem xmlns="" xmlns:p16="http://schemas.microsoft.com/office/powerpoint/2015/main" val="1"/>
                 </p:ext>
               </p:extLst>
             </p:nvPr>
@@ -22177,10 +22955,10 @@
             <p:cNvPr id="16" name="Isosceles Triangle 15">
               <a:extLst>
                 <a:ext uri="{FF2B5EF4-FFF2-40B4-BE49-F238E27FC236}">
-                  <a16:creationId xmlns="" xmlns:a16="http://schemas.microsoft.com/office/drawing/2014/main" id="{CEDB37A9-282D-4DDB-85AD-B2090A82531F}"/>
+                  <a16:creationId xmlns:a16="http://schemas.microsoft.com/office/drawing/2014/main" xmlns="" id="{CEDB37A9-282D-4DDB-85AD-B2090A82531F}"/>
                 </a:ext>
                 <a:ext uri="{C183D7F6-B498-43B3-948B-1728B52AA6E4}">
-                  <adec:decorative xmlns="" xmlns:adec="http://schemas.microsoft.com/office/drawing/2017/decorative" val="1"/>
+                  <adec:decorative xmlns:adec="http://schemas.microsoft.com/office/drawing/2017/decorative" xmlns="" val="1"/>
                 </a:ext>
               </a:extLst>
             </p:cNvPr>
@@ -22188,7 +22966,7 @@
             <p:nvPr>
               <p:extLst>
                 <p:ext uri="{386F3935-93C4-4BCD-93E2-E3B085C9AB24}">
-                  <p16:designElem xmlns:p16="http://schemas.microsoft.com/office/powerpoint/2015/main" xmlns="" val="1"/>
+                  <p16:designElem xmlns="" xmlns:p16="http://schemas.microsoft.com/office/powerpoint/2015/main" val="1"/>
                 </p:ext>
               </p:extLst>
             </p:nvPr>
@@ -22233,10 +23011,10 @@
             <p:cNvPr id="17" name="Rectangle 27">
               <a:extLst>
                 <a:ext uri="{FF2B5EF4-FFF2-40B4-BE49-F238E27FC236}">
-                  <a16:creationId xmlns="" xmlns:a16="http://schemas.microsoft.com/office/drawing/2014/main" id="{533D5933-7F91-4F5E-BC31-42FD0E2D8DEF}"/>
+                  <a16:creationId xmlns:a16="http://schemas.microsoft.com/office/drawing/2014/main" xmlns="" id="{533D5933-7F91-4F5E-BC31-42FD0E2D8DEF}"/>
                 </a:ext>
                 <a:ext uri="{C183D7F6-B498-43B3-948B-1728B52AA6E4}">
-                  <adec:decorative xmlns="" xmlns:adec="http://schemas.microsoft.com/office/drawing/2017/decorative" val="1"/>
+                  <adec:decorative xmlns:adec="http://schemas.microsoft.com/office/drawing/2017/decorative" xmlns="" val="1"/>
                 </a:ext>
               </a:extLst>
             </p:cNvPr>
@@ -22244,7 +23022,7 @@
             <p:nvPr>
               <p:extLst>
                 <p:ext uri="{386F3935-93C4-4BCD-93E2-E3B085C9AB24}">
-                  <p16:designElem xmlns:p16="http://schemas.microsoft.com/office/powerpoint/2015/main" xmlns="" val="1"/>
+                  <p16:designElem xmlns="" xmlns:p16="http://schemas.microsoft.com/office/powerpoint/2015/main" val="1"/>
                 </p:ext>
               </p:extLst>
             </p:nvPr>
@@ -22312,10 +23090,10 @@
             <p:cNvPr id="18" name="Rectangle 28">
               <a:extLst>
                 <a:ext uri="{FF2B5EF4-FFF2-40B4-BE49-F238E27FC236}">
-                  <a16:creationId xmlns="" xmlns:a16="http://schemas.microsoft.com/office/drawing/2014/main" id="{37ADDF68-C9BE-46EA-83DE-2C07DD83960F}"/>
+                  <a16:creationId xmlns:a16="http://schemas.microsoft.com/office/drawing/2014/main" xmlns="" id="{37ADDF68-C9BE-46EA-83DE-2C07DD83960F}"/>
                 </a:ext>
                 <a:ext uri="{C183D7F6-B498-43B3-948B-1728B52AA6E4}">
-                  <adec:decorative xmlns="" xmlns:adec="http://schemas.microsoft.com/office/drawing/2017/decorative" val="1"/>
+                  <adec:decorative xmlns:adec="http://schemas.microsoft.com/office/drawing/2017/decorative" xmlns="" val="1"/>
                 </a:ext>
               </a:extLst>
             </p:cNvPr>
@@ -22323,7 +23101,7 @@
             <p:nvPr>
               <p:extLst>
                 <p:ext uri="{386F3935-93C4-4BCD-93E2-E3B085C9AB24}">
-                  <p16:designElem xmlns:p16="http://schemas.microsoft.com/office/powerpoint/2015/main" xmlns="" val="1"/>
+                  <p16:designElem xmlns="" xmlns:p16="http://schemas.microsoft.com/office/powerpoint/2015/main" val="1"/>
                 </p:ext>
               </p:extLst>
             </p:nvPr>
@@ -22392,10 +23170,10 @@
             <p:cNvPr id="19" name="Rectangle 29">
               <a:extLst>
                 <a:ext uri="{FF2B5EF4-FFF2-40B4-BE49-F238E27FC236}">
-                  <a16:creationId xmlns="" xmlns:a16="http://schemas.microsoft.com/office/drawing/2014/main" id="{10D67396-BABD-48A8-A892-CCB5095FA427}"/>
+                  <a16:creationId xmlns:a16="http://schemas.microsoft.com/office/drawing/2014/main" xmlns="" id="{10D67396-BABD-48A8-A892-CCB5095FA427}"/>
                 </a:ext>
                 <a:ext uri="{C183D7F6-B498-43B3-948B-1728B52AA6E4}">
-                  <adec:decorative xmlns="" xmlns:adec="http://schemas.microsoft.com/office/drawing/2017/decorative" val="1"/>
+                  <adec:decorative xmlns:adec="http://schemas.microsoft.com/office/drawing/2017/decorative" xmlns="" val="1"/>
                 </a:ext>
               </a:extLst>
             </p:cNvPr>
@@ -22403,7 +23181,7 @@
             <p:nvPr>
               <p:extLst>
                 <p:ext uri="{386F3935-93C4-4BCD-93E2-E3B085C9AB24}">
-                  <p16:designElem xmlns:p16="http://schemas.microsoft.com/office/powerpoint/2015/main" xmlns="" val="1"/>
+                  <p16:designElem xmlns="" xmlns:p16="http://schemas.microsoft.com/office/powerpoint/2015/main" val="1"/>
                 </p:ext>
               </p:extLst>
             </p:nvPr>
@@ -22470,10 +23248,10 @@
             <p:cNvPr id="20" name="Isosceles Triangle 19">
               <a:extLst>
                 <a:ext uri="{FF2B5EF4-FFF2-40B4-BE49-F238E27FC236}">
-                  <a16:creationId xmlns="" xmlns:a16="http://schemas.microsoft.com/office/drawing/2014/main" id="{626DA82A-72C2-4DF6-9CF0-0D1F6B96B529}"/>
+                  <a16:creationId xmlns:a16="http://schemas.microsoft.com/office/drawing/2014/main" xmlns="" id="{626DA82A-72C2-4DF6-9CF0-0D1F6B96B529}"/>
                 </a:ext>
                 <a:ext uri="{C183D7F6-B498-43B3-948B-1728B52AA6E4}">
-                  <adec:decorative xmlns="" xmlns:adec="http://schemas.microsoft.com/office/drawing/2017/decorative" val="1"/>
+                  <adec:decorative xmlns:adec="http://schemas.microsoft.com/office/drawing/2017/decorative" xmlns="" val="1"/>
                 </a:ext>
               </a:extLst>
             </p:cNvPr>
@@ -22481,7 +23259,7 @@
             <p:nvPr>
               <p:extLst>
                 <p:ext uri="{386F3935-93C4-4BCD-93E2-E3B085C9AB24}">
-                  <p16:designElem xmlns:p16="http://schemas.microsoft.com/office/powerpoint/2015/main" xmlns="" val="1"/>
+                  <p16:designElem xmlns="" xmlns:p16="http://schemas.microsoft.com/office/powerpoint/2015/main" val="1"/>
                 </p:ext>
               </p:extLst>
             </p:nvPr>
@@ -22526,10 +23304,10 @@
             <p:cNvPr id="21" name="Isosceles Triangle 20">
               <a:extLst>
                 <a:ext uri="{FF2B5EF4-FFF2-40B4-BE49-F238E27FC236}">
-                  <a16:creationId xmlns="" xmlns:a16="http://schemas.microsoft.com/office/drawing/2014/main" id="{8EE6DC63-4380-4BE0-A68A-8F01162BD192}"/>
+                  <a16:creationId xmlns:a16="http://schemas.microsoft.com/office/drawing/2014/main" xmlns="" id="{8EE6DC63-4380-4BE0-A68A-8F01162BD192}"/>
                 </a:ext>
                 <a:ext uri="{C183D7F6-B498-43B3-948B-1728B52AA6E4}">
-                  <adec:decorative xmlns="" xmlns:adec="http://schemas.microsoft.com/office/drawing/2017/decorative" val="1"/>
+                  <adec:decorative xmlns:adec="http://schemas.microsoft.com/office/drawing/2017/decorative" xmlns="" val="1"/>
                 </a:ext>
               </a:extLst>
             </p:cNvPr>
@@ -22537,7 +23315,7 @@
             <p:nvPr>
               <p:extLst>
                 <p:ext uri="{386F3935-93C4-4BCD-93E2-E3B085C9AB24}">
-                  <p16:designElem xmlns:p16="http://schemas.microsoft.com/office/powerpoint/2015/main" xmlns="" val="1"/>
+                  <p16:designElem xmlns="" xmlns:p16="http://schemas.microsoft.com/office/powerpoint/2015/main" val="1"/>
                 </p:ext>
               </p:extLst>
             </p:nvPr>
@@ -22583,10 +23361,10 @@
           <p:cNvPr id="23" name="Rectangle 22">
             <a:extLst>
               <a:ext uri="{FF2B5EF4-FFF2-40B4-BE49-F238E27FC236}">
-                <a16:creationId xmlns="" xmlns:a16="http://schemas.microsoft.com/office/drawing/2014/main" id="{8DF4D7F6-81B5-452A-9CE6-76D81F91D41B}"/>
+                <a16:creationId xmlns:a16="http://schemas.microsoft.com/office/drawing/2014/main" xmlns="" id="{8DF4D7F6-81B5-452A-9CE6-76D81F91D41B}"/>
               </a:ext>
               <a:ext uri="{C183D7F6-B498-43B3-948B-1728B52AA6E4}">
-                <adec:decorative xmlns="" xmlns:adec="http://schemas.microsoft.com/office/drawing/2017/decorative" val="1"/>
+                <adec:decorative xmlns:adec="http://schemas.microsoft.com/office/drawing/2017/decorative" xmlns="" val="1"/>
               </a:ext>
             </a:extLst>
           </p:cNvPr>
@@ -22596,7 +23374,7 @@
           <p:nvPr>
             <p:extLst>
               <p:ext uri="{386F3935-93C4-4BCD-93E2-E3B085C9AB24}">
-                <p16:designElem xmlns:p16="http://schemas.microsoft.com/office/powerpoint/2015/main" xmlns="" val="1"/>
+                <p16:designElem xmlns="" xmlns:p16="http://schemas.microsoft.com/office/powerpoint/2015/main" val="1"/>
               </p:ext>
             </p:extLst>
           </p:nvPr>
@@ -22643,7 +23421,7 @@
           <p:cNvPr id="3" name="Title 2">
             <a:extLst>
               <a:ext uri="{FF2B5EF4-FFF2-40B4-BE49-F238E27FC236}">
-                <a16:creationId xmlns="" xmlns:a16="http://schemas.microsoft.com/office/drawing/2014/main" id="{12FD7EA0-CFEB-4E75-8AFB-5B8FE68C9A91}"/>
+                <a16:creationId xmlns:a16="http://schemas.microsoft.com/office/drawing/2014/main" xmlns="" id="{12FD7EA0-CFEB-4E75-8AFB-5B8FE68C9A91}"/>
               </a:ext>
             </a:extLst>
           </p:cNvPr>
@@ -22703,10 +23481,10 @@
           <p:cNvPr id="25" name="Isosceles Triangle 24">
             <a:extLst>
               <a:ext uri="{FF2B5EF4-FFF2-40B4-BE49-F238E27FC236}">
-                <a16:creationId xmlns="" xmlns:a16="http://schemas.microsoft.com/office/drawing/2014/main" id="{4600514D-20FB-4559-97DC-D1DC39E6C3DE}"/>
+                <a16:creationId xmlns:a16="http://schemas.microsoft.com/office/drawing/2014/main" xmlns="" id="{4600514D-20FB-4559-97DC-D1DC39E6C3DE}"/>
               </a:ext>
               <a:ext uri="{C183D7F6-B498-43B3-948B-1728B52AA6E4}">
-                <adec:decorative xmlns="" xmlns:adec="http://schemas.microsoft.com/office/drawing/2017/decorative" val="1"/>
+                <adec:decorative xmlns:adec="http://schemas.microsoft.com/office/drawing/2017/decorative" xmlns="" val="1"/>
               </a:ext>
             </a:extLst>
           </p:cNvPr>
@@ -22716,7 +23494,7 @@
           <p:nvPr>
             <p:extLst>
               <p:ext uri="{386F3935-93C4-4BCD-93E2-E3B085C9AB24}">
-                <p16:designElem xmlns:p16="http://schemas.microsoft.com/office/powerpoint/2015/main" xmlns="" val="1"/>
+                <p16:designElem xmlns="" xmlns:p16="http://schemas.microsoft.com/office/powerpoint/2015/main" val="1"/>
               </p:ext>
             </p:extLst>
           </p:nvPr>
@@ -22761,7 +23539,7 @@
           <p:cNvPr id="5" name="Footer Placeholder 4">
             <a:extLst>
               <a:ext uri="{FF2B5EF4-FFF2-40B4-BE49-F238E27FC236}">
-                <a16:creationId xmlns="" xmlns:a16="http://schemas.microsoft.com/office/drawing/2014/main" id="{E82D1BFA-FEB4-419F-977D-5BC43DB0DD77}"/>
+                <a16:creationId xmlns:a16="http://schemas.microsoft.com/office/drawing/2014/main" xmlns="" id="{E82D1BFA-FEB4-419F-977D-5BC43DB0DD77}"/>
               </a:ext>
             </a:extLst>
           </p:cNvPr>
@@ -22814,10 +23592,10 @@
           <p:cNvPr id="27" name="Isosceles Triangle 26">
             <a:extLst>
               <a:ext uri="{FF2B5EF4-FFF2-40B4-BE49-F238E27FC236}">
-                <a16:creationId xmlns="" xmlns:a16="http://schemas.microsoft.com/office/drawing/2014/main" id="{266F638A-E405-4AC0-B984-72E5813B0DD1}"/>
+                <a16:creationId xmlns:a16="http://schemas.microsoft.com/office/drawing/2014/main" xmlns="" id="{266F638A-E405-4AC0-B984-72E5813B0DD1}"/>
               </a:ext>
               <a:ext uri="{C183D7F6-B498-43B3-948B-1728B52AA6E4}">
-                <adec:decorative xmlns="" xmlns:adec="http://schemas.microsoft.com/office/drawing/2017/decorative" val="1"/>
+                <adec:decorative xmlns:adec="http://schemas.microsoft.com/office/drawing/2017/decorative" xmlns="" val="1"/>
               </a:ext>
             </a:extLst>
           </p:cNvPr>
@@ -22827,7 +23605,7 @@
           <p:nvPr>
             <p:extLst>
               <p:ext uri="{386F3935-93C4-4BCD-93E2-E3B085C9AB24}">
-                <p16:designElem xmlns:p16="http://schemas.microsoft.com/office/powerpoint/2015/main" xmlns="" val="1"/>
+                <p16:designElem xmlns="" xmlns:p16="http://schemas.microsoft.com/office/powerpoint/2015/main" val="1"/>
               </p:ext>
             </p:extLst>
           </p:nvPr>
@@ -22870,10 +23648,10 @@
           <p:cNvPr id="29" name="Straight Connector 28">
             <a:extLst>
               <a:ext uri="{FF2B5EF4-FFF2-40B4-BE49-F238E27FC236}">
-                <a16:creationId xmlns="" xmlns:a16="http://schemas.microsoft.com/office/drawing/2014/main" id="{7D1CBE93-B17D-4509-843C-82287C38032A}"/>
+                <a16:creationId xmlns:a16="http://schemas.microsoft.com/office/drawing/2014/main" xmlns="" id="{7D1CBE93-B17D-4509-843C-82287C38032A}"/>
               </a:ext>
               <a:ext uri="{C183D7F6-B498-43B3-948B-1728B52AA6E4}">
-                <adec:decorative xmlns="" xmlns:adec="http://schemas.microsoft.com/office/drawing/2017/decorative" val="1"/>
+                <adec:decorative xmlns:adec="http://schemas.microsoft.com/office/drawing/2017/decorative" xmlns="" val="1"/>
               </a:ext>
             </a:extLst>
           </p:cNvPr>
@@ -22883,7 +23661,7 @@
           <p:nvPr>
             <p:extLst>
               <p:ext uri="{386F3935-93C4-4BCD-93E2-E3B085C9AB24}">
-                <p16:designElem xmlns:p16="http://schemas.microsoft.com/office/powerpoint/2015/main" xmlns="" val="1"/>
+                <p16:designElem xmlns="" xmlns:p16="http://schemas.microsoft.com/office/powerpoint/2015/main" val="1"/>
               </p:ext>
             </p:extLst>
           </p:nvPr>
@@ -22923,10 +23701,10 @@
           <p:cNvPr id="31" name="Straight Connector 30">
             <a:extLst>
               <a:ext uri="{FF2B5EF4-FFF2-40B4-BE49-F238E27FC236}">
-                <a16:creationId xmlns="" xmlns:a16="http://schemas.microsoft.com/office/drawing/2014/main" id="{AE6277B4-6A43-48AB-89B2-3442221619CC}"/>
+                <a16:creationId xmlns:a16="http://schemas.microsoft.com/office/drawing/2014/main" xmlns="" id="{AE6277B4-6A43-48AB-89B2-3442221619CC}"/>
               </a:ext>
               <a:ext uri="{C183D7F6-B498-43B3-948B-1728B52AA6E4}">
-                <adec:decorative xmlns="" xmlns:adec="http://schemas.microsoft.com/office/drawing/2017/decorative" val="1"/>
+                <adec:decorative xmlns:adec="http://schemas.microsoft.com/office/drawing/2017/decorative" xmlns="" val="1"/>
               </a:ext>
             </a:extLst>
           </p:cNvPr>
@@ -22936,7 +23714,7 @@
           <p:nvPr>
             <p:extLst>
               <p:ext uri="{386F3935-93C4-4BCD-93E2-E3B085C9AB24}">
-                <p16:designElem xmlns:p16="http://schemas.microsoft.com/office/powerpoint/2015/main" xmlns="" val="1"/>
+                <p16:designElem xmlns="" xmlns:p16="http://schemas.microsoft.com/office/powerpoint/2015/main" val="1"/>
               </p:ext>
             </p:extLst>
           </p:nvPr>
@@ -22975,7 +23753,7 @@
           <p:cNvPr id="2" name="Content Placeholder 1">
             <a:extLst>
               <a:ext uri="{FF2B5EF4-FFF2-40B4-BE49-F238E27FC236}">
-                <a16:creationId xmlns="" xmlns:a16="http://schemas.microsoft.com/office/drawing/2014/main" id="{39A6FAD1-C2C6-47B8-A6FE-188892E09DF4}"/>
+                <a16:creationId xmlns:a16="http://schemas.microsoft.com/office/drawing/2014/main" xmlns="" id="{39A6FAD1-C2C6-47B8-A6FE-188892E09DF4}"/>
               </a:ext>
             </a:extLst>
           </p:cNvPr>
@@ -23089,10 +23867,10 @@
           <p:cNvPr id="33" name="Rectangle 27">
             <a:extLst>
               <a:ext uri="{FF2B5EF4-FFF2-40B4-BE49-F238E27FC236}">
-                <a16:creationId xmlns="" xmlns:a16="http://schemas.microsoft.com/office/drawing/2014/main" id="{27B538D5-95DB-47ED-9CB4-34AE5BF78E6B}"/>
+                <a16:creationId xmlns:a16="http://schemas.microsoft.com/office/drawing/2014/main" xmlns="" id="{27B538D5-95DB-47ED-9CB4-34AE5BF78E6B}"/>
               </a:ext>
               <a:ext uri="{C183D7F6-B498-43B3-948B-1728B52AA6E4}">
-                <adec:decorative xmlns="" xmlns:adec="http://schemas.microsoft.com/office/drawing/2017/decorative" val="1"/>
+                <adec:decorative xmlns:adec="http://schemas.microsoft.com/office/drawing/2017/decorative" xmlns="" val="1"/>
               </a:ext>
             </a:extLst>
           </p:cNvPr>
@@ -23102,7 +23880,7 @@
           <p:nvPr>
             <p:extLst>
               <p:ext uri="{386F3935-93C4-4BCD-93E2-E3B085C9AB24}">
-                <p16:designElem xmlns:p16="http://schemas.microsoft.com/office/powerpoint/2015/main" xmlns="" val="1"/>
+                <p16:designElem xmlns="" xmlns:p16="http://schemas.microsoft.com/office/powerpoint/2015/main" val="1"/>
               </p:ext>
             </p:extLst>
           </p:nvPr>
@@ -23167,7 +23945,7 @@
           <p:cNvPr id="4" name="Date Placeholder 3">
             <a:extLst>
               <a:ext uri="{FF2B5EF4-FFF2-40B4-BE49-F238E27FC236}">
-                <a16:creationId xmlns="" xmlns:a16="http://schemas.microsoft.com/office/drawing/2014/main" id="{6B2CF951-67E8-43A1-BBBD-A44046F57703}"/>
+                <a16:creationId xmlns:a16="http://schemas.microsoft.com/office/drawing/2014/main" xmlns="" id="{6B2CF951-67E8-43A1-BBBD-A44046F57703}"/>
               </a:ext>
             </a:extLst>
           </p:cNvPr>
@@ -23220,7 +23998,7 @@
           <p:cNvPr id="6" name="Slide Number Placeholder 5">
             <a:extLst>
               <a:ext uri="{FF2B5EF4-FFF2-40B4-BE49-F238E27FC236}">
-                <a16:creationId xmlns="" xmlns:a16="http://schemas.microsoft.com/office/drawing/2014/main" id="{9D6B4462-AECF-4C8B-82E2-282905936963}"/>
+                <a16:creationId xmlns:a16="http://schemas.microsoft.com/office/drawing/2014/main" xmlns="" id="{9D6B4462-AECF-4C8B-82E2-282905936963}"/>
               </a:ext>
             </a:extLst>
           </p:cNvPr>
@@ -23283,6 +24061,13 @@
   <p:clrMapOvr>
     <a:masterClrMapping/>
   </p:clrMapOvr>
+  <p:timing>
+    <p:tnLst>
+      <p:par>
+        <p:cTn xmlns:p14="http://schemas.microsoft.com/office/powerpoint/2010/main" id="1" dur="indefinite" restart="never" nodeType="tmRoot"/>
+      </p:par>
+    </p:tnLst>
+  </p:timing>
 </p:sld>
 </file>
 
@@ -23316,10 +24101,10 @@
           <p:cNvPr id="11" name="Group 10">
             <a:extLst>
               <a:ext uri="{FF2B5EF4-FFF2-40B4-BE49-F238E27FC236}">
-                <a16:creationId xmlns="" xmlns:a16="http://schemas.microsoft.com/office/drawing/2014/main" id="{09EA7EA7-74F5-4EE2-8E3D-1A10308259D7}"/>
+                <a16:creationId xmlns:a16="http://schemas.microsoft.com/office/drawing/2014/main" xmlns="" id="{09EA7EA7-74F5-4EE2-8E3D-1A10308259D7}"/>
               </a:ext>
               <a:ext uri="{C183D7F6-B498-43B3-948B-1728B52AA6E4}">
-                <adec:decorative xmlns="" xmlns:adec="http://schemas.microsoft.com/office/drawing/2017/decorative" val="1"/>
+                <adec:decorative xmlns:adec="http://schemas.microsoft.com/office/drawing/2017/decorative" xmlns="" val="1"/>
               </a:ext>
             </a:extLst>
           </p:cNvPr>
@@ -23329,7 +24114,7 @@
           <p:nvPr>
             <p:extLst>
               <p:ext uri="{386F3935-93C4-4BCD-93E2-E3B085C9AB24}">
-                <p16:designElem xmlns:p16="http://schemas.microsoft.com/office/powerpoint/2015/main" xmlns="" val="1"/>
+                <p16:designElem xmlns="" xmlns:p16="http://schemas.microsoft.com/office/powerpoint/2015/main" val="1"/>
               </p:ext>
             </p:extLst>
           </p:nvPr>
@@ -23347,10 +24132,10 @@
             <p:cNvPr id="12" name="Straight Connector 11">
               <a:extLst>
                 <a:ext uri="{FF2B5EF4-FFF2-40B4-BE49-F238E27FC236}">
-                  <a16:creationId xmlns="" xmlns:a16="http://schemas.microsoft.com/office/drawing/2014/main" id="{A5CE79B5-7EE4-424D-AD14-5DEFB61B85C8}"/>
+                  <a16:creationId xmlns:a16="http://schemas.microsoft.com/office/drawing/2014/main" xmlns="" id="{A5CE79B5-7EE4-424D-AD14-5DEFB61B85C8}"/>
                 </a:ext>
                 <a:ext uri="{C183D7F6-B498-43B3-948B-1728B52AA6E4}">
-                  <adec:decorative xmlns="" xmlns:adec="http://schemas.microsoft.com/office/drawing/2017/decorative" val="1"/>
+                  <adec:decorative xmlns:adec="http://schemas.microsoft.com/office/drawing/2017/decorative" xmlns="" val="1"/>
                 </a:ext>
               </a:extLst>
             </p:cNvPr>
@@ -23358,7 +24143,7 @@
             <p:nvPr>
               <p:extLst>
                 <p:ext uri="{386F3935-93C4-4BCD-93E2-E3B085C9AB24}">
-                  <p16:designElem xmlns:p16="http://schemas.microsoft.com/office/powerpoint/2015/main" xmlns="" val="1"/>
+                  <p16:designElem xmlns="" xmlns:p16="http://schemas.microsoft.com/office/powerpoint/2015/main" val="1"/>
                 </p:ext>
               </p:extLst>
             </p:nvPr>
@@ -23399,10 +24184,10 @@
             <p:cNvPr id="13" name="Straight Connector 12">
               <a:extLst>
                 <a:ext uri="{FF2B5EF4-FFF2-40B4-BE49-F238E27FC236}">
-                  <a16:creationId xmlns="" xmlns:a16="http://schemas.microsoft.com/office/drawing/2014/main" id="{696C926F-F999-44BA-8D86-9EAB51D65010}"/>
+                  <a16:creationId xmlns:a16="http://schemas.microsoft.com/office/drawing/2014/main" xmlns="" id="{696C926F-F999-44BA-8D86-9EAB51D65010}"/>
                 </a:ext>
                 <a:ext uri="{C183D7F6-B498-43B3-948B-1728B52AA6E4}">
-                  <adec:decorative xmlns="" xmlns:adec="http://schemas.microsoft.com/office/drawing/2017/decorative" val="1"/>
+                  <adec:decorative xmlns:adec="http://schemas.microsoft.com/office/drawing/2017/decorative" xmlns="" val="1"/>
                 </a:ext>
               </a:extLst>
             </p:cNvPr>
@@ -23410,7 +24195,7 @@
             <p:nvPr>
               <p:extLst>
                 <p:ext uri="{386F3935-93C4-4BCD-93E2-E3B085C9AB24}">
-                  <p16:designElem xmlns:p16="http://schemas.microsoft.com/office/powerpoint/2015/main" xmlns="" val="1"/>
+                  <p16:designElem xmlns="" xmlns:p16="http://schemas.microsoft.com/office/powerpoint/2015/main" val="1"/>
                 </p:ext>
               </p:extLst>
             </p:nvPr>
@@ -23451,10 +24236,10 @@
             <p:cNvPr id="14" name="Rectangle 23">
               <a:extLst>
                 <a:ext uri="{FF2B5EF4-FFF2-40B4-BE49-F238E27FC236}">
-                  <a16:creationId xmlns="" xmlns:a16="http://schemas.microsoft.com/office/drawing/2014/main" id="{248745E7-0AF0-48F9-8E58-2673FC5F4FDE}"/>
+                  <a16:creationId xmlns:a16="http://schemas.microsoft.com/office/drawing/2014/main" xmlns="" id="{248745E7-0AF0-48F9-8E58-2673FC5F4FDE}"/>
                 </a:ext>
                 <a:ext uri="{C183D7F6-B498-43B3-948B-1728B52AA6E4}">
-                  <adec:decorative xmlns="" xmlns:adec="http://schemas.microsoft.com/office/drawing/2017/decorative" val="1"/>
+                  <adec:decorative xmlns:adec="http://schemas.microsoft.com/office/drawing/2017/decorative" xmlns="" val="1"/>
                 </a:ext>
               </a:extLst>
             </p:cNvPr>
@@ -23462,7 +24247,7 @@
             <p:nvPr>
               <p:extLst>
                 <p:ext uri="{386F3935-93C4-4BCD-93E2-E3B085C9AB24}">
-                  <p16:designElem xmlns:p16="http://schemas.microsoft.com/office/powerpoint/2015/main" xmlns="" val="1"/>
+                  <p16:designElem xmlns="" xmlns:p16="http://schemas.microsoft.com/office/powerpoint/2015/main" val="1"/>
                 </p:ext>
               </p:extLst>
             </p:nvPr>
@@ -23529,10 +24314,10 @@
             <p:cNvPr id="15" name="Rectangle 25">
               <a:extLst>
                 <a:ext uri="{FF2B5EF4-FFF2-40B4-BE49-F238E27FC236}">
-                  <a16:creationId xmlns="" xmlns:a16="http://schemas.microsoft.com/office/drawing/2014/main" id="{9715E81A-D2E0-4431-9370-4E4A9ECA7F9C}"/>
+                  <a16:creationId xmlns:a16="http://schemas.microsoft.com/office/drawing/2014/main" xmlns="" id="{9715E81A-D2E0-4431-9370-4E4A9ECA7F9C}"/>
                 </a:ext>
                 <a:ext uri="{C183D7F6-B498-43B3-948B-1728B52AA6E4}">
-                  <adec:decorative xmlns="" xmlns:adec="http://schemas.microsoft.com/office/drawing/2017/decorative" val="1"/>
+                  <adec:decorative xmlns:adec="http://schemas.microsoft.com/office/drawing/2017/decorative" xmlns="" val="1"/>
                 </a:ext>
               </a:extLst>
             </p:cNvPr>
@@ -23540,7 +24325,7 @@
             <p:nvPr>
               <p:extLst>
                 <p:ext uri="{386F3935-93C4-4BCD-93E2-E3B085C9AB24}">
-                  <p16:designElem xmlns:p16="http://schemas.microsoft.com/office/powerpoint/2015/main" xmlns="" val="1"/>
+                  <p16:designElem xmlns="" xmlns:p16="http://schemas.microsoft.com/office/powerpoint/2015/main" val="1"/>
                 </p:ext>
               </p:extLst>
             </p:nvPr>
@@ -23607,10 +24392,10 @@
             <p:cNvPr id="16" name="Isosceles Triangle 15">
               <a:extLst>
                 <a:ext uri="{FF2B5EF4-FFF2-40B4-BE49-F238E27FC236}">
-                  <a16:creationId xmlns="" xmlns:a16="http://schemas.microsoft.com/office/drawing/2014/main" id="{CEDB37A9-282D-4DDB-85AD-B2090A82531F}"/>
+                  <a16:creationId xmlns:a16="http://schemas.microsoft.com/office/drawing/2014/main" xmlns="" id="{CEDB37A9-282D-4DDB-85AD-B2090A82531F}"/>
                 </a:ext>
                 <a:ext uri="{C183D7F6-B498-43B3-948B-1728B52AA6E4}">
-                  <adec:decorative xmlns="" xmlns:adec="http://schemas.microsoft.com/office/drawing/2017/decorative" val="1"/>
+                  <adec:decorative xmlns:adec="http://schemas.microsoft.com/office/drawing/2017/decorative" xmlns="" val="1"/>
                 </a:ext>
               </a:extLst>
             </p:cNvPr>
@@ -23618,7 +24403,7 @@
             <p:nvPr>
               <p:extLst>
                 <p:ext uri="{386F3935-93C4-4BCD-93E2-E3B085C9AB24}">
-                  <p16:designElem xmlns:p16="http://schemas.microsoft.com/office/powerpoint/2015/main" xmlns="" val="1"/>
+                  <p16:designElem xmlns="" xmlns:p16="http://schemas.microsoft.com/office/powerpoint/2015/main" val="1"/>
                 </p:ext>
               </p:extLst>
             </p:nvPr>
@@ -23663,10 +24448,10 @@
             <p:cNvPr id="17" name="Rectangle 27">
               <a:extLst>
                 <a:ext uri="{FF2B5EF4-FFF2-40B4-BE49-F238E27FC236}">
-                  <a16:creationId xmlns="" xmlns:a16="http://schemas.microsoft.com/office/drawing/2014/main" id="{533D5933-7F91-4F5E-BC31-42FD0E2D8DEF}"/>
+                  <a16:creationId xmlns:a16="http://schemas.microsoft.com/office/drawing/2014/main" xmlns="" id="{533D5933-7F91-4F5E-BC31-42FD0E2D8DEF}"/>
                 </a:ext>
                 <a:ext uri="{C183D7F6-B498-43B3-948B-1728B52AA6E4}">
-                  <adec:decorative xmlns="" xmlns:adec="http://schemas.microsoft.com/office/drawing/2017/decorative" val="1"/>
+                  <adec:decorative xmlns:adec="http://schemas.microsoft.com/office/drawing/2017/decorative" xmlns="" val="1"/>
                 </a:ext>
               </a:extLst>
             </p:cNvPr>
@@ -23674,7 +24459,7 @@
             <p:nvPr>
               <p:extLst>
                 <p:ext uri="{386F3935-93C4-4BCD-93E2-E3B085C9AB24}">
-                  <p16:designElem xmlns:p16="http://schemas.microsoft.com/office/powerpoint/2015/main" xmlns="" val="1"/>
+                  <p16:designElem xmlns="" xmlns:p16="http://schemas.microsoft.com/office/powerpoint/2015/main" val="1"/>
                 </p:ext>
               </p:extLst>
             </p:nvPr>
@@ -23742,10 +24527,10 @@
             <p:cNvPr id="18" name="Rectangle 28">
               <a:extLst>
                 <a:ext uri="{FF2B5EF4-FFF2-40B4-BE49-F238E27FC236}">
-                  <a16:creationId xmlns="" xmlns:a16="http://schemas.microsoft.com/office/drawing/2014/main" id="{37ADDF68-C9BE-46EA-83DE-2C07DD83960F}"/>
+                  <a16:creationId xmlns:a16="http://schemas.microsoft.com/office/drawing/2014/main" xmlns="" id="{37ADDF68-C9BE-46EA-83DE-2C07DD83960F}"/>
                 </a:ext>
                 <a:ext uri="{C183D7F6-B498-43B3-948B-1728B52AA6E4}">
-                  <adec:decorative xmlns="" xmlns:adec="http://schemas.microsoft.com/office/drawing/2017/decorative" val="1"/>
+                  <adec:decorative xmlns:adec="http://schemas.microsoft.com/office/drawing/2017/decorative" xmlns="" val="1"/>
                 </a:ext>
               </a:extLst>
             </p:cNvPr>
@@ -23753,7 +24538,7 @@
             <p:nvPr>
               <p:extLst>
                 <p:ext uri="{386F3935-93C4-4BCD-93E2-E3B085C9AB24}">
-                  <p16:designElem xmlns:p16="http://schemas.microsoft.com/office/powerpoint/2015/main" xmlns="" val="1"/>
+                  <p16:designElem xmlns="" xmlns:p16="http://schemas.microsoft.com/office/powerpoint/2015/main" val="1"/>
                 </p:ext>
               </p:extLst>
             </p:nvPr>
@@ -23822,10 +24607,10 @@
             <p:cNvPr id="19" name="Rectangle 29">
               <a:extLst>
                 <a:ext uri="{FF2B5EF4-FFF2-40B4-BE49-F238E27FC236}">
-                  <a16:creationId xmlns="" xmlns:a16="http://schemas.microsoft.com/office/drawing/2014/main" id="{10D67396-BABD-48A8-A892-CCB5095FA427}"/>
+                  <a16:creationId xmlns:a16="http://schemas.microsoft.com/office/drawing/2014/main" xmlns="" id="{10D67396-BABD-48A8-A892-CCB5095FA427}"/>
                 </a:ext>
                 <a:ext uri="{C183D7F6-B498-43B3-948B-1728B52AA6E4}">
-                  <adec:decorative xmlns="" xmlns:adec="http://schemas.microsoft.com/office/drawing/2017/decorative" val="1"/>
+                  <adec:decorative xmlns:adec="http://schemas.microsoft.com/office/drawing/2017/decorative" xmlns="" val="1"/>
                 </a:ext>
               </a:extLst>
             </p:cNvPr>
@@ -23833,7 +24618,7 @@
             <p:nvPr>
               <p:extLst>
                 <p:ext uri="{386F3935-93C4-4BCD-93E2-E3B085C9AB24}">
-                  <p16:designElem xmlns:p16="http://schemas.microsoft.com/office/powerpoint/2015/main" xmlns="" val="1"/>
+                  <p16:designElem xmlns="" xmlns:p16="http://schemas.microsoft.com/office/powerpoint/2015/main" val="1"/>
                 </p:ext>
               </p:extLst>
             </p:nvPr>
@@ -23900,10 +24685,10 @@
             <p:cNvPr id="20" name="Isosceles Triangle 19">
               <a:extLst>
                 <a:ext uri="{FF2B5EF4-FFF2-40B4-BE49-F238E27FC236}">
-                  <a16:creationId xmlns="" xmlns:a16="http://schemas.microsoft.com/office/drawing/2014/main" id="{626DA82A-72C2-4DF6-9CF0-0D1F6B96B529}"/>
+                  <a16:creationId xmlns:a16="http://schemas.microsoft.com/office/drawing/2014/main" xmlns="" id="{626DA82A-72C2-4DF6-9CF0-0D1F6B96B529}"/>
                 </a:ext>
                 <a:ext uri="{C183D7F6-B498-43B3-948B-1728B52AA6E4}">
-                  <adec:decorative xmlns="" xmlns:adec="http://schemas.microsoft.com/office/drawing/2017/decorative" val="1"/>
+                  <adec:decorative xmlns:adec="http://schemas.microsoft.com/office/drawing/2017/decorative" xmlns="" val="1"/>
                 </a:ext>
               </a:extLst>
             </p:cNvPr>
@@ -23911,7 +24696,7 @@
             <p:nvPr>
               <p:extLst>
                 <p:ext uri="{386F3935-93C4-4BCD-93E2-E3B085C9AB24}">
-                  <p16:designElem xmlns:p16="http://schemas.microsoft.com/office/powerpoint/2015/main" xmlns="" val="1"/>
+                  <p16:designElem xmlns="" xmlns:p16="http://schemas.microsoft.com/office/powerpoint/2015/main" val="1"/>
                 </p:ext>
               </p:extLst>
             </p:nvPr>
@@ -23956,10 +24741,10 @@
             <p:cNvPr id="21" name="Isosceles Triangle 20">
               <a:extLst>
                 <a:ext uri="{FF2B5EF4-FFF2-40B4-BE49-F238E27FC236}">
-                  <a16:creationId xmlns="" xmlns:a16="http://schemas.microsoft.com/office/drawing/2014/main" id="{8EE6DC63-4380-4BE0-A68A-8F01162BD192}"/>
+                  <a16:creationId xmlns:a16="http://schemas.microsoft.com/office/drawing/2014/main" xmlns="" id="{8EE6DC63-4380-4BE0-A68A-8F01162BD192}"/>
                 </a:ext>
                 <a:ext uri="{C183D7F6-B498-43B3-948B-1728B52AA6E4}">
-                  <adec:decorative xmlns="" xmlns:adec="http://schemas.microsoft.com/office/drawing/2017/decorative" val="1"/>
+                  <adec:decorative xmlns:adec="http://schemas.microsoft.com/office/drawing/2017/decorative" xmlns="" val="1"/>
                 </a:ext>
               </a:extLst>
             </p:cNvPr>
@@ -23967,7 +24752,7 @@
             <p:nvPr>
               <p:extLst>
                 <p:ext uri="{386F3935-93C4-4BCD-93E2-E3B085C9AB24}">
-                  <p16:designElem xmlns:p16="http://schemas.microsoft.com/office/powerpoint/2015/main" xmlns="" val="1"/>
+                  <p16:designElem xmlns="" xmlns:p16="http://schemas.microsoft.com/office/powerpoint/2015/main" val="1"/>
                 </p:ext>
               </p:extLst>
             </p:nvPr>
@@ -24013,10 +24798,10 @@
           <p:cNvPr id="23" name="Rectangle 22">
             <a:extLst>
               <a:ext uri="{FF2B5EF4-FFF2-40B4-BE49-F238E27FC236}">
-                <a16:creationId xmlns="" xmlns:a16="http://schemas.microsoft.com/office/drawing/2014/main" id="{8DF4D7F6-81B5-452A-9CE6-76D81F91D41B}"/>
+                <a16:creationId xmlns:a16="http://schemas.microsoft.com/office/drawing/2014/main" xmlns="" id="{8DF4D7F6-81B5-452A-9CE6-76D81F91D41B}"/>
               </a:ext>
               <a:ext uri="{C183D7F6-B498-43B3-948B-1728B52AA6E4}">
-                <adec:decorative xmlns="" xmlns:adec="http://schemas.microsoft.com/office/drawing/2017/decorative" val="1"/>
+                <adec:decorative xmlns:adec="http://schemas.microsoft.com/office/drawing/2017/decorative" xmlns="" val="1"/>
               </a:ext>
             </a:extLst>
           </p:cNvPr>
@@ -24026,7 +24811,7 @@
           <p:nvPr>
             <p:extLst>
               <p:ext uri="{386F3935-93C4-4BCD-93E2-E3B085C9AB24}">
-                <p16:designElem xmlns:p16="http://schemas.microsoft.com/office/powerpoint/2015/main" xmlns="" val="1"/>
+                <p16:designElem xmlns="" xmlns:p16="http://schemas.microsoft.com/office/powerpoint/2015/main" val="1"/>
               </p:ext>
             </p:extLst>
           </p:nvPr>
@@ -24073,7 +24858,7 @@
           <p:cNvPr id="3" name="Title 2">
             <a:extLst>
               <a:ext uri="{FF2B5EF4-FFF2-40B4-BE49-F238E27FC236}">
-                <a16:creationId xmlns="" xmlns:a16="http://schemas.microsoft.com/office/drawing/2014/main" id="{12FD7EA0-CFEB-4E75-8AFB-5B8FE68C9A91}"/>
+                <a16:creationId xmlns:a16="http://schemas.microsoft.com/office/drawing/2014/main" xmlns="" id="{12FD7EA0-CFEB-4E75-8AFB-5B8FE68C9A91}"/>
               </a:ext>
             </a:extLst>
           </p:cNvPr>
@@ -24133,10 +24918,10 @@
           <p:cNvPr id="25" name="Isosceles Triangle 24">
             <a:extLst>
               <a:ext uri="{FF2B5EF4-FFF2-40B4-BE49-F238E27FC236}">
-                <a16:creationId xmlns="" xmlns:a16="http://schemas.microsoft.com/office/drawing/2014/main" id="{4600514D-20FB-4559-97DC-D1DC39E6C3DE}"/>
+                <a16:creationId xmlns:a16="http://schemas.microsoft.com/office/drawing/2014/main" xmlns="" id="{4600514D-20FB-4559-97DC-D1DC39E6C3DE}"/>
               </a:ext>
               <a:ext uri="{C183D7F6-B498-43B3-948B-1728B52AA6E4}">
-                <adec:decorative xmlns="" xmlns:adec="http://schemas.microsoft.com/office/drawing/2017/decorative" val="1"/>
+                <adec:decorative xmlns:adec="http://schemas.microsoft.com/office/drawing/2017/decorative" xmlns="" val="1"/>
               </a:ext>
             </a:extLst>
           </p:cNvPr>
@@ -24146,7 +24931,7 @@
           <p:nvPr>
             <p:extLst>
               <p:ext uri="{386F3935-93C4-4BCD-93E2-E3B085C9AB24}">
-                <p16:designElem xmlns:p16="http://schemas.microsoft.com/office/powerpoint/2015/main" xmlns="" val="1"/>
+                <p16:designElem xmlns="" xmlns:p16="http://schemas.microsoft.com/office/powerpoint/2015/main" val="1"/>
               </p:ext>
             </p:extLst>
           </p:nvPr>
@@ -24191,7 +24976,7 @@
           <p:cNvPr id="5" name="Footer Placeholder 4">
             <a:extLst>
               <a:ext uri="{FF2B5EF4-FFF2-40B4-BE49-F238E27FC236}">
-                <a16:creationId xmlns="" xmlns:a16="http://schemas.microsoft.com/office/drawing/2014/main" id="{E82D1BFA-FEB4-419F-977D-5BC43DB0DD77}"/>
+                <a16:creationId xmlns:a16="http://schemas.microsoft.com/office/drawing/2014/main" xmlns="" id="{E82D1BFA-FEB4-419F-977D-5BC43DB0DD77}"/>
               </a:ext>
             </a:extLst>
           </p:cNvPr>
@@ -24244,10 +25029,10 @@
           <p:cNvPr id="27" name="Isosceles Triangle 26">
             <a:extLst>
               <a:ext uri="{FF2B5EF4-FFF2-40B4-BE49-F238E27FC236}">
-                <a16:creationId xmlns="" xmlns:a16="http://schemas.microsoft.com/office/drawing/2014/main" id="{266F638A-E405-4AC0-B984-72E5813B0DD1}"/>
+                <a16:creationId xmlns:a16="http://schemas.microsoft.com/office/drawing/2014/main" xmlns="" id="{266F638A-E405-4AC0-B984-72E5813B0DD1}"/>
               </a:ext>
               <a:ext uri="{C183D7F6-B498-43B3-948B-1728B52AA6E4}">
-                <adec:decorative xmlns="" xmlns:adec="http://schemas.microsoft.com/office/drawing/2017/decorative" val="1"/>
+                <adec:decorative xmlns:adec="http://schemas.microsoft.com/office/drawing/2017/decorative" xmlns="" val="1"/>
               </a:ext>
             </a:extLst>
           </p:cNvPr>
@@ -24257,7 +25042,7 @@
           <p:nvPr>
             <p:extLst>
               <p:ext uri="{386F3935-93C4-4BCD-93E2-E3B085C9AB24}">
-                <p16:designElem xmlns:p16="http://schemas.microsoft.com/office/powerpoint/2015/main" xmlns="" val="1"/>
+                <p16:designElem xmlns="" xmlns:p16="http://schemas.microsoft.com/office/powerpoint/2015/main" val="1"/>
               </p:ext>
             </p:extLst>
           </p:nvPr>
@@ -24300,10 +25085,10 @@
           <p:cNvPr id="29" name="Straight Connector 28">
             <a:extLst>
               <a:ext uri="{FF2B5EF4-FFF2-40B4-BE49-F238E27FC236}">
-                <a16:creationId xmlns="" xmlns:a16="http://schemas.microsoft.com/office/drawing/2014/main" id="{7D1CBE93-B17D-4509-843C-82287C38032A}"/>
+                <a16:creationId xmlns:a16="http://schemas.microsoft.com/office/drawing/2014/main" xmlns="" id="{7D1CBE93-B17D-4509-843C-82287C38032A}"/>
               </a:ext>
               <a:ext uri="{C183D7F6-B498-43B3-948B-1728B52AA6E4}">
-                <adec:decorative xmlns="" xmlns:adec="http://schemas.microsoft.com/office/drawing/2017/decorative" val="1"/>
+                <adec:decorative xmlns:adec="http://schemas.microsoft.com/office/drawing/2017/decorative" xmlns="" val="1"/>
               </a:ext>
             </a:extLst>
           </p:cNvPr>
@@ -24313,7 +25098,7 @@
           <p:nvPr>
             <p:extLst>
               <p:ext uri="{386F3935-93C4-4BCD-93E2-E3B085C9AB24}">
-                <p16:designElem xmlns:p16="http://schemas.microsoft.com/office/powerpoint/2015/main" xmlns="" val="1"/>
+                <p16:designElem xmlns="" xmlns:p16="http://schemas.microsoft.com/office/powerpoint/2015/main" val="1"/>
               </p:ext>
             </p:extLst>
           </p:nvPr>
@@ -24353,10 +25138,10 @@
           <p:cNvPr id="31" name="Straight Connector 30">
             <a:extLst>
               <a:ext uri="{FF2B5EF4-FFF2-40B4-BE49-F238E27FC236}">
-                <a16:creationId xmlns="" xmlns:a16="http://schemas.microsoft.com/office/drawing/2014/main" id="{AE6277B4-6A43-48AB-89B2-3442221619CC}"/>
+                <a16:creationId xmlns:a16="http://schemas.microsoft.com/office/drawing/2014/main" xmlns="" id="{AE6277B4-6A43-48AB-89B2-3442221619CC}"/>
               </a:ext>
               <a:ext uri="{C183D7F6-B498-43B3-948B-1728B52AA6E4}">
-                <adec:decorative xmlns="" xmlns:adec="http://schemas.microsoft.com/office/drawing/2017/decorative" val="1"/>
+                <adec:decorative xmlns:adec="http://schemas.microsoft.com/office/drawing/2017/decorative" xmlns="" val="1"/>
               </a:ext>
             </a:extLst>
           </p:cNvPr>
@@ -24366,7 +25151,7 @@
           <p:nvPr>
             <p:extLst>
               <p:ext uri="{386F3935-93C4-4BCD-93E2-E3B085C9AB24}">
-                <p16:designElem xmlns:p16="http://schemas.microsoft.com/office/powerpoint/2015/main" xmlns="" val="1"/>
+                <p16:designElem xmlns="" xmlns:p16="http://schemas.microsoft.com/office/powerpoint/2015/main" val="1"/>
               </p:ext>
             </p:extLst>
           </p:nvPr>
@@ -24405,7 +25190,7 @@
           <p:cNvPr id="2" name="Content Placeholder 1">
             <a:extLst>
               <a:ext uri="{FF2B5EF4-FFF2-40B4-BE49-F238E27FC236}">
-                <a16:creationId xmlns="" xmlns:a16="http://schemas.microsoft.com/office/drawing/2014/main" id="{39A6FAD1-C2C6-47B8-A6FE-188892E09DF4}"/>
+                <a16:creationId xmlns:a16="http://schemas.microsoft.com/office/drawing/2014/main" xmlns="" id="{39A6FAD1-C2C6-47B8-A6FE-188892E09DF4}"/>
               </a:ext>
             </a:extLst>
           </p:cNvPr>
@@ -24523,10 +25308,10 @@
           <p:cNvPr id="33" name="Rectangle 27">
             <a:extLst>
               <a:ext uri="{FF2B5EF4-FFF2-40B4-BE49-F238E27FC236}">
-                <a16:creationId xmlns="" xmlns:a16="http://schemas.microsoft.com/office/drawing/2014/main" id="{27B538D5-95DB-47ED-9CB4-34AE5BF78E6B}"/>
+                <a16:creationId xmlns:a16="http://schemas.microsoft.com/office/drawing/2014/main" xmlns="" id="{27B538D5-95DB-47ED-9CB4-34AE5BF78E6B}"/>
               </a:ext>
               <a:ext uri="{C183D7F6-B498-43B3-948B-1728B52AA6E4}">
-                <adec:decorative xmlns="" xmlns:adec="http://schemas.microsoft.com/office/drawing/2017/decorative" val="1"/>
+                <adec:decorative xmlns:adec="http://schemas.microsoft.com/office/drawing/2017/decorative" xmlns="" val="1"/>
               </a:ext>
             </a:extLst>
           </p:cNvPr>
@@ -24536,7 +25321,7 @@
           <p:nvPr>
             <p:extLst>
               <p:ext uri="{386F3935-93C4-4BCD-93E2-E3B085C9AB24}">
-                <p16:designElem xmlns:p16="http://schemas.microsoft.com/office/powerpoint/2015/main" xmlns="" val="1"/>
+                <p16:designElem xmlns="" xmlns:p16="http://schemas.microsoft.com/office/powerpoint/2015/main" val="1"/>
               </p:ext>
             </p:extLst>
           </p:nvPr>
@@ -24601,7 +25386,7 @@
           <p:cNvPr id="4" name="Date Placeholder 3">
             <a:extLst>
               <a:ext uri="{FF2B5EF4-FFF2-40B4-BE49-F238E27FC236}">
-                <a16:creationId xmlns="" xmlns:a16="http://schemas.microsoft.com/office/drawing/2014/main" id="{6B2CF951-67E8-43A1-BBBD-A44046F57703}"/>
+                <a16:creationId xmlns:a16="http://schemas.microsoft.com/office/drawing/2014/main" xmlns="" id="{6B2CF951-67E8-43A1-BBBD-A44046F57703}"/>
               </a:ext>
             </a:extLst>
           </p:cNvPr>
@@ -24654,7 +25439,7 @@
           <p:cNvPr id="6" name="Slide Number Placeholder 5">
             <a:extLst>
               <a:ext uri="{FF2B5EF4-FFF2-40B4-BE49-F238E27FC236}">
-                <a16:creationId xmlns="" xmlns:a16="http://schemas.microsoft.com/office/drawing/2014/main" id="{9D6B4462-AECF-4C8B-82E2-282905936963}"/>
+                <a16:creationId xmlns:a16="http://schemas.microsoft.com/office/drawing/2014/main" xmlns="" id="{9D6B4462-AECF-4C8B-82E2-282905936963}"/>
               </a:ext>
             </a:extLst>
           </p:cNvPr>
@@ -24717,6 +25502,13 @@
   <p:clrMapOvr>
     <a:masterClrMapping/>
   </p:clrMapOvr>
+  <p:timing>
+    <p:tnLst>
+      <p:par>
+        <p:cTn xmlns:p14="http://schemas.microsoft.com/office/powerpoint/2010/main" id="1" dur="indefinite" restart="never" nodeType="tmRoot"/>
+      </p:par>
+    </p:tnLst>
+  </p:timing>
 </p:sld>
 </file>
 
@@ -24750,10 +25542,10 @@
           <p:cNvPr id="11" name="Group 10">
             <a:extLst>
               <a:ext uri="{FF2B5EF4-FFF2-40B4-BE49-F238E27FC236}">
-                <a16:creationId xmlns="" xmlns:a16="http://schemas.microsoft.com/office/drawing/2014/main" id="{09EA7EA7-74F5-4EE2-8E3D-1A10308259D7}"/>
+                <a16:creationId xmlns:a16="http://schemas.microsoft.com/office/drawing/2014/main" xmlns="" id="{09EA7EA7-74F5-4EE2-8E3D-1A10308259D7}"/>
               </a:ext>
               <a:ext uri="{C183D7F6-B498-43B3-948B-1728B52AA6E4}">
-                <adec:decorative xmlns="" xmlns:adec="http://schemas.microsoft.com/office/drawing/2017/decorative" val="1"/>
+                <adec:decorative xmlns:adec="http://schemas.microsoft.com/office/drawing/2017/decorative" xmlns="" val="1"/>
               </a:ext>
             </a:extLst>
           </p:cNvPr>
@@ -24763,7 +25555,7 @@
           <p:nvPr>
             <p:extLst>
               <p:ext uri="{386F3935-93C4-4BCD-93E2-E3B085C9AB24}">
-                <p16:designElem xmlns:p16="http://schemas.microsoft.com/office/powerpoint/2015/main" xmlns="" val="1"/>
+                <p16:designElem xmlns="" xmlns:p16="http://schemas.microsoft.com/office/powerpoint/2015/main" val="1"/>
               </p:ext>
             </p:extLst>
           </p:nvPr>
@@ -24781,10 +25573,10 @@
             <p:cNvPr id="12" name="Straight Connector 11">
               <a:extLst>
                 <a:ext uri="{FF2B5EF4-FFF2-40B4-BE49-F238E27FC236}">
-                  <a16:creationId xmlns="" xmlns:a16="http://schemas.microsoft.com/office/drawing/2014/main" id="{A5CE79B5-7EE4-424D-AD14-5DEFB61B85C8}"/>
+                  <a16:creationId xmlns:a16="http://schemas.microsoft.com/office/drawing/2014/main" xmlns="" id="{A5CE79B5-7EE4-424D-AD14-5DEFB61B85C8}"/>
                 </a:ext>
                 <a:ext uri="{C183D7F6-B498-43B3-948B-1728B52AA6E4}">
-                  <adec:decorative xmlns="" xmlns:adec="http://schemas.microsoft.com/office/drawing/2017/decorative" val="1"/>
+                  <adec:decorative xmlns:adec="http://schemas.microsoft.com/office/drawing/2017/decorative" xmlns="" val="1"/>
                 </a:ext>
               </a:extLst>
             </p:cNvPr>
@@ -24792,7 +25584,7 @@
             <p:nvPr>
               <p:extLst>
                 <p:ext uri="{386F3935-93C4-4BCD-93E2-E3B085C9AB24}">
-                  <p16:designElem xmlns:p16="http://schemas.microsoft.com/office/powerpoint/2015/main" xmlns="" val="1"/>
+                  <p16:designElem xmlns="" xmlns:p16="http://schemas.microsoft.com/office/powerpoint/2015/main" val="1"/>
                 </p:ext>
               </p:extLst>
             </p:nvPr>
@@ -24833,10 +25625,10 @@
             <p:cNvPr id="13" name="Straight Connector 12">
               <a:extLst>
                 <a:ext uri="{FF2B5EF4-FFF2-40B4-BE49-F238E27FC236}">
-                  <a16:creationId xmlns="" xmlns:a16="http://schemas.microsoft.com/office/drawing/2014/main" id="{696C926F-F999-44BA-8D86-9EAB51D65010}"/>
+                  <a16:creationId xmlns:a16="http://schemas.microsoft.com/office/drawing/2014/main" xmlns="" id="{696C926F-F999-44BA-8D86-9EAB51D65010}"/>
                 </a:ext>
                 <a:ext uri="{C183D7F6-B498-43B3-948B-1728B52AA6E4}">
-                  <adec:decorative xmlns="" xmlns:adec="http://schemas.microsoft.com/office/drawing/2017/decorative" val="1"/>
+                  <adec:decorative xmlns:adec="http://schemas.microsoft.com/office/drawing/2017/decorative" xmlns="" val="1"/>
                 </a:ext>
               </a:extLst>
             </p:cNvPr>
@@ -24844,7 +25636,7 @@
             <p:nvPr>
               <p:extLst>
                 <p:ext uri="{386F3935-93C4-4BCD-93E2-E3B085C9AB24}">
-                  <p16:designElem xmlns:p16="http://schemas.microsoft.com/office/powerpoint/2015/main" xmlns="" val="1"/>
+                  <p16:designElem xmlns="" xmlns:p16="http://schemas.microsoft.com/office/powerpoint/2015/main" val="1"/>
                 </p:ext>
               </p:extLst>
             </p:nvPr>
@@ -24885,10 +25677,10 @@
             <p:cNvPr id="14" name="Rectangle 23">
               <a:extLst>
                 <a:ext uri="{FF2B5EF4-FFF2-40B4-BE49-F238E27FC236}">
-                  <a16:creationId xmlns="" xmlns:a16="http://schemas.microsoft.com/office/drawing/2014/main" id="{248745E7-0AF0-48F9-8E58-2673FC5F4FDE}"/>
+                  <a16:creationId xmlns:a16="http://schemas.microsoft.com/office/drawing/2014/main" xmlns="" id="{248745E7-0AF0-48F9-8E58-2673FC5F4FDE}"/>
                 </a:ext>
                 <a:ext uri="{C183D7F6-B498-43B3-948B-1728B52AA6E4}">
-                  <adec:decorative xmlns="" xmlns:adec="http://schemas.microsoft.com/office/drawing/2017/decorative" val="1"/>
+                  <adec:decorative xmlns:adec="http://schemas.microsoft.com/office/drawing/2017/decorative" xmlns="" val="1"/>
                 </a:ext>
               </a:extLst>
             </p:cNvPr>
@@ -24896,7 +25688,7 @@
             <p:nvPr>
               <p:extLst>
                 <p:ext uri="{386F3935-93C4-4BCD-93E2-E3B085C9AB24}">
-                  <p16:designElem xmlns:p16="http://schemas.microsoft.com/office/powerpoint/2015/main" xmlns="" val="1"/>
+                  <p16:designElem xmlns="" xmlns:p16="http://schemas.microsoft.com/office/powerpoint/2015/main" val="1"/>
                 </p:ext>
               </p:extLst>
             </p:nvPr>
@@ -24963,10 +25755,10 @@
             <p:cNvPr id="15" name="Rectangle 25">
               <a:extLst>
                 <a:ext uri="{FF2B5EF4-FFF2-40B4-BE49-F238E27FC236}">
-                  <a16:creationId xmlns="" xmlns:a16="http://schemas.microsoft.com/office/drawing/2014/main" id="{9715E81A-D2E0-4431-9370-4E4A9ECA7F9C}"/>
+                  <a16:creationId xmlns:a16="http://schemas.microsoft.com/office/drawing/2014/main" xmlns="" id="{9715E81A-D2E0-4431-9370-4E4A9ECA7F9C}"/>
                 </a:ext>
                 <a:ext uri="{C183D7F6-B498-43B3-948B-1728B52AA6E4}">
-                  <adec:decorative xmlns="" xmlns:adec="http://schemas.microsoft.com/office/drawing/2017/decorative" val="1"/>
+                  <adec:decorative xmlns:adec="http://schemas.microsoft.com/office/drawing/2017/decorative" xmlns="" val="1"/>
                 </a:ext>
               </a:extLst>
             </p:cNvPr>
@@ -24974,7 +25766,7 @@
             <p:nvPr>
               <p:extLst>
                 <p:ext uri="{386F3935-93C4-4BCD-93E2-E3B085C9AB24}">
-                  <p16:designElem xmlns:p16="http://schemas.microsoft.com/office/powerpoint/2015/main" xmlns="" val="1"/>
+                  <p16:designElem xmlns="" xmlns:p16="http://schemas.microsoft.com/office/powerpoint/2015/main" val="1"/>
                 </p:ext>
               </p:extLst>
             </p:nvPr>
@@ -25041,10 +25833,10 @@
             <p:cNvPr id="16" name="Isosceles Triangle 15">
               <a:extLst>
                 <a:ext uri="{FF2B5EF4-FFF2-40B4-BE49-F238E27FC236}">
-                  <a16:creationId xmlns="" xmlns:a16="http://schemas.microsoft.com/office/drawing/2014/main" id="{CEDB37A9-282D-4DDB-85AD-B2090A82531F}"/>
+                  <a16:creationId xmlns:a16="http://schemas.microsoft.com/office/drawing/2014/main" xmlns="" id="{CEDB37A9-282D-4DDB-85AD-B2090A82531F}"/>
                 </a:ext>
                 <a:ext uri="{C183D7F6-B498-43B3-948B-1728B52AA6E4}">
-                  <adec:decorative xmlns="" xmlns:adec="http://schemas.microsoft.com/office/drawing/2017/decorative" val="1"/>
+                  <adec:decorative xmlns:adec="http://schemas.microsoft.com/office/drawing/2017/decorative" xmlns="" val="1"/>
                 </a:ext>
               </a:extLst>
             </p:cNvPr>
@@ -25052,7 +25844,7 @@
             <p:nvPr>
               <p:extLst>
                 <p:ext uri="{386F3935-93C4-4BCD-93E2-E3B085C9AB24}">
-                  <p16:designElem xmlns:p16="http://schemas.microsoft.com/office/powerpoint/2015/main" xmlns="" val="1"/>
+                  <p16:designElem xmlns="" xmlns:p16="http://schemas.microsoft.com/office/powerpoint/2015/main" val="1"/>
                 </p:ext>
               </p:extLst>
             </p:nvPr>
@@ -25097,10 +25889,10 @@
             <p:cNvPr id="17" name="Rectangle 27">
               <a:extLst>
                 <a:ext uri="{FF2B5EF4-FFF2-40B4-BE49-F238E27FC236}">
-                  <a16:creationId xmlns="" xmlns:a16="http://schemas.microsoft.com/office/drawing/2014/main" id="{533D5933-7F91-4F5E-BC31-42FD0E2D8DEF}"/>
+                  <a16:creationId xmlns:a16="http://schemas.microsoft.com/office/drawing/2014/main" xmlns="" id="{533D5933-7F91-4F5E-BC31-42FD0E2D8DEF}"/>
                 </a:ext>
                 <a:ext uri="{C183D7F6-B498-43B3-948B-1728B52AA6E4}">
-                  <adec:decorative xmlns="" xmlns:adec="http://schemas.microsoft.com/office/drawing/2017/decorative" val="1"/>
+                  <adec:decorative xmlns:adec="http://schemas.microsoft.com/office/drawing/2017/decorative" xmlns="" val="1"/>
                 </a:ext>
               </a:extLst>
             </p:cNvPr>
@@ -25108,7 +25900,7 @@
             <p:nvPr>
               <p:extLst>
                 <p:ext uri="{386F3935-93C4-4BCD-93E2-E3B085C9AB24}">
-                  <p16:designElem xmlns:p16="http://schemas.microsoft.com/office/powerpoint/2015/main" xmlns="" val="1"/>
+                  <p16:designElem xmlns="" xmlns:p16="http://schemas.microsoft.com/office/powerpoint/2015/main" val="1"/>
                 </p:ext>
               </p:extLst>
             </p:nvPr>
@@ -25176,10 +25968,10 @@
             <p:cNvPr id="18" name="Rectangle 28">
               <a:extLst>
                 <a:ext uri="{FF2B5EF4-FFF2-40B4-BE49-F238E27FC236}">
-                  <a16:creationId xmlns="" xmlns:a16="http://schemas.microsoft.com/office/drawing/2014/main" id="{37ADDF68-C9BE-46EA-83DE-2C07DD83960F}"/>
+                  <a16:creationId xmlns:a16="http://schemas.microsoft.com/office/drawing/2014/main" xmlns="" id="{37ADDF68-C9BE-46EA-83DE-2C07DD83960F}"/>
                 </a:ext>
                 <a:ext uri="{C183D7F6-B498-43B3-948B-1728B52AA6E4}">
-                  <adec:decorative xmlns="" xmlns:adec="http://schemas.microsoft.com/office/drawing/2017/decorative" val="1"/>
+                  <adec:decorative xmlns:adec="http://schemas.microsoft.com/office/drawing/2017/decorative" xmlns="" val="1"/>
                 </a:ext>
               </a:extLst>
             </p:cNvPr>
@@ -25187,7 +25979,7 @@
             <p:nvPr>
               <p:extLst>
                 <p:ext uri="{386F3935-93C4-4BCD-93E2-E3B085C9AB24}">
-                  <p16:designElem xmlns:p16="http://schemas.microsoft.com/office/powerpoint/2015/main" xmlns="" val="1"/>
+                  <p16:designElem xmlns="" xmlns:p16="http://schemas.microsoft.com/office/powerpoint/2015/main" val="1"/>
                 </p:ext>
               </p:extLst>
             </p:nvPr>
@@ -25256,10 +26048,10 @@
             <p:cNvPr id="19" name="Rectangle 29">
               <a:extLst>
                 <a:ext uri="{FF2B5EF4-FFF2-40B4-BE49-F238E27FC236}">
-                  <a16:creationId xmlns="" xmlns:a16="http://schemas.microsoft.com/office/drawing/2014/main" id="{10D67396-BABD-48A8-A892-CCB5095FA427}"/>
+                  <a16:creationId xmlns:a16="http://schemas.microsoft.com/office/drawing/2014/main" xmlns="" id="{10D67396-BABD-48A8-A892-CCB5095FA427}"/>
                 </a:ext>
                 <a:ext uri="{C183D7F6-B498-43B3-948B-1728B52AA6E4}">
-                  <adec:decorative xmlns="" xmlns:adec="http://schemas.microsoft.com/office/drawing/2017/decorative" val="1"/>
+                  <adec:decorative xmlns:adec="http://schemas.microsoft.com/office/drawing/2017/decorative" xmlns="" val="1"/>
                 </a:ext>
               </a:extLst>
             </p:cNvPr>
@@ -25267,7 +26059,7 @@
             <p:nvPr>
               <p:extLst>
                 <p:ext uri="{386F3935-93C4-4BCD-93E2-E3B085C9AB24}">
-                  <p16:designElem xmlns:p16="http://schemas.microsoft.com/office/powerpoint/2015/main" xmlns="" val="1"/>
+                  <p16:designElem xmlns="" xmlns:p16="http://schemas.microsoft.com/office/powerpoint/2015/main" val="1"/>
                 </p:ext>
               </p:extLst>
             </p:nvPr>
@@ -25334,10 +26126,10 @@
             <p:cNvPr id="20" name="Isosceles Triangle 19">
               <a:extLst>
                 <a:ext uri="{FF2B5EF4-FFF2-40B4-BE49-F238E27FC236}">
-                  <a16:creationId xmlns="" xmlns:a16="http://schemas.microsoft.com/office/drawing/2014/main" id="{626DA82A-72C2-4DF6-9CF0-0D1F6B96B529}"/>
+                  <a16:creationId xmlns:a16="http://schemas.microsoft.com/office/drawing/2014/main" xmlns="" id="{626DA82A-72C2-4DF6-9CF0-0D1F6B96B529}"/>
                 </a:ext>
                 <a:ext uri="{C183D7F6-B498-43B3-948B-1728B52AA6E4}">
-                  <adec:decorative xmlns="" xmlns:adec="http://schemas.microsoft.com/office/drawing/2017/decorative" val="1"/>
+                  <adec:decorative xmlns:adec="http://schemas.microsoft.com/office/drawing/2017/decorative" xmlns="" val="1"/>
                 </a:ext>
               </a:extLst>
             </p:cNvPr>
@@ -25345,7 +26137,7 @@
             <p:nvPr>
               <p:extLst>
                 <p:ext uri="{386F3935-93C4-4BCD-93E2-E3B085C9AB24}">
-                  <p16:designElem xmlns:p16="http://schemas.microsoft.com/office/powerpoint/2015/main" xmlns="" val="1"/>
+                  <p16:designElem xmlns="" xmlns:p16="http://schemas.microsoft.com/office/powerpoint/2015/main" val="1"/>
                 </p:ext>
               </p:extLst>
             </p:nvPr>
@@ -25390,10 +26182,10 @@
             <p:cNvPr id="21" name="Isosceles Triangle 20">
               <a:extLst>
                 <a:ext uri="{FF2B5EF4-FFF2-40B4-BE49-F238E27FC236}">
-                  <a16:creationId xmlns="" xmlns:a16="http://schemas.microsoft.com/office/drawing/2014/main" id="{8EE6DC63-4380-4BE0-A68A-8F01162BD192}"/>
+                  <a16:creationId xmlns:a16="http://schemas.microsoft.com/office/drawing/2014/main" xmlns="" id="{8EE6DC63-4380-4BE0-A68A-8F01162BD192}"/>
                 </a:ext>
                 <a:ext uri="{C183D7F6-B498-43B3-948B-1728B52AA6E4}">
-                  <adec:decorative xmlns="" xmlns:adec="http://schemas.microsoft.com/office/drawing/2017/decorative" val="1"/>
+                  <adec:decorative xmlns:adec="http://schemas.microsoft.com/office/drawing/2017/decorative" xmlns="" val="1"/>
                 </a:ext>
               </a:extLst>
             </p:cNvPr>
@@ -25401,7 +26193,7 @@
             <p:nvPr>
               <p:extLst>
                 <p:ext uri="{386F3935-93C4-4BCD-93E2-E3B085C9AB24}">
-                  <p16:designElem xmlns:p16="http://schemas.microsoft.com/office/powerpoint/2015/main" xmlns="" val="1"/>
+                  <p16:designElem xmlns="" xmlns:p16="http://schemas.microsoft.com/office/powerpoint/2015/main" val="1"/>
                 </p:ext>
               </p:extLst>
             </p:nvPr>
@@ -25447,10 +26239,10 @@
           <p:cNvPr id="23" name="Rectangle 22">
             <a:extLst>
               <a:ext uri="{FF2B5EF4-FFF2-40B4-BE49-F238E27FC236}">
-                <a16:creationId xmlns="" xmlns:a16="http://schemas.microsoft.com/office/drawing/2014/main" id="{8DF4D7F6-81B5-452A-9CE6-76D81F91D41B}"/>
+                <a16:creationId xmlns:a16="http://schemas.microsoft.com/office/drawing/2014/main" xmlns="" id="{8DF4D7F6-81B5-452A-9CE6-76D81F91D41B}"/>
               </a:ext>
               <a:ext uri="{C183D7F6-B498-43B3-948B-1728B52AA6E4}">
-                <adec:decorative xmlns="" xmlns:adec="http://schemas.microsoft.com/office/drawing/2017/decorative" val="1"/>
+                <adec:decorative xmlns:adec="http://schemas.microsoft.com/office/drawing/2017/decorative" xmlns="" val="1"/>
               </a:ext>
             </a:extLst>
           </p:cNvPr>
@@ -25460,7 +26252,7 @@
           <p:nvPr>
             <p:extLst>
               <p:ext uri="{386F3935-93C4-4BCD-93E2-E3B085C9AB24}">
-                <p16:designElem xmlns:p16="http://schemas.microsoft.com/office/powerpoint/2015/main" xmlns="" val="1"/>
+                <p16:designElem xmlns="" xmlns:p16="http://schemas.microsoft.com/office/powerpoint/2015/main" val="1"/>
               </p:ext>
             </p:extLst>
           </p:nvPr>
@@ -25507,7 +26299,7 @@
           <p:cNvPr id="3" name="Title 2">
             <a:extLst>
               <a:ext uri="{FF2B5EF4-FFF2-40B4-BE49-F238E27FC236}">
-                <a16:creationId xmlns="" xmlns:a16="http://schemas.microsoft.com/office/drawing/2014/main" id="{12FD7EA0-CFEB-4E75-8AFB-5B8FE68C9A91}"/>
+                <a16:creationId xmlns:a16="http://schemas.microsoft.com/office/drawing/2014/main" xmlns="" id="{12FD7EA0-CFEB-4E75-8AFB-5B8FE68C9A91}"/>
               </a:ext>
             </a:extLst>
           </p:cNvPr>
@@ -25551,10 +26343,10 @@
           <p:cNvPr id="25" name="Isosceles Triangle 24">
             <a:extLst>
               <a:ext uri="{FF2B5EF4-FFF2-40B4-BE49-F238E27FC236}">
-                <a16:creationId xmlns="" xmlns:a16="http://schemas.microsoft.com/office/drawing/2014/main" id="{4600514D-20FB-4559-97DC-D1DC39E6C3DE}"/>
+                <a16:creationId xmlns:a16="http://schemas.microsoft.com/office/drawing/2014/main" xmlns="" id="{4600514D-20FB-4559-97DC-D1DC39E6C3DE}"/>
               </a:ext>
               <a:ext uri="{C183D7F6-B498-43B3-948B-1728B52AA6E4}">
-                <adec:decorative xmlns="" xmlns:adec="http://schemas.microsoft.com/office/drawing/2017/decorative" val="1"/>
+                <adec:decorative xmlns:adec="http://schemas.microsoft.com/office/drawing/2017/decorative" xmlns="" val="1"/>
               </a:ext>
             </a:extLst>
           </p:cNvPr>
@@ -25564,7 +26356,7 @@
           <p:nvPr>
             <p:extLst>
               <p:ext uri="{386F3935-93C4-4BCD-93E2-E3B085C9AB24}">
-                <p16:designElem xmlns:p16="http://schemas.microsoft.com/office/powerpoint/2015/main" xmlns="" val="1"/>
+                <p16:designElem xmlns="" xmlns:p16="http://schemas.microsoft.com/office/powerpoint/2015/main" val="1"/>
               </p:ext>
             </p:extLst>
           </p:nvPr>
@@ -25609,7 +26401,7 @@
           <p:cNvPr id="5" name="Footer Placeholder 4">
             <a:extLst>
               <a:ext uri="{FF2B5EF4-FFF2-40B4-BE49-F238E27FC236}">
-                <a16:creationId xmlns="" xmlns:a16="http://schemas.microsoft.com/office/drawing/2014/main" id="{E82D1BFA-FEB4-419F-977D-5BC43DB0DD77}"/>
+                <a16:creationId xmlns:a16="http://schemas.microsoft.com/office/drawing/2014/main" xmlns="" id="{E82D1BFA-FEB4-419F-977D-5BC43DB0DD77}"/>
               </a:ext>
             </a:extLst>
           </p:cNvPr>
@@ -25662,10 +26454,10 @@
           <p:cNvPr id="27" name="Isosceles Triangle 26">
             <a:extLst>
               <a:ext uri="{FF2B5EF4-FFF2-40B4-BE49-F238E27FC236}">
-                <a16:creationId xmlns="" xmlns:a16="http://schemas.microsoft.com/office/drawing/2014/main" id="{266F638A-E405-4AC0-B984-72E5813B0DD1}"/>
+                <a16:creationId xmlns:a16="http://schemas.microsoft.com/office/drawing/2014/main" xmlns="" id="{266F638A-E405-4AC0-B984-72E5813B0DD1}"/>
               </a:ext>
               <a:ext uri="{C183D7F6-B498-43B3-948B-1728B52AA6E4}">
-                <adec:decorative xmlns="" xmlns:adec="http://schemas.microsoft.com/office/drawing/2017/decorative" val="1"/>
+                <adec:decorative xmlns:adec="http://schemas.microsoft.com/office/drawing/2017/decorative" xmlns="" val="1"/>
               </a:ext>
             </a:extLst>
           </p:cNvPr>
@@ -25675,7 +26467,7 @@
           <p:nvPr>
             <p:extLst>
               <p:ext uri="{386F3935-93C4-4BCD-93E2-E3B085C9AB24}">
-                <p16:designElem xmlns:p16="http://schemas.microsoft.com/office/powerpoint/2015/main" xmlns="" val="1"/>
+                <p16:designElem xmlns="" xmlns:p16="http://schemas.microsoft.com/office/powerpoint/2015/main" val="1"/>
               </p:ext>
             </p:extLst>
           </p:nvPr>
@@ -25718,10 +26510,10 @@
           <p:cNvPr id="29" name="Straight Connector 28">
             <a:extLst>
               <a:ext uri="{FF2B5EF4-FFF2-40B4-BE49-F238E27FC236}">
-                <a16:creationId xmlns="" xmlns:a16="http://schemas.microsoft.com/office/drawing/2014/main" id="{7D1CBE93-B17D-4509-843C-82287C38032A}"/>
+                <a16:creationId xmlns:a16="http://schemas.microsoft.com/office/drawing/2014/main" xmlns="" id="{7D1CBE93-B17D-4509-843C-82287C38032A}"/>
               </a:ext>
               <a:ext uri="{C183D7F6-B498-43B3-948B-1728B52AA6E4}">
-                <adec:decorative xmlns="" xmlns:adec="http://schemas.microsoft.com/office/drawing/2017/decorative" val="1"/>
+                <adec:decorative xmlns:adec="http://schemas.microsoft.com/office/drawing/2017/decorative" xmlns="" val="1"/>
               </a:ext>
             </a:extLst>
           </p:cNvPr>
@@ -25731,7 +26523,7 @@
           <p:nvPr>
             <p:extLst>
               <p:ext uri="{386F3935-93C4-4BCD-93E2-E3B085C9AB24}">
-                <p16:designElem xmlns:p16="http://schemas.microsoft.com/office/powerpoint/2015/main" xmlns="" val="1"/>
+                <p16:designElem xmlns="" xmlns:p16="http://schemas.microsoft.com/office/powerpoint/2015/main" val="1"/>
               </p:ext>
             </p:extLst>
           </p:nvPr>
@@ -25771,10 +26563,10 @@
           <p:cNvPr id="31" name="Straight Connector 30">
             <a:extLst>
               <a:ext uri="{FF2B5EF4-FFF2-40B4-BE49-F238E27FC236}">
-                <a16:creationId xmlns="" xmlns:a16="http://schemas.microsoft.com/office/drawing/2014/main" id="{AE6277B4-6A43-48AB-89B2-3442221619CC}"/>
+                <a16:creationId xmlns:a16="http://schemas.microsoft.com/office/drawing/2014/main" xmlns="" id="{AE6277B4-6A43-48AB-89B2-3442221619CC}"/>
               </a:ext>
               <a:ext uri="{C183D7F6-B498-43B3-948B-1728B52AA6E4}">
-                <adec:decorative xmlns="" xmlns:adec="http://schemas.microsoft.com/office/drawing/2017/decorative" val="1"/>
+                <adec:decorative xmlns:adec="http://schemas.microsoft.com/office/drawing/2017/decorative" xmlns="" val="1"/>
               </a:ext>
             </a:extLst>
           </p:cNvPr>
@@ -25784,7 +26576,7 @@
           <p:nvPr>
             <p:extLst>
               <p:ext uri="{386F3935-93C4-4BCD-93E2-E3B085C9AB24}">
-                <p16:designElem xmlns:p16="http://schemas.microsoft.com/office/powerpoint/2015/main" xmlns="" val="1"/>
+                <p16:designElem xmlns="" xmlns:p16="http://schemas.microsoft.com/office/powerpoint/2015/main" val="1"/>
               </p:ext>
             </p:extLst>
           </p:nvPr>
@@ -25823,7 +26615,7 @@
           <p:cNvPr id="2" name="Content Placeholder 1">
             <a:extLst>
               <a:ext uri="{FF2B5EF4-FFF2-40B4-BE49-F238E27FC236}">
-                <a16:creationId xmlns="" xmlns:a16="http://schemas.microsoft.com/office/drawing/2014/main" id="{39A6FAD1-C2C6-47B8-A6FE-188892E09DF4}"/>
+                <a16:creationId xmlns:a16="http://schemas.microsoft.com/office/drawing/2014/main" xmlns="" id="{39A6FAD1-C2C6-47B8-A6FE-188892E09DF4}"/>
               </a:ext>
             </a:extLst>
           </p:cNvPr>
@@ -26170,10 +26962,10 @@
           <p:cNvPr id="33" name="Rectangle 27">
             <a:extLst>
               <a:ext uri="{FF2B5EF4-FFF2-40B4-BE49-F238E27FC236}">
-                <a16:creationId xmlns="" xmlns:a16="http://schemas.microsoft.com/office/drawing/2014/main" id="{27B538D5-95DB-47ED-9CB4-34AE5BF78E6B}"/>
+                <a16:creationId xmlns:a16="http://schemas.microsoft.com/office/drawing/2014/main" xmlns="" id="{27B538D5-95DB-47ED-9CB4-34AE5BF78E6B}"/>
               </a:ext>
               <a:ext uri="{C183D7F6-B498-43B3-948B-1728B52AA6E4}">
-                <adec:decorative xmlns="" xmlns:adec="http://schemas.microsoft.com/office/drawing/2017/decorative" val="1"/>
+                <adec:decorative xmlns:adec="http://schemas.microsoft.com/office/drawing/2017/decorative" xmlns="" val="1"/>
               </a:ext>
             </a:extLst>
           </p:cNvPr>
@@ -26183,7 +26975,7 @@
           <p:nvPr>
             <p:extLst>
               <p:ext uri="{386F3935-93C4-4BCD-93E2-E3B085C9AB24}">
-                <p16:designElem xmlns:p16="http://schemas.microsoft.com/office/powerpoint/2015/main" xmlns="" val="1"/>
+                <p16:designElem xmlns="" xmlns:p16="http://schemas.microsoft.com/office/powerpoint/2015/main" val="1"/>
               </p:ext>
             </p:extLst>
           </p:nvPr>
@@ -26248,7 +27040,7 @@
           <p:cNvPr id="4" name="Date Placeholder 3">
             <a:extLst>
               <a:ext uri="{FF2B5EF4-FFF2-40B4-BE49-F238E27FC236}">
-                <a16:creationId xmlns="" xmlns:a16="http://schemas.microsoft.com/office/drawing/2014/main" id="{6B2CF951-67E8-43A1-BBBD-A44046F57703}"/>
+                <a16:creationId xmlns:a16="http://schemas.microsoft.com/office/drawing/2014/main" xmlns="" id="{6B2CF951-67E8-43A1-BBBD-A44046F57703}"/>
               </a:ext>
             </a:extLst>
           </p:cNvPr>
@@ -26301,7 +27093,7 @@
           <p:cNvPr id="6" name="Slide Number Placeholder 5">
             <a:extLst>
               <a:ext uri="{FF2B5EF4-FFF2-40B4-BE49-F238E27FC236}">
-                <a16:creationId xmlns="" xmlns:a16="http://schemas.microsoft.com/office/drawing/2014/main" id="{9D6B4462-AECF-4C8B-82E2-282905936963}"/>
+                <a16:creationId xmlns:a16="http://schemas.microsoft.com/office/drawing/2014/main" xmlns="" id="{9D6B4462-AECF-4C8B-82E2-282905936963}"/>
               </a:ext>
             </a:extLst>
           </p:cNvPr>
@@ -26364,6 +27156,13 @@
   <p:clrMapOvr>
     <a:masterClrMapping/>
   </p:clrMapOvr>
+  <p:timing>
+    <p:tnLst>
+      <p:par>
+        <p:cTn xmlns:p14="http://schemas.microsoft.com/office/powerpoint/2010/main" id="1" dur="indefinite" restart="never" nodeType="tmRoot"/>
+      </p:par>
+    </p:tnLst>
+  </p:timing>
 </p:sld>
 </file>
 
@@ -26397,10 +27196,10 @@
           <p:cNvPr id="11" name="Group 10">
             <a:extLst>
               <a:ext uri="{FF2B5EF4-FFF2-40B4-BE49-F238E27FC236}">
-                <a16:creationId xmlns="" xmlns:a16="http://schemas.microsoft.com/office/drawing/2014/main" id="{09EA7EA7-74F5-4EE2-8E3D-1A10308259D7}"/>
+                <a16:creationId xmlns:a16="http://schemas.microsoft.com/office/drawing/2014/main" xmlns="" id="{09EA7EA7-74F5-4EE2-8E3D-1A10308259D7}"/>
               </a:ext>
               <a:ext uri="{C183D7F6-B498-43B3-948B-1728B52AA6E4}">
-                <adec:decorative xmlns="" xmlns:adec="http://schemas.microsoft.com/office/drawing/2017/decorative" val="1"/>
+                <adec:decorative xmlns:adec="http://schemas.microsoft.com/office/drawing/2017/decorative" xmlns="" val="1"/>
               </a:ext>
             </a:extLst>
           </p:cNvPr>
@@ -26410,7 +27209,7 @@
           <p:nvPr>
             <p:extLst>
               <p:ext uri="{386F3935-93C4-4BCD-93E2-E3B085C9AB24}">
-                <p16:designElem xmlns:p16="http://schemas.microsoft.com/office/powerpoint/2015/main" xmlns="" val="1"/>
+                <p16:designElem xmlns="" xmlns:p16="http://schemas.microsoft.com/office/powerpoint/2015/main" val="1"/>
               </p:ext>
             </p:extLst>
           </p:nvPr>
@@ -26428,10 +27227,10 @@
             <p:cNvPr id="12" name="Straight Connector 11">
               <a:extLst>
                 <a:ext uri="{FF2B5EF4-FFF2-40B4-BE49-F238E27FC236}">
-                  <a16:creationId xmlns="" xmlns:a16="http://schemas.microsoft.com/office/drawing/2014/main" id="{A5CE79B5-7EE4-424D-AD14-5DEFB61B85C8}"/>
+                  <a16:creationId xmlns:a16="http://schemas.microsoft.com/office/drawing/2014/main" xmlns="" id="{A5CE79B5-7EE4-424D-AD14-5DEFB61B85C8}"/>
                 </a:ext>
                 <a:ext uri="{C183D7F6-B498-43B3-948B-1728B52AA6E4}">
-                  <adec:decorative xmlns="" xmlns:adec="http://schemas.microsoft.com/office/drawing/2017/decorative" val="1"/>
+                  <adec:decorative xmlns:adec="http://schemas.microsoft.com/office/drawing/2017/decorative" xmlns="" val="1"/>
                 </a:ext>
               </a:extLst>
             </p:cNvPr>
@@ -26439,7 +27238,7 @@
             <p:nvPr>
               <p:extLst>
                 <p:ext uri="{386F3935-93C4-4BCD-93E2-E3B085C9AB24}">
-                  <p16:designElem xmlns:p16="http://schemas.microsoft.com/office/powerpoint/2015/main" xmlns="" val="1"/>
+                  <p16:designElem xmlns="" xmlns:p16="http://schemas.microsoft.com/office/powerpoint/2015/main" val="1"/>
                 </p:ext>
               </p:extLst>
             </p:nvPr>
@@ -26480,10 +27279,10 @@
             <p:cNvPr id="13" name="Straight Connector 12">
               <a:extLst>
                 <a:ext uri="{FF2B5EF4-FFF2-40B4-BE49-F238E27FC236}">
-                  <a16:creationId xmlns="" xmlns:a16="http://schemas.microsoft.com/office/drawing/2014/main" id="{696C926F-F999-44BA-8D86-9EAB51D65010}"/>
+                  <a16:creationId xmlns:a16="http://schemas.microsoft.com/office/drawing/2014/main" xmlns="" id="{696C926F-F999-44BA-8D86-9EAB51D65010}"/>
                 </a:ext>
                 <a:ext uri="{C183D7F6-B498-43B3-948B-1728B52AA6E4}">
-                  <adec:decorative xmlns="" xmlns:adec="http://schemas.microsoft.com/office/drawing/2017/decorative" val="1"/>
+                  <adec:decorative xmlns:adec="http://schemas.microsoft.com/office/drawing/2017/decorative" xmlns="" val="1"/>
                 </a:ext>
               </a:extLst>
             </p:cNvPr>
@@ -26491,7 +27290,7 @@
             <p:nvPr>
               <p:extLst>
                 <p:ext uri="{386F3935-93C4-4BCD-93E2-E3B085C9AB24}">
-                  <p16:designElem xmlns:p16="http://schemas.microsoft.com/office/powerpoint/2015/main" xmlns="" val="1"/>
+                  <p16:designElem xmlns="" xmlns:p16="http://schemas.microsoft.com/office/powerpoint/2015/main" val="1"/>
                 </p:ext>
               </p:extLst>
             </p:nvPr>
@@ -26532,10 +27331,10 @@
             <p:cNvPr id="14" name="Rectangle 23">
               <a:extLst>
                 <a:ext uri="{FF2B5EF4-FFF2-40B4-BE49-F238E27FC236}">
-                  <a16:creationId xmlns="" xmlns:a16="http://schemas.microsoft.com/office/drawing/2014/main" id="{248745E7-0AF0-48F9-8E58-2673FC5F4FDE}"/>
+                  <a16:creationId xmlns:a16="http://schemas.microsoft.com/office/drawing/2014/main" xmlns="" id="{248745E7-0AF0-48F9-8E58-2673FC5F4FDE}"/>
                 </a:ext>
                 <a:ext uri="{C183D7F6-B498-43B3-948B-1728B52AA6E4}">
-                  <adec:decorative xmlns="" xmlns:adec="http://schemas.microsoft.com/office/drawing/2017/decorative" val="1"/>
+                  <adec:decorative xmlns:adec="http://schemas.microsoft.com/office/drawing/2017/decorative" xmlns="" val="1"/>
                 </a:ext>
               </a:extLst>
             </p:cNvPr>
@@ -26543,7 +27342,7 @@
             <p:nvPr>
               <p:extLst>
                 <p:ext uri="{386F3935-93C4-4BCD-93E2-E3B085C9AB24}">
-                  <p16:designElem xmlns:p16="http://schemas.microsoft.com/office/powerpoint/2015/main" xmlns="" val="1"/>
+                  <p16:designElem xmlns="" xmlns:p16="http://schemas.microsoft.com/office/powerpoint/2015/main" val="1"/>
                 </p:ext>
               </p:extLst>
             </p:nvPr>
@@ -26610,10 +27409,10 @@
             <p:cNvPr id="15" name="Rectangle 25">
               <a:extLst>
                 <a:ext uri="{FF2B5EF4-FFF2-40B4-BE49-F238E27FC236}">
-                  <a16:creationId xmlns="" xmlns:a16="http://schemas.microsoft.com/office/drawing/2014/main" id="{9715E81A-D2E0-4431-9370-4E4A9ECA7F9C}"/>
+                  <a16:creationId xmlns:a16="http://schemas.microsoft.com/office/drawing/2014/main" xmlns="" id="{9715E81A-D2E0-4431-9370-4E4A9ECA7F9C}"/>
                 </a:ext>
                 <a:ext uri="{C183D7F6-B498-43B3-948B-1728B52AA6E4}">
-                  <adec:decorative xmlns="" xmlns:adec="http://schemas.microsoft.com/office/drawing/2017/decorative" val="1"/>
+                  <adec:decorative xmlns:adec="http://schemas.microsoft.com/office/drawing/2017/decorative" xmlns="" val="1"/>
                 </a:ext>
               </a:extLst>
             </p:cNvPr>
@@ -26621,7 +27420,7 @@
             <p:nvPr>
               <p:extLst>
                 <p:ext uri="{386F3935-93C4-4BCD-93E2-E3B085C9AB24}">
-                  <p16:designElem xmlns:p16="http://schemas.microsoft.com/office/powerpoint/2015/main" xmlns="" val="1"/>
+                  <p16:designElem xmlns="" xmlns:p16="http://schemas.microsoft.com/office/powerpoint/2015/main" val="1"/>
                 </p:ext>
               </p:extLst>
             </p:nvPr>
@@ -26688,10 +27487,10 @@
             <p:cNvPr id="16" name="Isosceles Triangle 15">
               <a:extLst>
                 <a:ext uri="{FF2B5EF4-FFF2-40B4-BE49-F238E27FC236}">
-                  <a16:creationId xmlns="" xmlns:a16="http://schemas.microsoft.com/office/drawing/2014/main" id="{CEDB37A9-282D-4DDB-85AD-B2090A82531F}"/>
+                  <a16:creationId xmlns:a16="http://schemas.microsoft.com/office/drawing/2014/main" xmlns="" id="{CEDB37A9-282D-4DDB-85AD-B2090A82531F}"/>
                 </a:ext>
                 <a:ext uri="{C183D7F6-B498-43B3-948B-1728B52AA6E4}">
-                  <adec:decorative xmlns="" xmlns:adec="http://schemas.microsoft.com/office/drawing/2017/decorative" val="1"/>
+                  <adec:decorative xmlns:adec="http://schemas.microsoft.com/office/drawing/2017/decorative" xmlns="" val="1"/>
                 </a:ext>
               </a:extLst>
             </p:cNvPr>
@@ -26699,7 +27498,7 @@
             <p:nvPr>
               <p:extLst>
                 <p:ext uri="{386F3935-93C4-4BCD-93E2-E3B085C9AB24}">
-                  <p16:designElem xmlns:p16="http://schemas.microsoft.com/office/powerpoint/2015/main" xmlns="" val="1"/>
+                  <p16:designElem xmlns="" xmlns:p16="http://schemas.microsoft.com/office/powerpoint/2015/main" val="1"/>
                 </p:ext>
               </p:extLst>
             </p:nvPr>
@@ -26744,10 +27543,10 @@
             <p:cNvPr id="17" name="Rectangle 27">
               <a:extLst>
                 <a:ext uri="{FF2B5EF4-FFF2-40B4-BE49-F238E27FC236}">
-                  <a16:creationId xmlns="" xmlns:a16="http://schemas.microsoft.com/office/drawing/2014/main" id="{533D5933-7F91-4F5E-BC31-42FD0E2D8DEF}"/>
+                  <a16:creationId xmlns:a16="http://schemas.microsoft.com/office/drawing/2014/main" xmlns="" id="{533D5933-7F91-4F5E-BC31-42FD0E2D8DEF}"/>
                 </a:ext>
                 <a:ext uri="{C183D7F6-B498-43B3-948B-1728B52AA6E4}">
-                  <adec:decorative xmlns="" xmlns:adec="http://schemas.microsoft.com/office/drawing/2017/decorative" val="1"/>
+                  <adec:decorative xmlns:adec="http://schemas.microsoft.com/office/drawing/2017/decorative" xmlns="" val="1"/>
                 </a:ext>
               </a:extLst>
             </p:cNvPr>
@@ -26755,7 +27554,7 @@
             <p:nvPr>
               <p:extLst>
                 <p:ext uri="{386F3935-93C4-4BCD-93E2-E3B085C9AB24}">
-                  <p16:designElem xmlns:p16="http://schemas.microsoft.com/office/powerpoint/2015/main" xmlns="" val="1"/>
+                  <p16:designElem xmlns="" xmlns:p16="http://schemas.microsoft.com/office/powerpoint/2015/main" val="1"/>
                 </p:ext>
               </p:extLst>
             </p:nvPr>
@@ -26823,10 +27622,10 @@
             <p:cNvPr id="18" name="Rectangle 28">
               <a:extLst>
                 <a:ext uri="{FF2B5EF4-FFF2-40B4-BE49-F238E27FC236}">
-                  <a16:creationId xmlns="" xmlns:a16="http://schemas.microsoft.com/office/drawing/2014/main" id="{37ADDF68-C9BE-46EA-83DE-2C07DD83960F}"/>
+                  <a16:creationId xmlns:a16="http://schemas.microsoft.com/office/drawing/2014/main" xmlns="" id="{37ADDF68-C9BE-46EA-83DE-2C07DD83960F}"/>
                 </a:ext>
                 <a:ext uri="{C183D7F6-B498-43B3-948B-1728B52AA6E4}">
-                  <adec:decorative xmlns="" xmlns:adec="http://schemas.microsoft.com/office/drawing/2017/decorative" val="1"/>
+                  <adec:decorative xmlns:adec="http://schemas.microsoft.com/office/drawing/2017/decorative" xmlns="" val="1"/>
                 </a:ext>
               </a:extLst>
             </p:cNvPr>
@@ -26834,7 +27633,7 @@
             <p:nvPr>
               <p:extLst>
                 <p:ext uri="{386F3935-93C4-4BCD-93E2-E3B085C9AB24}">
-                  <p16:designElem xmlns:p16="http://schemas.microsoft.com/office/powerpoint/2015/main" xmlns="" val="1"/>
+                  <p16:designElem xmlns="" xmlns:p16="http://schemas.microsoft.com/office/powerpoint/2015/main" val="1"/>
                 </p:ext>
               </p:extLst>
             </p:nvPr>
@@ -26903,10 +27702,10 @@
             <p:cNvPr id="19" name="Rectangle 29">
               <a:extLst>
                 <a:ext uri="{FF2B5EF4-FFF2-40B4-BE49-F238E27FC236}">
-                  <a16:creationId xmlns="" xmlns:a16="http://schemas.microsoft.com/office/drawing/2014/main" id="{10D67396-BABD-48A8-A892-CCB5095FA427}"/>
+                  <a16:creationId xmlns:a16="http://schemas.microsoft.com/office/drawing/2014/main" xmlns="" id="{10D67396-BABD-48A8-A892-CCB5095FA427}"/>
                 </a:ext>
                 <a:ext uri="{C183D7F6-B498-43B3-948B-1728B52AA6E4}">
-                  <adec:decorative xmlns="" xmlns:adec="http://schemas.microsoft.com/office/drawing/2017/decorative" val="1"/>
+                  <adec:decorative xmlns:adec="http://schemas.microsoft.com/office/drawing/2017/decorative" xmlns="" val="1"/>
                 </a:ext>
               </a:extLst>
             </p:cNvPr>
@@ -26914,7 +27713,7 @@
             <p:nvPr>
               <p:extLst>
                 <p:ext uri="{386F3935-93C4-4BCD-93E2-E3B085C9AB24}">
-                  <p16:designElem xmlns:p16="http://schemas.microsoft.com/office/powerpoint/2015/main" xmlns="" val="1"/>
+                  <p16:designElem xmlns="" xmlns:p16="http://schemas.microsoft.com/office/powerpoint/2015/main" val="1"/>
                 </p:ext>
               </p:extLst>
             </p:nvPr>
@@ -26981,10 +27780,10 @@
             <p:cNvPr id="20" name="Isosceles Triangle 19">
               <a:extLst>
                 <a:ext uri="{FF2B5EF4-FFF2-40B4-BE49-F238E27FC236}">
-                  <a16:creationId xmlns="" xmlns:a16="http://schemas.microsoft.com/office/drawing/2014/main" id="{626DA82A-72C2-4DF6-9CF0-0D1F6B96B529}"/>
+                  <a16:creationId xmlns:a16="http://schemas.microsoft.com/office/drawing/2014/main" xmlns="" id="{626DA82A-72C2-4DF6-9CF0-0D1F6B96B529}"/>
                 </a:ext>
                 <a:ext uri="{C183D7F6-B498-43B3-948B-1728B52AA6E4}">
-                  <adec:decorative xmlns="" xmlns:adec="http://schemas.microsoft.com/office/drawing/2017/decorative" val="1"/>
+                  <adec:decorative xmlns:adec="http://schemas.microsoft.com/office/drawing/2017/decorative" xmlns="" val="1"/>
                 </a:ext>
               </a:extLst>
             </p:cNvPr>
@@ -26992,7 +27791,7 @@
             <p:nvPr>
               <p:extLst>
                 <p:ext uri="{386F3935-93C4-4BCD-93E2-E3B085C9AB24}">
-                  <p16:designElem xmlns:p16="http://schemas.microsoft.com/office/powerpoint/2015/main" xmlns="" val="1"/>
+                  <p16:designElem xmlns="" xmlns:p16="http://schemas.microsoft.com/office/powerpoint/2015/main" val="1"/>
                 </p:ext>
               </p:extLst>
             </p:nvPr>
@@ -27037,10 +27836,10 @@
             <p:cNvPr id="21" name="Isosceles Triangle 20">
               <a:extLst>
                 <a:ext uri="{FF2B5EF4-FFF2-40B4-BE49-F238E27FC236}">
-                  <a16:creationId xmlns="" xmlns:a16="http://schemas.microsoft.com/office/drawing/2014/main" id="{8EE6DC63-4380-4BE0-A68A-8F01162BD192}"/>
+                  <a16:creationId xmlns:a16="http://schemas.microsoft.com/office/drawing/2014/main" xmlns="" id="{8EE6DC63-4380-4BE0-A68A-8F01162BD192}"/>
                 </a:ext>
                 <a:ext uri="{C183D7F6-B498-43B3-948B-1728B52AA6E4}">
-                  <adec:decorative xmlns="" xmlns:adec="http://schemas.microsoft.com/office/drawing/2017/decorative" val="1"/>
+                  <adec:decorative xmlns:adec="http://schemas.microsoft.com/office/drawing/2017/decorative" xmlns="" val="1"/>
                 </a:ext>
               </a:extLst>
             </p:cNvPr>
@@ -27048,7 +27847,7 @@
             <p:nvPr>
               <p:extLst>
                 <p:ext uri="{386F3935-93C4-4BCD-93E2-E3B085C9AB24}">
-                  <p16:designElem xmlns:p16="http://schemas.microsoft.com/office/powerpoint/2015/main" xmlns="" val="1"/>
+                  <p16:designElem xmlns="" xmlns:p16="http://schemas.microsoft.com/office/powerpoint/2015/main" val="1"/>
                 </p:ext>
               </p:extLst>
             </p:nvPr>
@@ -27094,10 +27893,10 @@
           <p:cNvPr id="23" name="Rectangle 22">
             <a:extLst>
               <a:ext uri="{FF2B5EF4-FFF2-40B4-BE49-F238E27FC236}">
-                <a16:creationId xmlns="" xmlns:a16="http://schemas.microsoft.com/office/drawing/2014/main" id="{8DF4D7F6-81B5-452A-9CE6-76D81F91D41B}"/>
+                <a16:creationId xmlns:a16="http://schemas.microsoft.com/office/drawing/2014/main" xmlns="" id="{8DF4D7F6-81B5-452A-9CE6-76D81F91D41B}"/>
               </a:ext>
               <a:ext uri="{C183D7F6-B498-43B3-948B-1728B52AA6E4}">
-                <adec:decorative xmlns="" xmlns:adec="http://schemas.microsoft.com/office/drawing/2017/decorative" val="1"/>
+                <adec:decorative xmlns:adec="http://schemas.microsoft.com/office/drawing/2017/decorative" xmlns="" val="1"/>
               </a:ext>
             </a:extLst>
           </p:cNvPr>
@@ -27107,7 +27906,7 @@
           <p:nvPr>
             <p:extLst>
               <p:ext uri="{386F3935-93C4-4BCD-93E2-E3B085C9AB24}">
-                <p16:designElem xmlns:p16="http://schemas.microsoft.com/office/powerpoint/2015/main" xmlns="" val="1"/>
+                <p16:designElem xmlns="" xmlns:p16="http://schemas.microsoft.com/office/powerpoint/2015/main" val="1"/>
               </p:ext>
             </p:extLst>
           </p:nvPr>
@@ -27154,7 +27953,7 @@
           <p:cNvPr id="3" name="Title 2">
             <a:extLst>
               <a:ext uri="{FF2B5EF4-FFF2-40B4-BE49-F238E27FC236}">
-                <a16:creationId xmlns="" xmlns:a16="http://schemas.microsoft.com/office/drawing/2014/main" id="{12FD7EA0-CFEB-4E75-8AFB-5B8FE68C9A91}"/>
+                <a16:creationId xmlns:a16="http://schemas.microsoft.com/office/drawing/2014/main" xmlns="" id="{12FD7EA0-CFEB-4E75-8AFB-5B8FE68C9A91}"/>
               </a:ext>
             </a:extLst>
           </p:cNvPr>
@@ -27198,10 +27997,10 @@
           <p:cNvPr id="25" name="Isosceles Triangle 24">
             <a:extLst>
               <a:ext uri="{FF2B5EF4-FFF2-40B4-BE49-F238E27FC236}">
-                <a16:creationId xmlns="" xmlns:a16="http://schemas.microsoft.com/office/drawing/2014/main" id="{4600514D-20FB-4559-97DC-D1DC39E6C3DE}"/>
+                <a16:creationId xmlns:a16="http://schemas.microsoft.com/office/drawing/2014/main" xmlns="" id="{4600514D-20FB-4559-97DC-D1DC39E6C3DE}"/>
               </a:ext>
               <a:ext uri="{C183D7F6-B498-43B3-948B-1728B52AA6E4}">
-                <adec:decorative xmlns="" xmlns:adec="http://schemas.microsoft.com/office/drawing/2017/decorative" val="1"/>
+                <adec:decorative xmlns:adec="http://schemas.microsoft.com/office/drawing/2017/decorative" xmlns="" val="1"/>
               </a:ext>
             </a:extLst>
           </p:cNvPr>
@@ -27211,7 +28010,7 @@
           <p:nvPr>
             <p:extLst>
               <p:ext uri="{386F3935-93C4-4BCD-93E2-E3B085C9AB24}">
-                <p16:designElem xmlns:p16="http://schemas.microsoft.com/office/powerpoint/2015/main" xmlns="" val="1"/>
+                <p16:designElem xmlns="" xmlns:p16="http://schemas.microsoft.com/office/powerpoint/2015/main" val="1"/>
               </p:ext>
             </p:extLst>
           </p:nvPr>
@@ -27256,7 +28055,7 @@
           <p:cNvPr id="5" name="Footer Placeholder 4">
             <a:extLst>
               <a:ext uri="{FF2B5EF4-FFF2-40B4-BE49-F238E27FC236}">
-                <a16:creationId xmlns="" xmlns:a16="http://schemas.microsoft.com/office/drawing/2014/main" id="{E82D1BFA-FEB4-419F-977D-5BC43DB0DD77}"/>
+                <a16:creationId xmlns:a16="http://schemas.microsoft.com/office/drawing/2014/main" xmlns="" id="{E82D1BFA-FEB4-419F-977D-5BC43DB0DD77}"/>
               </a:ext>
             </a:extLst>
           </p:cNvPr>
@@ -27309,10 +28108,10 @@
           <p:cNvPr id="27" name="Isosceles Triangle 26">
             <a:extLst>
               <a:ext uri="{FF2B5EF4-FFF2-40B4-BE49-F238E27FC236}">
-                <a16:creationId xmlns="" xmlns:a16="http://schemas.microsoft.com/office/drawing/2014/main" id="{266F638A-E405-4AC0-B984-72E5813B0DD1}"/>
+                <a16:creationId xmlns:a16="http://schemas.microsoft.com/office/drawing/2014/main" xmlns="" id="{266F638A-E405-4AC0-B984-72E5813B0DD1}"/>
               </a:ext>
               <a:ext uri="{C183D7F6-B498-43B3-948B-1728B52AA6E4}">
-                <adec:decorative xmlns="" xmlns:adec="http://schemas.microsoft.com/office/drawing/2017/decorative" val="1"/>
+                <adec:decorative xmlns:adec="http://schemas.microsoft.com/office/drawing/2017/decorative" xmlns="" val="1"/>
               </a:ext>
             </a:extLst>
           </p:cNvPr>
@@ -27322,7 +28121,7 @@
           <p:nvPr>
             <p:extLst>
               <p:ext uri="{386F3935-93C4-4BCD-93E2-E3B085C9AB24}">
-                <p16:designElem xmlns:p16="http://schemas.microsoft.com/office/powerpoint/2015/main" xmlns="" val="1"/>
+                <p16:designElem xmlns="" xmlns:p16="http://schemas.microsoft.com/office/powerpoint/2015/main" val="1"/>
               </p:ext>
             </p:extLst>
           </p:nvPr>
@@ -27365,10 +28164,10 @@
           <p:cNvPr id="29" name="Straight Connector 28">
             <a:extLst>
               <a:ext uri="{FF2B5EF4-FFF2-40B4-BE49-F238E27FC236}">
-                <a16:creationId xmlns="" xmlns:a16="http://schemas.microsoft.com/office/drawing/2014/main" id="{7D1CBE93-B17D-4509-843C-82287C38032A}"/>
+                <a16:creationId xmlns:a16="http://schemas.microsoft.com/office/drawing/2014/main" xmlns="" id="{7D1CBE93-B17D-4509-843C-82287C38032A}"/>
               </a:ext>
               <a:ext uri="{C183D7F6-B498-43B3-948B-1728B52AA6E4}">
-                <adec:decorative xmlns="" xmlns:adec="http://schemas.microsoft.com/office/drawing/2017/decorative" val="1"/>
+                <adec:decorative xmlns:adec="http://schemas.microsoft.com/office/drawing/2017/decorative" xmlns="" val="1"/>
               </a:ext>
             </a:extLst>
           </p:cNvPr>
@@ -27378,7 +28177,7 @@
           <p:nvPr>
             <p:extLst>
               <p:ext uri="{386F3935-93C4-4BCD-93E2-E3B085C9AB24}">
-                <p16:designElem xmlns:p16="http://schemas.microsoft.com/office/powerpoint/2015/main" xmlns="" val="1"/>
+                <p16:designElem xmlns="" xmlns:p16="http://schemas.microsoft.com/office/powerpoint/2015/main" val="1"/>
               </p:ext>
             </p:extLst>
           </p:nvPr>
@@ -27418,10 +28217,10 @@
           <p:cNvPr id="31" name="Straight Connector 30">
             <a:extLst>
               <a:ext uri="{FF2B5EF4-FFF2-40B4-BE49-F238E27FC236}">
-                <a16:creationId xmlns="" xmlns:a16="http://schemas.microsoft.com/office/drawing/2014/main" id="{AE6277B4-6A43-48AB-89B2-3442221619CC}"/>
+                <a16:creationId xmlns:a16="http://schemas.microsoft.com/office/drawing/2014/main" xmlns="" id="{AE6277B4-6A43-48AB-89B2-3442221619CC}"/>
               </a:ext>
               <a:ext uri="{C183D7F6-B498-43B3-948B-1728B52AA6E4}">
-                <adec:decorative xmlns="" xmlns:adec="http://schemas.microsoft.com/office/drawing/2017/decorative" val="1"/>
+                <adec:decorative xmlns:adec="http://schemas.microsoft.com/office/drawing/2017/decorative" xmlns="" val="1"/>
               </a:ext>
             </a:extLst>
           </p:cNvPr>
@@ -27431,7 +28230,7 @@
           <p:nvPr>
             <p:extLst>
               <p:ext uri="{386F3935-93C4-4BCD-93E2-E3B085C9AB24}">
-                <p16:designElem xmlns:p16="http://schemas.microsoft.com/office/powerpoint/2015/main" xmlns="" val="1"/>
+                <p16:designElem xmlns="" xmlns:p16="http://schemas.microsoft.com/office/powerpoint/2015/main" val="1"/>
               </p:ext>
             </p:extLst>
           </p:nvPr>
@@ -27470,7 +28269,7 @@
           <p:cNvPr id="2" name="Content Placeholder 1">
             <a:extLst>
               <a:ext uri="{FF2B5EF4-FFF2-40B4-BE49-F238E27FC236}">
-                <a16:creationId xmlns="" xmlns:a16="http://schemas.microsoft.com/office/drawing/2014/main" id="{39A6FAD1-C2C6-47B8-A6FE-188892E09DF4}"/>
+                <a16:creationId xmlns:a16="http://schemas.microsoft.com/office/drawing/2014/main" xmlns="" id="{39A6FAD1-C2C6-47B8-A6FE-188892E09DF4}"/>
               </a:ext>
             </a:extLst>
           </p:cNvPr>
@@ -27793,10 +28592,10 @@
           <p:cNvPr id="33" name="Rectangle 27">
             <a:extLst>
               <a:ext uri="{FF2B5EF4-FFF2-40B4-BE49-F238E27FC236}">
-                <a16:creationId xmlns="" xmlns:a16="http://schemas.microsoft.com/office/drawing/2014/main" id="{27B538D5-95DB-47ED-9CB4-34AE5BF78E6B}"/>
+                <a16:creationId xmlns:a16="http://schemas.microsoft.com/office/drawing/2014/main" xmlns="" id="{27B538D5-95DB-47ED-9CB4-34AE5BF78E6B}"/>
               </a:ext>
               <a:ext uri="{C183D7F6-B498-43B3-948B-1728B52AA6E4}">
-                <adec:decorative xmlns="" xmlns:adec="http://schemas.microsoft.com/office/drawing/2017/decorative" val="1"/>
+                <adec:decorative xmlns:adec="http://schemas.microsoft.com/office/drawing/2017/decorative" xmlns="" val="1"/>
               </a:ext>
             </a:extLst>
           </p:cNvPr>
@@ -27806,7 +28605,7 @@
           <p:nvPr>
             <p:extLst>
               <p:ext uri="{386F3935-93C4-4BCD-93E2-E3B085C9AB24}">
-                <p16:designElem xmlns:p16="http://schemas.microsoft.com/office/powerpoint/2015/main" xmlns="" val="1"/>
+                <p16:designElem xmlns="" xmlns:p16="http://schemas.microsoft.com/office/powerpoint/2015/main" val="1"/>
               </p:ext>
             </p:extLst>
           </p:nvPr>
@@ -27871,7 +28670,7 @@
           <p:cNvPr id="4" name="Date Placeholder 3">
             <a:extLst>
               <a:ext uri="{FF2B5EF4-FFF2-40B4-BE49-F238E27FC236}">
-                <a16:creationId xmlns="" xmlns:a16="http://schemas.microsoft.com/office/drawing/2014/main" id="{6B2CF951-67E8-43A1-BBBD-A44046F57703}"/>
+                <a16:creationId xmlns:a16="http://schemas.microsoft.com/office/drawing/2014/main" xmlns="" id="{6B2CF951-67E8-43A1-BBBD-A44046F57703}"/>
               </a:ext>
             </a:extLst>
           </p:cNvPr>
@@ -27924,7 +28723,7 @@
           <p:cNvPr id="6" name="Slide Number Placeholder 5">
             <a:extLst>
               <a:ext uri="{FF2B5EF4-FFF2-40B4-BE49-F238E27FC236}">
-                <a16:creationId xmlns="" xmlns:a16="http://schemas.microsoft.com/office/drawing/2014/main" id="{9D6B4462-AECF-4C8B-82E2-282905936963}"/>
+                <a16:creationId xmlns:a16="http://schemas.microsoft.com/office/drawing/2014/main" xmlns="" id="{9D6B4462-AECF-4C8B-82E2-282905936963}"/>
               </a:ext>
             </a:extLst>
           </p:cNvPr>
@@ -27987,6 +28786,13 @@
   <p:clrMapOvr>
     <a:masterClrMapping/>
   </p:clrMapOvr>
+  <p:timing>
+    <p:tnLst>
+      <p:par>
+        <p:cTn xmlns:p14="http://schemas.microsoft.com/office/powerpoint/2010/main" id="1" dur="indefinite" restart="never" nodeType="tmRoot"/>
+      </p:par>
+    </p:tnLst>
+  </p:timing>
 </p:sld>
 </file>
 
@@ -28020,10 +28826,10 @@
           <p:cNvPr id="12" name="Group 11">
             <a:extLst>
               <a:ext uri="{FF2B5EF4-FFF2-40B4-BE49-F238E27FC236}">
-                <a16:creationId xmlns="" xmlns:a16="http://schemas.microsoft.com/office/drawing/2014/main" id="{D920209C-E85B-4D6F-A56F-724F5ADA811C}"/>
+                <a16:creationId xmlns:a16="http://schemas.microsoft.com/office/drawing/2014/main" xmlns="" id="{D920209C-E85B-4D6F-A56F-724F5ADA811C}"/>
               </a:ext>
               <a:ext uri="{C183D7F6-B498-43B3-948B-1728B52AA6E4}">
-                <adec:decorative xmlns="" xmlns:adec="http://schemas.microsoft.com/office/drawing/2017/decorative" val="1"/>
+                <adec:decorative xmlns:adec="http://schemas.microsoft.com/office/drawing/2017/decorative" xmlns="" val="1"/>
               </a:ext>
             </a:extLst>
           </p:cNvPr>
@@ -28033,7 +28839,7 @@
           <p:nvPr>
             <p:extLst>
               <p:ext uri="{386F3935-93C4-4BCD-93E2-E3B085C9AB24}">
-                <p16:designElem xmlns:p16="http://schemas.microsoft.com/office/powerpoint/2015/main" xmlns="" val="1"/>
+                <p16:designElem xmlns="" xmlns:p16="http://schemas.microsoft.com/office/powerpoint/2015/main" val="1"/>
               </p:ext>
             </p:extLst>
           </p:nvPr>
@@ -28051,10 +28857,10 @@
             <p:cNvPr id="13" name="Straight Connector 12">
               <a:extLst>
                 <a:ext uri="{FF2B5EF4-FFF2-40B4-BE49-F238E27FC236}">
-                  <a16:creationId xmlns="" xmlns:a16="http://schemas.microsoft.com/office/drawing/2014/main" id="{9125522E-1DFD-4F78-912B-B922A2D39DAE}"/>
+                  <a16:creationId xmlns:a16="http://schemas.microsoft.com/office/drawing/2014/main" xmlns="" id="{9125522E-1DFD-4F78-912B-B922A2D39DAE}"/>
                 </a:ext>
                 <a:ext uri="{C183D7F6-B498-43B3-948B-1728B52AA6E4}">
-                  <adec:decorative xmlns="" xmlns:adec="http://schemas.microsoft.com/office/drawing/2017/decorative" val="1"/>
+                  <adec:decorative xmlns:adec="http://schemas.microsoft.com/office/drawing/2017/decorative" xmlns="" val="1"/>
                 </a:ext>
               </a:extLst>
             </p:cNvPr>
@@ -28062,7 +28868,7 @@
             <p:nvPr>
               <p:extLst>
                 <p:ext uri="{386F3935-93C4-4BCD-93E2-E3B085C9AB24}">
-                  <p16:designElem xmlns:p16="http://schemas.microsoft.com/office/powerpoint/2015/main" xmlns="" val="1"/>
+                  <p16:designElem xmlns="" xmlns:p16="http://schemas.microsoft.com/office/powerpoint/2015/main" val="1"/>
                 </p:ext>
               </p:extLst>
             </p:nvPr>
@@ -28103,10 +28909,10 @@
             <p:cNvPr id="14" name="Straight Connector 13">
               <a:extLst>
                 <a:ext uri="{FF2B5EF4-FFF2-40B4-BE49-F238E27FC236}">
-                  <a16:creationId xmlns="" xmlns:a16="http://schemas.microsoft.com/office/drawing/2014/main" id="{FDA72C10-FE9D-49B3-80CB-A7EE8BCB38F9}"/>
+                  <a16:creationId xmlns:a16="http://schemas.microsoft.com/office/drawing/2014/main" xmlns="" id="{FDA72C10-FE9D-49B3-80CB-A7EE8BCB38F9}"/>
                 </a:ext>
                 <a:ext uri="{C183D7F6-B498-43B3-948B-1728B52AA6E4}">
-                  <adec:decorative xmlns="" xmlns:adec="http://schemas.microsoft.com/office/drawing/2017/decorative" val="1"/>
+                  <adec:decorative xmlns:adec="http://schemas.microsoft.com/office/drawing/2017/decorative" xmlns="" val="1"/>
                 </a:ext>
               </a:extLst>
             </p:cNvPr>
@@ -28114,7 +28920,7 @@
             <p:nvPr>
               <p:extLst>
                 <p:ext uri="{386F3935-93C4-4BCD-93E2-E3B085C9AB24}">
-                  <p16:designElem xmlns:p16="http://schemas.microsoft.com/office/powerpoint/2015/main" xmlns="" val="1"/>
+                  <p16:designElem xmlns="" xmlns:p16="http://schemas.microsoft.com/office/powerpoint/2015/main" val="1"/>
                 </p:ext>
               </p:extLst>
             </p:nvPr>
@@ -28155,10 +28961,10 @@
             <p:cNvPr id="15" name="Rectangle 23">
               <a:extLst>
                 <a:ext uri="{FF2B5EF4-FFF2-40B4-BE49-F238E27FC236}">
-                  <a16:creationId xmlns="" xmlns:a16="http://schemas.microsoft.com/office/drawing/2014/main" id="{6E7DF470-1055-45E4-AB9D-11E42EC53870}"/>
+                  <a16:creationId xmlns:a16="http://schemas.microsoft.com/office/drawing/2014/main" xmlns="" id="{6E7DF470-1055-45E4-AB9D-11E42EC53870}"/>
                 </a:ext>
                 <a:ext uri="{C183D7F6-B498-43B3-948B-1728B52AA6E4}">
-                  <adec:decorative xmlns="" xmlns:adec="http://schemas.microsoft.com/office/drawing/2017/decorative" val="1"/>
+                  <adec:decorative xmlns:adec="http://schemas.microsoft.com/office/drawing/2017/decorative" xmlns="" val="1"/>
                 </a:ext>
               </a:extLst>
             </p:cNvPr>
@@ -28166,7 +28972,7 @@
             <p:nvPr>
               <p:extLst>
                 <p:ext uri="{386F3935-93C4-4BCD-93E2-E3B085C9AB24}">
-                  <p16:designElem xmlns:p16="http://schemas.microsoft.com/office/powerpoint/2015/main" xmlns="" val="1"/>
+                  <p16:designElem xmlns="" xmlns:p16="http://schemas.microsoft.com/office/powerpoint/2015/main" val="1"/>
                 </p:ext>
               </p:extLst>
             </p:nvPr>
@@ -28233,10 +29039,10 @@
             <p:cNvPr id="16" name="Rectangle 25">
               <a:extLst>
                 <a:ext uri="{FF2B5EF4-FFF2-40B4-BE49-F238E27FC236}">
-                  <a16:creationId xmlns="" xmlns:a16="http://schemas.microsoft.com/office/drawing/2014/main" id="{6AA35CFF-3837-4B7F-B875-718AC2E14EE7}"/>
+                  <a16:creationId xmlns:a16="http://schemas.microsoft.com/office/drawing/2014/main" xmlns="" id="{6AA35CFF-3837-4B7F-B875-718AC2E14EE7}"/>
                 </a:ext>
                 <a:ext uri="{C183D7F6-B498-43B3-948B-1728B52AA6E4}">
-                  <adec:decorative xmlns="" xmlns:adec="http://schemas.microsoft.com/office/drawing/2017/decorative" val="1"/>
+                  <adec:decorative xmlns:adec="http://schemas.microsoft.com/office/drawing/2017/decorative" xmlns="" val="1"/>
                 </a:ext>
               </a:extLst>
             </p:cNvPr>
@@ -28244,7 +29050,7 @@
             <p:nvPr>
               <p:extLst>
                 <p:ext uri="{386F3935-93C4-4BCD-93E2-E3B085C9AB24}">
-                  <p16:designElem xmlns:p16="http://schemas.microsoft.com/office/powerpoint/2015/main" xmlns="" val="1"/>
+                  <p16:designElem xmlns="" xmlns:p16="http://schemas.microsoft.com/office/powerpoint/2015/main" val="1"/>
                 </p:ext>
               </p:extLst>
             </p:nvPr>
@@ -28311,10 +29117,10 @@
             <p:cNvPr id="17" name="Isosceles Triangle 16">
               <a:extLst>
                 <a:ext uri="{FF2B5EF4-FFF2-40B4-BE49-F238E27FC236}">
-                  <a16:creationId xmlns="" xmlns:a16="http://schemas.microsoft.com/office/drawing/2014/main" id="{62F41804-A347-47E3-8BD8-BD00CF2F6441}"/>
+                  <a16:creationId xmlns:a16="http://schemas.microsoft.com/office/drawing/2014/main" xmlns="" id="{62F41804-A347-47E3-8BD8-BD00CF2F6441}"/>
                 </a:ext>
                 <a:ext uri="{C183D7F6-B498-43B3-948B-1728B52AA6E4}">
-                  <adec:decorative xmlns="" xmlns:adec="http://schemas.microsoft.com/office/drawing/2017/decorative" val="1"/>
+                  <adec:decorative xmlns:adec="http://schemas.microsoft.com/office/drawing/2017/decorative" xmlns="" val="1"/>
                 </a:ext>
               </a:extLst>
             </p:cNvPr>
@@ -28322,7 +29128,7 @@
             <p:nvPr>
               <p:extLst>
                 <p:ext uri="{386F3935-93C4-4BCD-93E2-E3B085C9AB24}">
-                  <p16:designElem xmlns:p16="http://schemas.microsoft.com/office/powerpoint/2015/main" xmlns="" val="1"/>
+                  <p16:designElem xmlns="" xmlns:p16="http://schemas.microsoft.com/office/powerpoint/2015/main" val="1"/>
                 </p:ext>
               </p:extLst>
             </p:nvPr>
@@ -28367,10 +29173,10 @@
             <p:cNvPr id="18" name="Rectangle 27">
               <a:extLst>
                 <a:ext uri="{FF2B5EF4-FFF2-40B4-BE49-F238E27FC236}">
-                  <a16:creationId xmlns="" xmlns:a16="http://schemas.microsoft.com/office/drawing/2014/main" id="{76894B81-EE9C-4546-BCFA-DD9ED2C0ADB6}"/>
+                  <a16:creationId xmlns:a16="http://schemas.microsoft.com/office/drawing/2014/main" xmlns="" id="{76894B81-EE9C-4546-BCFA-DD9ED2C0ADB6}"/>
                 </a:ext>
                 <a:ext uri="{C183D7F6-B498-43B3-948B-1728B52AA6E4}">
-                  <adec:decorative xmlns="" xmlns:adec="http://schemas.microsoft.com/office/drawing/2017/decorative" val="1"/>
+                  <adec:decorative xmlns:adec="http://schemas.microsoft.com/office/drawing/2017/decorative" xmlns="" val="1"/>
                 </a:ext>
               </a:extLst>
             </p:cNvPr>
@@ -28378,7 +29184,7 @@
             <p:nvPr>
               <p:extLst>
                 <p:ext uri="{386F3935-93C4-4BCD-93E2-E3B085C9AB24}">
-                  <p16:designElem xmlns:p16="http://schemas.microsoft.com/office/powerpoint/2015/main" xmlns="" val="1"/>
+                  <p16:designElem xmlns="" xmlns:p16="http://schemas.microsoft.com/office/powerpoint/2015/main" val="1"/>
                 </p:ext>
               </p:extLst>
             </p:nvPr>
@@ -28446,10 +29252,10 @@
             <p:cNvPr id="19" name="Rectangle 28">
               <a:extLst>
                 <a:ext uri="{FF2B5EF4-FFF2-40B4-BE49-F238E27FC236}">
-                  <a16:creationId xmlns="" xmlns:a16="http://schemas.microsoft.com/office/drawing/2014/main" id="{3AF181D1-71AC-43D8-A6E1-D4C488D5DC56}"/>
+                  <a16:creationId xmlns:a16="http://schemas.microsoft.com/office/drawing/2014/main" xmlns="" id="{3AF181D1-71AC-43D8-A6E1-D4C488D5DC56}"/>
                 </a:ext>
                 <a:ext uri="{C183D7F6-B498-43B3-948B-1728B52AA6E4}">
-                  <adec:decorative xmlns="" xmlns:adec="http://schemas.microsoft.com/office/drawing/2017/decorative" val="1"/>
+                  <adec:decorative xmlns:adec="http://schemas.microsoft.com/office/drawing/2017/decorative" xmlns="" val="1"/>
                 </a:ext>
               </a:extLst>
             </p:cNvPr>
@@ -28457,7 +29263,7 @@
             <p:nvPr>
               <p:extLst>
                 <p:ext uri="{386F3935-93C4-4BCD-93E2-E3B085C9AB24}">
-                  <p16:designElem xmlns:p16="http://schemas.microsoft.com/office/powerpoint/2015/main" xmlns="" val="1"/>
+                  <p16:designElem xmlns="" xmlns:p16="http://schemas.microsoft.com/office/powerpoint/2015/main" val="1"/>
                 </p:ext>
               </p:extLst>
             </p:nvPr>
@@ -28526,10 +29332,10 @@
             <p:cNvPr id="20" name="Rectangle 29">
               <a:extLst>
                 <a:ext uri="{FF2B5EF4-FFF2-40B4-BE49-F238E27FC236}">
-                  <a16:creationId xmlns="" xmlns:a16="http://schemas.microsoft.com/office/drawing/2014/main" id="{4132D661-917C-4D2D-8E37-8590B55D91F8}"/>
+                  <a16:creationId xmlns:a16="http://schemas.microsoft.com/office/drawing/2014/main" xmlns="" id="{4132D661-917C-4D2D-8E37-8590B55D91F8}"/>
                 </a:ext>
                 <a:ext uri="{C183D7F6-B498-43B3-948B-1728B52AA6E4}">
-                  <adec:decorative xmlns="" xmlns:adec="http://schemas.microsoft.com/office/drawing/2017/decorative" val="1"/>
+                  <adec:decorative xmlns:adec="http://schemas.microsoft.com/office/drawing/2017/decorative" xmlns="" val="1"/>
                 </a:ext>
               </a:extLst>
             </p:cNvPr>
@@ -28537,7 +29343,7 @@
             <p:nvPr>
               <p:extLst>
                 <p:ext uri="{386F3935-93C4-4BCD-93E2-E3B085C9AB24}">
-                  <p16:designElem xmlns:p16="http://schemas.microsoft.com/office/powerpoint/2015/main" xmlns="" val="1"/>
+                  <p16:designElem xmlns="" xmlns:p16="http://schemas.microsoft.com/office/powerpoint/2015/main" val="1"/>
                 </p:ext>
               </p:extLst>
             </p:nvPr>
@@ -28604,10 +29410,10 @@
             <p:cNvPr id="21" name="Isosceles Triangle 20">
               <a:extLst>
                 <a:ext uri="{FF2B5EF4-FFF2-40B4-BE49-F238E27FC236}">
-                  <a16:creationId xmlns="" xmlns:a16="http://schemas.microsoft.com/office/drawing/2014/main" id="{7969643D-8B71-434D-A235-68CB241F9DCF}"/>
+                  <a16:creationId xmlns:a16="http://schemas.microsoft.com/office/drawing/2014/main" xmlns="" id="{7969643D-8B71-434D-A235-68CB241F9DCF}"/>
                 </a:ext>
                 <a:ext uri="{C183D7F6-B498-43B3-948B-1728B52AA6E4}">
-                  <adec:decorative xmlns="" xmlns:adec="http://schemas.microsoft.com/office/drawing/2017/decorative" val="1"/>
+                  <adec:decorative xmlns:adec="http://schemas.microsoft.com/office/drawing/2017/decorative" xmlns="" val="1"/>
                 </a:ext>
               </a:extLst>
             </p:cNvPr>
@@ -28615,7 +29421,7 @@
             <p:nvPr>
               <p:extLst>
                 <p:ext uri="{386F3935-93C4-4BCD-93E2-E3B085C9AB24}">
-                  <p16:designElem xmlns:p16="http://schemas.microsoft.com/office/powerpoint/2015/main" xmlns="" val="1"/>
+                  <p16:designElem xmlns="" xmlns:p16="http://schemas.microsoft.com/office/powerpoint/2015/main" val="1"/>
                 </p:ext>
               </p:extLst>
             </p:nvPr>
@@ -28660,10 +29466,10 @@
             <p:cNvPr id="22" name="Isosceles Triangle 21">
               <a:extLst>
                 <a:ext uri="{FF2B5EF4-FFF2-40B4-BE49-F238E27FC236}">
-                  <a16:creationId xmlns="" xmlns:a16="http://schemas.microsoft.com/office/drawing/2014/main" id="{DF15C24A-4BCF-47C0-B2FA-76A0EF3384D1}"/>
+                  <a16:creationId xmlns:a16="http://schemas.microsoft.com/office/drawing/2014/main" xmlns="" id="{DF15C24A-4BCF-47C0-B2FA-76A0EF3384D1}"/>
                 </a:ext>
                 <a:ext uri="{C183D7F6-B498-43B3-948B-1728B52AA6E4}">
-                  <adec:decorative xmlns="" xmlns:adec="http://schemas.microsoft.com/office/drawing/2017/decorative" val="1"/>
+                  <adec:decorative xmlns:adec="http://schemas.microsoft.com/office/drawing/2017/decorative" xmlns="" val="1"/>
                 </a:ext>
               </a:extLst>
             </p:cNvPr>
@@ -28671,7 +29477,7 @@
             <p:nvPr>
               <p:extLst>
                 <p:ext uri="{386F3935-93C4-4BCD-93E2-E3B085C9AB24}">
-                  <p16:designElem xmlns:p16="http://schemas.microsoft.com/office/powerpoint/2015/main" xmlns="" val="1"/>
+                  <p16:designElem xmlns="" xmlns:p16="http://schemas.microsoft.com/office/powerpoint/2015/main" val="1"/>
                 </p:ext>
               </p:extLst>
             </p:nvPr>
@@ -28717,10 +29523,10 @@
           <p:cNvPr id="24" name="Rectangle 23">
             <a:extLst>
               <a:ext uri="{FF2B5EF4-FFF2-40B4-BE49-F238E27FC236}">
-                <a16:creationId xmlns="" xmlns:a16="http://schemas.microsoft.com/office/drawing/2014/main" id="{655AE6B0-AC9E-4167-806F-E9DB135FC46B}"/>
+                <a16:creationId xmlns:a16="http://schemas.microsoft.com/office/drawing/2014/main" xmlns="" id="{655AE6B0-AC9E-4167-806F-E9DB135FC46B}"/>
               </a:ext>
               <a:ext uri="{C183D7F6-B498-43B3-948B-1728B52AA6E4}">
-                <adec:decorative xmlns="" xmlns:adec="http://schemas.microsoft.com/office/drawing/2017/decorative" val="1"/>
+                <adec:decorative xmlns:adec="http://schemas.microsoft.com/office/drawing/2017/decorative" xmlns="" val="1"/>
               </a:ext>
             </a:extLst>
           </p:cNvPr>
@@ -28730,7 +29536,7 @@
           <p:nvPr>
             <p:extLst>
               <p:ext uri="{386F3935-93C4-4BCD-93E2-E3B085C9AB24}">
-                <p16:designElem xmlns:p16="http://schemas.microsoft.com/office/powerpoint/2015/main" xmlns="" val="1"/>
+                <p16:designElem xmlns="" xmlns:p16="http://schemas.microsoft.com/office/powerpoint/2015/main" val="1"/>
               </p:ext>
             </p:extLst>
           </p:nvPr>
@@ -28777,7 +29583,7 @@
           <p:cNvPr id="4" name="Title 3">
             <a:extLst>
               <a:ext uri="{FF2B5EF4-FFF2-40B4-BE49-F238E27FC236}">
-                <a16:creationId xmlns="" xmlns:a16="http://schemas.microsoft.com/office/drawing/2014/main" id="{5EBEF5FC-C4E9-4BCF-AB6B-2D5FCF4C92CF}"/>
+                <a16:creationId xmlns:a16="http://schemas.microsoft.com/office/drawing/2014/main" xmlns="" id="{5EBEF5FC-C4E9-4BCF-AB6B-2D5FCF4C92CF}"/>
               </a:ext>
             </a:extLst>
           </p:cNvPr>
@@ -28837,10 +29643,10 @@
           <p:cNvPr id="26" name="Group 25">
             <a:extLst>
               <a:ext uri="{FF2B5EF4-FFF2-40B4-BE49-F238E27FC236}">
-                <a16:creationId xmlns="" xmlns:a16="http://schemas.microsoft.com/office/drawing/2014/main" id="{3523416A-383B-4FDC-B4C9-D8EDDFE9C043}"/>
+                <a16:creationId xmlns:a16="http://schemas.microsoft.com/office/drawing/2014/main" xmlns="" id="{3523416A-383B-4FDC-B4C9-D8EDDFE9C043}"/>
               </a:ext>
               <a:ext uri="{C183D7F6-B498-43B3-948B-1728B52AA6E4}">
-                <adec:decorative xmlns="" xmlns:adec="http://schemas.microsoft.com/office/drawing/2017/decorative" val="1"/>
+                <adec:decorative xmlns:adec="http://schemas.microsoft.com/office/drawing/2017/decorative" xmlns="" val="1"/>
               </a:ext>
             </a:extLst>
           </p:cNvPr>
@@ -28850,7 +29656,7 @@
           <p:nvPr>
             <p:extLst>
               <p:ext uri="{386F3935-93C4-4BCD-93E2-E3B085C9AB24}">
-                <p16:designElem xmlns:p16="http://schemas.microsoft.com/office/powerpoint/2015/main" xmlns="" val="1"/>
+                <p16:designElem xmlns="" xmlns:p16="http://schemas.microsoft.com/office/powerpoint/2015/main" val="1"/>
               </p:ext>
             </p:extLst>
           </p:nvPr>
@@ -28868,10 +29674,10 @@
             <p:cNvPr id="27" name="Straight Connector 26">
               <a:extLst>
                 <a:ext uri="{FF2B5EF4-FFF2-40B4-BE49-F238E27FC236}">
-                  <a16:creationId xmlns="" xmlns:a16="http://schemas.microsoft.com/office/drawing/2014/main" id="{CB0D29D5-3F7C-4197-821B-6D60A66CC04B}"/>
+                  <a16:creationId xmlns:a16="http://schemas.microsoft.com/office/drawing/2014/main" xmlns="" id="{CB0D29D5-3F7C-4197-821B-6D60A66CC04B}"/>
                 </a:ext>
                 <a:ext uri="{C183D7F6-B498-43B3-948B-1728B52AA6E4}">
-                  <adec:decorative xmlns="" xmlns:adec="http://schemas.microsoft.com/office/drawing/2017/decorative" val="1"/>
+                  <adec:decorative xmlns:adec="http://schemas.microsoft.com/office/drawing/2017/decorative" xmlns="" val="1"/>
                 </a:ext>
               </a:extLst>
             </p:cNvPr>
@@ -28879,7 +29685,7 @@
             <p:nvPr>
               <p:extLst>
                 <p:ext uri="{386F3935-93C4-4BCD-93E2-E3B085C9AB24}">
-                  <p16:designElem xmlns:p16="http://schemas.microsoft.com/office/powerpoint/2015/main" xmlns="" val="1"/>
+                  <p16:designElem xmlns="" xmlns:p16="http://schemas.microsoft.com/office/powerpoint/2015/main" val="1"/>
                 </p:ext>
               </p:extLst>
             </p:nvPr>
@@ -28920,10 +29726,10 @@
             <p:cNvPr id="28" name="Straight Connector 27">
               <a:extLst>
                 <a:ext uri="{FF2B5EF4-FFF2-40B4-BE49-F238E27FC236}">
-                  <a16:creationId xmlns="" xmlns:a16="http://schemas.microsoft.com/office/drawing/2014/main" id="{347FB49A-3541-428A-AADE-682A3C50563D}"/>
+                  <a16:creationId xmlns:a16="http://schemas.microsoft.com/office/drawing/2014/main" xmlns="" id="{347FB49A-3541-428A-AADE-682A3C50563D}"/>
                 </a:ext>
                 <a:ext uri="{C183D7F6-B498-43B3-948B-1728B52AA6E4}">
-                  <adec:decorative xmlns="" xmlns:adec="http://schemas.microsoft.com/office/drawing/2017/decorative" val="1"/>
+                  <adec:decorative xmlns:adec="http://schemas.microsoft.com/office/drawing/2017/decorative" xmlns="" val="1"/>
                 </a:ext>
               </a:extLst>
             </p:cNvPr>
@@ -28931,7 +29737,7 @@
             <p:nvPr>
               <p:extLst>
                 <p:ext uri="{386F3935-93C4-4BCD-93E2-E3B085C9AB24}">
-                  <p16:designElem xmlns:p16="http://schemas.microsoft.com/office/powerpoint/2015/main" xmlns="" val="1"/>
+                  <p16:designElem xmlns="" xmlns:p16="http://schemas.microsoft.com/office/powerpoint/2015/main" val="1"/>
                 </p:ext>
               </p:extLst>
             </p:nvPr>
@@ -28972,10 +29778,10 @@
             <p:cNvPr id="29" name="Rectangle 23">
               <a:extLst>
                 <a:ext uri="{FF2B5EF4-FFF2-40B4-BE49-F238E27FC236}">
-                  <a16:creationId xmlns="" xmlns:a16="http://schemas.microsoft.com/office/drawing/2014/main" id="{D96F53DC-08F1-42C6-B558-B83D54B27664}"/>
+                  <a16:creationId xmlns:a16="http://schemas.microsoft.com/office/drawing/2014/main" xmlns="" id="{D96F53DC-08F1-42C6-B558-B83D54B27664}"/>
                 </a:ext>
                 <a:ext uri="{C183D7F6-B498-43B3-948B-1728B52AA6E4}">
-                  <adec:decorative xmlns="" xmlns:adec="http://schemas.microsoft.com/office/drawing/2017/decorative" val="1"/>
+                  <adec:decorative xmlns:adec="http://schemas.microsoft.com/office/drawing/2017/decorative" xmlns="" val="1"/>
                 </a:ext>
               </a:extLst>
             </p:cNvPr>
@@ -28983,7 +29789,7 @@
             <p:nvPr>
               <p:extLst>
                 <p:ext uri="{386F3935-93C4-4BCD-93E2-E3B085C9AB24}">
-                  <p16:designElem xmlns:p16="http://schemas.microsoft.com/office/powerpoint/2015/main" xmlns="" val="1"/>
+                  <p16:designElem xmlns="" xmlns:p16="http://schemas.microsoft.com/office/powerpoint/2015/main" val="1"/>
                 </p:ext>
               </p:extLst>
             </p:nvPr>
@@ -29050,10 +29856,10 @@
             <p:cNvPr id="30" name="Rectangle 25">
               <a:extLst>
                 <a:ext uri="{FF2B5EF4-FFF2-40B4-BE49-F238E27FC236}">
-                  <a16:creationId xmlns="" xmlns:a16="http://schemas.microsoft.com/office/drawing/2014/main" id="{AFE48CAF-A51C-463F-A570-ED99439A5CA3}"/>
+                  <a16:creationId xmlns:a16="http://schemas.microsoft.com/office/drawing/2014/main" xmlns="" id="{AFE48CAF-A51C-463F-A570-ED99439A5CA3}"/>
                 </a:ext>
                 <a:ext uri="{C183D7F6-B498-43B3-948B-1728B52AA6E4}">
-                  <adec:decorative xmlns="" xmlns:adec="http://schemas.microsoft.com/office/drawing/2017/decorative" val="1"/>
+                  <adec:decorative xmlns:adec="http://schemas.microsoft.com/office/drawing/2017/decorative" xmlns="" val="1"/>
                 </a:ext>
               </a:extLst>
             </p:cNvPr>
@@ -29061,7 +29867,7 @@
             <p:nvPr>
               <p:extLst>
                 <p:ext uri="{386F3935-93C4-4BCD-93E2-E3B085C9AB24}">
-                  <p16:designElem xmlns:p16="http://schemas.microsoft.com/office/powerpoint/2015/main" xmlns="" val="1"/>
+                  <p16:designElem xmlns="" xmlns:p16="http://schemas.microsoft.com/office/powerpoint/2015/main" val="1"/>
                 </p:ext>
               </p:extLst>
             </p:nvPr>
@@ -29128,10 +29934,10 @@
             <p:cNvPr id="31" name="Isosceles Triangle 30">
               <a:extLst>
                 <a:ext uri="{FF2B5EF4-FFF2-40B4-BE49-F238E27FC236}">
-                  <a16:creationId xmlns="" xmlns:a16="http://schemas.microsoft.com/office/drawing/2014/main" id="{01F0C48B-50FF-4351-8207-16D096048311}"/>
+                  <a16:creationId xmlns:a16="http://schemas.microsoft.com/office/drawing/2014/main" xmlns="" id="{01F0C48B-50FF-4351-8207-16D096048311}"/>
                 </a:ext>
                 <a:ext uri="{C183D7F6-B498-43B3-948B-1728B52AA6E4}">
-                  <adec:decorative xmlns="" xmlns:adec="http://schemas.microsoft.com/office/drawing/2017/decorative" val="1"/>
+                  <adec:decorative xmlns:adec="http://schemas.microsoft.com/office/drawing/2017/decorative" xmlns="" val="1"/>
                 </a:ext>
               </a:extLst>
             </p:cNvPr>
@@ -29139,7 +29945,7 @@
             <p:nvPr>
               <p:extLst>
                 <p:ext uri="{386F3935-93C4-4BCD-93E2-E3B085C9AB24}">
-                  <p16:designElem xmlns:p16="http://schemas.microsoft.com/office/powerpoint/2015/main" xmlns="" val="1"/>
+                  <p16:designElem xmlns="" xmlns:p16="http://schemas.microsoft.com/office/powerpoint/2015/main" val="1"/>
                 </p:ext>
               </p:extLst>
             </p:nvPr>
@@ -29184,10 +29990,10 @@
             <p:cNvPr id="32" name="Rectangle 27">
               <a:extLst>
                 <a:ext uri="{FF2B5EF4-FFF2-40B4-BE49-F238E27FC236}">
-                  <a16:creationId xmlns="" xmlns:a16="http://schemas.microsoft.com/office/drawing/2014/main" id="{300384B6-5ED6-4F91-A548-B706D837513E}"/>
+                  <a16:creationId xmlns:a16="http://schemas.microsoft.com/office/drawing/2014/main" xmlns="" id="{300384B6-5ED6-4F91-A548-B706D837513E}"/>
                 </a:ext>
                 <a:ext uri="{C183D7F6-B498-43B3-948B-1728B52AA6E4}">
-                  <adec:decorative xmlns="" xmlns:adec="http://schemas.microsoft.com/office/drawing/2017/decorative" val="1"/>
+                  <adec:decorative xmlns:adec="http://schemas.microsoft.com/office/drawing/2017/decorative" xmlns="" val="1"/>
                 </a:ext>
               </a:extLst>
             </p:cNvPr>
@@ -29195,7 +30001,7 @@
             <p:nvPr>
               <p:extLst>
                 <p:ext uri="{386F3935-93C4-4BCD-93E2-E3B085C9AB24}">
-                  <p16:designElem xmlns:p16="http://schemas.microsoft.com/office/powerpoint/2015/main" xmlns="" val="1"/>
+                  <p16:designElem xmlns="" xmlns:p16="http://schemas.microsoft.com/office/powerpoint/2015/main" val="1"/>
                 </p:ext>
               </p:extLst>
             </p:nvPr>
@@ -29263,10 +30069,10 @@
             <p:cNvPr id="33" name="Rectangle 28">
               <a:extLst>
                 <a:ext uri="{FF2B5EF4-FFF2-40B4-BE49-F238E27FC236}">
-                  <a16:creationId xmlns="" xmlns:a16="http://schemas.microsoft.com/office/drawing/2014/main" id="{337AFFAE-C182-463C-9459-8AB3C69D9A29}"/>
+                  <a16:creationId xmlns:a16="http://schemas.microsoft.com/office/drawing/2014/main" xmlns="" id="{337AFFAE-C182-463C-9459-8AB3C69D9A29}"/>
                 </a:ext>
                 <a:ext uri="{C183D7F6-B498-43B3-948B-1728B52AA6E4}">
-                  <adec:decorative xmlns="" xmlns:adec="http://schemas.microsoft.com/office/drawing/2017/decorative" val="1"/>
+                  <adec:decorative xmlns:adec="http://schemas.microsoft.com/office/drawing/2017/decorative" xmlns="" val="1"/>
                 </a:ext>
               </a:extLst>
             </p:cNvPr>
@@ -29274,7 +30080,7 @@
             <p:nvPr>
               <p:extLst>
                 <p:ext uri="{386F3935-93C4-4BCD-93E2-E3B085C9AB24}">
-                  <p16:designElem xmlns:p16="http://schemas.microsoft.com/office/powerpoint/2015/main" xmlns="" val="1"/>
+                  <p16:designElem xmlns="" xmlns:p16="http://schemas.microsoft.com/office/powerpoint/2015/main" val="1"/>
                 </p:ext>
               </p:extLst>
             </p:nvPr>
@@ -29343,10 +30149,10 @@
             <p:cNvPr id="34" name="Rectangle 29">
               <a:extLst>
                 <a:ext uri="{FF2B5EF4-FFF2-40B4-BE49-F238E27FC236}">
-                  <a16:creationId xmlns="" xmlns:a16="http://schemas.microsoft.com/office/drawing/2014/main" id="{510ACF17-C3F0-42BF-BDEB-D079277121E4}"/>
+                  <a16:creationId xmlns:a16="http://schemas.microsoft.com/office/drawing/2014/main" xmlns="" id="{510ACF17-C3F0-42BF-BDEB-D079277121E4}"/>
                 </a:ext>
                 <a:ext uri="{C183D7F6-B498-43B3-948B-1728B52AA6E4}">
-                  <adec:decorative xmlns="" xmlns:adec="http://schemas.microsoft.com/office/drawing/2017/decorative" val="1"/>
+                  <adec:decorative xmlns:adec="http://schemas.microsoft.com/office/drawing/2017/decorative" xmlns="" val="1"/>
                 </a:ext>
               </a:extLst>
             </p:cNvPr>
@@ -29354,7 +30160,7 @@
             <p:nvPr>
               <p:extLst>
                 <p:ext uri="{386F3935-93C4-4BCD-93E2-E3B085C9AB24}">
-                  <p16:designElem xmlns:p16="http://schemas.microsoft.com/office/powerpoint/2015/main" xmlns="" val="1"/>
+                  <p16:designElem xmlns="" xmlns:p16="http://schemas.microsoft.com/office/powerpoint/2015/main" val="1"/>
                 </p:ext>
               </p:extLst>
             </p:nvPr>
@@ -29421,10 +30227,10 @@
             <p:cNvPr id="35" name="Isosceles Triangle 34">
               <a:extLst>
                 <a:ext uri="{FF2B5EF4-FFF2-40B4-BE49-F238E27FC236}">
-                  <a16:creationId xmlns="" xmlns:a16="http://schemas.microsoft.com/office/drawing/2014/main" id="{E804EFD0-B84E-476F-9FC6-6C4A42EA0054}"/>
+                  <a16:creationId xmlns:a16="http://schemas.microsoft.com/office/drawing/2014/main" xmlns="" id="{E804EFD0-B84E-476F-9FC6-6C4A42EA0054}"/>
                 </a:ext>
                 <a:ext uri="{C183D7F6-B498-43B3-948B-1728B52AA6E4}">
-                  <adec:decorative xmlns="" xmlns:adec="http://schemas.microsoft.com/office/drawing/2017/decorative" val="1"/>
+                  <adec:decorative xmlns:adec="http://schemas.microsoft.com/office/drawing/2017/decorative" xmlns="" val="1"/>
                 </a:ext>
               </a:extLst>
             </p:cNvPr>
@@ -29432,7 +30238,7 @@
             <p:nvPr>
               <p:extLst>
                 <p:ext uri="{386F3935-93C4-4BCD-93E2-E3B085C9AB24}">
-                  <p16:designElem xmlns:p16="http://schemas.microsoft.com/office/powerpoint/2015/main" xmlns="" val="1"/>
+                  <p16:designElem xmlns="" xmlns:p16="http://schemas.microsoft.com/office/powerpoint/2015/main" val="1"/>
                 </p:ext>
               </p:extLst>
             </p:nvPr>
@@ -29478,10 +30284,10 @@
           <p:cNvPr id="37" name="Rectangle 36">
             <a:extLst>
               <a:ext uri="{FF2B5EF4-FFF2-40B4-BE49-F238E27FC236}">
-                <a16:creationId xmlns="" xmlns:a16="http://schemas.microsoft.com/office/drawing/2014/main" id="{87BD1F4E-A66D-4C06-86DA-8D56CA7A3B41}"/>
+                <a16:creationId xmlns:a16="http://schemas.microsoft.com/office/drawing/2014/main" xmlns="" id="{87BD1F4E-A66D-4C06-86DA-8D56CA7A3B41}"/>
               </a:ext>
               <a:ext uri="{C183D7F6-B498-43B3-948B-1728B52AA6E4}">
-                <adec:decorative xmlns="" xmlns:adec="http://schemas.microsoft.com/office/drawing/2017/decorative" val="1"/>
+                <adec:decorative xmlns:adec="http://schemas.microsoft.com/office/drawing/2017/decorative" xmlns="" val="1"/>
               </a:ext>
             </a:extLst>
           </p:cNvPr>
@@ -29491,7 +30297,7 @@
           <p:nvPr>
             <p:extLst>
               <p:ext uri="{386F3935-93C4-4BCD-93E2-E3B085C9AB24}">
-                <p16:designElem xmlns:p16="http://schemas.microsoft.com/office/powerpoint/2015/main" xmlns="" val="1"/>
+                <p16:designElem xmlns="" xmlns:p16="http://schemas.microsoft.com/office/powerpoint/2015/main" val="1"/>
               </p:ext>
             </p:extLst>
           </p:nvPr>
@@ -29538,7 +30344,7 @@
           <p:cNvPr id="7" name="Content Placeholder 4">
             <a:extLst>
               <a:ext uri="{FF2B5EF4-FFF2-40B4-BE49-F238E27FC236}">
-                <a16:creationId xmlns="" xmlns:a16="http://schemas.microsoft.com/office/drawing/2014/main" id="{90867260-EDD1-4FB8-8CD7-96B566B7DA65}"/>
+                <a16:creationId xmlns:a16="http://schemas.microsoft.com/office/drawing/2014/main" xmlns="" id="{90867260-EDD1-4FB8-8CD7-96B566B7DA65}"/>
               </a:ext>
             </a:extLst>
           </p:cNvPr>
@@ -29644,6 +30450,13 @@
   <p:clrMapOvr>
     <a:masterClrMapping/>
   </p:clrMapOvr>
+  <p:timing>
+    <p:tnLst>
+      <p:par>
+        <p:cTn xmlns:p14="http://schemas.microsoft.com/office/powerpoint/2010/main" id="1" dur="indefinite" restart="never" nodeType="tmRoot"/>
+      </p:par>
+    </p:tnLst>
+  </p:timing>
 </p:sld>
 </file>
 
@@ -29669,10 +30482,10 @@
           <p:cNvPr id="13" name="Group 12">
             <a:extLst>
               <a:ext uri="{FF2B5EF4-FFF2-40B4-BE49-F238E27FC236}">
-                <a16:creationId xmlns="" xmlns:a16="http://schemas.microsoft.com/office/drawing/2014/main" id="{28460BD8-AE3F-4AC9-9D0B-717052AA5D3A}"/>
+                <a16:creationId xmlns:a16="http://schemas.microsoft.com/office/drawing/2014/main" xmlns="" id="{28460BD8-AE3F-4AC9-9D0B-717052AA5D3A}"/>
               </a:ext>
               <a:ext uri="{C183D7F6-B498-43B3-948B-1728B52AA6E4}">
-                <adec:decorative xmlns="" xmlns:adec="http://schemas.microsoft.com/office/drawing/2017/decorative" val="1"/>
+                <adec:decorative xmlns:adec="http://schemas.microsoft.com/office/drawing/2017/decorative" xmlns="" val="1"/>
               </a:ext>
             </a:extLst>
           </p:cNvPr>
@@ -29682,7 +30495,7 @@
           <p:nvPr>
             <p:extLst>
               <p:ext uri="{386F3935-93C4-4BCD-93E2-E3B085C9AB24}">
-                <p16:designElem xmlns:p16="http://schemas.microsoft.com/office/powerpoint/2015/main" xmlns="" val="1"/>
+                <p16:designElem xmlns="" xmlns:p16="http://schemas.microsoft.com/office/powerpoint/2015/main" val="1"/>
               </p:ext>
             </p:extLst>
           </p:nvPr>
@@ -29700,10 +30513,10 @@
             <p:cNvPr id="14" name="Straight Connector 13">
               <a:extLst>
                 <a:ext uri="{FF2B5EF4-FFF2-40B4-BE49-F238E27FC236}">
-                  <a16:creationId xmlns="" xmlns:a16="http://schemas.microsoft.com/office/drawing/2014/main" id="{54420CFE-F482-466E-9E1E-C78513C0B85D}"/>
+                  <a16:creationId xmlns:a16="http://schemas.microsoft.com/office/drawing/2014/main" xmlns="" id="{54420CFE-F482-466E-9E1E-C78513C0B85D}"/>
                 </a:ext>
                 <a:ext uri="{C183D7F6-B498-43B3-948B-1728B52AA6E4}">
-                  <adec:decorative xmlns="" xmlns:adec="http://schemas.microsoft.com/office/drawing/2017/decorative" val="1"/>
+                  <adec:decorative xmlns:adec="http://schemas.microsoft.com/office/drawing/2017/decorative" xmlns="" val="1"/>
                 </a:ext>
               </a:extLst>
             </p:cNvPr>
@@ -29711,7 +30524,7 @@
             <p:nvPr>
               <p:extLst>
                 <p:ext uri="{386F3935-93C4-4BCD-93E2-E3B085C9AB24}">
-                  <p16:designElem xmlns:p16="http://schemas.microsoft.com/office/powerpoint/2015/main" xmlns="" val="1"/>
+                  <p16:designElem xmlns="" xmlns:p16="http://schemas.microsoft.com/office/powerpoint/2015/main" val="1"/>
                 </p:ext>
               </p:extLst>
             </p:nvPr>
@@ -29752,10 +30565,10 @@
             <p:cNvPr id="15" name="Straight Connector 14">
               <a:extLst>
                 <a:ext uri="{FF2B5EF4-FFF2-40B4-BE49-F238E27FC236}">
-                  <a16:creationId xmlns="" xmlns:a16="http://schemas.microsoft.com/office/drawing/2014/main" id="{5331032B-BD21-4BDA-920C-12E358052567}"/>
+                  <a16:creationId xmlns:a16="http://schemas.microsoft.com/office/drawing/2014/main" xmlns="" id="{5331032B-BD21-4BDA-920C-12E358052567}"/>
                 </a:ext>
                 <a:ext uri="{C183D7F6-B498-43B3-948B-1728B52AA6E4}">
-                  <adec:decorative xmlns="" xmlns:adec="http://schemas.microsoft.com/office/drawing/2017/decorative" val="1"/>
+                  <adec:decorative xmlns:adec="http://schemas.microsoft.com/office/drawing/2017/decorative" xmlns="" val="1"/>
                 </a:ext>
               </a:extLst>
             </p:cNvPr>
@@ -29763,7 +30576,7 @@
             <p:nvPr>
               <p:extLst>
                 <p:ext uri="{386F3935-93C4-4BCD-93E2-E3B085C9AB24}">
-                  <p16:designElem xmlns:p16="http://schemas.microsoft.com/office/powerpoint/2015/main" xmlns="" val="1"/>
+                  <p16:designElem xmlns="" xmlns:p16="http://schemas.microsoft.com/office/powerpoint/2015/main" val="1"/>
                 </p:ext>
               </p:extLst>
             </p:nvPr>
@@ -29804,10 +30617,10 @@
             <p:cNvPr id="16" name="Rectangle 23">
               <a:extLst>
                 <a:ext uri="{FF2B5EF4-FFF2-40B4-BE49-F238E27FC236}">
-                  <a16:creationId xmlns="" xmlns:a16="http://schemas.microsoft.com/office/drawing/2014/main" id="{E7514DA3-59E7-409E-8A3B-AD097F6E5644}"/>
+                  <a16:creationId xmlns:a16="http://schemas.microsoft.com/office/drawing/2014/main" xmlns="" id="{E7514DA3-59E7-409E-8A3B-AD097F6E5644}"/>
                 </a:ext>
                 <a:ext uri="{C183D7F6-B498-43B3-948B-1728B52AA6E4}">
-                  <adec:decorative xmlns="" xmlns:adec="http://schemas.microsoft.com/office/drawing/2017/decorative" val="1"/>
+                  <adec:decorative xmlns:adec="http://schemas.microsoft.com/office/drawing/2017/decorative" xmlns="" val="1"/>
                 </a:ext>
               </a:extLst>
             </p:cNvPr>
@@ -29815,7 +30628,7 @@
             <p:nvPr>
               <p:extLst>
                 <p:ext uri="{386F3935-93C4-4BCD-93E2-E3B085C9AB24}">
-                  <p16:designElem xmlns:p16="http://schemas.microsoft.com/office/powerpoint/2015/main" xmlns="" val="1"/>
+                  <p16:designElem xmlns="" xmlns:p16="http://schemas.microsoft.com/office/powerpoint/2015/main" val="1"/>
                 </p:ext>
               </p:extLst>
             </p:nvPr>
@@ -29882,10 +30695,10 @@
             <p:cNvPr id="17" name="Rectangle 25">
               <a:extLst>
                 <a:ext uri="{FF2B5EF4-FFF2-40B4-BE49-F238E27FC236}">
-                  <a16:creationId xmlns="" xmlns:a16="http://schemas.microsoft.com/office/drawing/2014/main" id="{57B9A2A6-3BE4-4599-9364-F71C5BFD61F8}"/>
+                  <a16:creationId xmlns:a16="http://schemas.microsoft.com/office/drawing/2014/main" xmlns="" id="{57B9A2A6-3BE4-4599-9364-F71C5BFD61F8}"/>
                 </a:ext>
                 <a:ext uri="{C183D7F6-B498-43B3-948B-1728B52AA6E4}">
-                  <adec:decorative xmlns="" xmlns:adec="http://schemas.microsoft.com/office/drawing/2017/decorative" val="1"/>
+                  <adec:decorative xmlns:adec="http://schemas.microsoft.com/office/drawing/2017/decorative" xmlns="" val="1"/>
                 </a:ext>
               </a:extLst>
             </p:cNvPr>
@@ -29893,7 +30706,7 @@
             <p:nvPr>
               <p:extLst>
                 <p:ext uri="{386F3935-93C4-4BCD-93E2-E3B085C9AB24}">
-                  <p16:designElem xmlns:p16="http://schemas.microsoft.com/office/powerpoint/2015/main" xmlns="" val="1"/>
+                  <p16:designElem xmlns="" xmlns:p16="http://schemas.microsoft.com/office/powerpoint/2015/main" val="1"/>
                 </p:ext>
               </p:extLst>
             </p:nvPr>
@@ -29960,10 +30773,10 @@
             <p:cNvPr id="18" name="Isosceles Triangle 17">
               <a:extLst>
                 <a:ext uri="{FF2B5EF4-FFF2-40B4-BE49-F238E27FC236}">
-                  <a16:creationId xmlns="" xmlns:a16="http://schemas.microsoft.com/office/drawing/2014/main" id="{4FD744C6-4ED8-4BC9-BF68-6BDF701C5DB4}"/>
+                  <a16:creationId xmlns:a16="http://schemas.microsoft.com/office/drawing/2014/main" xmlns="" id="{4FD744C6-4ED8-4BC9-BF68-6BDF701C5DB4}"/>
                 </a:ext>
                 <a:ext uri="{C183D7F6-B498-43B3-948B-1728B52AA6E4}">
-                  <adec:decorative xmlns="" xmlns:adec="http://schemas.microsoft.com/office/drawing/2017/decorative" val="1"/>
+                  <adec:decorative xmlns:adec="http://schemas.microsoft.com/office/drawing/2017/decorative" xmlns="" val="1"/>
                 </a:ext>
               </a:extLst>
             </p:cNvPr>
@@ -29971,7 +30784,7 @@
             <p:nvPr>
               <p:extLst>
                 <p:ext uri="{386F3935-93C4-4BCD-93E2-E3B085C9AB24}">
-                  <p16:designElem xmlns:p16="http://schemas.microsoft.com/office/powerpoint/2015/main" xmlns="" val="1"/>
+                  <p16:designElem xmlns="" xmlns:p16="http://schemas.microsoft.com/office/powerpoint/2015/main" val="1"/>
                 </p:ext>
               </p:extLst>
             </p:nvPr>
@@ -30016,10 +30829,10 @@
             <p:cNvPr id="19" name="Rectangle 27">
               <a:extLst>
                 <a:ext uri="{FF2B5EF4-FFF2-40B4-BE49-F238E27FC236}">
-                  <a16:creationId xmlns="" xmlns:a16="http://schemas.microsoft.com/office/drawing/2014/main" id="{092C5BAD-C911-4F8F-A1C5-470268BE668B}"/>
+                  <a16:creationId xmlns:a16="http://schemas.microsoft.com/office/drawing/2014/main" xmlns="" id="{092C5BAD-C911-4F8F-A1C5-470268BE668B}"/>
                 </a:ext>
                 <a:ext uri="{C183D7F6-B498-43B3-948B-1728B52AA6E4}">
-                  <adec:decorative xmlns="" xmlns:adec="http://schemas.microsoft.com/office/drawing/2017/decorative" val="1"/>
+                  <adec:decorative xmlns:adec="http://schemas.microsoft.com/office/drawing/2017/decorative" xmlns="" val="1"/>
                 </a:ext>
               </a:extLst>
             </p:cNvPr>
@@ -30027,7 +30840,7 @@
             <p:nvPr>
               <p:extLst>
                 <p:ext uri="{386F3935-93C4-4BCD-93E2-E3B085C9AB24}">
-                  <p16:designElem xmlns:p16="http://schemas.microsoft.com/office/powerpoint/2015/main" xmlns="" val="1"/>
+                  <p16:designElem xmlns="" xmlns:p16="http://schemas.microsoft.com/office/powerpoint/2015/main" val="1"/>
                 </p:ext>
               </p:extLst>
             </p:nvPr>
@@ -30095,10 +30908,10 @@
             <p:cNvPr id="20" name="Rectangle 28">
               <a:extLst>
                 <a:ext uri="{FF2B5EF4-FFF2-40B4-BE49-F238E27FC236}">
-                  <a16:creationId xmlns="" xmlns:a16="http://schemas.microsoft.com/office/drawing/2014/main" id="{B133D0C8-4EC4-424F-8E70-0482D5B1B653}"/>
+                  <a16:creationId xmlns:a16="http://schemas.microsoft.com/office/drawing/2014/main" xmlns="" id="{B133D0C8-4EC4-424F-8E70-0482D5B1B653}"/>
                 </a:ext>
                 <a:ext uri="{C183D7F6-B498-43B3-948B-1728B52AA6E4}">
-                  <adec:decorative xmlns="" xmlns:adec="http://schemas.microsoft.com/office/drawing/2017/decorative" val="1"/>
+                  <adec:decorative xmlns:adec="http://schemas.microsoft.com/office/drawing/2017/decorative" xmlns="" val="1"/>
                 </a:ext>
               </a:extLst>
             </p:cNvPr>
@@ -30106,7 +30919,7 @@
             <p:nvPr>
               <p:extLst>
                 <p:ext uri="{386F3935-93C4-4BCD-93E2-E3B085C9AB24}">
-                  <p16:designElem xmlns:p16="http://schemas.microsoft.com/office/powerpoint/2015/main" xmlns="" val="1"/>
+                  <p16:designElem xmlns="" xmlns:p16="http://schemas.microsoft.com/office/powerpoint/2015/main" val="1"/>
                 </p:ext>
               </p:extLst>
             </p:nvPr>
@@ -30175,10 +30988,10 @@
             <p:cNvPr id="21" name="Rectangle 29">
               <a:extLst>
                 <a:ext uri="{FF2B5EF4-FFF2-40B4-BE49-F238E27FC236}">
-                  <a16:creationId xmlns="" xmlns:a16="http://schemas.microsoft.com/office/drawing/2014/main" id="{7B1532A0-F4B3-4DE8-B18F-740CAAD25AC4}"/>
+                  <a16:creationId xmlns:a16="http://schemas.microsoft.com/office/drawing/2014/main" xmlns="" id="{7B1532A0-F4B3-4DE8-B18F-740CAAD25AC4}"/>
                 </a:ext>
                 <a:ext uri="{C183D7F6-B498-43B3-948B-1728B52AA6E4}">
-                  <adec:decorative xmlns="" xmlns:adec="http://schemas.microsoft.com/office/drawing/2017/decorative" val="1"/>
+                  <adec:decorative xmlns:adec="http://schemas.microsoft.com/office/drawing/2017/decorative" xmlns="" val="1"/>
                 </a:ext>
               </a:extLst>
             </p:cNvPr>
@@ -30186,7 +30999,7 @@
             <p:nvPr>
               <p:extLst>
                 <p:ext uri="{386F3935-93C4-4BCD-93E2-E3B085C9AB24}">
-                  <p16:designElem xmlns:p16="http://schemas.microsoft.com/office/powerpoint/2015/main" xmlns="" val="1"/>
+                  <p16:designElem xmlns="" xmlns:p16="http://schemas.microsoft.com/office/powerpoint/2015/main" val="1"/>
                 </p:ext>
               </p:extLst>
             </p:nvPr>
@@ -30253,10 +31066,10 @@
             <p:cNvPr id="22" name="Isosceles Triangle 21">
               <a:extLst>
                 <a:ext uri="{FF2B5EF4-FFF2-40B4-BE49-F238E27FC236}">
-                  <a16:creationId xmlns="" xmlns:a16="http://schemas.microsoft.com/office/drawing/2014/main" id="{8EFDD162-BBBA-4062-8BBF-53DBA1091374}"/>
+                  <a16:creationId xmlns:a16="http://schemas.microsoft.com/office/drawing/2014/main" xmlns="" id="{8EFDD162-BBBA-4062-8BBF-53DBA1091374}"/>
                 </a:ext>
                 <a:ext uri="{C183D7F6-B498-43B3-948B-1728B52AA6E4}">
-                  <adec:decorative xmlns="" xmlns:adec="http://schemas.microsoft.com/office/drawing/2017/decorative" val="1"/>
+                  <adec:decorative xmlns:adec="http://schemas.microsoft.com/office/drawing/2017/decorative" xmlns="" val="1"/>
                 </a:ext>
               </a:extLst>
             </p:cNvPr>
@@ -30264,7 +31077,7 @@
             <p:nvPr>
               <p:extLst>
                 <p:ext uri="{386F3935-93C4-4BCD-93E2-E3B085C9AB24}">
-                  <p16:designElem xmlns:p16="http://schemas.microsoft.com/office/powerpoint/2015/main" xmlns="" val="1"/>
+                  <p16:designElem xmlns="" xmlns:p16="http://schemas.microsoft.com/office/powerpoint/2015/main" val="1"/>
                 </p:ext>
               </p:extLst>
             </p:nvPr>
@@ -30309,10 +31122,10 @@
             <p:cNvPr id="23" name="Isosceles Triangle 22">
               <a:extLst>
                 <a:ext uri="{FF2B5EF4-FFF2-40B4-BE49-F238E27FC236}">
-                  <a16:creationId xmlns="" xmlns:a16="http://schemas.microsoft.com/office/drawing/2014/main" id="{DCFC9E65-3E19-4483-B952-25D29683CA56}"/>
+                  <a16:creationId xmlns:a16="http://schemas.microsoft.com/office/drawing/2014/main" xmlns="" id="{DCFC9E65-3E19-4483-B952-25D29683CA56}"/>
                 </a:ext>
                 <a:ext uri="{C183D7F6-B498-43B3-948B-1728B52AA6E4}">
-                  <adec:decorative xmlns="" xmlns:adec="http://schemas.microsoft.com/office/drawing/2017/decorative" val="1"/>
+                  <adec:decorative xmlns:adec="http://schemas.microsoft.com/office/drawing/2017/decorative" xmlns="" val="1"/>
                 </a:ext>
               </a:extLst>
             </p:cNvPr>
@@ -30320,7 +31133,7 @@
             <p:nvPr>
               <p:extLst>
                 <p:ext uri="{386F3935-93C4-4BCD-93E2-E3B085C9AB24}">
-                  <p16:designElem xmlns:p16="http://schemas.microsoft.com/office/powerpoint/2015/main" xmlns="" val="1"/>
+                  <p16:designElem xmlns="" xmlns:p16="http://schemas.microsoft.com/office/powerpoint/2015/main" val="1"/>
                 </p:ext>
               </p:extLst>
             </p:nvPr>
@@ -30366,10 +31179,10 @@
           <p:cNvPr id="25" name="Rectangle 24">
             <a:extLst>
               <a:ext uri="{FF2B5EF4-FFF2-40B4-BE49-F238E27FC236}">
-                <a16:creationId xmlns="" xmlns:a16="http://schemas.microsoft.com/office/drawing/2014/main" id="{4F57DB1C-6494-4CC4-A5E8-931957565379}"/>
+                <a16:creationId xmlns:a16="http://schemas.microsoft.com/office/drawing/2014/main" xmlns="" id="{4F57DB1C-6494-4CC4-A5E8-931957565379}"/>
               </a:ext>
               <a:ext uri="{C183D7F6-B498-43B3-948B-1728B52AA6E4}">
-                <adec:decorative xmlns="" xmlns:adec="http://schemas.microsoft.com/office/drawing/2017/decorative" val="1"/>
+                <adec:decorative xmlns:adec="http://schemas.microsoft.com/office/drawing/2017/decorative" xmlns="" val="1"/>
               </a:ext>
             </a:extLst>
           </p:cNvPr>
@@ -30379,7 +31192,7 @@
           <p:nvPr>
             <p:extLst>
               <p:ext uri="{386F3935-93C4-4BCD-93E2-E3B085C9AB24}">
-                <p16:designElem xmlns:p16="http://schemas.microsoft.com/office/powerpoint/2015/main" xmlns="" val="1"/>
+                <p16:designElem xmlns="" xmlns:p16="http://schemas.microsoft.com/office/powerpoint/2015/main" val="1"/>
               </p:ext>
             </p:extLst>
           </p:nvPr>
@@ -30426,10 +31239,10 @@
           <p:cNvPr id="27" name="Isosceles Triangle 26">
             <a:extLst>
               <a:ext uri="{FF2B5EF4-FFF2-40B4-BE49-F238E27FC236}">
-                <a16:creationId xmlns="" xmlns:a16="http://schemas.microsoft.com/office/drawing/2014/main" id="{FFFB778B-5206-4BB0-A468-327E71367654}"/>
+                <a16:creationId xmlns:a16="http://schemas.microsoft.com/office/drawing/2014/main" xmlns="" id="{FFFB778B-5206-4BB0-A468-327E71367654}"/>
               </a:ext>
               <a:ext uri="{C183D7F6-B498-43B3-948B-1728B52AA6E4}">
-                <adec:decorative xmlns="" xmlns:adec="http://schemas.microsoft.com/office/drawing/2017/decorative" val="1"/>
+                <adec:decorative xmlns:adec="http://schemas.microsoft.com/office/drawing/2017/decorative" xmlns="" val="1"/>
               </a:ext>
             </a:extLst>
           </p:cNvPr>
@@ -30439,7 +31252,7 @@
           <p:nvPr>
             <p:extLst>
               <p:ext uri="{386F3935-93C4-4BCD-93E2-E3B085C9AB24}">
-                <p16:designElem xmlns:p16="http://schemas.microsoft.com/office/powerpoint/2015/main" xmlns="" val="1"/>
+                <p16:designElem xmlns="" xmlns:p16="http://schemas.microsoft.com/office/powerpoint/2015/main" val="1"/>
               </p:ext>
             </p:extLst>
           </p:nvPr>
@@ -30484,10 +31297,10 @@
           <p:cNvPr id="29" name="Freeform: Shape 28">
             <a:extLst>
               <a:ext uri="{FF2B5EF4-FFF2-40B4-BE49-F238E27FC236}">
-                <a16:creationId xmlns="" xmlns:a16="http://schemas.microsoft.com/office/drawing/2014/main" id="{E6C0471D-BE03-4D81-BDB5-D510BC0D8A77}"/>
+                <a16:creationId xmlns:a16="http://schemas.microsoft.com/office/drawing/2014/main" xmlns="" id="{E6C0471D-BE03-4D81-BDB5-D510BC0D8A77}"/>
               </a:ext>
               <a:ext uri="{C183D7F6-B498-43B3-948B-1728B52AA6E4}">
-                <adec:decorative xmlns="" xmlns:adec="http://schemas.microsoft.com/office/drawing/2017/decorative" val="1"/>
+                <adec:decorative xmlns:adec="http://schemas.microsoft.com/office/drawing/2017/decorative" xmlns="" val="1"/>
               </a:ext>
             </a:extLst>
           </p:cNvPr>
@@ -30497,7 +31310,7 @@
           <p:nvPr>
             <p:extLst>
               <p:ext uri="{386F3935-93C4-4BCD-93E2-E3B085C9AB24}">
-                <p16:designElem xmlns:p16="http://schemas.microsoft.com/office/powerpoint/2015/main" xmlns="" val="1"/>
+                <p16:designElem xmlns="" xmlns:p16="http://schemas.microsoft.com/office/powerpoint/2015/main" val="1"/>
               </p:ext>
             </p:extLst>
           </p:nvPr>
@@ -30648,10 +31461,10 @@
           <p:cNvPr id="31" name="Straight Connector 30">
             <a:extLst>
               <a:ext uri="{FF2B5EF4-FFF2-40B4-BE49-F238E27FC236}">
-                <a16:creationId xmlns="" xmlns:a16="http://schemas.microsoft.com/office/drawing/2014/main" id="{22721A85-1EA4-4D87-97AB-0BB4AB78F92D}"/>
+                <a16:creationId xmlns:a16="http://schemas.microsoft.com/office/drawing/2014/main" xmlns="" id="{22721A85-1EA4-4D87-97AB-0BB4AB78F92D}"/>
               </a:ext>
               <a:ext uri="{C183D7F6-B498-43B3-948B-1728B52AA6E4}">
-                <adec:decorative xmlns="" xmlns:adec="http://schemas.microsoft.com/office/drawing/2017/decorative" val="1"/>
+                <adec:decorative xmlns:adec="http://schemas.microsoft.com/office/drawing/2017/decorative" xmlns="" val="1"/>
               </a:ext>
             </a:extLst>
           </p:cNvPr>
@@ -30661,7 +31474,7 @@
           <p:nvPr>
             <p:extLst>
               <p:ext uri="{386F3935-93C4-4BCD-93E2-E3B085C9AB24}">
-                <p16:designElem xmlns:p16="http://schemas.microsoft.com/office/powerpoint/2015/main" xmlns="" val="1"/>
+                <p16:designElem xmlns="" xmlns:p16="http://schemas.microsoft.com/office/powerpoint/2015/main" val="1"/>
               </p:ext>
             </p:extLst>
           </p:nvPr>
@@ -30701,10 +31514,10 @@
           <p:cNvPr id="33" name="Straight Connector 32">
             <a:extLst>
               <a:ext uri="{FF2B5EF4-FFF2-40B4-BE49-F238E27FC236}">
-                <a16:creationId xmlns="" xmlns:a16="http://schemas.microsoft.com/office/drawing/2014/main" id="{E5E836EB-03CD-4BA5-A751-21D2ACC28303}"/>
+                <a16:creationId xmlns:a16="http://schemas.microsoft.com/office/drawing/2014/main" xmlns="" id="{E5E836EB-03CD-4BA5-A751-21D2ACC28303}"/>
               </a:ext>
               <a:ext uri="{C183D7F6-B498-43B3-948B-1728B52AA6E4}">
-                <adec:decorative xmlns="" xmlns:adec="http://schemas.microsoft.com/office/drawing/2017/decorative" val="1"/>
+                <adec:decorative xmlns:adec="http://schemas.microsoft.com/office/drawing/2017/decorative" xmlns="" val="1"/>
               </a:ext>
             </a:extLst>
           </p:cNvPr>
@@ -30714,7 +31527,7 @@
           <p:nvPr>
             <p:extLst>
               <p:ext uri="{386F3935-93C4-4BCD-93E2-E3B085C9AB24}">
-                <p16:designElem xmlns:p16="http://schemas.microsoft.com/office/powerpoint/2015/main" xmlns="" val="1"/>
+                <p16:designElem xmlns="" xmlns:p16="http://schemas.microsoft.com/office/powerpoint/2015/main" val="1"/>
               </p:ext>
             </p:extLst>
           </p:nvPr>
@@ -30757,10 +31570,10 @@
           <p:cNvPr id="35" name="Isosceles Triangle 34">
             <a:extLst>
               <a:ext uri="{FF2B5EF4-FFF2-40B4-BE49-F238E27FC236}">
-                <a16:creationId xmlns="" xmlns:a16="http://schemas.microsoft.com/office/drawing/2014/main" id="{A27691EB-14CF-4237-B5EB-C94B92677A05}"/>
+                <a16:creationId xmlns:a16="http://schemas.microsoft.com/office/drawing/2014/main" xmlns="" id="{A27691EB-14CF-4237-B5EB-C94B92677A05}"/>
               </a:ext>
               <a:ext uri="{C183D7F6-B498-43B3-948B-1728B52AA6E4}">
-                <adec:decorative xmlns="" xmlns:adec="http://schemas.microsoft.com/office/drawing/2017/decorative" val="1"/>
+                <adec:decorative xmlns:adec="http://schemas.microsoft.com/office/drawing/2017/decorative" xmlns="" val="1"/>
               </a:ext>
             </a:extLst>
           </p:cNvPr>
@@ -30770,7 +31583,7 @@
           <p:nvPr>
             <p:extLst>
               <p:ext uri="{386F3935-93C4-4BCD-93E2-E3B085C9AB24}">
-                <p16:designElem xmlns:p16="http://schemas.microsoft.com/office/powerpoint/2015/main" xmlns="" val="1"/>
+                <p16:designElem xmlns="" xmlns:p16="http://schemas.microsoft.com/office/powerpoint/2015/main" val="1"/>
               </p:ext>
             </p:extLst>
           </p:nvPr>
@@ -30815,7 +31628,7 @@
           <p:cNvPr id="5" name="Footer Placeholder 4">
             <a:extLst>
               <a:ext uri="{FF2B5EF4-FFF2-40B4-BE49-F238E27FC236}">
-                <a16:creationId xmlns="" xmlns:a16="http://schemas.microsoft.com/office/drawing/2014/main" id="{7CF51E7F-FFD9-4D68-A105-E560DE96D5AC}"/>
+                <a16:creationId xmlns:a16="http://schemas.microsoft.com/office/drawing/2014/main" xmlns="" id="{7CF51E7F-FFD9-4D68-A105-E560DE96D5AC}"/>
               </a:ext>
             </a:extLst>
           </p:cNvPr>
@@ -30868,7 +31681,7 @@
           <p:cNvPr id="7" name="Title 6">
             <a:extLst>
               <a:ext uri="{FF2B5EF4-FFF2-40B4-BE49-F238E27FC236}">
-                <a16:creationId xmlns="" xmlns:a16="http://schemas.microsoft.com/office/drawing/2014/main" id="{274EA12E-18EA-4D5E-9796-4E73E5CA5BFE}"/>
+                <a16:creationId xmlns:a16="http://schemas.microsoft.com/office/drawing/2014/main" xmlns="" id="{274EA12E-18EA-4D5E-9796-4E73E5CA5BFE}"/>
               </a:ext>
             </a:extLst>
           </p:cNvPr>
@@ -30968,7 +31781,7 @@
           <p:cNvPr id="4" name="Date Placeholder 3">
             <a:extLst>
               <a:ext uri="{FF2B5EF4-FFF2-40B4-BE49-F238E27FC236}">
-                <a16:creationId xmlns="" xmlns:a16="http://schemas.microsoft.com/office/drawing/2014/main" id="{BDE9CA3E-0B72-4E9B-9610-DC333ABB466E}"/>
+                <a16:creationId xmlns:a16="http://schemas.microsoft.com/office/drawing/2014/main" xmlns="" id="{BDE9CA3E-0B72-4E9B-9610-DC333ABB466E}"/>
               </a:ext>
             </a:extLst>
           </p:cNvPr>
@@ -31021,7 +31834,7 @@
           <p:cNvPr id="6" name="Slide Number Placeholder 5">
             <a:extLst>
               <a:ext uri="{FF2B5EF4-FFF2-40B4-BE49-F238E27FC236}">
-                <a16:creationId xmlns="" xmlns:a16="http://schemas.microsoft.com/office/drawing/2014/main" id="{B3B78C34-F02A-48FC-829C-B161A3567A39}"/>
+                <a16:creationId xmlns:a16="http://schemas.microsoft.com/office/drawing/2014/main" xmlns="" id="{B3B78C34-F02A-48FC-829C-B161A3567A39}"/>
               </a:ext>
             </a:extLst>
           </p:cNvPr>
@@ -31217,7 +32030,7 @@
           <p:cNvPr id="7" name="Content Placeholder 3">
             <a:extLst>
               <a:ext uri="{FF2B5EF4-FFF2-40B4-BE49-F238E27FC236}">
-                <a16:creationId xmlns:a16="http://schemas.microsoft.com/office/drawing/2014/main" xmlns="" id="{1A3B3E0E-C466-4794-8D84-5293CBDA487D}"/>
+                <a16:creationId xmlns="" xmlns:a16="http://schemas.microsoft.com/office/drawing/2014/main" id="{1A3B3E0E-C466-4794-8D84-5293CBDA487D}"/>
               </a:ext>
             </a:extLst>
           </p:cNvPr>
@@ -31227,7 +32040,7 @@
           <p:nvPr>
             <p:extLst>
               <p:ext uri="{D42A27DB-BD31-4B8C-83A1-F6EECF244321}">
-                <p14:modId xmlns:p14="http://schemas.microsoft.com/office/powerpoint/2010/main" val="1033556254"/>
+                <p14:modId xmlns:p14="http://schemas.microsoft.com/office/powerpoint/2010/main" val="214654570"/>
               </p:ext>
             </p:extLst>
           </p:nvPr>
@@ -31272,11 +32085,6 @@
               </a:rPr>
               <a:t>1</a:t>
             </a:r>
-            <a:endParaRPr lang="en-US" sz="2200" normalizeH="1" dirty="0" smtClean="0">
-              <a:solidFill>
-                <a:schemeClr val="bg1"/>
-              </a:solidFill>
-            </a:endParaRPr>
           </a:p>
         </p:txBody>
       </p:sp>
@@ -31310,11 +32118,6 @@
               </a:rPr>
               <a:t>2</a:t>
             </a:r>
-            <a:endParaRPr lang="en-US" sz="2200" normalizeH="1" dirty="0" smtClean="0">
-              <a:solidFill>
-                <a:schemeClr val="bg1"/>
-              </a:solidFill>
-            </a:endParaRPr>
           </a:p>
         </p:txBody>
       </p:sp>
@@ -31348,11 +32151,6 @@
               </a:rPr>
               <a:t>3</a:t>
             </a:r>
-            <a:endParaRPr lang="en-US" sz="2200" normalizeH="1" dirty="0" smtClean="0">
-              <a:solidFill>
-                <a:schemeClr val="bg1"/>
-              </a:solidFill>
-            </a:endParaRPr>
           </a:p>
         </p:txBody>
       </p:sp>
@@ -31386,11 +32184,6 @@
               </a:rPr>
               <a:t>4</a:t>
             </a:r>
-            <a:endParaRPr lang="en-US" sz="2200" normalizeH="1" dirty="0" smtClean="0">
-              <a:solidFill>
-                <a:schemeClr val="bg1"/>
-              </a:solidFill>
-            </a:endParaRPr>
           </a:p>
         </p:txBody>
       </p:sp>
@@ -31404,6 +32197,13 @@
   <p:clrMapOvr>
     <a:masterClrMapping/>
   </p:clrMapOvr>
+  <p:timing>
+    <p:tnLst>
+      <p:par>
+        <p:cTn xmlns:p14="http://schemas.microsoft.com/office/powerpoint/2010/main" id="1" dur="indefinite" restart="never" nodeType="tmRoot"/>
+      </p:par>
+    </p:tnLst>
+  </p:timing>
 </p:sld>
 </file>
 
@@ -31429,7 +32229,7 @@
           <p:cNvPr id="3" name="Title 2">
             <a:extLst>
               <a:ext uri="{FF2B5EF4-FFF2-40B4-BE49-F238E27FC236}">
-                <a16:creationId xmlns="" xmlns:a16="http://schemas.microsoft.com/office/drawing/2014/main" id="{E80AD922-7393-4865-ACE7-93B7D87B3B37}"/>
+                <a16:creationId xmlns:a16="http://schemas.microsoft.com/office/drawing/2014/main" xmlns="" id="{E80AD922-7393-4865-ACE7-93B7D87B3B37}"/>
               </a:ext>
             </a:extLst>
           </p:cNvPr>
@@ -31482,7 +32282,7 @@
           <p:cNvPr id="4" name="Date Placeholder 3">
             <a:extLst>
               <a:ext uri="{FF2B5EF4-FFF2-40B4-BE49-F238E27FC236}">
-                <a16:creationId xmlns="" xmlns:a16="http://schemas.microsoft.com/office/drawing/2014/main" id="{C0CC6311-472D-4855-AE68-910D7140AD6F}"/>
+                <a16:creationId xmlns:a16="http://schemas.microsoft.com/office/drawing/2014/main" xmlns="" id="{C0CC6311-472D-4855-AE68-910D7140AD6F}"/>
               </a:ext>
             </a:extLst>
           </p:cNvPr>
@@ -31515,7 +32315,7 @@
           <p:cNvPr id="5" name="Footer Placeholder 4">
             <a:extLst>
               <a:ext uri="{FF2B5EF4-FFF2-40B4-BE49-F238E27FC236}">
-                <a16:creationId xmlns="" xmlns:a16="http://schemas.microsoft.com/office/drawing/2014/main" id="{74662725-5431-4BBD-921A-92EFF311A745}"/>
+                <a16:creationId xmlns:a16="http://schemas.microsoft.com/office/drawing/2014/main" xmlns="" id="{74662725-5431-4BBD-921A-92EFF311A745}"/>
               </a:ext>
             </a:extLst>
           </p:cNvPr>
@@ -31544,7 +32344,7 @@
           <p:cNvPr id="6" name="Slide Number Placeholder 5">
             <a:extLst>
               <a:ext uri="{FF2B5EF4-FFF2-40B4-BE49-F238E27FC236}">
-                <a16:creationId xmlns="" xmlns:a16="http://schemas.microsoft.com/office/drawing/2014/main" id="{E9D5496C-6ADB-432B-819A-5589F2581497}"/>
+                <a16:creationId xmlns:a16="http://schemas.microsoft.com/office/drawing/2014/main" xmlns="" id="{E9D5496C-6ADB-432B-819A-5589F2581497}"/>
               </a:ext>
             </a:extLst>
           </p:cNvPr>
@@ -31712,7 +32512,7 @@
       </p:sp>
       <p:pic>
         <p:nvPicPr>
-          <p:cNvPr id="11" name="Picture 10" descr="VoiceRecorder (3).png"/>
+          <p:cNvPr id="2" name="Picture 1" descr="VoiceRecorder (4).png"/>
           <p:cNvPicPr>
             <a:picLocks noChangeAspect="1"/>
           </p:cNvPicPr>
@@ -31732,8 +32532,8 @@
         </p:blipFill>
         <p:spPr>
           <a:xfrm>
-            <a:off x="394549" y="369870"/>
-            <a:ext cx="6571721" cy="6160293"/>
+            <a:off x="468529" y="478088"/>
+            <a:ext cx="6411434" cy="6010042"/>
           </a:xfrm>
           <a:prstGeom prst="rect">
             <a:avLst/>
@@ -32655,10 +33455,165 @@
   <p:clrMapOvr>
     <a:masterClrMapping/>
   </p:clrMapOvr>
+  <p:timing>
+    <p:tnLst>
+      <p:par>
+        <p:cTn xmlns:p14="http://schemas.microsoft.com/office/powerpoint/2010/main" id="1" dur="indefinite" restart="never" nodeType="tmRoot"/>
+      </p:par>
+    </p:tnLst>
+  </p:timing>
 </p:sld>
 </file>
 
 <file path=ppt/slides/slide24.xml><?xml version="1.0" encoding="utf-8"?>
+<p:sld xmlns:a="http://schemas.openxmlformats.org/drawingml/2006/main" xmlns:r="http://schemas.openxmlformats.org/officeDocument/2006/relationships" xmlns:p="http://schemas.openxmlformats.org/presentationml/2006/main">
+  <p:cSld>
+    <p:spTree>
+      <p:nvGrpSpPr>
+        <p:cNvPr id="1" name=""/>
+        <p:cNvGrpSpPr/>
+        <p:nvPr/>
+      </p:nvGrpSpPr>
+      <p:grpSpPr>
+        <a:xfrm>
+          <a:off x="0" y="0"/>
+          <a:ext cx="0" cy="0"/>
+          <a:chOff x="0" y="0"/>
+          <a:chExt cx="0" cy="0"/>
+        </a:xfrm>
+      </p:grpSpPr>
+      <p:sp>
+        <p:nvSpPr>
+          <p:cNvPr id="3" name="Title 2"/>
+          <p:cNvSpPr>
+            <a:spLocks noGrp="1"/>
+          </p:cNvSpPr>
+          <p:nvPr>
+            <p:ph type="title"/>
+          </p:nvPr>
+        </p:nvSpPr>
+        <p:spPr>
+          <a:xfrm>
+            <a:off x="819204" y="2298672"/>
+            <a:ext cx="6347713" cy="1320800"/>
+          </a:xfrm>
+        </p:spPr>
+        <p:txBody>
+          <a:bodyPr/>
+          <a:lstStyle/>
+          <a:p>
+            <a:pPr algn="ctr"/>
+            <a:r>
+              <a:rPr lang="en-US" dirty="0" smtClean="0"/>
+              <a:t>Demo </a:t>
+            </a:r>
+            <a:r>
+              <a:rPr lang="en-US" dirty="0" err="1" smtClean="0"/>
+              <a:t>Ứng</a:t>
+            </a:r>
+            <a:r>
+              <a:rPr lang="en-US" dirty="0" smtClean="0"/>
+              <a:t> </a:t>
+            </a:r>
+            <a:r>
+              <a:rPr lang="en-US" dirty="0" err="1" smtClean="0"/>
+              <a:t>dụng</a:t>
+            </a:r>
+            <a:endParaRPr lang="en-US" dirty="0"/>
+          </a:p>
+        </p:txBody>
+      </p:sp>
+      <p:sp>
+        <p:nvSpPr>
+          <p:cNvPr id="4" name="Date Placeholder 3"/>
+          <p:cNvSpPr>
+            <a:spLocks noGrp="1"/>
+          </p:cNvSpPr>
+          <p:nvPr>
+            <p:ph type="dt" sz="half" idx="10"/>
+          </p:nvPr>
+        </p:nvSpPr>
+        <p:spPr/>
+        <p:txBody>
+          <a:bodyPr/>
+          <a:lstStyle/>
+          <a:p>
+            <a:fld id="{6E868049-D854-FF40-8683-8C26C5B52920}" type="datetime4">
+              <a:rPr lang="en-US" smtClean="0"/>
+              <a:t>December 26, 2019</a:t>
+            </a:fld>
+            <a:endParaRPr lang="en-US" dirty="0"/>
+          </a:p>
+        </p:txBody>
+      </p:sp>
+      <p:sp>
+        <p:nvSpPr>
+          <p:cNvPr id="5" name="Footer Placeholder 4"/>
+          <p:cNvSpPr>
+            <a:spLocks noGrp="1"/>
+          </p:cNvSpPr>
+          <p:nvPr>
+            <p:ph type="ftr" sz="quarter" idx="11"/>
+          </p:nvPr>
+        </p:nvSpPr>
+        <p:spPr/>
+        <p:txBody>
+          <a:bodyPr/>
+          <a:lstStyle/>
+          <a:p>
+            <a:r>
+              <a:rPr lang="en-US" smtClean="0"/>
+              <a:t>ĐỂ TÀI: Ứng dụng điều khiển smartphone bằng giọng nói</a:t>
+            </a:r>
+            <a:endParaRPr lang="en-US" b="1" dirty="0"/>
+          </a:p>
+        </p:txBody>
+      </p:sp>
+      <p:sp>
+        <p:nvSpPr>
+          <p:cNvPr id="6" name="Slide Number Placeholder 5"/>
+          <p:cNvSpPr>
+            <a:spLocks noGrp="1"/>
+          </p:cNvSpPr>
+          <p:nvPr>
+            <p:ph type="sldNum" sz="quarter" idx="12"/>
+          </p:nvPr>
+        </p:nvSpPr>
+        <p:spPr/>
+        <p:txBody>
+          <a:bodyPr/>
+          <a:lstStyle/>
+          <a:p>
+            <a:fld id="{4B6EF7A6-4C4D-4D54-9ABD-B54F92A217EE}" type="slidenum">
+              <a:rPr lang="en-US" smtClean="0"/>
+              <a:pPr/>
+              <a:t>24</a:t>
+            </a:fld>
+            <a:endParaRPr lang="en-US" dirty="0"/>
+          </a:p>
+        </p:txBody>
+      </p:sp>
+    </p:spTree>
+    <p:extLst>
+      <p:ext uri="{BB962C8B-B14F-4D97-AF65-F5344CB8AC3E}">
+        <p14:creationId xmlns:p14="http://schemas.microsoft.com/office/powerpoint/2010/main" val="1451977269"/>
+      </p:ext>
+    </p:extLst>
+  </p:cSld>
+  <p:clrMapOvr>
+    <a:masterClrMapping/>
+  </p:clrMapOvr>
+  <p:timing>
+    <p:tnLst>
+      <p:par>
+        <p:cTn xmlns:p14="http://schemas.microsoft.com/office/powerpoint/2010/main" id="1" dur="indefinite" restart="never" nodeType="tmRoot"/>
+      </p:par>
+    </p:tnLst>
+  </p:timing>
+</p:sld>
+</file>
+
+<file path=ppt/slides/slide25.xml><?xml version="1.0" encoding="utf-8"?>
 <p:sld xmlns:a="http://schemas.openxmlformats.org/drawingml/2006/main" xmlns:r="http://schemas.openxmlformats.org/officeDocument/2006/relationships" xmlns:p="http://schemas.openxmlformats.org/presentationml/2006/main">
   <p:cSld>
     <p:bg>
@@ -32688,10 +33643,10 @@
           <p:cNvPr id="13" name="Group 12">
             <a:extLst>
               <a:ext uri="{FF2B5EF4-FFF2-40B4-BE49-F238E27FC236}">
-                <a16:creationId xmlns="" xmlns:a16="http://schemas.microsoft.com/office/drawing/2014/main" id="{28460BD8-AE3F-4AC9-9D0B-717052AA5D3A}"/>
+                <a16:creationId xmlns:a16="http://schemas.microsoft.com/office/drawing/2014/main" xmlns="" id="{28460BD8-AE3F-4AC9-9D0B-717052AA5D3A}"/>
               </a:ext>
               <a:ext uri="{C183D7F6-B498-43B3-948B-1728B52AA6E4}">
-                <adec:decorative xmlns="" xmlns:adec="http://schemas.microsoft.com/office/drawing/2017/decorative" val="1"/>
+                <adec:decorative xmlns:adec="http://schemas.microsoft.com/office/drawing/2017/decorative" xmlns="" val="1"/>
               </a:ext>
             </a:extLst>
           </p:cNvPr>
@@ -32701,7 +33656,7 @@
           <p:nvPr>
             <p:extLst>
               <p:ext uri="{386F3935-93C4-4BCD-93E2-E3B085C9AB24}">
-                <p16:designElem xmlns:p16="http://schemas.microsoft.com/office/powerpoint/2015/main" xmlns="" val="1"/>
+                <p16:designElem xmlns="" xmlns:p16="http://schemas.microsoft.com/office/powerpoint/2015/main" val="1"/>
               </p:ext>
             </p:extLst>
           </p:nvPr>
@@ -32719,10 +33674,10 @@
             <p:cNvPr id="14" name="Straight Connector 13">
               <a:extLst>
                 <a:ext uri="{FF2B5EF4-FFF2-40B4-BE49-F238E27FC236}">
-                  <a16:creationId xmlns="" xmlns:a16="http://schemas.microsoft.com/office/drawing/2014/main" id="{54420CFE-F482-466E-9E1E-C78513C0B85D}"/>
+                  <a16:creationId xmlns:a16="http://schemas.microsoft.com/office/drawing/2014/main" xmlns="" id="{54420CFE-F482-466E-9E1E-C78513C0B85D}"/>
                 </a:ext>
                 <a:ext uri="{C183D7F6-B498-43B3-948B-1728B52AA6E4}">
-                  <adec:decorative xmlns="" xmlns:adec="http://schemas.microsoft.com/office/drawing/2017/decorative" val="1"/>
+                  <adec:decorative xmlns:adec="http://schemas.microsoft.com/office/drawing/2017/decorative" xmlns="" val="1"/>
                 </a:ext>
               </a:extLst>
             </p:cNvPr>
@@ -32730,7 +33685,7 @@
             <p:nvPr>
               <p:extLst>
                 <p:ext uri="{386F3935-93C4-4BCD-93E2-E3B085C9AB24}">
-                  <p16:designElem xmlns:p16="http://schemas.microsoft.com/office/powerpoint/2015/main" xmlns="" val="1"/>
+                  <p16:designElem xmlns="" xmlns:p16="http://schemas.microsoft.com/office/powerpoint/2015/main" val="1"/>
                 </p:ext>
               </p:extLst>
             </p:nvPr>
@@ -32771,10 +33726,10 @@
             <p:cNvPr id="15" name="Straight Connector 14">
               <a:extLst>
                 <a:ext uri="{FF2B5EF4-FFF2-40B4-BE49-F238E27FC236}">
-                  <a16:creationId xmlns="" xmlns:a16="http://schemas.microsoft.com/office/drawing/2014/main" id="{5331032B-BD21-4BDA-920C-12E358052567}"/>
+                  <a16:creationId xmlns:a16="http://schemas.microsoft.com/office/drawing/2014/main" xmlns="" id="{5331032B-BD21-4BDA-920C-12E358052567}"/>
                 </a:ext>
                 <a:ext uri="{C183D7F6-B498-43B3-948B-1728B52AA6E4}">
-                  <adec:decorative xmlns="" xmlns:adec="http://schemas.microsoft.com/office/drawing/2017/decorative" val="1"/>
+                  <adec:decorative xmlns:adec="http://schemas.microsoft.com/office/drawing/2017/decorative" xmlns="" val="1"/>
                 </a:ext>
               </a:extLst>
             </p:cNvPr>
@@ -32782,7 +33737,7 @@
             <p:nvPr>
               <p:extLst>
                 <p:ext uri="{386F3935-93C4-4BCD-93E2-E3B085C9AB24}">
-                  <p16:designElem xmlns:p16="http://schemas.microsoft.com/office/powerpoint/2015/main" xmlns="" val="1"/>
+                  <p16:designElem xmlns="" xmlns:p16="http://schemas.microsoft.com/office/powerpoint/2015/main" val="1"/>
                 </p:ext>
               </p:extLst>
             </p:nvPr>
@@ -32823,10 +33778,10 @@
             <p:cNvPr id="16" name="Rectangle 23">
               <a:extLst>
                 <a:ext uri="{FF2B5EF4-FFF2-40B4-BE49-F238E27FC236}">
-                  <a16:creationId xmlns="" xmlns:a16="http://schemas.microsoft.com/office/drawing/2014/main" id="{E7514DA3-59E7-409E-8A3B-AD097F6E5644}"/>
+                  <a16:creationId xmlns:a16="http://schemas.microsoft.com/office/drawing/2014/main" xmlns="" id="{E7514DA3-59E7-409E-8A3B-AD097F6E5644}"/>
                 </a:ext>
                 <a:ext uri="{C183D7F6-B498-43B3-948B-1728B52AA6E4}">
-                  <adec:decorative xmlns="" xmlns:adec="http://schemas.microsoft.com/office/drawing/2017/decorative" val="1"/>
+                  <adec:decorative xmlns:adec="http://schemas.microsoft.com/office/drawing/2017/decorative" xmlns="" val="1"/>
                 </a:ext>
               </a:extLst>
             </p:cNvPr>
@@ -32834,7 +33789,7 @@
             <p:nvPr>
               <p:extLst>
                 <p:ext uri="{386F3935-93C4-4BCD-93E2-E3B085C9AB24}">
-                  <p16:designElem xmlns:p16="http://schemas.microsoft.com/office/powerpoint/2015/main" xmlns="" val="1"/>
+                  <p16:designElem xmlns="" xmlns:p16="http://schemas.microsoft.com/office/powerpoint/2015/main" val="1"/>
                 </p:ext>
               </p:extLst>
             </p:nvPr>
@@ -32901,10 +33856,10 @@
             <p:cNvPr id="17" name="Rectangle 25">
               <a:extLst>
                 <a:ext uri="{FF2B5EF4-FFF2-40B4-BE49-F238E27FC236}">
-                  <a16:creationId xmlns="" xmlns:a16="http://schemas.microsoft.com/office/drawing/2014/main" id="{57B9A2A6-3BE4-4599-9364-F71C5BFD61F8}"/>
+                  <a16:creationId xmlns:a16="http://schemas.microsoft.com/office/drawing/2014/main" xmlns="" id="{57B9A2A6-3BE4-4599-9364-F71C5BFD61F8}"/>
                 </a:ext>
                 <a:ext uri="{C183D7F6-B498-43B3-948B-1728B52AA6E4}">
-                  <adec:decorative xmlns="" xmlns:adec="http://schemas.microsoft.com/office/drawing/2017/decorative" val="1"/>
+                  <adec:decorative xmlns:adec="http://schemas.microsoft.com/office/drawing/2017/decorative" xmlns="" val="1"/>
                 </a:ext>
               </a:extLst>
             </p:cNvPr>
@@ -32912,7 +33867,7 @@
             <p:nvPr>
               <p:extLst>
                 <p:ext uri="{386F3935-93C4-4BCD-93E2-E3B085C9AB24}">
-                  <p16:designElem xmlns:p16="http://schemas.microsoft.com/office/powerpoint/2015/main" xmlns="" val="1"/>
+                  <p16:designElem xmlns="" xmlns:p16="http://schemas.microsoft.com/office/powerpoint/2015/main" val="1"/>
                 </p:ext>
               </p:extLst>
             </p:nvPr>
@@ -32979,10 +33934,10 @@
             <p:cNvPr id="18" name="Isosceles Triangle 17">
               <a:extLst>
                 <a:ext uri="{FF2B5EF4-FFF2-40B4-BE49-F238E27FC236}">
-                  <a16:creationId xmlns="" xmlns:a16="http://schemas.microsoft.com/office/drawing/2014/main" id="{4FD744C6-4ED8-4BC9-BF68-6BDF701C5DB4}"/>
+                  <a16:creationId xmlns:a16="http://schemas.microsoft.com/office/drawing/2014/main" xmlns="" id="{4FD744C6-4ED8-4BC9-BF68-6BDF701C5DB4}"/>
                 </a:ext>
                 <a:ext uri="{C183D7F6-B498-43B3-948B-1728B52AA6E4}">
-                  <adec:decorative xmlns="" xmlns:adec="http://schemas.microsoft.com/office/drawing/2017/decorative" val="1"/>
+                  <adec:decorative xmlns:adec="http://schemas.microsoft.com/office/drawing/2017/decorative" xmlns="" val="1"/>
                 </a:ext>
               </a:extLst>
             </p:cNvPr>
@@ -32990,7 +33945,7 @@
             <p:nvPr>
               <p:extLst>
                 <p:ext uri="{386F3935-93C4-4BCD-93E2-E3B085C9AB24}">
-                  <p16:designElem xmlns:p16="http://schemas.microsoft.com/office/powerpoint/2015/main" xmlns="" val="1"/>
+                  <p16:designElem xmlns="" xmlns:p16="http://schemas.microsoft.com/office/powerpoint/2015/main" val="1"/>
                 </p:ext>
               </p:extLst>
             </p:nvPr>
@@ -33035,10 +33990,10 @@
             <p:cNvPr id="19" name="Rectangle 27">
               <a:extLst>
                 <a:ext uri="{FF2B5EF4-FFF2-40B4-BE49-F238E27FC236}">
-                  <a16:creationId xmlns="" xmlns:a16="http://schemas.microsoft.com/office/drawing/2014/main" id="{092C5BAD-C911-4F8F-A1C5-470268BE668B}"/>
+                  <a16:creationId xmlns:a16="http://schemas.microsoft.com/office/drawing/2014/main" xmlns="" id="{092C5BAD-C911-4F8F-A1C5-470268BE668B}"/>
                 </a:ext>
                 <a:ext uri="{C183D7F6-B498-43B3-948B-1728B52AA6E4}">
-                  <adec:decorative xmlns="" xmlns:adec="http://schemas.microsoft.com/office/drawing/2017/decorative" val="1"/>
+                  <adec:decorative xmlns:adec="http://schemas.microsoft.com/office/drawing/2017/decorative" xmlns="" val="1"/>
                 </a:ext>
               </a:extLst>
             </p:cNvPr>
@@ -33046,7 +34001,7 @@
             <p:nvPr>
               <p:extLst>
                 <p:ext uri="{386F3935-93C4-4BCD-93E2-E3B085C9AB24}">
-                  <p16:designElem xmlns:p16="http://schemas.microsoft.com/office/powerpoint/2015/main" xmlns="" val="1"/>
+                  <p16:designElem xmlns="" xmlns:p16="http://schemas.microsoft.com/office/powerpoint/2015/main" val="1"/>
                 </p:ext>
               </p:extLst>
             </p:nvPr>
@@ -33114,10 +34069,10 @@
             <p:cNvPr id="20" name="Rectangle 28">
               <a:extLst>
                 <a:ext uri="{FF2B5EF4-FFF2-40B4-BE49-F238E27FC236}">
-                  <a16:creationId xmlns="" xmlns:a16="http://schemas.microsoft.com/office/drawing/2014/main" id="{B133D0C8-4EC4-424F-8E70-0482D5B1B653}"/>
+                  <a16:creationId xmlns:a16="http://schemas.microsoft.com/office/drawing/2014/main" xmlns="" id="{B133D0C8-4EC4-424F-8E70-0482D5B1B653}"/>
                 </a:ext>
                 <a:ext uri="{C183D7F6-B498-43B3-948B-1728B52AA6E4}">
-                  <adec:decorative xmlns="" xmlns:adec="http://schemas.microsoft.com/office/drawing/2017/decorative" val="1"/>
+                  <adec:decorative xmlns:adec="http://schemas.microsoft.com/office/drawing/2017/decorative" xmlns="" val="1"/>
                 </a:ext>
               </a:extLst>
             </p:cNvPr>
@@ -33125,7 +34080,7 @@
             <p:nvPr>
               <p:extLst>
                 <p:ext uri="{386F3935-93C4-4BCD-93E2-E3B085C9AB24}">
-                  <p16:designElem xmlns:p16="http://schemas.microsoft.com/office/powerpoint/2015/main" xmlns="" val="1"/>
+                  <p16:designElem xmlns="" xmlns:p16="http://schemas.microsoft.com/office/powerpoint/2015/main" val="1"/>
                 </p:ext>
               </p:extLst>
             </p:nvPr>
@@ -33194,10 +34149,10 @@
             <p:cNvPr id="21" name="Rectangle 29">
               <a:extLst>
                 <a:ext uri="{FF2B5EF4-FFF2-40B4-BE49-F238E27FC236}">
-                  <a16:creationId xmlns="" xmlns:a16="http://schemas.microsoft.com/office/drawing/2014/main" id="{7B1532A0-F4B3-4DE8-B18F-740CAAD25AC4}"/>
+                  <a16:creationId xmlns:a16="http://schemas.microsoft.com/office/drawing/2014/main" xmlns="" id="{7B1532A0-F4B3-4DE8-B18F-740CAAD25AC4}"/>
                 </a:ext>
                 <a:ext uri="{C183D7F6-B498-43B3-948B-1728B52AA6E4}">
-                  <adec:decorative xmlns="" xmlns:adec="http://schemas.microsoft.com/office/drawing/2017/decorative" val="1"/>
+                  <adec:decorative xmlns:adec="http://schemas.microsoft.com/office/drawing/2017/decorative" xmlns="" val="1"/>
                 </a:ext>
               </a:extLst>
             </p:cNvPr>
@@ -33205,7 +34160,7 @@
             <p:nvPr>
               <p:extLst>
                 <p:ext uri="{386F3935-93C4-4BCD-93E2-E3B085C9AB24}">
-                  <p16:designElem xmlns:p16="http://schemas.microsoft.com/office/powerpoint/2015/main" xmlns="" val="1"/>
+                  <p16:designElem xmlns="" xmlns:p16="http://schemas.microsoft.com/office/powerpoint/2015/main" val="1"/>
                 </p:ext>
               </p:extLst>
             </p:nvPr>
@@ -33272,10 +34227,10 @@
             <p:cNvPr id="22" name="Isosceles Triangle 21">
               <a:extLst>
                 <a:ext uri="{FF2B5EF4-FFF2-40B4-BE49-F238E27FC236}">
-                  <a16:creationId xmlns="" xmlns:a16="http://schemas.microsoft.com/office/drawing/2014/main" id="{8EFDD162-BBBA-4062-8BBF-53DBA1091374}"/>
+                  <a16:creationId xmlns:a16="http://schemas.microsoft.com/office/drawing/2014/main" xmlns="" id="{8EFDD162-BBBA-4062-8BBF-53DBA1091374}"/>
                 </a:ext>
                 <a:ext uri="{C183D7F6-B498-43B3-948B-1728B52AA6E4}">
-                  <adec:decorative xmlns="" xmlns:adec="http://schemas.microsoft.com/office/drawing/2017/decorative" val="1"/>
+                  <adec:decorative xmlns:adec="http://schemas.microsoft.com/office/drawing/2017/decorative" xmlns="" val="1"/>
                 </a:ext>
               </a:extLst>
             </p:cNvPr>
@@ -33283,7 +34238,7 @@
             <p:nvPr>
               <p:extLst>
                 <p:ext uri="{386F3935-93C4-4BCD-93E2-E3B085C9AB24}">
-                  <p16:designElem xmlns:p16="http://schemas.microsoft.com/office/powerpoint/2015/main" xmlns="" val="1"/>
+                  <p16:designElem xmlns="" xmlns:p16="http://schemas.microsoft.com/office/powerpoint/2015/main" val="1"/>
                 </p:ext>
               </p:extLst>
             </p:nvPr>
@@ -33328,10 +34283,10 @@
             <p:cNvPr id="23" name="Isosceles Triangle 22">
               <a:extLst>
                 <a:ext uri="{FF2B5EF4-FFF2-40B4-BE49-F238E27FC236}">
-                  <a16:creationId xmlns="" xmlns:a16="http://schemas.microsoft.com/office/drawing/2014/main" id="{DCFC9E65-3E19-4483-B952-25D29683CA56}"/>
+                  <a16:creationId xmlns:a16="http://schemas.microsoft.com/office/drawing/2014/main" xmlns="" id="{DCFC9E65-3E19-4483-B952-25D29683CA56}"/>
                 </a:ext>
                 <a:ext uri="{C183D7F6-B498-43B3-948B-1728B52AA6E4}">
-                  <adec:decorative xmlns="" xmlns:adec="http://schemas.microsoft.com/office/drawing/2017/decorative" val="1"/>
+                  <adec:decorative xmlns:adec="http://schemas.microsoft.com/office/drawing/2017/decorative" xmlns="" val="1"/>
                 </a:ext>
               </a:extLst>
             </p:cNvPr>
@@ -33339,7 +34294,7 @@
             <p:nvPr>
               <p:extLst>
                 <p:ext uri="{386F3935-93C4-4BCD-93E2-E3B085C9AB24}">
-                  <p16:designElem xmlns:p16="http://schemas.microsoft.com/office/powerpoint/2015/main" xmlns="" val="1"/>
+                  <p16:designElem xmlns="" xmlns:p16="http://schemas.microsoft.com/office/powerpoint/2015/main" val="1"/>
                 </p:ext>
               </p:extLst>
             </p:nvPr>
@@ -33385,10 +34340,10 @@
           <p:cNvPr id="25" name="Rectangle 24">
             <a:extLst>
               <a:ext uri="{FF2B5EF4-FFF2-40B4-BE49-F238E27FC236}">
-                <a16:creationId xmlns="" xmlns:a16="http://schemas.microsoft.com/office/drawing/2014/main" id="{4F57DB1C-6494-4CC4-A5E8-931957565379}"/>
+                <a16:creationId xmlns:a16="http://schemas.microsoft.com/office/drawing/2014/main" xmlns="" id="{4F57DB1C-6494-4CC4-A5E8-931957565379}"/>
               </a:ext>
               <a:ext uri="{C183D7F6-B498-43B3-948B-1728B52AA6E4}">
-                <adec:decorative xmlns="" xmlns:adec="http://schemas.microsoft.com/office/drawing/2017/decorative" val="1"/>
+                <adec:decorative xmlns:adec="http://schemas.microsoft.com/office/drawing/2017/decorative" xmlns="" val="1"/>
               </a:ext>
             </a:extLst>
           </p:cNvPr>
@@ -33398,7 +34353,7 @@
           <p:nvPr>
             <p:extLst>
               <p:ext uri="{386F3935-93C4-4BCD-93E2-E3B085C9AB24}">
-                <p16:designElem xmlns:p16="http://schemas.microsoft.com/office/powerpoint/2015/main" xmlns="" val="1"/>
+                <p16:designElem xmlns="" xmlns:p16="http://schemas.microsoft.com/office/powerpoint/2015/main" val="1"/>
               </p:ext>
             </p:extLst>
           </p:nvPr>
@@ -33445,10 +34400,10 @@
           <p:cNvPr id="27" name="Isosceles Triangle 26">
             <a:extLst>
               <a:ext uri="{FF2B5EF4-FFF2-40B4-BE49-F238E27FC236}">
-                <a16:creationId xmlns="" xmlns:a16="http://schemas.microsoft.com/office/drawing/2014/main" id="{FFFB778B-5206-4BB0-A468-327E71367654}"/>
+                <a16:creationId xmlns:a16="http://schemas.microsoft.com/office/drawing/2014/main" xmlns="" id="{FFFB778B-5206-4BB0-A468-327E71367654}"/>
               </a:ext>
               <a:ext uri="{C183D7F6-B498-43B3-948B-1728B52AA6E4}">
-                <adec:decorative xmlns="" xmlns:adec="http://schemas.microsoft.com/office/drawing/2017/decorative" val="1"/>
+                <adec:decorative xmlns:adec="http://schemas.microsoft.com/office/drawing/2017/decorative" xmlns="" val="1"/>
               </a:ext>
             </a:extLst>
           </p:cNvPr>
@@ -33458,7 +34413,7 @@
           <p:nvPr>
             <p:extLst>
               <p:ext uri="{386F3935-93C4-4BCD-93E2-E3B085C9AB24}">
-                <p16:designElem xmlns:p16="http://schemas.microsoft.com/office/powerpoint/2015/main" xmlns="" val="1"/>
+                <p16:designElem xmlns="" xmlns:p16="http://schemas.microsoft.com/office/powerpoint/2015/main" val="1"/>
               </p:ext>
             </p:extLst>
           </p:nvPr>
@@ -33503,10 +34458,10 @@
           <p:cNvPr id="29" name="Freeform: Shape 28">
             <a:extLst>
               <a:ext uri="{FF2B5EF4-FFF2-40B4-BE49-F238E27FC236}">
-                <a16:creationId xmlns="" xmlns:a16="http://schemas.microsoft.com/office/drawing/2014/main" id="{E6C0471D-BE03-4D81-BDB5-D510BC0D8A77}"/>
+                <a16:creationId xmlns:a16="http://schemas.microsoft.com/office/drawing/2014/main" xmlns="" id="{E6C0471D-BE03-4D81-BDB5-D510BC0D8A77}"/>
               </a:ext>
               <a:ext uri="{C183D7F6-B498-43B3-948B-1728B52AA6E4}">
-                <adec:decorative xmlns="" xmlns:adec="http://schemas.microsoft.com/office/drawing/2017/decorative" val="1"/>
+                <adec:decorative xmlns:adec="http://schemas.microsoft.com/office/drawing/2017/decorative" xmlns="" val="1"/>
               </a:ext>
             </a:extLst>
           </p:cNvPr>
@@ -33516,7 +34471,7 @@
           <p:nvPr>
             <p:extLst>
               <p:ext uri="{386F3935-93C4-4BCD-93E2-E3B085C9AB24}">
-                <p16:designElem xmlns:p16="http://schemas.microsoft.com/office/powerpoint/2015/main" xmlns="" val="1"/>
+                <p16:designElem xmlns="" xmlns:p16="http://schemas.microsoft.com/office/powerpoint/2015/main" val="1"/>
               </p:ext>
             </p:extLst>
           </p:nvPr>
@@ -33667,10 +34622,10 @@
           <p:cNvPr id="31" name="Straight Connector 30">
             <a:extLst>
               <a:ext uri="{FF2B5EF4-FFF2-40B4-BE49-F238E27FC236}">
-                <a16:creationId xmlns="" xmlns:a16="http://schemas.microsoft.com/office/drawing/2014/main" id="{22721A85-1EA4-4D87-97AB-0BB4AB78F92D}"/>
+                <a16:creationId xmlns:a16="http://schemas.microsoft.com/office/drawing/2014/main" xmlns="" id="{22721A85-1EA4-4D87-97AB-0BB4AB78F92D}"/>
               </a:ext>
               <a:ext uri="{C183D7F6-B498-43B3-948B-1728B52AA6E4}">
-                <adec:decorative xmlns="" xmlns:adec="http://schemas.microsoft.com/office/drawing/2017/decorative" val="1"/>
+                <adec:decorative xmlns:adec="http://schemas.microsoft.com/office/drawing/2017/decorative" xmlns="" val="1"/>
               </a:ext>
             </a:extLst>
           </p:cNvPr>
@@ -33680,7 +34635,7 @@
           <p:nvPr>
             <p:extLst>
               <p:ext uri="{386F3935-93C4-4BCD-93E2-E3B085C9AB24}">
-                <p16:designElem xmlns:p16="http://schemas.microsoft.com/office/powerpoint/2015/main" xmlns="" val="1"/>
+                <p16:designElem xmlns="" xmlns:p16="http://schemas.microsoft.com/office/powerpoint/2015/main" val="1"/>
               </p:ext>
             </p:extLst>
           </p:nvPr>
@@ -33720,10 +34675,10 @@
           <p:cNvPr id="33" name="Straight Connector 32">
             <a:extLst>
               <a:ext uri="{FF2B5EF4-FFF2-40B4-BE49-F238E27FC236}">
-                <a16:creationId xmlns="" xmlns:a16="http://schemas.microsoft.com/office/drawing/2014/main" id="{E5E836EB-03CD-4BA5-A751-21D2ACC28303}"/>
+                <a16:creationId xmlns:a16="http://schemas.microsoft.com/office/drawing/2014/main" xmlns="" id="{E5E836EB-03CD-4BA5-A751-21D2ACC28303}"/>
               </a:ext>
               <a:ext uri="{C183D7F6-B498-43B3-948B-1728B52AA6E4}">
-                <adec:decorative xmlns="" xmlns:adec="http://schemas.microsoft.com/office/drawing/2017/decorative" val="1"/>
+                <adec:decorative xmlns:adec="http://schemas.microsoft.com/office/drawing/2017/decorative" xmlns="" val="1"/>
               </a:ext>
             </a:extLst>
           </p:cNvPr>
@@ -33733,7 +34688,7 @@
           <p:nvPr>
             <p:extLst>
               <p:ext uri="{386F3935-93C4-4BCD-93E2-E3B085C9AB24}">
-                <p16:designElem xmlns:p16="http://schemas.microsoft.com/office/powerpoint/2015/main" xmlns="" val="1"/>
+                <p16:designElem xmlns="" xmlns:p16="http://schemas.microsoft.com/office/powerpoint/2015/main" val="1"/>
               </p:ext>
             </p:extLst>
           </p:nvPr>
@@ -33776,7 +34731,7 @@
           <p:cNvPr id="8" name="Text Placeholder 7">
             <a:extLst>
               <a:ext uri="{FF2B5EF4-FFF2-40B4-BE49-F238E27FC236}">
-                <a16:creationId xmlns="" xmlns:a16="http://schemas.microsoft.com/office/drawing/2014/main" id="{FF07AE57-3815-4470-AA2A-408DCF1ED504}"/>
+                <a16:creationId xmlns:a16="http://schemas.microsoft.com/office/drawing/2014/main" xmlns="" id="{FF07AE57-3815-4470-AA2A-408DCF1ED504}"/>
               </a:ext>
             </a:extLst>
           </p:cNvPr>
@@ -33938,10 +34893,10 @@
           <p:cNvPr id="35" name="Isosceles Triangle 34">
             <a:extLst>
               <a:ext uri="{FF2B5EF4-FFF2-40B4-BE49-F238E27FC236}">
-                <a16:creationId xmlns="" xmlns:a16="http://schemas.microsoft.com/office/drawing/2014/main" id="{A27691EB-14CF-4237-B5EB-C94B92677A05}"/>
+                <a16:creationId xmlns:a16="http://schemas.microsoft.com/office/drawing/2014/main" xmlns="" id="{A27691EB-14CF-4237-B5EB-C94B92677A05}"/>
               </a:ext>
               <a:ext uri="{C183D7F6-B498-43B3-948B-1728B52AA6E4}">
-                <adec:decorative xmlns="" xmlns:adec="http://schemas.microsoft.com/office/drawing/2017/decorative" val="1"/>
+                <adec:decorative xmlns:adec="http://schemas.microsoft.com/office/drawing/2017/decorative" xmlns="" val="1"/>
               </a:ext>
             </a:extLst>
           </p:cNvPr>
@@ -33951,7 +34906,7 @@
           <p:nvPr>
             <p:extLst>
               <p:ext uri="{386F3935-93C4-4BCD-93E2-E3B085C9AB24}">
-                <p16:designElem xmlns:p16="http://schemas.microsoft.com/office/powerpoint/2015/main" xmlns="" val="1"/>
+                <p16:designElem xmlns="" xmlns:p16="http://schemas.microsoft.com/office/powerpoint/2015/main" val="1"/>
               </p:ext>
             </p:extLst>
           </p:nvPr>
@@ -33996,7 +34951,7 @@
           <p:cNvPr id="5" name="Footer Placeholder 4">
             <a:extLst>
               <a:ext uri="{FF2B5EF4-FFF2-40B4-BE49-F238E27FC236}">
-                <a16:creationId xmlns="" xmlns:a16="http://schemas.microsoft.com/office/drawing/2014/main" id="{7CF51E7F-FFD9-4D68-A105-E560DE96D5AC}"/>
+                <a16:creationId xmlns:a16="http://schemas.microsoft.com/office/drawing/2014/main" xmlns="" id="{7CF51E7F-FFD9-4D68-A105-E560DE96D5AC}"/>
               </a:ext>
             </a:extLst>
           </p:cNvPr>
@@ -34049,7 +35004,7 @@
           <p:cNvPr id="7" name="Title 6">
             <a:extLst>
               <a:ext uri="{FF2B5EF4-FFF2-40B4-BE49-F238E27FC236}">
-                <a16:creationId xmlns="" xmlns:a16="http://schemas.microsoft.com/office/drawing/2014/main" id="{274EA12E-18EA-4D5E-9796-4E73E5CA5BFE}"/>
+                <a16:creationId xmlns:a16="http://schemas.microsoft.com/office/drawing/2014/main" xmlns="" id="{274EA12E-18EA-4D5E-9796-4E73E5CA5BFE}"/>
               </a:ext>
             </a:extLst>
           </p:cNvPr>
@@ -34072,7 +35027,7 @@
           </a:bodyPr>
           <a:lstStyle/>
           <a:p>
-            <a:pPr algn="r"/>
+            <a:pPr algn="ctr"/>
             <a:r>
               <a:rPr lang="en-US" sz="5200" dirty="0" err="1">
                 <a:solidFill>
@@ -34174,7 +35129,7 @@
           <p:cNvPr id="4" name="Date Placeholder 3">
             <a:extLst>
               <a:ext uri="{FF2B5EF4-FFF2-40B4-BE49-F238E27FC236}">
-                <a16:creationId xmlns="" xmlns:a16="http://schemas.microsoft.com/office/drawing/2014/main" id="{BDE9CA3E-0B72-4E9B-9610-DC333ABB466E}"/>
+                <a16:creationId xmlns:a16="http://schemas.microsoft.com/office/drawing/2014/main" xmlns="" id="{BDE9CA3E-0B72-4E9B-9610-DC333ABB466E}"/>
               </a:ext>
             </a:extLst>
           </p:cNvPr>
@@ -34227,7 +35182,7 @@
           <p:cNvPr id="6" name="Slide Number Placeholder 5">
             <a:extLst>
               <a:ext uri="{FF2B5EF4-FFF2-40B4-BE49-F238E27FC236}">
-                <a16:creationId xmlns="" xmlns:a16="http://schemas.microsoft.com/office/drawing/2014/main" id="{B3B78C34-F02A-48FC-829C-B161A3567A39}"/>
+                <a16:creationId xmlns:a16="http://schemas.microsoft.com/office/drawing/2014/main" xmlns="" id="{B3B78C34-F02A-48FC-829C-B161A3567A39}"/>
               </a:ext>
             </a:extLst>
           </p:cNvPr>
@@ -34268,7 +35223,7 @@
                   <a:spcPts val="600"/>
                 </a:spcAft>
               </a:pPr>
-              <a:t>24</a:t>
+              <a:t>25</a:t>
             </a:fld>
             <a:endParaRPr lang="en-US" sz="1000" kern="1200" dirty="0">
               <a:solidFill>
@@ -34290,10 +35245,17 @@
   <p:clrMapOvr>
     <a:masterClrMapping/>
   </p:clrMapOvr>
+  <p:timing>
+    <p:tnLst>
+      <p:par>
+        <p:cTn xmlns:p14="http://schemas.microsoft.com/office/powerpoint/2010/main" id="1" dur="indefinite" restart="never" nodeType="tmRoot"/>
+      </p:par>
+    </p:tnLst>
+  </p:timing>
 </p:sld>
 </file>
 
-<file path=ppt/slides/slide25.xml><?xml version="1.0" encoding="utf-8"?>
+<file path=ppt/slides/slide26.xml><?xml version="1.0" encoding="utf-8"?>
 <p:sld xmlns:a="http://schemas.openxmlformats.org/drawingml/2006/main" xmlns:r="http://schemas.openxmlformats.org/officeDocument/2006/relationships" xmlns:p="http://schemas.openxmlformats.org/presentationml/2006/main">
   <p:cSld>
     <p:bg>
@@ -34323,10 +35285,10 @@
           <p:cNvPr id="10" name="Group 9">
             <a:extLst>
               <a:ext uri="{FF2B5EF4-FFF2-40B4-BE49-F238E27FC236}">
-                <a16:creationId xmlns="" xmlns:a16="http://schemas.microsoft.com/office/drawing/2014/main" id="{09EA7EA7-74F5-4EE2-8E3D-1A10308259D7}"/>
+                <a16:creationId xmlns:a16="http://schemas.microsoft.com/office/drawing/2014/main" xmlns="" id="{09EA7EA7-74F5-4EE2-8E3D-1A10308259D7}"/>
               </a:ext>
               <a:ext uri="{C183D7F6-B498-43B3-948B-1728B52AA6E4}">
-                <adec:decorative xmlns="" xmlns:adec="http://schemas.microsoft.com/office/drawing/2017/decorative" val="1"/>
+                <adec:decorative xmlns:adec="http://schemas.microsoft.com/office/drawing/2017/decorative" xmlns="" val="1"/>
               </a:ext>
             </a:extLst>
           </p:cNvPr>
@@ -34336,7 +35298,7 @@
           <p:nvPr>
             <p:extLst>
               <p:ext uri="{386F3935-93C4-4BCD-93E2-E3B085C9AB24}">
-                <p16:designElem xmlns:p16="http://schemas.microsoft.com/office/powerpoint/2015/main" xmlns="" val="1"/>
+                <p16:designElem xmlns="" xmlns:p16="http://schemas.microsoft.com/office/powerpoint/2015/main" val="1"/>
               </p:ext>
             </p:extLst>
           </p:nvPr>
@@ -34354,10 +35316,10 @@
             <p:cNvPr id="11" name="Straight Connector 10">
               <a:extLst>
                 <a:ext uri="{FF2B5EF4-FFF2-40B4-BE49-F238E27FC236}">
-                  <a16:creationId xmlns="" xmlns:a16="http://schemas.microsoft.com/office/drawing/2014/main" id="{A5CE79B5-7EE4-424D-AD14-5DEFB61B85C8}"/>
+                  <a16:creationId xmlns:a16="http://schemas.microsoft.com/office/drawing/2014/main" xmlns="" id="{A5CE79B5-7EE4-424D-AD14-5DEFB61B85C8}"/>
                 </a:ext>
                 <a:ext uri="{C183D7F6-B498-43B3-948B-1728B52AA6E4}">
-                  <adec:decorative xmlns="" xmlns:adec="http://schemas.microsoft.com/office/drawing/2017/decorative" val="1"/>
+                  <adec:decorative xmlns:adec="http://schemas.microsoft.com/office/drawing/2017/decorative" xmlns="" val="1"/>
                 </a:ext>
               </a:extLst>
             </p:cNvPr>
@@ -34365,7 +35327,7 @@
             <p:nvPr>
               <p:extLst>
                 <p:ext uri="{386F3935-93C4-4BCD-93E2-E3B085C9AB24}">
-                  <p16:designElem xmlns:p16="http://schemas.microsoft.com/office/powerpoint/2015/main" xmlns="" val="1"/>
+                  <p16:designElem xmlns="" xmlns:p16="http://schemas.microsoft.com/office/powerpoint/2015/main" val="1"/>
                 </p:ext>
               </p:extLst>
             </p:nvPr>
@@ -34406,10 +35368,10 @@
             <p:cNvPr id="12" name="Straight Connector 11">
               <a:extLst>
                 <a:ext uri="{FF2B5EF4-FFF2-40B4-BE49-F238E27FC236}">
-                  <a16:creationId xmlns="" xmlns:a16="http://schemas.microsoft.com/office/drawing/2014/main" id="{696C926F-F999-44BA-8D86-9EAB51D65010}"/>
+                  <a16:creationId xmlns:a16="http://schemas.microsoft.com/office/drawing/2014/main" xmlns="" id="{696C926F-F999-44BA-8D86-9EAB51D65010}"/>
                 </a:ext>
                 <a:ext uri="{C183D7F6-B498-43B3-948B-1728B52AA6E4}">
-                  <adec:decorative xmlns="" xmlns:adec="http://schemas.microsoft.com/office/drawing/2017/decorative" val="1"/>
+                  <adec:decorative xmlns:adec="http://schemas.microsoft.com/office/drawing/2017/decorative" xmlns="" val="1"/>
                 </a:ext>
               </a:extLst>
             </p:cNvPr>
@@ -34417,7 +35379,7 @@
             <p:nvPr>
               <p:extLst>
                 <p:ext uri="{386F3935-93C4-4BCD-93E2-E3B085C9AB24}">
-                  <p16:designElem xmlns:p16="http://schemas.microsoft.com/office/powerpoint/2015/main" xmlns="" val="1"/>
+                  <p16:designElem xmlns="" xmlns:p16="http://schemas.microsoft.com/office/powerpoint/2015/main" val="1"/>
                 </p:ext>
               </p:extLst>
             </p:nvPr>
@@ -34458,10 +35420,10 @@
             <p:cNvPr id="13" name="Rectangle 23">
               <a:extLst>
                 <a:ext uri="{FF2B5EF4-FFF2-40B4-BE49-F238E27FC236}">
-                  <a16:creationId xmlns="" xmlns:a16="http://schemas.microsoft.com/office/drawing/2014/main" id="{248745E7-0AF0-48F9-8E58-2673FC5F4FDE}"/>
+                  <a16:creationId xmlns:a16="http://schemas.microsoft.com/office/drawing/2014/main" xmlns="" id="{248745E7-0AF0-48F9-8E58-2673FC5F4FDE}"/>
                 </a:ext>
                 <a:ext uri="{C183D7F6-B498-43B3-948B-1728B52AA6E4}">
-                  <adec:decorative xmlns="" xmlns:adec="http://schemas.microsoft.com/office/drawing/2017/decorative" val="1"/>
+                  <adec:decorative xmlns:adec="http://schemas.microsoft.com/office/drawing/2017/decorative" xmlns="" val="1"/>
                 </a:ext>
               </a:extLst>
             </p:cNvPr>
@@ -34469,7 +35431,7 @@
             <p:nvPr>
               <p:extLst>
                 <p:ext uri="{386F3935-93C4-4BCD-93E2-E3B085C9AB24}">
-                  <p16:designElem xmlns:p16="http://schemas.microsoft.com/office/powerpoint/2015/main" xmlns="" val="1"/>
+                  <p16:designElem xmlns="" xmlns:p16="http://schemas.microsoft.com/office/powerpoint/2015/main" val="1"/>
                 </p:ext>
               </p:extLst>
             </p:nvPr>
@@ -34536,10 +35498,10 @@
             <p:cNvPr id="14" name="Rectangle 25">
               <a:extLst>
                 <a:ext uri="{FF2B5EF4-FFF2-40B4-BE49-F238E27FC236}">
-                  <a16:creationId xmlns="" xmlns:a16="http://schemas.microsoft.com/office/drawing/2014/main" id="{9715E81A-D2E0-4431-9370-4E4A9ECA7F9C}"/>
+                  <a16:creationId xmlns:a16="http://schemas.microsoft.com/office/drawing/2014/main" xmlns="" id="{9715E81A-D2E0-4431-9370-4E4A9ECA7F9C}"/>
                 </a:ext>
                 <a:ext uri="{C183D7F6-B498-43B3-948B-1728B52AA6E4}">
-                  <adec:decorative xmlns="" xmlns:adec="http://schemas.microsoft.com/office/drawing/2017/decorative" val="1"/>
+                  <adec:decorative xmlns:adec="http://schemas.microsoft.com/office/drawing/2017/decorative" xmlns="" val="1"/>
                 </a:ext>
               </a:extLst>
             </p:cNvPr>
@@ -34547,7 +35509,7 @@
             <p:nvPr>
               <p:extLst>
                 <p:ext uri="{386F3935-93C4-4BCD-93E2-E3B085C9AB24}">
-                  <p16:designElem xmlns:p16="http://schemas.microsoft.com/office/powerpoint/2015/main" xmlns="" val="1"/>
+                  <p16:designElem xmlns="" xmlns:p16="http://schemas.microsoft.com/office/powerpoint/2015/main" val="1"/>
                 </p:ext>
               </p:extLst>
             </p:nvPr>
@@ -34614,10 +35576,10 @@
             <p:cNvPr id="15" name="Isosceles Triangle 14">
               <a:extLst>
                 <a:ext uri="{FF2B5EF4-FFF2-40B4-BE49-F238E27FC236}">
-                  <a16:creationId xmlns="" xmlns:a16="http://schemas.microsoft.com/office/drawing/2014/main" id="{CEDB37A9-282D-4DDB-85AD-B2090A82531F}"/>
+                  <a16:creationId xmlns:a16="http://schemas.microsoft.com/office/drawing/2014/main" xmlns="" id="{CEDB37A9-282D-4DDB-85AD-B2090A82531F}"/>
                 </a:ext>
                 <a:ext uri="{C183D7F6-B498-43B3-948B-1728B52AA6E4}">
-                  <adec:decorative xmlns="" xmlns:adec="http://schemas.microsoft.com/office/drawing/2017/decorative" val="1"/>
+                  <adec:decorative xmlns:adec="http://schemas.microsoft.com/office/drawing/2017/decorative" xmlns="" val="1"/>
                 </a:ext>
               </a:extLst>
             </p:cNvPr>
@@ -34625,7 +35587,7 @@
             <p:nvPr>
               <p:extLst>
                 <p:ext uri="{386F3935-93C4-4BCD-93E2-E3B085C9AB24}">
-                  <p16:designElem xmlns:p16="http://schemas.microsoft.com/office/powerpoint/2015/main" xmlns="" val="1"/>
+                  <p16:designElem xmlns="" xmlns:p16="http://schemas.microsoft.com/office/powerpoint/2015/main" val="1"/>
                 </p:ext>
               </p:extLst>
             </p:nvPr>
@@ -34670,10 +35632,10 @@
             <p:cNvPr id="16" name="Rectangle 27">
               <a:extLst>
                 <a:ext uri="{FF2B5EF4-FFF2-40B4-BE49-F238E27FC236}">
-                  <a16:creationId xmlns="" xmlns:a16="http://schemas.microsoft.com/office/drawing/2014/main" id="{533D5933-7F91-4F5E-BC31-42FD0E2D8DEF}"/>
+                  <a16:creationId xmlns:a16="http://schemas.microsoft.com/office/drawing/2014/main" xmlns="" id="{533D5933-7F91-4F5E-BC31-42FD0E2D8DEF}"/>
                 </a:ext>
                 <a:ext uri="{C183D7F6-B498-43B3-948B-1728B52AA6E4}">
-                  <adec:decorative xmlns="" xmlns:adec="http://schemas.microsoft.com/office/drawing/2017/decorative" val="1"/>
+                  <adec:decorative xmlns:adec="http://schemas.microsoft.com/office/drawing/2017/decorative" xmlns="" val="1"/>
                 </a:ext>
               </a:extLst>
             </p:cNvPr>
@@ -34681,7 +35643,7 @@
             <p:nvPr>
               <p:extLst>
                 <p:ext uri="{386F3935-93C4-4BCD-93E2-E3B085C9AB24}">
-                  <p16:designElem xmlns:p16="http://schemas.microsoft.com/office/powerpoint/2015/main" xmlns="" val="1"/>
+                  <p16:designElem xmlns="" xmlns:p16="http://schemas.microsoft.com/office/powerpoint/2015/main" val="1"/>
                 </p:ext>
               </p:extLst>
             </p:nvPr>
@@ -34749,10 +35711,10 @@
             <p:cNvPr id="17" name="Rectangle 28">
               <a:extLst>
                 <a:ext uri="{FF2B5EF4-FFF2-40B4-BE49-F238E27FC236}">
-                  <a16:creationId xmlns="" xmlns:a16="http://schemas.microsoft.com/office/drawing/2014/main" id="{37ADDF68-C9BE-46EA-83DE-2C07DD83960F}"/>
+                  <a16:creationId xmlns:a16="http://schemas.microsoft.com/office/drawing/2014/main" xmlns="" id="{37ADDF68-C9BE-46EA-83DE-2C07DD83960F}"/>
                 </a:ext>
                 <a:ext uri="{C183D7F6-B498-43B3-948B-1728B52AA6E4}">
-                  <adec:decorative xmlns="" xmlns:adec="http://schemas.microsoft.com/office/drawing/2017/decorative" val="1"/>
+                  <adec:decorative xmlns:adec="http://schemas.microsoft.com/office/drawing/2017/decorative" xmlns="" val="1"/>
                 </a:ext>
               </a:extLst>
             </p:cNvPr>
@@ -34760,7 +35722,7 @@
             <p:nvPr>
               <p:extLst>
                 <p:ext uri="{386F3935-93C4-4BCD-93E2-E3B085C9AB24}">
-                  <p16:designElem xmlns:p16="http://schemas.microsoft.com/office/powerpoint/2015/main" xmlns="" val="1"/>
+                  <p16:designElem xmlns="" xmlns:p16="http://schemas.microsoft.com/office/powerpoint/2015/main" val="1"/>
                 </p:ext>
               </p:extLst>
             </p:nvPr>
@@ -34829,10 +35791,10 @@
             <p:cNvPr id="18" name="Rectangle 29">
               <a:extLst>
                 <a:ext uri="{FF2B5EF4-FFF2-40B4-BE49-F238E27FC236}">
-                  <a16:creationId xmlns="" xmlns:a16="http://schemas.microsoft.com/office/drawing/2014/main" id="{10D67396-BABD-48A8-A892-CCB5095FA427}"/>
+                  <a16:creationId xmlns:a16="http://schemas.microsoft.com/office/drawing/2014/main" xmlns="" id="{10D67396-BABD-48A8-A892-CCB5095FA427}"/>
                 </a:ext>
                 <a:ext uri="{C183D7F6-B498-43B3-948B-1728B52AA6E4}">
-                  <adec:decorative xmlns="" xmlns:adec="http://schemas.microsoft.com/office/drawing/2017/decorative" val="1"/>
+                  <adec:decorative xmlns:adec="http://schemas.microsoft.com/office/drawing/2017/decorative" xmlns="" val="1"/>
                 </a:ext>
               </a:extLst>
             </p:cNvPr>
@@ -34840,7 +35802,7 @@
             <p:nvPr>
               <p:extLst>
                 <p:ext uri="{386F3935-93C4-4BCD-93E2-E3B085C9AB24}">
-                  <p16:designElem xmlns:p16="http://schemas.microsoft.com/office/powerpoint/2015/main" xmlns="" val="1"/>
+                  <p16:designElem xmlns="" xmlns:p16="http://schemas.microsoft.com/office/powerpoint/2015/main" val="1"/>
                 </p:ext>
               </p:extLst>
             </p:nvPr>
@@ -34907,10 +35869,10 @@
             <p:cNvPr id="19" name="Isosceles Triangle 18">
               <a:extLst>
                 <a:ext uri="{FF2B5EF4-FFF2-40B4-BE49-F238E27FC236}">
-                  <a16:creationId xmlns="" xmlns:a16="http://schemas.microsoft.com/office/drawing/2014/main" id="{626DA82A-72C2-4DF6-9CF0-0D1F6B96B529}"/>
+                  <a16:creationId xmlns:a16="http://schemas.microsoft.com/office/drawing/2014/main" xmlns="" id="{626DA82A-72C2-4DF6-9CF0-0D1F6B96B529}"/>
                 </a:ext>
                 <a:ext uri="{C183D7F6-B498-43B3-948B-1728B52AA6E4}">
-                  <adec:decorative xmlns="" xmlns:adec="http://schemas.microsoft.com/office/drawing/2017/decorative" val="1"/>
+                  <adec:decorative xmlns:adec="http://schemas.microsoft.com/office/drawing/2017/decorative" xmlns="" val="1"/>
                 </a:ext>
               </a:extLst>
             </p:cNvPr>
@@ -34918,7 +35880,7 @@
             <p:nvPr>
               <p:extLst>
                 <p:ext uri="{386F3935-93C4-4BCD-93E2-E3B085C9AB24}">
-                  <p16:designElem xmlns:p16="http://schemas.microsoft.com/office/powerpoint/2015/main" xmlns="" val="1"/>
+                  <p16:designElem xmlns="" xmlns:p16="http://schemas.microsoft.com/office/powerpoint/2015/main" val="1"/>
                 </p:ext>
               </p:extLst>
             </p:nvPr>
@@ -34963,10 +35925,10 @@
             <p:cNvPr id="20" name="Isosceles Triangle 19">
               <a:extLst>
                 <a:ext uri="{FF2B5EF4-FFF2-40B4-BE49-F238E27FC236}">
-                  <a16:creationId xmlns="" xmlns:a16="http://schemas.microsoft.com/office/drawing/2014/main" id="{8EE6DC63-4380-4BE0-A68A-8F01162BD192}"/>
+                  <a16:creationId xmlns:a16="http://schemas.microsoft.com/office/drawing/2014/main" xmlns="" id="{8EE6DC63-4380-4BE0-A68A-8F01162BD192}"/>
                 </a:ext>
                 <a:ext uri="{C183D7F6-B498-43B3-948B-1728B52AA6E4}">
-                  <adec:decorative xmlns="" xmlns:adec="http://schemas.microsoft.com/office/drawing/2017/decorative" val="1"/>
+                  <adec:decorative xmlns:adec="http://schemas.microsoft.com/office/drawing/2017/decorative" xmlns="" val="1"/>
                 </a:ext>
               </a:extLst>
             </p:cNvPr>
@@ -34974,7 +35936,7 @@
             <p:nvPr>
               <p:extLst>
                 <p:ext uri="{386F3935-93C4-4BCD-93E2-E3B085C9AB24}">
-                  <p16:designElem xmlns:p16="http://schemas.microsoft.com/office/powerpoint/2015/main" xmlns="" val="1"/>
+                  <p16:designElem xmlns="" xmlns:p16="http://schemas.microsoft.com/office/powerpoint/2015/main" val="1"/>
                 </p:ext>
               </p:extLst>
             </p:nvPr>
@@ -35020,10 +35982,10 @@
           <p:cNvPr id="22" name="Straight Connector 21">
             <a:extLst>
               <a:ext uri="{FF2B5EF4-FFF2-40B4-BE49-F238E27FC236}">
-                <a16:creationId xmlns="" xmlns:a16="http://schemas.microsoft.com/office/drawing/2014/main" id="{0B5F7E3B-C5F1-40E0-A491-558BAFBC1127}"/>
+                <a16:creationId xmlns:a16="http://schemas.microsoft.com/office/drawing/2014/main" xmlns="" id="{0B5F7E3B-C5F1-40E0-A491-558BAFBC1127}"/>
               </a:ext>
               <a:ext uri="{C183D7F6-B498-43B3-948B-1728B52AA6E4}">
-                <adec:decorative xmlns="" xmlns:adec="http://schemas.microsoft.com/office/drawing/2017/decorative" val="1"/>
+                <adec:decorative xmlns:adec="http://schemas.microsoft.com/office/drawing/2017/decorative" xmlns="" val="1"/>
               </a:ext>
             </a:extLst>
           </p:cNvPr>
@@ -35033,7 +35995,7 @@
           <p:nvPr>
             <p:extLst>
               <p:ext uri="{386F3935-93C4-4BCD-93E2-E3B085C9AB24}">
-                <p16:designElem xmlns:p16="http://schemas.microsoft.com/office/powerpoint/2015/main" xmlns="" val="1"/>
+                <p16:designElem xmlns="" xmlns:p16="http://schemas.microsoft.com/office/powerpoint/2015/main" val="1"/>
               </p:ext>
             </p:extLst>
           </p:nvPr>
@@ -35067,7 +36029,7 @@
           <p:cNvPr id="4" name="Title 3">
             <a:extLst>
               <a:ext uri="{FF2B5EF4-FFF2-40B4-BE49-F238E27FC236}">
-                <a16:creationId xmlns="" xmlns:a16="http://schemas.microsoft.com/office/drawing/2014/main" id="{CEEACF41-5FFE-4293-A5F4-A044DF04B5A1}"/>
+                <a16:creationId xmlns:a16="http://schemas.microsoft.com/office/drawing/2014/main" xmlns="" id="{CEEACF41-5FFE-4293-A5F4-A044DF04B5A1}"/>
               </a:ext>
             </a:extLst>
           </p:cNvPr>
@@ -35159,7 +36121,7 @@
           <p:cNvPr id="5" name="Content Placeholder 4">
             <a:extLst>
               <a:ext uri="{FF2B5EF4-FFF2-40B4-BE49-F238E27FC236}">
-                <a16:creationId xmlns="" xmlns:a16="http://schemas.microsoft.com/office/drawing/2014/main" id="{7FAA452E-9B31-4BF0-8315-5606DCB63C51}"/>
+                <a16:creationId xmlns:a16="http://schemas.microsoft.com/office/drawing/2014/main" xmlns="" id="{7FAA452E-9B31-4BF0-8315-5606DCB63C51}"/>
               </a:ext>
             </a:extLst>
           </p:cNvPr>
@@ -35348,7 +36310,7 @@
           <p:cNvPr id="21" name="Footer Placeholder 4">
             <a:extLst>
               <a:ext uri="{FF2B5EF4-FFF2-40B4-BE49-F238E27FC236}">
-                <a16:creationId xmlns="" xmlns:a16="http://schemas.microsoft.com/office/drawing/2014/main" id="{E1823723-46D8-41F7-9355-9E73963D563E}"/>
+                <a16:creationId xmlns:a16="http://schemas.microsoft.com/office/drawing/2014/main" xmlns="" id="{E1823723-46D8-41F7-9355-9E73963D563E}"/>
               </a:ext>
             </a:extLst>
           </p:cNvPr>
@@ -35401,7 +36363,7 @@
           <p:cNvPr id="23" name="Date Placeholder 3">
             <a:extLst>
               <a:ext uri="{FF2B5EF4-FFF2-40B4-BE49-F238E27FC236}">
-                <a16:creationId xmlns="" xmlns:a16="http://schemas.microsoft.com/office/drawing/2014/main" id="{8AD18865-BE68-4E13-8566-F95A0A09D0B1}"/>
+                <a16:creationId xmlns:a16="http://schemas.microsoft.com/office/drawing/2014/main" xmlns="" id="{8AD18865-BE68-4E13-8566-F95A0A09D0B1}"/>
               </a:ext>
             </a:extLst>
           </p:cNvPr>
@@ -35458,7 +36420,7 @@
           <p:cNvPr id="24" name="Slide Number Placeholder 5">
             <a:extLst>
               <a:ext uri="{FF2B5EF4-FFF2-40B4-BE49-F238E27FC236}">
-                <a16:creationId xmlns="" xmlns:a16="http://schemas.microsoft.com/office/drawing/2014/main" id="{4354CC6A-C9D0-477C-A455-AA961A1D5448}"/>
+                <a16:creationId xmlns:a16="http://schemas.microsoft.com/office/drawing/2014/main" xmlns="" id="{4354CC6A-C9D0-477C-A455-AA961A1D5448}"/>
               </a:ext>
             </a:extLst>
           </p:cNvPr>
@@ -35499,7 +36461,7 @@
                   <a:spcPts val="600"/>
                 </a:spcAft>
               </a:pPr>
-              <a:t>25</a:t>
+              <a:t>26</a:t>
             </a:fld>
             <a:endParaRPr lang="en-US" sz="1000" kern="1200" dirty="0">
               <a:solidFill>
@@ -35521,10 +36483,17 @@
   <p:clrMapOvr>
     <a:masterClrMapping/>
   </p:clrMapOvr>
+  <p:timing>
+    <p:tnLst>
+      <p:par>
+        <p:cTn xmlns:p14="http://schemas.microsoft.com/office/powerpoint/2010/main" id="1" dur="indefinite" restart="never" nodeType="tmRoot"/>
+      </p:par>
+    </p:tnLst>
+  </p:timing>
 </p:sld>
 </file>
 
-<file path=ppt/slides/slide26.xml><?xml version="1.0" encoding="utf-8"?>
+<file path=ppt/slides/slide27.xml><?xml version="1.0" encoding="utf-8"?>
 <p:sld xmlns:a="http://schemas.openxmlformats.org/drawingml/2006/main" xmlns:r="http://schemas.openxmlformats.org/officeDocument/2006/relationships" xmlns:p="http://schemas.openxmlformats.org/presentationml/2006/main">
   <p:cSld>
     <p:bg>
@@ -35554,10 +36523,10 @@
           <p:cNvPr id="11" name="Group 10">
             <a:extLst>
               <a:ext uri="{FF2B5EF4-FFF2-40B4-BE49-F238E27FC236}">
-                <a16:creationId xmlns="" xmlns:a16="http://schemas.microsoft.com/office/drawing/2014/main" id="{09EA7EA7-74F5-4EE2-8E3D-1A10308259D7}"/>
+                <a16:creationId xmlns:a16="http://schemas.microsoft.com/office/drawing/2014/main" xmlns="" id="{09EA7EA7-74F5-4EE2-8E3D-1A10308259D7}"/>
               </a:ext>
               <a:ext uri="{C183D7F6-B498-43B3-948B-1728B52AA6E4}">
-                <adec:decorative xmlns="" xmlns:adec="http://schemas.microsoft.com/office/drawing/2017/decorative" val="1"/>
+                <adec:decorative xmlns:adec="http://schemas.microsoft.com/office/drawing/2017/decorative" xmlns="" val="1"/>
               </a:ext>
             </a:extLst>
           </p:cNvPr>
@@ -35567,7 +36536,7 @@
           <p:nvPr>
             <p:extLst>
               <p:ext uri="{386F3935-93C4-4BCD-93E2-E3B085C9AB24}">
-                <p16:designElem xmlns:p16="http://schemas.microsoft.com/office/powerpoint/2015/main" xmlns="" val="1"/>
+                <p16:designElem xmlns="" xmlns:p16="http://schemas.microsoft.com/office/powerpoint/2015/main" val="1"/>
               </p:ext>
             </p:extLst>
           </p:nvPr>
@@ -35585,10 +36554,10 @@
             <p:cNvPr id="12" name="Straight Connector 11">
               <a:extLst>
                 <a:ext uri="{FF2B5EF4-FFF2-40B4-BE49-F238E27FC236}">
-                  <a16:creationId xmlns="" xmlns:a16="http://schemas.microsoft.com/office/drawing/2014/main" id="{A5CE79B5-7EE4-424D-AD14-5DEFB61B85C8}"/>
+                  <a16:creationId xmlns:a16="http://schemas.microsoft.com/office/drawing/2014/main" xmlns="" id="{A5CE79B5-7EE4-424D-AD14-5DEFB61B85C8}"/>
                 </a:ext>
                 <a:ext uri="{C183D7F6-B498-43B3-948B-1728B52AA6E4}">
-                  <adec:decorative xmlns="" xmlns:adec="http://schemas.microsoft.com/office/drawing/2017/decorative" val="1"/>
+                  <adec:decorative xmlns:adec="http://schemas.microsoft.com/office/drawing/2017/decorative" xmlns="" val="1"/>
                 </a:ext>
               </a:extLst>
             </p:cNvPr>
@@ -35596,7 +36565,7 @@
             <p:nvPr>
               <p:extLst>
                 <p:ext uri="{386F3935-93C4-4BCD-93E2-E3B085C9AB24}">
-                  <p16:designElem xmlns:p16="http://schemas.microsoft.com/office/powerpoint/2015/main" xmlns="" val="1"/>
+                  <p16:designElem xmlns="" xmlns:p16="http://schemas.microsoft.com/office/powerpoint/2015/main" val="1"/>
                 </p:ext>
               </p:extLst>
             </p:nvPr>
@@ -35637,10 +36606,10 @@
             <p:cNvPr id="13" name="Straight Connector 12">
               <a:extLst>
                 <a:ext uri="{FF2B5EF4-FFF2-40B4-BE49-F238E27FC236}">
-                  <a16:creationId xmlns="" xmlns:a16="http://schemas.microsoft.com/office/drawing/2014/main" id="{696C926F-F999-44BA-8D86-9EAB51D65010}"/>
+                  <a16:creationId xmlns:a16="http://schemas.microsoft.com/office/drawing/2014/main" xmlns="" id="{696C926F-F999-44BA-8D86-9EAB51D65010}"/>
                 </a:ext>
                 <a:ext uri="{C183D7F6-B498-43B3-948B-1728B52AA6E4}">
-                  <adec:decorative xmlns="" xmlns:adec="http://schemas.microsoft.com/office/drawing/2017/decorative" val="1"/>
+                  <adec:decorative xmlns:adec="http://schemas.microsoft.com/office/drawing/2017/decorative" xmlns="" val="1"/>
                 </a:ext>
               </a:extLst>
             </p:cNvPr>
@@ -35648,7 +36617,7 @@
             <p:nvPr>
               <p:extLst>
                 <p:ext uri="{386F3935-93C4-4BCD-93E2-E3B085C9AB24}">
-                  <p16:designElem xmlns:p16="http://schemas.microsoft.com/office/powerpoint/2015/main" xmlns="" val="1"/>
+                  <p16:designElem xmlns="" xmlns:p16="http://schemas.microsoft.com/office/powerpoint/2015/main" val="1"/>
                 </p:ext>
               </p:extLst>
             </p:nvPr>
@@ -35689,10 +36658,10 @@
             <p:cNvPr id="14" name="Rectangle 23">
               <a:extLst>
                 <a:ext uri="{FF2B5EF4-FFF2-40B4-BE49-F238E27FC236}">
-                  <a16:creationId xmlns="" xmlns:a16="http://schemas.microsoft.com/office/drawing/2014/main" id="{248745E7-0AF0-48F9-8E58-2673FC5F4FDE}"/>
+                  <a16:creationId xmlns:a16="http://schemas.microsoft.com/office/drawing/2014/main" xmlns="" id="{248745E7-0AF0-48F9-8E58-2673FC5F4FDE}"/>
                 </a:ext>
                 <a:ext uri="{C183D7F6-B498-43B3-948B-1728B52AA6E4}">
-                  <adec:decorative xmlns="" xmlns:adec="http://schemas.microsoft.com/office/drawing/2017/decorative" val="1"/>
+                  <adec:decorative xmlns:adec="http://schemas.microsoft.com/office/drawing/2017/decorative" xmlns="" val="1"/>
                 </a:ext>
               </a:extLst>
             </p:cNvPr>
@@ -35700,7 +36669,7 @@
             <p:nvPr>
               <p:extLst>
                 <p:ext uri="{386F3935-93C4-4BCD-93E2-E3B085C9AB24}">
-                  <p16:designElem xmlns:p16="http://schemas.microsoft.com/office/powerpoint/2015/main" xmlns="" val="1"/>
+                  <p16:designElem xmlns="" xmlns:p16="http://schemas.microsoft.com/office/powerpoint/2015/main" val="1"/>
                 </p:ext>
               </p:extLst>
             </p:nvPr>
@@ -35767,10 +36736,10 @@
             <p:cNvPr id="15" name="Rectangle 25">
               <a:extLst>
                 <a:ext uri="{FF2B5EF4-FFF2-40B4-BE49-F238E27FC236}">
-                  <a16:creationId xmlns="" xmlns:a16="http://schemas.microsoft.com/office/drawing/2014/main" id="{9715E81A-D2E0-4431-9370-4E4A9ECA7F9C}"/>
+                  <a16:creationId xmlns:a16="http://schemas.microsoft.com/office/drawing/2014/main" xmlns="" id="{9715E81A-D2E0-4431-9370-4E4A9ECA7F9C}"/>
                 </a:ext>
                 <a:ext uri="{C183D7F6-B498-43B3-948B-1728B52AA6E4}">
-                  <adec:decorative xmlns="" xmlns:adec="http://schemas.microsoft.com/office/drawing/2017/decorative" val="1"/>
+                  <adec:decorative xmlns:adec="http://schemas.microsoft.com/office/drawing/2017/decorative" xmlns="" val="1"/>
                 </a:ext>
               </a:extLst>
             </p:cNvPr>
@@ -35778,7 +36747,7 @@
             <p:nvPr>
               <p:extLst>
                 <p:ext uri="{386F3935-93C4-4BCD-93E2-E3B085C9AB24}">
-                  <p16:designElem xmlns:p16="http://schemas.microsoft.com/office/powerpoint/2015/main" xmlns="" val="1"/>
+                  <p16:designElem xmlns="" xmlns:p16="http://schemas.microsoft.com/office/powerpoint/2015/main" val="1"/>
                 </p:ext>
               </p:extLst>
             </p:nvPr>
@@ -35845,10 +36814,10 @@
             <p:cNvPr id="16" name="Isosceles Triangle 15">
               <a:extLst>
                 <a:ext uri="{FF2B5EF4-FFF2-40B4-BE49-F238E27FC236}">
-                  <a16:creationId xmlns="" xmlns:a16="http://schemas.microsoft.com/office/drawing/2014/main" id="{CEDB37A9-282D-4DDB-85AD-B2090A82531F}"/>
+                  <a16:creationId xmlns:a16="http://schemas.microsoft.com/office/drawing/2014/main" xmlns="" id="{CEDB37A9-282D-4DDB-85AD-B2090A82531F}"/>
                 </a:ext>
                 <a:ext uri="{C183D7F6-B498-43B3-948B-1728B52AA6E4}">
-                  <adec:decorative xmlns="" xmlns:adec="http://schemas.microsoft.com/office/drawing/2017/decorative" val="1"/>
+                  <adec:decorative xmlns:adec="http://schemas.microsoft.com/office/drawing/2017/decorative" xmlns="" val="1"/>
                 </a:ext>
               </a:extLst>
             </p:cNvPr>
@@ -35856,7 +36825,7 @@
             <p:nvPr>
               <p:extLst>
                 <p:ext uri="{386F3935-93C4-4BCD-93E2-E3B085C9AB24}">
-                  <p16:designElem xmlns:p16="http://schemas.microsoft.com/office/powerpoint/2015/main" xmlns="" val="1"/>
+                  <p16:designElem xmlns="" xmlns:p16="http://schemas.microsoft.com/office/powerpoint/2015/main" val="1"/>
                 </p:ext>
               </p:extLst>
             </p:nvPr>
@@ -35901,10 +36870,10 @@
             <p:cNvPr id="17" name="Rectangle 27">
               <a:extLst>
                 <a:ext uri="{FF2B5EF4-FFF2-40B4-BE49-F238E27FC236}">
-                  <a16:creationId xmlns="" xmlns:a16="http://schemas.microsoft.com/office/drawing/2014/main" id="{533D5933-7F91-4F5E-BC31-42FD0E2D8DEF}"/>
+                  <a16:creationId xmlns:a16="http://schemas.microsoft.com/office/drawing/2014/main" xmlns="" id="{533D5933-7F91-4F5E-BC31-42FD0E2D8DEF}"/>
                 </a:ext>
                 <a:ext uri="{C183D7F6-B498-43B3-948B-1728B52AA6E4}">
-                  <adec:decorative xmlns="" xmlns:adec="http://schemas.microsoft.com/office/drawing/2017/decorative" val="1"/>
+                  <adec:decorative xmlns:adec="http://schemas.microsoft.com/office/drawing/2017/decorative" xmlns="" val="1"/>
                 </a:ext>
               </a:extLst>
             </p:cNvPr>
@@ -35912,7 +36881,7 @@
             <p:nvPr>
               <p:extLst>
                 <p:ext uri="{386F3935-93C4-4BCD-93E2-E3B085C9AB24}">
-                  <p16:designElem xmlns:p16="http://schemas.microsoft.com/office/powerpoint/2015/main" xmlns="" val="1"/>
+                  <p16:designElem xmlns="" xmlns:p16="http://schemas.microsoft.com/office/powerpoint/2015/main" val="1"/>
                 </p:ext>
               </p:extLst>
             </p:nvPr>
@@ -35980,10 +36949,10 @@
             <p:cNvPr id="18" name="Rectangle 28">
               <a:extLst>
                 <a:ext uri="{FF2B5EF4-FFF2-40B4-BE49-F238E27FC236}">
-                  <a16:creationId xmlns="" xmlns:a16="http://schemas.microsoft.com/office/drawing/2014/main" id="{37ADDF68-C9BE-46EA-83DE-2C07DD83960F}"/>
+                  <a16:creationId xmlns:a16="http://schemas.microsoft.com/office/drawing/2014/main" xmlns="" id="{37ADDF68-C9BE-46EA-83DE-2C07DD83960F}"/>
                 </a:ext>
                 <a:ext uri="{C183D7F6-B498-43B3-948B-1728B52AA6E4}">
-                  <adec:decorative xmlns="" xmlns:adec="http://schemas.microsoft.com/office/drawing/2017/decorative" val="1"/>
+                  <adec:decorative xmlns:adec="http://schemas.microsoft.com/office/drawing/2017/decorative" xmlns="" val="1"/>
                 </a:ext>
               </a:extLst>
             </p:cNvPr>
@@ -35991,7 +36960,7 @@
             <p:nvPr>
               <p:extLst>
                 <p:ext uri="{386F3935-93C4-4BCD-93E2-E3B085C9AB24}">
-                  <p16:designElem xmlns:p16="http://schemas.microsoft.com/office/powerpoint/2015/main" xmlns="" val="1"/>
+                  <p16:designElem xmlns="" xmlns:p16="http://schemas.microsoft.com/office/powerpoint/2015/main" val="1"/>
                 </p:ext>
               </p:extLst>
             </p:nvPr>
@@ -36060,10 +37029,10 @@
             <p:cNvPr id="19" name="Rectangle 29">
               <a:extLst>
                 <a:ext uri="{FF2B5EF4-FFF2-40B4-BE49-F238E27FC236}">
-                  <a16:creationId xmlns="" xmlns:a16="http://schemas.microsoft.com/office/drawing/2014/main" id="{10D67396-BABD-48A8-A892-CCB5095FA427}"/>
+                  <a16:creationId xmlns:a16="http://schemas.microsoft.com/office/drawing/2014/main" xmlns="" id="{10D67396-BABD-48A8-A892-CCB5095FA427}"/>
                 </a:ext>
                 <a:ext uri="{C183D7F6-B498-43B3-948B-1728B52AA6E4}">
-                  <adec:decorative xmlns="" xmlns:adec="http://schemas.microsoft.com/office/drawing/2017/decorative" val="1"/>
+                  <adec:decorative xmlns:adec="http://schemas.microsoft.com/office/drawing/2017/decorative" xmlns="" val="1"/>
                 </a:ext>
               </a:extLst>
             </p:cNvPr>
@@ -36071,7 +37040,7 @@
             <p:nvPr>
               <p:extLst>
                 <p:ext uri="{386F3935-93C4-4BCD-93E2-E3B085C9AB24}">
-                  <p16:designElem xmlns:p16="http://schemas.microsoft.com/office/powerpoint/2015/main" xmlns="" val="1"/>
+                  <p16:designElem xmlns="" xmlns:p16="http://schemas.microsoft.com/office/powerpoint/2015/main" val="1"/>
                 </p:ext>
               </p:extLst>
             </p:nvPr>
@@ -36138,10 +37107,10 @@
             <p:cNvPr id="20" name="Isosceles Triangle 19">
               <a:extLst>
                 <a:ext uri="{FF2B5EF4-FFF2-40B4-BE49-F238E27FC236}">
-                  <a16:creationId xmlns="" xmlns:a16="http://schemas.microsoft.com/office/drawing/2014/main" id="{626DA82A-72C2-4DF6-9CF0-0D1F6B96B529}"/>
+                  <a16:creationId xmlns:a16="http://schemas.microsoft.com/office/drawing/2014/main" xmlns="" id="{626DA82A-72C2-4DF6-9CF0-0D1F6B96B529}"/>
                 </a:ext>
                 <a:ext uri="{C183D7F6-B498-43B3-948B-1728B52AA6E4}">
-                  <adec:decorative xmlns="" xmlns:adec="http://schemas.microsoft.com/office/drawing/2017/decorative" val="1"/>
+                  <adec:decorative xmlns:adec="http://schemas.microsoft.com/office/drawing/2017/decorative" xmlns="" val="1"/>
                 </a:ext>
               </a:extLst>
             </p:cNvPr>
@@ -36149,7 +37118,7 @@
             <p:nvPr>
               <p:extLst>
                 <p:ext uri="{386F3935-93C4-4BCD-93E2-E3B085C9AB24}">
-                  <p16:designElem xmlns:p16="http://schemas.microsoft.com/office/powerpoint/2015/main" xmlns="" val="1"/>
+                  <p16:designElem xmlns="" xmlns:p16="http://schemas.microsoft.com/office/powerpoint/2015/main" val="1"/>
                 </p:ext>
               </p:extLst>
             </p:nvPr>
@@ -36194,10 +37163,10 @@
             <p:cNvPr id="21" name="Isosceles Triangle 20">
               <a:extLst>
                 <a:ext uri="{FF2B5EF4-FFF2-40B4-BE49-F238E27FC236}">
-                  <a16:creationId xmlns="" xmlns:a16="http://schemas.microsoft.com/office/drawing/2014/main" id="{8EE6DC63-4380-4BE0-A68A-8F01162BD192}"/>
+                  <a16:creationId xmlns:a16="http://schemas.microsoft.com/office/drawing/2014/main" xmlns="" id="{8EE6DC63-4380-4BE0-A68A-8F01162BD192}"/>
                 </a:ext>
                 <a:ext uri="{C183D7F6-B498-43B3-948B-1728B52AA6E4}">
-                  <adec:decorative xmlns="" xmlns:adec="http://schemas.microsoft.com/office/drawing/2017/decorative" val="1"/>
+                  <adec:decorative xmlns:adec="http://schemas.microsoft.com/office/drawing/2017/decorative" xmlns="" val="1"/>
                 </a:ext>
               </a:extLst>
             </p:cNvPr>
@@ -36205,7 +37174,7 @@
             <p:nvPr>
               <p:extLst>
                 <p:ext uri="{386F3935-93C4-4BCD-93E2-E3B085C9AB24}">
-                  <p16:designElem xmlns:p16="http://schemas.microsoft.com/office/powerpoint/2015/main" xmlns="" val="1"/>
+                  <p16:designElem xmlns="" xmlns:p16="http://schemas.microsoft.com/office/powerpoint/2015/main" val="1"/>
                 </p:ext>
               </p:extLst>
             </p:nvPr>
@@ -36251,10 +37220,10 @@
           <p:cNvPr id="23" name="Straight Connector 22">
             <a:extLst>
               <a:ext uri="{FF2B5EF4-FFF2-40B4-BE49-F238E27FC236}">
-                <a16:creationId xmlns="" xmlns:a16="http://schemas.microsoft.com/office/drawing/2014/main" id="{0B5F7E3B-C5F1-40E0-A491-558BAFBC1127}"/>
+                <a16:creationId xmlns:a16="http://schemas.microsoft.com/office/drawing/2014/main" xmlns="" id="{0B5F7E3B-C5F1-40E0-A491-558BAFBC1127}"/>
               </a:ext>
               <a:ext uri="{C183D7F6-B498-43B3-948B-1728B52AA6E4}">
-                <adec:decorative xmlns="" xmlns:adec="http://schemas.microsoft.com/office/drawing/2017/decorative" val="1"/>
+                <adec:decorative xmlns:adec="http://schemas.microsoft.com/office/drawing/2017/decorative" xmlns="" val="1"/>
               </a:ext>
             </a:extLst>
           </p:cNvPr>
@@ -36264,7 +37233,7 @@
           <p:nvPr>
             <p:extLst>
               <p:ext uri="{386F3935-93C4-4BCD-93E2-E3B085C9AB24}">
-                <p16:designElem xmlns:p16="http://schemas.microsoft.com/office/powerpoint/2015/main" xmlns="" val="1"/>
+                <p16:designElem xmlns="" xmlns:p16="http://schemas.microsoft.com/office/powerpoint/2015/main" val="1"/>
               </p:ext>
             </p:extLst>
           </p:nvPr>
@@ -36298,7 +37267,7 @@
           <p:cNvPr id="3" name="Title 2">
             <a:extLst>
               <a:ext uri="{FF2B5EF4-FFF2-40B4-BE49-F238E27FC236}">
-                <a16:creationId xmlns="" xmlns:a16="http://schemas.microsoft.com/office/drawing/2014/main" id="{AF3C2EB7-87F4-4037-8FED-8B7DBFAAE628}"/>
+                <a16:creationId xmlns:a16="http://schemas.microsoft.com/office/drawing/2014/main" xmlns="" id="{AF3C2EB7-87F4-4037-8FED-8B7DBFAAE628}"/>
               </a:ext>
             </a:extLst>
           </p:cNvPr>
@@ -36358,7 +37327,7 @@
           <p:cNvPr id="2" name="Content Placeholder 1">
             <a:extLst>
               <a:ext uri="{FF2B5EF4-FFF2-40B4-BE49-F238E27FC236}">
-                <a16:creationId xmlns="" xmlns:a16="http://schemas.microsoft.com/office/drawing/2014/main" id="{6D70C33C-4DAE-4E19-A4E3-26A822586C47}"/>
+                <a16:creationId xmlns:a16="http://schemas.microsoft.com/office/drawing/2014/main" xmlns="" id="{6D70C33C-4DAE-4E19-A4E3-26A822586C47}"/>
               </a:ext>
             </a:extLst>
           </p:cNvPr>
@@ -36675,7 +37644,7 @@
           <p:cNvPr id="22" name="Footer Placeholder 4">
             <a:extLst>
               <a:ext uri="{FF2B5EF4-FFF2-40B4-BE49-F238E27FC236}">
-                <a16:creationId xmlns="" xmlns:a16="http://schemas.microsoft.com/office/drawing/2014/main" id="{B0A64349-30B6-4FE0-8E14-3894C450034E}"/>
+                <a16:creationId xmlns:a16="http://schemas.microsoft.com/office/drawing/2014/main" xmlns="" id="{B0A64349-30B6-4FE0-8E14-3894C450034E}"/>
               </a:ext>
             </a:extLst>
           </p:cNvPr>
@@ -36728,7 +37697,7 @@
           <p:cNvPr id="24" name="Date Placeholder 3">
             <a:extLst>
               <a:ext uri="{FF2B5EF4-FFF2-40B4-BE49-F238E27FC236}">
-                <a16:creationId xmlns="" xmlns:a16="http://schemas.microsoft.com/office/drawing/2014/main" id="{52B540CA-1C1A-44E8-92FF-E624257AE6B2}"/>
+                <a16:creationId xmlns:a16="http://schemas.microsoft.com/office/drawing/2014/main" xmlns="" id="{52B540CA-1C1A-44E8-92FF-E624257AE6B2}"/>
               </a:ext>
             </a:extLst>
           </p:cNvPr>
@@ -36785,7 +37754,7 @@
           <p:cNvPr id="25" name="Slide Number Placeholder 5">
             <a:extLst>
               <a:ext uri="{FF2B5EF4-FFF2-40B4-BE49-F238E27FC236}">
-                <a16:creationId xmlns="" xmlns:a16="http://schemas.microsoft.com/office/drawing/2014/main" id="{0388C5E4-30CC-474D-8786-61BC5B61B877}"/>
+                <a16:creationId xmlns:a16="http://schemas.microsoft.com/office/drawing/2014/main" xmlns="" id="{0388C5E4-30CC-474D-8786-61BC5B61B877}"/>
               </a:ext>
             </a:extLst>
           </p:cNvPr>
@@ -36826,7 +37795,7 @@
                   <a:spcPts val="600"/>
                 </a:spcAft>
               </a:pPr>
-              <a:t>26</a:t>
+              <a:t>27</a:t>
             </a:fld>
             <a:endParaRPr lang="en-US" sz="1000" kern="1200" dirty="0">
               <a:solidFill>
@@ -36848,10 +37817,17 @@
   <p:clrMapOvr>
     <a:masterClrMapping/>
   </p:clrMapOvr>
+  <p:timing>
+    <p:tnLst>
+      <p:par>
+        <p:cTn xmlns:p14="http://schemas.microsoft.com/office/powerpoint/2010/main" id="1" dur="indefinite" restart="never" nodeType="tmRoot"/>
+      </p:par>
+    </p:tnLst>
+  </p:timing>
 </p:sld>
 </file>
 
-<file path=ppt/slides/slide27.xml><?xml version="1.0" encoding="utf-8"?>
+<file path=ppt/slides/slide28.xml><?xml version="1.0" encoding="utf-8"?>
 <p:sld xmlns:a="http://schemas.openxmlformats.org/drawingml/2006/main" xmlns:r="http://schemas.openxmlformats.org/officeDocument/2006/relationships" xmlns:p="http://schemas.openxmlformats.org/presentationml/2006/main">
   <p:cSld>
     <p:bg>
@@ -36881,10 +37857,10 @@
           <p:cNvPr id="11" name="Group 10">
             <a:extLst>
               <a:ext uri="{FF2B5EF4-FFF2-40B4-BE49-F238E27FC236}">
-                <a16:creationId xmlns="" xmlns:a16="http://schemas.microsoft.com/office/drawing/2014/main" id="{09EA7EA7-74F5-4EE2-8E3D-1A10308259D7}"/>
+                <a16:creationId xmlns:a16="http://schemas.microsoft.com/office/drawing/2014/main" xmlns="" id="{09EA7EA7-74F5-4EE2-8E3D-1A10308259D7}"/>
               </a:ext>
               <a:ext uri="{C183D7F6-B498-43B3-948B-1728B52AA6E4}">
-                <adec:decorative xmlns="" xmlns:adec="http://schemas.microsoft.com/office/drawing/2017/decorative" val="1"/>
+                <adec:decorative xmlns:adec="http://schemas.microsoft.com/office/drawing/2017/decorative" xmlns="" val="1"/>
               </a:ext>
             </a:extLst>
           </p:cNvPr>
@@ -36894,7 +37870,7 @@
           <p:nvPr>
             <p:extLst>
               <p:ext uri="{386F3935-93C4-4BCD-93E2-E3B085C9AB24}">
-                <p16:designElem xmlns:p16="http://schemas.microsoft.com/office/powerpoint/2015/main" xmlns="" val="1"/>
+                <p16:designElem xmlns="" xmlns:p16="http://schemas.microsoft.com/office/powerpoint/2015/main" val="1"/>
               </p:ext>
             </p:extLst>
           </p:nvPr>
@@ -36912,10 +37888,10 @@
             <p:cNvPr id="12" name="Straight Connector 11">
               <a:extLst>
                 <a:ext uri="{FF2B5EF4-FFF2-40B4-BE49-F238E27FC236}">
-                  <a16:creationId xmlns="" xmlns:a16="http://schemas.microsoft.com/office/drawing/2014/main" id="{A5CE79B5-7EE4-424D-AD14-5DEFB61B85C8}"/>
+                  <a16:creationId xmlns:a16="http://schemas.microsoft.com/office/drawing/2014/main" xmlns="" id="{A5CE79B5-7EE4-424D-AD14-5DEFB61B85C8}"/>
                 </a:ext>
                 <a:ext uri="{C183D7F6-B498-43B3-948B-1728B52AA6E4}">
-                  <adec:decorative xmlns="" xmlns:adec="http://schemas.microsoft.com/office/drawing/2017/decorative" val="1"/>
+                  <adec:decorative xmlns:adec="http://schemas.microsoft.com/office/drawing/2017/decorative" xmlns="" val="1"/>
                 </a:ext>
               </a:extLst>
             </p:cNvPr>
@@ -36923,7 +37899,7 @@
             <p:nvPr>
               <p:extLst>
                 <p:ext uri="{386F3935-93C4-4BCD-93E2-E3B085C9AB24}">
-                  <p16:designElem xmlns:p16="http://schemas.microsoft.com/office/powerpoint/2015/main" xmlns="" val="1"/>
+                  <p16:designElem xmlns="" xmlns:p16="http://schemas.microsoft.com/office/powerpoint/2015/main" val="1"/>
                 </p:ext>
               </p:extLst>
             </p:nvPr>
@@ -36964,10 +37940,10 @@
             <p:cNvPr id="31" name="Straight Connector 12">
               <a:extLst>
                 <a:ext uri="{FF2B5EF4-FFF2-40B4-BE49-F238E27FC236}">
-                  <a16:creationId xmlns="" xmlns:a16="http://schemas.microsoft.com/office/drawing/2014/main" id="{696C926F-F999-44BA-8D86-9EAB51D65010}"/>
+                  <a16:creationId xmlns:a16="http://schemas.microsoft.com/office/drawing/2014/main" xmlns="" id="{696C926F-F999-44BA-8D86-9EAB51D65010}"/>
                 </a:ext>
                 <a:ext uri="{C183D7F6-B498-43B3-948B-1728B52AA6E4}">
-                  <adec:decorative xmlns="" xmlns:adec="http://schemas.microsoft.com/office/drawing/2017/decorative" val="1"/>
+                  <adec:decorative xmlns:adec="http://schemas.microsoft.com/office/drawing/2017/decorative" xmlns="" val="1"/>
                 </a:ext>
               </a:extLst>
             </p:cNvPr>
@@ -36975,7 +37951,7 @@
             <p:nvPr>
               <p:extLst>
                 <p:ext uri="{386F3935-93C4-4BCD-93E2-E3B085C9AB24}">
-                  <p16:designElem xmlns:p16="http://schemas.microsoft.com/office/powerpoint/2015/main" xmlns="" val="1"/>
+                  <p16:designElem xmlns="" xmlns:p16="http://schemas.microsoft.com/office/powerpoint/2015/main" val="1"/>
                 </p:ext>
               </p:extLst>
             </p:nvPr>
@@ -37016,10 +37992,10 @@
             <p:cNvPr id="14" name="Rectangle 23">
               <a:extLst>
                 <a:ext uri="{FF2B5EF4-FFF2-40B4-BE49-F238E27FC236}">
-                  <a16:creationId xmlns="" xmlns:a16="http://schemas.microsoft.com/office/drawing/2014/main" id="{248745E7-0AF0-48F9-8E58-2673FC5F4FDE}"/>
+                  <a16:creationId xmlns:a16="http://schemas.microsoft.com/office/drawing/2014/main" xmlns="" id="{248745E7-0AF0-48F9-8E58-2673FC5F4FDE}"/>
                 </a:ext>
                 <a:ext uri="{C183D7F6-B498-43B3-948B-1728B52AA6E4}">
-                  <adec:decorative xmlns="" xmlns:adec="http://schemas.microsoft.com/office/drawing/2017/decorative" val="1"/>
+                  <adec:decorative xmlns:adec="http://schemas.microsoft.com/office/drawing/2017/decorative" xmlns="" val="1"/>
                 </a:ext>
               </a:extLst>
             </p:cNvPr>
@@ -37027,7 +38003,7 @@
             <p:nvPr>
               <p:extLst>
                 <p:ext uri="{386F3935-93C4-4BCD-93E2-E3B085C9AB24}">
-                  <p16:designElem xmlns:p16="http://schemas.microsoft.com/office/powerpoint/2015/main" xmlns="" val="1"/>
+                  <p16:designElem xmlns="" xmlns:p16="http://schemas.microsoft.com/office/powerpoint/2015/main" val="1"/>
                 </p:ext>
               </p:extLst>
             </p:nvPr>
@@ -37094,10 +38070,10 @@
             <p:cNvPr id="15" name="Rectangle 25">
               <a:extLst>
                 <a:ext uri="{FF2B5EF4-FFF2-40B4-BE49-F238E27FC236}">
-                  <a16:creationId xmlns="" xmlns:a16="http://schemas.microsoft.com/office/drawing/2014/main" id="{9715E81A-D2E0-4431-9370-4E4A9ECA7F9C}"/>
+                  <a16:creationId xmlns:a16="http://schemas.microsoft.com/office/drawing/2014/main" xmlns="" id="{9715E81A-D2E0-4431-9370-4E4A9ECA7F9C}"/>
                 </a:ext>
                 <a:ext uri="{C183D7F6-B498-43B3-948B-1728B52AA6E4}">
-                  <adec:decorative xmlns="" xmlns:adec="http://schemas.microsoft.com/office/drawing/2017/decorative" val="1"/>
+                  <adec:decorative xmlns:adec="http://schemas.microsoft.com/office/drawing/2017/decorative" xmlns="" val="1"/>
                 </a:ext>
               </a:extLst>
             </p:cNvPr>
@@ -37105,7 +38081,7 @@
             <p:nvPr>
               <p:extLst>
                 <p:ext uri="{386F3935-93C4-4BCD-93E2-E3B085C9AB24}">
-                  <p16:designElem xmlns:p16="http://schemas.microsoft.com/office/powerpoint/2015/main" xmlns="" val="1"/>
+                  <p16:designElem xmlns="" xmlns:p16="http://schemas.microsoft.com/office/powerpoint/2015/main" val="1"/>
                 </p:ext>
               </p:extLst>
             </p:nvPr>
@@ -37172,10 +38148,10 @@
             <p:cNvPr id="16" name="Isosceles Triangle 15">
               <a:extLst>
                 <a:ext uri="{FF2B5EF4-FFF2-40B4-BE49-F238E27FC236}">
-                  <a16:creationId xmlns="" xmlns:a16="http://schemas.microsoft.com/office/drawing/2014/main" id="{CEDB37A9-282D-4DDB-85AD-B2090A82531F}"/>
+                  <a16:creationId xmlns:a16="http://schemas.microsoft.com/office/drawing/2014/main" xmlns="" id="{CEDB37A9-282D-4DDB-85AD-B2090A82531F}"/>
                 </a:ext>
                 <a:ext uri="{C183D7F6-B498-43B3-948B-1728B52AA6E4}">
-                  <adec:decorative xmlns="" xmlns:adec="http://schemas.microsoft.com/office/drawing/2017/decorative" val="1"/>
+                  <adec:decorative xmlns:adec="http://schemas.microsoft.com/office/drawing/2017/decorative" xmlns="" val="1"/>
                 </a:ext>
               </a:extLst>
             </p:cNvPr>
@@ -37183,7 +38159,7 @@
             <p:nvPr>
               <p:extLst>
                 <p:ext uri="{386F3935-93C4-4BCD-93E2-E3B085C9AB24}">
-                  <p16:designElem xmlns:p16="http://schemas.microsoft.com/office/powerpoint/2015/main" xmlns="" val="1"/>
+                  <p16:designElem xmlns="" xmlns:p16="http://schemas.microsoft.com/office/powerpoint/2015/main" val="1"/>
                 </p:ext>
               </p:extLst>
             </p:nvPr>
@@ -37228,10 +38204,10 @@
             <p:cNvPr id="17" name="Rectangle 27">
               <a:extLst>
                 <a:ext uri="{FF2B5EF4-FFF2-40B4-BE49-F238E27FC236}">
-                  <a16:creationId xmlns="" xmlns:a16="http://schemas.microsoft.com/office/drawing/2014/main" id="{533D5933-7F91-4F5E-BC31-42FD0E2D8DEF}"/>
+                  <a16:creationId xmlns:a16="http://schemas.microsoft.com/office/drawing/2014/main" xmlns="" id="{533D5933-7F91-4F5E-BC31-42FD0E2D8DEF}"/>
                 </a:ext>
                 <a:ext uri="{C183D7F6-B498-43B3-948B-1728B52AA6E4}">
-                  <adec:decorative xmlns="" xmlns:adec="http://schemas.microsoft.com/office/drawing/2017/decorative" val="1"/>
+                  <adec:decorative xmlns:adec="http://schemas.microsoft.com/office/drawing/2017/decorative" xmlns="" val="1"/>
                 </a:ext>
               </a:extLst>
             </p:cNvPr>
@@ -37239,7 +38215,7 @@
             <p:nvPr>
               <p:extLst>
                 <p:ext uri="{386F3935-93C4-4BCD-93E2-E3B085C9AB24}">
-                  <p16:designElem xmlns:p16="http://schemas.microsoft.com/office/powerpoint/2015/main" xmlns="" val="1"/>
+                  <p16:designElem xmlns="" xmlns:p16="http://schemas.microsoft.com/office/powerpoint/2015/main" val="1"/>
                 </p:ext>
               </p:extLst>
             </p:nvPr>
@@ -37307,10 +38283,10 @@
             <p:cNvPr id="18" name="Rectangle 28">
               <a:extLst>
                 <a:ext uri="{FF2B5EF4-FFF2-40B4-BE49-F238E27FC236}">
-                  <a16:creationId xmlns="" xmlns:a16="http://schemas.microsoft.com/office/drawing/2014/main" id="{37ADDF68-C9BE-46EA-83DE-2C07DD83960F}"/>
+                  <a16:creationId xmlns:a16="http://schemas.microsoft.com/office/drawing/2014/main" xmlns="" id="{37ADDF68-C9BE-46EA-83DE-2C07DD83960F}"/>
                 </a:ext>
                 <a:ext uri="{C183D7F6-B498-43B3-948B-1728B52AA6E4}">
-                  <adec:decorative xmlns="" xmlns:adec="http://schemas.microsoft.com/office/drawing/2017/decorative" val="1"/>
+                  <adec:decorative xmlns:adec="http://schemas.microsoft.com/office/drawing/2017/decorative" xmlns="" val="1"/>
                 </a:ext>
               </a:extLst>
             </p:cNvPr>
@@ -37318,7 +38294,7 @@
             <p:nvPr>
               <p:extLst>
                 <p:ext uri="{386F3935-93C4-4BCD-93E2-E3B085C9AB24}">
-                  <p16:designElem xmlns:p16="http://schemas.microsoft.com/office/powerpoint/2015/main" xmlns="" val="1"/>
+                  <p16:designElem xmlns="" xmlns:p16="http://schemas.microsoft.com/office/powerpoint/2015/main" val="1"/>
                 </p:ext>
               </p:extLst>
             </p:nvPr>
@@ -37387,10 +38363,10 @@
             <p:cNvPr id="19" name="Rectangle 29">
               <a:extLst>
                 <a:ext uri="{FF2B5EF4-FFF2-40B4-BE49-F238E27FC236}">
-                  <a16:creationId xmlns="" xmlns:a16="http://schemas.microsoft.com/office/drawing/2014/main" id="{10D67396-BABD-48A8-A892-CCB5095FA427}"/>
+                  <a16:creationId xmlns:a16="http://schemas.microsoft.com/office/drawing/2014/main" xmlns="" id="{10D67396-BABD-48A8-A892-CCB5095FA427}"/>
                 </a:ext>
                 <a:ext uri="{C183D7F6-B498-43B3-948B-1728B52AA6E4}">
-                  <adec:decorative xmlns="" xmlns:adec="http://schemas.microsoft.com/office/drawing/2017/decorative" val="1"/>
+                  <adec:decorative xmlns:adec="http://schemas.microsoft.com/office/drawing/2017/decorative" xmlns="" val="1"/>
                 </a:ext>
               </a:extLst>
             </p:cNvPr>
@@ -37398,7 +38374,7 @@
             <p:nvPr>
               <p:extLst>
                 <p:ext uri="{386F3935-93C4-4BCD-93E2-E3B085C9AB24}">
-                  <p16:designElem xmlns:p16="http://schemas.microsoft.com/office/powerpoint/2015/main" xmlns="" val="1"/>
+                  <p16:designElem xmlns="" xmlns:p16="http://schemas.microsoft.com/office/powerpoint/2015/main" val="1"/>
                 </p:ext>
               </p:extLst>
             </p:nvPr>
@@ -37465,10 +38441,10 @@
             <p:cNvPr id="20" name="Isosceles Triangle 19">
               <a:extLst>
                 <a:ext uri="{FF2B5EF4-FFF2-40B4-BE49-F238E27FC236}">
-                  <a16:creationId xmlns="" xmlns:a16="http://schemas.microsoft.com/office/drawing/2014/main" id="{626DA82A-72C2-4DF6-9CF0-0D1F6B96B529}"/>
+                  <a16:creationId xmlns:a16="http://schemas.microsoft.com/office/drawing/2014/main" xmlns="" id="{626DA82A-72C2-4DF6-9CF0-0D1F6B96B529}"/>
                 </a:ext>
                 <a:ext uri="{C183D7F6-B498-43B3-948B-1728B52AA6E4}">
-                  <adec:decorative xmlns="" xmlns:adec="http://schemas.microsoft.com/office/drawing/2017/decorative" val="1"/>
+                  <adec:decorative xmlns:adec="http://schemas.microsoft.com/office/drawing/2017/decorative" xmlns="" val="1"/>
                 </a:ext>
               </a:extLst>
             </p:cNvPr>
@@ -37476,7 +38452,7 @@
             <p:nvPr>
               <p:extLst>
                 <p:ext uri="{386F3935-93C4-4BCD-93E2-E3B085C9AB24}">
-                  <p16:designElem xmlns:p16="http://schemas.microsoft.com/office/powerpoint/2015/main" xmlns="" val="1"/>
+                  <p16:designElem xmlns="" xmlns:p16="http://schemas.microsoft.com/office/powerpoint/2015/main" val="1"/>
                 </p:ext>
               </p:extLst>
             </p:nvPr>
@@ -37521,10 +38497,10 @@
             <p:cNvPr id="21" name="Isosceles Triangle 20">
               <a:extLst>
                 <a:ext uri="{FF2B5EF4-FFF2-40B4-BE49-F238E27FC236}">
-                  <a16:creationId xmlns="" xmlns:a16="http://schemas.microsoft.com/office/drawing/2014/main" id="{8EE6DC63-4380-4BE0-A68A-8F01162BD192}"/>
+                  <a16:creationId xmlns:a16="http://schemas.microsoft.com/office/drawing/2014/main" xmlns="" id="{8EE6DC63-4380-4BE0-A68A-8F01162BD192}"/>
                 </a:ext>
                 <a:ext uri="{C183D7F6-B498-43B3-948B-1728B52AA6E4}">
-                  <adec:decorative xmlns="" xmlns:adec="http://schemas.microsoft.com/office/drawing/2017/decorative" val="1"/>
+                  <adec:decorative xmlns:adec="http://schemas.microsoft.com/office/drawing/2017/decorative" xmlns="" val="1"/>
                 </a:ext>
               </a:extLst>
             </p:cNvPr>
@@ -37532,7 +38508,7 @@
             <p:nvPr>
               <p:extLst>
                 <p:ext uri="{386F3935-93C4-4BCD-93E2-E3B085C9AB24}">
-                  <p16:designElem xmlns:p16="http://schemas.microsoft.com/office/powerpoint/2015/main" xmlns="" val="1"/>
+                  <p16:designElem xmlns="" xmlns:p16="http://schemas.microsoft.com/office/powerpoint/2015/main" val="1"/>
                 </p:ext>
               </p:extLst>
             </p:nvPr>
@@ -37578,10 +38554,10 @@
           <p:cNvPr id="23" name="Straight Connector 22">
             <a:extLst>
               <a:ext uri="{FF2B5EF4-FFF2-40B4-BE49-F238E27FC236}">
-                <a16:creationId xmlns="" xmlns:a16="http://schemas.microsoft.com/office/drawing/2014/main" id="{0B5F7E3B-C5F1-40E0-A491-558BAFBC1127}"/>
+                <a16:creationId xmlns:a16="http://schemas.microsoft.com/office/drawing/2014/main" xmlns="" id="{0B5F7E3B-C5F1-40E0-A491-558BAFBC1127}"/>
               </a:ext>
               <a:ext uri="{C183D7F6-B498-43B3-948B-1728B52AA6E4}">
-                <adec:decorative xmlns="" xmlns:adec="http://schemas.microsoft.com/office/drawing/2017/decorative" val="1"/>
+                <adec:decorative xmlns:adec="http://schemas.microsoft.com/office/drawing/2017/decorative" xmlns="" val="1"/>
               </a:ext>
             </a:extLst>
           </p:cNvPr>
@@ -37591,7 +38567,7 @@
           <p:nvPr>
             <p:extLst>
               <p:ext uri="{386F3935-93C4-4BCD-93E2-E3B085C9AB24}">
-                <p16:designElem xmlns:p16="http://schemas.microsoft.com/office/powerpoint/2015/main" xmlns="" val="1"/>
+                <p16:designElem xmlns="" xmlns:p16="http://schemas.microsoft.com/office/powerpoint/2015/main" val="1"/>
               </p:ext>
             </p:extLst>
           </p:nvPr>
@@ -37625,7 +38601,7 @@
           <p:cNvPr id="3" name="Title 2">
             <a:extLst>
               <a:ext uri="{FF2B5EF4-FFF2-40B4-BE49-F238E27FC236}">
-                <a16:creationId xmlns="" xmlns:a16="http://schemas.microsoft.com/office/drawing/2014/main" id="{82E4463A-8920-4C9B-B435-0F9042AA63F2}"/>
+                <a16:creationId xmlns:a16="http://schemas.microsoft.com/office/drawing/2014/main" xmlns="" id="{82E4463A-8920-4C9B-B435-0F9042AA63F2}"/>
               </a:ext>
             </a:extLst>
           </p:cNvPr>
@@ -37677,7 +38653,7 @@
           <p:cNvPr id="32" name="Content Placeholder 1">
             <a:extLst>
               <a:ext uri="{FF2B5EF4-FFF2-40B4-BE49-F238E27FC236}">
-                <a16:creationId xmlns="" xmlns:a16="http://schemas.microsoft.com/office/drawing/2014/main" id="{06AE2477-0CF4-4B7E-94C3-BBD8BF808359}"/>
+                <a16:creationId xmlns:a16="http://schemas.microsoft.com/office/drawing/2014/main" xmlns="" id="{06AE2477-0CF4-4B7E-94C3-BBD8BF808359}"/>
               </a:ext>
             </a:extLst>
           </p:cNvPr>
@@ -38112,7 +39088,7 @@
           <p:cNvPr id="39" name="Footer Placeholder 4">
             <a:extLst>
               <a:ext uri="{FF2B5EF4-FFF2-40B4-BE49-F238E27FC236}">
-                <a16:creationId xmlns="" xmlns:a16="http://schemas.microsoft.com/office/drawing/2014/main" id="{938DD3C1-D5F2-4A73-9C9B-9AF076580A77}"/>
+                <a16:creationId xmlns:a16="http://schemas.microsoft.com/office/drawing/2014/main" xmlns="" id="{938DD3C1-D5F2-4A73-9C9B-9AF076580A77}"/>
               </a:ext>
             </a:extLst>
           </p:cNvPr>
@@ -38165,7 +39141,7 @@
           <p:cNvPr id="45" name="Date Placeholder 3">
             <a:extLst>
               <a:ext uri="{FF2B5EF4-FFF2-40B4-BE49-F238E27FC236}">
-                <a16:creationId xmlns="" xmlns:a16="http://schemas.microsoft.com/office/drawing/2014/main" id="{0FB37079-DE51-4BAA-A9AB-DBB6C8623B26}"/>
+                <a16:creationId xmlns:a16="http://schemas.microsoft.com/office/drawing/2014/main" xmlns="" id="{0FB37079-DE51-4BAA-A9AB-DBB6C8623B26}"/>
               </a:ext>
             </a:extLst>
           </p:cNvPr>
@@ -38222,7 +39198,7 @@
           <p:cNvPr id="46" name="Slide Number Placeholder 5">
             <a:extLst>
               <a:ext uri="{FF2B5EF4-FFF2-40B4-BE49-F238E27FC236}">
-                <a16:creationId xmlns="" xmlns:a16="http://schemas.microsoft.com/office/drawing/2014/main" id="{CB7AA075-519D-41E2-9027-38BFDADD987C}"/>
+                <a16:creationId xmlns:a16="http://schemas.microsoft.com/office/drawing/2014/main" xmlns="" id="{CB7AA075-519D-41E2-9027-38BFDADD987C}"/>
               </a:ext>
             </a:extLst>
           </p:cNvPr>
@@ -38263,7 +39239,7 @@
                   <a:spcPts val="600"/>
                 </a:spcAft>
               </a:pPr>
-              <a:t>27</a:t>
+              <a:t>28</a:t>
             </a:fld>
             <a:endParaRPr lang="en-US" sz="1000" kern="1200" dirty="0">
               <a:solidFill>
@@ -38285,10 +39261,17 @@
   <p:clrMapOvr>
     <a:masterClrMapping/>
   </p:clrMapOvr>
+  <p:timing>
+    <p:tnLst>
+      <p:par>
+        <p:cTn xmlns:p14="http://schemas.microsoft.com/office/powerpoint/2010/main" id="1" dur="indefinite" restart="never" nodeType="tmRoot"/>
+      </p:par>
+    </p:tnLst>
+  </p:timing>
 </p:sld>
 </file>
 
-<file path=ppt/slides/slide28.xml><?xml version="1.0" encoding="utf-8"?>
+<file path=ppt/slides/slide29.xml><?xml version="1.0" encoding="utf-8"?>
 <p:sld xmlns:a="http://schemas.openxmlformats.org/drawingml/2006/main" xmlns:r="http://schemas.openxmlformats.org/officeDocument/2006/relationships" xmlns:p="http://schemas.openxmlformats.org/presentationml/2006/main">
   <p:cSld>
     <p:bg>
@@ -38318,10 +39301,10 @@
           <p:cNvPr id="9" name="Group 8">
             <a:extLst>
               <a:ext uri="{FF2B5EF4-FFF2-40B4-BE49-F238E27FC236}">
-                <a16:creationId xmlns="" xmlns:a16="http://schemas.microsoft.com/office/drawing/2014/main" id="{28460BD8-AE3F-4AC9-9D0B-717052AA5D3A}"/>
+                <a16:creationId xmlns:a16="http://schemas.microsoft.com/office/drawing/2014/main" xmlns="" id="{28460BD8-AE3F-4AC9-9D0B-717052AA5D3A}"/>
               </a:ext>
               <a:ext uri="{C183D7F6-B498-43B3-948B-1728B52AA6E4}">
-                <adec:decorative xmlns="" xmlns:adec="http://schemas.microsoft.com/office/drawing/2017/decorative" val="1"/>
+                <adec:decorative xmlns:adec="http://schemas.microsoft.com/office/drawing/2017/decorative" xmlns="" val="1"/>
               </a:ext>
             </a:extLst>
           </p:cNvPr>
@@ -38331,7 +39314,7 @@
           <p:nvPr>
             <p:extLst>
               <p:ext uri="{386F3935-93C4-4BCD-93E2-E3B085C9AB24}">
-                <p16:designElem xmlns:p16="http://schemas.microsoft.com/office/powerpoint/2015/main" xmlns="" val="1"/>
+                <p16:designElem xmlns="" xmlns:p16="http://schemas.microsoft.com/office/powerpoint/2015/main" val="1"/>
               </p:ext>
             </p:extLst>
           </p:nvPr>
@@ -38349,10 +39332,10 @@
             <p:cNvPr id="10" name="Straight Connector 9">
               <a:extLst>
                 <a:ext uri="{FF2B5EF4-FFF2-40B4-BE49-F238E27FC236}">
-                  <a16:creationId xmlns="" xmlns:a16="http://schemas.microsoft.com/office/drawing/2014/main" id="{54420CFE-F482-466E-9E1E-C78513C0B85D}"/>
+                  <a16:creationId xmlns:a16="http://schemas.microsoft.com/office/drawing/2014/main" xmlns="" id="{54420CFE-F482-466E-9E1E-C78513C0B85D}"/>
                 </a:ext>
                 <a:ext uri="{C183D7F6-B498-43B3-948B-1728B52AA6E4}">
-                  <adec:decorative xmlns="" xmlns:adec="http://schemas.microsoft.com/office/drawing/2017/decorative" val="1"/>
+                  <adec:decorative xmlns:adec="http://schemas.microsoft.com/office/drawing/2017/decorative" xmlns="" val="1"/>
                 </a:ext>
               </a:extLst>
             </p:cNvPr>
@@ -38360,7 +39343,7 @@
             <p:nvPr>
               <p:extLst>
                 <p:ext uri="{386F3935-93C4-4BCD-93E2-E3B085C9AB24}">
-                  <p16:designElem xmlns:p16="http://schemas.microsoft.com/office/powerpoint/2015/main" xmlns="" val="1"/>
+                  <p16:designElem xmlns="" xmlns:p16="http://schemas.microsoft.com/office/powerpoint/2015/main" val="1"/>
                 </p:ext>
               </p:extLst>
             </p:nvPr>
@@ -38401,10 +39384,10 @@
             <p:cNvPr id="11" name="Straight Connector 10">
               <a:extLst>
                 <a:ext uri="{FF2B5EF4-FFF2-40B4-BE49-F238E27FC236}">
-                  <a16:creationId xmlns="" xmlns:a16="http://schemas.microsoft.com/office/drawing/2014/main" id="{5331032B-BD21-4BDA-920C-12E358052567}"/>
+                  <a16:creationId xmlns:a16="http://schemas.microsoft.com/office/drawing/2014/main" xmlns="" id="{5331032B-BD21-4BDA-920C-12E358052567}"/>
                 </a:ext>
                 <a:ext uri="{C183D7F6-B498-43B3-948B-1728B52AA6E4}">
-                  <adec:decorative xmlns="" xmlns:adec="http://schemas.microsoft.com/office/drawing/2017/decorative" val="1"/>
+                  <adec:decorative xmlns:adec="http://schemas.microsoft.com/office/drawing/2017/decorative" xmlns="" val="1"/>
                 </a:ext>
               </a:extLst>
             </p:cNvPr>
@@ -38412,7 +39395,7 @@
             <p:nvPr>
               <p:extLst>
                 <p:ext uri="{386F3935-93C4-4BCD-93E2-E3B085C9AB24}">
-                  <p16:designElem xmlns:p16="http://schemas.microsoft.com/office/powerpoint/2015/main" xmlns="" val="1"/>
+                  <p16:designElem xmlns="" xmlns:p16="http://schemas.microsoft.com/office/powerpoint/2015/main" val="1"/>
                 </p:ext>
               </p:extLst>
             </p:nvPr>
@@ -38453,10 +39436,10 @@
             <p:cNvPr id="12" name="Rectangle 23">
               <a:extLst>
                 <a:ext uri="{FF2B5EF4-FFF2-40B4-BE49-F238E27FC236}">
-                  <a16:creationId xmlns="" xmlns:a16="http://schemas.microsoft.com/office/drawing/2014/main" id="{E7514DA3-59E7-409E-8A3B-AD097F6E5644}"/>
+                  <a16:creationId xmlns:a16="http://schemas.microsoft.com/office/drawing/2014/main" xmlns="" id="{E7514DA3-59E7-409E-8A3B-AD097F6E5644}"/>
                 </a:ext>
                 <a:ext uri="{C183D7F6-B498-43B3-948B-1728B52AA6E4}">
-                  <adec:decorative xmlns="" xmlns:adec="http://schemas.microsoft.com/office/drawing/2017/decorative" val="1"/>
+                  <adec:decorative xmlns:adec="http://schemas.microsoft.com/office/drawing/2017/decorative" xmlns="" val="1"/>
                 </a:ext>
               </a:extLst>
             </p:cNvPr>
@@ -38464,7 +39447,7 @@
             <p:nvPr>
               <p:extLst>
                 <p:ext uri="{386F3935-93C4-4BCD-93E2-E3B085C9AB24}">
-                  <p16:designElem xmlns:p16="http://schemas.microsoft.com/office/powerpoint/2015/main" xmlns="" val="1"/>
+                  <p16:designElem xmlns="" xmlns:p16="http://schemas.microsoft.com/office/powerpoint/2015/main" val="1"/>
                 </p:ext>
               </p:extLst>
             </p:nvPr>
@@ -38531,10 +39514,10 @@
             <p:cNvPr id="13" name="Rectangle 25">
               <a:extLst>
                 <a:ext uri="{FF2B5EF4-FFF2-40B4-BE49-F238E27FC236}">
-                  <a16:creationId xmlns="" xmlns:a16="http://schemas.microsoft.com/office/drawing/2014/main" id="{57B9A2A6-3BE4-4599-9364-F71C5BFD61F8}"/>
+                  <a16:creationId xmlns:a16="http://schemas.microsoft.com/office/drawing/2014/main" xmlns="" id="{57B9A2A6-3BE4-4599-9364-F71C5BFD61F8}"/>
                 </a:ext>
                 <a:ext uri="{C183D7F6-B498-43B3-948B-1728B52AA6E4}">
-                  <adec:decorative xmlns="" xmlns:adec="http://schemas.microsoft.com/office/drawing/2017/decorative" val="1"/>
+                  <adec:decorative xmlns:adec="http://schemas.microsoft.com/office/drawing/2017/decorative" xmlns="" val="1"/>
                 </a:ext>
               </a:extLst>
             </p:cNvPr>
@@ -38542,7 +39525,7 @@
             <p:nvPr>
               <p:extLst>
                 <p:ext uri="{386F3935-93C4-4BCD-93E2-E3B085C9AB24}">
-                  <p16:designElem xmlns:p16="http://schemas.microsoft.com/office/powerpoint/2015/main" xmlns="" val="1"/>
+                  <p16:designElem xmlns="" xmlns:p16="http://schemas.microsoft.com/office/powerpoint/2015/main" val="1"/>
                 </p:ext>
               </p:extLst>
             </p:nvPr>
@@ -38609,10 +39592,10 @@
             <p:cNvPr id="14" name="Isosceles Triangle 13">
               <a:extLst>
                 <a:ext uri="{FF2B5EF4-FFF2-40B4-BE49-F238E27FC236}">
-                  <a16:creationId xmlns="" xmlns:a16="http://schemas.microsoft.com/office/drawing/2014/main" id="{4FD744C6-4ED8-4BC9-BF68-6BDF701C5DB4}"/>
+                  <a16:creationId xmlns:a16="http://schemas.microsoft.com/office/drawing/2014/main" xmlns="" id="{4FD744C6-4ED8-4BC9-BF68-6BDF701C5DB4}"/>
                 </a:ext>
                 <a:ext uri="{C183D7F6-B498-43B3-948B-1728B52AA6E4}">
-                  <adec:decorative xmlns="" xmlns:adec="http://schemas.microsoft.com/office/drawing/2017/decorative" val="1"/>
+                  <adec:decorative xmlns:adec="http://schemas.microsoft.com/office/drawing/2017/decorative" xmlns="" val="1"/>
                 </a:ext>
               </a:extLst>
             </p:cNvPr>
@@ -38620,7 +39603,7 @@
             <p:nvPr>
               <p:extLst>
                 <p:ext uri="{386F3935-93C4-4BCD-93E2-E3B085C9AB24}">
-                  <p16:designElem xmlns:p16="http://schemas.microsoft.com/office/powerpoint/2015/main" xmlns="" val="1"/>
+                  <p16:designElem xmlns="" xmlns:p16="http://schemas.microsoft.com/office/powerpoint/2015/main" val="1"/>
                 </p:ext>
               </p:extLst>
             </p:nvPr>
@@ -38665,10 +39648,10 @@
             <p:cNvPr id="15" name="Rectangle 27">
               <a:extLst>
                 <a:ext uri="{FF2B5EF4-FFF2-40B4-BE49-F238E27FC236}">
-                  <a16:creationId xmlns="" xmlns:a16="http://schemas.microsoft.com/office/drawing/2014/main" id="{092C5BAD-C911-4F8F-A1C5-470268BE668B}"/>
+                  <a16:creationId xmlns:a16="http://schemas.microsoft.com/office/drawing/2014/main" xmlns="" id="{092C5BAD-C911-4F8F-A1C5-470268BE668B}"/>
                 </a:ext>
                 <a:ext uri="{C183D7F6-B498-43B3-948B-1728B52AA6E4}">
-                  <adec:decorative xmlns="" xmlns:adec="http://schemas.microsoft.com/office/drawing/2017/decorative" val="1"/>
+                  <adec:decorative xmlns:adec="http://schemas.microsoft.com/office/drawing/2017/decorative" xmlns="" val="1"/>
                 </a:ext>
               </a:extLst>
             </p:cNvPr>
@@ -38676,7 +39659,7 @@
             <p:nvPr>
               <p:extLst>
                 <p:ext uri="{386F3935-93C4-4BCD-93E2-E3B085C9AB24}">
-                  <p16:designElem xmlns:p16="http://schemas.microsoft.com/office/powerpoint/2015/main" xmlns="" val="1"/>
+                  <p16:designElem xmlns="" xmlns:p16="http://schemas.microsoft.com/office/powerpoint/2015/main" val="1"/>
                 </p:ext>
               </p:extLst>
             </p:nvPr>
@@ -38744,10 +39727,10 @@
             <p:cNvPr id="16" name="Rectangle 28">
               <a:extLst>
                 <a:ext uri="{FF2B5EF4-FFF2-40B4-BE49-F238E27FC236}">
-                  <a16:creationId xmlns="" xmlns:a16="http://schemas.microsoft.com/office/drawing/2014/main" id="{B133D0C8-4EC4-424F-8E70-0482D5B1B653}"/>
+                  <a16:creationId xmlns:a16="http://schemas.microsoft.com/office/drawing/2014/main" xmlns="" id="{B133D0C8-4EC4-424F-8E70-0482D5B1B653}"/>
                 </a:ext>
                 <a:ext uri="{C183D7F6-B498-43B3-948B-1728B52AA6E4}">
-                  <adec:decorative xmlns="" xmlns:adec="http://schemas.microsoft.com/office/drawing/2017/decorative" val="1"/>
+                  <adec:decorative xmlns:adec="http://schemas.microsoft.com/office/drawing/2017/decorative" xmlns="" val="1"/>
                 </a:ext>
               </a:extLst>
             </p:cNvPr>
@@ -38755,7 +39738,7 @@
             <p:nvPr>
               <p:extLst>
                 <p:ext uri="{386F3935-93C4-4BCD-93E2-E3B085C9AB24}">
-                  <p16:designElem xmlns:p16="http://schemas.microsoft.com/office/powerpoint/2015/main" xmlns="" val="1"/>
+                  <p16:designElem xmlns="" xmlns:p16="http://schemas.microsoft.com/office/powerpoint/2015/main" val="1"/>
                 </p:ext>
               </p:extLst>
             </p:nvPr>
@@ -38824,10 +39807,10 @@
             <p:cNvPr id="17" name="Rectangle 29">
               <a:extLst>
                 <a:ext uri="{FF2B5EF4-FFF2-40B4-BE49-F238E27FC236}">
-                  <a16:creationId xmlns="" xmlns:a16="http://schemas.microsoft.com/office/drawing/2014/main" id="{7B1532A0-F4B3-4DE8-B18F-740CAAD25AC4}"/>
+                  <a16:creationId xmlns:a16="http://schemas.microsoft.com/office/drawing/2014/main" xmlns="" id="{7B1532A0-F4B3-4DE8-B18F-740CAAD25AC4}"/>
                 </a:ext>
                 <a:ext uri="{C183D7F6-B498-43B3-948B-1728B52AA6E4}">
-                  <adec:decorative xmlns="" xmlns:adec="http://schemas.microsoft.com/office/drawing/2017/decorative" val="1"/>
+                  <adec:decorative xmlns:adec="http://schemas.microsoft.com/office/drawing/2017/decorative" xmlns="" val="1"/>
                 </a:ext>
               </a:extLst>
             </p:cNvPr>
@@ -38835,7 +39818,7 @@
             <p:nvPr>
               <p:extLst>
                 <p:ext uri="{386F3935-93C4-4BCD-93E2-E3B085C9AB24}">
-                  <p16:designElem xmlns:p16="http://schemas.microsoft.com/office/powerpoint/2015/main" xmlns="" val="1"/>
+                  <p16:designElem xmlns="" xmlns:p16="http://schemas.microsoft.com/office/powerpoint/2015/main" val="1"/>
                 </p:ext>
               </p:extLst>
             </p:nvPr>
@@ -38902,10 +39885,10 @@
             <p:cNvPr id="18" name="Isosceles Triangle 17">
               <a:extLst>
                 <a:ext uri="{FF2B5EF4-FFF2-40B4-BE49-F238E27FC236}">
-                  <a16:creationId xmlns="" xmlns:a16="http://schemas.microsoft.com/office/drawing/2014/main" id="{8EFDD162-BBBA-4062-8BBF-53DBA1091374}"/>
+                  <a16:creationId xmlns:a16="http://schemas.microsoft.com/office/drawing/2014/main" xmlns="" id="{8EFDD162-BBBA-4062-8BBF-53DBA1091374}"/>
                 </a:ext>
                 <a:ext uri="{C183D7F6-B498-43B3-948B-1728B52AA6E4}">
-                  <adec:decorative xmlns="" xmlns:adec="http://schemas.microsoft.com/office/drawing/2017/decorative" val="1"/>
+                  <adec:decorative xmlns:adec="http://schemas.microsoft.com/office/drawing/2017/decorative" xmlns="" val="1"/>
                 </a:ext>
               </a:extLst>
             </p:cNvPr>
@@ -38913,7 +39896,7 @@
             <p:nvPr>
               <p:extLst>
                 <p:ext uri="{386F3935-93C4-4BCD-93E2-E3B085C9AB24}">
-                  <p16:designElem xmlns:p16="http://schemas.microsoft.com/office/powerpoint/2015/main" xmlns="" val="1"/>
+                  <p16:designElem xmlns="" xmlns:p16="http://schemas.microsoft.com/office/powerpoint/2015/main" val="1"/>
                 </p:ext>
               </p:extLst>
             </p:nvPr>
@@ -38958,10 +39941,10 @@
             <p:cNvPr id="19" name="Isosceles Triangle 18">
               <a:extLst>
                 <a:ext uri="{FF2B5EF4-FFF2-40B4-BE49-F238E27FC236}">
-                  <a16:creationId xmlns="" xmlns:a16="http://schemas.microsoft.com/office/drawing/2014/main" id="{DCFC9E65-3E19-4483-B952-25D29683CA56}"/>
+                  <a16:creationId xmlns:a16="http://schemas.microsoft.com/office/drawing/2014/main" xmlns="" id="{DCFC9E65-3E19-4483-B952-25D29683CA56}"/>
                 </a:ext>
                 <a:ext uri="{C183D7F6-B498-43B3-948B-1728B52AA6E4}">
-                  <adec:decorative xmlns="" xmlns:adec="http://schemas.microsoft.com/office/drawing/2017/decorative" val="1"/>
+                  <adec:decorative xmlns:adec="http://schemas.microsoft.com/office/drawing/2017/decorative" xmlns="" val="1"/>
                 </a:ext>
               </a:extLst>
             </p:cNvPr>
@@ -38969,7 +39952,7 @@
             <p:nvPr>
               <p:extLst>
                 <p:ext uri="{386F3935-93C4-4BCD-93E2-E3B085C9AB24}">
-                  <p16:designElem xmlns:p16="http://schemas.microsoft.com/office/powerpoint/2015/main" xmlns="" val="1"/>
+                  <p16:designElem xmlns="" xmlns:p16="http://schemas.microsoft.com/office/powerpoint/2015/main" val="1"/>
                 </p:ext>
               </p:extLst>
             </p:nvPr>
@@ -39015,10 +39998,10 @@
           <p:cNvPr id="21" name="Rectangle 20">
             <a:extLst>
               <a:ext uri="{FF2B5EF4-FFF2-40B4-BE49-F238E27FC236}">
-                <a16:creationId xmlns="" xmlns:a16="http://schemas.microsoft.com/office/drawing/2014/main" id="{2783C067-F8BF-4755-B516-8A0CD74CF60C}"/>
+                <a16:creationId xmlns:a16="http://schemas.microsoft.com/office/drawing/2014/main" xmlns="" id="{2783C067-F8BF-4755-B516-8A0CD74CF60C}"/>
               </a:ext>
               <a:ext uri="{C183D7F6-B498-43B3-948B-1728B52AA6E4}">
-                <adec:decorative xmlns="" xmlns:adec="http://schemas.microsoft.com/office/drawing/2017/decorative" val="1"/>
+                <adec:decorative xmlns:adec="http://schemas.microsoft.com/office/drawing/2017/decorative" xmlns="" val="1"/>
               </a:ext>
             </a:extLst>
           </p:cNvPr>
@@ -39028,7 +40011,7 @@
           <p:nvPr>
             <p:extLst>
               <p:ext uri="{386F3935-93C4-4BCD-93E2-E3B085C9AB24}">
-                <p16:designElem xmlns:p16="http://schemas.microsoft.com/office/powerpoint/2015/main" xmlns="" val="1"/>
+                <p16:designElem xmlns="" xmlns:p16="http://schemas.microsoft.com/office/powerpoint/2015/main" val="1"/>
               </p:ext>
             </p:extLst>
           </p:nvPr>
@@ -39075,10 +40058,10 @@
           <p:cNvPr id="23" name="Isosceles Triangle 22">
             <a:extLst>
               <a:ext uri="{FF2B5EF4-FFF2-40B4-BE49-F238E27FC236}">
-                <a16:creationId xmlns="" xmlns:a16="http://schemas.microsoft.com/office/drawing/2014/main" id="{2ED796EC-E7FF-46DB-B912-FB08BF12AA6E}"/>
+                <a16:creationId xmlns:a16="http://schemas.microsoft.com/office/drawing/2014/main" xmlns="" id="{2ED796EC-E7FF-46DB-B912-FB08BF12AA6E}"/>
               </a:ext>
               <a:ext uri="{C183D7F6-B498-43B3-948B-1728B52AA6E4}">
-                <adec:decorative xmlns="" xmlns:adec="http://schemas.microsoft.com/office/drawing/2017/decorative" val="1"/>
+                <adec:decorative xmlns:adec="http://schemas.microsoft.com/office/drawing/2017/decorative" xmlns="" val="1"/>
               </a:ext>
             </a:extLst>
           </p:cNvPr>
@@ -39088,7 +40071,7 @@
           <p:nvPr>
             <p:extLst>
               <p:ext uri="{386F3935-93C4-4BCD-93E2-E3B085C9AB24}">
-                <p16:designElem xmlns:p16="http://schemas.microsoft.com/office/powerpoint/2015/main" xmlns="" val="1"/>
+                <p16:designElem xmlns="" xmlns:p16="http://schemas.microsoft.com/office/powerpoint/2015/main" val="1"/>
               </p:ext>
             </p:extLst>
           </p:nvPr>
@@ -39131,10 +40114,10 @@
           <p:cNvPr id="25" name="Rectangle 27">
             <a:extLst>
               <a:ext uri="{FF2B5EF4-FFF2-40B4-BE49-F238E27FC236}">
-                <a16:creationId xmlns="" xmlns:a16="http://schemas.microsoft.com/office/drawing/2014/main" id="{0819F787-32B4-46A8-BC57-C6571BCEE243}"/>
+                <a16:creationId xmlns:a16="http://schemas.microsoft.com/office/drawing/2014/main" xmlns="" id="{0819F787-32B4-46A8-BC57-C6571BCEE243}"/>
               </a:ext>
               <a:ext uri="{C183D7F6-B498-43B3-948B-1728B52AA6E4}">
-                <adec:decorative xmlns="" xmlns:adec="http://schemas.microsoft.com/office/drawing/2017/decorative" val="1"/>
+                <adec:decorative xmlns:adec="http://schemas.microsoft.com/office/drawing/2017/decorative" xmlns="" val="1"/>
               </a:ext>
             </a:extLst>
           </p:cNvPr>
@@ -39144,7 +40127,7 @@
           <p:nvPr>
             <p:extLst>
               <p:ext uri="{386F3935-93C4-4BCD-93E2-E3B085C9AB24}">
-                <p16:designElem xmlns:p16="http://schemas.microsoft.com/office/powerpoint/2015/main" xmlns="" val="1"/>
+                <p16:designElem xmlns="" xmlns:p16="http://schemas.microsoft.com/office/powerpoint/2015/main" val="1"/>
               </p:ext>
             </p:extLst>
           </p:nvPr>
@@ -39209,10 +40192,10 @@
           <p:cNvPr id="27" name="Isosceles Triangle 26">
             <a:extLst>
               <a:ext uri="{FF2B5EF4-FFF2-40B4-BE49-F238E27FC236}">
-                <a16:creationId xmlns="" xmlns:a16="http://schemas.microsoft.com/office/drawing/2014/main" id="{549A2DAB-B431-487D-95AD-BB0FECB49E57}"/>
+                <a16:creationId xmlns:a16="http://schemas.microsoft.com/office/drawing/2014/main" xmlns="" id="{549A2DAB-B431-487D-95AD-BB0FECB49E57}"/>
               </a:ext>
               <a:ext uri="{C183D7F6-B498-43B3-948B-1728B52AA6E4}">
-                <adec:decorative xmlns="" xmlns:adec="http://schemas.microsoft.com/office/drawing/2017/decorative" val="1"/>
+                <adec:decorative xmlns:adec="http://schemas.microsoft.com/office/drawing/2017/decorative" xmlns="" val="1"/>
               </a:ext>
             </a:extLst>
           </p:cNvPr>
@@ -39222,7 +40205,7 @@
           <p:nvPr>
             <p:extLst>
               <p:ext uri="{386F3935-93C4-4BCD-93E2-E3B085C9AB24}">
-                <p16:designElem xmlns:p16="http://schemas.microsoft.com/office/powerpoint/2015/main" xmlns="" val="1"/>
+                <p16:designElem xmlns="" xmlns:p16="http://schemas.microsoft.com/office/powerpoint/2015/main" val="1"/>
               </p:ext>
             </p:extLst>
           </p:nvPr>
@@ -39267,10 +40250,10 @@
           <p:cNvPr id="29" name="Straight Connector 28">
             <a:extLst>
               <a:ext uri="{FF2B5EF4-FFF2-40B4-BE49-F238E27FC236}">
-                <a16:creationId xmlns="" xmlns:a16="http://schemas.microsoft.com/office/drawing/2014/main" id="{C5ECDEE1-7093-418F-9CF5-24EEB115C1C1}"/>
+                <a16:creationId xmlns:a16="http://schemas.microsoft.com/office/drawing/2014/main" xmlns="" id="{C5ECDEE1-7093-418F-9CF5-24EEB115C1C1}"/>
               </a:ext>
               <a:ext uri="{C183D7F6-B498-43B3-948B-1728B52AA6E4}">
-                <adec:decorative xmlns="" xmlns:adec="http://schemas.microsoft.com/office/drawing/2017/decorative" val="1"/>
+                <adec:decorative xmlns:adec="http://schemas.microsoft.com/office/drawing/2017/decorative" xmlns="" val="1"/>
               </a:ext>
             </a:extLst>
           </p:cNvPr>
@@ -39280,7 +40263,7 @@
           <p:nvPr>
             <p:extLst>
               <p:ext uri="{386F3935-93C4-4BCD-93E2-E3B085C9AB24}">
-                <p16:designElem xmlns:p16="http://schemas.microsoft.com/office/powerpoint/2015/main" xmlns="" val="1"/>
+                <p16:designElem xmlns="" xmlns:p16="http://schemas.microsoft.com/office/powerpoint/2015/main" val="1"/>
               </p:ext>
             </p:extLst>
           </p:nvPr>
@@ -39320,10 +40303,10 @@
           <p:cNvPr id="31" name="Straight Connector 30">
             <a:extLst>
               <a:ext uri="{FF2B5EF4-FFF2-40B4-BE49-F238E27FC236}">
-                <a16:creationId xmlns="" xmlns:a16="http://schemas.microsoft.com/office/drawing/2014/main" id="{045062AF-EB11-4651-BC4A-4DA21768DE8E}"/>
+                <a16:creationId xmlns:a16="http://schemas.microsoft.com/office/drawing/2014/main" xmlns="" id="{045062AF-EB11-4651-BC4A-4DA21768DE8E}"/>
               </a:ext>
               <a:ext uri="{C183D7F6-B498-43B3-948B-1728B52AA6E4}">
-                <adec:decorative xmlns="" xmlns:adec="http://schemas.microsoft.com/office/drawing/2017/decorative" val="1"/>
+                <adec:decorative xmlns:adec="http://schemas.microsoft.com/office/drawing/2017/decorative" xmlns="" val="1"/>
               </a:ext>
             </a:extLst>
           </p:cNvPr>
@@ -39333,7 +40316,7 @@
           <p:nvPr>
             <p:extLst>
               <p:ext uri="{386F3935-93C4-4BCD-93E2-E3B085C9AB24}">
-                <p16:designElem xmlns:p16="http://schemas.microsoft.com/office/powerpoint/2015/main" xmlns="" val="1"/>
+                <p16:designElem xmlns="" xmlns:p16="http://schemas.microsoft.com/office/powerpoint/2015/main" val="1"/>
               </p:ext>
             </p:extLst>
           </p:nvPr>
@@ -39372,7 +40355,7 @@
           <p:cNvPr id="4" name="Title 3">
             <a:extLst>
               <a:ext uri="{FF2B5EF4-FFF2-40B4-BE49-F238E27FC236}">
-                <a16:creationId xmlns="" xmlns:a16="http://schemas.microsoft.com/office/drawing/2014/main" id="{90498349-991A-42CC-AFDE-0D3066F69593}"/>
+                <a16:creationId xmlns:a16="http://schemas.microsoft.com/office/drawing/2014/main" xmlns="" id="{90498349-991A-42CC-AFDE-0D3066F69593}"/>
               </a:ext>
             </a:extLst>
           </p:cNvPr>
@@ -39619,7 +40602,7 @@
           <a:p>
             <a:fld id="{4B6EF7A6-4C4D-4D54-9ABD-B54F92A217EE}" type="slidenum">
               <a:rPr lang="en-US" smtClean="0"/>
-              <a:t>28</a:t>
+              <a:t>29</a:t>
             </a:fld>
             <a:endParaRPr lang="en-US"/>
           </a:p>
@@ -39635,6 +40618,13 @@
   <p:clrMapOvr>
     <a:masterClrMapping/>
   </p:clrMapOvr>
+  <p:timing>
+    <p:tnLst>
+      <p:par>
+        <p:cTn xmlns:p14="http://schemas.microsoft.com/office/powerpoint/2010/main" id="1" dur="indefinite" restart="never" nodeType="tmRoot"/>
+      </p:par>
+    </p:tnLst>
+  </p:timing>
 </p:sld>
 </file>
 
@@ -39660,7 +40650,7 @@
           <p:cNvPr id="3" name="Title 2">
             <a:extLst>
               <a:ext uri="{FF2B5EF4-FFF2-40B4-BE49-F238E27FC236}">
-                <a16:creationId xmlns="" xmlns:a16="http://schemas.microsoft.com/office/drawing/2014/main" id="{BCE584E8-9EC0-459C-A023-82FEA5509F3A}"/>
+                <a16:creationId xmlns:a16="http://schemas.microsoft.com/office/drawing/2014/main" xmlns="" id="{BCE584E8-9EC0-459C-A023-82FEA5509F3A}"/>
               </a:ext>
             </a:extLst>
           </p:cNvPr>
@@ -39708,7 +40698,7 @@
           <p:cNvPr id="4" name="Date Placeholder 3">
             <a:extLst>
               <a:ext uri="{FF2B5EF4-FFF2-40B4-BE49-F238E27FC236}">
-                <a16:creationId xmlns="" xmlns:a16="http://schemas.microsoft.com/office/drawing/2014/main" id="{C63DB0F0-A43F-4CDD-857B-E69F2F9C7CD1}"/>
+                <a16:creationId xmlns:a16="http://schemas.microsoft.com/office/drawing/2014/main" xmlns="" id="{C63DB0F0-A43F-4CDD-857B-E69F2F9C7CD1}"/>
               </a:ext>
             </a:extLst>
           </p:cNvPr>
@@ -39743,7 +40733,7 @@
           <p:cNvPr id="2" name="Content Placeholder 1">
             <a:extLst>
               <a:ext uri="{FF2B5EF4-FFF2-40B4-BE49-F238E27FC236}">
-                <a16:creationId xmlns="" xmlns:a16="http://schemas.microsoft.com/office/drawing/2014/main" id="{6FDDC70B-B119-4D8D-8A1B-DA83AAE4D58E}"/>
+                <a16:creationId xmlns:a16="http://schemas.microsoft.com/office/drawing/2014/main" xmlns="" id="{6FDDC70B-B119-4D8D-8A1B-DA83AAE4D58E}"/>
               </a:ext>
             </a:extLst>
           </p:cNvPr>
@@ -40158,7 +41148,7 @@
           <p:cNvPr id="5" name="Footer Placeholder 4">
             <a:extLst>
               <a:ext uri="{FF2B5EF4-FFF2-40B4-BE49-F238E27FC236}">
-                <a16:creationId xmlns="" xmlns:a16="http://schemas.microsoft.com/office/drawing/2014/main" id="{200C505E-46EA-4EEC-97D0-C97B4E2ED940}"/>
+                <a16:creationId xmlns:a16="http://schemas.microsoft.com/office/drawing/2014/main" xmlns="" id="{200C505E-46EA-4EEC-97D0-C97B4E2ED940}"/>
               </a:ext>
             </a:extLst>
           </p:cNvPr>
@@ -40187,7 +41177,7 @@
           <p:cNvPr id="6" name="Slide Number Placeholder 5">
             <a:extLst>
               <a:ext uri="{FF2B5EF4-FFF2-40B4-BE49-F238E27FC236}">
-                <a16:creationId xmlns="" xmlns:a16="http://schemas.microsoft.com/office/drawing/2014/main" id="{CA650125-927E-44C9-9192-060CEBA29BF2}"/>
+                <a16:creationId xmlns:a16="http://schemas.microsoft.com/office/drawing/2014/main" xmlns="" id="{CA650125-927E-44C9-9192-060CEBA29BF2}"/>
               </a:ext>
             </a:extLst>
           </p:cNvPr>
@@ -40228,6 +41218,13 @@
   <p:clrMapOvr>
     <a:masterClrMapping/>
   </p:clrMapOvr>
+  <p:timing>
+    <p:tnLst>
+      <p:par>
+        <p:cTn xmlns:p14="http://schemas.microsoft.com/office/powerpoint/2010/main" id="1" dur="indefinite" restart="never" nodeType="tmRoot"/>
+      </p:par>
+    </p:tnLst>
+  </p:timing>
 </p:sld>
 </file>
 
@@ -40261,10 +41258,10 @@
           <p:cNvPr id="13" name="Group 12">
             <a:extLst>
               <a:ext uri="{FF2B5EF4-FFF2-40B4-BE49-F238E27FC236}">
-                <a16:creationId xmlns="" xmlns:a16="http://schemas.microsoft.com/office/drawing/2014/main" id="{28460BD8-AE3F-4AC9-9D0B-717052AA5D3A}"/>
+                <a16:creationId xmlns:a16="http://schemas.microsoft.com/office/drawing/2014/main" xmlns="" id="{28460BD8-AE3F-4AC9-9D0B-717052AA5D3A}"/>
               </a:ext>
               <a:ext uri="{C183D7F6-B498-43B3-948B-1728B52AA6E4}">
-                <adec:decorative xmlns="" xmlns:adec="http://schemas.microsoft.com/office/drawing/2017/decorative" val="1"/>
+                <adec:decorative xmlns:adec="http://schemas.microsoft.com/office/drawing/2017/decorative" xmlns="" val="1"/>
               </a:ext>
             </a:extLst>
           </p:cNvPr>
@@ -40274,7 +41271,7 @@
           <p:nvPr>
             <p:extLst>
               <p:ext uri="{386F3935-93C4-4BCD-93E2-E3B085C9AB24}">
-                <p16:designElem xmlns:p16="http://schemas.microsoft.com/office/powerpoint/2015/main" xmlns="" val="1"/>
+                <p16:designElem xmlns="" xmlns:p16="http://schemas.microsoft.com/office/powerpoint/2015/main" val="1"/>
               </p:ext>
             </p:extLst>
           </p:nvPr>
@@ -40292,10 +41289,10 @@
             <p:cNvPr id="14" name="Straight Connector 13">
               <a:extLst>
                 <a:ext uri="{FF2B5EF4-FFF2-40B4-BE49-F238E27FC236}">
-                  <a16:creationId xmlns="" xmlns:a16="http://schemas.microsoft.com/office/drawing/2014/main" id="{54420CFE-F482-466E-9E1E-C78513C0B85D}"/>
+                  <a16:creationId xmlns:a16="http://schemas.microsoft.com/office/drawing/2014/main" xmlns="" id="{54420CFE-F482-466E-9E1E-C78513C0B85D}"/>
                 </a:ext>
                 <a:ext uri="{C183D7F6-B498-43B3-948B-1728B52AA6E4}">
-                  <adec:decorative xmlns="" xmlns:adec="http://schemas.microsoft.com/office/drawing/2017/decorative" val="1"/>
+                  <adec:decorative xmlns:adec="http://schemas.microsoft.com/office/drawing/2017/decorative" xmlns="" val="1"/>
                 </a:ext>
               </a:extLst>
             </p:cNvPr>
@@ -40303,7 +41300,7 @@
             <p:nvPr>
               <p:extLst>
                 <p:ext uri="{386F3935-93C4-4BCD-93E2-E3B085C9AB24}">
-                  <p16:designElem xmlns:p16="http://schemas.microsoft.com/office/powerpoint/2015/main" xmlns="" val="1"/>
+                  <p16:designElem xmlns="" xmlns:p16="http://schemas.microsoft.com/office/powerpoint/2015/main" val="1"/>
                 </p:ext>
               </p:extLst>
             </p:nvPr>
@@ -40344,10 +41341,10 @@
             <p:cNvPr id="15" name="Straight Connector 14">
               <a:extLst>
                 <a:ext uri="{FF2B5EF4-FFF2-40B4-BE49-F238E27FC236}">
-                  <a16:creationId xmlns="" xmlns:a16="http://schemas.microsoft.com/office/drawing/2014/main" id="{5331032B-BD21-4BDA-920C-12E358052567}"/>
+                  <a16:creationId xmlns:a16="http://schemas.microsoft.com/office/drawing/2014/main" xmlns="" id="{5331032B-BD21-4BDA-920C-12E358052567}"/>
                 </a:ext>
                 <a:ext uri="{C183D7F6-B498-43B3-948B-1728B52AA6E4}">
-                  <adec:decorative xmlns="" xmlns:adec="http://schemas.microsoft.com/office/drawing/2017/decorative" val="1"/>
+                  <adec:decorative xmlns:adec="http://schemas.microsoft.com/office/drawing/2017/decorative" xmlns="" val="1"/>
                 </a:ext>
               </a:extLst>
             </p:cNvPr>
@@ -40355,7 +41352,7 @@
             <p:nvPr>
               <p:extLst>
                 <p:ext uri="{386F3935-93C4-4BCD-93E2-E3B085C9AB24}">
-                  <p16:designElem xmlns:p16="http://schemas.microsoft.com/office/powerpoint/2015/main" xmlns="" val="1"/>
+                  <p16:designElem xmlns="" xmlns:p16="http://schemas.microsoft.com/office/powerpoint/2015/main" val="1"/>
                 </p:ext>
               </p:extLst>
             </p:nvPr>
@@ -40396,10 +41393,10 @@
             <p:cNvPr id="16" name="Rectangle 23">
               <a:extLst>
                 <a:ext uri="{FF2B5EF4-FFF2-40B4-BE49-F238E27FC236}">
-                  <a16:creationId xmlns="" xmlns:a16="http://schemas.microsoft.com/office/drawing/2014/main" id="{E7514DA3-59E7-409E-8A3B-AD097F6E5644}"/>
+                  <a16:creationId xmlns:a16="http://schemas.microsoft.com/office/drawing/2014/main" xmlns="" id="{E7514DA3-59E7-409E-8A3B-AD097F6E5644}"/>
                 </a:ext>
                 <a:ext uri="{C183D7F6-B498-43B3-948B-1728B52AA6E4}">
-                  <adec:decorative xmlns="" xmlns:adec="http://schemas.microsoft.com/office/drawing/2017/decorative" val="1"/>
+                  <adec:decorative xmlns:adec="http://schemas.microsoft.com/office/drawing/2017/decorative" xmlns="" val="1"/>
                 </a:ext>
               </a:extLst>
             </p:cNvPr>
@@ -40407,7 +41404,7 @@
             <p:nvPr>
               <p:extLst>
                 <p:ext uri="{386F3935-93C4-4BCD-93E2-E3B085C9AB24}">
-                  <p16:designElem xmlns:p16="http://schemas.microsoft.com/office/powerpoint/2015/main" xmlns="" val="1"/>
+                  <p16:designElem xmlns="" xmlns:p16="http://schemas.microsoft.com/office/powerpoint/2015/main" val="1"/>
                 </p:ext>
               </p:extLst>
             </p:nvPr>
@@ -40474,10 +41471,10 @@
             <p:cNvPr id="17" name="Rectangle 25">
               <a:extLst>
                 <a:ext uri="{FF2B5EF4-FFF2-40B4-BE49-F238E27FC236}">
-                  <a16:creationId xmlns="" xmlns:a16="http://schemas.microsoft.com/office/drawing/2014/main" id="{57B9A2A6-3BE4-4599-9364-F71C5BFD61F8}"/>
+                  <a16:creationId xmlns:a16="http://schemas.microsoft.com/office/drawing/2014/main" xmlns="" id="{57B9A2A6-3BE4-4599-9364-F71C5BFD61F8}"/>
                 </a:ext>
                 <a:ext uri="{C183D7F6-B498-43B3-948B-1728B52AA6E4}">
-                  <adec:decorative xmlns="" xmlns:adec="http://schemas.microsoft.com/office/drawing/2017/decorative" val="1"/>
+                  <adec:decorative xmlns:adec="http://schemas.microsoft.com/office/drawing/2017/decorative" xmlns="" val="1"/>
                 </a:ext>
               </a:extLst>
             </p:cNvPr>
@@ -40485,7 +41482,7 @@
             <p:nvPr>
               <p:extLst>
                 <p:ext uri="{386F3935-93C4-4BCD-93E2-E3B085C9AB24}">
-                  <p16:designElem xmlns:p16="http://schemas.microsoft.com/office/powerpoint/2015/main" xmlns="" val="1"/>
+                  <p16:designElem xmlns="" xmlns:p16="http://schemas.microsoft.com/office/powerpoint/2015/main" val="1"/>
                 </p:ext>
               </p:extLst>
             </p:nvPr>
@@ -40552,10 +41549,10 @@
             <p:cNvPr id="18" name="Isosceles Triangle 17">
               <a:extLst>
                 <a:ext uri="{FF2B5EF4-FFF2-40B4-BE49-F238E27FC236}">
-                  <a16:creationId xmlns="" xmlns:a16="http://schemas.microsoft.com/office/drawing/2014/main" id="{4FD744C6-4ED8-4BC9-BF68-6BDF701C5DB4}"/>
+                  <a16:creationId xmlns:a16="http://schemas.microsoft.com/office/drawing/2014/main" xmlns="" id="{4FD744C6-4ED8-4BC9-BF68-6BDF701C5DB4}"/>
                 </a:ext>
                 <a:ext uri="{C183D7F6-B498-43B3-948B-1728B52AA6E4}">
-                  <adec:decorative xmlns="" xmlns:adec="http://schemas.microsoft.com/office/drawing/2017/decorative" val="1"/>
+                  <adec:decorative xmlns:adec="http://schemas.microsoft.com/office/drawing/2017/decorative" xmlns="" val="1"/>
                 </a:ext>
               </a:extLst>
             </p:cNvPr>
@@ -40563,7 +41560,7 @@
             <p:nvPr>
               <p:extLst>
                 <p:ext uri="{386F3935-93C4-4BCD-93E2-E3B085C9AB24}">
-                  <p16:designElem xmlns:p16="http://schemas.microsoft.com/office/powerpoint/2015/main" xmlns="" val="1"/>
+                  <p16:designElem xmlns="" xmlns:p16="http://schemas.microsoft.com/office/powerpoint/2015/main" val="1"/>
                 </p:ext>
               </p:extLst>
             </p:nvPr>
@@ -40608,10 +41605,10 @@
             <p:cNvPr id="19" name="Rectangle 27">
               <a:extLst>
                 <a:ext uri="{FF2B5EF4-FFF2-40B4-BE49-F238E27FC236}">
-                  <a16:creationId xmlns="" xmlns:a16="http://schemas.microsoft.com/office/drawing/2014/main" id="{092C5BAD-C911-4F8F-A1C5-470268BE668B}"/>
+                  <a16:creationId xmlns:a16="http://schemas.microsoft.com/office/drawing/2014/main" xmlns="" id="{092C5BAD-C911-4F8F-A1C5-470268BE668B}"/>
                 </a:ext>
                 <a:ext uri="{C183D7F6-B498-43B3-948B-1728B52AA6E4}">
-                  <adec:decorative xmlns="" xmlns:adec="http://schemas.microsoft.com/office/drawing/2017/decorative" val="1"/>
+                  <adec:decorative xmlns:adec="http://schemas.microsoft.com/office/drawing/2017/decorative" xmlns="" val="1"/>
                 </a:ext>
               </a:extLst>
             </p:cNvPr>
@@ -40619,7 +41616,7 @@
             <p:nvPr>
               <p:extLst>
                 <p:ext uri="{386F3935-93C4-4BCD-93E2-E3B085C9AB24}">
-                  <p16:designElem xmlns:p16="http://schemas.microsoft.com/office/powerpoint/2015/main" xmlns="" val="1"/>
+                  <p16:designElem xmlns="" xmlns:p16="http://schemas.microsoft.com/office/powerpoint/2015/main" val="1"/>
                 </p:ext>
               </p:extLst>
             </p:nvPr>
@@ -40687,10 +41684,10 @@
             <p:cNvPr id="20" name="Rectangle 28">
               <a:extLst>
                 <a:ext uri="{FF2B5EF4-FFF2-40B4-BE49-F238E27FC236}">
-                  <a16:creationId xmlns="" xmlns:a16="http://schemas.microsoft.com/office/drawing/2014/main" id="{B133D0C8-4EC4-424F-8E70-0482D5B1B653}"/>
+                  <a16:creationId xmlns:a16="http://schemas.microsoft.com/office/drawing/2014/main" xmlns="" id="{B133D0C8-4EC4-424F-8E70-0482D5B1B653}"/>
                 </a:ext>
                 <a:ext uri="{C183D7F6-B498-43B3-948B-1728B52AA6E4}">
-                  <adec:decorative xmlns="" xmlns:adec="http://schemas.microsoft.com/office/drawing/2017/decorative" val="1"/>
+                  <adec:decorative xmlns:adec="http://schemas.microsoft.com/office/drawing/2017/decorative" xmlns="" val="1"/>
                 </a:ext>
               </a:extLst>
             </p:cNvPr>
@@ -40698,7 +41695,7 @@
             <p:nvPr>
               <p:extLst>
                 <p:ext uri="{386F3935-93C4-4BCD-93E2-E3B085C9AB24}">
-                  <p16:designElem xmlns:p16="http://schemas.microsoft.com/office/powerpoint/2015/main" xmlns="" val="1"/>
+                  <p16:designElem xmlns="" xmlns:p16="http://schemas.microsoft.com/office/powerpoint/2015/main" val="1"/>
                 </p:ext>
               </p:extLst>
             </p:nvPr>
@@ -40767,10 +41764,10 @@
             <p:cNvPr id="21" name="Rectangle 29">
               <a:extLst>
                 <a:ext uri="{FF2B5EF4-FFF2-40B4-BE49-F238E27FC236}">
-                  <a16:creationId xmlns="" xmlns:a16="http://schemas.microsoft.com/office/drawing/2014/main" id="{7B1532A0-F4B3-4DE8-B18F-740CAAD25AC4}"/>
+                  <a16:creationId xmlns:a16="http://schemas.microsoft.com/office/drawing/2014/main" xmlns="" id="{7B1532A0-F4B3-4DE8-B18F-740CAAD25AC4}"/>
                 </a:ext>
                 <a:ext uri="{C183D7F6-B498-43B3-948B-1728B52AA6E4}">
-                  <adec:decorative xmlns="" xmlns:adec="http://schemas.microsoft.com/office/drawing/2017/decorative" val="1"/>
+                  <adec:decorative xmlns:adec="http://schemas.microsoft.com/office/drawing/2017/decorative" xmlns="" val="1"/>
                 </a:ext>
               </a:extLst>
             </p:cNvPr>
@@ -40778,7 +41775,7 @@
             <p:nvPr>
               <p:extLst>
                 <p:ext uri="{386F3935-93C4-4BCD-93E2-E3B085C9AB24}">
-                  <p16:designElem xmlns:p16="http://schemas.microsoft.com/office/powerpoint/2015/main" xmlns="" val="1"/>
+                  <p16:designElem xmlns="" xmlns:p16="http://schemas.microsoft.com/office/powerpoint/2015/main" val="1"/>
                 </p:ext>
               </p:extLst>
             </p:nvPr>
@@ -40845,10 +41842,10 @@
             <p:cNvPr id="22" name="Isosceles Triangle 21">
               <a:extLst>
                 <a:ext uri="{FF2B5EF4-FFF2-40B4-BE49-F238E27FC236}">
-                  <a16:creationId xmlns="" xmlns:a16="http://schemas.microsoft.com/office/drawing/2014/main" id="{8EFDD162-BBBA-4062-8BBF-53DBA1091374}"/>
+                  <a16:creationId xmlns:a16="http://schemas.microsoft.com/office/drawing/2014/main" xmlns="" id="{8EFDD162-BBBA-4062-8BBF-53DBA1091374}"/>
                 </a:ext>
                 <a:ext uri="{C183D7F6-B498-43B3-948B-1728B52AA6E4}">
-                  <adec:decorative xmlns="" xmlns:adec="http://schemas.microsoft.com/office/drawing/2017/decorative" val="1"/>
+                  <adec:decorative xmlns:adec="http://schemas.microsoft.com/office/drawing/2017/decorative" xmlns="" val="1"/>
                 </a:ext>
               </a:extLst>
             </p:cNvPr>
@@ -40856,7 +41853,7 @@
             <p:nvPr>
               <p:extLst>
                 <p:ext uri="{386F3935-93C4-4BCD-93E2-E3B085C9AB24}">
-                  <p16:designElem xmlns:p16="http://schemas.microsoft.com/office/powerpoint/2015/main" xmlns="" val="1"/>
+                  <p16:designElem xmlns="" xmlns:p16="http://schemas.microsoft.com/office/powerpoint/2015/main" val="1"/>
                 </p:ext>
               </p:extLst>
             </p:nvPr>
@@ -40901,10 +41898,10 @@
             <p:cNvPr id="23" name="Isosceles Triangle 22">
               <a:extLst>
                 <a:ext uri="{FF2B5EF4-FFF2-40B4-BE49-F238E27FC236}">
-                  <a16:creationId xmlns="" xmlns:a16="http://schemas.microsoft.com/office/drawing/2014/main" id="{DCFC9E65-3E19-4483-B952-25D29683CA56}"/>
+                  <a16:creationId xmlns:a16="http://schemas.microsoft.com/office/drawing/2014/main" xmlns="" id="{DCFC9E65-3E19-4483-B952-25D29683CA56}"/>
                 </a:ext>
                 <a:ext uri="{C183D7F6-B498-43B3-948B-1728B52AA6E4}">
-                  <adec:decorative xmlns="" xmlns:adec="http://schemas.microsoft.com/office/drawing/2017/decorative" val="1"/>
+                  <adec:decorative xmlns:adec="http://schemas.microsoft.com/office/drawing/2017/decorative" xmlns="" val="1"/>
                 </a:ext>
               </a:extLst>
             </p:cNvPr>
@@ -40912,7 +41909,7 @@
             <p:nvPr>
               <p:extLst>
                 <p:ext uri="{386F3935-93C4-4BCD-93E2-E3B085C9AB24}">
-                  <p16:designElem xmlns:p16="http://schemas.microsoft.com/office/powerpoint/2015/main" xmlns="" val="1"/>
+                  <p16:designElem xmlns="" xmlns:p16="http://schemas.microsoft.com/office/powerpoint/2015/main" val="1"/>
                 </p:ext>
               </p:extLst>
             </p:nvPr>
@@ -40958,10 +41955,10 @@
           <p:cNvPr id="25" name="Rectangle 24">
             <a:extLst>
               <a:ext uri="{FF2B5EF4-FFF2-40B4-BE49-F238E27FC236}">
-                <a16:creationId xmlns="" xmlns:a16="http://schemas.microsoft.com/office/drawing/2014/main" id="{4F57DB1C-6494-4CC4-A5E8-931957565379}"/>
+                <a16:creationId xmlns:a16="http://schemas.microsoft.com/office/drawing/2014/main" xmlns="" id="{4F57DB1C-6494-4CC4-A5E8-931957565379}"/>
               </a:ext>
               <a:ext uri="{C183D7F6-B498-43B3-948B-1728B52AA6E4}">
-                <adec:decorative xmlns="" xmlns:adec="http://schemas.microsoft.com/office/drawing/2017/decorative" val="1"/>
+                <adec:decorative xmlns:adec="http://schemas.microsoft.com/office/drawing/2017/decorative" xmlns="" val="1"/>
               </a:ext>
             </a:extLst>
           </p:cNvPr>
@@ -40971,7 +41968,7 @@
           <p:nvPr>
             <p:extLst>
               <p:ext uri="{386F3935-93C4-4BCD-93E2-E3B085C9AB24}">
-                <p16:designElem xmlns:p16="http://schemas.microsoft.com/office/powerpoint/2015/main" xmlns="" val="1"/>
+                <p16:designElem xmlns="" xmlns:p16="http://schemas.microsoft.com/office/powerpoint/2015/main" val="1"/>
               </p:ext>
             </p:extLst>
           </p:nvPr>
@@ -41018,10 +42015,10 @@
           <p:cNvPr id="27" name="Isosceles Triangle 26">
             <a:extLst>
               <a:ext uri="{FF2B5EF4-FFF2-40B4-BE49-F238E27FC236}">
-                <a16:creationId xmlns="" xmlns:a16="http://schemas.microsoft.com/office/drawing/2014/main" id="{FFFB778B-5206-4BB0-A468-327E71367654}"/>
+                <a16:creationId xmlns:a16="http://schemas.microsoft.com/office/drawing/2014/main" xmlns="" id="{FFFB778B-5206-4BB0-A468-327E71367654}"/>
               </a:ext>
               <a:ext uri="{C183D7F6-B498-43B3-948B-1728B52AA6E4}">
-                <adec:decorative xmlns="" xmlns:adec="http://schemas.microsoft.com/office/drawing/2017/decorative" val="1"/>
+                <adec:decorative xmlns:adec="http://schemas.microsoft.com/office/drawing/2017/decorative" xmlns="" val="1"/>
               </a:ext>
             </a:extLst>
           </p:cNvPr>
@@ -41031,7 +42028,7 @@
           <p:nvPr>
             <p:extLst>
               <p:ext uri="{386F3935-93C4-4BCD-93E2-E3B085C9AB24}">
-                <p16:designElem xmlns:p16="http://schemas.microsoft.com/office/powerpoint/2015/main" xmlns="" val="1"/>
+                <p16:designElem xmlns="" xmlns:p16="http://schemas.microsoft.com/office/powerpoint/2015/main" val="1"/>
               </p:ext>
             </p:extLst>
           </p:nvPr>
@@ -41076,10 +42073,10 @@
           <p:cNvPr id="29" name="Freeform: Shape 28">
             <a:extLst>
               <a:ext uri="{FF2B5EF4-FFF2-40B4-BE49-F238E27FC236}">
-                <a16:creationId xmlns="" xmlns:a16="http://schemas.microsoft.com/office/drawing/2014/main" id="{E6C0471D-BE03-4D81-BDB5-D510BC0D8A77}"/>
+                <a16:creationId xmlns:a16="http://schemas.microsoft.com/office/drawing/2014/main" xmlns="" id="{E6C0471D-BE03-4D81-BDB5-D510BC0D8A77}"/>
               </a:ext>
               <a:ext uri="{C183D7F6-B498-43B3-948B-1728B52AA6E4}">
-                <adec:decorative xmlns="" xmlns:adec="http://schemas.microsoft.com/office/drawing/2017/decorative" val="1"/>
+                <adec:decorative xmlns:adec="http://schemas.microsoft.com/office/drawing/2017/decorative" xmlns="" val="1"/>
               </a:ext>
             </a:extLst>
           </p:cNvPr>
@@ -41089,7 +42086,7 @@
           <p:nvPr>
             <p:extLst>
               <p:ext uri="{386F3935-93C4-4BCD-93E2-E3B085C9AB24}">
-                <p16:designElem xmlns:p16="http://schemas.microsoft.com/office/powerpoint/2015/main" xmlns="" val="1"/>
+                <p16:designElem xmlns="" xmlns:p16="http://schemas.microsoft.com/office/powerpoint/2015/main" val="1"/>
               </p:ext>
             </p:extLst>
           </p:nvPr>
@@ -41240,10 +42237,10 @@
           <p:cNvPr id="31" name="Straight Connector 30">
             <a:extLst>
               <a:ext uri="{FF2B5EF4-FFF2-40B4-BE49-F238E27FC236}">
-                <a16:creationId xmlns="" xmlns:a16="http://schemas.microsoft.com/office/drawing/2014/main" id="{22721A85-1EA4-4D87-97AB-0BB4AB78F92D}"/>
+                <a16:creationId xmlns:a16="http://schemas.microsoft.com/office/drawing/2014/main" xmlns="" id="{22721A85-1EA4-4D87-97AB-0BB4AB78F92D}"/>
               </a:ext>
               <a:ext uri="{C183D7F6-B498-43B3-948B-1728B52AA6E4}">
-                <adec:decorative xmlns="" xmlns:adec="http://schemas.microsoft.com/office/drawing/2017/decorative" val="1"/>
+                <adec:decorative xmlns:adec="http://schemas.microsoft.com/office/drawing/2017/decorative" xmlns="" val="1"/>
               </a:ext>
             </a:extLst>
           </p:cNvPr>
@@ -41253,7 +42250,7 @@
           <p:nvPr>
             <p:extLst>
               <p:ext uri="{386F3935-93C4-4BCD-93E2-E3B085C9AB24}">
-                <p16:designElem xmlns:p16="http://schemas.microsoft.com/office/powerpoint/2015/main" xmlns="" val="1"/>
+                <p16:designElem xmlns="" xmlns:p16="http://schemas.microsoft.com/office/powerpoint/2015/main" val="1"/>
               </p:ext>
             </p:extLst>
           </p:nvPr>
@@ -41293,10 +42290,10 @@
           <p:cNvPr id="33" name="Straight Connector 32">
             <a:extLst>
               <a:ext uri="{FF2B5EF4-FFF2-40B4-BE49-F238E27FC236}">
-                <a16:creationId xmlns="" xmlns:a16="http://schemas.microsoft.com/office/drawing/2014/main" id="{E5E836EB-03CD-4BA5-A751-21D2ACC28303}"/>
+                <a16:creationId xmlns:a16="http://schemas.microsoft.com/office/drawing/2014/main" xmlns="" id="{E5E836EB-03CD-4BA5-A751-21D2ACC28303}"/>
               </a:ext>
               <a:ext uri="{C183D7F6-B498-43B3-948B-1728B52AA6E4}">
-                <adec:decorative xmlns="" xmlns:adec="http://schemas.microsoft.com/office/drawing/2017/decorative" val="1"/>
+                <adec:decorative xmlns:adec="http://schemas.microsoft.com/office/drawing/2017/decorative" xmlns="" val="1"/>
               </a:ext>
             </a:extLst>
           </p:cNvPr>
@@ -41306,7 +42303,7 @@
           <p:nvPr>
             <p:extLst>
               <p:ext uri="{386F3935-93C4-4BCD-93E2-E3B085C9AB24}">
-                <p16:designElem xmlns:p16="http://schemas.microsoft.com/office/powerpoint/2015/main" xmlns="" val="1"/>
+                <p16:designElem xmlns="" xmlns:p16="http://schemas.microsoft.com/office/powerpoint/2015/main" val="1"/>
               </p:ext>
             </p:extLst>
           </p:nvPr>
@@ -41349,7 +42346,7 @@
           <p:cNvPr id="8" name="Text Placeholder 7">
             <a:extLst>
               <a:ext uri="{FF2B5EF4-FFF2-40B4-BE49-F238E27FC236}">
-                <a16:creationId xmlns="" xmlns:a16="http://schemas.microsoft.com/office/drawing/2014/main" id="{853A9304-F2B2-4B33-8E9B-B6C99B9FCBC9}"/>
+                <a16:creationId xmlns:a16="http://schemas.microsoft.com/office/drawing/2014/main" xmlns="" id="{853A9304-F2B2-4B33-8E9B-B6C99B9FCBC9}"/>
               </a:ext>
             </a:extLst>
           </p:cNvPr>
@@ -41362,8 +42359,8 @@
         </p:nvSpPr>
         <p:spPr>
           <a:xfrm>
-            <a:off x="5650990" y="1892300"/>
-            <a:ext cx="2569084" cy="3073400"/>
+            <a:off x="5412730" y="1916958"/>
+            <a:ext cx="3731269" cy="3073400"/>
           </a:xfrm>
         </p:spPr>
         <p:txBody>
@@ -41378,7 +42375,15 @@
                   <a:srgbClr val="FFFFFF"/>
                 </a:solidFill>
               </a:rPr>
-              <a:t>	- </a:t>
+              <a:t>	</a:t>
+            </a:r>
+            <a:r>
+              <a:rPr lang="en-US" sz="2800" dirty="0" smtClean="0">
+                <a:solidFill>
+                  <a:srgbClr val="FFFFFF"/>
+                </a:solidFill>
+              </a:rPr>
+              <a:t>- </a:t>
             </a:r>
             <a:r>
               <a:rPr lang="en-US" sz="2800" dirty="0" smtClean="0">
@@ -41396,44 +42401,41 @@
           </a:p>
           <a:p>
             <a:r>
+              <a:rPr lang="en-US" sz="2800" dirty="0" smtClean="0">
+                <a:solidFill>
+                  <a:srgbClr val="FFFFFF"/>
+                </a:solidFill>
+              </a:rPr>
+              <a:t>	- </a:t>
+            </a:r>
+            <a:r>
+              <a:rPr lang="en-US" sz="2800" dirty="0" smtClean="0">
+                <a:solidFill>
+                  <a:srgbClr val="FFFFFF"/>
+                </a:solidFill>
+              </a:rPr>
+              <a:t>FPT text-to-speech</a:t>
+            </a:r>
+          </a:p>
+          <a:p>
+            <a:r>
+              <a:rPr lang="en-US" sz="2800" dirty="0" smtClean="0">
+                <a:solidFill>
+                  <a:srgbClr val="FFFFFF"/>
+                </a:solidFill>
+              </a:rPr>
+              <a:t>	- </a:t>
+            </a:r>
+            <a:r>
               <a:rPr lang="en-US" sz="2800" dirty="0">
                 <a:solidFill>
                   <a:srgbClr val="FFFFFF"/>
                 </a:solidFill>
               </a:rPr>
-              <a:t>	- </a:t>
-            </a:r>
-            <a:r>
-              <a:rPr lang="en-US" sz="2800" dirty="0" smtClean="0">
-                <a:solidFill>
-                  <a:srgbClr val="FFFFFF"/>
-                </a:solidFill>
-              </a:rPr>
-              <a:t>GCP STT</a:t>
-            </a:r>
-            <a:endParaRPr lang="en-US" sz="2800" dirty="0">
-              <a:solidFill>
-                <a:srgbClr val="FFFFFF"/>
-              </a:solidFill>
-            </a:endParaRPr>
+              <a:t>Google Cloud Platform speech-to-text</a:t>
+            </a:r>
           </a:p>
           <a:p>
-            <a:r>
-              <a:rPr lang="en-US" sz="2800" dirty="0">
-                <a:solidFill>
-                  <a:srgbClr val="FFFFFF"/>
-                </a:solidFill>
-              </a:rPr>
-              <a:t>	- </a:t>
-            </a:r>
-            <a:r>
-              <a:rPr lang="en-US" sz="2800" dirty="0" smtClean="0">
-                <a:solidFill>
-                  <a:srgbClr val="FFFFFF"/>
-                </a:solidFill>
-              </a:rPr>
-              <a:t>FPT AI TTS</a:t>
-            </a:r>
             <a:endParaRPr lang="en-US" sz="2800" dirty="0">
               <a:solidFill>
                 <a:srgbClr val="FFFFFF"/>
@@ -41447,10 +42449,10 @@
           <p:cNvPr id="35" name="Isosceles Triangle 34">
             <a:extLst>
               <a:ext uri="{FF2B5EF4-FFF2-40B4-BE49-F238E27FC236}">
-                <a16:creationId xmlns="" xmlns:a16="http://schemas.microsoft.com/office/drawing/2014/main" id="{A27691EB-14CF-4237-B5EB-C94B92677A05}"/>
+                <a16:creationId xmlns:a16="http://schemas.microsoft.com/office/drawing/2014/main" xmlns="" id="{A27691EB-14CF-4237-B5EB-C94B92677A05}"/>
               </a:ext>
               <a:ext uri="{C183D7F6-B498-43B3-948B-1728B52AA6E4}">
-                <adec:decorative xmlns="" xmlns:adec="http://schemas.microsoft.com/office/drawing/2017/decorative" val="1"/>
+                <adec:decorative xmlns:adec="http://schemas.microsoft.com/office/drawing/2017/decorative" xmlns="" val="1"/>
               </a:ext>
             </a:extLst>
           </p:cNvPr>
@@ -41460,7 +42462,7 @@
           <p:nvPr>
             <p:extLst>
               <p:ext uri="{386F3935-93C4-4BCD-93E2-E3B085C9AB24}">
-                <p16:designElem xmlns:p16="http://schemas.microsoft.com/office/powerpoint/2015/main" xmlns="" val="1"/>
+                <p16:designElem xmlns="" xmlns:p16="http://schemas.microsoft.com/office/powerpoint/2015/main" val="1"/>
               </p:ext>
             </p:extLst>
           </p:nvPr>
@@ -41505,7 +42507,7 @@
           <p:cNvPr id="5" name="Footer Placeholder 4">
             <a:extLst>
               <a:ext uri="{FF2B5EF4-FFF2-40B4-BE49-F238E27FC236}">
-                <a16:creationId xmlns="" xmlns:a16="http://schemas.microsoft.com/office/drawing/2014/main" id="{2171A385-453B-4826-8C51-C7FCE9804675}"/>
+                <a16:creationId xmlns:a16="http://schemas.microsoft.com/office/drawing/2014/main" xmlns="" id="{2171A385-453B-4826-8C51-C7FCE9804675}"/>
               </a:ext>
             </a:extLst>
           </p:cNvPr>
@@ -41558,7 +42560,7 @@
           <p:cNvPr id="7" name="Title 6">
             <a:extLst>
               <a:ext uri="{FF2B5EF4-FFF2-40B4-BE49-F238E27FC236}">
-                <a16:creationId xmlns="" xmlns:a16="http://schemas.microsoft.com/office/drawing/2014/main" id="{0074CDFB-3424-4A48-B1AE-27413CAECC68}"/>
+                <a16:creationId xmlns:a16="http://schemas.microsoft.com/office/drawing/2014/main" xmlns="" id="{0074CDFB-3424-4A48-B1AE-27413CAECC68}"/>
               </a:ext>
             </a:extLst>
           </p:cNvPr>
@@ -41581,7 +42583,7 @@
           </a:bodyPr>
           <a:lstStyle/>
           <a:p>
-            <a:pPr algn="r"/>
+            <a:pPr algn="ctr"/>
             <a:r>
               <a:rPr lang="en-US" sz="5200" dirty="0" err="1">
                 <a:solidFill>
@@ -41651,7 +42653,7 @@
           <p:cNvPr id="4" name="Date Placeholder 3">
             <a:extLst>
               <a:ext uri="{FF2B5EF4-FFF2-40B4-BE49-F238E27FC236}">
-                <a16:creationId xmlns="" xmlns:a16="http://schemas.microsoft.com/office/drawing/2014/main" id="{A2D1B2B7-8392-4F29-952B-B0B2866D7727}"/>
+                <a16:creationId xmlns:a16="http://schemas.microsoft.com/office/drawing/2014/main" xmlns="" id="{A2D1B2B7-8392-4F29-952B-B0B2866D7727}"/>
               </a:ext>
             </a:extLst>
           </p:cNvPr>
@@ -41687,7 +42689,7 @@
                 <a:latin typeface="Times New Roman" panose="02020603050405020304" pitchFamily="18" charset="0"/>
                 <a:cs typeface="Times New Roman" panose="02020603050405020304" pitchFamily="18" charset="0"/>
               </a:rPr>
-              <a:t>December 25, 2019</a:t>
+              <a:t>December 26, 2019</a:t>
             </a:fld>
             <a:endParaRPr lang="en-US" sz="1050" kern="1200" dirty="0">
               <a:solidFill>
@@ -41704,7 +42706,7 @@
           <p:cNvPr id="6" name="Slide Number Placeholder 5">
             <a:extLst>
               <a:ext uri="{FF2B5EF4-FFF2-40B4-BE49-F238E27FC236}">
-                <a16:creationId xmlns="" xmlns:a16="http://schemas.microsoft.com/office/drawing/2014/main" id="{27866D24-6CFD-474B-9117-E0F3D6D86B10}"/>
+                <a16:creationId xmlns:a16="http://schemas.microsoft.com/office/drawing/2014/main" xmlns="" id="{27866D24-6CFD-474B-9117-E0F3D6D86B10}"/>
               </a:ext>
             </a:extLst>
           </p:cNvPr>
@@ -41807,10 +42809,10 @@
           <p:cNvPr id="33" name="Group 32">
             <a:extLst>
               <a:ext uri="{FF2B5EF4-FFF2-40B4-BE49-F238E27FC236}">
-                <a16:creationId xmlns="" xmlns:a16="http://schemas.microsoft.com/office/drawing/2014/main" id="{D920209C-E85B-4D6F-A56F-724F5ADA811C}"/>
+                <a16:creationId xmlns:a16="http://schemas.microsoft.com/office/drawing/2014/main" xmlns="" id="{D920209C-E85B-4D6F-A56F-724F5ADA811C}"/>
               </a:ext>
               <a:ext uri="{C183D7F6-B498-43B3-948B-1728B52AA6E4}">
-                <adec:decorative xmlns="" xmlns:adec="http://schemas.microsoft.com/office/drawing/2017/decorative" val="1"/>
+                <adec:decorative xmlns:adec="http://schemas.microsoft.com/office/drawing/2017/decorative" xmlns="" val="1"/>
               </a:ext>
             </a:extLst>
           </p:cNvPr>
@@ -41820,7 +42822,7 @@
           <p:nvPr>
             <p:extLst>
               <p:ext uri="{386F3935-93C4-4BCD-93E2-E3B085C9AB24}">
-                <p16:designElem xmlns:p16="http://schemas.microsoft.com/office/powerpoint/2015/main" xmlns="" val="1"/>
+                <p16:designElem xmlns="" xmlns:p16="http://schemas.microsoft.com/office/powerpoint/2015/main" val="1"/>
               </p:ext>
             </p:extLst>
           </p:nvPr>
@@ -41838,10 +42840,10 @@
             <p:cNvPr id="34" name="Straight Connector 33">
               <a:extLst>
                 <a:ext uri="{FF2B5EF4-FFF2-40B4-BE49-F238E27FC236}">
-                  <a16:creationId xmlns="" xmlns:a16="http://schemas.microsoft.com/office/drawing/2014/main" id="{9125522E-1DFD-4F78-912B-B922A2D39DAE}"/>
+                  <a16:creationId xmlns:a16="http://schemas.microsoft.com/office/drawing/2014/main" xmlns="" id="{9125522E-1DFD-4F78-912B-B922A2D39DAE}"/>
                 </a:ext>
                 <a:ext uri="{C183D7F6-B498-43B3-948B-1728B52AA6E4}">
-                  <adec:decorative xmlns="" xmlns:adec="http://schemas.microsoft.com/office/drawing/2017/decorative" val="1"/>
+                  <adec:decorative xmlns:adec="http://schemas.microsoft.com/office/drawing/2017/decorative" xmlns="" val="1"/>
                 </a:ext>
               </a:extLst>
             </p:cNvPr>
@@ -41849,7 +42851,7 @@
             <p:nvPr>
               <p:extLst>
                 <p:ext uri="{386F3935-93C4-4BCD-93E2-E3B085C9AB24}">
-                  <p16:designElem xmlns:p16="http://schemas.microsoft.com/office/powerpoint/2015/main" xmlns="" val="1"/>
+                  <p16:designElem xmlns="" xmlns:p16="http://schemas.microsoft.com/office/powerpoint/2015/main" val="1"/>
                 </p:ext>
               </p:extLst>
             </p:nvPr>
@@ -41890,10 +42892,10 @@
             <p:cNvPr id="35" name="Straight Connector 34">
               <a:extLst>
                 <a:ext uri="{FF2B5EF4-FFF2-40B4-BE49-F238E27FC236}">
-                  <a16:creationId xmlns="" xmlns:a16="http://schemas.microsoft.com/office/drawing/2014/main" id="{FDA72C10-FE9D-49B3-80CB-A7EE8BCB38F9}"/>
+                  <a16:creationId xmlns:a16="http://schemas.microsoft.com/office/drawing/2014/main" xmlns="" id="{FDA72C10-FE9D-49B3-80CB-A7EE8BCB38F9}"/>
                 </a:ext>
                 <a:ext uri="{C183D7F6-B498-43B3-948B-1728B52AA6E4}">
-                  <adec:decorative xmlns="" xmlns:adec="http://schemas.microsoft.com/office/drawing/2017/decorative" val="1"/>
+                  <adec:decorative xmlns:adec="http://schemas.microsoft.com/office/drawing/2017/decorative" xmlns="" val="1"/>
                 </a:ext>
               </a:extLst>
             </p:cNvPr>
@@ -41901,7 +42903,7 @@
             <p:nvPr>
               <p:extLst>
                 <p:ext uri="{386F3935-93C4-4BCD-93E2-E3B085C9AB24}">
-                  <p16:designElem xmlns:p16="http://schemas.microsoft.com/office/powerpoint/2015/main" xmlns="" val="1"/>
+                  <p16:designElem xmlns="" xmlns:p16="http://schemas.microsoft.com/office/powerpoint/2015/main" val="1"/>
                 </p:ext>
               </p:extLst>
             </p:nvPr>
@@ -41942,10 +42944,10 @@
             <p:cNvPr id="36" name="Rectangle 23">
               <a:extLst>
                 <a:ext uri="{FF2B5EF4-FFF2-40B4-BE49-F238E27FC236}">
-                  <a16:creationId xmlns="" xmlns:a16="http://schemas.microsoft.com/office/drawing/2014/main" id="{6E7DF470-1055-45E4-AB9D-11E42EC53870}"/>
+                  <a16:creationId xmlns:a16="http://schemas.microsoft.com/office/drawing/2014/main" xmlns="" id="{6E7DF470-1055-45E4-AB9D-11E42EC53870}"/>
                 </a:ext>
                 <a:ext uri="{C183D7F6-B498-43B3-948B-1728B52AA6E4}">
-                  <adec:decorative xmlns="" xmlns:adec="http://schemas.microsoft.com/office/drawing/2017/decorative" val="1"/>
+                  <adec:decorative xmlns:adec="http://schemas.microsoft.com/office/drawing/2017/decorative" xmlns="" val="1"/>
                 </a:ext>
               </a:extLst>
             </p:cNvPr>
@@ -41953,7 +42955,7 @@
             <p:nvPr>
               <p:extLst>
                 <p:ext uri="{386F3935-93C4-4BCD-93E2-E3B085C9AB24}">
-                  <p16:designElem xmlns:p16="http://schemas.microsoft.com/office/powerpoint/2015/main" xmlns="" val="1"/>
+                  <p16:designElem xmlns="" xmlns:p16="http://schemas.microsoft.com/office/powerpoint/2015/main" val="1"/>
                 </p:ext>
               </p:extLst>
             </p:nvPr>
@@ -42020,10 +43022,10 @@
             <p:cNvPr id="37" name="Rectangle 25">
               <a:extLst>
                 <a:ext uri="{FF2B5EF4-FFF2-40B4-BE49-F238E27FC236}">
-                  <a16:creationId xmlns="" xmlns:a16="http://schemas.microsoft.com/office/drawing/2014/main" id="{6AA35CFF-3837-4B7F-B875-718AC2E14EE7}"/>
+                  <a16:creationId xmlns:a16="http://schemas.microsoft.com/office/drawing/2014/main" xmlns="" id="{6AA35CFF-3837-4B7F-B875-718AC2E14EE7}"/>
                 </a:ext>
                 <a:ext uri="{C183D7F6-B498-43B3-948B-1728B52AA6E4}">
-                  <adec:decorative xmlns="" xmlns:adec="http://schemas.microsoft.com/office/drawing/2017/decorative" val="1"/>
+                  <adec:decorative xmlns:adec="http://schemas.microsoft.com/office/drawing/2017/decorative" xmlns="" val="1"/>
                 </a:ext>
               </a:extLst>
             </p:cNvPr>
@@ -42031,7 +43033,7 @@
             <p:nvPr>
               <p:extLst>
                 <p:ext uri="{386F3935-93C4-4BCD-93E2-E3B085C9AB24}">
-                  <p16:designElem xmlns:p16="http://schemas.microsoft.com/office/powerpoint/2015/main" xmlns="" val="1"/>
+                  <p16:designElem xmlns="" xmlns:p16="http://schemas.microsoft.com/office/powerpoint/2015/main" val="1"/>
                 </p:ext>
               </p:extLst>
             </p:nvPr>
@@ -42098,10 +43100,10 @@
             <p:cNvPr id="38" name="Isosceles Triangle 37">
               <a:extLst>
                 <a:ext uri="{FF2B5EF4-FFF2-40B4-BE49-F238E27FC236}">
-                  <a16:creationId xmlns="" xmlns:a16="http://schemas.microsoft.com/office/drawing/2014/main" id="{62F41804-A347-47E3-8BD8-BD00CF2F6441}"/>
+                  <a16:creationId xmlns:a16="http://schemas.microsoft.com/office/drawing/2014/main" xmlns="" id="{62F41804-A347-47E3-8BD8-BD00CF2F6441}"/>
                 </a:ext>
                 <a:ext uri="{C183D7F6-B498-43B3-948B-1728B52AA6E4}">
-                  <adec:decorative xmlns="" xmlns:adec="http://schemas.microsoft.com/office/drawing/2017/decorative" val="1"/>
+                  <adec:decorative xmlns:adec="http://schemas.microsoft.com/office/drawing/2017/decorative" xmlns="" val="1"/>
                 </a:ext>
               </a:extLst>
             </p:cNvPr>
@@ -42109,7 +43111,7 @@
             <p:nvPr>
               <p:extLst>
                 <p:ext uri="{386F3935-93C4-4BCD-93E2-E3B085C9AB24}">
-                  <p16:designElem xmlns:p16="http://schemas.microsoft.com/office/powerpoint/2015/main" xmlns="" val="1"/>
+                  <p16:designElem xmlns="" xmlns:p16="http://schemas.microsoft.com/office/powerpoint/2015/main" val="1"/>
                 </p:ext>
               </p:extLst>
             </p:nvPr>
@@ -42154,10 +43156,10 @@
             <p:cNvPr id="39" name="Rectangle 27">
               <a:extLst>
                 <a:ext uri="{FF2B5EF4-FFF2-40B4-BE49-F238E27FC236}">
-                  <a16:creationId xmlns="" xmlns:a16="http://schemas.microsoft.com/office/drawing/2014/main" id="{76894B81-EE9C-4546-BCFA-DD9ED2C0ADB6}"/>
+                  <a16:creationId xmlns:a16="http://schemas.microsoft.com/office/drawing/2014/main" xmlns="" id="{76894B81-EE9C-4546-BCFA-DD9ED2C0ADB6}"/>
                 </a:ext>
                 <a:ext uri="{C183D7F6-B498-43B3-948B-1728B52AA6E4}">
-                  <adec:decorative xmlns="" xmlns:adec="http://schemas.microsoft.com/office/drawing/2017/decorative" val="1"/>
+                  <adec:decorative xmlns:adec="http://schemas.microsoft.com/office/drawing/2017/decorative" xmlns="" val="1"/>
                 </a:ext>
               </a:extLst>
             </p:cNvPr>
@@ -42165,7 +43167,7 @@
             <p:nvPr>
               <p:extLst>
                 <p:ext uri="{386F3935-93C4-4BCD-93E2-E3B085C9AB24}">
-                  <p16:designElem xmlns:p16="http://schemas.microsoft.com/office/powerpoint/2015/main" xmlns="" val="1"/>
+                  <p16:designElem xmlns="" xmlns:p16="http://schemas.microsoft.com/office/powerpoint/2015/main" val="1"/>
                 </p:ext>
               </p:extLst>
             </p:nvPr>
@@ -42233,10 +43235,10 @@
             <p:cNvPr id="40" name="Rectangle 28">
               <a:extLst>
                 <a:ext uri="{FF2B5EF4-FFF2-40B4-BE49-F238E27FC236}">
-                  <a16:creationId xmlns="" xmlns:a16="http://schemas.microsoft.com/office/drawing/2014/main" id="{3AF181D1-71AC-43D8-A6E1-D4C488D5DC56}"/>
+                  <a16:creationId xmlns:a16="http://schemas.microsoft.com/office/drawing/2014/main" xmlns="" id="{3AF181D1-71AC-43D8-A6E1-D4C488D5DC56}"/>
                 </a:ext>
                 <a:ext uri="{C183D7F6-B498-43B3-948B-1728B52AA6E4}">
-                  <adec:decorative xmlns="" xmlns:adec="http://schemas.microsoft.com/office/drawing/2017/decorative" val="1"/>
+                  <adec:decorative xmlns:adec="http://schemas.microsoft.com/office/drawing/2017/decorative" xmlns="" val="1"/>
                 </a:ext>
               </a:extLst>
             </p:cNvPr>
@@ -42244,7 +43246,7 @@
             <p:nvPr>
               <p:extLst>
                 <p:ext uri="{386F3935-93C4-4BCD-93E2-E3B085C9AB24}">
-                  <p16:designElem xmlns:p16="http://schemas.microsoft.com/office/powerpoint/2015/main" xmlns="" val="1"/>
+                  <p16:designElem xmlns="" xmlns:p16="http://schemas.microsoft.com/office/powerpoint/2015/main" val="1"/>
                 </p:ext>
               </p:extLst>
             </p:nvPr>
@@ -42313,10 +43315,10 @@
             <p:cNvPr id="41" name="Rectangle 29">
               <a:extLst>
                 <a:ext uri="{FF2B5EF4-FFF2-40B4-BE49-F238E27FC236}">
-                  <a16:creationId xmlns="" xmlns:a16="http://schemas.microsoft.com/office/drawing/2014/main" id="{4132D661-917C-4D2D-8E37-8590B55D91F8}"/>
+                  <a16:creationId xmlns:a16="http://schemas.microsoft.com/office/drawing/2014/main" xmlns="" id="{4132D661-917C-4D2D-8E37-8590B55D91F8}"/>
                 </a:ext>
                 <a:ext uri="{C183D7F6-B498-43B3-948B-1728B52AA6E4}">
-                  <adec:decorative xmlns="" xmlns:adec="http://schemas.microsoft.com/office/drawing/2017/decorative" val="1"/>
+                  <adec:decorative xmlns:adec="http://schemas.microsoft.com/office/drawing/2017/decorative" xmlns="" val="1"/>
                 </a:ext>
               </a:extLst>
             </p:cNvPr>
@@ -42324,7 +43326,7 @@
             <p:nvPr>
               <p:extLst>
                 <p:ext uri="{386F3935-93C4-4BCD-93E2-E3B085C9AB24}">
-                  <p16:designElem xmlns:p16="http://schemas.microsoft.com/office/powerpoint/2015/main" xmlns="" val="1"/>
+                  <p16:designElem xmlns="" xmlns:p16="http://schemas.microsoft.com/office/powerpoint/2015/main" val="1"/>
                 </p:ext>
               </p:extLst>
             </p:nvPr>
@@ -42391,10 +43393,10 @@
             <p:cNvPr id="42" name="Isosceles Triangle 41">
               <a:extLst>
                 <a:ext uri="{FF2B5EF4-FFF2-40B4-BE49-F238E27FC236}">
-                  <a16:creationId xmlns="" xmlns:a16="http://schemas.microsoft.com/office/drawing/2014/main" id="{7969643D-8B71-434D-A235-68CB241F9DCF}"/>
+                  <a16:creationId xmlns:a16="http://schemas.microsoft.com/office/drawing/2014/main" xmlns="" id="{7969643D-8B71-434D-A235-68CB241F9DCF}"/>
                 </a:ext>
                 <a:ext uri="{C183D7F6-B498-43B3-948B-1728B52AA6E4}">
-                  <adec:decorative xmlns="" xmlns:adec="http://schemas.microsoft.com/office/drawing/2017/decorative" val="1"/>
+                  <adec:decorative xmlns:adec="http://schemas.microsoft.com/office/drawing/2017/decorative" xmlns="" val="1"/>
                 </a:ext>
               </a:extLst>
             </p:cNvPr>
@@ -42402,7 +43404,7 @@
             <p:nvPr>
               <p:extLst>
                 <p:ext uri="{386F3935-93C4-4BCD-93E2-E3B085C9AB24}">
-                  <p16:designElem xmlns:p16="http://schemas.microsoft.com/office/powerpoint/2015/main" xmlns="" val="1"/>
+                  <p16:designElem xmlns="" xmlns:p16="http://schemas.microsoft.com/office/powerpoint/2015/main" val="1"/>
                 </p:ext>
               </p:extLst>
             </p:nvPr>
@@ -42447,10 +43449,10 @@
             <p:cNvPr id="63" name="Isosceles Triangle 42">
               <a:extLst>
                 <a:ext uri="{FF2B5EF4-FFF2-40B4-BE49-F238E27FC236}">
-                  <a16:creationId xmlns="" xmlns:a16="http://schemas.microsoft.com/office/drawing/2014/main" id="{DF15C24A-4BCF-47C0-B2FA-76A0EF3384D1}"/>
+                  <a16:creationId xmlns:a16="http://schemas.microsoft.com/office/drawing/2014/main" xmlns="" id="{DF15C24A-4BCF-47C0-B2FA-76A0EF3384D1}"/>
                 </a:ext>
                 <a:ext uri="{C183D7F6-B498-43B3-948B-1728B52AA6E4}">
-                  <adec:decorative xmlns="" xmlns:adec="http://schemas.microsoft.com/office/drawing/2017/decorative" val="1"/>
+                  <adec:decorative xmlns:adec="http://schemas.microsoft.com/office/drawing/2017/decorative" xmlns="" val="1"/>
                 </a:ext>
               </a:extLst>
             </p:cNvPr>
@@ -42458,7 +43460,7 @@
             <p:nvPr>
               <p:extLst>
                 <p:ext uri="{386F3935-93C4-4BCD-93E2-E3B085C9AB24}">
-                  <p16:designElem xmlns:p16="http://schemas.microsoft.com/office/powerpoint/2015/main" xmlns="" val="1"/>
+                  <p16:designElem xmlns="" xmlns:p16="http://schemas.microsoft.com/office/powerpoint/2015/main" val="1"/>
                 </p:ext>
               </p:extLst>
             </p:nvPr>
@@ -42504,10 +43506,10 @@
           <p:cNvPr id="64" name="Rectangle 44">
             <a:extLst>
               <a:ext uri="{FF2B5EF4-FFF2-40B4-BE49-F238E27FC236}">
-                <a16:creationId xmlns="" xmlns:a16="http://schemas.microsoft.com/office/drawing/2014/main" id="{9F4444CE-BC8D-4D61-B303-4C05614E62AB}"/>
+                <a16:creationId xmlns:a16="http://schemas.microsoft.com/office/drawing/2014/main" xmlns="" id="{9F4444CE-BC8D-4D61-B303-4C05614E62AB}"/>
               </a:ext>
               <a:ext uri="{C183D7F6-B498-43B3-948B-1728B52AA6E4}">
-                <adec:decorative xmlns="" xmlns:adec="http://schemas.microsoft.com/office/drawing/2017/decorative" val="1"/>
+                <adec:decorative xmlns:adec="http://schemas.microsoft.com/office/drawing/2017/decorative" xmlns="" val="1"/>
               </a:ext>
             </a:extLst>
           </p:cNvPr>
@@ -42517,7 +43519,7 @@
           <p:nvPr>
             <p:extLst>
               <p:ext uri="{386F3935-93C4-4BCD-93E2-E3B085C9AB24}">
-                <p16:designElem xmlns:p16="http://schemas.microsoft.com/office/powerpoint/2015/main" xmlns="" val="1"/>
+                <p16:designElem xmlns="" xmlns:p16="http://schemas.microsoft.com/office/powerpoint/2015/main" val="1"/>
               </p:ext>
             </p:extLst>
           </p:nvPr>
@@ -42564,7 +43566,7 @@
           <p:cNvPr id="4" name="Title 3">
             <a:extLst>
               <a:ext uri="{FF2B5EF4-FFF2-40B4-BE49-F238E27FC236}">
-                <a16:creationId xmlns="" xmlns:a16="http://schemas.microsoft.com/office/drawing/2014/main" id="{069A68E1-4969-4864-9761-493D183FCF9A}"/>
+                <a16:creationId xmlns:a16="http://schemas.microsoft.com/office/drawing/2014/main" xmlns="" id="{069A68E1-4969-4864-9761-493D183FCF9A}"/>
               </a:ext>
             </a:extLst>
           </p:cNvPr>
@@ -42648,10 +43650,10 @@
           <p:cNvPr id="65" name="Isosceles Triangle 46">
             <a:extLst>
               <a:ext uri="{FF2B5EF4-FFF2-40B4-BE49-F238E27FC236}">
-                <a16:creationId xmlns="" xmlns:a16="http://schemas.microsoft.com/office/drawing/2014/main" id="{73772B81-181F-48B7-8826-4D9686D15DF5}"/>
+                <a16:creationId xmlns:a16="http://schemas.microsoft.com/office/drawing/2014/main" xmlns="" id="{73772B81-181F-48B7-8826-4D9686D15DF5}"/>
               </a:ext>
               <a:ext uri="{C183D7F6-B498-43B3-948B-1728B52AA6E4}">
-                <adec:decorative xmlns="" xmlns:adec="http://schemas.microsoft.com/office/drawing/2017/decorative" val="1"/>
+                <adec:decorative xmlns:adec="http://schemas.microsoft.com/office/drawing/2017/decorative" xmlns="" val="1"/>
               </a:ext>
             </a:extLst>
           </p:cNvPr>
@@ -42661,7 +43663,7 @@
           <p:nvPr>
             <p:extLst>
               <p:ext uri="{386F3935-93C4-4BCD-93E2-E3B085C9AB24}">
-                <p16:designElem xmlns:p16="http://schemas.microsoft.com/office/powerpoint/2015/main" xmlns="" val="1"/>
+                <p16:designElem xmlns="" xmlns:p16="http://schemas.microsoft.com/office/powerpoint/2015/main" val="1"/>
               </p:ext>
             </p:extLst>
           </p:nvPr>
@@ -42706,10 +43708,10 @@
           <p:cNvPr id="66" name="Isosceles Triangle 48">
             <a:extLst>
               <a:ext uri="{FF2B5EF4-FFF2-40B4-BE49-F238E27FC236}">
-                <a16:creationId xmlns="" xmlns:a16="http://schemas.microsoft.com/office/drawing/2014/main" id="{B2205F6E-03C6-4E92-877C-E2482F6599AA}"/>
+                <a16:creationId xmlns:a16="http://schemas.microsoft.com/office/drawing/2014/main" xmlns="" id="{B2205F6E-03C6-4E92-877C-E2482F6599AA}"/>
               </a:ext>
               <a:ext uri="{C183D7F6-B498-43B3-948B-1728B52AA6E4}">
-                <adec:decorative xmlns="" xmlns:adec="http://schemas.microsoft.com/office/drawing/2017/decorative" val="1"/>
+                <adec:decorative xmlns:adec="http://schemas.microsoft.com/office/drawing/2017/decorative" xmlns="" val="1"/>
               </a:ext>
             </a:extLst>
           </p:cNvPr>
@@ -42719,7 +43721,7 @@
           <p:nvPr>
             <p:extLst>
               <p:ext uri="{386F3935-93C4-4BCD-93E2-E3B085C9AB24}">
-                <p16:designElem xmlns:p16="http://schemas.microsoft.com/office/powerpoint/2015/main" xmlns="" val="1"/>
+                <p16:designElem xmlns="" xmlns:p16="http://schemas.microsoft.com/office/powerpoint/2015/main" val="1"/>
               </p:ext>
             </p:extLst>
           </p:nvPr>
@@ -42764,7 +43766,7 @@
           <p:cNvPr id="28" name="Content Placeholder 4">
             <a:extLst>
               <a:ext uri="{FF2B5EF4-FFF2-40B4-BE49-F238E27FC236}">
-                <a16:creationId xmlns="" xmlns:a16="http://schemas.microsoft.com/office/drawing/2014/main" id="{E0A43AD5-D666-403E-B7F4-515412EBC60C}"/>
+                <a16:creationId xmlns:a16="http://schemas.microsoft.com/office/drawing/2014/main" xmlns="" id="{E0A43AD5-D666-403E-B7F4-515412EBC60C}"/>
               </a:ext>
             </a:extLst>
           </p:cNvPr>
@@ -42775,7 +43777,7 @@
             <p:ph idx="1"/>
             <p:extLst>
               <p:ext uri="{D42A27DB-BD31-4B8C-83A1-F6EECF244321}">
-                <p14:modId xmlns:p14="http://schemas.microsoft.com/office/powerpoint/2010/main" val="153193040"/>
+                <p14:modId xmlns:p14="http://schemas.microsoft.com/office/powerpoint/2010/main" val="4169319069"/>
               </p:ext>
             </p:extLst>
           </p:nvPr>
@@ -42910,10 +43912,10 @@
           <p:cNvPr id="11" name="Group 10">
             <a:extLst>
               <a:ext uri="{FF2B5EF4-FFF2-40B4-BE49-F238E27FC236}">
-                <a16:creationId xmlns="" xmlns:a16="http://schemas.microsoft.com/office/drawing/2014/main" id="{09EA7EA7-74F5-4EE2-8E3D-1A10308259D7}"/>
+                <a16:creationId xmlns:a16="http://schemas.microsoft.com/office/drawing/2014/main" xmlns="" id="{09EA7EA7-74F5-4EE2-8E3D-1A10308259D7}"/>
               </a:ext>
               <a:ext uri="{C183D7F6-B498-43B3-948B-1728B52AA6E4}">
-                <adec:decorative xmlns="" xmlns:adec="http://schemas.microsoft.com/office/drawing/2017/decorative" val="1"/>
+                <adec:decorative xmlns:adec="http://schemas.microsoft.com/office/drawing/2017/decorative" xmlns="" val="1"/>
               </a:ext>
             </a:extLst>
           </p:cNvPr>
@@ -42923,7 +43925,7 @@
           <p:nvPr>
             <p:extLst>
               <p:ext uri="{386F3935-93C4-4BCD-93E2-E3B085C9AB24}">
-                <p16:designElem xmlns:p16="http://schemas.microsoft.com/office/powerpoint/2015/main" xmlns="" val="1"/>
+                <p16:designElem xmlns="" xmlns:p16="http://schemas.microsoft.com/office/powerpoint/2015/main" val="1"/>
               </p:ext>
             </p:extLst>
           </p:nvPr>
@@ -42941,10 +43943,10 @@
             <p:cNvPr id="12" name="Straight Connector 11">
               <a:extLst>
                 <a:ext uri="{FF2B5EF4-FFF2-40B4-BE49-F238E27FC236}">
-                  <a16:creationId xmlns="" xmlns:a16="http://schemas.microsoft.com/office/drawing/2014/main" id="{A5CE79B5-7EE4-424D-AD14-5DEFB61B85C8}"/>
+                  <a16:creationId xmlns:a16="http://schemas.microsoft.com/office/drawing/2014/main" xmlns="" id="{A5CE79B5-7EE4-424D-AD14-5DEFB61B85C8}"/>
                 </a:ext>
                 <a:ext uri="{C183D7F6-B498-43B3-948B-1728B52AA6E4}">
-                  <adec:decorative xmlns="" xmlns:adec="http://schemas.microsoft.com/office/drawing/2017/decorative" val="1"/>
+                  <adec:decorative xmlns:adec="http://schemas.microsoft.com/office/drawing/2017/decorative" xmlns="" val="1"/>
                 </a:ext>
               </a:extLst>
             </p:cNvPr>
@@ -42952,7 +43954,7 @@
             <p:nvPr>
               <p:extLst>
                 <p:ext uri="{386F3935-93C4-4BCD-93E2-E3B085C9AB24}">
-                  <p16:designElem xmlns:p16="http://schemas.microsoft.com/office/powerpoint/2015/main" xmlns="" val="1"/>
+                  <p16:designElem xmlns="" xmlns:p16="http://schemas.microsoft.com/office/powerpoint/2015/main" val="1"/>
                 </p:ext>
               </p:extLst>
             </p:nvPr>
@@ -42993,10 +43995,10 @@
             <p:cNvPr id="13" name="Straight Connector 12">
               <a:extLst>
                 <a:ext uri="{FF2B5EF4-FFF2-40B4-BE49-F238E27FC236}">
-                  <a16:creationId xmlns="" xmlns:a16="http://schemas.microsoft.com/office/drawing/2014/main" id="{696C926F-F999-44BA-8D86-9EAB51D65010}"/>
+                  <a16:creationId xmlns:a16="http://schemas.microsoft.com/office/drawing/2014/main" xmlns="" id="{696C926F-F999-44BA-8D86-9EAB51D65010}"/>
                 </a:ext>
                 <a:ext uri="{C183D7F6-B498-43B3-948B-1728B52AA6E4}">
-                  <adec:decorative xmlns="" xmlns:adec="http://schemas.microsoft.com/office/drawing/2017/decorative" val="1"/>
+                  <adec:decorative xmlns:adec="http://schemas.microsoft.com/office/drawing/2017/decorative" xmlns="" val="1"/>
                 </a:ext>
               </a:extLst>
             </p:cNvPr>
@@ -43004,7 +44006,7 @@
             <p:nvPr>
               <p:extLst>
                 <p:ext uri="{386F3935-93C4-4BCD-93E2-E3B085C9AB24}">
-                  <p16:designElem xmlns:p16="http://schemas.microsoft.com/office/powerpoint/2015/main" xmlns="" val="1"/>
+                  <p16:designElem xmlns="" xmlns:p16="http://schemas.microsoft.com/office/powerpoint/2015/main" val="1"/>
                 </p:ext>
               </p:extLst>
             </p:nvPr>
@@ -43045,10 +44047,10 @@
             <p:cNvPr id="14" name="Rectangle 23">
               <a:extLst>
                 <a:ext uri="{FF2B5EF4-FFF2-40B4-BE49-F238E27FC236}">
-                  <a16:creationId xmlns="" xmlns:a16="http://schemas.microsoft.com/office/drawing/2014/main" id="{248745E7-0AF0-48F9-8E58-2673FC5F4FDE}"/>
+                  <a16:creationId xmlns:a16="http://schemas.microsoft.com/office/drawing/2014/main" xmlns="" id="{248745E7-0AF0-48F9-8E58-2673FC5F4FDE}"/>
                 </a:ext>
                 <a:ext uri="{C183D7F6-B498-43B3-948B-1728B52AA6E4}">
-                  <adec:decorative xmlns="" xmlns:adec="http://schemas.microsoft.com/office/drawing/2017/decorative" val="1"/>
+                  <adec:decorative xmlns:adec="http://schemas.microsoft.com/office/drawing/2017/decorative" xmlns="" val="1"/>
                 </a:ext>
               </a:extLst>
             </p:cNvPr>
@@ -43056,7 +44058,7 @@
             <p:nvPr>
               <p:extLst>
                 <p:ext uri="{386F3935-93C4-4BCD-93E2-E3B085C9AB24}">
-                  <p16:designElem xmlns:p16="http://schemas.microsoft.com/office/powerpoint/2015/main" xmlns="" val="1"/>
+                  <p16:designElem xmlns="" xmlns:p16="http://schemas.microsoft.com/office/powerpoint/2015/main" val="1"/>
                 </p:ext>
               </p:extLst>
             </p:nvPr>
@@ -43123,10 +44125,10 @@
             <p:cNvPr id="15" name="Rectangle 25">
               <a:extLst>
                 <a:ext uri="{FF2B5EF4-FFF2-40B4-BE49-F238E27FC236}">
-                  <a16:creationId xmlns="" xmlns:a16="http://schemas.microsoft.com/office/drawing/2014/main" id="{9715E81A-D2E0-4431-9370-4E4A9ECA7F9C}"/>
+                  <a16:creationId xmlns:a16="http://schemas.microsoft.com/office/drawing/2014/main" xmlns="" id="{9715E81A-D2E0-4431-9370-4E4A9ECA7F9C}"/>
                 </a:ext>
                 <a:ext uri="{C183D7F6-B498-43B3-948B-1728B52AA6E4}">
-                  <adec:decorative xmlns="" xmlns:adec="http://schemas.microsoft.com/office/drawing/2017/decorative" val="1"/>
+                  <adec:decorative xmlns:adec="http://schemas.microsoft.com/office/drawing/2017/decorative" xmlns="" val="1"/>
                 </a:ext>
               </a:extLst>
             </p:cNvPr>
@@ -43134,7 +44136,7 @@
             <p:nvPr>
               <p:extLst>
                 <p:ext uri="{386F3935-93C4-4BCD-93E2-E3B085C9AB24}">
-                  <p16:designElem xmlns:p16="http://schemas.microsoft.com/office/powerpoint/2015/main" xmlns="" val="1"/>
+                  <p16:designElem xmlns="" xmlns:p16="http://schemas.microsoft.com/office/powerpoint/2015/main" val="1"/>
                 </p:ext>
               </p:extLst>
             </p:nvPr>
@@ -43201,10 +44203,10 @@
             <p:cNvPr id="16" name="Isosceles Triangle 15">
               <a:extLst>
                 <a:ext uri="{FF2B5EF4-FFF2-40B4-BE49-F238E27FC236}">
-                  <a16:creationId xmlns="" xmlns:a16="http://schemas.microsoft.com/office/drawing/2014/main" id="{CEDB37A9-282D-4DDB-85AD-B2090A82531F}"/>
+                  <a16:creationId xmlns:a16="http://schemas.microsoft.com/office/drawing/2014/main" xmlns="" id="{CEDB37A9-282D-4DDB-85AD-B2090A82531F}"/>
                 </a:ext>
                 <a:ext uri="{C183D7F6-B498-43B3-948B-1728B52AA6E4}">
-                  <adec:decorative xmlns="" xmlns:adec="http://schemas.microsoft.com/office/drawing/2017/decorative" val="1"/>
+                  <adec:decorative xmlns:adec="http://schemas.microsoft.com/office/drawing/2017/decorative" xmlns="" val="1"/>
                 </a:ext>
               </a:extLst>
             </p:cNvPr>
@@ -43212,7 +44214,7 @@
             <p:nvPr>
               <p:extLst>
                 <p:ext uri="{386F3935-93C4-4BCD-93E2-E3B085C9AB24}">
-                  <p16:designElem xmlns:p16="http://schemas.microsoft.com/office/powerpoint/2015/main" xmlns="" val="1"/>
+                  <p16:designElem xmlns="" xmlns:p16="http://schemas.microsoft.com/office/powerpoint/2015/main" val="1"/>
                 </p:ext>
               </p:extLst>
             </p:nvPr>
@@ -43257,10 +44259,10 @@
             <p:cNvPr id="17" name="Rectangle 27">
               <a:extLst>
                 <a:ext uri="{FF2B5EF4-FFF2-40B4-BE49-F238E27FC236}">
-                  <a16:creationId xmlns="" xmlns:a16="http://schemas.microsoft.com/office/drawing/2014/main" id="{533D5933-7F91-4F5E-BC31-42FD0E2D8DEF}"/>
+                  <a16:creationId xmlns:a16="http://schemas.microsoft.com/office/drawing/2014/main" xmlns="" id="{533D5933-7F91-4F5E-BC31-42FD0E2D8DEF}"/>
                 </a:ext>
                 <a:ext uri="{C183D7F6-B498-43B3-948B-1728B52AA6E4}">
-                  <adec:decorative xmlns="" xmlns:adec="http://schemas.microsoft.com/office/drawing/2017/decorative" val="1"/>
+                  <adec:decorative xmlns:adec="http://schemas.microsoft.com/office/drawing/2017/decorative" xmlns="" val="1"/>
                 </a:ext>
               </a:extLst>
             </p:cNvPr>
@@ -43268,7 +44270,7 @@
             <p:nvPr>
               <p:extLst>
                 <p:ext uri="{386F3935-93C4-4BCD-93E2-E3B085C9AB24}">
-                  <p16:designElem xmlns:p16="http://schemas.microsoft.com/office/powerpoint/2015/main" xmlns="" val="1"/>
+                  <p16:designElem xmlns="" xmlns:p16="http://schemas.microsoft.com/office/powerpoint/2015/main" val="1"/>
                 </p:ext>
               </p:extLst>
             </p:nvPr>
@@ -43336,10 +44338,10 @@
             <p:cNvPr id="18" name="Rectangle 28">
               <a:extLst>
                 <a:ext uri="{FF2B5EF4-FFF2-40B4-BE49-F238E27FC236}">
-                  <a16:creationId xmlns="" xmlns:a16="http://schemas.microsoft.com/office/drawing/2014/main" id="{37ADDF68-C9BE-46EA-83DE-2C07DD83960F}"/>
+                  <a16:creationId xmlns:a16="http://schemas.microsoft.com/office/drawing/2014/main" xmlns="" id="{37ADDF68-C9BE-46EA-83DE-2C07DD83960F}"/>
                 </a:ext>
                 <a:ext uri="{C183D7F6-B498-43B3-948B-1728B52AA6E4}">
-                  <adec:decorative xmlns="" xmlns:adec="http://schemas.microsoft.com/office/drawing/2017/decorative" val="1"/>
+                  <adec:decorative xmlns:adec="http://schemas.microsoft.com/office/drawing/2017/decorative" xmlns="" val="1"/>
                 </a:ext>
               </a:extLst>
             </p:cNvPr>
@@ -43347,7 +44349,7 @@
             <p:nvPr>
               <p:extLst>
                 <p:ext uri="{386F3935-93C4-4BCD-93E2-E3B085C9AB24}">
-                  <p16:designElem xmlns:p16="http://schemas.microsoft.com/office/powerpoint/2015/main" xmlns="" val="1"/>
+                  <p16:designElem xmlns="" xmlns:p16="http://schemas.microsoft.com/office/powerpoint/2015/main" val="1"/>
                 </p:ext>
               </p:extLst>
             </p:nvPr>
@@ -43416,10 +44418,10 @@
             <p:cNvPr id="19" name="Rectangle 29">
               <a:extLst>
                 <a:ext uri="{FF2B5EF4-FFF2-40B4-BE49-F238E27FC236}">
-                  <a16:creationId xmlns="" xmlns:a16="http://schemas.microsoft.com/office/drawing/2014/main" id="{10D67396-BABD-48A8-A892-CCB5095FA427}"/>
+                  <a16:creationId xmlns:a16="http://schemas.microsoft.com/office/drawing/2014/main" xmlns="" id="{10D67396-BABD-48A8-A892-CCB5095FA427}"/>
                 </a:ext>
                 <a:ext uri="{C183D7F6-B498-43B3-948B-1728B52AA6E4}">
-                  <adec:decorative xmlns="" xmlns:adec="http://schemas.microsoft.com/office/drawing/2017/decorative" val="1"/>
+                  <adec:decorative xmlns:adec="http://schemas.microsoft.com/office/drawing/2017/decorative" xmlns="" val="1"/>
                 </a:ext>
               </a:extLst>
             </p:cNvPr>
@@ -43427,7 +44429,7 @@
             <p:nvPr>
               <p:extLst>
                 <p:ext uri="{386F3935-93C4-4BCD-93E2-E3B085C9AB24}">
-                  <p16:designElem xmlns:p16="http://schemas.microsoft.com/office/powerpoint/2015/main" xmlns="" val="1"/>
+                  <p16:designElem xmlns="" xmlns:p16="http://schemas.microsoft.com/office/powerpoint/2015/main" val="1"/>
                 </p:ext>
               </p:extLst>
             </p:nvPr>
@@ -43494,10 +44496,10 @@
             <p:cNvPr id="20" name="Isosceles Triangle 19">
               <a:extLst>
                 <a:ext uri="{FF2B5EF4-FFF2-40B4-BE49-F238E27FC236}">
-                  <a16:creationId xmlns="" xmlns:a16="http://schemas.microsoft.com/office/drawing/2014/main" id="{626DA82A-72C2-4DF6-9CF0-0D1F6B96B529}"/>
+                  <a16:creationId xmlns:a16="http://schemas.microsoft.com/office/drawing/2014/main" xmlns="" id="{626DA82A-72C2-4DF6-9CF0-0D1F6B96B529}"/>
                 </a:ext>
                 <a:ext uri="{C183D7F6-B498-43B3-948B-1728B52AA6E4}">
-                  <adec:decorative xmlns="" xmlns:adec="http://schemas.microsoft.com/office/drawing/2017/decorative" val="1"/>
+                  <adec:decorative xmlns:adec="http://schemas.microsoft.com/office/drawing/2017/decorative" xmlns="" val="1"/>
                 </a:ext>
               </a:extLst>
             </p:cNvPr>
@@ -43505,7 +44507,7 @@
             <p:nvPr>
               <p:extLst>
                 <p:ext uri="{386F3935-93C4-4BCD-93E2-E3B085C9AB24}">
-                  <p16:designElem xmlns:p16="http://schemas.microsoft.com/office/powerpoint/2015/main" xmlns="" val="1"/>
+                  <p16:designElem xmlns="" xmlns:p16="http://schemas.microsoft.com/office/powerpoint/2015/main" val="1"/>
                 </p:ext>
               </p:extLst>
             </p:nvPr>
@@ -43550,10 +44552,10 @@
             <p:cNvPr id="21" name="Isosceles Triangle 20">
               <a:extLst>
                 <a:ext uri="{FF2B5EF4-FFF2-40B4-BE49-F238E27FC236}">
-                  <a16:creationId xmlns="" xmlns:a16="http://schemas.microsoft.com/office/drawing/2014/main" id="{8EE6DC63-4380-4BE0-A68A-8F01162BD192}"/>
+                  <a16:creationId xmlns:a16="http://schemas.microsoft.com/office/drawing/2014/main" xmlns="" id="{8EE6DC63-4380-4BE0-A68A-8F01162BD192}"/>
                 </a:ext>
                 <a:ext uri="{C183D7F6-B498-43B3-948B-1728B52AA6E4}">
-                  <adec:decorative xmlns="" xmlns:adec="http://schemas.microsoft.com/office/drawing/2017/decorative" val="1"/>
+                  <adec:decorative xmlns:adec="http://schemas.microsoft.com/office/drawing/2017/decorative" xmlns="" val="1"/>
                 </a:ext>
               </a:extLst>
             </p:cNvPr>
@@ -43561,7 +44563,7 @@
             <p:nvPr>
               <p:extLst>
                 <p:ext uri="{386F3935-93C4-4BCD-93E2-E3B085C9AB24}">
-                  <p16:designElem xmlns:p16="http://schemas.microsoft.com/office/powerpoint/2015/main" xmlns="" val="1"/>
+                  <p16:designElem xmlns="" xmlns:p16="http://schemas.microsoft.com/office/powerpoint/2015/main" val="1"/>
                 </p:ext>
               </p:extLst>
             </p:nvPr>
@@ -43607,10 +44609,10 @@
           <p:cNvPr id="23" name="Rectangle 22">
             <a:extLst>
               <a:ext uri="{FF2B5EF4-FFF2-40B4-BE49-F238E27FC236}">
-                <a16:creationId xmlns="" xmlns:a16="http://schemas.microsoft.com/office/drawing/2014/main" id="{8DF4D7F6-81B5-452A-9CE6-76D81F91D41B}"/>
+                <a16:creationId xmlns:a16="http://schemas.microsoft.com/office/drawing/2014/main" xmlns="" id="{8DF4D7F6-81B5-452A-9CE6-76D81F91D41B}"/>
               </a:ext>
               <a:ext uri="{C183D7F6-B498-43B3-948B-1728B52AA6E4}">
-                <adec:decorative xmlns="" xmlns:adec="http://schemas.microsoft.com/office/drawing/2017/decorative" val="1"/>
+                <adec:decorative xmlns:adec="http://schemas.microsoft.com/office/drawing/2017/decorative" xmlns="" val="1"/>
               </a:ext>
             </a:extLst>
           </p:cNvPr>
@@ -43620,7 +44622,7 @@
           <p:nvPr>
             <p:extLst>
               <p:ext uri="{386F3935-93C4-4BCD-93E2-E3B085C9AB24}">
-                <p16:designElem xmlns:p16="http://schemas.microsoft.com/office/powerpoint/2015/main" xmlns="" val="1"/>
+                <p16:designElem xmlns="" xmlns:p16="http://schemas.microsoft.com/office/powerpoint/2015/main" val="1"/>
               </p:ext>
             </p:extLst>
           </p:nvPr>
@@ -43667,7 +44669,7 @@
           <p:cNvPr id="3" name="Title 2">
             <a:extLst>
               <a:ext uri="{FF2B5EF4-FFF2-40B4-BE49-F238E27FC236}">
-                <a16:creationId xmlns="" xmlns:a16="http://schemas.microsoft.com/office/drawing/2014/main" id="{12FD7EA0-CFEB-4E75-8AFB-5B8FE68C9A91}"/>
+                <a16:creationId xmlns:a16="http://schemas.microsoft.com/office/drawing/2014/main" xmlns="" id="{12FD7EA0-CFEB-4E75-8AFB-5B8FE68C9A91}"/>
               </a:ext>
             </a:extLst>
           </p:cNvPr>
@@ -43711,10 +44713,10 @@
           <p:cNvPr id="25" name="Isosceles Triangle 24">
             <a:extLst>
               <a:ext uri="{FF2B5EF4-FFF2-40B4-BE49-F238E27FC236}">
-                <a16:creationId xmlns="" xmlns:a16="http://schemas.microsoft.com/office/drawing/2014/main" id="{4600514D-20FB-4559-97DC-D1DC39E6C3DE}"/>
+                <a16:creationId xmlns:a16="http://schemas.microsoft.com/office/drawing/2014/main" xmlns="" id="{4600514D-20FB-4559-97DC-D1DC39E6C3DE}"/>
               </a:ext>
               <a:ext uri="{C183D7F6-B498-43B3-948B-1728B52AA6E4}">
-                <adec:decorative xmlns="" xmlns:adec="http://schemas.microsoft.com/office/drawing/2017/decorative" val="1"/>
+                <adec:decorative xmlns:adec="http://schemas.microsoft.com/office/drawing/2017/decorative" xmlns="" val="1"/>
               </a:ext>
             </a:extLst>
           </p:cNvPr>
@@ -43724,7 +44726,7 @@
           <p:nvPr>
             <p:extLst>
               <p:ext uri="{386F3935-93C4-4BCD-93E2-E3B085C9AB24}">
-                <p16:designElem xmlns:p16="http://schemas.microsoft.com/office/powerpoint/2015/main" xmlns="" val="1"/>
+                <p16:designElem xmlns="" xmlns:p16="http://schemas.microsoft.com/office/powerpoint/2015/main" val="1"/>
               </p:ext>
             </p:extLst>
           </p:nvPr>
@@ -43769,7 +44771,7 @@
           <p:cNvPr id="5" name="Footer Placeholder 4">
             <a:extLst>
               <a:ext uri="{FF2B5EF4-FFF2-40B4-BE49-F238E27FC236}">
-                <a16:creationId xmlns="" xmlns:a16="http://schemas.microsoft.com/office/drawing/2014/main" id="{E82D1BFA-FEB4-419F-977D-5BC43DB0DD77}"/>
+                <a16:creationId xmlns:a16="http://schemas.microsoft.com/office/drawing/2014/main" xmlns="" id="{E82D1BFA-FEB4-419F-977D-5BC43DB0DD77}"/>
               </a:ext>
             </a:extLst>
           </p:cNvPr>
@@ -43822,10 +44824,10 @@
           <p:cNvPr id="27" name="Isosceles Triangle 26">
             <a:extLst>
               <a:ext uri="{FF2B5EF4-FFF2-40B4-BE49-F238E27FC236}">
-                <a16:creationId xmlns="" xmlns:a16="http://schemas.microsoft.com/office/drawing/2014/main" id="{266F638A-E405-4AC0-B984-72E5813B0DD1}"/>
+                <a16:creationId xmlns:a16="http://schemas.microsoft.com/office/drawing/2014/main" xmlns="" id="{266F638A-E405-4AC0-B984-72E5813B0DD1}"/>
               </a:ext>
               <a:ext uri="{C183D7F6-B498-43B3-948B-1728B52AA6E4}">
-                <adec:decorative xmlns="" xmlns:adec="http://schemas.microsoft.com/office/drawing/2017/decorative" val="1"/>
+                <adec:decorative xmlns:adec="http://schemas.microsoft.com/office/drawing/2017/decorative" xmlns="" val="1"/>
               </a:ext>
             </a:extLst>
           </p:cNvPr>
@@ -43835,7 +44837,7 @@
           <p:nvPr>
             <p:extLst>
               <p:ext uri="{386F3935-93C4-4BCD-93E2-E3B085C9AB24}">
-                <p16:designElem xmlns:p16="http://schemas.microsoft.com/office/powerpoint/2015/main" xmlns="" val="1"/>
+                <p16:designElem xmlns="" xmlns:p16="http://schemas.microsoft.com/office/powerpoint/2015/main" val="1"/>
               </p:ext>
             </p:extLst>
           </p:nvPr>
@@ -43878,10 +44880,10 @@
           <p:cNvPr id="29" name="Straight Connector 28">
             <a:extLst>
               <a:ext uri="{FF2B5EF4-FFF2-40B4-BE49-F238E27FC236}">
-                <a16:creationId xmlns="" xmlns:a16="http://schemas.microsoft.com/office/drawing/2014/main" id="{7D1CBE93-B17D-4509-843C-82287C38032A}"/>
+                <a16:creationId xmlns:a16="http://schemas.microsoft.com/office/drawing/2014/main" xmlns="" id="{7D1CBE93-B17D-4509-843C-82287C38032A}"/>
               </a:ext>
               <a:ext uri="{C183D7F6-B498-43B3-948B-1728B52AA6E4}">
-                <adec:decorative xmlns="" xmlns:adec="http://schemas.microsoft.com/office/drawing/2017/decorative" val="1"/>
+                <adec:decorative xmlns:adec="http://schemas.microsoft.com/office/drawing/2017/decorative" xmlns="" val="1"/>
               </a:ext>
             </a:extLst>
           </p:cNvPr>
@@ -43891,7 +44893,7 @@
           <p:nvPr>
             <p:extLst>
               <p:ext uri="{386F3935-93C4-4BCD-93E2-E3B085C9AB24}">
-                <p16:designElem xmlns:p16="http://schemas.microsoft.com/office/powerpoint/2015/main" xmlns="" val="1"/>
+                <p16:designElem xmlns="" xmlns:p16="http://schemas.microsoft.com/office/powerpoint/2015/main" val="1"/>
               </p:ext>
             </p:extLst>
           </p:nvPr>
@@ -43931,10 +44933,10 @@
           <p:cNvPr id="31" name="Straight Connector 30">
             <a:extLst>
               <a:ext uri="{FF2B5EF4-FFF2-40B4-BE49-F238E27FC236}">
-                <a16:creationId xmlns="" xmlns:a16="http://schemas.microsoft.com/office/drawing/2014/main" id="{AE6277B4-6A43-48AB-89B2-3442221619CC}"/>
+                <a16:creationId xmlns:a16="http://schemas.microsoft.com/office/drawing/2014/main" xmlns="" id="{AE6277B4-6A43-48AB-89B2-3442221619CC}"/>
               </a:ext>
               <a:ext uri="{C183D7F6-B498-43B3-948B-1728B52AA6E4}">
-                <adec:decorative xmlns="" xmlns:adec="http://schemas.microsoft.com/office/drawing/2017/decorative" val="1"/>
+                <adec:decorative xmlns:adec="http://schemas.microsoft.com/office/drawing/2017/decorative" xmlns="" val="1"/>
               </a:ext>
             </a:extLst>
           </p:cNvPr>
@@ -43944,7 +44946,7 @@
           <p:nvPr>
             <p:extLst>
               <p:ext uri="{386F3935-93C4-4BCD-93E2-E3B085C9AB24}">
-                <p16:designElem xmlns:p16="http://schemas.microsoft.com/office/powerpoint/2015/main" xmlns="" val="1"/>
+                <p16:designElem xmlns="" xmlns:p16="http://schemas.microsoft.com/office/powerpoint/2015/main" val="1"/>
               </p:ext>
             </p:extLst>
           </p:nvPr>
@@ -43983,7 +44985,7 @@
           <p:cNvPr id="2" name="Content Placeholder 1">
             <a:extLst>
               <a:ext uri="{FF2B5EF4-FFF2-40B4-BE49-F238E27FC236}">
-                <a16:creationId xmlns="" xmlns:a16="http://schemas.microsoft.com/office/drawing/2014/main" id="{39A6FAD1-C2C6-47B8-A6FE-188892E09DF4}"/>
+                <a16:creationId xmlns:a16="http://schemas.microsoft.com/office/drawing/2014/main" xmlns="" id="{39A6FAD1-C2C6-47B8-A6FE-188892E09DF4}"/>
               </a:ext>
             </a:extLst>
           </p:cNvPr>
@@ -44087,7 +45089,19 @@
             </a:r>
             <a:r>
               <a:rPr lang="en-US" sz="2400" dirty="0" smtClean="0"/>
-              <a:t> :  </a:t>
+              <a:t>(</a:t>
+            </a:r>
+            <a:r>
+              <a:rPr lang="en-US" sz="2400" dirty="0" err="1" smtClean="0"/>
+              <a:t>google</a:t>
+            </a:r>
+            <a:r>
+              <a:rPr lang="en-US" sz="2400" dirty="0" smtClean="0"/>
+              <a:t> Remote Procedure Call) </a:t>
+            </a:r>
+            <a:r>
+              <a:rPr lang="en-US" sz="2400" dirty="0" smtClean="0"/>
+              <a:t>:  </a:t>
             </a:r>
             <a:r>
               <a:rPr lang="en-US" sz="2400" dirty="0" err="1" smtClean="0"/>
@@ -44162,10 +45176,10 @@
           <p:cNvPr id="33" name="Rectangle 27">
             <a:extLst>
               <a:ext uri="{FF2B5EF4-FFF2-40B4-BE49-F238E27FC236}">
-                <a16:creationId xmlns="" xmlns:a16="http://schemas.microsoft.com/office/drawing/2014/main" id="{27B538D5-95DB-47ED-9CB4-34AE5BF78E6B}"/>
+                <a16:creationId xmlns:a16="http://schemas.microsoft.com/office/drawing/2014/main" xmlns="" id="{27B538D5-95DB-47ED-9CB4-34AE5BF78E6B}"/>
               </a:ext>
               <a:ext uri="{C183D7F6-B498-43B3-948B-1728B52AA6E4}">
-                <adec:decorative xmlns="" xmlns:adec="http://schemas.microsoft.com/office/drawing/2017/decorative" val="1"/>
+                <adec:decorative xmlns:adec="http://schemas.microsoft.com/office/drawing/2017/decorative" xmlns="" val="1"/>
               </a:ext>
             </a:extLst>
           </p:cNvPr>
@@ -44175,7 +45189,7 @@
           <p:nvPr>
             <p:extLst>
               <p:ext uri="{386F3935-93C4-4BCD-93E2-E3B085C9AB24}">
-                <p16:designElem xmlns:p16="http://schemas.microsoft.com/office/powerpoint/2015/main" xmlns="" val="1"/>
+                <p16:designElem xmlns="" xmlns:p16="http://schemas.microsoft.com/office/powerpoint/2015/main" val="1"/>
               </p:ext>
             </p:extLst>
           </p:nvPr>
@@ -44240,7 +45254,7 @@
           <p:cNvPr id="4" name="Date Placeholder 3">
             <a:extLst>
               <a:ext uri="{FF2B5EF4-FFF2-40B4-BE49-F238E27FC236}">
-                <a16:creationId xmlns="" xmlns:a16="http://schemas.microsoft.com/office/drawing/2014/main" id="{6B2CF951-67E8-43A1-BBBD-A44046F57703}"/>
+                <a16:creationId xmlns:a16="http://schemas.microsoft.com/office/drawing/2014/main" xmlns="" id="{6B2CF951-67E8-43A1-BBBD-A44046F57703}"/>
               </a:ext>
             </a:extLst>
           </p:cNvPr>
@@ -44293,7 +45307,7 @@
           <p:cNvPr id="6" name="Slide Number Placeholder 5">
             <a:extLst>
               <a:ext uri="{FF2B5EF4-FFF2-40B4-BE49-F238E27FC236}">
-                <a16:creationId xmlns="" xmlns:a16="http://schemas.microsoft.com/office/drawing/2014/main" id="{9D6B4462-AECF-4C8B-82E2-282905936963}"/>
+                <a16:creationId xmlns:a16="http://schemas.microsoft.com/office/drawing/2014/main" xmlns="" id="{9D6B4462-AECF-4C8B-82E2-282905936963}"/>
               </a:ext>
             </a:extLst>
           </p:cNvPr>
@@ -44356,6 +45370,13 @@
   <p:clrMapOvr>
     <a:masterClrMapping/>
   </p:clrMapOvr>
+  <p:timing>
+    <p:tnLst>
+      <p:par>
+        <p:cTn xmlns:p14="http://schemas.microsoft.com/office/powerpoint/2010/main" id="1" dur="indefinite" restart="never" nodeType="tmRoot"/>
+      </p:par>
+    </p:tnLst>
+  </p:timing>
 </p:sld>
 </file>
 
@@ -45264,25 +46285,25 @@
               <a:buChar char=""/>
             </a:pPr>
             <a:r>
-              <a:rPr lang="en-US" sz="2400" b="0" strike="noStrike" spc="-1" dirty="0">
+              <a:rPr lang="en-US" sz="2400" b="0" strike="noStrike" spc="-1" dirty="0" smtClean="0">
                 <a:solidFill>
                   <a:srgbClr val="404040"/>
                 </a:solidFill>
                 <a:latin typeface="Times New Roman"/>
               </a:rPr>
-              <a:t>RPC- hay </a:t>
-            </a:r>
-            <a:r>
-              <a:rPr lang="en-US" sz="2400" b="0" strike="noStrike" spc="-1" dirty="0" err="1">
+              <a:t>RPC</a:t>
+            </a:r>
+            <a:r>
+              <a:rPr lang="en-US" sz="2400" spc="-1" dirty="0">
                 <a:solidFill>
                   <a:srgbClr val="404040"/>
                 </a:solidFill>
                 <a:latin typeface="Times New Roman"/>
               </a:rPr>
-              <a:t>còn</a:t>
-            </a:r>
-            <a:r>
-              <a:rPr lang="en-US" sz="2400" b="0" strike="noStrike" spc="-1" dirty="0">
+              <a:t>(</a:t>
+            </a:r>
+            <a:r>
+              <a:rPr lang="en-US" sz="2400" b="0" strike="noStrike" spc="-1" dirty="0" smtClean="0">
                 <a:solidFill>
                   <a:srgbClr val="404040"/>
                 </a:solidFill>
@@ -45291,40 +46312,13 @@
               <a:t> </a:t>
             </a:r>
             <a:r>
-              <a:rPr lang="en-US" sz="2400" b="0" strike="noStrike" spc="-1" dirty="0" err="1">
+              <a:rPr lang="en-US" sz="2400" b="1" strike="noStrike" spc="-1" dirty="0" smtClean="0">
                 <a:solidFill>
                   <a:srgbClr val="404040"/>
                 </a:solidFill>
                 <a:latin typeface="Times New Roman"/>
               </a:rPr>
-              <a:t>gọi</a:t>
-            </a:r>
-            <a:r>
-              <a:rPr lang="en-US" sz="2400" b="0" strike="noStrike" spc="-1" dirty="0">
-                <a:solidFill>
-                  <a:srgbClr val="404040"/>
-                </a:solidFill>
-                <a:latin typeface="Times New Roman"/>
-              </a:rPr>
-              <a:t> </a:t>
-            </a:r>
-            <a:r>
-              <a:rPr lang="en-US" sz="2400" b="0" strike="noStrike" spc="-1" dirty="0" err="1">
-                <a:solidFill>
-                  <a:srgbClr val="404040"/>
-                </a:solidFill>
-                <a:latin typeface="Times New Roman"/>
-              </a:rPr>
-              <a:t>là</a:t>
-            </a:r>
-            <a:r>
-              <a:rPr lang="en-US" sz="2400" b="0" strike="noStrike" spc="-1" dirty="0">
-                <a:solidFill>
-                  <a:srgbClr val="404040"/>
-                </a:solidFill>
-                <a:latin typeface="Times New Roman"/>
-              </a:rPr>
-              <a:t> </a:t>
+              <a:t>Remote </a:t>
             </a:r>
             <a:r>
               <a:rPr lang="en-US" sz="2400" b="1" strike="noStrike" spc="-1" dirty="0">
@@ -45333,7 +46327,16 @@
                 </a:solidFill>
                 <a:latin typeface="Times New Roman"/>
               </a:rPr>
-              <a:t>Remote Procedure Call </a:t>
+              <a:t>Procedure </a:t>
+            </a:r>
+            <a:r>
+              <a:rPr lang="en-US" sz="2400" b="1" strike="noStrike" spc="-1" dirty="0" smtClean="0">
+                <a:solidFill>
+                  <a:srgbClr val="404040"/>
+                </a:solidFill>
+                <a:latin typeface="Times New Roman"/>
+              </a:rPr>
+              <a:t>Call) </a:t>
             </a:r>
             <a:r>
               <a:rPr lang="en-US" sz="2400" b="0" strike="noStrike" spc="-1" dirty="0" err="1">
@@ -45733,7 +46736,7 @@
                 </a:solidFill>
                 <a:latin typeface="Times New Roman"/>
               </a:rPr>
-              <a:t>12/25/19</a:t>
+              <a:t>December 25, 2019</a:t>
             </a:fld>
             <a:endParaRPr lang="en-US" sz="1050" b="0" strike="noStrike" spc="-1">
               <a:latin typeface="Times New Roman"/>
@@ -47556,7 +48559,7 @@
                 </a:solidFill>
                 <a:latin typeface="Times New Roman"/>
               </a:rPr>
-              <a:t>12/25/19</a:t>
+              <a:t>December 25, 2019</a:t>
             </a:fld>
             <a:endParaRPr lang="en-US" sz="1050" b="0" strike="noStrike" spc="-1">
               <a:latin typeface="Times New Roman"/>
@@ -48655,7 +49658,7 @@
                 </a:solidFill>
                 <a:latin typeface="Times New Roman"/>
               </a:rPr>
-              <a:t>12/25/19</a:t>
+              <a:t>December 25, 2019</a:t>
             </a:fld>
             <a:endParaRPr lang="en-US" sz="1050" b="0" strike="noStrike" spc="-1">
               <a:latin typeface="Times New Roman"/>
@@ -49106,7 +50109,7 @@
   <a:extraClrSchemeLst/>
   <a:extLst>
     <a:ext uri="{05A4C25C-085E-4340-85A3-A5531E510DB2}">
-      <thm15:themeFamily xmlns:thm15="http://schemas.microsoft.com/office/thememl/2012/main" xmlns="" name="Facet" id="{C0C680CD-088A-49FC-A102-D699147F32B2}" vid="{CFBC31BA-B70F-4F30-BCAA-4F3011E16C4D}"/>
+      <thm15:themeFamily xmlns="" xmlns:thm15="http://schemas.microsoft.com/office/thememl/2012/main" name="Facet" id="{C0C680CD-088A-49FC-A102-D699147F32B2}" vid="{CFBC31BA-B70F-4F30-BCAA-4F3011E16C4D}"/>
     </a:ext>
   </a:extLst>
 </a:theme>
@@ -49401,7 +50404,7 @@
   <a:extraClrSchemeLst/>
   <a:extLst>
     <a:ext uri="{05A4C25C-085E-4340-85A3-A5531E510DB2}">
-      <thm15:themeFamily xmlns:thm15="http://schemas.microsoft.com/office/thememl/2012/main" xmlns="" name="Office Theme" id="{62F939B6-93AF-4DB8-9C6B-D6C7DFDC589F}" vid="{4A3C46E8-61CC-4603-A589-7422A47A8E4A}"/>
+      <thm15:themeFamily xmlns="" xmlns:thm15="http://schemas.microsoft.com/office/thememl/2012/main" name="Office Theme" id="{62F939B6-93AF-4DB8-9C6B-D6C7DFDC589F}" vid="{4A3C46E8-61CC-4603-A589-7422A47A8E4A}"/>
     </a:ext>
   </a:extLst>
 </a:theme>

--- a/DATN_Presentation.pptx
+++ b/DATN_Presentation.pptx
@@ -32512,7 +32512,7 @@
       </p:sp>
       <p:pic>
         <p:nvPicPr>
-          <p:cNvPr id="2" name="Picture 1" descr="VoiceRecorder (4).png"/>
+          <p:cNvPr id="7" name="Picture 6" descr="VoiceRecorder (5).png"/>
           <p:cNvPicPr>
             <a:picLocks noChangeAspect="1"/>
           </p:cNvPicPr>
@@ -32532,8 +32532,8 @@
         </p:blipFill>
         <p:spPr>
           <a:xfrm>
-            <a:off x="468529" y="478088"/>
-            <a:ext cx="6411434" cy="6010042"/>
+            <a:off x="678133" y="135619"/>
+            <a:ext cx="6288138" cy="5894465"/>
           </a:xfrm>
           <a:prstGeom prst="rect">
             <a:avLst/>

--- a/DATN_Presentation.pptx
+++ b/DATN_Presentation.pptx
@@ -34842,7 +34842,7 @@
           </a:p>
           <a:p>
             <a:r>
-              <a:rPr lang="en-US" sz="2400" dirty="0">
+              <a:rPr lang="en-US" sz="2400" dirty="0" smtClean="0">
                 <a:solidFill>
                   <a:srgbClr val="FFFFFF"/>
                 </a:solidFill>
@@ -34850,7 +34850,7 @@
               <a:t>- </a:t>
             </a:r>
             <a:r>
-              <a:rPr lang="en-US" sz="2400" dirty="0" err="1">
+              <a:rPr lang="en-US" sz="2400" dirty="0" err="1" smtClean="0">
                 <a:solidFill>
                   <a:srgbClr val="FFFFFF"/>
                 </a:solidFill>
@@ -34858,7 +34858,7 @@
               <a:t>Hạn</a:t>
             </a:r>
             <a:r>
-              <a:rPr lang="en-US" sz="2400" dirty="0">
+              <a:rPr lang="en-US" sz="2400" dirty="0" smtClean="0">
                 <a:solidFill>
                   <a:srgbClr val="FFFFFF"/>
                 </a:solidFill>
@@ -34866,12 +34866,67 @@
               <a:t> </a:t>
             </a:r>
             <a:r>
-              <a:rPr lang="en-US" sz="2400" dirty="0" err="1">
+              <a:rPr lang="en-US" sz="2400" dirty="0" err="1" smtClean="0">
                 <a:solidFill>
                   <a:srgbClr val="FFFFFF"/>
                 </a:solidFill>
               </a:rPr>
               <a:t>chế</a:t>
+            </a:r>
+            <a:endParaRPr lang="en-US" sz="2400" dirty="0" smtClean="0">
+              <a:solidFill>
+                <a:srgbClr val="FFFFFF"/>
+              </a:solidFill>
+            </a:endParaRPr>
+          </a:p>
+          <a:p>
+            <a:r>
+              <a:rPr lang="en-US" sz="2400" dirty="0" smtClean="0">
+                <a:solidFill>
+                  <a:srgbClr val="FFFFFF"/>
+                </a:solidFill>
+              </a:rPr>
+              <a:t>- </a:t>
+            </a:r>
+            <a:r>
+              <a:rPr lang="en-US" sz="2400" dirty="0" err="1" smtClean="0">
+                <a:solidFill>
+                  <a:srgbClr val="FFFFFF"/>
+                </a:solidFill>
+              </a:rPr>
+              <a:t>Hướng</a:t>
+            </a:r>
+            <a:r>
+              <a:rPr lang="en-US" sz="2400" dirty="0" smtClean="0">
+                <a:solidFill>
+                  <a:srgbClr val="FFFFFF"/>
+                </a:solidFill>
+              </a:rPr>
+              <a:t> </a:t>
+            </a:r>
+            <a:r>
+              <a:rPr lang="en-US" sz="2400" dirty="0" err="1" smtClean="0">
+                <a:solidFill>
+                  <a:srgbClr val="FFFFFF"/>
+                </a:solidFill>
+              </a:rPr>
+              <a:t>phát</a:t>
+            </a:r>
+            <a:r>
+              <a:rPr lang="en-US" sz="2400" dirty="0" smtClean="0">
+                <a:solidFill>
+                  <a:srgbClr val="FFFFFF"/>
+                </a:solidFill>
+              </a:rPr>
+              <a:t> </a:t>
+            </a:r>
+            <a:r>
+              <a:rPr lang="en-US" sz="2400" dirty="0" err="1" smtClean="0">
+                <a:solidFill>
+                  <a:srgbClr val="FFFFFF"/>
+                </a:solidFill>
+              </a:rPr>
+              <a:t>triển</a:t>
             </a:r>
             <a:endParaRPr lang="en-US" sz="2400" dirty="0">
               <a:solidFill>
